--- a/docs/Website Design for tourist attraction.pptx
+++ b/docs/Website Design for tourist attraction.pptx
@@ -13,19 +13,19 @@
   <p:sldIdLst>
     <p:sldId id="410" r:id="rId5"/>
     <p:sldId id="371" r:id="rId6"/>
-    <p:sldId id="400" r:id="rId7"/>
-    <p:sldId id="409" r:id="rId8"/>
-    <p:sldId id="388" r:id="rId9"/>
-    <p:sldId id="390" r:id="rId10"/>
+    <p:sldId id="409" r:id="rId7"/>
+    <p:sldId id="388" r:id="rId8"/>
+    <p:sldId id="390" r:id="rId9"/>
+    <p:sldId id="424" r:id="rId10"/>
     <p:sldId id="419" r:id="rId11"/>
     <p:sldId id="414" r:id="rId12"/>
-    <p:sldId id="421" r:id="rId13"/>
+    <p:sldId id="423" r:id="rId13"/>
     <p:sldId id="420" r:id="rId14"/>
     <p:sldId id="416" r:id="rId15"/>
-    <p:sldId id="422" r:id="rId16"/>
-    <p:sldId id="418" r:id="rId17"/>
-    <p:sldId id="412" r:id="rId18"/>
-    <p:sldId id="411" r:id="rId19"/>
+    <p:sldId id="418" r:id="rId16"/>
+    <p:sldId id="412" r:id="rId17"/>
+    <p:sldId id="411" r:id="rId18"/>
+    <p:sldId id="400" r:id="rId19"/>
     <p:sldId id="372" r:id="rId20"/>
     <p:sldId id="407" r:id="rId21"/>
   </p:sldIdLst>
@@ -1080,8 +1080,8 @@
         <a:p>
           <a:pPr rtl="0"/>
           <a:r>
-            <a:rPr lang="en-US" altLang="zh-CN" sz="1300" b="1" dirty="0"/>
-            <a:t>1</a:t>
+            <a:rPr lang="en-US" altLang="zh-CN" sz="1300" b="0" i="0" u="none" dirty="0"/>
+            <a:t>Aug. 27</a:t>
           </a:r>
           <a:endParaRPr lang="zh-CN" sz="1300" b="1" dirty="0"/>
         </a:p>
@@ -1121,9 +1121,15 @@
           <a:pPr rtl="0"/>
           <a:r>
             <a:rPr lang="en-US" altLang="zh-CN" sz="1300" b="0" i="0" u="none" dirty="0"/>
-            <a:t>launch</a:t>
+            <a:t>Day 1:</a:t>
           </a:r>
-          <a:endParaRPr lang="zh-CN" sz="1300" dirty="0"/>
+        </a:p>
+        <a:p>
+          <a:pPr rtl="0"/>
+          <a:r>
+            <a:rPr lang="en-US" altLang="zh-CN" sz="1300" b="0" i="0" u="none" dirty="0"/>
+            <a:t>Launch: kick off meeting, define project purpose and target audience.</a:t>
+          </a:r>
         </a:p>
       </dgm:t>
     </dgm:pt>
@@ -1160,8 +1166,8 @@
         <a:p>
           <a:pPr rtl="0"/>
           <a:r>
-            <a:rPr lang="en-US" altLang="zh-CN" sz="1300" b="1" dirty="0"/>
-            <a:t>2</a:t>
+            <a:rPr lang="en-US" altLang="zh-CN" sz="1300" b="0" i="0" u="none" dirty="0"/>
+            <a:t>Aug. 28</a:t>
           </a:r>
           <a:endParaRPr lang="zh-CN" sz="1300" b="1" dirty="0"/>
         </a:p>
@@ -1200,8 +1206,15 @@
         <a:p>
           <a:pPr rtl="0"/>
           <a:r>
-            <a:rPr lang="en-US" altLang="zh-CN" sz="1300" b="0" i="0" u="none" dirty="0" err="1"/>
-            <a:t>Planing</a:t>
+            <a:rPr lang="en-US" altLang="zh-CN" sz="1300" b="0" i="0" u="none" dirty="0"/>
+            <a:t>Day 2:</a:t>
+          </a:r>
+        </a:p>
+        <a:p>
+          <a:pPr rtl="0"/>
+          <a:r>
+            <a:rPr lang="en-US" altLang="zh-CN" sz="1300" b="0" i="0" u="none" dirty="0"/>
+            <a:t>Planning: Meeting together to discuss web design mothed, tools, layout and contents</a:t>
           </a:r>
           <a:endParaRPr lang="zh-CN" sz="1300" dirty="0"/>
         </a:p>
@@ -1249,8 +1262,8 @@
         <a:p>
           <a:pPr rtl="0"/>
           <a:r>
-            <a:rPr lang="en-US" altLang="zh-CN" sz="1300" b="1" dirty="0"/>
-            <a:t>3</a:t>
+            <a:rPr lang="en-US" altLang="zh-CN" sz="1300" b="0" i="0" u="none" dirty="0"/>
+            <a:t>Aug. 29</a:t>
           </a:r>
           <a:endParaRPr lang="zh-CN" sz="1300" b="1" dirty="0"/>
         </a:p>
@@ -1300,8 +1313,8 @@
         <a:p>
           <a:pPr rtl="0"/>
           <a:r>
-            <a:rPr lang="en-US" altLang="zh-CN" sz="1300" b="1" dirty="0"/>
-            <a:t>4</a:t>
+            <a:rPr lang="en-US" altLang="zh-CN" sz="1300" b="0" i="0" u="none" dirty="0"/>
+            <a:t>Aug. 30</a:t>
           </a:r>
           <a:endParaRPr lang="zh-CN" sz="1300" b="1" dirty="0"/>
         </a:p>
@@ -1341,7 +1354,14 @@
           <a:pPr rtl="0"/>
           <a:r>
             <a:rPr lang="en-US" altLang="zh-CN" sz="1300" b="0" i="0" u="none" dirty="0"/>
-            <a:t>create</a:t>
+            <a:t>Day 3:</a:t>
+          </a:r>
+        </a:p>
+        <a:p>
+          <a:pPr rtl="0"/>
+          <a:r>
+            <a:rPr lang="en-US" altLang="zh-CN" sz="1300" b="0" i="0" u="none" dirty="0"/>
+            <a:t>Implementation: missions' assignment and team members start to create web</a:t>
           </a:r>
           <a:endParaRPr lang="zh-CN" sz="1300" dirty="0"/>
         </a:p>
@@ -1381,7 +1401,14 @@
           <a:pPr rtl="0"/>
           <a:r>
             <a:rPr lang="en-US" altLang="zh-CN" sz="1300" b="0" i="0" u="none" dirty="0"/>
-            <a:t>Final</a:t>
+            <a:t>Day 5:</a:t>
+          </a:r>
+        </a:p>
+        <a:p>
+          <a:pPr rtl="0"/>
+          <a:r>
+            <a:rPr lang="en-US" altLang="zh-CN" sz="1300" b="0" i="0" u="none" dirty="0"/>
+            <a:t>Review each web page and make final changes and corrections. Final testing</a:t>
           </a:r>
           <a:endParaRPr lang="zh-CN" sz="1300" dirty="0"/>
         </a:p>
@@ -1431,8 +1458,8 @@
         <a:p>
           <a:pPr rtl="0"/>
           <a:r>
-            <a:rPr lang="en-US" altLang="zh-CN" sz="1300" b="1" dirty="0"/>
-            <a:t>5</a:t>
+            <a:rPr lang="en-US" altLang="zh-CN" sz="1300" b="0" i="0" u="none" dirty="0"/>
+            <a:t>Aug. 31</a:t>
           </a:r>
           <a:endParaRPr lang="zh-CN" sz="1300" b="1" dirty="0"/>
         </a:p>
@@ -1472,7 +1499,21 @@
           <a:pPr rtl="0"/>
           <a:r>
             <a:rPr lang="en-US" altLang="zh-CN" sz="1300" b="0" i="0" u="none" dirty="0"/>
-            <a:t>Adjustment</a:t>
+            <a:t>Milestone</a:t>
+          </a:r>
+        </a:p>
+        <a:p>
+          <a:pPr rtl="0"/>
+          <a:r>
+            <a:rPr lang="en-US" altLang="zh-CN" sz="1300" b="0" i="0" u="none" dirty="0"/>
+            <a:t>Day 4:</a:t>
+          </a:r>
+        </a:p>
+        <a:p>
+          <a:pPr rtl="0"/>
+          <a:r>
+            <a:rPr lang="en-US" altLang="zh-CN" sz="1300" b="0" i="0" u="none" dirty="0"/>
+            <a:t>Team work together and do consolidation and adjustment</a:t>
           </a:r>
           <a:endParaRPr lang="zh-CN" sz="1300" dirty="0"/>
         </a:p>
@@ -1527,7 +1568,7 @@
       <dgm:spPr/>
     </dgm:pt>
     <dgm:pt modelId="{45A02F84-C6CB-43F5-AEE4-3EA66C2BD25F}" type="pres">
-      <dgm:prSet presAssocID="{4259F840-24E7-476F-9F30-482E46395856}" presName="Childtext1" presStyleLbl="revTx" presStyleIdx="0" presStyleCnt="5">
+      <dgm:prSet presAssocID="{4259F840-24E7-476F-9F30-482E46395856}" presName="Childtext1" presStyleLbl="revTx" presStyleIdx="0" presStyleCnt="5" custScaleX="57607">
         <dgm:presLayoutVars>
           <dgm:bulletEnabled val="1"/>
         </dgm:presLayoutVars>
@@ -1580,7 +1621,7 @@
       <dgm:spPr/>
     </dgm:pt>
     <dgm:pt modelId="{FEBD3C2A-A340-470A-A475-AE614EA07678}" type="pres">
-      <dgm:prSet presAssocID="{E4033A39-DCC4-4038-9562-AEDDBBB37A99}" presName="Childtext1" presStyleLbl="revTx" presStyleIdx="1" presStyleCnt="5">
+      <dgm:prSet presAssocID="{E4033A39-DCC4-4038-9562-AEDDBBB37A99}" presName="Childtext1" presStyleLbl="revTx" presStyleIdx="1" presStyleCnt="5" custScaleX="70107">
         <dgm:presLayoutVars>
           <dgm:bulletEnabled val="1"/>
         </dgm:presLayoutVars>
@@ -1633,7 +1674,7 @@
       <dgm:spPr/>
     </dgm:pt>
     <dgm:pt modelId="{80CDBBF8-C6B4-4166-87C1-DC9120CC7586}" type="pres">
-      <dgm:prSet presAssocID="{87BF7896-20EA-4E8F-B6F4-A34EC5C9CB50}" presName="Childtext1" presStyleLbl="revTx" presStyleIdx="2" presStyleCnt="5">
+      <dgm:prSet presAssocID="{87BF7896-20EA-4E8F-B6F4-A34EC5C9CB50}" presName="Childtext1" presStyleLbl="revTx" presStyleIdx="2" presStyleCnt="5" custScaleX="59563">
         <dgm:presLayoutVars>
           <dgm:bulletEnabled val="1"/>
         </dgm:presLayoutVars>
@@ -1686,7 +1727,7 @@
       <dgm:spPr/>
     </dgm:pt>
     <dgm:pt modelId="{481176DA-885A-4BEE-AC35-A7ACB387C136}" type="pres">
-      <dgm:prSet presAssocID="{5D81D719-E82E-4750-9F53-C6F61B9B6DAC}" presName="Childtext1" presStyleLbl="revTx" presStyleIdx="3" presStyleCnt="5">
+      <dgm:prSet presAssocID="{5D81D719-E82E-4750-9F53-C6F61B9B6DAC}" presName="Childtext1" presStyleLbl="revTx" presStyleIdx="3" presStyleCnt="5" custScaleX="63833">
         <dgm:presLayoutVars>
           <dgm:bulletEnabled val="1"/>
         </dgm:presLayoutVars>
@@ -1739,7 +1780,7 @@
       <dgm:spPr/>
     </dgm:pt>
     <dgm:pt modelId="{7A08F6BE-3C40-44C0-833E-AC9FDCB52097}" type="pres">
-      <dgm:prSet presAssocID="{61DEE219-5F1D-47B1-A6AF-B5F1894D50B3}" presName="Childtext1" presStyleLbl="revTx" presStyleIdx="4" presStyleCnt="5">
+      <dgm:prSet presAssocID="{61DEE219-5F1D-47B1-A6AF-B5F1894D50B3}" presName="Childtext1" presStyleLbl="revTx" presStyleIdx="4" presStyleCnt="5" custScaleX="65616">
         <dgm:presLayoutVars>
           <dgm:bulletEnabled val="1"/>
         </dgm:presLayoutVars>
@@ -1917,8 +1958,8 @@
             <a:buNone/>
           </a:pPr>
           <a:r>
-            <a:rPr lang="en-US" altLang="zh-CN" sz="1300" b="1" kern="1200" dirty="0"/>
-            <a:t>1</a:t>
+            <a:rPr lang="en-US" altLang="zh-CN" sz="1300" b="0" i="0" u="none" kern="1200" dirty="0"/>
+            <a:t>Aug. 27</a:t>
           </a:r>
           <a:endParaRPr lang="zh-CN" sz="1300" b="1" kern="1200" dirty="0"/>
         </a:p>
@@ -1935,8 +1976,8 @@
       </dsp:nvSpPr>
       <dsp:spPr>
         <a:xfrm>
-          <a:off x="3076" y="0"/>
-          <a:ext cx="3086344" cy="1522968"/>
+          <a:off x="657273" y="0"/>
+          <a:ext cx="1777950" cy="1522968"/>
         </a:xfrm>
         <a:prstGeom prst="rect">
           <a:avLst/>
@@ -1979,14 +2020,31 @@
           </a:pPr>
           <a:r>
             <a:rPr lang="en-US" altLang="zh-CN" sz="1300" b="0" i="0" u="none" kern="1200" dirty="0"/>
-            <a:t>launch</a:t>
+            <a:t>Day 1:</a:t>
           </a:r>
-          <a:endParaRPr lang="zh-CN" sz="1300" kern="1200" dirty="0"/>
+        </a:p>
+        <a:p>
+          <a:pPr marL="0" lvl="0" indent="0" algn="ctr" defTabSz="577850" rtl="0">
+            <a:lnSpc>
+              <a:spcPct val="90000"/>
+            </a:lnSpc>
+            <a:spcBef>
+              <a:spcPct val="0"/>
+            </a:spcBef>
+            <a:spcAft>
+              <a:spcPct val="35000"/>
+            </a:spcAft>
+            <a:buNone/>
+          </a:pPr>
+          <a:r>
+            <a:rPr lang="en-US" altLang="zh-CN" sz="1300" b="0" i="0" u="none" kern="1200" dirty="0"/>
+            <a:t>Launch: kick off meeting, define project purpose and target audience.</a:t>
+          </a:r>
         </a:p>
       </dsp:txBody>
       <dsp:txXfrm>
-        <a:off x="3076" y="0"/>
-        <a:ext cx="3086344" cy="1522968"/>
+        <a:off x="657273" y="0"/>
+        <a:ext cx="1777950" cy="1522968"/>
       </dsp:txXfrm>
     </dsp:sp>
     <dsp:sp modelId="{6BA46904-CB7C-4538-BD49-D3891EF19552}">
@@ -2148,8 +2206,8 @@
             <a:buNone/>
           </a:pPr>
           <a:r>
-            <a:rPr lang="en-US" altLang="zh-CN" sz="1300" b="1" kern="1200" dirty="0"/>
-            <a:t>2</a:t>
+            <a:rPr lang="en-US" altLang="zh-CN" sz="1300" b="0" i="0" u="none" kern="1200" dirty="0"/>
+            <a:t>Aug. 28</a:t>
           </a:r>
           <a:endParaRPr lang="zh-CN" sz="1300" b="1" kern="1200" dirty="0"/>
         </a:p>
@@ -2166,8 +2224,8 @@
       </dsp:nvSpPr>
       <dsp:spPr>
         <a:xfrm>
-          <a:off x="1854883" y="2828369"/>
-          <a:ext cx="3086344" cy="1522968"/>
+          <a:off x="2316183" y="2828369"/>
+          <a:ext cx="2163743" cy="1522968"/>
         </a:xfrm>
         <a:prstGeom prst="rect">
           <a:avLst/>
@@ -2209,15 +2267,33 @@
             <a:buNone/>
           </a:pPr>
           <a:r>
-            <a:rPr lang="en-US" altLang="zh-CN" sz="1300" b="0" i="0" u="none" kern="1200" dirty="0" err="1"/>
-            <a:t>Planing</a:t>
+            <a:rPr lang="en-US" altLang="zh-CN" sz="1300" b="0" i="0" u="none" kern="1200" dirty="0"/>
+            <a:t>Day 2:</a:t>
+          </a:r>
+        </a:p>
+        <a:p>
+          <a:pPr marL="0" lvl="0" indent="0" algn="ctr" defTabSz="577850" rtl="0">
+            <a:lnSpc>
+              <a:spcPct val="90000"/>
+            </a:lnSpc>
+            <a:spcBef>
+              <a:spcPct val="0"/>
+            </a:spcBef>
+            <a:spcAft>
+              <a:spcPct val="35000"/>
+            </a:spcAft>
+            <a:buNone/>
+          </a:pPr>
+          <a:r>
+            <a:rPr lang="en-US" altLang="zh-CN" sz="1300" b="0" i="0" u="none" kern="1200" dirty="0"/>
+            <a:t>Planning: Meeting together to discuss web design mothed, tools, layout and contents</a:t>
           </a:r>
           <a:endParaRPr lang="zh-CN" sz="1300" kern="1200" dirty="0"/>
         </a:p>
       </dsp:txBody>
       <dsp:txXfrm>
-        <a:off x="1854883" y="2828369"/>
-        <a:ext cx="3086344" cy="1522968"/>
+        <a:off x="2316183" y="2828369"/>
+        <a:ext cx="2163743" cy="1522968"/>
       </dsp:txXfrm>
     </dsp:sp>
     <dsp:sp modelId="{080474C8-0FEA-4FD1-97F1-0978CFB4A37F}">
@@ -2369,8 +2445,8 @@
             <a:buNone/>
           </a:pPr>
           <a:r>
-            <a:rPr lang="en-US" altLang="zh-CN" sz="1300" b="1" kern="1200" dirty="0"/>
-            <a:t>3</a:t>
+            <a:rPr lang="en-US" altLang="zh-CN" sz="1300" b="0" i="0" u="none" kern="1200" dirty="0"/>
+            <a:t>Aug. 29</a:t>
           </a:r>
           <a:endParaRPr lang="zh-CN" sz="1300" b="1" kern="1200" dirty="0"/>
         </a:p>
@@ -2387,8 +2463,8 @@
       </dsp:nvSpPr>
       <dsp:spPr>
         <a:xfrm>
-          <a:off x="3706690" y="0"/>
-          <a:ext cx="3086344" cy="1522968"/>
+          <a:off x="4330702" y="0"/>
+          <a:ext cx="1838319" cy="1522968"/>
         </a:xfrm>
         <a:prstGeom prst="rect">
           <a:avLst/>
@@ -2431,14 +2507,32 @@
           </a:pPr>
           <a:r>
             <a:rPr lang="en-US" altLang="zh-CN" sz="1300" b="0" i="0" u="none" kern="1200" dirty="0"/>
-            <a:t>create</a:t>
+            <a:t>Day 3:</a:t>
+          </a:r>
+        </a:p>
+        <a:p>
+          <a:pPr marL="0" lvl="0" indent="0" algn="ctr" defTabSz="577850" rtl="0">
+            <a:lnSpc>
+              <a:spcPct val="90000"/>
+            </a:lnSpc>
+            <a:spcBef>
+              <a:spcPct val="0"/>
+            </a:spcBef>
+            <a:spcAft>
+              <a:spcPct val="35000"/>
+            </a:spcAft>
+            <a:buNone/>
+          </a:pPr>
+          <a:r>
+            <a:rPr lang="en-US" altLang="zh-CN" sz="1300" b="0" i="0" u="none" kern="1200" dirty="0"/>
+            <a:t>Implementation: missions' assignment and team members start to create web</a:t>
           </a:r>
           <a:endParaRPr lang="zh-CN" sz="1300" kern="1200" dirty="0"/>
         </a:p>
       </dsp:txBody>
       <dsp:txXfrm>
-        <a:off x="3706690" y="0"/>
-        <a:ext cx="3086344" cy="1522968"/>
+        <a:off x="4330702" y="0"/>
+        <a:ext cx="1838319" cy="1522968"/>
       </dsp:txXfrm>
     </dsp:sp>
     <dsp:sp modelId="{89759DE5-9F8A-470E-A6D8-F13BB4DEE93D}">
@@ -2592,8 +2686,8 @@
             <a:buNone/>
           </a:pPr>
           <a:r>
-            <a:rPr lang="en-US" altLang="zh-CN" sz="1300" b="1" kern="1200" dirty="0"/>
-            <a:t>4</a:t>
+            <a:rPr lang="en-US" altLang="zh-CN" sz="1300" b="0" i="0" u="none" kern="1200" dirty="0"/>
+            <a:t>Aug. 30</a:t>
           </a:r>
           <a:endParaRPr lang="zh-CN" sz="1300" b="1" kern="1200" dirty="0"/>
         </a:p>
@@ -2610,8 +2704,8 @@
       </dsp:nvSpPr>
       <dsp:spPr>
         <a:xfrm>
-          <a:off x="5558496" y="2828369"/>
-          <a:ext cx="3086344" cy="1522968"/>
+          <a:off x="6116616" y="2828369"/>
+          <a:ext cx="1970106" cy="1522968"/>
         </a:xfrm>
         <a:prstGeom prst="rect">
           <a:avLst/>
@@ -2654,14 +2748,50 @@
           </a:pPr>
           <a:r>
             <a:rPr lang="en-US" altLang="zh-CN" sz="1300" b="0" i="0" u="none" kern="1200" dirty="0"/>
-            <a:t>Adjustment</a:t>
+            <a:t>Milestone</a:t>
+          </a:r>
+        </a:p>
+        <a:p>
+          <a:pPr marL="0" lvl="0" indent="0" algn="ctr" defTabSz="577850" rtl="0">
+            <a:lnSpc>
+              <a:spcPct val="90000"/>
+            </a:lnSpc>
+            <a:spcBef>
+              <a:spcPct val="0"/>
+            </a:spcBef>
+            <a:spcAft>
+              <a:spcPct val="35000"/>
+            </a:spcAft>
+            <a:buNone/>
+          </a:pPr>
+          <a:r>
+            <a:rPr lang="en-US" altLang="zh-CN" sz="1300" b="0" i="0" u="none" kern="1200" dirty="0"/>
+            <a:t>Day 4:</a:t>
+          </a:r>
+        </a:p>
+        <a:p>
+          <a:pPr marL="0" lvl="0" indent="0" algn="ctr" defTabSz="577850" rtl="0">
+            <a:lnSpc>
+              <a:spcPct val="90000"/>
+            </a:lnSpc>
+            <a:spcBef>
+              <a:spcPct val="0"/>
+            </a:spcBef>
+            <a:spcAft>
+              <a:spcPct val="35000"/>
+            </a:spcAft>
+            <a:buNone/>
+          </a:pPr>
+          <a:r>
+            <a:rPr lang="en-US" altLang="zh-CN" sz="1300" b="0" i="0" u="none" kern="1200" dirty="0"/>
+            <a:t>Team work together and do consolidation and adjustment</a:t>
           </a:r>
           <a:endParaRPr lang="zh-CN" sz="1300" kern="1200" dirty="0"/>
         </a:p>
       </dsp:txBody>
       <dsp:txXfrm>
-        <a:off x="5558496" y="2828369"/>
-        <a:ext cx="3086344" cy="1522968"/>
+        <a:off x="6116616" y="2828369"/>
+        <a:ext cx="1970106" cy="1522968"/>
       </dsp:txXfrm>
     </dsp:sp>
     <dsp:sp modelId="{88489ECF-FC66-4C9E-AE9D-6C22832F5BE0}">
@@ -2815,8 +2945,8 @@
             <a:buNone/>
           </a:pPr>
           <a:r>
-            <a:rPr lang="en-US" altLang="zh-CN" sz="1300" b="1" kern="1200" dirty="0"/>
-            <a:t>5</a:t>
+            <a:rPr lang="en-US" altLang="zh-CN" sz="1300" b="0" i="0" u="none" kern="1200" dirty="0"/>
+            <a:t>Aug. 31</a:t>
           </a:r>
           <a:endParaRPr lang="zh-CN" sz="1300" b="1" kern="1200" dirty="0"/>
         </a:p>
@@ -2833,8 +2963,8 @@
       </dsp:nvSpPr>
       <dsp:spPr>
         <a:xfrm>
-          <a:off x="7410303" y="0"/>
-          <a:ext cx="3086344" cy="1522968"/>
+          <a:off x="7940908" y="0"/>
+          <a:ext cx="2025136" cy="1522968"/>
         </a:xfrm>
         <a:prstGeom prst="rect">
           <a:avLst/>
@@ -2877,14 +3007,32 @@
           </a:pPr>
           <a:r>
             <a:rPr lang="en-US" altLang="zh-CN" sz="1300" b="0" i="0" u="none" kern="1200" dirty="0"/>
-            <a:t>Final</a:t>
+            <a:t>Day 5:</a:t>
+          </a:r>
+        </a:p>
+        <a:p>
+          <a:pPr marL="0" lvl="0" indent="0" algn="ctr" defTabSz="577850" rtl="0">
+            <a:lnSpc>
+              <a:spcPct val="90000"/>
+            </a:lnSpc>
+            <a:spcBef>
+              <a:spcPct val="0"/>
+            </a:spcBef>
+            <a:spcAft>
+              <a:spcPct val="35000"/>
+            </a:spcAft>
+            <a:buNone/>
+          </a:pPr>
+          <a:r>
+            <a:rPr lang="en-US" altLang="zh-CN" sz="1300" b="0" i="0" u="none" kern="1200" dirty="0"/>
+            <a:t>Review each web page and make final changes and corrections. Final testing</a:t>
           </a:r>
           <a:endParaRPr lang="zh-CN" sz="1300" kern="1200" dirty="0"/>
         </a:p>
       </dsp:txBody>
       <dsp:txXfrm>
-        <a:off x="7410303" y="0"/>
-        <a:ext cx="3086344" cy="1522968"/>
+        <a:off x="7940908" y="0"/>
+        <a:ext cx="2025136" cy="1522968"/>
       </dsp:txXfrm>
     </dsp:sp>
     <dsp:sp modelId="{561BD3A5-BBDC-4502-BC45-D03CD0B9A155}">
@@ -7149,9 +7297,30 @@
           <a:p>
             <a:pPr rtl="0"/>
             <a:r>
-              <a:rPr lang="zh-CN"/>
-              <a:t>20XX/2/8</a:t>
-            </a:r>
+              <a:rPr lang="zh-CN" altLang="zh-CN" dirty="0"/>
+              <a:t>20</a:t>
+            </a:r>
+            <a:r>
+              <a:rPr lang="en-US" altLang="zh-CN" dirty="0"/>
+              <a:t>21</a:t>
+            </a:r>
+            <a:r>
+              <a:rPr lang="zh-CN" altLang="zh-CN" dirty="0"/>
+              <a:t>/</a:t>
+            </a:r>
+            <a:r>
+              <a:rPr lang="en-US" altLang="zh-CN" dirty="0"/>
+              <a:t>09</a:t>
+            </a:r>
+            <a:r>
+              <a:rPr lang="zh-CN" altLang="zh-CN" dirty="0"/>
+              <a:t>/</a:t>
+            </a:r>
+            <a:r>
+              <a:rPr lang="en-US" altLang="zh-CN" dirty="0"/>
+              <a:t>01</a:t>
+            </a:r>
+            <a:endParaRPr lang="zh-CN" altLang="zh-CN" dirty="0"/>
           </a:p>
         </p:txBody>
       </p:sp>
@@ -8022,9 +8191,30 @@
           <a:p>
             <a:pPr rtl="0"/>
             <a:r>
-              <a:rPr lang="zh-CN"/>
-              <a:t>20XX/2/8</a:t>
-            </a:r>
+              <a:rPr lang="zh-CN" altLang="zh-CN" dirty="0"/>
+              <a:t>20</a:t>
+            </a:r>
+            <a:r>
+              <a:rPr lang="en-US" altLang="zh-CN" dirty="0"/>
+              <a:t>21</a:t>
+            </a:r>
+            <a:r>
+              <a:rPr lang="zh-CN" altLang="zh-CN" dirty="0"/>
+              <a:t>/</a:t>
+            </a:r>
+            <a:r>
+              <a:rPr lang="en-US" altLang="zh-CN" dirty="0"/>
+              <a:t>09</a:t>
+            </a:r>
+            <a:r>
+              <a:rPr lang="zh-CN" altLang="zh-CN" dirty="0"/>
+              <a:t>/</a:t>
+            </a:r>
+            <a:r>
+              <a:rPr lang="en-US" altLang="zh-CN" dirty="0"/>
+              <a:t>01</a:t>
+            </a:r>
+            <a:endParaRPr lang="zh-CN" altLang="zh-CN" dirty="0"/>
           </a:p>
         </p:txBody>
       </p:sp>
@@ -8763,9 +8953,30 @@
           <a:p>
             <a:pPr rtl="0"/>
             <a:r>
-              <a:rPr lang="zh-CN"/>
-              <a:t>20XX/2/8</a:t>
-            </a:r>
+              <a:rPr lang="zh-CN" altLang="zh-CN" dirty="0"/>
+              <a:t>20</a:t>
+            </a:r>
+            <a:r>
+              <a:rPr lang="en-US" altLang="zh-CN" dirty="0"/>
+              <a:t>21</a:t>
+            </a:r>
+            <a:r>
+              <a:rPr lang="zh-CN" altLang="zh-CN" dirty="0"/>
+              <a:t>/</a:t>
+            </a:r>
+            <a:r>
+              <a:rPr lang="en-US" altLang="zh-CN" dirty="0"/>
+              <a:t>09</a:t>
+            </a:r>
+            <a:r>
+              <a:rPr lang="zh-CN" altLang="zh-CN" dirty="0"/>
+              <a:t>/</a:t>
+            </a:r>
+            <a:r>
+              <a:rPr lang="en-US" altLang="zh-CN" dirty="0"/>
+              <a:t>01</a:t>
+            </a:r>
+            <a:endParaRPr lang="zh-CN" altLang="zh-CN" dirty="0"/>
           </a:p>
         </p:txBody>
       </p:sp>
@@ -8869,9 +9080,30 @@
           <a:p>
             <a:pPr rtl="0"/>
             <a:r>
-              <a:rPr lang="zh-CN"/>
-              <a:t>20XX/2/8</a:t>
-            </a:r>
+              <a:rPr lang="zh-CN" altLang="zh-CN" dirty="0"/>
+              <a:t>20</a:t>
+            </a:r>
+            <a:r>
+              <a:rPr lang="en-US" altLang="zh-CN" dirty="0"/>
+              <a:t>21</a:t>
+            </a:r>
+            <a:r>
+              <a:rPr lang="zh-CN" altLang="zh-CN" dirty="0"/>
+              <a:t>/</a:t>
+            </a:r>
+            <a:r>
+              <a:rPr lang="en-US" altLang="zh-CN" dirty="0"/>
+              <a:t>09</a:t>
+            </a:r>
+            <a:r>
+              <a:rPr lang="zh-CN" altLang="zh-CN" dirty="0"/>
+              <a:t>/</a:t>
+            </a:r>
+            <a:r>
+              <a:rPr lang="en-US" altLang="zh-CN" dirty="0"/>
+              <a:t>01</a:t>
+            </a:r>
+            <a:endParaRPr lang="zh-CN" altLang="zh-CN" dirty="0"/>
           </a:p>
         </p:txBody>
       </p:sp>
@@ -9220,9 +9452,30 @@
           <a:p>
             <a:pPr rtl="0"/>
             <a:r>
-              <a:rPr lang="zh-CN"/>
-              <a:t>20XX/2/8</a:t>
-            </a:r>
+              <a:rPr lang="zh-CN" altLang="zh-CN" dirty="0"/>
+              <a:t>20</a:t>
+            </a:r>
+            <a:r>
+              <a:rPr lang="en-US" altLang="zh-CN" dirty="0"/>
+              <a:t>21</a:t>
+            </a:r>
+            <a:r>
+              <a:rPr lang="zh-CN" altLang="zh-CN" dirty="0"/>
+              <a:t>/</a:t>
+            </a:r>
+            <a:r>
+              <a:rPr lang="en-US" altLang="zh-CN" dirty="0"/>
+              <a:t>09</a:t>
+            </a:r>
+            <a:r>
+              <a:rPr lang="zh-CN" altLang="zh-CN" dirty="0"/>
+              <a:t>/</a:t>
+            </a:r>
+            <a:r>
+              <a:rPr lang="en-US" altLang="zh-CN" dirty="0"/>
+              <a:t>01</a:t>
+            </a:r>
+            <a:endParaRPr lang="zh-CN" altLang="zh-CN" dirty="0"/>
           </a:p>
         </p:txBody>
       </p:sp>
@@ -9526,9 +9779,30 @@
           <a:p>
             <a:pPr rtl="0"/>
             <a:r>
-              <a:rPr lang="zh-CN"/>
-              <a:t>20XX/2/8</a:t>
-            </a:r>
+              <a:rPr lang="zh-CN" altLang="zh-CN" dirty="0"/>
+              <a:t>20</a:t>
+            </a:r>
+            <a:r>
+              <a:rPr lang="en-US" altLang="zh-CN" dirty="0"/>
+              <a:t>21</a:t>
+            </a:r>
+            <a:r>
+              <a:rPr lang="zh-CN" altLang="zh-CN" dirty="0"/>
+              <a:t>/</a:t>
+            </a:r>
+            <a:r>
+              <a:rPr lang="en-US" altLang="zh-CN" dirty="0"/>
+              <a:t>09</a:t>
+            </a:r>
+            <a:r>
+              <a:rPr lang="zh-CN" altLang="zh-CN" dirty="0"/>
+              <a:t>/</a:t>
+            </a:r>
+            <a:r>
+              <a:rPr lang="en-US" altLang="zh-CN" dirty="0"/>
+              <a:t>01</a:t>
+            </a:r>
+            <a:endParaRPr lang="zh-CN" altLang="zh-CN" dirty="0"/>
           </a:p>
         </p:txBody>
       </p:sp>
@@ -9817,9 +10091,30 @@
           <a:p>
             <a:pPr rtl="0"/>
             <a:r>
-              <a:rPr lang="zh-CN"/>
-              <a:t>20XX/2/8</a:t>
-            </a:r>
+              <a:rPr lang="zh-CN" altLang="zh-CN" dirty="0"/>
+              <a:t>20</a:t>
+            </a:r>
+            <a:r>
+              <a:rPr lang="en-US" altLang="zh-CN" dirty="0"/>
+              <a:t>21</a:t>
+            </a:r>
+            <a:r>
+              <a:rPr lang="zh-CN" altLang="zh-CN" dirty="0"/>
+              <a:t>/</a:t>
+            </a:r>
+            <a:r>
+              <a:rPr lang="en-US" altLang="zh-CN" dirty="0"/>
+              <a:t>09</a:t>
+            </a:r>
+            <a:r>
+              <a:rPr lang="zh-CN" altLang="zh-CN" dirty="0"/>
+              <a:t>/</a:t>
+            </a:r>
+            <a:r>
+              <a:rPr lang="en-US" altLang="zh-CN" dirty="0"/>
+              <a:t>01</a:t>
+            </a:r>
+            <a:endParaRPr lang="zh-CN" altLang="zh-CN" dirty="0"/>
           </a:p>
         </p:txBody>
       </p:sp>
@@ -9982,9 +10277,30 @@
           <a:p>
             <a:pPr rtl="0"/>
             <a:r>
-              <a:rPr lang="zh-CN"/>
-              <a:t>20XX/2/8</a:t>
-            </a:r>
+              <a:rPr lang="zh-CN" altLang="zh-CN" dirty="0"/>
+              <a:t>20</a:t>
+            </a:r>
+            <a:r>
+              <a:rPr lang="en-US" altLang="zh-CN" dirty="0"/>
+              <a:t>21</a:t>
+            </a:r>
+            <a:r>
+              <a:rPr lang="zh-CN" altLang="zh-CN" dirty="0"/>
+              <a:t>/</a:t>
+            </a:r>
+            <a:r>
+              <a:rPr lang="en-US" altLang="zh-CN" dirty="0"/>
+              <a:t>09</a:t>
+            </a:r>
+            <a:r>
+              <a:rPr lang="zh-CN" altLang="zh-CN" dirty="0"/>
+              <a:t>/</a:t>
+            </a:r>
+            <a:r>
+              <a:rPr lang="en-US" altLang="zh-CN" dirty="0"/>
+              <a:t>01</a:t>
+            </a:r>
+            <a:endParaRPr lang="zh-CN" altLang="zh-CN" dirty="0"/>
           </a:p>
         </p:txBody>
       </p:sp>
@@ -10318,9 +10634,30 @@
           <a:p>
             <a:pPr rtl="0"/>
             <a:r>
-              <a:rPr lang="zh-CN"/>
-              <a:t>20XX/2/8</a:t>
-            </a:r>
+              <a:rPr lang="zh-CN" altLang="zh-CN" dirty="0"/>
+              <a:t>20</a:t>
+            </a:r>
+            <a:r>
+              <a:rPr lang="en-US" altLang="zh-CN" dirty="0"/>
+              <a:t>21</a:t>
+            </a:r>
+            <a:r>
+              <a:rPr lang="zh-CN" altLang="zh-CN" dirty="0"/>
+              <a:t>/</a:t>
+            </a:r>
+            <a:r>
+              <a:rPr lang="en-US" altLang="zh-CN" dirty="0"/>
+              <a:t>09</a:t>
+            </a:r>
+            <a:r>
+              <a:rPr lang="zh-CN" altLang="zh-CN" dirty="0"/>
+              <a:t>/</a:t>
+            </a:r>
+            <a:r>
+              <a:rPr lang="en-US" altLang="zh-CN" dirty="0"/>
+              <a:t>01</a:t>
+            </a:r>
+            <a:endParaRPr lang="zh-CN" altLang="zh-CN" dirty="0"/>
           </a:p>
         </p:txBody>
       </p:sp>
@@ -10635,9 +10972,30 @@
           <a:p>
             <a:pPr rtl="0"/>
             <a:r>
-              <a:rPr lang="zh-CN"/>
-              <a:t>20XX/2/8</a:t>
-            </a:r>
+              <a:rPr lang="zh-CN" altLang="zh-CN" dirty="0"/>
+              <a:t>20</a:t>
+            </a:r>
+            <a:r>
+              <a:rPr lang="en-US" altLang="zh-CN" dirty="0"/>
+              <a:t>21</a:t>
+            </a:r>
+            <a:r>
+              <a:rPr lang="zh-CN" altLang="zh-CN" dirty="0"/>
+              <a:t>/</a:t>
+            </a:r>
+            <a:r>
+              <a:rPr lang="en-US" altLang="zh-CN" dirty="0"/>
+              <a:t>09</a:t>
+            </a:r>
+            <a:r>
+              <a:rPr lang="zh-CN" altLang="zh-CN" dirty="0"/>
+              <a:t>/</a:t>
+            </a:r>
+            <a:r>
+              <a:rPr lang="en-US" altLang="zh-CN" dirty="0"/>
+              <a:t>01</a:t>
+            </a:r>
+            <a:endParaRPr lang="zh-CN" altLang="zh-CN" dirty="0"/>
           </a:p>
         </p:txBody>
       </p:sp>
@@ -11375,9 +11733,30 @@
           <a:p>
             <a:pPr rtl="0"/>
             <a:r>
-              <a:rPr lang="zh-CN"/>
-              <a:t>20XX/2/8</a:t>
-            </a:r>
+              <a:rPr lang="zh-CN" altLang="zh-CN" dirty="0"/>
+              <a:t>20</a:t>
+            </a:r>
+            <a:r>
+              <a:rPr lang="en-US" altLang="zh-CN" dirty="0"/>
+              <a:t>21</a:t>
+            </a:r>
+            <a:r>
+              <a:rPr lang="zh-CN" altLang="zh-CN" dirty="0"/>
+              <a:t>/</a:t>
+            </a:r>
+            <a:r>
+              <a:rPr lang="en-US" altLang="zh-CN" dirty="0"/>
+              <a:t>09</a:t>
+            </a:r>
+            <a:r>
+              <a:rPr lang="zh-CN" altLang="zh-CN" dirty="0"/>
+              <a:t>/</a:t>
+            </a:r>
+            <a:r>
+              <a:rPr lang="en-US" altLang="zh-CN" dirty="0"/>
+              <a:t>01</a:t>
+            </a:r>
+            <a:endParaRPr lang="zh-CN" altLang="zh-CN" dirty="0"/>
           </a:p>
         </p:txBody>
       </p:sp>
@@ -12983,9 +13362,30 @@
           <a:p>
             <a:pPr rtl="0"/>
             <a:r>
-              <a:rPr lang="zh-CN"/>
-              <a:t>20XX/2/8</a:t>
-            </a:r>
+              <a:rPr lang="zh-CN" altLang="zh-CN" dirty="0"/>
+              <a:t>20</a:t>
+            </a:r>
+            <a:r>
+              <a:rPr lang="en-US" altLang="zh-CN" dirty="0"/>
+              <a:t>21</a:t>
+            </a:r>
+            <a:r>
+              <a:rPr lang="zh-CN" altLang="zh-CN" dirty="0"/>
+              <a:t>/</a:t>
+            </a:r>
+            <a:r>
+              <a:rPr lang="en-US" altLang="zh-CN" dirty="0"/>
+              <a:t>09</a:t>
+            </a:r>
+            <a:r>
+              <a:rPr lang="zh-CN" altLang="zh-CN" dirty="0"/>
+              <a:t>/</a:t>
+            </a:r>
+            <a:r>
+              <a:rPr lang="en-US" altLang="zh-CN" dirty="0"/>
+              <a:t>01</a:t>
+            </a:r>
+            <a:endParaRPr lang="zh-CN" altLang="zh-CN" dirty="0"/>
           </a:p>
         </p:txBody>
       </p:sp>
@@ -13824,9 +14224,30 @@
           <a:p>
             <a:pPr rtl="0"/>
             <a:r>
-              <a:rPr lang="zh-CN"/>
-              <a:t>20XX/2/8</a:t>
-            </a:r>
+              <a:rPr lang="zh-CN" altLang="zh-CN" dirty="0"/>
+              <a:t>20</a:t>
+            </a:r>
+            <a:r>
+              <a:rPr lang="en-US" altLang="zh-CN" dirty="0"/>
+              <a:t>21</a:t>
+            </a:r>
+            <a:r>
+              <a:rPr lang="zh-CN" altLang="zh-CN" dirty="0"/>
+              <a:t>/</a:t>
+            </a:r>
+            <a:r>
+              <a:rPr lang="en-US" altLang="zh-CN" dirty="0"/>
+              <a:t>09</a:t>
+            </a:r>
+            <a:r>
+              <a:rPr lang="zh-CN" altLang="zh-CN" dirty="0"/>
+              <a:t>/</a:t>
+            </a:r>
+            <a:r>
+              <a:rPr lang="en-US" altLang="zh-CN" dirty="0"/>
+              <a:t>01</a:t>
+            </a:r>
+            <a:endParaRPr lang="zh-CN" altLang="zh-CN" dirty="0"/>
           </a:p>
         </p:txBody>
       </p:sp>
@@ -14107,9 +14528,30 @@
           <a:p>
             <a:pPr rtl="0"/>
             <a:r>
-              <a:rPr lang="zh-CN"/>
-              <a:t>20XX/2/8</a:t>
-            </a:r>
+              <a:rPr lang="zh-CN" altLang="zh-CN" dirty="0"/>
+              <a:t>20</a:t>
+            </a:r>
+            <a:r>
+              <a:rPr lang="en-US" altLang="zh-CN" dirty="0"/>
+              <a:t>21</a:t>
+            </a:r>
+            <a:r>
+              <a:rPr lang="zh-CN" altLang="zh-CN" dirty="0"/>
+              <a:t>/</a:t>
+            </a:r>
+            <a:r>
+              <a:rPr lang="en-US" altLang="zh-CN" dirty="0"/>
+              <a:t>09</a:t>
+            </a:r>
+            <a:r>
+              <a:rPr lang="zh-CN" altLang="zh-CN" dirty="0"/>
+              <a:t>/</a:t>
+            </a:r>
+            <a:r>
+              <a:rPr lang="en-US" altLang="zh-CN" dirty="0"/>
+              <a:t>01</a:t>
+            </a:r>
+            <a:endParaRPr lang="zh-CN" altLang="zh-CN" dirty="0"/>
           </a:p>
         </p:txBody>
       </p:sp>
@@ -14755,9 +15197,30 @@
           <a:p>
             <a:pPr rtl="0"/>
             <a:r>
-              <a:rPr lang="zh-CN"/>
-              <a:t>20XX/2/8</a:t>
-            </a:r>
+              <a:rPr lang="zh-CN" altLang="zh-CN" dirty="0"/>
+              <a:t>20</a:t>
+            </a:r>
+            <a:r>
+              <a:rPr lang="en-US" altLang="zh-CN" dirty="0"/>
+              <a:t>21</a:t>
+            </a:r>
+            <a:r>
+              <a:rPr lang="zh-CN" altLang="zh-CN" dirty="0"/>
+              <a:t>/</a:t>
+            </a:r>
+            <a:r>
+              <a:rPr lang="en-US" altLang="zh-CN" dirty="0"/>
+              <a:t>09</a:t>
+            </a:r>
+            <a:r>
+              <a:rPr lang="zh-CN" altLang="zh-CN" dirty="0"/>
+              <a:t>/</a:t>
+            </a:r>
+            <a:r>
+              <a:rPr lang="en-US" altLang="zh-CN" dirty="0"/>
+              <a:t>01</a:t>
+            </a:r>
+            <a:endParaRPr lang="zh-CN" altLang="zh-CN" dirty="0"/>
           </a:p>
         </p:txBody>
       </p:sp>
@@ -16443,9 +16906,30 @@
           <a:p>
             <a:pPr rtl="0"/>
             <a:r>
-              <a:rPr lang="zh-CN"/>
-              <a:t>20XX/2/8</a:t>
-            </a:r>
+              <a:rPr lang="zh-CN" altLang="zh-CN" dirty="0"/>
+              <a:t>20</a:t>
+            </a:r>
+            <a:r>
+              <a:rPr lang="en-US" altLang="zh-CN" dirty="0"/>
+              <a:t>21</a:t>
+            </a:r>
+            <a:r>
+              <a:rPr lang="zh-CN" altLang="zh-CN" dirty="0"/>
+              <a:t>/</a:t>
+            </a:r>
+            <a:r>
+              <a:rPr lang="en-US" altLang="zh-CN" dirty="0"/>
+              <a:t>09</a:t>
+            </a:r>
+            <a:r>
+              <a:rPr lang="zh-CN" altLang="zh-CN" dirty="0"/>
+              <a:t>/</a:t>
+            </a:r>
+            <a:r>
+              <a:rPr lang="en-US" altLang="zh-CN" dirty="0"/>
+              <a:t>01</a:t>
+            </a:r>
+            <a:endParaRPr lang="zh-CN" altLang="zh-CN" dirty="0"/>
           </a:p>
         </p:txBody>
       </p:sp>
@@ -16921,9 +17405,30 @@
           <a:p>
             <a:pPr rtl="0"/>
             <a:r>
-              <a:rPr lang="zh-CN"/>
-              <a:t>20XX/2/8</a:t>
-            </a:r>
+              <a:rPr lang="zh-CN" altLang="zh-CN" dirty="0"/>
+              <a:t>20</a:t>
+            </a:r>
+            <a:r>
+              <a:rPr lang="en-US" altLang="zh-CN" dirty="0"/>
+              <a:t>21</a:t>
+            </a:r>
+            <a:r>
+              <a:rPr lang="zh-CN" altLang="zh-CN" dirty="0"/>
+              <a:t>/</a:t>
+            </a:r>
+            <a:r>
+              <a:rPr lang="en-US" altLang="zh-CN" dirty="0"/>
+              <a:t>09</a:t>
+            </a:r>
+            <a:r>
+              <a:rPr lang="zh-CN" altLang="zh-CN" dirty="0"/>
+              <a:t>/</a:t>
+            </a:r>
+            <a:r>
+              <a:rPr lang="en-US" altLang="zh-CN" dirty="0"/>
+              <a:t>01</a:t>
+            </a:r>
+            <a:endParaRPr lang="zh-CN" altLang="zh-CN" dirty="0"/>
           </a:p>
         </p:txBody>
       </p:sp>
@@ -17321,9 +17826,30 @@
           <a:p>
             <a:pPr rtl="0"/>
             <a:r>
-              <a:rPr lang="zh-CN"/>
-              <a:t>20XX/2/8</a:t>
-            </a:r>
+              <a:rPr lang="zh-CN" dirty="0"/>
+              <a:t>20</a:t>
+            </a:r>
+            <a:r>
+              <a:rPr lang="en-US" altLang="zh-CN" dirty="0"/>
+              <a:t>21</a:t>
+            </a:r>
+            <a:r>
+              <a:rPr lang="zh-CN" dirty="0"/>
+              <a:t>/</a:t>
+            </a:r>
+            <a:r>
+              <a:rPr lang="en-US" altLang="zh-CN" dirty="0"/>
+              <a:t>09</a:t>
+            </a:r>
+            <a:r>
+              <a:rPr lang="zh-CN" dirty="0"/>
+              <a:t>/</a:t>
+            </a:r>
+            <a:r>
+              <a:rPr lang="en-US" altLang="zh-CN" dirty="0"/>
+              <a:t>01</a:t>
+            </a:r>
+            <a:endParaRPr lang="zh-CN" dirty="0"/>
           </a:p>
         </p:txBody>
       </p:sp>
@@ -17862,9 +18388,9 @@
             <p:ph type="pic" sz="quarter" idx="13"/>
           </p:nvPr>
         </p:nvPicPr>
-        <p:blipFill rotWithShape="1">
+        <p:blipFill>
           <a:blip r:embed="rId2"/>
-          <a:srcRect t="15507" r="1" b="1"/>
+          <a:srcRect t="4345" b="4345"/>
           <a:stretch/>
         </p:blipFill>
         <p:spPr>
@@ -18048,9 +18574,9 @@
             <p:ph type="pic" sz="quarter" idx="13"/>
           </p:nvPr>
         </p:nvPicPr>
-        <p:blipFill rotWithShape="1">
+        <p:blipFill>
           <a:blip r:embed="rId2"/>
-          <a:srcRect l="34807" r="25167"/>
+          <a:srcRect l="20247" r="20247"/>
           <a:stretch/>
         </p:blipFill>
         <p:spPr>
@@ -18242,9 +18768,30 @@
           <a:p>
             <a:pPr rtl="0"/>
             <a:r>
-              <a:rPr lang="zh-CN"/>
-              <a:t>20XX/2/8</a:t>
-            </a:r>
+              <a:rPr lang="zh-CN" altLang="zh-CN" dirty="0"/>
+              <a:t>20</a:t>
+            </a:r>
+            <a:r>
+              <a:rPr lang="en-US" altLang="zh-CN" dirty="0"/>
+              <a:t>21</a:t>
+            </a:r>
+            <a:r>
+              <a:rPr lang="zh-CN" altLang="zh-CN" dirty="0"/>
+              <a:t>/</a:t>
+            </a:r>
+            <a:r>
+              <a:rPr lang="en-US" altLang="zh-CN" dirty="0"/>
+              <a:t>09</a:t>
+            </a:r>
+            <a:r>
+              <a:rPr lang="zh-CN" altLang="zh-CN" dirty="0"/>
+              <a:t>/</a:t>
+            </a:r>
+            <a:r>
+              <a:rPr lang="en-US" altLang="zh-CN" dirty="0"/>
+              <a:t>01</a:t>
+            </a:r>
+            <a:endParaRPr lang="zh-CN" altLang="zh-CN" dirty="0"/>
           </a:p>
         </p:txBody>
       </p:sp>
@@ -18303,7 +18850,7 @@
         <p:spPr>
           <a:xfrm>
             <a:off x="914400" y="1919673"/>
-            <a:ext cx="6413500" cy="4123318"/>
+            <a:ext cx="4060556" cy="4123318"/>
           </a:xfrm>
         </p:spPr>
         <p:txBody>
@@ -18330,7 +18877,7 @@
                 <a:ea typeface="等线" panose="02010600030101010101" pitchFamily="2" charset="-122"/>
                 <a:cs typeface="Cambria" panose="02040503050406030204" pitchFamily="18" charset="0"/>
               </a:rPr>
-              <a:t>. Create the web pages using an IDE. </a:t>
+              <a:t>Create the web pages using an IDE. </a:t>
             </a:r>
             <a:endParaRPr lang="zh-CN" altLang="zh-CN" sz="1800" dirty="0">
               <a:solidFill>
@@ -18361,7 +18908,7 @@
                 <a:ea typeface="等线" panose="02010600030101010101" pitchFamily="2" charset="-122"/>
                 <a:cs typeface="Cambria" panose="02040503050406030204" pitchFamily="18" charset="0"/>
               </a:rPr>
-              <a:t>  MS Visual Studio</a:t>
+              <a:t>Use MS Visual Studio </a:t>
             </a:r>
             <a:endParaRPr lang="zh-CN" altLang="zh-CN" sz="1800" dirty="0">
               <a:solidFill>
@@ -18392,7 +18939,39 @@
                 <a:ea typeface="等线" panose="02010600030101010101" pitchFamily="2" charset="-122"/>
                 <a:cs typeface="Cambria" panose="02040503050406030204" pitchFamily="18" charset="0"/>
               </a:rPr>
-              <a:t>. Review the website in a browser and review a printed copy of each web page. </a:t>
+              <a:t>Review the website in a browser and review a printed copy of each web page. </a:t>
+            </a:r>
+          </a:p>
+          <a:p>
+            <a:pPr>
+              <a:lnSpc>
+                <a:spcPct val="115000"/>
+              </a:lnSpc>
+              <a:spcAft>
+                <a:spcPts val="105"/>
+              </a:spcAft>
+            </a:pPr>
+            <a:r>
+              <a:rPr lang="en-US" altLang="zh-CN" sz="1800" dirty="0">
+                <a:solidFill>
+                  <a:srgbClr val="000000"/>
+                </a:solidFill>
+                <a:latin typeface="Calibri" panose="020F0502020204030204" pitchFamily="34" charset="0"/>
+                <a:ea typeface="等线" panose="02010600030101010101" pitchFamily="2" charset="-122"/>
+                <a:cs typeface="Cambria" panose="02040503050406030204" pitchFamily="18" charset="0"/>
+              </a:rPr>
+              <a:t>Team work on </a:t>
+            </a:r>
+            <a:r>
+              <a:rPr lang="en-US" altLang="zh-CN" sz="1800" dirty="0" err="1">
+                <a:solidFill>
+                  <a:srgbClr val="000000"/>
+                </a:solidFill>
+                <a:latin typeface="Calibri" panose="020F0502020204030204" pitchFamily="34" charset="0"/>
+                <a:ea typeface="等线" panose="02010600030101010101" pitchFamily="2" charset="-122"/>
+                <a:cs typeface="Cambria" panose="02040503050406030204" pitchFamily="18" charset="0"/>
+              </a:rPr>
+              <a:t>Github</a:t>
             </a:r>
             <a:endParaRPr lang="zh-CN" altLang="zh-CN" sz="1800" dirty="0">
               <a:solidFill>
@@ -18405,107 +18984,22 @@
             </a:endParaRPr>
           </a:p>
           <a:p>
-            <a:pPr>
-              <a:lnSpc>
-                <a:spcPct val="115000"/>
-              </a:lnSpc>
-              <a:spcAft>
-                <a:spcPts val="105"/>
-              </a:spcAft>
-            </a:pPr>
-            <a:r>
-              <a:rPr lang="en-US" altLang="zh-CN" sz="1800" dirty="0">
-                <a:solidFill>
-                  <a:srgbClr val="000000"/>
-                </a:solidFill>
-                <a:effectLst/>
-                <a:latin typeface="Calibri" panose="020F0502020204030204" pitchFamily="34" charset="0"/>
-                <a:ea typeface="等线" panose="02010600030101010101" pitchFamily="2" charset="-122"/>
-                <a:cs typeface="Cambria" panose="02040503050406030204" pitchFamily="18" charset="0"/>
-              </a:rPr>
-              <a:t> Team reviews every web page and check if they are running well.</a:t>
-            </a:r>
-            <a:endParaRPr lang="zh-CN" altLang="zh-CN" sz="1800" dirty="0">
-              <a:solidFill>
-                <a:srgbClr val="000000"/>
-              </a:solidFill>
-              <a:effectLst/>
-              <a:latin typeface="Cambria" panose="02040503050406030204" pitchFamily="18" charset="0"/>
-              <a:ea typeface="等线" panose="02010600030101010101" pitchFamily="2" charset="-122"/>
-              <a:cs typeface="Cambria" panose="02040503050406030204" pitchFamily="18" charset="0"/>
-            </a:endParaRPr>
-          </a:p>
-          <a:p>
-            <a:pPr>
-              <a:lnSpc>
-                <a:spcPct val="115000"/>
-              </a:lnSpc>
-            </a:pPr>
-            <a:r>
-              <a:rPr lang="en-US" altLang="zh-CN" sz="1800" dirty="0">
-                <a:solidFill>
-                  <a:srgbClr val="000000"/>
-                </a:solidFill>
-                <a:effectLst/>
-                <a:latin typeface="Calibri" panose="020F0502020204030204" pitchFamily="34" charset="0"/>
-                <a:ea typeface="等线" panose="02010600030101010101" pitchFamily="2" charset="-122"/>
-                <a:cs typeface="Cambria" panose="02040503050406030204" pitchFamily="18" charset="0"/>
-              </a:rPr>
-              <a:t>. Make changes or corrections. </a:t>
-            </a:r>
-            <a:endParaRPr lang="zh-CN" altLang="zh-CN" sz="1800" dirty="0">
-              <a:solidFill>
-                <a:srgbClr val="000000"/>
-              </a:solidFill>
-              <a:effectLst/>
-              <a:latin typeface="Cambria" panose="02040503050406030204" pitchFamily="18" charset="0"/>
-              <a:ea typeface="等线" panose="02010600030101010101" pitchFamily="2" charset="-122"/>
-              <a:cs typeface="Cambria" panose="02040503050406030204" pitchFamily="18" charset="0"/>
-            </a:endParaRPr>
-          </a:p>
-          <a:p>
-            <a:pPr>
-              <a:lnSpc>
-                <a:spcPct val="115000"/>
-              </a:lnSpc>
-            </a:pPr>
-            <a:r>
-              <a:rPr lang="en-US" altLang="zh-CN" sz="1800" dirty="0">
-                <a:solidFill>
-                  <a:srgbClr val="000000"/>
-                </a:solidFill>
-                <a:effectLst/>
-                <a:latin typeface="Calibri" panose="020F0502020204030204" pitchFamily="34" charset="0"/>
-                <a:ea typeface="等线" panose="02010600030101010101" pitchFamily="2" charset="-122"/>
-                <a:cs typeface="Cambria" panose="02040503050406030204" pitchFamily="18" charset="0"/>
-              </a:rPr>
-              <a:t>  Do final change and adjustment.</a:t>
-            </a:r>
-            <a:endParaRPr lang="zh-CN" altLang="zh-CN" sz="1800" dirty="0">
-              <a:solidFill>
-                <a:srgbClr val="000000"/>
-              </a:solidFill>
-              <a:effectLst/>
-              <a:latin typeface="Cambria" panose="02040503050406030204" pitchFamily="18" charset="0"/>
-              <a:ea typeface="等线" panose="02010600030101010101" pitchFamily="2" charset="-122"/>
-              <a:cs typeface="Cambria" panose="02040503050406030204" pitchFamily="18" charset="0"/>
-            </a:endParaRPr>
-          </a:p>
-          <a:p>
             <a:endParaRPr lang="zh-CN" altLang="en-US" dirty="0"/>
           </a:p>
         </p:txBody>
       </p:sp>
       <p:pic>
         <p:nvPicPr>
-          <p:cNvPr id="10" name="图片 9" descr="网站&#10;&#10;中度可信度描述已自动生成">
-            <a:extLst>
-              <a:ext uri="{FF2B5EF4-FFF2-40B4-BE49-F238E27FC236}">
-                <a16:creationId xmlns:a16="http://schemas.microsoft.com/office/drawing/2014/main" id="{8817E9EF-D78A-4025-8B20-3DA47E6C63F5}"/>
-              </a:ext>
-            </a:extLst>
-          </p:cNvPr>
-          <p:cNvPicPr/>
+          <p:cNvPr id="4" name="图片 3">
+            <a:extLst>
+              <a:ext uri="{FF2B5EF4-FFF2-40B4-BE49-F238E27FC236}">
+                <a16:creationId xmlns:a16="http://schemas.microsoft.com/office/drawing/2014/main" id="{870B6495-F893-43D4-81C2-3AE14295C594}"/>
+              </a:ext>
+            </a:extLst>
+          </p:cNvPr>
+          <p:cNvPicPr>
+            <a:picLocks noChangeAspect="1"/>
+          </p:cNvPicPr>
           <p:nvPr/>
         </p:nvPicPr>
         <p:blipFill>
@@ -18516,8 +19010,8 @@
         </p:blipFill>
         <p:spPr>
           <a:xfrm>
-            <a:off x="7805635" y="1704036"/>
-            <a:ext cx="3035300" cy="4338955"/>
+            <a:off x="5141955" y="1532215"/>
+            <a:ext cx="6037221" cy="4647814"/>
           </a:xfrm>
           <a:prstGeom prst="rect">
             <a:avLst/>
@@ -18559,7 +19053,7 @@
           <p:cNvPr id="2" name="标题 1">
             <a:extLst>
               <a:ext uri="{FF2B5EF4-FFF2-40B4-BE49-F238E27FC236}">
-                <a16:creationId xmlns:a16="http://schemas.microsoft.com/office/drawing/2014/main" id="{00401ED9-04DB-4CDE-9061-CBB220C8211E}"/>
+                <a16:creationId xmlns:a16="http://schemas.microsoft.com/office/drawing/2014/main" id="{A459A0FD-000E-4BE6-AF65-BB86C656DB23}"/>
               </a:ext>
             </a:extLst>
           </p:cNvPr>
@@ -18567,104 +19061,305 @@
             <a:spLocks noGrp="1"/>
           </p:cNvSpPr>
           <p:nvPr>
-            <p:ph type="ctrTitle"/>
+            <p:ph type="title"/>
           </p:nvPr>
         </p:nvSpPr>
         <p:spPr>
           <a:xfrm>
-            <a:off x="914400" y="685798"/>
-            <a:ext cx="4770783" cy="3217461"/>
+            <a:off x="905256" y="448056"/>
+            <a:ext cx="9914859" cy="1329004"/>
           </a:xfrm>
         </p:spPr>
         <p:txBody>
-          <a:bodyPr rtlCol="0" anchor="ctr">
+          <a:bodyPr rtlCol="0"/>
+          <a:lstStyle/>
+          <a:p>
+            <a:pPr>
+              <a:lnSpc>
+                <a:spcPct val="115000"/>
+              </a:lnSpc>
+            </a:pPr>
+            <a:r>
+              <a:rPr lang="en-US" altLang="zh-CN" sz="4000" b="1" i="1" dirty="0">
+                <a:solidFill>
+                  <a:srgbClr val="000000"/>
+                </a:solidFill>
+                <a:effectLst/>
+                <a:latin typeface="Calibri" panose="020F0502020204030204" pitchFamily="34" charset="0"/>
+                <a:ea typeface="等线" panose="02010600030101010101" pitchFamily="2" charset="-122"/>
+                <a:cs typeface="Cambria" panose="02040503050406030204" pitchFamily="18" charset="0"/>
+              </a:rPr>
+              <a:t>Project management</a:t>
+            </a:r>
+            <a:endParaRPr lang="zh-CN" altLang="zh-CN" sz="4000" dirty="0">
+              <a:solidFill>
+                <a:srgbClr val="000000"/>
+              </a:solidFill>
+              <a:effectLst/>
+              <a:latin typeface="Cambria" panose="02040503050406030204" pitchFamily="18" charset="0"/>
+              <a:ea typeface="等线" panose="02010600030101010101" pitchFamily="2" charset="-122"/>
+              <a:cs typeface="Cambria" panose="02040503050406030204" pitchFamily="18" charset="0"/>
+            </a:endParaRPr>
+          </a:p>
+        </p:txBody>
+      </p:sp>
+      <p:sp>
+        <p:nvSpPr>
+          <p:cNvPr id="8" name="页脚占位符 7">
+            <a:extLst>
+              <a:ext uri="{FF2B5EF4-FFF2-40B4-BE49-F238E27FC236}">
+                <a16:creationId xmlns:a16="http://schemas.microsoft.com/office/drawing/2014/main" id="{7C5D7998-ED26-4436-85BB-287CF3B07AB1}"/>
+              </a:ext>
+            </a:extLst>
+          </p:cNvPr>
+          <p:cNvSpPr>
+            <a:spLocks noGrp="1"/>
+          </p:cNvSpPr>
+          <p:nvPr>
+            <p:ph type="ftr" sz="quarter" idx="11"/>
+          </p:nvPr>
+        </p:nvSpPr>
+        <p:spPr>
+          <a:xfrm>
+            <a:off x="914400" y="6437376"/>
+            <a:ext cx="3775914" cy="365125"/>
+          </a:xfrm>
+        </p:spPr>
+        <p:txBody>
+          <a:bodyPr rtlCol="0"/>
+          <a:lstStyle/>
+          <a:p>
+            <a:pPr rtl="0"/>
+            <a:r>
+              <a:rPr lang="en-US" altLang="zh-CN" dirty="0"/>
+              <a:t>Website Design of John-Abbott College</a:t>
+            </a:r>
+            <a:endParaRPr lang="zh-CN" altLang="zh-CN" dirty="0"/>
+          </a:p>
+        </p:txBody>
+      </p:sp>
+      <p:sp>
+        <p:nvSpPr>
+          <p:cNvPr id="7" name="日期占位符 6">
+            <a:extLst>
+              <a:ext uri="{FF2B5EF4-FFF2-40B4-BE49-F238E27FC236}">
+                <a16:creationId xmlns:a16="http://schemas.microsoft.com/office/drawing/2014/main" id="{8BE129AC-705E-40E6-B0FC-ECDDA2A41B2A}"/>
+              </a:ext>
+            </a:extLst>
+          </p:cNvPr>
+          <p:cNvSpPr>
+            <a:spLocks noGrp="1"/>
+          </p:cNvSpPr>
+          <p:nvPr>
+            <p:ph type="dt" sz="half" idx="10"/>
+          </p:nvPr>
+        </p:nvSpPr>
+        <p:spPr>
+          <a:xfrm>
+            <a:off x="9323285" y="6434524"/>
+            <a:ext cx="2067867" cy="365125"/>
+          </a:xfrm>
+        </p:spPr>
+        <p:txBody>
+          <a:bodyPr rtlCol="0"/>
+          <a:lstStyle/>
+          <a:p>
+            <a:pPr rtl="0"/>
+            <a:r>
+              <a:rPr lang="zh-CN" altLang="zh-CN" dirty="0"/>
+              <a:t>20</a:t>
+            </a:r>
+            <a:r>
+              <a:rPr lang="en-US" altLang="zh-CN" dirty="0"/>
+              <a:t>21</a:t>
+            </a:r>
+            <a:r>
+              <a:rPr lang="zh-CN" altLang="zh-CN" dirty="0"/>
+              <a:t>/</a:t>
+            </a:r>
+            <a:r>
+              <a:rPr lang="en-US" altLang="zh-CN" dirty="0"/>
+              <a:t>09</a:t>
+            </a:r>
+            <a:r>
+              <a:rPr lang="zh-CN" altLang="zh-CN" dirty="0"/>
+              <a:t>/</a:t>
+            </a:r>
+            <a:r>
+              <a:rPr lang="en-US" altLang="zh-CN" dirty="0"/>
+              <a:t>01</a:t>
+            </a:r>
+            <a:endParaRPr lang="zh-CN" altLang="zh-CN" dirty="0"/>
+          </a:p>
+        </p:txBody>
+      </p:sp>
+      <p:sp>
+        <p:nvSpPr>
+          <p:cNvPr id="9" name="幻灯片编号占位符 8">
+            <a:extLst>
+              <a:ext uri="{FF2B5EF4-FFF2-40B4-BE49-F238E27FC236}">
+                <a16:creationId xmlns:a16="http://schemas.microsoft.com/office/drawing/2014/main" id="{948698A3-3CB3-4698-8F42-F3D81D37FF44}"/>
+              </a:ext>
+            </a:extLst>
+          </p:cNvPr>
+          <p:cNvSpPr>
+            <a:spLocks noGrp="1"/>
+          </p:cNvSpPr>
+          <p:nvPr>
+            <p:ph type="sldNum" sz="quarter" idx="12"/>
+          </p:nvPr>
+        </p:nvSpPr>
+        <p:spPr>
+          <a:xfrm>
+            <a:off x="11391152" y="6434524"/>
+            <a:ext cx="693261" cy="365125"/>
+          </a:xfrm>
+        </p:spPr>
+        <p:txBody>
+          <a:bodyPr rtlCol="0"/>
+          <a:lstStyle/>
+          <a:p>
+            <a:pPr rtl="0"/>
+            <a:fld id="{08AB70BE-1769-45B8-85A6-0C837432C7E6}" type="slidenum">
+              <a:rPr lang="en-US" altLang="zh-CN" smtClean="0"/>
+              <a:pPr rtl="0"/>
+              <a:t>12</a:t>
+            </a:fld>
+            <a:endParaRPr lang="zh-CN" dirty="0"/>
+          </a:p>
+        </p:txBody>
+      </p:sp>
+      <p:sp>
+        <p:nvSpPr>
+          <p:cNvPr id="5" name="内容占位符 4">
+            <a:extLst>
+              <a:ext uri="{FF2B5EF4-FFF2-40B4-BE49-F238E27FC236}">
+                <a16:creationId xmlns:a16="http://schemas.microsoft.com/office/drawing/2014/main" id="{BD70500E-6986-4564-9747-73B90E0C57EB}"/>
+              </a:ext>
+            </a:extLst>
+          </p:cNvPr>
+          <p:cNvSpPr>
+            <a:spLocks noGrp="1"/>
+          </p:cNvSpPr>
+          <p:nvPr>
+            <p:ph idx="1"/>
+          </p:nvPr>
+        </p:nvSpPr>
+        <p:spPr>
+          <a:xfrm>
+            <a:off x="914400" y="1919673"/>
+            <a:ext cx="2946400" cy="4123318"/>
+          </a:xfrm>
+        </p:spPr>
+        <p:txBody>
+          <a:bodyPr>
             <a:normAutofit/>
           </a:bodyPr>
           <a:lstStyle/>
           <a:p>
-            <a:pPr rtl="0"/>
-            <a:r>
-              <a:rPr lang="en-US" altLang="zh-CN" dirty="0">
+            <a:pPr>
+              <a:lnSpc>
+                <a:spcPct val="115000"/>
+              </a:lnSpc>
+              <a:spcAft>
+                <a:spcPts val="105"/>
+              </a:spcAft>
+            </a:pPr>
+            <a:r>
+              <a:rPr lang="en-US" altLang="zh-CN" sz="1800" dirty="0">
                 <a:solidFill>
-                  <a:srgbClr val="FFFFFF"/>
+                  <a:srgbClr val="000000"/>
                 </a:solidFill>
+                <a:effectLst/>
+                <a:latin typeface="Calibri" panose="020F0502020204030204" pitchFamily="34" charset="0"/>
+                <a:ea typeface="等线" panose="02010600030101010101" pitchFamily="2" charset="-122"/>
+                <a:cs typeface="Calibri" panose="020F0502020204030204" pitchFamily="34" charset="0"/>
               </a:rPr>
-              <a:t>Implementation</a:t>
-            </a:r>
-            <a:endParaRPr lang="zh-CN" dirty="0">
+              <a:t>Team reviews every web page and check if they are running well.</a:t>
+            </a:r>
+            <a:endParaRPr lang="zh-CN" altLang="zh-CN" sz="1800" dirty="0">
               <a:solidFill>
-                <a:srgbClr val="FFFFFF"/>
+                <a:srgbClr val="000000"/>
               </a:solidFill>
+              <a:effectLst/>
+              <a:latin typeface="Calibri" panose="020F0502020204030204" pitchFamily="34" charset="0"/>
+              <a:ea typeface="等线" panose="02010600030101010101" pitchFamily="2" charset="-122"/>
+              <a:cs typeface="Calibri" panose="020F0502020204030204" pitchFamily="34" charset="0"/>
+            </a:endParaRPr>
+          </a:p>
+          <a:p>
+            <a:pPr>
+              <a:lnSpc>
+                <a:spcPct val="115000"/>
+              </a:lnSpc>
+            </a:pPr>
+            <a:r>
+              <a:rPr lang="en-US" altLang="zh-CN" sz="1800" dirty="0">
+                <a:solidFill>
+                  <a:srgbClr val="000000"/>
+                </a:solidFill>
+                <a:effectLst/>
+                <a:latin typeface="Calibri" panose="020F0502020204030204" pitchFamily="34" charset="0"/>
+                <a:ea typeface="等线" panose="02010600030101010101" pitchFamily="2" charset="-122"/>
+                <a:cs typeface="Calibri" panose="020F0502020204030204" pitchFamily="34" charset="0"/>
+              </a:rPr>
+              <a:t>Make changes or corrections. Do final change and adjustment.</a:t>
+            </a:r>
+            <a:endParaRPr lang="zh-CN" altLang="zh-CN" sz="1800" dirty="0">
+              <a:solidFill>
+                <a:srgbClr val="000000"/>
+              </a:solidFill>
+              <a:effectLst/>
+              <a:latin typeface="Calibri" panose="020F0502020204030204" pitchFamily="34" charset="0"/>
+              <a:ea typeface="等线" panose="02010600030101010101" pitchFamily="2" charset="-122"/>
+              <a:cs typeface="Calibri" panose="020F0502020204030204" pitchFamily="34" charset="0"/>
             </a:endParaRPr>
           </a:p>
         </p:txBody>
       </p:sp>
       <p:pic>
         <p:nvPicPr>
-          <p:cNvPr id="6" name="图片占位符 5">
-            <a:extLst>
-              <a:ext uri="{FF2B5EF4-FFF2-40B4-BE49-F238E27FC236}">
-                <a16:creationId xmlns:a16="http://schemas.microsoft.com/office/drawing/2014/main" id="{F5199BAF-8671-4A5C-B912-4B2556FF9B38}"/>
-              </a:ext>
-            </a:extLst>
-          </p:cNvPr>
-          <p:cNvPicPr>
-            <a:picLocks noGrp="1" noChangeAspect="1"/>
-          </p:cNvPicPr>
-          <p:nvPr>
-            <p:ph type="pic" sz="quarter" idx="13"/>
-          </p:nvPr>
+          <p:cNvPr id="10" name="图片 9" descr="Generalized Gantt chart showing the typical phases of a web site design project.">
+            <a:extLst>
+              <a:ext uri="{FF2B5EF4-FFF2-40B4-BE49-F238E27FC236}">
+                <a16:creationId xmlns:a16="http://schemas.microsoft.com/office/drawing/2014/main" id="{F00D082D-EC0E-4FD6-A164-031E8D80F6A7}"/>
+              </a:ext>
+            </a:extLst>
+          </p:cNvPr>
+          <p:cNvPicPr/>
+          <p:nvPr/>
         </p:nvPicPr>
-        <p:blipFill rotWithShape="1">
-          <a:blip r:embed="rId2"/>
-          <a:srcRect l="34807" r="25167"/>
-          <a:stretch/>
+        <p:blipFill>
+          <a:blip r:embed="rId2">
+            <a:extLst>
+              <a:ext uri="{28A0092B-C50C-407E-A947-70E740481C1C}">
+                <a14:useLocalDpi xmlns:a14="http://schemas.microsoft.com/office/drawing/2010/main" val="0"/>
+              </a:ext>
+            </a:extLst>
+          </a:blip>
+          <a:srcRect/>
+          <a:stretch>
+            <a:fillRect/>
+          </a:stretch>
         </p:blipFill>
-        <p:spPr>
+        <p:spPr bwMode="auto">
           <a:xfrm>
-            <a:off x="6057901" y="1"/>
-            <a:ext cx="6134099" cy="6857999"/>
+            <a:off x="3860800" y="1994206"/>
+            <a:ext cx="6968460" cy="4123318"/>
           </a:xfrm>
+          <a:prstGeom prst="rect">
+            <a:avLst/>
+          </a:prstGeom>
           <a:noFill/>
+          <a:ln>
+            <a:noFill/>
+          </a:ln>
         </p:spPr>
       </p:pic>
-      <p:sp>
-        <p:nvSpPr>
-          <p:cNvPr id="11" name="Subtitle 3">
-            <a:extLst>
-              <a:ext uri="{FF2B5EF4-FFF2-40B4-BE49-F238E27FC236}">
-                <a16:creationId xmlns:a16="http://schemas.microsoft.com/office/drawing/2014/main" id="{630FD190-73CD-4C00-BBBE-244CEE608B06}"/>
-              </a:ext>
-            </a:extLst>
-          </p:cNvPr>
-          <p:cNvSpPr>
-            <a:spLocks noGrp="1"/>
-          </p:cNvSpPr>
-          <p:nvPr>
-            <p:ph type="subTitle" idx="1"/>
-          </p:nvPr>
-        </p:nvSpPr>
-        <p:spPr>
-          <a:xfrm>
-            <a:off x="0" y="4327140"/>
-            <a:ext cx="11576868" cy="2530860"/>
-          </a:xfrm>
-        </p:spPr>
-        <p:txBody>
-          <a:bodyPr/>
-          <a:lstStyle/>
-          <a:p>
-            <a:r>
-              <a:rPr lang="en-US" dirty="0"/>
-              <a:t>Aug.29 ~ Aug.31</a:t>
-            </a:r>
-          </a:p>
-        </p:txBody>
-      </p:sp>
     </p:spTree>
     <p:extLst>
       <p:ext uri="{BB962C8B-B14F-4D97-AF65-F5344CB8AC3E}">
-        <p14:creationId xmlns:p14="http://schemas.microsoft.com/office/powerpoint/2010/main" val="180971385"/>
+        <p14:creationId xmlns:p14="http://schemas.microsoft.com/office/powerpoint/2010/main" val="374858642"/>
       </p:ext>
     </p:extLst>
   </p:cSld>
@@ -18717,32 +19412,12 @@
           <a:bodyPr rtlCol="0"/>
           <a:lstStyle/>
           <a:p>
-            <a:pPr>
-              <a:lnSpc>
-                <a:spcPct val="115000"/>
-              </a:lnSpc>
-            </a:pPr>
-            <a:r>
-              <a:rPr lang="en-US" altLang="zh-CN" sz="4000" b="1" i="1" dirty="0">
-                <a:solidFill>
-                  <a:srgbClr val="000000"/>
-                </a:solidFill>
-                <a:effectLst/>
-                <a:latin typeface="Calibri" panose="020F0502020204030204" pitchFamily="34" charset="0"/>
-                <a:ea typeface="等线" panose="02010600030101010101" pitchFamily="2" charset="-122"/>
-                <a:cs typeface="Cambria" panose="02040503050406030204" pitchFamily="18" charset="0"/>
-              </a:rPr>
-              <a:t>Project management</a:t>
-            </a:r>
-            <a:endParaRPr lang="zh-CN" altLang="zh-CN" sz="4000" dirty="0">
-              <a:solidFill>
-                <a:srgbClr val="000000"/>
-              </a:solidFill>
-              <a:effectLst/>
-              <a:latin typeface="Cambria" panose="02040503050406030204" pitchFamily="18" charset="0"/>
-              <a:ea typeface="等线" panose="02010600030101010101" pitchFamily="2" charset="-122"/>
-              <a:cs typeface="Cambria" panose="02040503050406030204" pitchFamily="18" charset="0"/>
-            </a:endParaRPr>
+            <a:pPr rtl="0"/>
+            <a:r>
+              <a:rPr lang="en-US" altLang="zh-CN" dirty="0"/>
+              <a:t>Spring Method</a:t>
+            </a:r>
+            <a:endParaRPr lang="zh-CN" dirty="0"/>
           </a:p>
         </p:txBody>
       </p:sp>
@@ -18809,9 +19484,30 @@
           <a:p>
             <a:pPr rtl="0"/>
             <a:r>
-              <a:rPr lang="zh-CN"/>
-              <a:t>20XX/2/8</a:t>
-            </a:r>
+              <a:rPr lang="zh-CN" altLang="zh-CN" dirty="0"/>
+              <a:t>20</a:t>
+            </a:r>
+            <a:r>
+              <a:rPr lang="en-US" altLang="zh-CN" dirty="0"/>
+              <a:t>21</a:t>
+            </a:r>
+            <a:r>
+              <a:rPr lang="zh-CN" altLang="zh-CN" dirty="0"/>
+              <a:t>/</a:t>
+            </a:r>
+            <a:r>
+              <a:rPr lang="en-US" altLang="zh-CN" dirty="0"/>
+              <a:t>09</a:t>
+            </a:r>
+            <a:r>
+              <a:rPr lang="zh-CN" altLang="zh-CN" dirty="0"/>
+              <a:t>/</a:t>
+            </a:r>
+            <a:r>
+              <a:rPr lang="en-US" altLang="zh-CN" dirty="0"/>
+              <a:t>01</a:t>
+            </a:r>
+            <a:endParaRPr lang="zh-CN" altLang="zh-CN" dirty="0"/>
           </a:p>
         </p:txBody>
       </p:sp>
@@ -18851,44 +19547,23 @@
           </a:p>
         </p:txBody>
       </p:sp>
-      <p:sp>
-        <p:nvSpPr>
-          <p:cNvPr id="5" name="内容占位符 4">
-            <a:extLst>
-              <a:ext uri="{FF2B5EF4-FFF2-40B4-BE49-F238E27FC236}">
-                <a16:creationId xmlns:a16="http://schemas.microsoft.com/office/drawing/2014/main" id="{BD70500E-6986-4564-9747-73B90E0C57EB}"/>
-              </a:ext>
-            </a:extLst>
-          </p:cNvPr>
-          <p:cNvSpPr>
-            <a:spLocks noGrp="1"/>
-          </p:cNvSpPr>
+      <p:pic>
+        <p:nvPicPr>
+          <p:cNvPr id="10" name="内容占位符 9" descr="图形用户界面&#10;&#10;描述已自动生成">
+            <a:extLst>
+              <a:ext uri="{FF2B5EF4-FFF2-40B4-BE49-F238E27FC236}">
+                <a16:creationId xmlns:a16="http://schemas.microsoft.com/office/drawing/2014/main" id="{E77B791F-6055-4F1F-8955-1F3B6E2C519E}"/>
+              </a:ext>
+            </a:extLst>
+          </p:cNvPr>
+          <p:cNvPicPr>
+            <a:picLocks noGrp="1"/>
+          </p:cNvPicPr>
           <p:nvPr>
             <p:ph idx="1"/>
           </p:nvPr>
-        </p:nvSpPr>
-        <p:spPr/>
-        <p:txBody>
-          <a:bodyPr/>
-          <a:lstStyle/>
-          <a:p>
-            <a:endParaRPr lang="zh-CN" altLang="en-US"/>
-          </a:p>
-        </p:txBody>
-      </p:sp>
-      <p:pic>
-        <p:nvPicPr>
-          <p:cNvPr id="10" name="图片 9" descr="Generalized Gantt chart showing the typical phases of a web site design project.">
-            <a:extLst>
-              <a:ext uri="{FF2B5EF4-FFF2-40B4-BE49-F238E27FC236}">
-                <a16:creationId xmlns:a16="http://schemas.microsoft.com/office/drawing/2014/main" id="{F00D082D-EC0E-4FD6-A164-031E8D80F6A7}"/>
-              </a:ext>
-            </a:extLst>
-          </p:cNvPr>
-          <p:cNvPicPr/>
-          <p:nvPr/>
         </p:nvPicPr>
-        <p:blipFill>
+        <p:blipFill rotWithShape="1">
           <a:blip r:embed="rId2">
             <a:extLst>
               <a:ext uri="{28A0092B-C50C-407E-A947-70E740481C1C}">
@@ -18896,15 +19571,13 @@
               </a:ext>
             </a:extLst>
           </a:blip>
-          <a:srcRect/>
-          <a:stretch>
-            <a:fillRect/>
-          </a:stretch>
+          <a:srcRect r="21488"/>
+          <a:stretch/>
         </p:blipFill>
         <p:spPr bwMode="auto">
           <a:xfrm>
-            <a:off x="1004252" y="1994206"/>
-            <a:ext cx="9825008" cy="4123318"/>
+            <a:off x="7901635" y="1524000"/>
+            <a:ext cx="2067866" cy="5093087"/>
           </a:xfrm>
           <a:prstGeom prst="rect">
             <a:avLst/>
@@ -18915,10 +19588,273 @@
           </a:ln>
         </p:spPr>
       </p:pic>
+      <p:sp>
+        <p:nvSpPr>
+          <p:cNvPr id="11" name="内容占位符 4">
+            <a:extLst>
+              <a:ext uri="{FF2B5EF4-FFF2-40B4-BE49-F238E27FC236}">
+                <a16:creationId xmlns:a16="http://schemas.microsoft.com/office/drawing/2014/main" id="{27B6A6CB-46FC-4FA8-914B-0FEBAF2510A4}"/>
+              </a:ext>
+            </a:extLst>
+          </p:cNvPr>
+          <p:cNvSpPr txBox="1">
+            <a:spLocks/>
+          </p:cNvSpPr>
+          <p:nvPr/>
+        </p:nvSpPr>
+        <p:spPr>
+          <a:xfrm>
+            <a:off x="914400" y="1919673"/>
+            <a:ext cx="2946400" cy="4123318"/>
+          </a:xfrm>
+          <a:prstGeom prst="rect">
+            <a:avLst/>
+          </a:prstGeom>
+        </p:spPr>
+        <p:txBody>
+          <a:bodyPr vert="horz" lIns="91440" tIns="45720" rIns="91440" bIns="45720" rtlCol="0">
+            <a:normAutofit/>
+          </a:bodyPr>
+          <a:lstStyle>
+            <a:lvl1pPr marL="228600" indent="-228600" algn="l" defTabSz="914400" rtl="0" eaLnBrk="1" latinLnBrk="0" hangingPunct="1">
+              <a:lnSpc>
+                <a:spcPct val="120000"/>
+              </a:lnSpc>
+              <a:spcBef>
+                <a:spcPts val="1000"/>
+              </a:spcBef>
+              <a:buClr>
+                <a:schemeClr val="accent5"/>
+              </a:buClr>
+              <a:buFont typeface="Arial" panose="020B0604020202020204" pitchFamily="34" charset="0"/>
+              <a:buChar char="•"/>
+              <a:defRPr sz="2000" kern="1200">
+                <a:solidFill>
+                  <a:schemeClr val="tx2"/>
+                </a:solidFill>
+                <a:latin typeface="+mn-lt"/>
+                <a:ea typeface="+mn-ea"/>
+                <a:cs typeface="+mn-cs"/>
+              </a:defRPr>
+            </a:lvl1pPr>
+            <a:lvl2pPr marL="685800" indent="-228600" algn="l" defTabSz="914400" rtl="0" eaLnBrk="1" latinLnBrk="0" hangingPunct="1">
+              <a:lnSpc>
+                <a:spcPct val="120000"/>
+              </a:lnSpc>
+              <a:spcBef>
+                <a:spcPts val="500"/>
+              </a:spcBef>
+              <a:buClr>
+                <a:schemeClr val="accent5"/>
+              </a:buClr>
+              <a:buFont typeface="Arial" panose="020B0604020202020204" pitchFamily="34" charset="0"/>
+              <a:buChar char="•"/>
+              <a:defRPr sz="1800" kern="1200">
+                <a:solidFill>
+                  <a:schemeClr val="tx2"/>
+                </a:solidFill>
+                <a:latin typeface="+mn-lt"/>
+                <a:ea typeface="+mn-ea"/>
+                <a:cs typeface="+mn-cs"/>
+              </a:defRPr>
+            </a:lvl2pPr>
+            <a:lvl3pPr marL="1143000" indent="-228600" algn="l" defTabSz="914400" rtl="0" eaLnBrk="1" latinLnBrk="0" hangingPunct="1">
+              <a:lnSpc>
+                <a:spcPct val="120000"/>
+              </a:lnSpc>
+              <a:spcBef>
+                <a:spcPts val="500"/>
+              </a:spcBef>
+              <a:buClr>
+                <a:schemeClr val="accent5"/>
+              </a:buClr>
+              <a:buFont typeface="Arial" panose="020B0604020202020204" pitchFamily="34" charset="0"/>
+              <a:buChar char="•"/>
+              <a:defRPr sz="1600" kern="1200">
+                <a:solidFill>
+                  <a:schemeClr val="tx2"/>
+                </a:solidFill>
+                <a:latin typeface="+mn-lt"/>
+                <a:ea typeface="+mn-ea"/>
+                <a:cs typeface="+mn-cs"/>
+              </a:defRPr>
+            </a:lvl3pPr>
+            <a:lvl4pPr marL="1600200" indent="-228600" algn="l" defTabSz="914400" rtl="0" eaLnBrk="1" latinLnBrk="0" hangingPunct="1">
+              <a:lnSpc>
+                <a:spcPct val="120000"/>
+              </a:lnSpc>
+              <a:spcBef>
+                <a:spcPts val="500"/>
+              </a:spcBef>
+              <a:buClr>
+                <a:schemeClr val="accent5"/>
+              </a:buClr>
+              <a:buFont typeface="Arial" panose="020B0604020202020204" pitchFamily="34" charset="0"/>
+              <a:buChar char="•"/>
+              <a:defRPr sz="1400" kern="1200">
+                <a:solidFill>
+                  <a:schemeClr val="tx2"/>
+                </a:solidFill>
+                <a:latin typeface="+mn-lt"/>
+                <a:ea typeface="+mn-ea"/>
+                <a:cs typeface="+mn-cs"/>
+              </a:defRPr>
+            </a:lvl4pPr>
+            <a:lvl5pPr marL="2057400" indent="-228600" algn="l" defTabSz="914400" rtl="0" eaLnBrk="1" latinLnBrk="0" hangingPunct="1">
+              <a:lnSpc>
+                <a:spcPct val="120000"/>
+              </a:lnSpc>
+              <a:spcBef>
+                <a:spcPts val="500"/>
+              </a:spcBef>
+              <a:buClr>
+                <a:schemeClr val="accent5"/>
+              </a:buClr>
+              <a:buFont typeface="Arial" panose="020B0604020202020204" pitchFamily="34" charset="0"/>
+              <a:buChar char="•"/>
+              <a:defRPr sz="1400" kern="1200">
+                <a:solidFill>
+                  <a:schemeClr val="tx2"/>
+                </a:solidFill>
+                <a:latin typeface="+mn-lt"/>
+                <a:ea typeface="+mn-ea"/>
+                <a:cs typeface="+mn-cs"/>
+              </a:defRPr>
+            </a:lvl5pPr>
+            <a:lvl6pPr marL="2514600" indent="-228600" algn="l" defTabSz="914400" rtl="0" eaLnBrk="1" latinLnBrk="0" hangingPunct="1">
+              <a:lnSpc>
+                <a:spcPct val="90000"/>
+              </a:lnSpc>
+              <a:spcBef>
+                <a:spcPts val="500"/>
+              </a:spcBef>
+              <a:buFont typeface="Arial" panose="020B0604020202020204" pitchFamily="34" charset="0"/>
+              <a:buChar char="•"/>
+              <a:defRPr sz="1800" kern="1200">
+                <a:solidFill>
+                  <a:schemeClr val="tx1"/>
+                </a:solidFill>
+                <a:latin typeface="+mn-lt"/>
+                <a:ea typeface="+mn-ea"/>
+                <a:cs typeface="+mn-cs"/>
+              </a:defRPr>
+            </a:lvl6pPr>
+            <a:lvl7pPr marL="2971800" indent="-228600" algn="l" defTabSz="914400" rtl="0" eaLnBrk="1" latinLnBrk="0" hangingPunct="1">
+              <a:lnSpc>
+                <a:spcPct val="90000"/>
+              </a:lnSpc>
+              <a:spcBef>
+                <a:spcPts val="500"/>
+              </a:spcBef>
+              <a:buFont typeface="Arial" panose="020B0604020202020204" pitchFamily="34" charset="0"/>
+              <a:buChar char="•"/>
+              <a:defRPr sz="1800" kern="1200">
+                <a:solidFill>
+                  <a:schemeClr val="tx1"/>
+                </a:solidFill>
+                <a:latin typeface="+mn-lt"/>
+                <a:ea typeface="+mn-ea"/>
+                <a:cs typeface="+mn-cs"/>
+              </a:defRPr>
+            </a:lvl7pPr>
+            <a:lvl8pPr marL="3429000" indent="-228600" algn="l" defTabSz="914400" rtl="0" eaLnBrk="1" latinLnBrk="0" hangingPunct="1">
+              <a:lnSpc>
+                <a:spcPct val="90000"/>
+              </a:lnSpc>
+              <a:spcBef>
+                <a:spcPts val="500"/>
+              </a:spcBef>
+              <a:buFont typeface="Arial" panose="020B0604020202020204" pitchFamily="34" charset="0"/>
+              <a:buChar char="•"/>
+              <a:defRPr sz="1800" kern="1200">
+                <a:solidFill>
+                  <a:schemeClr val="tx1"/>
+                </a:solidFill>
+                <a:latin typeface="+mn-lt"/>
+                <a:ea typeface="+mn-ea"/>
+                <a:cs typeface="+mn-cs"/>
+              </a:defRPr>
+            </a:lvl8pPr>
+            <a:lvl9pPr marL="3886200" indent="-228600" algn="l" defTabSz="914400" rtl="0" eaLnBrk="1" latinLnBrk="0" hangingPunct="1">
+              <a:lnSpc>
+                <a:spcPct val="90000"/>
+              </a:lnSpc>
+              <a:spcBef>
+                <a:spcPts val="500"/>
+              </a:spcBef>
+              <a:buFont typeface="Arial" panose="020B0604020202020204" pitchFamily="34" charset="0"/>
+              <a:buChar char="•"/>
+              <a:defRPr sz="1800" kern="1200">
+                <a:solidFill>
+                  <a:schemeClr val="tx1"/>
+                </a:solidFill>
+                <a:latin typeface="+mn-lt"/>
+                <a:ea typeface="+mn-ea"/>
+                <a:cs typeface="+mn-cs"/>
+              </a:defRPr>
+            </a:lvl9pPr>
+          </a:lstStyle>
+          <a:p>
+            <a:pPr>
+              <a:lnSpc>
+                <a:spcPct val="115000"/>
+              </a:lnSpc>
+              <a:spcAft>
+                <a:spcPts val="105"/>
+              </a:spcAft>
+            </a:pPr>
+            <a:r>
+              <a:rPr lang="en-US" altLang="zh-CN" sz="1800">
+                <a:solidFill>
+                  <a:srgbClr val="000000"/>
+                </a:solidFill>
+                <a:latin typeface="Calibri" panose="020F0502020204030204" pitchFamily="34" charset="0"/>
+                <a:ea typeface="等线" panose="02010600030101010101" pitchFamily="2" charset="-122"/>
+                <a:cs typeface="Calibri" panose="020F0502020204030204" pitchFamily="34" charset="0"/>
+              </a:rPr>
+              <a:t>Team reviews every web page and check if they are running well.</a:t>
+            </a:r>
+            <a:endParaRPr lang="zh-CN" altLang="zh-CN" sz="1800">
+              <a:solidFill>
+                <a:srgbClr val="000000"/>
+              </a:solidFill>
+              <a:latin typeface="Calibri" panose="020F0502020204030204" pitchFamily="34" charset="0"/>
+              <a:ea typeface="等线" panose="02010600030101010101" pitchFamily="2" charset="-122"/>
+              <a:cs typeface="Calibri" panose="020F0502020204030204" pitchFamily="34" charset="0"/>
+            </a:endParaRPr>
+          </a:p>
+          <a:p>
+            <a:pPr>
+              <a:lnSpc>
+                <a:spcPct val="115000"/>
+              </a:lnSpc>
+            </a:pPr>
+            <a:r>
+              <a:rPr lang="en-US" altLang="zh-CN" sz="1800">
+                <a:solidFill>
+                  <a:srgbClr val="000000"/>
+                </a:solidFill>
+                <a:latin typeface="Calibri" panose="020F0502020204030204" pitchFamily="34" charset="0"/>
+                <a:ea typeface="等线" panose="02010600030101010101" pitchFamily="2" charset="-122"/>
+                <a:cs typeface="Calibri" panose="020F0502020204030204" pitchFamily="34" charset="0"/>
+              </a:rPr>
+              <a:t>Make changes or corrections. Do final change and adjustment.</a:t>
+            </a:r>
+            <a:endParaRPr lang="zh-CN" altLang="zh-CN" sz="1800" dirty="0">
+              <a:solidFill>
+                <a:srgbClr val="000000"/>
+              </a:solidFill>
+              <a:latin typeface="Calibri" panose="020F0502020204030204" pitchFamily="34" charset="0"/>
+              <a:ea typeface="等线" panose="02010600030101010101" pitchFamily="2" charset="-122"/>
+              <a:cs typeface="Calibri" panose="020F0502020204030204" pitchFamily="34" charset="0"/>
+            </a:endParaRPr>
+          </a:p>
+        </p:txBody>
+      </p:sp>
     </p:spTree>
     <p:extLst>
       <p:ext uri="{BB962C8B-B14F-4D97-AF65-F5344CB8AC3E}">
-        <p14:creationId xmlns:p14="http://schemas.microsoft.com/office/powerpoint/2010/main" val="374858642"/>
+        <p14:creationId xmlns:p14="http://schemas.microsoft.com/office/powerpoint/2010/main" val="2880562479"/>
       </p:ext>
     </p:extLst>
   </p:cSld>
@@ -18950,7 +19886,7 @@
           <p:cNvPr id="2" name="标题 1">
             <a:extLst>
               <a:ext uri="{FF2B5EF4-FFF2-40B4-BE49-F238E27FC236}">
-                <a16:creationId xmlns:a16="http://schemas.microsoft.com/office/drawing/2014/main" id="{A459A0FD-000E-4BE6-AF65-BB86C656DB23}"/>
+                <a16:creationId xmlns:a16="http://schemas.microsoft.com/office/drawing/2014/main" id="{AA584C88-9468-43F0-84FE-87E6F8995935}"/>
               </a:ext>
             </a:extLst>
           </p:cNvPr>
@@ -18974,18 +19910,49 @@
             <a:pPr rtl="0"/>
             <a:r>
               <a:rPr lang="en-US" altLang="zh-CN" dirty="0"/>
-              <a:t>Spring Method</a:t>
+              <a:t>Schedule and Milestone</a:t>
             </a:r>
             <a:endParaRPr lang="zh-CN" dirty="0"/>
           </a:p>
         </p:txBody>
       </p:sp>
+      <p:graphicFrame>
+        <p:nvGraphicFramePr>
+          <p:cNvPr id="7" name="内容占位符 3" descr="日程表占位符">
+            <a:extLst>
+              <a:ext uri="{FF2B5EF4-FFF2-40B4-BE49-F238E27FC236}">
+                <a16:creationId xmlns:a16="http://schemas.microsoft.com/office/drawing/2014/main" id="{DCCF0814-D45B-4C2C-BB91-2CABE926997E}"/>
+              </a:ext>
+            </a:extLst>
+          </p:cNvPr>
+          <p:cNvGraphicFramePr>
+            <a:graphicFrameLocks noGrp="1"/>
+          </p:cNvGraphicFramePr>
+          <p:nvPr>
+            <p:ph idx="1"/>
+            <p:extLst>
+              <p:ext uri="{D42A27DB-BD31-4B8C-83A1-F6EECF244321}">
+                <p14:modId xmlns:p14="http://schemas.microsoft.com/office/powerpoint/2010/main" val="4254867070"/>
+              </p:ext>
+            </p:extLst>
+          </p:nvPr>
+        </p:nvGraphicFramePr>
+        <p:xfrm>
+          <a:off x="854075" y="1825625"/>
+          <a:ext cx="10499725" cy="4351338"/>
+        </p:xfrm>
+        <a:graphic>
+          <a:graphicData uri="http://schemas.openxmlformats.org/drawingml/2006/diagram">
+            <dgm:relIds xmlns:dgm="http://schemas.openxmlformats.org/drawingml/2006/diagram" xmlns:r="http://schemas.openxmlformats.org/officeDocument/2006/relationships" r:dm="rId2" r:lo="rId3" r:qs="rId4" r:cs="rId5"/>
+          </a:graphicData>
+        </a:graphic>
+      </p:graphicFrame>
       <p:sp>
         <p:nvSpPr>
-          <p:cNvPr id="8" name="页脚占位符 7">
-            <a:extLst>
-              <a:ext uri="{FF2B5EF4-FFF2-40B4-BE49-F238E27FC236}">
-                <a16:creationId xmlns:a16="http://schemas.microsoft.com/office/drawing/2014/main" id="{7C5D7998-ED26-4436-85BB-287CF3B07AB1}"/>
+          <p:cNvPr id="5" name="页脚占位符 4">
+            <a:extLst>
+              <a:ext uri="{FF2B5EF4-FFF2-40B4-BE49-F238E27FC236}">
+                <a16:creationId xmlns:a16="http://schemas.microsoft.com/office/drawing/2014/main" id="{5DF60FF9-E837-4D2A-86A0-3B5D4D6449E3}"/>
               </a:ext>
             </a:extLst>
           </p:cNvPr>
@@ -19017,10 +19984,10 @@
       </p:sp>
       <p:sp>
         <p:nvSpPr>
-          <p:cNvPr id="7" name="日期占位符 6">
-            <a:extLst>
-              <a:ext uri="{FF2B5EF4-FFF2-40B4-BE49-F238E27FC236}">
-                <a16:creationId xmlns:a16="http://schemas.microsoft.com/office/drawing/2014/main" id="{8BE129AC-705E-40E6-B0FC-ECDDA2A41B2A}"/>
+          <p:cNvPr id="4" name="日期占位符 3">
+            <a:extLst>
+              <a:ext uri="{FF2B5EF4-FFF2-40B4-BE49-F238E27FC236}">
+                <a16:creationId xmlns:a16="http://schemas.microsoft.com/office/drawing/2014/main" id="{F4567E44-A438-462D-80F7-973D8E22B234}"/>
               </a:ext>
             </a:extLst>
           </p:cNvPr>
@@ -19043,18 +20010,39 @@
           <a:p>
             <a:pPr rtl="0"/>
             <a:r>
-              <a:rPr lang="zh-CN"/>
-              <a:t>20XX/2/8</a:t>
-            </a:r>
+              <a:rPr lang="zh-CN" altLang="zh-CN" dirty="0"/>
+              <a:t>20</a:t>
+            </a:r>
+            <a:r>
+              <a:rPr lang="en-US" altLang="zh-CN" dirty="0"/>
+              <a:t>21</a:t>
+            </a:r>
+            <a:r>
+              <a:rPr lang="zh-CN" altLang="zh-CN" dirty="0"/>
+              <a:t>/</a:t>
+            </a:r>
+            <a:r>
+              <a:rPr lang="en-US" altLang="zh-CN" dirty="0"/>
+              <a:t>09</a:t>
+            </a:r>
+            <a:r>
+              <a:rPr lang="zh-CN" altLang="zh-CN" dirty="0"/>
+              <a:t>/</a:t>
+            </a:r>
+            <a:r>
+              <a:rPr lang="en-US" altLang="zh-CN" dirty="0"/>
+              <a:t>01</a:t>
+            </a:r>
+            <a:endParaRPr lang="zh-CN" altLang="zh-CN" dirty="0"/>
           </a:p>
         </p:txBody>
       </p:sp>
       <p:sp>
         <p:nvSpPr>
-          <p:cNvPr id="9" name="幻灯片编号占位符 8">
-            <a:extLst>
-              <a:ext uri="{FF2B5EF4-FFF2-40B4-BE49-F238E27FC236}">
-                <a16:creationId xmlns:a16="http://schemas.microsoft.com/office/drawing/2014/main" id="{948698A3-3CB3-4698-8F42-F3D81D37FF44}"/>
+          <p:cNvPr id="6" name="幻灯片编号占位符 5">
+            <a:extLst>
+              <a:ext uri="{FF2B5EF4-FFF2-40B4-BE49-F238E27FC236}">
+                <a16:creationId xmlns:a16="http://schemas.microsoft.com/office/drawing/2014/main" id="{5A7A9107-342C-447F-BD0F-E20064E5FDA7}"/>
               </a:ext>
             </a:extLst>
           </p:cNvPr>
@@ -19085,51 +20073,10 @@
           </a:p>
         </p:txBody>
       </p:sp>
-      <p:pic>
-        <p:nvPicPr>
-          <p:cNvPr id="10" name="内容占位符 9" descr="图形用户界面&#10;&#10;描述已自动生成">
-            <a:extLst>
-              <a:ext uri="{FF2B5EF4-FFF2-40B4-BE49-F238E27FC236}">
-                <a16:creationId xmlns:a16="http://schemas.microsoft.com/office/drawing/2014/main" id="{E77B791F-6055-4F1F-8955-1F3B6E2C519E}"/>
-              </a:ext>
-            </a:extLst>
-          </p:cNvPr>
-          <p:cNvPicPr>
-            <a:picLocks noGrp="1"/>
-          </p:cNvPicPr>
-          <p:nvPr>
-            <p:ph idx="1"/>
-          </p:nvPr>
-        </p:nvPicPr>
-        <p:blipFill rotWithShape="1">
-          <a:blip r:embed="rId2">
-            <a:extLst>
-              <a:ext uri="{28A0092B-C50C-407E-A947-70E740481C1C}">
-                <a14:useLocalDpi xmlns:a14="http://schemas.microsoft.com/office/drawing/2010/main" val="0"/>
-              </a:ext>
-            </a:extLst>
-          </a:blip>
-          <a:srcRect r="21488"/>
-          <a:stretch/>
-        </p:blipFill>
-        <p:spPr bwMode="auto">
-          <a:xfrm>
-            <a:off x="2093423" y="1627322"/>
-            <a:ext cx="2416584" cy="4807201"/>
-          </a:xfrm>
-          <a:prstGeom prst="rect">
-            <a:avLst/>
-          </a:prstGeom>
-          <a:noFill/>
-          <a:ln>
-            <a:noFill/>
-          </a:ln>
-        </p:spPr>
-      </p:pic>
     </p:spTree>
     <p:extLst>
       <p:ext uri="{BB962C8B-B14F-4D97-AF65-F5344CB8AC3E}">
-        <p14:creationId xmlns:p14="http://schemas.microsoft.com/office/powerpoint/2010/main" val="2880562479"/>
+        <p14:creationId xmlns:p14="http://schemas.microsoft.com/office/powerpoint/2010/main" val="568354645"/>
       </p:ext>
     </p:extLst>
   </p:cSld>
@@ -19161,7 +20108,7 @@
           <p:cNvPr id="2" name="标题 1">
             <a:extLst>
               <a:ext uri="{FF2B5EF4-FFF2-40B4-BE49-F238E27FC236}">
-                <a16:creationId xmlns:a16="http://schemas.microsoft.com/office/drawing/2014/main" id="{AA584C88-9468-43F0-84FE-87E6F8995935}"/>
+                <a16:creationId xmlns:a16="http://schemas.microsoft.com/office/drawing/2014/main" id="{937EC466-2297-4C1B-8079-A514AB8D335D}"/>
               </a:ext>
             </a:extLst>
           </p:cNvPr>
@@ -19174,8 +20121,8 @@
         </p:nvSpPr>
         <p:spPr>
           <a:xfrm>
-            <a:off x="905256" y="448056"/>
-            <a:ext cx="9914859" cy="1329004"/>
+            <a:off x="914401" y="443553"/>
+            <a:ext cx="9914859" cy="1325880"/>
           </a:xfrm>
         </p:spPr>
         <p:txBody>
@@ -19185,49 +20132,109 @@
             <a:pPr rtl="0"/>
             <a:r>
               <a:rPr lang="en-US" altLang="zh-CN" dirty="0"/>
-              <a:t>Schedule</a:t>
+              <a:t>Summary·</a:t>
             </a:r>
             <a:endParaRPr lang="zh-CN" dirty="0"/>
           </a:p>
         </p:txBody>
       </p:sp>
-      <p:graphicFrame>
-        <p:nvGraphicFramePr>
-          <p:cNvPr id="7" name="内容占位符 3" descr="日程表占位符">
-            <a:extLst>
-              <a:ext uri="{FF2B5EF4-FFF2-40B4-BE49-F238E27FC236}">
-                <a16:creationId xmlns:a16="http://schemas.microsoft.com/office/drawing/2014/main" id="{DCCF0814-D45B-4C2C-BB91-2CABE926997E}"/>
-              </a:ext>
-            </a:extLst>
-          </p:cNvPr>
-          <p:cNvGraphicFramePr>
-            <a:graphicFrameLocks noGrp="1"/>
-          </p:cNvGraphicFramePr>
+      <p:sp>
+        <p:nvSpPr>
+          <p:cNvPr id="3" name="内容占位符 2">
+            <a:extLst>
+              <a:ext uri="{FF2B5EF4-FFF2-40B4-BE49-F238E27FC236}">
+                <a16:creationId xmlns:a16="http://schemas.microsoft.com/office/drawing/2014/main" id="{6CC87D86-1B97-419B-878E-C18BA725FF0A}"/>
+              </a:ext>
+            </a:extLst>
+          </p:cNvPr>
+          <p:cNvSpPr>
+            <a:spLocks noGrp="1"/>
+          </p:cNvSpPr>
           <p:nvPr>
             <p:ph idx="1"/>
-            <p:extLst>
-              <p:ext uri="{D42A27DB-BD31-4B8C-83A1-F6EECF244321}">
-                <p14:modId xmlns:p14="http://schemas.microsoft.com/office/powerpoint/2010/main" val="2250598965"/>
-              </p:ext>
-            </p:extLst>
           </p:nvPr>
-        </p:nvGraphicFramePr>
-        <p:xfrm>
-          <a:off x="854075" y="1825625"/>
-          <a:ext cx="10499725" cy="4351338"/>
-        </p:xfrm>
-        <a:graphic>
-          <a:graphicData uri="http://schemas.openxmlformats.org/drawingml/2006/diagram">
-            <dgm:relIds xmlns:dgm="http://schemas.openxmlformats.org/drawingml/2006/diagram" xmlns:r="http://schemas.openxmlformats.org/officeDocument/2006/relationships" r:dm="rId2" r:lo="rId3" r:qs="rId4" r:cs="rId5"/>
-          </a:graphicData>
-        </a:graphic>
-      </p:graphicFrame>
+        </p:nvSpPr>
+        <p:spPr>
+          <a:xfrm>
+            <a:off x="914400" y="2709080"/>
+            <a:ext cx="5868537" cy="3467881"/>
+          </a:xfrm>
+        </p:spPr>
+        <p:txBody>
+          <a:bodyPr rtlCol="0"/>
+          <a:lstStyle/>
+          <a:p>
+            <a:pPr rtl="0"/>
+            <a:r>
+              <a:rPr lang="en-US" altLang="zh-CN" dirty="0"/>
+              <a:t>Summary</a:t>
+            </a:r>
+            <a:endParaRPr lang="zh-CN" dirty="0"/>
+          </a:p>
+        </p:txBody>
+      </p:sp>
+      <p:pic>
+        <p:nvPicPr>
+          <p:cNvPr id="9" name="图片占位符 8">
+            <a:extLst>
+              <a:ext uri="{FF2B5EF4-FFF2-40B4-BE49-F238E27FC236}">
+                <a16:creationId xmlns:a16="http://schemas.microsoft.com/office/drawing/2014/main" id="{B7D17764-41DE-474B-801F-3A31C13890CC}"/>
+              </a:ext>
+            </a:extLst>
+          </p:cNvPr>
+          <p:cNvPicPr>
+            <a:picLocks noGrp="1" noChangeAspect="1"/>
+          </p:cNvPicPr>
+          <p:nvPr>
+            <p:ph type="pic" sz="quarter" idx="13"/>
+          </p:nvPr>
+        </p:nvPicPr>
+        <p:blipFill>
+          <a:blip r:embed="rId2"/>
+          <a:srcRect l="22644" r="22644"/>
+          <a:stretch/>
+        </p:blipFill>
+        <p:spPr>
+          <a:xfrm>
+            <a:off x="7326184" y="2126134"/>
+            <a:ext cx="2434622" cy="2503056"/>
+          </a:xfrm>
+        </p:spPr>
+      </p:pic>
+      <p:pic>
+        <p:nvPicPr>
+          <p:cNvPr id="11" name="图片占位符 10">
+            <a:extLst>
+              <a:ext uri="{FF2B5EF4-FFF2-40B4-BE49-F238E27FC236}">
+                <a16:creationId xmlns:a16="http://schemas.microsoft.com/office/drawing/2014/main" id="{D47600FE-FF70-4943-A9DC-B1AF91EC0CBC}"/>
+              </a:ext>
+            </a:extLst>
+          </p:cNvPr>
+          <p:cNvPicPr>
+            <a:picLocks noGrp="1" noChangeAspect="1"/>
+          </p:cNvPicPr>
+          <p:nvPr>
+            <p:ph type="pic" sz="quarter" idx="14"/>
+          </p:nvPr>
+        </p:nvPicPr>
+        <p:blipFill>
+          <a:blip r:embed="rId3"/>
+          <a:srcRect t="7664" b="7664"/>
+          <a:stretch/>
+        </p:blipFill>
+        <p:spPr>
+          <a:xfrm>
+            <a:off x="9759092" y="2118839"/>
+            <a:ext cx="2432908" cy="2498880"/>
+          </a:xfrm>
+        </p:spPr>
+      </p:pic>
       <p:sp>
         <p:nvSpPr>
-          <p:cNvPr id="5" name="页脚占位符 4">
-            <a:extLst>
-              <a:ext uri="{FF2B5EF4-FFF2-40B4-BE49-F238E27FC236}">
-                <a16:creationId xmlns:a16="http://schemas.microsoft.com/office/drawing/2014/main" id="{5DF60FF9-E837-4D2A-86A0-3B5D4D6449E3}"/>
+          <p:cNvPr id="17" name="页脚占位符 16">
+            <a:extLst>
+              <a:ext uri="{FF2B5EF4-FFF2-40B4-BE49-F238E27FC236}">
+                <a16:creationId xmlns:a16="http://schemas.microsoft.com/office/drawing/2014/main" id="{7CF31D05-F197-49CC-87BE-4A7FEB81335F}"/>
               </a:ext>
             </a:extLst>
           </p:cNvPr>
@@ -19240,8 +20247,8 @@
         </p:nvSpPr>
         <p:spPr>
           <a:xfrm>
-            <a:off x="914400" y="6437376"/>
-            <a:ext cx="3775914" cy="365125"/>
+            <a:off x="914400" y="6434560"/>
+            <a:ext cx="3428012" cy="365125"/>
           </a:xfrm>
         </p:spPr>
         <p:txBody>
@@ -19257,12 +20264,68 @@
           </a:p>
         </p:txBody>
       </p:sp>
+      <p:pic>
+        <p:nvPicPr>
+          <p:cNvPr id="15" name="图片占位符 14">
+            <a:extLst>
+              <a:ext uri="{FF2B5EF4-FFF2-40B4-BE49-F238E27FC236}">
+                <a16:creationId xmlns:a16="http://schemas.microsoft.com/office/drawing/2014/main" id="{0A64F2A4-8811-44F1-825B-9D04590EB45A}"/>
+              </a:ext>
+            </a:extLst>
+          </p:cNvPr>
+          <p:cNvPicPr>
+            <a:picLocks noGrp="1" noChangeAspect="1"/>
+          </p:cNvPicPr>
+          <p:nvPr>
+            <p:ph type="pic" sz="quarter" idx="15"/>
+          </p:nvPr>
+        </p:nvPicPr>
+        <p:blipFill>
+          <a:blip r:embed="rId4"/>
+          <a:srcRect l="22375" r="22375"/>
+          <a:stretch/>
+        </p:blipFill>
+        <p:spPr>
+          <a:xfrm>
+            <a:off x="7324344" y="4503573"/>
+            <a:ext cx="2434622" cy="2354427"/>
+          </a:xfrm>
+        </p:spPr>
+      </p:pic>
+      <p:pic>
+        <p:nvPicPr>
+          <p:cNvPr id="13" name="图片占位符 12">
+            <a:extLst>
+              <a:ext uri="{FF2B5EF4-FFF2-40B4-BE49-F238E27FC236}">
+                <a16:creationId xmlns:a16="http://schemas.microsoft.com/office/drawing/2014/main" id="{38CED09D-01FE-44EB-A655-6EC0819B7094}"/>
+              </a:ext>
+            </a:extLst>
+          </p:cNvPr>
+          <p:cNvPicPr>
+            <a:picLocks noGrp="1" noChangeAspect="1"/>
+          </p:cNvPicPr>
+          <p:nvPr>
+            <p:ph type="pic" sz="quarter" idx="16"/>
+          </p:nvPr>
+        </p:nvPicPr>
+        <p:blipFill>
+          <a:blip r:embed="rId5"/>
+          <a:srcRect t="3598" b="3598"/>
+          <a:stretch/>
+        </p:blipFill>
+        <p:spPr>
+          <a:xfrm>
+            <a:off x="9758966" y="4507560"/>
+            <a:ext cx="2434622" cy="2350439"/>
+          </a:xfrm>
+        </p:spPr>
+      </p:pic>
       <p:sp>
         <p:nvSpPr>
-          <p:cNvPr id="4" name="日期占位符 3">
-            <a:extLst>
-              <a:ext uri="{FF2B5EF4-FFF2-40B4-BE49-F238E27FC236}">
-                <a16:creationId xmlns:a16="http://schemas.microsoft.com/office/drawing/2014/main" id="{F4567E44-A438-462D-80F7-973D8E22B234}"/>
+          <p:cNvPr id="16" name="日期占位符 15">
+            <a:extLst>
+              <a:ext uri="{FF2B5EF4-FFF2-40B4-BE49-F238E27FC236}">
+                <a16:creationId xmlns:a16="http://schemas.microsoft.com/office/drawing/2014/main" id="{6D298BC0-D1EE-4B8A-B546-4C8799240D8F}"/>
               </a:ext>
             </a:extLst>
           </p:cNvPr>
@@ -19275,8 +20338,8 @@
         </p:nvSpPr>
         <p:spPr>
           <a:xfrm>
-            <a:off x="9323285" y="6434524"/>
-            <a:ext cx="2067867" cy="365125"/>
+            <a:off x="9017000" y="6433202"/>
+            <a:ext cx="2374150" cy="367841"/>
           </a:xfrm>
         </p:spPr>
         <p:txBody>
@@ -19285,18 +20348,39 @@
           <a:p>
             <a:pPr rtl="0"/>
             <a:r>
-              <a:rPr lang="zh-CN"/>
-              <a:t>20XX/2/8</a:t>
-            </a:r>
+              <a:rPr lang="zh-CN" altLang="zh-CN" dirty="0"/>
+              <a:t>20</a:t>
+            </a:r>
+            <a:r>
+              <a:rPr lang="en-US" altLang="zh-CN" dirty="0"/>
+              <a:t>21</a:t>
+            </a:r>
+            <a:r>
+              <a:rPr lang="zh-CN" altLang="zh-CN" dirty="0"/>
+              <a:t>/</a:t>
+            </a:r>
+            <a:r>
+              <a:rPr lang="en-US" altLang="zh-CN" dirty="0"/>
+              <a:t>09</a:t>
+            </a:r>
+            <a:r>
+              <a:rPr lang="zh-CN" altLang="zh-CN" dirty="0"/>
+              <a:t>/</a:t>
+            </a:r>
+            <a:r>
+              <a:rPr lang="en-US" altLang="zh-CN" dirty="0"/>
+              <a:t>01</a:t>
+            </a:r>
+            <a:endParaRPr lang="zh-CN" altLang="zh-CN" dirty="0"/>
           </a:p>
         </p:txBody>
       </p:sp>
       <p:sp>
         <p:nvSpPr>
-          <p:cNvPr id="6" name="幻灯片编号占位符 5">
-            <a:extLst>
-              <a:ext uri="{FF2B5EF4-FFF2-40B4-BE49-F238E27FC236}">
-                <a16:creationId xmlns:a16="http://schemas.microsoft.com/office/drawing/2014/main" id="{5A7A9107-342C-447F-BD0F-E20064E5FDA7}"/>
+          <p:cNvPr id="18" name="灯片编号占位符 17">
+            <a:extLst>
+              <a:ext uri="{FF2B5EF4-FFF2-40B4-BE49-F238E27FC236}">
+                <a16:creationId xmlns:a16="http://schemas.microsoft.com/office/drawing/2014/main" id="{0CFCA4BA-5731-4BC1-9FF7-23403BFA938A}"/>
               </a:ext>
             </a:extLst>
           </p:cNvPr>
@@ -19309,8 +20393,8 @@
         </p:nvSpPr>
         <p:spPr>
           <a:xfrm>
-            <a:off x="11391152" y="6434524"/>
-            <a:ext cx="693261" cy="365125"/>
+            <a:off x="11391150" y="6433203"/>
+            <a:ext cx="693263" cy="367842"/>
           </a:xfrm>
         </p:spPr>
         <p:txBody>
@@ -19330,7 +20414,7 @@
     </p:spTree>
     <p:extLst>
       <p:ext uri="{BB962C8B-B14F-4D97-AF65-F5344CB8AC3E}">
-        <p14:creationId xmlns:p14="http://schemas.microsoft.com/office/powerpoint/2010/main" val="568354645"/>
+        <p14:creationId xmlns:p14="http://schemas.microsoft.com/office/powerpoint/2010/main" val="3154595954"/>
       </p:ext>
     </p:extLst>
   </p:cSld>
@@ -19422,7 +20506,7 @@
       </p:pic>
       <p:pic>
         <p:nvPicPr>
-          <p:cNvPr id="10" name="图片占位符 9" descr="包含天空、户外、星星和卫星的图片">
+          <p:cNvPr id="10" name="图片占位符 9">
             <a:extLst>
               <a:ext uri="{FF2B5EF4-FFF2-40B4-BE49-F238E27FC236}">
                 <a16:creationId xmlns:a16="http://schemas.microsoft.com/office/drawing/2014/main" id="{9CB36CBF-780F-44BF-90F7-7C2E32629CB9}"/>
@@ -19436,15 +20520,9 @@
             <p:ph type="pic" sz="quarter" idx="14"/>
           </p:nvPr>
         </p:nvPicPr>
-        <p:blipFill rotWithShape="1">
-          <a:blip r:embed="rId3" cstate="screen">
-            <a:extLst>
-              <a:ext uri="{28A0092B-C50C-407E-A947-70E740481C1C}">
-                <a14:useLocalDpi xmlns:a14="http://schemas.microsoft.com/office/drawing/2010/main" val="0"/>
-              </a:ext>
-            </a:extLst>
-          </a:blip>
-          <a:srcRect l="10" r="10"/>
+        <p:blipFill>
+          <a:blip r:embed="rId3"/>
+          <a:srcRect t="15404" b="15404"/>
           <a:stretch/>
         </p:blipFill>
         <p:spPr>
@@ -19816,9 +20894,30 @@
           <a:p>
             <a:pPr rtl="0"/>
             <a:r>
-              <a:rPr lang="zh-CN"/>
-              <a:t>20XX/2/8</a:t>
-            </a:r>
+              <a:rPr lang="zh-CN" altLang="zh-CN" dirty="0"/>
+              <a:t>20</a:t>
+            </a:r>
+            <a:r>
+              <a:rPr lang="en-US" altLang="zh-CN" dirty="0"/>
+              <a:t>21</a:t>
+            </a:r>
+            <a:r>
+              <a:rPr lang="zh-CN" altLang="zh-CN" dirty="0"/>
+              <a:t>/</a:t>
+            </a:r>
+            <a:r>
+              <a:rPr lang="en-US" altLang="zh-CN" dirty="0"/>
+              <a:t>09</a:t>
+            </a:r>
+            <a:r>
+              <a:rPr lang="zh-CN" altLang="zh-CN" dirty="0"/>
+              <a:t>/</a:t>
+            </a:r>
+            <a:r>
+              <a:rPr lang="en-US" altLang="zh-CN" dirty="0"/>
+              <a:t>01</a:t>
+            </a:r>
+            <a:endParaRPr lang="zh-CN" altLang="zh-CN" dirty="0"/>
           </a:p>
         </p:txBody>
       </p:sp>
@@ -19907,41 +21006,73 @@
         <p:spPr>
           <a:xfrm>
             <a:off x="5963479" y="596393"/>
-            <a:ext cx="5618922" cy="4146088"/>
+            <a:ext cx="5618922" cy="4270075"/>
           </a:xfrm>
         </p:spPr>
         <p:txBody>
-          <a:bodyPr rtlCol="0">
+          <a:bodyPr rtlCol="0" anchor="ctr">
             <a:normAutofit/>
           </a:bodyPr>
           <a:lstStyle/>
           <a:p>
-            <a:pPr rtl="0"/>
-            <a:r>
-              <a:rPr lang="en-US" altLang="zh-CN" dirty="0"/>
+            <a:pPr algn="ctr" rtl="0"/>
+            <a:r>
+              <a:rPr lang="en-US" altLang="zh-CN" sz="5400" dirty="0">
+                <a:solidFill>
+                  <a:srgbClr val="FFFFFF"/>
+                </a:solidFill>
+                <a:latin typeface="Algerian" panose="04020705040A02060702" pitchFamily="82" charset="0"/>
+              </a:rPr>
               <a:t>Thank you</a:t>
             </a:r>
             <a:br>
-              <a:rPr lang="en-US" altLang="zh-CN" dirty="0"/>
+              <a:rPr lang="en-US" altLang="zh-CN" sz="5400" dirty="0">
+                <a:solidFill>
+                  <a:srgbClr val="FFFFFF"/>
+                </a:solidFill>
+                <a:latin typeface="Algerian" panose="04020705040A02060702" pitchFamily="82" charset="0"/>
+              </a:rPr>
             </a:br>
             <a:r>
-              <a:rPr lang="en-US" altLang="zh-CN" dirty="0"/>
+              <a:rPr lang="en-US" altLang="zh-CN" sz="5400" dirty="0">
+                <a:solidFill>
+                  <a:srgbClr val="FFFFFF"/>
+                </a:solidFill>
+                <a:latin typeface="Algerian" panose="04020705040A02060702" pitchFamily="82" charset="0"/>
+              </a:rPr>
               <a:t>Merci</a:t>
             </a:r>
             <a:br>
-              <a:rPr lang="en-US" altLang="zh-CN" dirty="0"/>
+              <a:rPr lang="en-US" altLang="zh-CN" sz="5400" dirty="0">
+                <a:solidFill>
+                  <a:srgbClr val="FFFFFF"/>
+                </a:solidFill>
+                <a:latin typeface="Algerian" panose="04020705040A02060702" pitchFamily="82" charset="0"/>
+              </a:rPr>
             </a:br>
             <a:r>
-              <a:rPr lang="zh-CN" altLang="en-US" dirty="0"/>
+              <a:rPr lang="zh-CN" altLang="en-US" sz="5400" dirty="0">
+                <a:solidFill>
+                  <a:srgbClr val="FFFFFF"/>
+                </a:solidFill>
+                <a:latin typeface="华文彩云" panose="02010800040101010101" pitchFamily="2" charset="-122"/>
+                <a:ea typeface="华文彩云" panose="02010800040101010101" pitchFamily="2" charset="-122"/>
+              </a:rPr>
               <a:t>谢谢</a:t>
             </a:r>
-            <a:endParaRPr lang="zh-CN" dirty="0"/>
+            <a:endParaRPr lang="zh-CN" sz="5400" dirty="0">
+              <a:solidFill>
+                <a:srgbClr val="FFFFFF"/>
+              </a:solidFill>
+              <a:latin typeface="华文彩云" panose="02010800040101010101" pitchFamily="2" charset="-122"/>
+              <a:ea typeface="华文彩云" panose="02010800040101010101" pitchFamily="2" charset="-122"/>
+            </a:endParaRPr>
           </a:p>
         </p:txBody>
       </p:sp>
       <p:pic>
         <p:nvPicPr>
-          <p:cNvPr id="6" name="图片占位符 5" descr="北极光 ">
+          <p:cNvPr id="6" name="图片占位符 5">
             <a:extLst>
               <a:ext uri="{FF2B5EF4-FFF2-40B4-BE49-F238E27FC236}">
                 <a16:creationId xmlns:a16="http://schemas.microsoft.com/office/drawing/2014/main" id="{331D72FC-DA58-4C81-8A6D-2766DA418FDD}"/>
@@ -19956,21 +21087,16 @@
           </p:nvPr>
         </p:nvPicPr>
         <p:blipFill rotWithShape="1">
-          <a:blip r:embed="rId2" cstate="screen">
-            <a:extLst>
-              <a:ext uri="{28A0092B-C50C-407E-A947-70E740481C1C}">
-                <a14:useLocalDpi xmlns:a14="http://schemas.microsoft.com/office/drawing/2010/main" val="0"/>
-              </a:ext>
-            </a:extLst>
-          </a:blip>
-          <a:srcRect/>
+          <a:blip r:embed="rId2"/>
+          <a:srcRect l="30216" r="21050" b="-1"/>
           <a:stretch/>
         </p:blipFill>
         <p:spPr>
           <a:xfrm>
-            <a:off x="0" y="-1"/>
-            <a:ext cx="5181600" cy="6857999"/>
+            <a:off x="20" y="-1"/>
+            <a:ext cx="5181580" cy="6857999"/>
           </a:xfrm>
+          <a:noFill/>
         </p:spPr>
       </p:pic>
       <p:sp>
@@ -19996,14 +21122,21 @@
           </a:xfrm>
         </p:spPr>
         <p:txBody>
-          <a:bodyPr rtlCol="0"/>
+          <a:bodyPr rtlCol="0" anchor="ctr">
+            <a:normAutofit/>
+          </a:bodyPr>
           <a:lstStyle/>
           <a:p>
-            <a:pPr rtl="0"/>
-            <a:r>
-              <a:rPr lang="zh-CN"/>
-              <a:t>示例页脚文本</a:t>
-            </a:r>
+            <a:pPr rtl="0">
+              <a:spcAft>
+                <a:spcPts val="600"/>
+              </a:spcAft>
+            </a:pPr>
+            <a:r>
+              <a:rPr lang="en-US" altLang="zh-CN" dirty="0"/>
+              <a:t>Website Design of John-Abbott College</a:t>
+            </a:r>
+            <a:endParaRPr lang="zh-CN" altLang="zh-CN"/>
           </a:p>
         </p:txBody>
       </p:sp>
@@ -20030,14 +21163,41 @@
           </a:xfrm>
         </p:spPr>
         <p:txBody>
-          <a:bodyPr rtlCol="0"/>
+          <a:bodyPr rtlCol="0" anchor="ctr">
+            <a:normAutofit/>
+          </a:bodyPr>
           <a:lstStyle/>
           <a:p>
-            <a:pPr rtl="0"/>
-            <a:r>
-              <a:rPr lang="zh-CN"/>
-              <a:t>20XX/2/8</a:t>
-            </a:r>
+            <a:pPr rtl="0">
+              <a:spcAft>
+                <a:spcPts val="600"/>
+              </a:spcAft>
+            </a:pPr>
+            <a:r>
+              <a:rPr lang="zh-CN" altLang="zh-CN" dirty="0"/>
+              <a:t>20</a:t>
+            </a:r>
+            <a:r>
+              <a:rPr lang="en-US" altLang="zh-CN" dirty="0"/>
+              <a:t>21</a:t>
+            </a:r>
+            <a:r>
+              <a:rPr lang="zh-CN" altLang="zh-CN" dirty="0"/>
+              <a:t>/</a:t>
+            </a:r>
+            <a:r>
+              <a:rPr lang="en-US" altLang="zh-CN" dirty="0"/>
+              <a:t>09</a:t>
+            </a:r>
+            <a:r>
+              <a:rPr lang="zh-CN" altLang="zh-CN" dirty="0"/>
+              <a:t>/</a:t>
+            </a:r>
+            <a:r>
+              <a:rPr lang="en-US" altLang="zh-CN" dirty="0"/>
+              <a:t>01</a:t>
+            </a:r>
+            <a:endParaRPr lang="zh-CN" altLang="zh-CN"/>
           </a:p>
         </p:txBody>
       </p:sp>
@@ -20064,16 +21224,32 @@
           </a:xfrm>
         </p:spPr>
         <p:txBody>
-          <a:bodyPr rtlCol="0"/>
+          <a:bodyPr rtlCol="0" anchor="ctr">
+            <a:normAutofit/>
+          </a:bodyPr>
           <a:lstStyle/>
           <a:p>
-            <a:pPr rtl="0"/>
+            <a:pPr rtl="0">
+              <a:lnSpc>
+                <a:spcPct val="90000"/>
+              </a:lnSpc>
+              <a:spcAft>
+                <a:spcPts val="600"/>
+              </a:spcAft>
+            </a:pPr>
             <a:fld id="{08AB70BE-1769-45B8-85A6-0C837432C7E6}" type="slidenum">
               <a:rPr lang="en-US" altLang="zh-CN" smtClean="0"/>
-              <a:pPr rtl="0"/>
+              <a:pPr rtl="0">
+                <a:lnSpc>
+                  <a:spcPct val="90000"/>
+                </a:lnSpc>
+                <a:spcAft>
+                  <a:spcPts val="600"/>
+                </a:spcAft>
+              </a:pPr>
               <a:t>17</a:t>
             </a:fld>
-            <a:endParaRPr lang="zh-CN" dirty="0"/>
+            <a:endParaRPr lang="zh-CN"/>
           </a:p>
         </p:txBody>
       </p:sp>
@@ -20176,15 +21352,21 @@
           <a:bodyPr rtlCol="0"/>
           <a:lstStyle/>
           <a:p>
-            <a:pPr rtl="0"/>
+            <a:pPr marL="457200" indent="-457200" rtl="0">
+              <a:buFont typeface="+mj-lt"/>
+              <a:buAutoNum type="arabicPeriod"/>
+            </a:pPr>
             <a:r>
               <a:rPr lang="en-US" altLang="zh-CN" dirty="0"/>
-              <a:t>Team member</a:t>
+              <a:t>Team members</a:t>
             </a:r>
             <a:endParaRPr lang="zh-CN" dirty="0"/>
           </a:p>
           <a:p>
-            <a:pPr rtl="0"/>
+            <a:pPr marL="457200" indent="-457200" rtl="0">
+              <a:buFont typeface="+mj-lt"/>
+              <a:buAutoNum type="arabicPeriod"/>
+            </a:pPr>
             <a:r>
               <a:rPr lang="en-US" altLang="zh-CN" dirty="0"/>
               <a:t>Purpose</a:t>
@@ -20192,7 +21374,10 @@
             <a:endParaRPr lang="zh-CN" dirty="0"/>
           </a:p>
           <a:p>
-            <a:pPr rtl="0"/>
+            <a:pPr marL="457200" indent="-457200" rtl="0">
+              <a:buFont typeface="+mj-lt"/>
+              <a:buAutoNum type="arabicPeriod"/>
+            </a:pPr>
             <a:r>
               <a:rPr lang="en-US" altLang="zh-CN" dirty="0"/>
               <a:t>Planning</a:t>
@@ -20200,7 +21385,10 @@
             <a:endParaRPr lang="zh-CN" dirty="0"/>
           </a:p>
           <a:p>
-            <a:pPr rtl="0"/>
+            <a:pPr marL="457200" indent="-457200" rtl="0">
+              <a:buFont typeface="+mj-lt"/>
+              <a:buAutoNum type="arabicPeriod"/>
+            </a:pPr>
             <a:r>
               <a:rPr lang="en-US" altLang="zh-CN" dirty="0"/>
               <a:t>Implementation</a:t>
@@ -20208,7 +21396,10 @@
             <a:endParaRPr lang="zh-CN" dirty="0"/>
           </a:p>
           <a:p>
-            <a:pPr rtl="0"/>
+            <a:pPr marL="457200" indent="-457200" rtl="0">
+              <a:buFont typeface="+mj-lt"/>
+              <a:buAutoNum type="arabicPeriod"/>
+            </a:pPr>
             <a:r>
               <a:rPr lang="en-US" altLang="zh-CN" dirty="0"/>
               <a:t>Project Management</a:t>
@@ -20466,10 +21657,10 @@
       </p:grpSpPr>
       <p:sp>
         <p:nvSpPr>
-          <p:cNvPr id="2" name="标题 1">
-            <a:extLst>
-              <a:ext uri="{FF2B5EF4-FFF2-40B4-BE49-F238E27FC236}">
-                <a16:creationId xmlns:a16="http://schemas.microsoft.com/office/drawing/2014/main" id="{937EC466-2297-4C1B-8079-A514AB8D335D}"/>
+          <p:cNvPr id="5" name="标题 4">
+            <a:extLst>
+              <a:ext uri="{FF2B5EF4-FFF2-40B4-BE49-F238E27FC236}">
+                <a16:creationId xmlns:a16="http://schemas.microsoft.com/office/drawing/2014/main" id="{97496544-4334-4110-B1D9-65FE527F8B8A}"/>
               </a:ext>
             </a:extLst>
           </p:cNvPr>
@@ -20482,8 +21673,8 @@
         </p:nvSpPr>
         <p:spPr>
           <a:xfrm>
-            <a:off x="914401" y="443553"/>
-            <a:ext cx="9914859" cy="1325880"/>
+            <a:off x="1" y="10159"/>
+            <a:ext cx="12191999" cy="2128731"/>
           </a:xfrm>
         </p:spPr>
         <p:txBody>
@@ -20493,18 +21684,52 @@
             <a:pPr rtl="0"/>
             <a:r>
               <a:rPr lang="en-US" altLang="zh-CN" dirty="0"/>
-              <a:t>Summary·</a:t>
+              <a:t>Team Members</a:t>
             </a:r>
             <a:endParaRPr lang="zh-CN" dirty="0"/>
           </a:p>
         </p:txBody>
       </p:sp>
+      <p:pic>
+        <p:nvPicPr>
+          <p:cNvPr id="19" name="图片占位符 18" descr="办公室中面对镜头微笑的人">
+            <a:extLst>
+              <a:ext uri="{FF2B5EF4-FFF2-40B4-BE49-F238E27FC236}">
+                <a16:creationId xmlns:a16="http://schemas.microsoft.com/office/drawing/2014/main" id="{50E9E8DE-4D1F-48E0-BD12-E3B2D071A742}"/>
+              </a:ext>
+            </a:extLst>
+          </p:cNvPr>
+          <p:cNvPicPr>
+            <a:picLocks noGrp="1" noChangeAspect="1"/>
+          </p:cNvPicPr>
+          <p:nvPr>
+            <p:ph type="pic" sz="quarter" idx="21"/>
+          </p:nvPr>
+        </p:nvPicPr>
+        <p:blipFill rotWithShape="1">
+          <a:blip r:embed="rId2" cstate="screen">
+            <a:extLst>
+              <a:ext uri="{28A0092B-C50C-407E-A947-70E740481C1C}">
+                <a14:useLocalDpi xmlns:a14="http://schemas.microsoft.com/office/drawing/2010/main" val="0"/>
+              </a:ext>
+            </a:extLst>
+          </a:blip>
+          <a:srcRect/>
+          <a:stretch/>
+        </p:blipFill>
+        <p:spPr>
+          <a:xfrm>
+            <a:off x="250891" y="2303725"/>
+            <a:ext cx="2189084" cy="1672460"/>
+          </a:xfrm>
+        </p:spPr>
+      </p:pic>
       <p:sp>
         <p:nvSpPr>
-          <p:cNvPr id="3" name="内容占位符 2">
-            <a:extLst>
-              <a:ext uri="{FF2B5EF4-FFF2-40B4-BE49-F238E27FC236}">
-                <a16:creationId xmlns:a16="http://schemas.microsoft.com/office/drawing/2014/main" id="{6CC87D86-1B97-419B-878E-C18BA725FF0A}"/>
+          <p:cNvPr id="13" name="文本占位符 12">
+            <a:extLst>
+              <a:ext uri="{FF2B5EF4-FFF2-40B4-BE49-F238E27FC236}">
+                <a16:creationId xmlns:a16="http://schemas.microsoft.com/office/drawing/2014/main" id="{95838314-5D0A-4E7C-BB42-A1707DB8F223}"/>
               </a:ext>
             </a:extLst>
           </p:cNvPr>
@@ -20512,13 +21737,13 @@
             <a:spLocks noGrp="1"/>
           </p:cNvSpPr>
           <p:nvPr>
-            <p:ph idx="1"/>
+            <p:ph type="body" sz="quarter" idx="20"/>
           </p:nvPr>
         </p:nvSpPr>
         <p:spPr>
           <a:xfrm>
-            <a:off x="914400" y="2709080"/>
-            <a:ext cx="5868537" cy="3467881"/>
+            <a:off x="150954" y="3991128"/>
+            <a:ext cx="2541507" cy="877824"/>
           </a:xfrm>
         </p:spPr>
         <p:txBody>
@@ -20528,86 +21753,131 @@
             <a:pPr rtl="0"/>
             <a:r>
               <a:rPr lang="en-US" altLang="zh-CN" dirty="0"/>
-              <a:t>Summary</a:t>
+              <a:t>Guo, </a:t>
+            </a:r>
+            <a:r>
+              <a:rPr lang="en-US" altLang="zh-CN" dirty="0" err="1"/>
+              <a:t>Shengguang</a:t>
             </a:r>
             <a:endParaRPr lang="zh-CN" dirty="0"/>
           </a:p>
         </p:txBody>
       </p:sp>
-      <p:pic>
-        <p:nvPicPr>
-          <p:cNvPr id="9" name="图片占位符 8" descr="夜空中的月亮">
-            <a:extLst>
-              <a:ext uri="{FF2B5EF4-FFF2-40B4-BE49-F238E27FC236}">
-                <a16:creationId xmlns:a16="http://schemas.microsoft.com/office/drawing/2014/main" id="{B7D17764-41DE-474B-801F-3A31C13890CC}"/>
-              </a:ext>
-            </a:extLst>
-          </p:cNvPr>
-          <p:cNvPicPr>
-            <a:picLocks noGrp="1" noChangeAspect="1"/>
-          </p:cNvPicPr>
+      <p:sp>
+        <p:nvSpPr>
+          <p:cNvPr id="10" name="文本占位符 9">
+            <a:extLst>
+              <a:ext uri="{FF2B5EF4-FFF2-40B4-BE49-F238E27FC236}">
+                <a16:creationId xmlns:a16="http://schemas.microsoft.com/office/drawing/2014/main" id="{BC4FB226-1060-423A-BC5D-62E7313228E0}"/>
+              </a:ext>
+            </a:extLst>
+          </p:cNvPr>
+          <p:cNvSpPr>
+            <a:spLocks noGrp="1"/>
+          </p:cNvSpPr>
           <p:nvPr>
-            <p:ph type="pic" sz="quarter" idx="13"/>
+            <p:ph type="body" sz="quarter" idx="17"/>
           </p:nvPr>
-        </p:nvPicPr>
-        <p:blipFill rotWithShape="1">
-          <a:blip r:embed="rId2" cstate="screen">
-            <a:extLst>
-              <a:ext uri="{28A0092B-C50C-407E-A947-70E740481C1C}">
-                <a14:useLocalDpi xmlns:a14="http://schemas.microsoft.com/office/drawing/2010/main" val="0"/>
-              </a:ext>
-            </a:extLst>
-          </a:blip>
-          <a:srcRect l="26" r="26"/>
-          <a:stretch/>
-        </p:blipFill>
+        </p:nvSpPr>
         <p:spPr>
           <a:xfrm>
-            <a:off x="7326184" y="2126134"/>
-            <a:ext cx="2434622" cy="2503056"/>
+            <a:off x="2718342" y="3991128"/>
+            <a:ext cx="2286000" cy="877824"/>
           </a:xfrm>
         </p:spPr>
-      </p:pic>
-      <p:pic>
-        <p:nvPicPr>
-          <p:cNvPr id="11" name="图片占位符 10" descr="包含天空、户外、星星和卫星的图片">
-            <a:extLst>
-              <a:ext uri="{FF2B5EF4-FFF2-40B4-BE49-F238E27FC236}">
-                <a16:creationId xmlns:a16="http://schemas.microsoft.com/office/drawing/2014/main" id="{D47600FE-FF70-4943-A9DC-B1AF91EC0CBC}"/>
-              </a:ext>
-            </a:extLst>
-          </p:cNvPr>
-          <p:cNvPicPr>
-            <a:picLocks noGrp="1" noChangeAspect="1"/>
-          </p:cNvPicPr>
+        <p:txBody>
+          <a:bodyPr rtlCol="0"/>
+          <a:lstStyle/>
+          <a:p>
+            <a:pPr rtl="0"/>
+            <a:r>
+              <a:rPr lang="en-US" altLang="zh-CN" dirty="0"/>
+              <a:t>Lin, Hong</a:t>
+            </a:r>
+            <a:endParaRPr lang="zh-CN" dirty="0"/>
+          </a:p>
+        </p:txBody>
+      </p:sp>
+      <p:sp>
+        <p:nvSpPr>
+          <p:cNvPr id="11" name="文本占位符 10">
+            <a:extLst>
+              <a:ext uri="{FF2B5EF4-FFF2-40B4-BE49-F238E27FC236}">
+                <a16:creationId xmlns:a16="http://schemas.microsoft.com/office/drawing/2014/main" id="{C6E44146-895B-419B-B760-449E9D78DE0A}"/>
+              </a:ext>
+            </a:extLst>
+          </p:cNvPr>
+          <p:cNvSpPr>
+            <a:spLocks noGrp="1"/>
+          </p:cNvSpPr>
           <p:nvPr>
-            <p:ph type="pic" sz="quarter" idx="14"/>
+            <p:ph type="body" sz="quarter" idx="18"/>
           </p:nvPr>
-        </p:nvPicPr>
-        <p:blipFill rotWithShape="1">
-          <a:blip r:embed="rId3" cstate="screen">
-            <a:extLst>
-              <a:ext uri="{28A0092B-C50C-407E-A947-70E740481C1C}">
-                <a14:useLocalDpi xmlns:a14="http://schemas.microsoft.com/office/drawing/2010/main" val="0"/>
-              </a:ext>
-            </a:extLst>
-          </a:blip>
-          <a:srcRect t="165" b="165"/>
-          <a:stretch/>
-        </p:blipFill>
+        </p:nvSpPr>
         <p:spPr>
           <a:xfrm>
-            <a:off x="9759092" y="2118839"/>
-            <a:ext cx="2432908" cy="2498880"/>
+            <a:off x="5004342" y="4006939"/>
+            <a:ext cx="2286000" cy="877824"/>
           </a:xfrm>
         </p:spPr>
-      </p:pic>
+        <p:txBody>
+          <a:bodyPr rtlCol="0"/>
+          <a:lstStyle/>
+          <a:p>
+            <a:pPr rtl="0"/>
+            <a:r>
+              <a:rPr lang="en-US" altLang="zh-CN" dirty="0"/>
+              <a:t>Shen, Fan</a:t>
+            </a:r>
+            <a:endParaRPr lang="zh-CN" dirty="0"/>
+          </a:p>
+        </p:txBody>
+      </p:sp>
       <p:sp>
         <p:nvSpPr>
-          <p:cNvPr id="17" name="页脚占位符 16">
-            <a:extLst>
-              <a:ext uri="{FF2B5EF4-FFF2-40B4-BE49-F238E27FC236}">
-                <a16:creationId xmlns:a16="http://schemas.microsoft.com/office/drawing/2014/main" id="{7CF31D05-F197-49CC-87BE-4A7FEB81335F}"/>
+          <p:cNvPr id="12" name="文本占位符 11">
+            <a:extLst>
+              <a:ext uri="{FF2B5EF4-FFF2-40B4-BE49-F238E27FC236}">
+                <a16:creationId xmlns:a16="http://schemas.microsoft.com/office/drawing/2014/main" id="{0DDCF0F5-861F-4C2A-A703-F4ADFA5DAFBA}"/>
+              </a:ext>
+            </a:extLst>
+          </p:cNvPr>
+          <p:cNvSpPr>
+            <a:spLocks noGrp="1"/>
+          </p:cNvSpPr>
+          <p:nvPr>
+            <p:ph type="body" sz="quarter" idx="19"/>
+          </p:nvPr>
+        </p:nvSpPr>
+        <p:spPr>
+          <a:xfrm>
+            <a:off x="9906000" y="4013182"/>
+            <a:ext cx="2286000" cy="877824"/>
+          </a:xfrm>
+        </p:spPr>
+        <p:txBody>
+          <a:bodyPr rtlCol="0"/>
+          <a:lstStyle/>
+          <a:p>
+            <a:pPr rtl="0"/>
+            <a:r>
+              <a:rPr lang="en-US" altLang="zh-CN" dirty="0"/>
+              <a:t>Zhao, </a:t>
+            </a:r>
+            <a:r>
+              <a:rPr lang="en-US" altLang="zh-CN" dirty="0" err="1"/>
+              <a:t>Guixia</a:t>
+            </a:r>
+            <a:endParaRPr lang="zh-CN" dirty="0"/>
+          </a:p>
+        </p:txBody>
+      </p:sp>
+      <p:sp>
+        <p:nvSpPr>
+          <p:cNvPr id="26" name="页脚占位符 25">
+            <a:extLst>
+              <a:ext uri="{FF2B5EF4-FFF2-40B4-BE49-F238E27FC236}">
+                <a16:creationId xmlns:a16="http://schemas.microsoft.com/office/drawing/2014/main" id="{4F891E90-265C-408A-94A0-717DC6399327}"/>
               </a:ext>
             </a:extLst>
           </p:cNvPr>
@@ -20637,80 +21907,12 @@
           </a:p>
         </p:txBody>
       </p:sp>
-      <p:pic>
-        <p:nvPicPr>
-          <p:cNvPr id="15" name="图片占位符 14" descr="夜空中的星星">
-            <a:extLst>
-              <a:ext uri="{FF2B5EF4-FFF2-40B4-BE49-F238E27FC236}">
-                <a16:creationId xmlns:a16="http://schemas.microsoft.com/office/drawing/2014/main" id="{0A64F2A4-8811-44F1-825B-9D04590EB45A}"/>
-              </a:ext>
-            </a:extLst>
-          </p:cNvPr>
-          <p:cNvPicPr>
-            <a:picLocks noGrp="1" noChangeAspect="1"/>
-          </p:cNvPicPr>
-          <p:nvPr>
-            <p:ph type="pic" sz="quarter" idx="15"/>
-          </p:nvPr>
-        </p:nvPicPr>
-        <p:blipFill rotWithShape="1">
-          <a:blip r:embed="rId4" cstate="screen">
-            <a:extLst>
-              <a:ext uri="{28A0092B-C50C-407E-A947-70E740481C1C}">
-                <a14:useLocalDpi xmlns:a14="http://schemas.microsoft.com/office/drawing/2010/main" val="0"/>
-              </a:ext>
-            </a:extLst>
-          </a:blip>
-          <a:srcRect t="641" b="641"/>
-          <a:stretch/>
-        </p:blipFill>
-        <p:spPr>
-          <a:xfrm>
-            <a:off x="7324344" y="4503573"/>
-            <a:ext cx="2434622" cy="2354427"/>
-          </a:xfrm>
-        </p:spPr>
-      </p:pic>
-      <p:pic>
-        <p:nvPicPr>
-          <p:cNvPr id="13" name="图片占位符 12" descr="北极光 ">
-            <a:extLst>
-              <a:ext uri="{FF2B5EF4-FFF2-40B4-BE49-F238E27FC236}">
-                <a16:creationId xmlns:a16="http://schemas.microsoft.com/office/drawing/2014/main" id="{38CED09D-01FE-44EB-A655-6EC0819B7094}"/>
-              </a:ext>
-            </a:extLst>
-          </p:cNvPr>
-          <p:cNvPicPr>
-            <a:picLocks noGrp="1" noChangeAspect="1"/>
-          </p:cNvPicPr>
-          <p:nvPr>
-            <p:ph type="pic" sz="quarter" idx="16"/>
-          </p:nvPr>
-        </p:nvPicPr>
-        <p:blipFill rotWithShape="1">
-          <a:blip r:embed="rId5" cstate="screen">
-            <a:extLst>
-              <a:ext uri="{28A0092B-C50C-407E-A947-70E740481C1C}">
-                <a14:useLocalDpi xmlns:a14="http://schemas.microsoft.com/office/drawing/2010/main" val="0"/>
-              </a:ext>
-            </a:extLst>
-          </a:blip>
-          <a:srcRect t="490" b="490"/>
-          <a:stretch/>
-        </p:blipFill>
-        <p:spPr>
-          <a:xfrm>
-            <a:off x="9758966" y="4507560"/>
-            <a:ext cx="2434622" cy="2350439"/>
-          </a:xfrm>
-        </p:spPr>
-      </p:pic>
       <p:sp>
         <p:nvSpPr>
-          <p:cNvPr id="16" name="日期占位符 15">
-            <a:extLst>
-              <a:ext uri="{FF2B5EF4-FFF2-40B4-BE49-F238E27FC236}">
-                <a16:creationId xmlns:a16="http://schemas.microsoft.com/office/drawing/2014/main" id="{6D298BC0-D1EE-4B8A-B546-4C8799240D8F}"/>
+          <p:cNvPr id="2" name="日期占位符 1">
+            <a:extLst>
+              <a:ext uri="{FF2B5EF4-FFF2-40B4-BE49-F238E27FC236}">
+                <a16:creationId xmlns:a16="http://schemas.microsoft.com/office/drawing/2014/main" id="{F788FC20-0470-4AA4-AEF0-27C4B1B53D6A}"/>
               </a:ext>
             </a:extLst>
           </p:cNvPr>
@@ -20733,18 +21935,39 @@
           <a:p>
             <a:pPr rtl="0"/>
             <a:r>
-              <a:rPr lang="zh-CN"/>
-              <a:t>20XX/2/8</a:t>
-            </a:r>
+              <a:rPr lang="zh-CN" altLang="zh-CN" dirty="0"/>
+              <a:t>20</a:t>
+            </a:r>
+            <a:r>
+              <a:rPr lang="en-US" altLang="zh-CN" dirty="0"/>
+              <a:t>21</a:t>
+            </a:r>
+            <a:r>
+              <a:rPr lang="zh-CN" altLang="zh-CN" dirty="0"/>
+              <a:t>/</a:t>
+            </a:r>
+            <a:r>
+              <a:rPr lang="en-US" altLang="zh-CN" dirty="0"/>
+              <a:t>09</a:t>
+            </a:r>
+            <a:r>
+              <a:rPr lang="zh-CN" altLang="zh-CN" dirty="0"/>
+              <a:t>/</a:t>
+            </a:r>
+            <a:r>
+              <a:rPr lang="en-US" altLang="zh-CN" dirty="0"/>
+              <a:t>01</a:t>
+            </a:r>
+            <a:endParaRPr lang="zh-CN" altLang="zh-CN" dirty="0"/>
           </a:p>
         </p:txBody>
       </p:sp>
       <p:sp>
         <p:nvSpPr>
-          <p:cNvPr id="18" name="灯片编号占位符 17">
-            <a:extLst>
-              <a:ext uri="{FF2B5EF4-FFF2-40B4-BE49-F238E27FC236}">
-                <a16:creationId xmlns:a16="http://schemas.microsoft.com/office/drawing/2014/main" id="{0CFCA4BA-5731-4BC1-9FF7-23403BFA938A}"/>
+          <p:cNvPr id="4" name="灯片编号占位符 3">
+            <a:extLst>
+              <a:ext uri="{FF2B5EF4-FFF2-40B4-BE49-F238E27FC236}">
+                <a16:creationId xmlns:a16="http://schemas.microsoft.com/office/drawing/2014/main" id="{85319822-361A-45A6-B3BA-8B87B20A7F88}"/>
               </a:ext>
             </a:extLst>
           </p:cNvPr>
@@ -20770,350 +21993,6 @@
               <a:rPr lang="en-US" altLang="zh-CN" smtClean="0"/>
               <a:pPr rtl="0"/>
               <a:t>3</a:t>
-            </a:fld>
-            <a:endParaRPr lang="zh-CN" dirty="0"/>
-          </a:p>
-        </p:txBody>
-      </p:sp>
-    </p:spTree>
-    <p:extLst>
-      <p:ext uri="{BB962C8B-B14F-4D97-AF65-F5344CB8AC3E}">
-        <p14:creationId xmlns:p14="http://schemas.microsoft.com/office/powerpoint/2010/main" val="3154595954"/>
-      </p:ext>
-    </p:extLst>
-  </p:cSld>
-  <p:clrMapOvr>
-    <a:masterClrMapping/>
-  </p:clrMapOvr>
-</p:sld>
-</file>
-
-<file path=ppt/slides/slide4.xml><?xml version="1.0" encoding="utf-8"?>
-<p:sld xmlns:a="http://schemas.openxmlformats.org/drawingml/2006/main" xmlns:r="http://schemas.openxmlformats.org/officeDocument/2006/relationships" xmlns:p="http://schemas.openxmlformats.org/presentationml/2006/main">
-  <p:cSld>
-    <p:spTree>
-      <p:nvGrpSpPr>
-        <p:cNvPr id="1" name=""/>
-        <p:cNvGrpSpPr/>
-        <p:nvPr/>
-      </p:nvGrpSpPr>
-      <p:grpSpPr>
-        <a:xfrm>
-          <a:off x="0" y="0"/>
-          <a:ext cx="0" cy="0"/>
-          <a:chOff x="0" y="0"/>
-          <a:chExt cx="0" cy="0"/>
-        </a:xfrm>
-      </p:grpSpPr>
-      <p:sp>
-        <p:nvSpPr>
-          <p:cNvPr id="5" name="标题 4">
-            <a:extLst>
-              <a:ext uri="{FF2B5EF4-FFF2-40B4-BE49-F238E27FC236}">
-                <a16:creationId xmlns:a16="http://schemas.microsoft.com/office/drawing/2014/main" id="{97496544-4334-4110-B1D9-65FE527F8B8A}"/>
-              </a:ext>
-            </a:extLst>
-          </p:cNvPr>
-          <p:cNvSpPr>
-            <a:spLocks noGrp="1"/>
-          </p:cNvSpPr>
-          <p:nvPr>
-            <p:ph type="title"/>
-          </p:nvPr>
-        </p:nvSpPr>
-        <p:spPr>
-          <a:xfrm>
-            <a:off x="1" y="10159"/>
-            <a:ext cx="12191999" cy="2128731"/>
-          </a:xfrm>
-        </p:spPr>
-        <p:txBody>
-          <a:bodyPr rtlCol="0"/>
-          <a:lstStyle/>
-          <a:p>
-            <a:pPr rtl="0"/>
-            <a:r>
-              <a:rPr lang="en-US" altLang="zh-CN" dirty="0"/>
-              <a:t>Team Members</a:t>
-            </a:r>
-            <a:endParaRPr lang="zh-CN" dirty="0"/>
-          </a:p>
-        </p:txBody>
-      </p:sp>
-      <p:pic>
-        <p:nvPicPr>
-          <p:cNvPr id="19" name="图片占位符 18" descr="办公室中面对镜头微笑的人">
-            <a:extLst>
-              <a:ext uri="{FF2B5EF4-FFF2-40B4-BE49-F238E27FC236}">
-                <a16:creationId xmlns:a16="http://schemas.microsoft.com/office/drawing/2014/main" id="{50E9E8DE-4D1F-48E0-BD12-E3B2D071A742}"/>
-              </a:ext>
-            </a:extLst>
-          </p:cNvPr>
-          <p:cNvPicPr>
-            <a:picLocks noGrp="1" noChangeAspect="1"/>
-          </p:cNvPicPr>
-          <p:nvPr>
-            <p:ph type="pic" sz="quarter" idx="21"/>
-          </p:nvPr>
-        </p:nvPicPr>
-        <p:blipFill rotWithShape="1">
-          <a:blip r:embed="rId2" cstate="screen">
-            <a:extLst>
-              <a:ext uri="{28A0092B-C50C-407E-A947-70E740481C1C}">
-                <a14:useLocalDpi xmlns:a14="http://schemas.microsoft.com/office/drawing/2010/main" val="0"/>
-              </a:ext>
-            </a:extLst>
-          </a:blip>
-          <a:srcRect/>
-          <a:stretch/>
-        </p:blipFill>
-        <p:spPr>
-          <a:xfrm>
-            <a:off x="250891" y="2303725"/>
-            <a:ext cx="2189084" cy="1672460"/>
-          </a:xfrm>
-        </p:spPr>
-      </p:pic>
-      <p:sp>
-        <p:nvSpPr>
-          <p:cNvPr id="13" name="文本占位符 12">
-            <a:extLst>
-              <a:ext uri="{FF2B5EF4-FFF2-40B4-BE49-F238E27FC236}">
-                <a16:creationId xmlns:a16="http://schemas.microsoft.com/office/drawing/2014/main" id="{95838314-5D0A-4E7C-BB42-A1707DB8F223}"/>
-              </a:ext>
-            </a:extLst>
-          </p:cNvPr>
-          <p:cNvSpPr>
-            <a:spLocks noGrp="1"/>
-          </p:cNvSpPr>
-          <p:nvPr>
-            <p:ph type="body" sz="quarter" idx="20"/>
-          </p:nvPr>
-        </p:nvSpPr>
-        <p:spPr>
-          <a:xfrm>
-            <a:off x="871298" y="3970230"/>
-            <a:ext cx="2286000" cy="877824"/>
-          </a:xfrm>
-        </p:spPr>
-        <p:txBody>
-          <a:bodyPr rtlCol="0"/>
-          <a:lstStyle/>
-          <a:p>
-            <a:pPr rtl="0"/>
-            <a:r>
-              <a:rPr lang="en-US" altLang="zh-CN" dirty="0"/>
-              <a:t>Guo</a:t>
-            </a:r>
-            <a:endParaRPr lang="zh-CN" dirty="0"/>
-          </a:p>
-        </p:txBody>
-      </p:sp>
-      <p:sp>
-        <p:nvSpPr>
-          <p:cNvPr id="10" name="文本占位符 9">
-            <a:extLst>
-              <a:ext uri="{FF2B5EF4-FFF2-40B4-BE49-F238E27FC236}">
-                <a16:creationId xmlns:a16="http://schemas.microsoft.com/office/drawing/2014/main" id="{BC4FB226-1060-423A-BC5D-62E7313228E0}"/>
-              </a:ext>
-            </a:extLst>
-          </p:cNvPr>
-          <p:cNvSpPr>
-            <a:spLocks noGrp="1"/>
-          </p:cNvSpPr>
-          <p:nvPr>
-            <p:ph type="body" sz="quarter" idx="17"/>
-          </p:nvPr>
-        </p:nvSpPr>
-        <p:spPr>
-          <a:xfrm>
-            <a:off x="3593592" y="3971853"/>
-            <a:ext cx="2286000" cy="877824"/>
-          </a:xfrm>
-        </p:spPr>
-        <p:txBody>
-          <a:bodyPr rtlCol="0"/>
-          <a:lstStyle/>
-          <a:p>
-            <a:pPr rtl="0"/>
-            <a:r>
-              <a:rPr lang="en-US" altLang="zh-CN" dirty="0"/>
-              <a:t>Lin</a:t>
-            </a:r>
-            <a:endParaRPr lang="zh-CN" dirty="0"/>
-          </a:p>
-        </p:txBody>
-      </p:sp>
-      <p:sp>
-        <p:nvSpPr>
-          <p:cNvPr id="11" name="文本占位符 10">
-            <a:extLst>
-              <a:ext uri="{FF2B5EF4-FFF2-40B4-BE49-F238E27FC236}">
-                <a16:creationId xmlns:a16="http://schemas.microsoft.com/office/drawing/2014/main" id="{C6E44146-895B-419B-B760-449E9D78DE0A}"/>
-              </a:ext>
-            </a:extLst>
-          </p:cNvPr>
-          <p:cNvSpPr>
-            <a:spLocks noGrp="1"/>
-          </p:cNvSpPr>
-          <p:nvPr>
-            <p:ph type="body" sz="quarter" idx="18"/>
-          </p:nvPr>
-        </p:nvSpPr>
-        <p:spPr>
-          <a:xfrm>
-            <a:off x="5446776" y="4007802"/>
-            <a:ext cx="2286000" cy="877824"/>
-          </a:xfrm>
-        </p:spPr>
-        <p:txBody>
-          <a:bodyPr rtlCol="0"/>
-          <a:lstStyle/>
-          <a:p>
-            <a:pPr rtl="0"/>
-            <a:r>
-              <a:rPr lang="en-US" altLang="zh-CN" dirty="0"/>
-              <a:t>Shen</a:t>
-            </a:r>
-            <a:endParaRPr lang="zh-CN" dirty="0"/>
-          </a:p>
-        </p:txBody>
-      </p:sp>
-      <p:sp>
-        <p:nvSpPr>
-          <p:cNvPr id="12" name="文本占位符 11">
-            <a:extLst>
-              <a:ext uri="{FF2B5EF4-FFF2-40B4-BE49-F238E27FC236}">
-                <a16:creationId xmlns:a16="http://schemas.microsoft.com/office/drawing/2014/main" id="{0DDCF0F5-861F-4C2A-A703-F4ADFA5DAFBA}"/>
-              </a:ext>
-            </a:extLst>
-          </p:cNvPr>
-          <p:cNvSpPr>
-            <a:spLocks noGrp="1"/>
-          </p:cNvSpPr>
-          <p:nvPr>
-            <p:ph type="body" sz="quarter" idx="19"/>
-          </p:nvPr>
-        </p:nvSpPr>
-        <p:spPr>
-          <a:xfrm>
-            <a:off x="9906000" y="4013182"/>
-            <a:ext cx="2286000" cy="877824"/>
-          </a:xfrm>
-        </p:spPr>
-        <p:txBody>
-          <a:bodyPr rtlCol="0"/>
-          <a:lstStyle/>
-          <a:p>
-            <a:pPr rtl="0"/>
-            <a:r>
-              <a:rPr lang="en-US" altLang="zh-CN" dirty="0"/>
-              <a:t>Zhao</a:t>
-            </a:r>
-            <a:endParaRPr lang="zh-CN" dirty="0"/>
-          </a:p>
-        </p:txBody>
-      </p:sp>
-      <p:sp>
-        <p:nvSpPr>
-          <p:cNvPr id="26" name="页脚占位符 25">
-            <a:extLst>
-              <a:ext uri="{FF2B5EF4-FFF2-40B4-BE49-F238E27FC236}">
-                <a16:creationId xmlns:a16="http://schemas.microsoft.com/office/drawing/2014/main" id="{4F891E90-265C-408A-94A0-717DC6399327}"/>
-              </a:ext>
-            </a:extLst>
-          </p:cNvPr>
-          <p:cNvSpPr>
-            <a:spLocks noGrp="1"/>
-          </p:cNvSpPr>
-          <p:nvPr>
-            <p:ph type="ftr" sz="quarter" idx="11"/>
-          </p:nvPr>
-        </p:nvSpPr>
-        <p:spPr>
-          <a:xfrm>
-            <a:off x="914400" y="6434560"/>
-            <a:ext cx="3428012" cy="365125"/>
-          </a:xfrm>
-        </p:spPr>
-        <p:txBody>
-          <a:bodyPr rtlCol="0"/>
-          <a:lstStyle/>
-          <a:p>
-            <a:pPr rtl="0"/>
-            <a:r>
-              <a:rPr lang="en-US" altLang="zh-CN" dirty="0"/>
-              <a:t>Website Design of John-Abbott College</a:t>
-            </a:r>
-            <a:endParaRPr lang="zh-CN" altLang="zh-CN" dirty="0"/>
-          </a:p>
-        </p:txBody>
-      </p:sp>
-      <p:sp>
-        <p:nvSpPr>
-          <p:cNvPr id="2" name="日期占位符 1">
-            <a:extLst>
-              <a:ext uri="{FF2B5EF4-FFF2-40B4-BE49-F238E27FC236}">
-                <a16:creationId xmlns:a16="http://schemas.microsoft.com/office/drawing/2014/main" id="{F788FC20-0470-4AA4-AEF0-27C4B1B53D6A}"/>
-              </a:ext>
-            </a:extLst>
-          </p:cNvPr>
-          <p:cNvSpPr>
-            <a:spLocks noGrp="1"/>
-          </p:cNvSpPr>
-          <p:nvPr>
-            <p:ph type="dt" sz="half" idx="10"/>
-          </p:nvPr>
-        </p:nvSpPr>
-        <p:spPr>
-          <a:xfrm>
-            <a:off x="9017000" y="6433202"/>
-            <a:ext cx="2374150" cy="367841"/>
-          </a:xfrm>
-        </p:spPr>
-        <p:txBody>
-          <a:bodyPr rtlCol="0"/>
-          <a:lstStyle/>
-          <a:p>
-            <a:pPr rtl="0"/>
-            <a:r>
-              <a:rPr lang="zh-CN" dirty="0"/>
-              <a:t>20XX/2/8</a:t>
-            </a:r>
-          </a:p>
-        </p:txBody>
-      </p:sp>
-      <p:sp>
-        <p:nvSpPr>
-          <p:cNvPr id="4" name="灯片编号占位符 3">
-            <a:extLst>
-              <a:ext uri="{FF2B5EF4-FFF2-40B4-BE49-F238E27FC236}">
-                <a16:creationId xmlns:a16="http://schemas.microsoft.com/office/drawing/2014/main" id="{85319822-361A-45A6-B3BA-8B87B20A7F88}"/>
-              </a:ext>
-            </a:extLst>
-          </p:cNvPr>
-          <p:cNvSpPr>
-            <a:spLocks noGrp="1"/>
-          </p:cNvSpPr>
-          <p:nvPr>
-            <p:ph type="sldNum" sz="quarter" idx="12"/>
-          </p:nvPr>
-        </p:nvSpPr>
-        <p:spPr>
-          <a:xfrm>
-            <a:off x="11391150" y="6433203"/>
-            <a:ext cx="693263" cy="367842"/>
-          </a:xfrm>
-        </p:spPr>
-        <p:txBody>
-          <a:bodyPr rtlCol="0"/>
-          <a:lstStyle/>
-          <a:p>
-            <a:pPr rtl="0"/>
-            <a:fld id="{08AB70BE-1769-45B8-85A6-0C837432C7E6}" type="slidenum">
-              <a:rPr lang="en-US" altLang="zh-CN" smtClean="0"/>
-              <a:pPr rtl="0"/>
-              <a:t>4</a:t>
             </a:fld>
             <a:endParaRPr lang="zh-CN" dirty="0"/>
           </a:p>
@@ -21245,7 +22124,7 @@
         </p:nvSpPr>
         <p:spPr>
           <a:xfrm>
-            <a:off x="7758657" y="4006939"/>
+            <a:off x="7455171" y="4006939"/>
             <a:ext cx="2286000" cy="877824"/>
           </a:xfrm>
           <a:prstGeom prst="rect">
@@ -21437,8 +22316,8 @@
           </a:lstStyle>
           <a:p>
             <a:r>
-              <a:rPr lang="en-US" altLang="zh-CN"/>
-              <a:t>Su</a:t>
+              <a:rPr lang="en-US" altLang="zh-CN" dirty="0"/>
+              <a:t>Su, Xiaoming</a:t>
             </a:r>
             <a:endParaRPr lang="zh-CN" dirty="0"/>
           </a:p>
@@ -21495,6 +22374,149 @@
 </p:sld>
 </file>
 
+<file path=ppt/slides/slide4.xml><?xml version="1.0" encoding="utf-8"?>
+<p:sld xmlns:a="http://schemas.openxmlformats.org/drawingml/2006/main" xmlns:r="http://schemas.openxmlformats.org/officeDocument/2006/relationships" xmlns:p="http://schemas.openxmlformats.org/presentationml/2006/main">
+  <p:cSld>
+    <p:spTree>
+      <p:nvGrpSpPr>
+        <p:cNvPr id="1" name=""/>
+        <p:cNvGrpSpPr/>
+        <p:nvPr/>
+      </p:nvGrpSpPr>
+      <p:grpSpPr>
+        <a:xfrm>
+          <a:off x="0" y="0"/>
+          <a:ext cx="0" cy="0"/>
+          <a:chOff x="0" y="0"/>
+          <a:chExt cx="0" cy="0"/>
+        </a:xfrm>
+      </p:grpSpPr>
+      <p:sp>
+        <p:nvSpPr>
+          <p:cNvPr id="2" name="标题 1">
+            <a:extLst>
+              <a:ext uri="{FF2B5EF4-FFF2-40B4-BE49-F238E27FC236}">
+                <a16:creationId xmlns:a16="http://schemas.microsoft.com/office/drawing/2014/main" id="{00401ED9-04DB-4CDE-9061-CBB220C8211E}"/>
+              </a:ext>
+            </a:extLst>
+          </p:cNvPr>
+          <p:cNvSpPr>
+            <a:spLocks noGrp="1"/>
+          </p:cNvSpPr>
+          <p:nvPr>
+            <p:ph type="ctrTitle"/>
+          </p:nvPr>
+        </p:nvSpPr>
+        <p:spPr>
+          <a:xfrm>
+            <a:off x="914400" y="685798"/>
+            <a:ext cx="4770783" cy="3217461"/>
+          </a:xfrm>
+        </p:spPr>
+        <p:txBody>
+          <a:bodyPr rtlCol="0" anchor="ctr">
+            <a:normAutofit/>
+          </a:bodyPr>
+          <a:lstStyle/>
+          <a:p>
+            <a:pPr rtl="0"/>
+            <a:r>
+              <a:rPr lang="en-US" altLang="zh-CN">
+                <a:solidFill>
+                  <a:srgbClr val="FFFFFF"/>
+                </a:solidFill>
+              </a:rPr>
+              <a:t>Purpose</a:t>
+            </a:r>
+            <a:endParaRPr lang="zh-CN">
+              <a:solidFill>
+                <a:srgbClr val="FFFFFF"/>
+              </a:solidFill>
+            </a:endParaRPr>
+          </a:p>
+        </p:txBody>
+      </p:sp>
+      <p:pic>
+        <p:nvPicPr>
+          <p:cNvPr id="6" name="图片占位符 5">
+            <a:extLst>
+              <a:ext uri="{FF2B5EF4-FFF2-40B4-BE49-F238E27FC236}">
+                <a16:creationId xmlns:a16="http://schemas.microsoft.com/office/drawing/2014/main" id="{F5199BAF-8671-4A5C-B912-4B2556FF9B38}"/>
+              </a:ext>
+            </a:extLst>
+          </p:cNvPr>
+          <p:cNvPicPr>
+            <a:picLocks noGrp="1" noChangeAspect="1"/>
+          </p:cNvPicPr>
+          <p:nvPr>
+            <p:ph type="pic" sz="quarter" idx="13"/>
+          </p:nvPr>
+        </p:nvPicPr>
+        <p:blipFill rotWithShape="1">
+          <a:blip r:embed="rId2"/>
+          <a:srcRect l="20260" r="20260"/>
+          <a:stretch/>
+        </p:blipFill>
+        <p:spPr>
+          <a:xfrm>
+            <a:off x="6057901" y="1"/>
+            <a:ext cx="6134099" cy="6857999"/>
+          </a:xfrm>
+          <a:noFill/>
+        </p:spPr>
+      </p:pic>
+      <p:sp>
+        <p:nvSpPr>
+          <p:cNvPr id="11" name="Subtitle 3">
+            <a:extLst>
+              <a:ext uri="{FF2B5EF4-FFF2-40B4-BE49-F238E27FC236}">
+                <a16:creationId xmlns:a16="http://schemas.microsoft.com/office/drawing/2014/main" id="{630FD190-73CD-4C00-BBBE-244CEE608B06}"/>
+              </a:ext>
+            </a:extLst>
+          </p:cNvPr>
+          <p:cNvSpPr>
+            <a:spLocks noGrp="1"/>
+          </p:cNvSpPr>
+          <p:nvPr>
+            <p:ph type="subTitle" idx="1"/>
+          </p:nvPr>
+        </p:nvSpPr>
+        <p:spPr>
+          <a:xfrm>
+            <a:off x="0" y="4327140"/>
+            <a:ext cx="11576868" cy="2530860"/>
+          </a:xfrm>
+        </p:spPr>
+        <p:txBody>
+          <a:bodyPr anchor="t">
+            <a:normAutofit/>
+          </a:bodyPr>
+          <a:lstStyle/>
+          <a:p>
+            <a:r>
+              <a:rPr lang="en-US">
+                <a:solidFill>
+                  <a:srgbClr val="FFFFFF"/>
+                </a:solidFill>
+              </a:rPr>
+              <a:t>Introduction</a:t>
+            </a:r>
+          </a:p>
+        </p:txBody>
+      </p:sp>
+    </p:spTree>
+    <p:extLst>
+      <p:ext uri="{BB962C8B-B14F-4D97-AF65-F5344CB8AC3E}">
+        <p14:creationId xmlns:p14="http://schemas.microsoft.com/office/powerpoint/2010/main" val="3266076763"/>
+      </p:ext>
+    </p:extLst>
+  </p:cSld>
+  <p:clrMapOvr>
+    <a:masterClrMapping/>
+  </p:clrMapOvr>
+</p:sld>
+</file>
+
 <file path=ppt/slides/slide5.xml><?xml version="1.0" encoding="utf-8"?>
 <p:sld xmlns:a="http://schemas.openxmlformats.org/drawingml/2006/main" xmlns:r="http://schemas.openxmlformats.org/officeDocument/2006/relationships" xmlns:p="http://schemas.openxmlformats.org/presentationml/2006/main">
   <p:cSld>
@@ -21517,7 +22539,7 @@
           <p:cNvPr id="2" name="标题 1">
             <a:extLst>
               <a:ext uri="{FF2B5EF4-FFF2-40B4-BE49-F238E27FC236}">
-                <a16:creationId xmlns:a16="http://schemas.microsoft.com/office/drawing/2014/main" id="{00401ED9-04DB-4CDE-9061-CBB220C8211E}"/>
+                <a16:creationId xmlns:a16="http://schemas.microsoft.com/office/drawing/2014/main" id="{A459A0FD-000E-4BE6-AF65-BB86C656DB23}"/>
               </a:ext>
             </a:extLst>
           </p:cNvPr>
@@ -21525,73 +22547,54 @@
             <a:spLocks noGrp="1"/>
           </p:cNvSpPr>
           <p:nvPr>
-            <p:ph type="ctrTitle"/>
+            <p:ph type="title"/>
           </p:nvPr>
         </p:nvSpPr>
         <p:spPr>
           <a:xfrm>
-            <a:off x="914400" y="685798"/>
-            <a:ext cx="4770783" cy="3217461"/>
+            <a:off x="905256" y="448056"/>
+            <a:ext cx="9914859" cy="1329004"/>
           </a:xfrm>
         </p:spPr>
         <p:txBody>
-          <a:bodyPr rtlCol="0" anchor="ctr">
-            <a:normAutofit/>
-          </a:bodyPr>
+          <a:bodyPr rtlCol="0"/>
           <a:lstStyle/>
           <a:p>
-            <a:pPr rtl="0"/>
-            <a:r>
-              <a:rPr lang="en-US" altLang="zh-CN">
+            <a:pPr>
+              <a:lnSpc>
+                <a:spcPct val="115000"/>
+              </a:lnSpc>
+            </a:pPr>
+            <a:r>
+              <a:rPr lang="en-US" altLang="zh-CN" sz="4000" b="1" i="1" dirty="0">
                 <a:solidFill>
-                  <a:srgbClr val="FFFFFF"/>
+                  <a:srgbClr val="000000"/>
                 </a:solidFill>
+                <a:effectLst/>
+                <a:latin typeface="Calibri" panose="020F0502020204030204" pitchFamily="34" charset="0"/>
+                <a:ea typeface="等线" panose="02010600030101010101" pitchFamily="2" charset="-122"/>
+                <a:cs typeface="Cambria" panose="02040503050406030204" pitchFamily="18" charset="0"/>
               </a:rPr>
-              <a:t>Purpose</a:t>
-            </a:r>
-            <a:endParaRPr lang="zh-CN">
+              <a:t>Purpose </a:t>
+            </a:r>
+            <a:endParaRPr lang="zh-CN" altLang="zh-CN" sz="4000" dirty="0">
               <a:solidFill>
-                <a:srgbClr val="FFFFFF"/>
+                <a:srgbClr val="000000"/>
               </a:solidFill>
+              <a:effectLst/>
+              <a:latin typeface="Cambria" panose="02040503050406030204" pitchFamily="18" charset="0"/>
+              <a:ea typeface="等线" panose="02010600030101010101" pitchFamily="2" charset="-122"/>
+              <a:cs typeface="Cambria" panose="02040503050406030204" pitchFamily="18" charset="0"/>
             </a:endParaRPr>
           </a:p>
         </p:txBody>
       </p:sp>
-      <p:pic>
-        <p:nvPicPr>
-          <p:cNvPr id="6" name="图片占位符 5">
-            <a:extLst>
-              <a:ext uri="{FF2B5EF4-FFF2-40B4-BE49-F238E27FC236}">
-                <a16:creationId xmlns:a16="http://schemas.microsoft.com/office/drawing/2014/main" id="{F5199BAF-8671-4A5C-B912-4B2556FF9B38}"/>
-              </a:ext>
-            </a:extLst>
-          </p:cNvPr>
-          <p:cNvPicPr>
-            <a:picLocks noGrp="1" noChangeAspect="1"/>
-          </p:cNvPicPr>
-          <p:nvPr>
-            <p:ph type="pic" sz="quarter" idx="13"/>
-          </p:nvPr>
-        </p:nvPicPr>
-        <p:blipFill rotWithShape="1">
-          <a:blip r:embed="rId2"/>
-          <a:srcRect l="34807" r="25167"/>
-          <a:stretch/>
-        </p:blipFill>
-        <p:spPr>
-          <a:xfrm>
-            <a:off x="6057901" y="1"/>
-            <a:ext cx="6134099" cy="6857999"/>
-          </a:xfrm>
-          <a:noFill/>
-        </p:spPr>
-      </p:pic>
       <p:sp>
         <p:nvSpPr>
-          <p:cNvPr id="11" name="Subtitle 3">
-            <a:extLst>
-              <a:ext uri="{FF2B5EF4-FFF2-40B4-BE49-F238E27FC236}">
-                <a16:creationId xmlns:a16="http://schemas.microsoft.com/office/drawing/2014/main" id="{630FD190-73CD-4C00-BBBE-244CEE608B06}"/>
+          <p:cNvPr id="8" name="页脚占位符 7">
+            <a:extLst>
+              <a:ext uri="{FF2B5EF4-FFF2-40B4-BE49-F238E27FC236}">
+                <a16:creationId xmlns:a16="http://schemas.microsoft.com/office/drawing/2014/main" id="{7C5D7998-ED26-4436-85BB-287CF3B07AB1}"/>
               </a:ext>
             </a:extLst>
           </p:cNvPr>
@@ -21599,30 +22602,236 @@
             <a:spLocks noGrp="1"/>
           </p:cNvSpPr>
           <p:nvPr>
-            <p:ph type="subTitle" idx="1"/>
+            <p:ph type="ftr" sz="quarter" idx="11"/>
           </p:nvPr>
         </p:nvSpPr>
         <p:spPr>
           <a:xfrm>
-            <a:off x="0" y="4327140"/>
-            <a:ext cx="11576868" cy="2530860"/>
+            <a:off x="914400" y="6437376"/>
+            <a:ext cx="3775914" cy="365125"/>
           </a:xfrm>
         </p:spPr>
         <p:txBody>
-          <a:bodyPr/>
+          <a:bodyPr rtlCol="0"/>
           <a:lstStyle/>
           <a:p>
-            <a:r>
-              <a:rPr lang="en-US" dirty="0"/>
-              <a:t>Introduction</a:t>
-            </a:r>
+            <a:pPr rtl="0"/>
+            <a:r>
+              <a:rPr lang="en-US" altLang="zh-CN" dirty="0"/>
+              <a:t>Website Design of John-Abbott College</a:t>
+            </a:r>
+            <a:endParaRPr lang="zh-CN" altLang="zh-CN" dirty="0"/>
+          </a:p>
+        </p:txBody>
+      </p:sp>
+      <p:sp>
+        <p:nvSpPr>
+          <p:cNvPr id="7" name="日期占位符 6">
+            <a:extLst>
+              <a:ext uri="{FF2B5EF4-FFF2-40B4-BE49-F238E27FC236}">
+                <a16:creationId xmlns:a16="http://schemas.microsoft.com/office/drawing/2014/main" id="{8BE129AC-705E-40E6-B0FC-ECDDA2A41B2A}"/>
+              </a:ext>
+            </a:extLst>
+          </p:cNvPr>
+          <p:cNvSpPr>
+            <a:spLocks noGrp="1"/>
+          </p:cNvSpPr>
+          <p:nvPr>
+            <p:ph type="dt" sz="half" idx="10"/>
+          </p:nvPr>
+        </p:nvSpPr>
+        <p:spPr>
+          <a:xfrm>
+            <a:off x="9323285" y="6434524"/>
+            <a:ext cx="2067867" cy="365125"/>
+          </a:xfrm>
+        </p:spPr>
+        <p:txBody>
+          <a:bodyPr rtlCol="0"/>
+          <a:lstStyle/>
+          <a:p>
+            <a:pPr rtl="0"/>
+            <a:r>
+              <a:rPr lang="zh-CN" altLang="zh-CN" dirty="0"/>
+              <a:t>20</a:t>
+            </a:r>
+            <a:r>
+              <a:rPr lang="en-US" altLang="zh-CN" dirty="0"/>
+              <a:t>21</a:t>
+            </a:r>
+            <a:r>
+              <a:rPr lang="zh-CN" altLang="zh-CN" dirty="0"/>
+              <a:t>/</a:t>
+            </a:r>
+            <a:r>
+              <a:rPr lang="en-US" altLang="zh-CN" dirty="0"/>
+              <a:t>09</a:t>
+            </a:r>
+            <a:r>
+              <a:rPr lang="zh-CN" altLang="zh-CN" dirty="0"/>
+              <a:t>/</a:t>
+            </a:r>
+            <a:r>
+              <a:rPr lang="en-US" altLang="zh-CN" dirty="0"/>
+              <a:t>01</a:t>
+            </a:r>
+            <a:endParaRPr lang="zh-CN" altLang="zh-CN" dirty="0"/>
+          </a:p>
+        </p:txBody>
+      </p:sp>
+      <p:sp>
+        <p:nvSpPr>
+          <p:cNvPr id="9" name="幻灯片编号占位符 8">
+            <a:extLst>
+              <a:ext uri="{FF2B5EF4-FFF2-40B4-BE49-F238E27FC236}">
+                <a16:creationId xmlns:a16="http://schemas.microsoft.com/office/drawing/2014/main" id="{948698A3-3CB3-4698-8F42-F3D81D37FF44}"/>
+              </a:ext>
+            </a:extLst>
+          </p:cNvPr>
+          <p:cNvSpPr>
+            <a:spLocks noGrp="1"/>
+          </p:cNvSpPr>
+          <p:nvPr>
+            <p:ph type="sldNum" sz="quarter" idx="12"/>
+          </p:nvPr>
+        </p:nvSpPr>
+        <p:spPr>
+          <a:xfrm>
+            <a:off x="11391152" y="6434524"/>
+            <a:ext cx="693261" cy="365125"/>
+          </a:xfrm>
+        </p:spPr>
+        <p:txBody>
+          <a:bodyPr rtlCol="0"/>
+          <a:lstStyle/>
+          <a:p>
+            <a:pPr rtl="0"/>
+            <a:fld id="{08AB70BE-1769-45B8-85A6-0C837432C7E6}" type="slidenum">
+              <a:rPr lang="en-US" altLang="zh-CN" smtClean="0"/>
+              <a:pPr rtl="0"/>
+              <a:t>5</a:t>
+            </a:fld>
+            <a:endParaRPr lang="zh-CN" dirty="0"/>
+          </a:p>
+        </p:txBody>
+      </p:sp>
+      <p:sp>
+        <p:nvSpPr>
+          <p:cNvPr id="4" name="内容占位符 3">
+            <a:extLst>
+              <a:ext uri="{FF2B5EF4-FFF2-40B4-BE49-F238E27FC236}">
+                <a16:creationId xmlns:a16="http://schemas.microsoft.com/office/drawing/2014/main" id="{F293B502-7999-4C95-BB71-30581BAD71BF}"/>
+              </a:ext>
+            </a:extLst>
+          </p:cNvPr>
+          <p:cNvSpPr>
+            <a:spLocks noGrp="1"/>
+          </p:cNvSpPr>
+          <p:nvPr>
+            <p:ph idx="1"/>
+          </p:nvPr>
+        </p:nvSpPr>
+        <p:spPr>
+          <a:xfrm>
+            <a:off x="914400" y="1919673"/>
+            <a:ext cx="4953000" cy="4123318"/>
+          </a:xfrm>
+        </p:spPr>
+        <p:txBody>
+          <a:bodyPr>
+            <a:normAutofit/>
+          </a:bodyPr>
+          <a:lstStyle/>
+          <a:p>
+            <a:pPr>
+              <a:lnSpc>
+                <a:spcPct val="115000"/>
+              </a:lnSpc>
+            </a:pPr>
+            <a:r>
+              <a:rPr lang="en-US" altLang="zh-CN" dirty="0">
+                <a:solidFill>
+                  <a:srgbClr val="000000"/>
+                </a:solidFill>
+                <a:effectLst/>
+                <a:latin typeface="Calibri" panose="020F0502020204030204" pitchFamily="34" charset="0"/>
+                <a:ea typeface="等线" panose="02010600030101010101" pitchFamily="2" charset="-122"/>
+                <a:cs typeface="Cambria" panose="02040503050406030204" pitchFamily="18" charset="0"/>
+              </a:rPr>
+              <a:t>Our project is to design, develop, publish, and maintain a web site of introduction of China tourist attractions by using learned design practices. </a:t>
+            </a:r>
+            <a:endParaRPr lang="zh-CN" altLang="zh-CN" dirty="0">
+              <a:solidFill>
+                <a:srgbClr val="000000"/>
+              </a:solidFill>
+              <a:effectLst/>
+              <a:latin typeface="Cambria" panose="02040503050406030204" pitchFamily="18" charset="0"/>
+              <a:ea typeface="等线" panose="02010600030101010101" pitchFamily="2" charset="-122"/>
+              <a:cs typeface="Cambria" panose="02040503050406030204" pitchFamily="18" charset="0"/>
+            </a:endParaRPr>
+          </a:p>
+          <a:p>
+            <a:pPr>
+              <a:lnSpc>
+                <a:spcPct val="115000"/>
+              </a:lnSpc>
+            </a:pPr>
+            <a:r>
+              <a:rPr lang="en-US" altLang="zh-CN" dirty="0">
+                <a:solidFill>
+                  <a:srgbClr val="000000"/>
+                </a:solidFill>
+                <a:effectLst/>
+                <a:latin typeface="Calibri" panose="020F0502020204030204" pitchFamily="34" charset="0"/>
+                <a:ea typeface="等线" panose="02010600030101010101" pitchFamily="2" charset="-122"/>
+                <a:cs typeface="Cambria" panose="02040503050406030204" pitchFamily="18" charset="0"/>
+              </a:rPr>
+              <a:t>we worked in team from beginning to the end for preparing final project. We use all related techniques covered in this course such as HTML and CSS languages. </a:t>
+            </a:r>
+            <a:endParaRPr lang="zh-CN" altLang="zh-CN" dirty="0">
+              <a:solidFill>
+                <a:srgbClr val="000000"/>
+              </a:solidFill>
+              <a:effectLst/>
+              <a:latin typeface="Cambria" panose="02040503050406030204" pitchFamily="18" charset="0"/>
+              <a:ea typeface="等线" panose="02010600030101010101" pitchFamily="2" charset="-122"/>
+              <a:cs typeface="Cambria" panose="02040503050406030204" pitchFamily="18" charset="0"/>
+            </a:endParaRPr>
+          </a:p>
+          <a:p>
+            <a:pPr>
+              <a:lnSpc>
+                <a:spcPct val="115000"/>
+              </a:lnSpc>
+            </a:pPr>
+            <a:r>
+              <a:rPr lang="en-US" altLang="zh-CN" dirty="0">
+                <a:solidFill>
+                  <a:srgbClr val="000000"/>
+                </a:solidFill>
+                <a:effectLst/>
+                <a:latin typeface="Calibri" panose="020F0502020204030204" pitchFamily="34" charset="0"/>
+                <a:ea typeface="等线" panose="02010600030101010101" pitchFamily="2" charset="-122"/>
+                <a:cs typeface="Cambria" panose="02040503050406030204" pitchFamily="18" charset="0"/>
+              </a:rPr>
+              <a:t>We use the IDE MS visual studio. </a:t>
+            </a:r>
+            <a:endParaRPr lang="zh-CN" altLang="zh-CN" dirty="0">
+              <a:solidFill>
+                <a:srgbClr val="000000"/>
+              </a:solidFill>
+              <a:effectLst/>
+              <a:latin typeface="Cambria" panose="02040503050406030204" pitchFamily="18" charset="0"/>
+              <a:ea typeface="等线" panose="02010600030101010101" pitchFamily="2" charset="-122"/>
+              <a:cs typeface="Cambria" panose="02040503050406030204" pitchFamily="18" charset="0"/>
+            </a:endParaRPr>
           </a:p>
         </p:txBody>
       </p:sp>
     </p:spTree>
     <p:extLst>
       <p:ext uri="{BB962C8B-B14F-4D97-AF65-F5344CB8AC3E}">
-        <p14:creationId xmlns:p14="http://schemas.microsoft.com/office/powerpoint/2010/main" val="3266076763"/>
+        <p14:creationId xmlns:p14="http://schemas.microsoft.com/office/powerpoint/2010/main" val="787300552"/>
       </p:ext>
     </p:extLst>
   </p:cSld>
@@ -21767,9 +22976,30 @@
           <a:p>
             <a:pPr rtl="0"/>
             <a:r>
-              <a:rPr lang="zh-CN"/>
-              <a:t>20XX/2/8</a:t>
-            </a:r>
+              <a:rPr lang="zh-CN" altLang="zh-CN" dirty="0"/>
+              <a:t>20</a:t>
+            </a:r>
+            <a:r>
+              <a:rPr lang="en-US" altLang="zh-CN" dirty="0"/>
+              <a:t>21</a:t>
+            </a:r>
+            <a:r>
+              <a:rPr lang="zh-CN" altLang="zh-CN" dirty="0"/>
+              <a:t>/</a:t>
+            </a:r>
+            <a:r>
+              <a:rPr lang="en-US" altLang="zh-CN" dirty="0"/>
+              <a:t>09</a:t>
+            </a:r>
+            <a:r>
+              <a:rPr lang="zh-CN" altLang="zh-CN" dirty="0"/>
+              <a:t>/</a:t>
+            </a:r>
+            <a:r>
+              <a:rPr lang="en-US" altLang="zh-CN" dirty="0"/>
+              <a:t>01</a:t>
+            </a:r>
+            <a:endParaRPr lang="zh-CN" altLang="zh-CN" dirty="0"/>
           </a:p>
         </p:txBody>
       </p:sp>
@@ -21825,9 +23055,16 @@
             <p:ph idx="1"/>
           </p:nvPr>
         </p:nvSpPr>
-        <p:spPr/>
+        <p:spPr>
+          <a:xfrm>
+            <a:off x="914400" y="1919673"/>
+            <a:ext cx="4953000" cy="4123318"/>
+          </a:xfrm>
+        </p:spPr>
         <p:txBody>
-          <a:bodyPr/>
+          <a:bodyPr>
+            <a:normAutofit/>
+          </a:bodyPr>
           <a:lstStyle/>
           <a:p>
             <a:pPr>
@@ -21836,91 +23073,7 @@
               </a:lnSpc>
             </a:pPr>
             <a:r>
-              <a:rPr lang="en-US" altLang="zh-CN" sz="1800" dirty="0">
-                <a:solidFill>
-                  <a:srgbClr val="000000"/>
-                </a:solidFill>
-                <a:effectLst/>
-                <a:latin typeface="Calibri" panose="020F0502020204030204" pitchFamily="34" charset="0"/>
-                <a:ea typeface="等线" panose="02010600030101010101" pitchFamily="2" charset="-122"/>
-                <a:cs typeface="Cambria" panose="02040503050406030204" pitchFamily="18" charset="0"/>
-              </a:rPr>
-              <a:t>Our project is to design, develop, publish, and maintain a web site of introduction of China tourist attractions by using learned design practices. </a:t>
-            </a:r>
-            <a:endParaRPr lang="zh-CN" altLang="zh-CN" sz="1800" dirty="0">
-              <a:solidFill>
-                <a:srgbClr val="000000"/>
-              </a:solidFill>
-              <a:effectLst/>
-              <a:latin typeface="Cambria" panose="02040503050406030204" pitchFamily="18" charset="0"/>
-              <a:ea typeface="等线" panose="02010600030101010101" pitchFamily="2" charset="-122"/>
-              <a:cs typeface="Cambria" panose="02040503050406030204" pitchFamily="18" charset="0"/>
-            </a:endParaRPr>
-          </a:p>
-          <a:p>
-            <a:pPr>
-              <a:lnSpc>
-                <a:spcPct val="115000"/>
-              </a:lnSpc>
-            </a:pPr>
-            <a:r>
-              <a:rPr lang="en-US" altLang="zh-CN" sz="1800" dirty="0">
-                <a:solidFill>
-                  <a:srgbClr val="000000"/>
-                </a:solidFill>
-                <a:effectLst/>
-                <a:latin typeface="Calibri" panose="020F0502020204030204" pitchFamily="34" charset="0"/>
-                <a:ea typeface="等线" panose="02010600030101010101" pitchFamily="2" charset="-122"/>
-                <a:cs typeface="Cambria" panose="02040503050406030204" pitchFamily="18" charset="0"/>
-              </a:rPr>
-              <a:t>we worked in team from beginning to the end for preparing final project. We use all related techniques covered in this course such as HTML and CSS languages. </a:t>
-            </a:r>
-            <a:endParaRPr lang="zh-CN" altLang="zh-CN" sz="1800" dirty="0">
-              <a:solidFill>
-                <a:srgbClr val="000000"/>
-              </a:solidFill>
-              <a:effectLst/>
-              <a:latin typeface="Cambria" panose="02040503050406030204" pitchFamily="18" charset="0"/>
-              <a:ea typeface="等线" panose="02010600030101010101" pitchFamily="2" charset="-122"/>
-              <a:cs typeface="Cambria" panose="02040503050406030204" pitchFamily="18" charset="0"/>
-            </a:endParaRPr>
-          </a:p>
-          <a:p>
-            <a:pPr>
-              <a:lnSpc>
-                <a:spcPct val="115000"/>
-              </a:lnSpc>
-            </a:pPr>
-            <a:r>
-              <a:rPr lang="en-US" altLang="zh-CN" sz="1800" dirty="0">
-                <a:solidFill>
-                  <a:srgbClr val="000000"/>
-                </a:solidFill>
-                <a:effectLst/>
-                <a:latin typeface="Calibri" panose="020F0502020204030204" pitchFamily="34" charset="0"/>
-                <a:ea typeface="等线" panose="02010600030101010101" pitchFamily="2" charset="-122"/>
-                <a:cs typeface="Cambria" panose="02040503050406030204" pitchFamily="18" charset="0"/>
-              </a:rPr>
-              <a:t>We use the IDE MS visual studio. </a:t>
-            </a:r>
-            <a:endParaRPr lang="zh-CN" altLang="zh-CN" sz="1800" dirty="0">
-              <a:solidFill>
-                <a:srgbClr val="000000"/>
-              </a:solidFill>
-              <a:effectLst/>
-              <a:latin typeface="Cambria" panose="02040503050406030204" pitchFamily="18" charset="0"/>
-              <a:ea typeface="等线" panose="02010600030101010101" pitchFamily="2" charset="-122"/>
-              <a:cs typeface="Cambria" panose="02040503050406030204" pitchFamily="18" charset="0"/>
-            </a:endParaRPr>
-          </a:p>
-          <a:p>
-            <a:pPr>
-              <a:lnSpc>
-                <a:spcPct val="115000"/>
-              </a:lnSpc>
-            </a:pPr>
-            <a:r>
-              <a:rPr lang="en-US" altLang="zh-CN" sz="1800" dirty="0">
+              <a:rPr lang="en-US" altLang="zh-CN" dirty="0">
                 <a:solidFill>
                   <a:srgbClr val="000000"/>
                 </a:solidFill>
@@ -21931,7 +23084,7 @@
               </a:rPr>
               <a:t>Our team have a total planning for the new Web site involves understanding in two key areas: knowledge of the web required logical side, and knowledge of the creative side. </a:t>
             </a:r>
-            <a:endParaRPr lang="zh-CN" altLang="zh-CN" sz="1800" dirty="0">
+            <a:endParaRPr lang="zh-CN" altLang="zh-CN" dirty="0">
               <a:solidFill>
                 <a:srgbClr val="000000"/>
               </a:solidFill>
@@ -21948,7 +23101,7 @@
               </a:lnSpc>
             </a:pPr>
             <a:r>
-              <a:rPr lang="en-US" altLang="zh-CN" sz="1800" dirty="0">
+              <a:rPr lang="en-US" altLang="zh-CN" dirty="0">
                 <a:solidFill>
                   <a:srgbClr val="000000"/>
                 </a:solidFill>
@@ -21957,9 +23110,9 @@
                 <a:ea typeface="等线" panose="02010600030101010101" pitchFamily="2" charset="-122"/>
                 <a:cs typeface="Cambria" panose="02040503050406030204" pitchFamily="18" charset="0"/>
               </a:rPr>
-              <a:t>Begin with a plan, create a visual mind map, create sample page sketches and wireframes (mockups), generate a timeline, assemble the site, create a marketing plan, and create a storyboard. </a:t>
-            </a:r>
-            <a:endParaRPr lang="zh-CN" altLang="zh-CN" sz="1800" dirty="0">
+              <a:t>Begin with a plan, create a visual mind map, create sample page sketches and wireframes (mockups), generate a timeline, assemble the site, create a marketing plan, and create a storyboard.</a:t>
+            </a:r>
+            <a:endParaRPr lang="zh-CN" altLang="zh-CN" dirty="0">
               <a:solidFill>
                 <a:srgbClr val="000000"/>
               </a:solidFill>
@@ -21969,18 +23122,12 @@
               <a:cs typeface="Cambria" panose="02040503050406030204" pitchFamily="18" charset="0"/>
             </a:endParaRPr>
           </a:p>
-          <a:p>
-            <a:pPr marL="0" indent="0">
-              <a:buNone/>
-            </a:pPr>
-            <a:endParaRPr lang="zh-CN" altLang="en-US" dirty="0"/>
-          </a:p>
         </p:txBody>
       </p:sp>
     </p:spTree>
     <p:extLst>
       <p:ext uri="{BB962C8B-B14F-4D97-AF65-F5344CB8AC3E}">
-        <p14:creationId xmlns:p14="http://schemas.microsoft.com/office/powerpoint/2010/main" val="787300552"/>
+        <p14:creationId xmlns:p14="http://schemas.microsoft.com/office/powerpoint/2010/main" val="424132214"/>
       </p:ext>
     </p:extLst>
   </p:cSld>
@@ -22068,9 +23215,9 @@
             <p:ph type="pic" sz="quarter" idx="13"/>
           </p:nvPr>
         </p:nvPicPr>
-        <p:blipFill rotWithShape="1">
+        <p:blipFill>
           <a:blip r:embed="rId2"/>
-          <a:srcRect l="34807" r="25167"/>
+          <a:srcRect l="20247" r="20247"/>
           <a:stretch/>
         </p:blipFill>
         <p:spPr>
@@ -22262,9 +23409,30 @@
           <a:p>
             <a:pPr rtl="0"/>
             <a:r>
-              <a:rPr lang="zh-CN"/>
-              <a:t>20XX/2/8</a:t>
-            </a:r>
+              <a:rPr lang="zh-CN" altLang="zh-CN" dirty="0"/>
+              <a:t>20</a:t>
+            </a:r>
+            <a:r>
+              <a:rPr lang="en-US" altLang="zh-CN" dirty="0"/>
+              <a:t>21</a:t>
+            </a:r>
+            <a:r>
+              <a:rPr lang="zh-CN" altLang="zh-CN" dirty="0"/>
+              <a:t>/</a:t>
+            </a:r>
+            <a:r>
+              <a:rPr lang="en-US" altLang="zh-CN" dirty="0"/>
+              <a:t>09</a:t>
+            </a:r>
+            <a:r>
+              <a:rPr lang="zh-CN" altLang="zh-CN" dirty="0"/>
+              <a:t>/</a:t>
+            </a:r>
+            <a:r>
+              <a:rPr lang="en-US" altLang="zh-CN" dirty="0"/>
+              <a:t>01</a:t>
+            </a:r>
+            <a:endParaRPr lang="zh-CN" altLang="zh-CN" dirty="0"/>
           </a:p>
         </p:txBody>
       </p:sp>
@@ -22348,7 +23516,53 @@
                 <a:ea typeface="等线" panose="02010600030101010101" pitchFamily="2" charset="-122"/>
                 <a:cs typeface="Cambria" panose="02040503050406030204" pitchFamily="18" charset="0"/>
               </a:rPr>
-              <a:t>1. Define the purpose and target audience. </a:t>
+              <a:t>Define the purpose and target audience. To introduce some famous </a:t>
+            </a:r>
+            <a:r>
+              <a:rPr lang="en-US" altLang="zh-CN" sz="1800" dirty="0">
+                <a:solidFill>
+                  <a:srgbClr val="000000"/>
+                </a:solidFill>
+                <a:latin typeface="Calibri" panose="020F0502020204030204" pitchFamily="34" charset="0"/>
+                <a:ea typeface="等线" panose="02010600030101010101" pitchFamily="2" charset="-122"/>
+                <a:cs typeface="Cambria" panose="02040503050406030204" pitchFamily="18" charset="0"/>
+              </a:rPr>
+              <a:t>attractions</a:t>
+            </a:r>
+            <a:r>
+              <a:rPr lang="en-US" altLang="zh-CN" sz="1800" dirty="0">
+                <a:solidFill>
+                  <a:srgbClr val="000000"/>
+                </a:solidFill>
+                <a:effectLst/>
+                <a:latin typeface="Calibri" panose="020F0502020204030204" pitchFamily="34" charset="0"/>
+                <a:ea typeface="等线" panose="02010600030101010101" pitchFamily="2" charset="-122"/>
+                <a:cs typeface="Cambria" panose="02040503050406030204" pitchFamily="18" charset="0"/>
+              </a:rPr>
+              <a:t> of four Chinese cit</a:t>
+            </a:r>
+            <a:r>
+              <a:rPr lang="en-US" altLang="zh-CN" sz="1800" dirty="0">
+                <a:solidFill>
+                  <a:srgbClr val="000000"/>
+                </a:solidFill>
+                <a:latin typeface="Calibri" panose="020F0502020204030204" pitchFamily="34" charset="0"/>
+                <a:ea typeface="等线" panose="02010600030101010101" pitchFamily="2" charset="-122"/>
+                <a:cs typeface="Cambria" panose="02040503050406030204" pitchFamily="18" charset="0"/>
+              </a:rPr>
+              <a:t>ies</a:t>
+            </a:r>
+            <a:r>
+              <a:rPr lang="en-US" altLang="zh-CN" sz="1800" dirty="0">
+                <a:solidFill>
+                  <a:srgbClr val="000000"/>
+                </a:solidFill>
+                <a:effectLst/>
+                <a:latin typeface="Calibri" panose="020F0502020204030204" pitchFamily="34" charset="0"/>
+                <a:ea typeface="等线" panose="02010600030101010101" pitchFamily="2" charset="-122"/>
+                <a:cs typeface="Cambria" panose="02040503050406030204" pitchFamily="18" charset="0"/>
+              </a:rPr>
+              <a:t>. And the target is for some people want to travel to China are audience.</a:t>
             </a:r>
             <a:endParaRPr lang="zh-CN" altLang="zh-CN" sz="1800" dirty="0">
               <a:solidFill>
@@ -22379,7 +23593,7 @@
                 <a:ea typeface="等线" panose="02010600030101010101" pitchFamily="2" charset="-122"/>
                 <a:cs typeface="Cambria" panose="02040503050406030204" pitchFamily="18" charset="0"/>
               </a:rPr>
-              <a:t> To introduce some famous viewpoints of China.</a:t>
+              <a:t>Determine the web pages that be on the website by sketching the navigation structure. Review and revise the sketches as needed. </a:t>
             </a:r>
             <a:endParaRPr lang="zh-CN" altLang="zh-CN" sz="1800" dirty="0">
               <a:solidFill>
@@ -22391,107 +23605,36 @@
               <a:cs typeface="Cambria" panose="02040503050406030204" pitchFamily="18" charset="0"/>
             </a:endParaRPr>
           </a:p>
-          <a:p>
-            <a:pPr>
-              <a:lnSpc>
-                <a:spcPct val="115000"/>
-              </a:lnSpc>
-              <a:spcAft>
-                <a:spcPts val="105"/>
-              </a:spcAft>
-            </a:pPr>
-            <a:r>
-              <a:rPr lang="en-US" altLang="zh-CN" sz="1800" dirty="0">
-                <a:solidFill>
-                  <a:srgbClr val="000000"/>
-                </a:solidFill>
-                <a:effectLst/>
-                <a:latin typeface="Calibri" panose="020F0502020204030204" pitchFamily="34" charset="0"/>
-                <a:ea typeface="等线" panose="02010600030101010101" pitchFamily="2" charset="-122"/>
-                <a:cs typeface="Cambria" panose="02040503050406030204" pitchFamily="18" charset="0"/>
-              </a:rPr>
-              <a:t> Some people want to travel to China are audience.</a:t>
-            </a:r>
-            <a:endParaRPr lang="zh-CN" altLang="zh-CN" sz="1800" dirty="0">
-              <a:solidFill>
-                <a:srgbClr val="000000"/>
-              </a:solidFill>
-              <a:effectLst/>
-              <a:latin typeface="Cambria" panose="02040503050406030204" pitchFamily="18" charset="0"/>
-              <a:ea typeface="等线" panose="02010600030101010101" pitchFamily="2" charset="-122"/>
-              <a:cs typeface="Cambria" panose="02040503050406030204" pitchFamily="18" charset="0"/>
-            </a:endParaRPr>
-          </a:p>
-          <a:p>
-            <a:pPr>
-              <a:lnSpc>
-                <a:spcPct val="115000"/>
-              </a:lnSpc>
-              <a:spcAft>
-                <a:spcPts val="105"/>
-              </a:spcAft>
-            </a:pPr>
-            <a:r>
-              <a:rPr lang="en-US" altLang="zh-CN" sz="1800" dirty="0">
-                <a:solidFill>
-                  <a:srgbClr val="000000"/>
-                </a:solidFill>
-                <a:effectLst/>
-                <a:latin typeface="Calibri" panose="020F0502020204030204" pitchFamily="34" charset="0"/>
-                <a:ea typeface="等线" panose="02010600030101010101" pitchFamily="2" charset="-122"/>
-                <a:cs typeface="Cambria" panose="02040503050406030204" pitchFamily="18" charset="0"/>
-              </a:rPr>
-              <a:t>2. Determine the web pages that be on the website by sketching the navigation structure. Review and revise the sketches as needed. </a:t>
-            </a:r>
-            <a:endParaRPr lang="zh-CN" altLang="zh-CN" sz="1800" dirty="0">
-              <a:solidFill>
-                <a:srgbClr val="000000"/>
-              </a:solidFill>
-              <a:effectLst/>
-              <a:latin typeface="Cambria" panose="02040503050406030204" pitchFamily="18" charset="0"/>
-              <a:ea typeface="等线" panose="02010600030101010101" pitchFamily="2" charset="-122"/>
-              <a:cs typeface="Cambria" panose="02040503050406030204" pitchFamily="18" charset="0"/>
-            </a:endParaRPr>
-          </a:p>
         </p:txBody>
       </p:sp>
       <p:pic>
         <p:nvPicPr>
-          <p:cNvPr id="10" name="图片 9" descr="A combination of a hierarchical web site diagram with a general page layout diagram - a wireframe.">
-            <a:extLst>
-              <a:ext uri="{FF2B5EF4-FFF2-40B4-BE49-F238E27FC236}">
-                <a16:creationId xmlns:a16="http://schemas.microsoft.com/office/drawing/2014/main" id="{0FAFE947-19E4-4B91-9370-C05CACE66F1E}"/>
-              </a:ext>
-            </a:extLst>
-          </p:cNvPr>
-          <p:cNvPicPr/>
+          <p:cNvPr id="11" name="图片 10" descr="图形用户界面&#10;&#10;描述已自动生成">
+            <a:extLst>
+              <a:ext uri="{FF2B5EF4-FFF2-40B4-BE49-F238E27FC236}">
+                <a16:creationId xmlns:a16="http://schemas.microsoft.com/office/drawing/2014/main" id="{47F39B26-0A87-4B99-9804-5C324D754571}"/>
+              </a:ext>
+            </a:extLst>
+          </p:cNvPr>
+          <p:cNvPicPr>
+            <a:picLocks noChangeAspect="1"/>
+          </p:cNvPicPr>
           <p:nvPr/>
         </p:nvPicPr>
         <p:blipFill>
-          <a:blip r:embed="rId2">
-            <a:extLst>
-              <a:ext uri="{28A0092B-C50C-407E-A947-70E740481C1C}">
-                <a14:useLocalDpi xmlns:a14="http://schemas.microsoft.com/office/drawing/2010/main" val="0"/>
-              </a:ext>
-            </a:extLst>
-          </a:blip>
-          <a:srcRect/>
+          <a:blip r:embed="rId2"/>
           <a:stretch>
             <a:fillRect/>
           </a:stretch>
         </p:blipFill>
-        <p:spPr bwMode="auto">
+        <p:spPr>
           <a:xfrm>
-            <a:off x="5678057" y="1525288"/>
-            <a:ext cx="5713095" cy="3628390"/>
+            <a:off x="5619002" y="1919673"/>
+            <a:ext cx="5772150" cy="3714750"/>
           </a:xfrm>
           <a:prstGeom prst="rect">
             <a:avLst/>
           </a:prstGeom>
-          <a:noFill/>
-          <a:ln>
-            <a:noFill/>
-          </a:ln>
         </p:spPr>
       </p:pic>
     </p:spTree>
@@ -22529,7 +23672,7 @@
           <p:cNvPr id="2" name="标题 1">
             <a:extLst>
               <a:ext uri="{FF2B5EF4-FFF2-40B4-BE49-F238E27FC236}">
-                <a16:creationId xmlns:a16="http://schemas.microsoft.com/office/drawing/2014/main" id="{CBE7B04A-343D-419F-A317-96AA0E47B84E}"/>
+                <a16:creationId xmlns:a16="http://schemas.microsoft.com/office/drawing/2014/main" id="{A459A0FD-000E-4BE6-AF65-BB86C656DB23}"/>
               </a:ext>
             </a:extLst>
           </p:cNvPr>
@@ -22540,25 +23683,51 @@
             <p:ph type="title"/>
           </p:nvPr>
         </p:nvSpPr>
-        <p:spPr/>
+        <p:spPr>
+          <a:xfrm>
+            <a:off x="905256" y="448056"/>
+            <a:ext cx="9914859" cy="1329004"/>
+          </a:xfrm>
+        </p:spPr>
         <p:txBody>
-          <a:bodyPr/>
+          <a:bodyPr rtlCol="0"/>
           <a:lstStyle/>
           <a:p>
-            <a:r>
-              <a:rPr lang="en-US" altLang="zh-CN" dirty="0"/>
+            <a:pPr>
+              <a:lnSpc>
+                <a:spcPct val="115000"/>
+              </a:lnSpc>
+            </a:pPr>
+            <a:r>
+              <a:rPr lang="en-US" altLang="zh-CN" sz="4000" b="1" i="1" dirty="0">
+                <a:solidFill>
+                  <a:srgbClr val="000000"/>
+                </a:solidFill>
+                <a:effectLst/>
+                <a:latin typeface="Calibri" panose="020F0502020204030204" pitchFamily="34" charset="0"/>
+                <a:ea typeface="等线" panose="02010600030101010101" pitchFamily="2" charset="-122"/>
+                <a:cs typeface="Cambria" panose="02040503050406030204" pitchFamily="18" charset="0"/>
+              </a:rPr>
               <a:t>Planning</a:t>
             </a:r>
-            <a:endParaRPr lang="zh-CN" altLang="en-US" dirty="0"/>
+            <a:endParaRPr lang="zh-CN" altLang="zh-CN" sz="4000" dirty="0">
+              <a:solidFill>
+                <a:srgbClr val="000000"/>
+              </a:solidFill>
+              <a:effectLst/>
+              <a:latin typeface="Cambria" panose="02040503050406030204" pitchFamily="18" charset="0"/>
+              <a:ea typeface="等线" panose="02010600030101010101" pitchFamily="2" charset="-122"/>
+              <a:cs typeface="Cambria" panose="02040503050406030204" pitchFamily="18" charset="0"/>
+            </a:endParaRPr>
           </a:p>
         </p:txBody>
       </p:sp>
       <p:sp>
         <p:nvSpPr>
-          <p:cNvPr id="4" name="页脚占位符 3">
-            <a:extLst>
-              <a:ext uri="{FF2B5EF4-FFF2-40B4-BE49-F238E27FC236}">
-                <a16:creationId xmlns:a16="http://schemas.microsoft.com/office/drawing/2014/main" id="{EE86439D-AB5B-4E21-901D-78358406E1A6}"/>
+          <p:cNvPr id="8" name="页脚占位符 7">
+            <a:extLst>
+              <a:ext uri="{FF2B5EF4-FFF2-40B4-BE49-F238E27FC236}">
+                <a16:creationId xmlns:a16="http://schemas.microsoft.com/office/drawing/2014/main" id="{7C5D7998-ED26-4436-85BB-287CF3B07AB1}"/>
               </a:ext>
             </a:extLst>
           </p:cNvPr>
@@ -22569,9 +23738,14 @@
             <p:ph type="ftr" sz="quarter" idx="11"/>
           </p:nvPr>
         </p:nvSpPr>
-        <p:spPr/>
+        <p:spPr>
+          <a:xfrm>
+            <a:off x="914400" y="6437376"/>
+            <a:ext cx="3775914" cy="365125"/>
+          </a:xfrm>
+        </p:spPr>
         <p:txBody>
-          <a:bodyPr/>
+          <a:bodyPr rtlCol="0"/>
           <a:lstStyle/>
           <a:p>
             <a:pPr rtl="0"/>
@@ -22585,10 +23759,10 @@
       </p:sp>
       <p:sp>
         <p:nvSpPr>
-          <p:cNvPr id="5" name="日期占位符 4">
-            <a:extLst>
-              <a:ext uri="{FF2B5EF4-FFF2-40B4-BE49-F238E27FC236}">
-                <a16:creationId xmlns:a16="http://schemas.microsoft.com/office/drawing/2014/main" id="{B64EE77D-0AD7-4A0F-AA0E-7C609E3BBF68}"/>
+          <p:cNvPr id="7" name="日期占位符 6">
+            <a:extLst>
+              <a:ext uri="{FF2B5EF4-FFF2-40B4-BE49-F238E27FC236}">
+                <a16:creationId xmlns:a16="http://schemas.microsoft.com/office/drawing/2014/main" id="{8BE129AC-705E-40E6-B0FC-ECDDA2A41B2A}"/>
               </a:ext>
             </a:extLst>
           </p:cNvPr>
@@ -22599,25 +23773,51 @@
             <p:ph type="dt" sz="half" idx="10"/>
           </p:nvPr>
         </p:nvSpPr>
-        <p:spPr/>
+        <p:spPr>
+          <a:xfrm>
+            <a:off x="9323285" y="6434524"/>
+            <a:ext cx="2067867" cy="365125"/>
+          </a:xfrm>
+        </p:spPr>
         <p:txBody>
-          <a:bodyPr/>
+          <a:bodyPr rtlCol="0"/>
           <a:lstStyle/>
           <a:p>
             <a:pPr rtl="0"/>
             <a:r>
-              <a:rPr lang="zh-CN"/>
-              <a:t>20XX/2/8</a:t>
-            </a:r>
+              <a:rPr lang="zh-CN" altLang="zh-CN" dirty="0"/>
+              <a:t>20</a:t>
+            </a:r>
+            <a:r>
+              <a:rPr lang="en-US" altLang="zh-CN" dirty="0"/>
+              <a:t>21</a:t>
+            </a:r>
+            <a:r>
+              <a:rPr lang="zh-CN" altLang="zh-CN" dirty="0"/>
+              <a:t>/</a:t>
+            </a:r>
+            <a:r>
+              <a:rPr lang="en-US" altLang="zh-CN" dirty="0"/>
+              <a:t>09</a:t>
+            </a:r>
+            <a:r>
+              <a:rPr lang="zh-CN" altLang="zh-CN" dirty="0"/>
+              <a:t>/</a:t>
+            </a:r>
+            <a:r>
+              <a:rPr lang="en-US" altLang="zh-CN" dirty="0"/>
+              <a:t>01</a:t>
+            </a:r>
+            <a:endParaRPr lang="zh-CN" altLang="zh-CN" dirty="0"/>
           </a:p>
         </p:txBody>
       </p:sp>
       <p:sp>
         <p:nvSpPr>
-          <p:cNvPr id="6" name="灯片编号占位符 5">
-            <a:extLst>
-              <a:ext uri="{FF2B5EF4-FFF2-40B4-BE49-F238E27FC236}">
-                <a16:creationId xmlns:a16="http://schemas.microsoft.com/office/drawing/2014/main" id="{1788C86F-469D-47B3-8815-05EC2174AA01}"/>
+          <p:cNvPr id="9" name="幻灯片编号占位符 8">
+            <a:extLst>
+              <a:ext uri="{FF2B5EF4-FFF2-40B4-BE49-F238E27FC236}">
+                <a16:creationId xmlns:a16="http://schemas.microsoft.com/office/drawing/2014/main" id="{948698A3-3CB3-4698-8F42-F3D81D37FF44}"/>
               </a:ext>
             </a:extLst>
           </p:cNvPr>
@@ -22628,9 +23828,14 @@
             <p:ph type="sldNum" sz="quarter" idx="12"/>
           </p:nvPr>
         </p:nvSpPr>
-        <p:spPr/>
+        <p:spPr>
+          <a:xfrm>
+            <a:off x="11391152" y="6434524"/>
+            <a:ext cx="693261" cy="365125"/>
+          </a:xfrm>
+        </p:spPr>
         <p:txBody>
-          <a:bodyPr/>
+          <a:bodyPr rtlCol="0"/>
           <a:lstStyle/>
           <a:p>
             <a:pPr rtl="0"/>
@@ -22643,53 +23848,95 @@
           </a:p>
         </p:txBody>
       </p:sp>
-      <p:pic>
-        <p:nvPicPr>
-          <p:cNvPr id="7" name="内容占位符 6">
-            <a:extLst>
-              <a:ext uri="{FF2B5EF4-FFF2-40B4-BE49-F238E27FC236}">
-                <a16:creationId xmlns:a16="http://schemas.microsoft.com/office/drawing/2014/main" id="{79F2AAA8-13A3-4DFE-AC75-E05EF7A28AD1}"/>
-              </a:ext>
-            </a:extLst>
-          </p:cNvPr>
-          <p:cNvPicPr>
-            <a:picLocks noGrp="1"/>
-          </p:cNvPicPr>
+      <p:sp>
+        <p:nvSpPr>
+          <p:cNvPr id="4" name="内容占位符 3">
+            <a:extLst>
+              <a:ext uri="{FF2B5EF4-FFF2-40B4-BE49-F238E27FC236}">
+                <a16:creationId xmlns:a16="http://schemas.microsoft.com/office/drawing/2014/main" id="{F293B502-7999-4C95-BB71-30581BAD71BF}"/>
+              </a:ext>
+            </a:extLst>
+          </p:cNvPr>
+          <p:cNvSpPr>
+            <a:spLocks noGrp="1"/>
+          </p:cNvSpPr>
           <p:nvPr>
             <p:ph idx="1"/>
           </p:nvPr>
+        </p:nvSpPr>
+        <p:spPr>
+          <a:xfrm>
+            <a:off x="914400" y="1919673"/>
+            <a:ext cx="4398757" cy="4123318"/>
+          </a:xfrm>
+        </p:spPr>
+        <p:txBody>
+          <a:bodyPr/>
+          <a:lstStyle/>
+          <a:p>
+            <a:pPr>
+              <a:lnSpc>
+                <a:spcPct val="115000"/>
+              </a:lnSpc>
+            </a:pPr>
+            <a:r>
+              <a:rPr lang="en-US" altLang="zh-CN" sz="1800" dirty="0">
+                <a:solidFill>
+                  <a:srgbClr val="000000"/>
+                </a:solidFill>
+                <a:effectLst/>
+                <a:latin typeface="Calibri" panose="020F0502020204030204" pitchFamily="34" charset="0"/>
+                <a:ea typeface="等线" panose="02010600030101010101" pitchFamily="2" charset="-122"/>
+                <a:cs typeface="Cambria" panose="02040503050406030204" pitchFamily="18" charset="0"/>
+              </a:rPr>
+              <a:t>Begin with a plan, we create a visual mind map, create sample page sketches and wireframes (mockups), generate a timeline, assemble the site, create a marketing plan, and create a storyboard. </a:t>
+            </a:r>
+            <a:endParaRPr lang="zh-CN" altLang="zh-CN" sz="1800" dirty="0">
+              <a:solidFill>
+                <a:srgbClr val="000000"/>
+              </a:solidFill>
+              <a:effectLst/>
+              <a:latin typeface="Cambria" panose="02040503050406030204" pitchFamily="18" charset="0"/>
+              <a:ea typeface="等线" panose="02010600030101010101" pitchFamily="2" charset="-122"/>
+              <a:cs typeface="Cambria" panose="02040503050406030204" pitchFamily="18" charset="0"/>
+            </a:endParaRPr>
+          </a:p>
+        </p:txBody>
+      </p:sp>
+      <p:pic>
+        <p:nvPicPr>
+          <p:cNvPr id="5" name="图片 4" descr="图示, 文本&#10;&#10;描述已自动生成">
+            <a:extLst>
+              <a:ext uri="{FF2B5EF4-FFF2-40B4-BE49-F238E27FC236}">
+                <a16:creationId xmlns:a16="http://schemas.microsoft.com/office/drawing/2014/main" id="{3490EB0D-B091-4E6D-ABC4-FA990BE2BCE3}"/>
+              </a:ext>
+            </a:extLst>
+          </p:cNvPr>
+          <p:cNvPicPr>
+            <a:picLocks noChangeAspect="1"/>
+          </p:cNvPicPr>
+          <p:nvPr/>
         </p:nvPicPr>
         <p:blipFill>
-          <a:blip r:embed="rId2">
-            <a:extLst>
-              <a:ext uri="{28A0092B-C50C-407E-A947-70E740481C1C}">
-                <a14:useLocalDpi xmlns:a14="http://schemas.microsoft.com/office/drawing/2010/main" val="0"/>
-              </a:ext>
-            </a:extLst>
-          </a:blip>
-          <a:srcRect/>
+          <a:blip r:embed="rId2"/>
           <a:stretch>
             <a:fillRect/>
           </a:stretch>
         </p:blipFill>
-        <p:spPr bwMode="auto">
+        <p:spPr>
           <a:xfrm>
-            <a:off x="3052557" y="1777060"/>
-            <a:ext cx="7145327" cy="3848825"/>
+            <a:off x="5313157" y="1777060"/>
+            <a:ext cx="6238875" cy="3933825"/>
           </a:xfrm>
           <a:prstGeom prst="rect">
             <a:avLst/>
           </a:prstGeom>
-          <a:noFill/>
-          <a:ln>
-            <a:noFill/>
-          </a:ln>
         </p:spPr>
       </p:pic>
     </p:spTree>
     <p:extLst>
       <p:ext uri="{BB962C8B-B14F-4D97-AF65-F5344CB8AC3E}">
-        <p14:creationId xmlns:p14="http://schemas.microsoft.com/office/powerpoint/2010/main" val="1615085722"/>
+        <p14:creationId xmlns:p14="http://schemas.microsoft.com/office/powerpoint/2010/main" val="2383781040"/>
       </p:ext>
     </p:extLst>
   </p:cSld>
@@ -23491,15 +24738,6 @@
 </file>
 
 <file path=customXml/item1.xml><?xml version="1.0" encoding="utf-8"?>
-<?mso-contentType ?>
-<FormTemplates xmlns="http://schemas.microsoft.com/sharepoint/v3/contenttype/forms">
-  <Display>DocumentLibraryForm</Display>
-  <Edit>DocumentLibraryForm</Edit>
-  <New>DocumentLibraryForm</New>
-</FormTemplates>
-</file>
-
-<file path=customXml/item2.xml><?xml version="1.0" encoding="utf-8"?>
 <p:properties xmlns:p="http://schemas.microsoft.com/office/2006/metadata/properties" xmlns:xsi="http://www.w3.org/2001/XMLSchema-instance" xmlns:pc="http://schemas.microsoft.com/office/infopath/2007/PartnerControls">
   <documentManagement>
     <Status xmlns="71af3243-3dd4-4a8d-8c0d-dd76da1f02a5">Not started</Status>
@@ -23516,6 +24754,15 @@
     <MediaServiceKeyPoints xmlns="71af3243-3dd4-4a8d-8c0d-dd76da1f02a5" xsi:nil="true"/>
   </documentManagement>
 </p:properties>
+</file>
+
+<file path=customXml/item2.xml><?xml version="1.0" encoding="utf-8"?>
+<?mso-contentType ?>
+<FormTemplates xmlns="http://schemas.microsoft.com/sharepoint/v3/contenttype/forms">
+  <Display>DocumentLibraryForm</Display>
+  <Edit>DocumentLibraryForm</Edit>
+  <New>DocumentLibraryForm</New>
+</FormTemplates>
 </file>
 
 <file path=customXml/item3.xml><?xml version="1.0" encoding="utf-8"?>
@@ -23795,14 +25042,6 @@
 </file>
 
 <file path=customXml/itemProps1.xml><?xml version="1.0" encoding="utf-8"?>
-<ds:datastoreItem xmlns:ds="http://schemas.openxmlformats.org/officeDocument/2006/customXml" ds:itemID="{0B61E4D0-D101-4A17-BA61-F29B2B6CFE74}">
-  <ds:schemaRefs>
-    <ds:schemaRef ds:uri="http://schemas.microsoft.com/sharepoint/v3/contenttype/forms"/>
-  </ds:schemaRefs>
-</ds:datastoreItem>
-</file>
-
-<file path=customXml/itemProps2.xml><?xml version="1.0" encoding="utf-8"?>
 <ds:datastoreItem xmlns:ds="http://schemas.openxmlformats.org/officeDocument/2006/customXml" ds:itemID="{4EAB8BBB-9A18-4050-923B-7FC6E36DA496}">
   <ds:schemaRefs>
     <ds:schemaRef ds:uri="http://schemas.microsoft.com/office/2006/metadata/properties"/>
@@ -23810,6 +25049,14 @@
     <ds:schemaRef ds:uri="71af3243-3dd4-4a8d-8c0d-dd76da1f02a5"/>
     <ds:schemaRef ds:uri="http://schemas.microsoft.com/sharepoint/v3"/>
     <ds:schemaRef ds:uri="230e9df3-be65-4c73-a93b-d1236ebd677e"/>
+  </ds:schemaRefs>
+</ds:datastoreItem>
+</file>
+
+<file path=customXml/itemProps2.xml><?xml version="1.0" encoding="utf-8"?>
+<ds:datastoreItem xmlns:ds="http://schemas.openxmlformats.org/officeDocument/2006/customXml" ds:itemID="{0B61E4D0-D101-4A17-BA61-F29B2B6CFE74}">
+  <ds:schemaRefs>
+    <ds:schemaRef ds:uri="http://schemas.microsoft.com/sharepoint/v3/contenttype/forms"/>
   </ds:schemaRefs>
 </ds:datastoreItem>
 </file>

--- a/docs/Website Design for tourist attraction.pptx
+++ b/docs/Website Design for tourist attraction.pptx
@@ -1498,7 +1498,7 @@
         <a:p>
           <a:pPr rtl="0"/>
           <a:r>
-            <a:rPr lang="en-US" altLang="zh-CN" sz="1300" b="0" i="0" u="none" dirty="0"/>
+            <a:rPr lang="en-US" altLang="zh-CN" sz="1300" b="1" i="0" u="none" dirty="0"/>
             <a:t>Milestone</a:t>
           </a:r>
         </a:p>
@@ -2747,7 +2747,7 @@
             <a:buNone/>
           </a:pPr>
           <a:r>
-            <a:rPr lang="en-US" altLang="zh-CN" sz="1300" b="0" i="0" u="none" kern="1200" dirty="0"/>
+            <a:rPr lang="en-US" altLang="zh-CN" sz="1300" b="1" i="0" u="none" kern="1200" dirty="0"/>
             <a:t>Milestone</a:t>
           </a:r>
         </a:p>
@@ -19089,7 +19089,18 @@
                 <a:ea typeface="等线" panose="02010600030101010101" pitchFamily="2" charset="-122"/>
                 <a:cs typeface="Cambria" panose="02040503050406030204" pitchFamily="18" charset="0"/>
               </a:rPr>
-              <a:t>Project management</a:t>
+              <a:t>Project </a:t>
+            </a:r>
+            <a:r>
+              <a:rPr lang="en-US" altLang="zh-CN" b="1" i="1" dirty="0">
+                <a:solidFill>
+                  <a:srgbClr val="000000"/>
+                </a:solidFill>
+                <a:latin typeface="Calibri" panose="020F0502020204030204" pitchFamily="34" charset="0"/>
+                <a:ea typeface="等线" panose="02010600030101010101" pitchFamily="2" charset="-122"/>
+                <a:cs typeface="Cambria" panose="02040503050406030204" pitchFamily="18" charset="0"/>
+              </a:rPr>
+              <a:t>Timeline</a:t>
             </a:r>
             <a:endParaRPr lang="zh-CN" altLang="zh-CN" sz="4000" dirty="0">
               <a:solidFill>
@@ -19414,10 +19425,22 @@
           <a:p>
             <a:pPr rtl="0"/>
             <a:r>
-              <a:rPr lang="en-US" altLang="zh-CN" dirty="0"/>
-              <a:t>Spring Method</a:t>
-            </a:r>
-            <a:endParaRPr lang="zh-CN" dirty="0"/>
+              <a:rPr lang="en-US" altLang="zh-CN" b="1" i="1" dirty="0">
+                <a:solidFill>
+                  <a:srgbClr val="000000"/>
+                </a:solidFill>
+                <a:latin typeface="Calibri" panose="020F0502020204030204" pitchFamily="34" charset="0"/>
+                <a:ea typeface="等线" panose="02010600030101010101" pitchFamily="2" charset="-122"/>
+              </a:rPr>
+              <a:t>Spring Method Task One</a:t>
+            </a:r>
+            <a:endParaRPr lang="zh-CN" altLang="en-US" b="1" i="1" dirty="0">
+              <a:solidFill>
+                <a:srgbClr val="000000"/>
+              </a:solidFill>
+              <a:latin typeface="Calibri" panose="020F0502020204030204" pitchFamily="34" charset="0"/>
+              <a:ea typeface="等线" panose="02010600030101010101" pitchFamily="2" charset="-122"/>
+            </a:endParaRPr>
           </a:p>
         </p:txBody>
       </p:sp>
@@ -19909,10 +19932,22 @@
           <a:p>
             <a:pPr rtl="0"/>
             <a:r>
-              <a:rPr lang="en-US" altLang="zh-CN" dirty="0"/>
+              <a:rPr lang="en-US" altLang="zh-CN" b="1" i="1" dirty="0">
+                <a:solidFill>
+                  <a:srgbClr val="000000"/>
+                </a:solidFill>
+                <a:latin typeface="Calibri" panose="020F0502020204030204" pitchFamily="34" charset="0"/>
+                <a:ea typeface="等线" panose="02010600030101010101" pitchFamily="2" charset="-122"/>
+              </a:rPr>
               <a:t>Schedule and Milestone</a:t>
             </a:r>
-            <a:endParaRPr lang="zh-CN" dirty="0"/>
+            <a:endParaRPr lang="zh-CN" altLang="en-US" b="1" i="1" dirty="0">
+              <a:solidFill>
+                <a:srgbClr val="000000"/>
+              </a:solidFill>
+              <a:latin typeface="Calibri" panose="020F0502020204030204" pitchFamily="34" charset="0"/>
+              <a:ea typeface="等线" panose="02010600030101010101" pitchFamily="2" charset="-122"/>
+            </a:endParaRPr>
           </a:p>
         </p:txBody>
       </p:sp>
@@ -19932,7 +19967,7 @@
             <p:ph idx="1"/>
             <p:extLst>
               <p:ext uri="{D42A27DB-BD31-4B8C-83A1-F6EECF244321}">
-                <p14:modId xmlns:p14="http://schemas.microsoft.com/office/powerpoint/2010/main" val="4254867070"/>
+                <p14:modId xmlns:p14="http://schemas.microsoft.com/office/powerpoint/2010/main" val="3163529347"/>
               </p:ext>
             </p:extLst>
           </p:nvPr>
@@ -20132,7 +20167,15 @@
             <a:pPr rtl="0"/>
             <a:r>
               <a:rPr lang="en-US" altLang="zh-CN" dirty="0"/>
-              <a:t>Summary·</a:t>
+              <a:t>Summary and</a:t>
+            </a:r>
+            <a:r>
+              <a:rPr lang="zh-CN" altLang="en-US" dirty="0"/>
+              <a:t> </a:t>
+            </a:r>
+            <a:r>
+              <a:rPr lang="en-US" altLang="zh-CN" dirty="0"/>
+              <a:t>Reference·</a:t>
             </a:r>
             <a:endParaRPr lang="zh-CN" dirty="0"/>
           </a:p>
@@ -20167,8 +20210,18 @@
             <a:pPr rtl="0"/>
             <a:r>
               <a:rPr lang="en-US" altLang="zh-CN" dirty="0"/>
-              <a:t>Summary</a:t>
-            </a:r>
+              <a:t>Summary:</a:t>
+            </a:r>
+          </a:p>
+          <a:p>
+            <a:pPr rtl="0"/>
+            <a:r>
+              <a:rPr lang="en-US" altLang="zh-CN" dirty="0"/>
+              <a:t>HTML and CSS</a:t>
+            </a:r>
+          </a:p>
+          <a:p>
+            <a:pPr rtl="0"/>
             <a:endParaRPr lang="zh-CN" dirty="0"/>
           </a:p>
         </p:txBody>
@@ -20470,7 +20523,15 @@
             <a:pPr rtl="0"/>
             <a:r>
               <a:rPr lang="en-US" altLang="zh-CN" dirty="0"/>
-              <a:t>Team</a:t>
+              <a:t>Summary and</a:t>
+            </a:r>
+            <a:r>
+              <a:rPr lang="zh-CN" altLang="en-US" dirty="0"/>
+              <a:t> </a:t>
+            </a:r>
+            <a:r>
+              <a:rPr lang="en-US" altLang="zh-CN" dirty="0"/>
+              <a:t>Reference</a:t>
             </a:r>
             <a:endParaRPr lang="zh-CN" dirty="0"/>
           </a:p>
@@ -20592,7 +20653,7 @@
               </a:lnSpc>
             </a:pPr>
             <a:r>
-              <a:rPr lang="en-US" altLang="zh-CN" sz="1800" b="1" i="1" dirty="0">
+              <a:rPr lang="en-US" altLang="zh-CN" sz="1800" dirty="0">
                 <a:solidFill>
                   <a:srgbClr val="000000"/>
                 </a:solidFill>
@@ -20601,7 +20662,57 @@
                 <a:ea typeface="等线" panose="02010600030101010101" pitchFamily="2" charset="-122"/>
                 <a:cs typeface="Cambria" panose="02040503050406030204" pitchFamily="18" charset="0"/>
               </a:rPr>
-              <a:t>Team member (5): </a:t>
+              <a:t>1. </a:t>
+            </a:r>
+            <a:r>
+              <a:rPr lang="en-US" altLang="zh-CN" sz="1600" b="0" i="0" u="none" strike="noStrike" dirty="0">
+                <a:solidFill>
+                  <a:srgbClr val="626675"/>
+                </a:solidFill>
+                <a:effectLst/>
+                <a:latin typeface="Arial" panose="020B0604020202020204" pitchFamily="34" charset="0"/>
+                <a:hlinkClick r:id="rId5"/>
+              </a:rPr>
+              <a:t>jnwl.jinan.gov.cn</a:t>
+            </a:r>
+            <a:endParaRPr lang="en-US" altLang="zh-CN" sz="1600" b="0" i="0" u="none" strike="noStrike" dirty="0">
+              <a:solidFill>
+                <a:srgbClr val="626675"/>
+              </a:solidFill>
+              <a:effectLst/>
+              <a:latin typeface="Arial" panose="020B0604020202020204" pitchFamily="34" charset="0"/>
+            </a:endParaRPr>
+          </a:p>
+          <a:p>
+            <a:pPr>
+              <a:lnSpc>
+                <a:spcPct val="115000"/>
+              </a:lnSpc>
+            </a:pPr>
+            <a:r>
+              <a:rPr lang="en-US" altLang="zh-CN" sz="1800" dirty="0">
+                <a:solidFill>
+                  <a:srgbClr val="000000"/>
+                </a:solidFill>
+                <a:effectLst/>
+                <a:latin typeface="Calibri" panose="020F0502020204030204" pitchFamily="34" charset="0"/>
+                <a:ea typeface="等线" panose="02010600030101010101" pitchFamily="2" charset="-122"/>
+                <a:cs typeface="Cambria" panose="02040503050406030204" pitchFamily="18" charset="0"/>
+              </a:rPr>
+              <a:t>2. </a:t>
+            </a:r>
+            <a:r>
+              <a:rPr lang="en-US" altLang="zh-CN" sz="1800" u="sng" dirty="0">
+                <a:solidFill>
+                  <a:srgbClr val="000000"/>
+                </a:solidFill>
+                <a:effectLst/>
+                <a:latin typeface="Calibri" panose="020F0502020204030204" pitchFamily="34" charset="0"/>
+                <a:ea typeface="等线" panose="02010600030101010101" pitchFamily="2" charset="-122"/>
+                <a:cs typeface="Cambria" panose="02040503050406030204" pitchFamily="18" charset="0"/>
+                <a:hlinkClick r:id="rId6"/>
+              </a:rPr>
+              <a:t>www.xiameng.com</a:t>
             </a:r>
             <a:endParaRPr lang="zh-CN" altLang="zh-CN" sz="1800" dirty="0">
               <a:solidFill>
@@ -20629,10 +20740,10 @@
                 <a:ea typeface="等线" panose="02010600030101010101" pitchFamily="2" charset="-122"/>
                 <a:cs typeface="Cambria" panose="02040503050406030204" pitchFamily="18" charset="0"/>
               </a:rPr>
-              <a:t>Guo </a:t>
-            </a:r>
-            <a:r>
-              <a:rPr lang="en-US" altLang="zh-CN" sz="1800" dirty="0" err="1">
+              <a:t>3. </a:t>
+            </a:r>
+            <a:r>
+              <a:rPr lang="en-US" altLang="zh-CN" sz="1800" dirty="0">
                 <a:solidFill>
                   <a:srgbClr val="000000"/>
                 </a:solidFill>
@@ -20640,9 +20751,26 @@
                 <a:latin typeface="Calibri" panose="020F0502020204030204" pitchFamily="34" charset="0"/>
                 <a:ea typeface="等线" panose="02010600030101010101" pitchFamily="2" charset="-122"/>
                 <a:cs typeface="Cambria" panose="02040503050406030204" pitchFamily="18" charset="0"/>
+                <a:hlinkClick r:id="rId7"/>
               </a:rPr>
-              <a:t>Shengguang</a:t>
-            </a:r>
+              <a:t>http://www.visitxm.com</a:t>
+            </a:r>
+            <a:endParaRPr lang="en-US" altLang="zh-CN" sz="1800" dirty="0">
+              <a:solidFill>
+                <a:srgbClr val="000000"/>
+              </a:solidFill>
+              <a:effectLst/>
+              <a:latin typeface="Calibri" panose="020F0502020204030204" pitchFamily="34" charset="0"/>
+              <a:ea typeface="等线" panose="02010600030101010101" pitchFamily="2" charset="-122"/>
+              <a:cs typeface="Cambria" panose="02040503050406030204" pitchFamily="18" charset="0"/>
+            </a:endParaRPr>
+          </a:p>
+          <a:p>
+            <a:pPr>
+              <a:lnSpc>
+                <a:spcPct val="115000"/>
+              </a:lnSpc>
+            </a:pPr>
             <a:r>
               <a:rPr lang="en-US" altLang="zh-CN" sz="1800" dirty="0">
                 <a:solidFill>
@@ -20653,24 +20781,8 @@
                 <a:ea typeface="等线" panose="02010600030101010101" pitchFamily="2" charset="-122"/>
                 <a:cs typeface="Cambria" panose="02040503050406030204" pitchFamily="18" charset="0"/>
               </a:rPr>
-              <a:t>,</a:t>
-            </a:r>
-            <a:endParaRPr lang="zh-CN" altLang="zh-CN" sz="1800" dirty="0">
-              <a:solidFill>
-                <a:srgbClr val="000000"/>
-              </a:solidFill>
-              <a:effectLst/>
-              <a:latin typeface="Cambria" panose="02040503050406030204" pitchFamily="18" charset="0"/>
-              <a:ea typeface="等线" panose="02010600030101010101" pitchFamily="2" charset="-122"/>
-              <a:cs typeface="Cambria" panose="02040503050406030204" pitchFamily="18" charset="0"/>
-            </a:endParaRPr>
-          </a:p>
-          <a:p>
-            <a:pPr>
-              <a:lnSpc>
-                <a:spcPct val="115000"/>
-              </a:lnSpc>
-            </a:pPr>
+              <a:t>4. </a:t>
+            </a:r>
             <a:r>
               <a:rPr lang="en-US" altLang="zh-CN" sz="1800" dirty="0">
                 <a:solidFill>
@@ -20680,141 +20792,51 @@
                 <a:latin typeface="Calibri" panose="020F0502020204030204" pitchFamily="34" charset="0"/>
                 <a:ea typeface="等线" panose="02010600030101010101" pitchFamily="2" charset="-122"/>
                 <a:cs typeface="Cambria" panose="02040503050406030204" pitchFamily="18" charset="0"/>
+                <a:hlinkClick r:id="rId8"/>
               </a:rPr>
-              <a:t>Lin Hong,</a:t>
-            </a:r>
-            <a:endParaRPr lang="zh-CN" altLang="zh-CN" sz="1800" dirty="0">
+              <a:t>www.dunhuangtour.com</a:t>
+            </a:r>
+            <a:endParaRPr lang="en-US" altLang="zh-CN" sz="1800" dirty="0">
               <a:solidFill>
                 <a:srgbClr val="000000"/>
               </a:solidFill>
               <a:effectLst/>
-              <a:latin typeface="Cambria" panose="02040503050406030204" pitchFamily="18" charset="0"/>
+              <a:latin typeface="Calibri" panose="020F0502020204030204" pitchFamily="34" charset="0"/>
               <a:ea typeface="等线" panose="02010600030101010101" pitchFamily="2" charset="-122"/>
               <a:cs typeface="Cambria" panose="02040503050406030204" pitchFamily="18" charset="0"/>
             </a:endParaRPr>
           </a:p>
           <a:p>
-            <a:pPr>
-              <a:lnSpc>
-                <a:spcPct val="115000"/>
-              </a:lnSpc>
-            </a:pPr>
+            <a:pPr algn="l"/>
             <a:r>
               <a:rPr lang="en-US" altLang="zh-CN" sz="1800" dirty="0">
                 <a:solidFill>
                   <a:srgbClr val="000000"/>
                 </a:solidFill>
-                <a:effectLst/>
                 <a:latin typeface="Calibri" panose="020F0502020204030204" pitchFamily="34" charset="0"/>
                 <a:ea typeface="等线" panose="02010600030101010101" pitchFamily="2" charset="-122"/>
                 <a:cs typeface="Cambria" panose="02040503050406030204" pitchFamily="18" charset="0"/>
               </a:rPr>
-              <a:t>Shen Fan,</a:t>
-            </a:r>
-            <a:endParaRPr lang="zh-CN" altLang="zh-CN" sz="1800" dirty="0">
+              <a:t>5. </a:t>
+            </a:r>
+            <a:r>
+              <a:rPr lang="it-IT" altLang="zh-CN" sz="1600" b="0" i="0" u="none" strike="noStrike" dirty="0">
+                <a:solidFill>
+                  <a:srgbClr val="202124"/>
+                </a:solidFill>
+                <a:effectLst/>
+                <a:latin typeface="arial" panose="020B0604020202020204" pitchFamily="34" charset="0"/>
+                <a:hlinkClick r:id="rId9"/>
+              </a:rPr>
+              <a:t>www.w3schools.com</a:t>
+            </a:r>
+            <a:endParaRPr lang="it-IT" altLang="zh-CN" sz="1600" b="0" i="0" u="none" strike="noStrike" dirty="0">
               <a:solidFill>
-                <a:srgbClr val="000000"/>
+                <a:srgbClr val="1A0DAB"/>
               </a:solidFill>
               <a:effectLst/>
-              <a:latin typeface="Cambria" panose="02040503050406030204" pitchFamily="18" charset="0"/>
-              <a:ea typeface="等线" panose="02010600030101010101" pitchFamily="2" charset="-122"/>
-              <a:cs typeface="Cambria" panose="02040503050406030204" pitchFamily="18" charset="0"/>
-            </a:endParaRPr>
-          </a:p>
-          <a:p>
-            <a:pPr>
-              <a:lnSpc>
-                <a:spcPct val="115000"/>
-              </a:lnSpc>
-            </a:pPr>
-            <a:r>
-              <a:rPr lang="en-US" altLang="zh-CN" sz="1800" dirty="0">
-                <a:solidFill>
-                  <a:srgbClr val="000000"/>
-                </a:solidFill>
-                <a:effectLst/>
-                <a:latin typeface="Calibri" panose="020F0502020204030204" pitchFamily="34" charset="0"/>
-                <a:ea typeface="等线" panose="02010600030101010101" pitchFamily="2" charset="-122"/>
-                <a:cs typeface="Cambria" panose="02040503050406030204" pitchFamily="18" charset="0"/>
-              </a:rPr>
-              <a:t>Su Xiaoming,</a:t>
-            </a:r>
-            <a:endParaRPr lang="zh-CN" altLang="zh-CN" sz="1800" dirty="0">
-              <a:solidFill>
-                <a:srgbClr val="000000"/>
-              </a:solidFill>
-              <a:effectLst/>
-              <a:latin typeface="Cambria" panose="02040503050406030204" pitchFamily="18" charset="0"/>
-              <a:ea typeface="等线" panose="02010600030101010101" pitchFamily="2" charset="-122"/>
-              <a:cs typeface="Cambria" panose="02040503050406030204" pitchFamily="18" charset="0"/>
-            </a:endParaRPr>
-          </a:p>
-          <a:p>
-            <a:pPr>
-              <a:lnSpc>
-                <a:spcPct val="115000"/>
-              </a:lnSpc>
-            </a:pPr>
-            <a:r>
-              <a:rPr lang="en-US" altLang="zh-CN" sz="1800" dirty="0">
-                <a:solidFill>
-                  <a:srgbClr val="000000"/>
-                </a:solidFill>
-                <a:effectLst/>
-                <a:latin typeface="Calibri" panose="020F0502020204030204" pitchFamily="34" charset="0"/>
-                <a:ea typeface="等线" panose="02010600030101010101" pitchFamily="2" charset="-122"/>
-                <a:cs typeface="Cambria" panose="02040503050406030204" pitchFamily="18" charset="0"/>
-              </a:rPr>
-              <a:t>Zhao </a:t>
-            </a:r>
-            <a:r>
-              <a:rPr lang="en-US" altLang="zh-CN" sz="1800" dirty="0" err="1">
-                <a:solidFill>
-                  <a:srgbClr val="000000"/>
-                </a:solidFill>
-                <a:effectLst/>
-                <a:latin typeface="Calibri" panose="020F0502020204030204" pitchFamily="34" charset="0"/>
-                <a:ea typeface="等线" panose="02010600030101010101" pitchFamily="2" charset="-122"/>
-                <a:cs typeface="Cambria" panose="02040503050406030204" pitchFamily="18" charset="0"/>
-              </a:rPr>
-              <a:t>Guixia</a:t>
-            </a:r>
-            <a:endParaRPr lang="zh-CN" altLang="zh-CN" sz="1800" dirty="0">
-              <a:solidFill>
-                <a:srgbClr val="000000"/>
-              </a:solidFill>
-              <a:effectLst/>
-              <a:latin typeface="Cambria" panose="02040503050406030204" pitchFamily="18" charset="0"/>
-              <a:ea typeface="等线" panose="02010600030101010101" pitchFamily="2" charset="-122"/>
-              <a:cs typeface="Cambria" panose="02040503050406030204" pitchFamily="18" charset="0"/>
-            </a:endParaRPr>
-          </a:p>
-          <a:p>
-            <a:pPr>
-              <a:lnSpc>
-                <a:spcPct val="115000"/>
-              </a:lnSpc>
-            </a:pPr>
-            <a:r>
-              <a:rPr lang="en-US" altLang="zh-CN" sz="1800" dirty="0">
-                <a:solidFill>
-                  <a:srgbClr val="000000"/>
-                </a:solidFill>
-                <a:effectLst/>
-                <a:latin typeface="Calibri" panose="020F0502020204030204" pitchFamily="34" charset="0"/>
-                <a:ea typeface="等线" panose="02010600030101010101" pitchFamily="2" charset="-122"/>
-                <a:cs typeface="Cambria" panose="02040503050406030204" pitchFamily="18" charset="0"/>
-              </a:rPr>
-              <a:t> </a:t>
-            </a:r>
-            <a:endParaRPr lang="zh-CN" altLang="zh-CN" sz="1800" dirty="0">
-              <a:solidFill>
-                <a:srgbClr val="000000"/>
-              </a:solidFill>
-              <a:effectLst/>
-              <a:latin typeface="Cambria" panose="02040503050406030204" pitchFamily="18" charset="0"/>
-              <a:ea typeface="等线" panose="02010600030101010101" pitchFamily="2" charset="-122"/>
-              <a:cs typeface="Cambria" panose="02040503050406030204" pitchFamily="18" charset="0"/>
+              <a:latin typeface="arial" panose="020B0604020202020204" pitchFamily="34" charset="0"/>
+              <a:hlinkClick r:id="rId9"/>
             </a:endParaRPr>
           </a:p>
           <a:p>
@@ -21344,8 +21366,8 @@
         </p:nvSpPr>
         <p:spPr>
           <a:xfrm>
-            <a:off x="914401" y="3377821"/>
-            <a:ext cx="5181600" cy="2799142"/>
+            <a:off x="914400" y="3377820"/>
+            <a:ext cx="6411640" cy="3055381"/>
           </a:xfrm>
         </p:spPr>
         <p:txBody>
@@ -21369,9 +21391,8 @@
             </a:pPr>
             <a:r>
               <a:rPr lang="en-US" altLang="zh-CN" dirty="0"/>
-              <a:t>Purpose</a:t>
-            </a:r>
-            <a:endParaRPr lang="zh-CN" dirty="0"/>
+              <a:t>Defining the Purpose and Target Audience</a:t>
+            </a:r>
           </a:p>
           <a:p>
             <a:pPr marL="457200" indent="-457200" rtl="0">
@@ -21402,7 +21423,17 @@
             </a:pPr>
             <a:r>
               <a:rPr lang="en-US" altLang="zh-CN" dirty="0"/>
-              <a:t>Project Management</a:t>
+              <a:t>Project Milestones</a:t>
+            </a:r>
+          </a:p>
+          <a:p>
+            <a:pPr marL="457200" indent="-457200" rtl="0">
+              <a:buFont typeface="+mj-lt"/>
+              <a:buAutoNum type="arabicPeriod"/>
+            </a:pPr>
+            <a:r>
+              <a:rPr lang="en-US" altLang="zh-CN" dirty="0"/>
+              <a:t>Summary and References</a:t>
             </a:r>
             <a:endParaRPr lang="zh-CN" dirty="0"/>
           </a:p>
@@ -21466,8 +21497,8 @@
         </p:blipFill>
         <p:spPr>
           <a:xfrm>
-            <a:off x="6514166" y="487530"/>
-            <a:ext cx="2846566" cy="1893638"/>
+            <a:off x="6514166" y="504370"/>
+            <a:ext cx="2846566" cy="1842255"/>
           </a:xfrm>
         </p:spPr>
       </p:pic>
@@ -21494,8 +21525,8 @@
         </p:blipFill>
         <p:spPr>
           <a:xfrm>
-            <a:off x="9360733" y="400492"/>
-            <a:ext cx="2826990" cy="2050015"/>
+            <a:off x="9360733" y="504372"/>
+            <a:ext cx="2826990" cy="1842255"/>
           </a:xfrm>
         </p:spPr>
       </p:pic>
@@ -22575,17 +22606,8 @@
                 <a:ea typeface="等线" panose="02010600030101010101" pitchFamily="2" charset="-122"/>
                 <a:cs typeface="Cambria" panose="02040503050406030204" pitchFamily="18" charset="0"/>
               </a:rPr>
-              <a:t>Purpose </a:t>
-            </a:r>
-            <a:endParaRPr lang="zh-CN" altLang="zh-CN" sz="4000" dirty="0">
-              <a:solidFill>
-                <a:srgbClr val="000000"/>
-              </a:solidFill>
-              <a:effectLst/>
-              <a:latin typeface="Cambria" panose="02040503050406030204" pitchFamily="18" charset="0"/>
-              <a:ea typeface="等线" panose="02010600030101010101" pitchFamily="2" charset="-122"/>
-              <a:cs typeface="Cambria" panose="02040503050406030204" pitchFamily="18" charset="0"/>
-            </a:endParaRPr>
+              <a:t>Defining the Purpose and Target Audience</a:t>
+            </a:r>
           </a:p>
         </p:txBody>
       </p:sp>
@@ -22742,6 +22764,25 @@
             <a:normAutofit/>
           </a:bodyPr>
           <a:lstStyle/>
+          <a:p>
+            <a:pPr>
+              <a:lnSpc>
+                <a:spcPct val="115000"/>
+              </a:lnSpc>
+            </a:pPr>
+            <a:r>
+              <a:rPr lang="en-US" altLang="zh-CN" dirty="0">
+                <a:solidFill>
+                  <a:srgbClr val="000000"/>
+                </a:solidFill>
+                <a:effectLst/>
+                <a:latin typeface="Calibri" panose="020F0502020204030204" pitchFamily="34" charset="0"/>
+                <a:ea typeface="等线" panose="02010600030101010101" pitchFamily="2" charset="-122"/>
+                <a:cs typeface="Cambria" panose="02040503050406030204" pitchFamily="18" charset="0"/>
+              </a:rPr>
+              <a:t>Purpose:</a:t>
+            </a:r>
+          </a:p>
           <a:p>
             <a:pPr>
               <a:lnSpc>
@@ -22899,17 +22940,8 @@
                 <a:ea typeface="等线" panose="02010600030101010101" pitchFamily="2" charset="-122"/>
                 <a:cs typeface="Cambria" panose="02040503050406030204" pitchFamily="18" charset="0"/>
               </a:rPr>
-              <a:t>Purpose </a:t>
-            </a:r>
-            <a:endParaRPr lang="zh-CN" altLang="zh-CN" sz="4000" dirty="0">
-              <a:solidFill>
-                <a:srgbClr val="000000"/>
-              </a:solidFill>
-              <a:effectLst/>
-              <a:latin typeface="Cambria" panose="02040503050406030204" pitchFamily="18" charset="0"/>
-              <a:ea typeface="等线" panose="02010600030101010101" pitchFamily="2" charset="-122"/>
-              <a:cs typeface="Cambria" panose="02040503050406030204" pitchFamily="18" charset="0"/>
-            </a:endParaRPr>
+              <a:t>Defining the Purpose and Target Audience</a:t>
+            </a:r>
           </a:p>
         </p:txBody>
       </p:sp>
@@ -23063,9 +23095,28 @@
         </p:spPr>
         <p:txBody>
           <a:bodyPr>
-            <a:normAutofit/>
+            <a:normAutofit lnSpcReduction="10000"/>
           </a:bodyPr>
           <a:lstStyle/>
+          <a:p>
+            <a:pPr>
+              <a:lnSpc>
+                <a:spcPct val="115000"/>
+              </a:lnSpc>
+            </a:pPr>
+            <a:r>
+              <a:rPr lang="en-US" altLang="zh-CN" dirty="0">
+                <a:solidFill>
+                  <a:srgbClr val="000000"/>
+                </a:solidFill>
+                <a:effectLst/>
+                <a:latin typeface="Calibri" panose="020F0502020204030204" pitchFamily="34" charset="0"/>
+                <a:ea typeface="等线" panose="02010600030101010101" pitchFamily="2" charset="-122"/>
+                <a:cs typeface="Cambria" panose="02040503050406030204" pitchFamily="18" charset="0"/>
+              </a:rPr>
+              <a:t>Target Audience:</a:t>
+            </a:r>
+          </a:p>
           <a:p>
             <a:pPr>
               <a:lnSpc>
@@ -24738,34 +24789,6 @@
 </file>
 
 <file path=customXml/item1.xml><?xml version="1.0" encoding="utf-8"?>
-<p:properties xmlns:p="http://schemas.microsoft.com/office/2006/metadata/properties" xmlns:xsi="http://www.w3.org/2001/XMLSchema-instance" xmlns:pc="http://schemas.microsoft.com/office/infopath/2007/PartnerControls">
-  <documentManagement>
-    <Status xmlns="71af3243-3dd4-4a8d-8c0d-dd76da1f02a5">Not started</Status>
-    <_ip_UnifiedCompliancePolicyUIAction xmlns="http://schemas.microsoft.com/sharepoint/v3" xsi:nil="true"/>
-    <Image xmlns="71af3243-3dd4-4a8d-8c0d-dd76da1f02a5">
-      <Url xsi:nil="true"/>
-      <Description xsi:nil="true"/>
-    </Image>
-    <_ip_UnifiedCompliancePolicyProperties xmlns="http://schemas.microsoft.com/sharepoint/v3" xsi:nil="true"/>
-    <lcf76f155ced4ddcb4097134ff3c332f xmlns="71af3243-3dd4-4a8d-8c0d-dd76da1f02a5">
-      <Terms xmlns="http://schemas.microsoft.com/office/infopath/2007/PartnerControls"/>
-    </lcf76f155ced4ddcb4097134ff3c332f>
-    <TaxCatchAll xmlns="230e9df3-be65-4c73-a93b-d1236ebd677e"/>
-    <MediaServiceKeyPoints xmlns="71af3243-3dd4-4a8d-8c0d-dd76da1f02a5" xsi:nil="true"/>
-  </documentManagement>
-</p:properties>
-</file>
-
-<file path=customXml/item2.xml><?xml version="1.0" encoding="utf-8"?>
-<?mso-contentType ?>
-<FormTemplates xmlns="http://schemas.microsoft.com/sharepoint/v3/contenttype/forms">
-  <Display>DocumentLibraryForm</Display>
-  <Edit>DocumentLibraryForm</Edit>
-  <New>DocumentLibraryForm</New>
-</FormTemplates>
-</file>
-
-<file path=customXml/item3.xml><?xml version="1.0" encoding="utf-8"?>
 <ct:contentTypeSchema xmlns:ct="http://schemas.microsoft.com/office/2006/metadata/contentType" xmlns:ma="http://schemas.microsoft.com/office/2006/metadata/properties/metaAttributes" ct:_="" ma:_="" ma:contentTypeName="Document" ma:contentTypeID="0x01010079F111ED35F8CC479449609E8A0923A6" ma:contentTypeVersion="18" ma:contentTypeDescription="Create a new document." ma:contentTypeScope="" ma:versionID="22a266b9fa9a230c5a512669d8b298c3">
   <xsd:schema xmlns:xsd="http://www.w3.org/2001/XMLSchema" xmlns:xs="http://www.w3.org/2001/XMLSchema" xmlns:p="http://schemas.microsoft.com/office/2006/metadata/properties" xmlns:ns1="http://schemas.microsoft.com/sharepoint/v3" xmlns:ns2="71af3243-3dd4-4a8d-8c0d-dd76da1f02a5" xmlns:ns3="16c05727-aa75-4e4a-9b5f-8a80a1165891" xmlns:ns4="230e9df3-be65-4c73-a93b-d1236ebd677e" targetNamespace="http://schemas.microsoft.com/office/2006/metadata/properties" ma:root="true" ma:fieldsID="eddc33fff6b14141ee5c74a0d29ea6a1" ns1:_="" ns2:_="" ns3:_="" ns4:_="">
     <xsd:import namespace="http://schemas.microsoft.com/sharepoint/v3"/>
@@ -25041,27 +25064,35 @@
 </ct:contentTypeSchema>
 </file>
 
-<file path=customXml/itemProps1.xml><?xml version="1.0" encoding="utf-8"?>
-<ds:datastoreItem xmlns:ds="http://schemas.openxmlformats.org/officeDocument/2006/customXml" ds:itemID="{4EAB8BBB-9A18-4050-923B-7FC6E36DA496}">
-  <ds:schemaRefs>
-    <ds:schemaRef ds:uri="http://schemas.microsoft.com/office/2006/metadata/properties"/>
-    <ds:schemaRef ds:uri="http://schemas.microsoft.com/office/infopath/2007/PartnerControls"/>
-    <ds:schemaRef ds:uri="71af3243-3dd4-4a8d-8c0d-dd76da1f02a5"/>
-    <ds:schemaRef ds:uri="http://schemas.microsoft.com/sharepoint/v3"/>
-    <ds:schemaRef ds:uri="230e9df3-be65-4c73-a93b-d1236ebd677e"/>
-  </ds:schemaRefs>
-</ds:datastoreItem>
+<file path=customXml/item2.xml><?xml version="1.0" encoding="utf-8"?>
+<?mso-contentType ?>
+<FormTemplates xmlns="http://schemas.microsoft.com/sharepoint/v3/contenttype/forms">
+  <Display>DocumentLibraryForm</Display>
+  <Edit>DocumentLibraryForm</Edit>
+  <New>DocumentLibraryForm</New>
+</FormTemplates>
 </file>
 
-<file path=customXml/itemProps2.xml><?xml version="1.0" encoding="utf-8"?>
-<ds:datastoreItem xmlns:ds="http://schemas.openxmlformats.org/officeDocument/2006/customXml" ds:itemID="{0B61E4D0-D101-4A17-BA61-F29B2B6CFE74}">
-  <ds:schemaRefs>
-    <ds:schemaRef ds:uri="http://schemas.microsoft.com/sharepoint/v3/contenttype/forms"/>
-  </ds:schemaRefs>
-</ds:datastoreItem>
+<file path=customXml/item3.xml><?xml version="1.0" encoding="utf-8"?>
+<p:properties xmlns:p="http://schemas.microsoft.com/office/2006/metadata/properties" xmlns:xsi="http://www.w3.org/2001/XMLSchema-instance" xmlns:pc="http://schemas.microsoft.com/office/infopath/2007/PartnerControls">
+  <documentManagement>
+    <Status xmlns="71af3243-3dd4-4a8d-8c0d-dd76da1f02a5">Not started</Status>
+    <_ip_UnifiedCompliancePolicyUIAction xmlns="http://schemas.microsoft.com/sharepoint/v3" xsi:nil="true"/>
+    <Image xmlns="71af3243-3dd4-4a8d-8c0d-dd76da1f02a5">
+      <Url xsi:nil="true"/>
+      <Description xsi:nil="true"/>
+    </Image>
+    <_ip_UnifiedCompliancePolicyProperties xmlns="http://schemas.microsoft.com/sharepoint/v3" xsi:nil="true"/>
+    <lcf76f155ced4ddcb4097134ff3c332f xmlns="71af3243-3dd4-4a8d-8c0d-dd76da1f02a5">
+      <Terms xmlns="http://schemas.microsoft.com/office/infopath/2007/PartnerControls"/>
+    </lcf76f155ced4ddcb4097134ff3c332f>
+    <TaxCatchAll xmlns="230e9df3-be65-4c73-a93b-d1236ebd677e"/>
+    <MediaServiceKeyPoints xmlns="71af3243-3dd4-4a8d-8c0d-dd76da1f02a5" xsi:nil="true"/>
+  </documentManagement>
+</p:properties>
 </file>
 
-<file path=customXml/itemProps3.xml><?xml version="1.0" encoding="utf-8"?>
+<file path=customXml/itemProps1.xml><?xml version="1.0" encoding="utf-8"?>
 <ds:datastoreItem xmlns:ds="http://schemas.openxmlformats.org/officeDocument/2006/customXml" ds:itemID="{5BD36D06-4CB7-4DF0-BC60-E9BFBDAC456D}">
   <ds:schemaRefs>
     <ds:schemaRef ds:uri="http://schemas.microsoft.com/office/2006/metadata/contentType"/>
@@ -25082,6 +25113,26 @@
 </ds:datastoreItem>
 </file>
 
+<file path=customXml/itemProps2.xml><?xml version="1.0" encoding="utf-8"?>
+<ds:datastoreItem xmlns:ds="http://schemas.openxmlformats.org/officeDocument/2006/customXml" ds:itemID="{0B61E4D0-D101-4A17-BA61-F29B2B6CFE74}">
+  <ds:schemaRefs>
+    <ds:schemaRef ds:uri="http://schemas.microsoft.com/sharepoint/v3/contenttype/forms"/>
+  </ds:schemaRefs>
+</ds:datastoreItem>
+</file>
+
+<file path=customXml/itemProps3.xml><?xml version="1.0" encoding="utf-8"?>
+<ds:datastoreItem xmlns:ds="http://schemas.openxmlformats.org/officeDocument/2006/customXml" ds:itemID="{4EAB8BBB-9A18-4050-923B-7FC6E36DA496}">
+  <ds:schemaRefs>
+    <ds:schemaRef ds:uri="http://schemas.microsoft.com/office/2006/metadata/properties"/>
+    <ds:schemaRef ds:uri="http://schemas.microsoft.com/office/infopath/2007/PartnerControls"/>
+    <ds:schemaRef ds:uri="71af3243-3dd4-4a8d-8c0d-dd76da1f02a5"/>
+    <ds:schemaRef ds:uri="http://schemas.microsoft.com/sharepoint/v3"/>
+    <ds:schemaRef ds:uri="230e9df3-be65-4c73-a93b-d1236ebd677e"/>
+  </ds:schemaRefs>
+</ds:datastoreItem>
+</file>
+
 <file path=docMetadata/LabelInfo.xml><?xml version="1.0" encoding="utf-8"?>
 <clbl:labelList xmlns:clbl="http://schemas.microsoft.com/office/2020/mipLabelMetadata">
   <clbl:label id="{f42aa342-8706-4288-bd11-ebb85995028c}" enabled="1" method="Standard" siteId="{72f988bf-86f1-41af-91ab-2d7cd011db47}" contentBits="0" removed="0"/>

--- a/docs/Website Design for tourist attraction.pptx
+++ b/docs/Website Design for tourist attraction.pptx
@@ -5,10 +5,10 @@
     <p:sldMasterId id="2147483660" r:id="rId4"/>
   </p:sldMasterIdLst>
   <p:notesMasterIdLst>
-    <p:notesMasterId r:id="rId22"/>
+    <p:notesMasterId r:id="rId23"/>
   </p:notesMasterIdLst>
   <p:handoutMasterIdLst>
-    <p:handoutMasterId r:id="rId23"/>
+    <p:handoutMasterId r:id="rId24"/>
   </p:handoutMasterIdLst>
   <p:sldIdLst>
     <p:sldId id="410" r:id="rId5"/>
@@ -20,14 +20,15 @@
     <p:sldId id="419" r:id="rId11"/>
     <p:sldId id="414" r:id="rId12"/>
     <p:sldId id="423" r:id="rId13"/>
-    <p:sldId id="420" r:id="rId14"/>
-    <p:sldId id="416" r:id="rId15"/>
-    <p:sldId id="418" r:id="rId16"/>
+    <p:sldId id="425" r:id="rId14"/>
+    <p:sldId id="420" r:id="rId15"/>
+    <p:sldId id="416" r:id="rId16"/>
     <p:sldId id="412" r:id="rId17"/>
     <p:sldId id="411" r:id="rId18"/>
-    <p:sldId id="400" r:id="rId19"/>
-    <p:sldId id="372" r:id="rId20"/>
-    <p:sldId id="407" r:id="rId21"/>
+    <p:sldId id="418" r:id="rId19"/>
+    <p:sldId id="400" r:id="rId20"/>
+    <p:sldId id="372" r:id="rId21"/>
+    <p:sldId id="407" r:id="rId22"/>
   </p:sldIdLst>
   <p:sldSz cx="12192000" cy="6858000"/>
   <p:notesSz cx="6858000" cy="9144000"/>
@@ -18431,14 +18432,14 @@
           <a:p>
             <a:pPr rtl="0"/>
             <a:r>
-              <a:rPr lang="en-US" altLang="zh-CN" sz="4100">
+              <a:rPr lang="en-US" altLang="zh-CN" sz="4100" dirty="0">
                 <a:solidFill>
                   <a:srgbClr val="FFFFFF"/>
                 </a:solidFill>
               </a:rPr>
-              <a:t>Website Design for tourist attraction </a:t>
-            </a:r>
-            <a:endParaRPr lang="zh-CN" sz="4100">
+              <a:t>Website Design for Tourist Attraction </a:t>
+            </a:r>
+            <a:endParaRPr lang="zh-CN" sz="4100" dirty="0">
               <a:solidFill>
                 <a:srgbClr val="FFFFFF"/>
               </a:solidFill>
@@ -18477,9 +18478,8 @@
             <a:pPr rtl="0"/>
             <a:r>
               <a:rPr lang="en-US" altLang="zh-CN" dirty="0"/>
-              <a:t>Website Design of John-Abbott College</a:t>
-            </a:r>
-            <a:endParaRPr lang="zh-CN" dirty="0"/>
+              <a:t>Fall 2021, WD, John-Abbott College</a:t>
+            </a:r>
           </a:p>
         </p:txBody>
       </p:sp>
@@ -18518,7 +18518,7 @@
           <p:cNvPr id="2" name="标题 1">
             <a:extLst>
               <a:ext uri="{FF2B5EF4-FFF2-40B4-BE49-F238E27FC236}">
-                <a16:creationId xmlns:a16="http://schemas.microsoft.com/office/drawing/2014/main" id="{00401ED9-04DB-4CDE-9061-CBB220C8211E}"/>
+                <a16:creationId xmlns:a16="http://schemas.microsoft.com/office/drawing/2014/main" id="{A459A0FD-000E-4BE6-AF65-BB86C656DB23}"/>
               </a:ext>
             </a:extLst>
           </p:cNvPr>
@@ -18526,73 +18526,54 @@
             <a:spLocks noGrp="1"/>
           </p:cNvSpPr>
           <p:nvPr>
-            <p:ph type="ctrTitle"/>
+            <p:ph type="title"/>
           </p:nvPr>
         </p:nvSpPr>
         <p:spPr>
           <a:xfrm>
-            <a:off x="914400" y="685798"/>
-            <a:ext cx="4770783" cy="3217461"/>
+            <a:off x="905256" y="448056"/>
+            <a:ext cx="9914859" cy="1329004"/>
           </a:xfrm>
         </p:spPr>
         <p:txBody>
-          <a:bodyPr rtlCol="0" anchor="ctr">
-            <a:normAutofit/>
-          </a:bodyPr>
+          <a:bodyPr rtlCol="0"/>
           <a:lstStyle/>
           <a:p>
-            <a:pPr rtl="0"/>
-            <a:r>
-              <a:rPr lang="en-US" altLang="zh-CN" dirty="0">
+            <a:pPr>
+              <a:lnSpc>
+                <a:spcPct val="115000"/>
+              </a:lnSpc>
+            </a:pPr>
+            <a:r>
+              <a:rPr lang="en-US" altLang="zh-CN" sz="4000" b="1" i="1" dirty="0">
                 <a:solidFill>
-                  <a:srgbClr val="FFFFFF"/>
+                  <a:srgbClr val="000000"/>
                 </a:solidFill>
+                <a:effectLst/>
+                <a:latin typeface="Calibri" panose="020F0502020204030204" pitchFamily="34" charset="0"/>
+                <a:ea typeface="等线" panose="02010600030101010101" pitchFamily="2" charset="-122"/>
+                <a:cs typeface="Cambria" panose="02040503050406030204" pitchFamily="18" charset="0"/>
               </a:rPr>
-              <a:t>Implementation</a:t>
-            </a:r>
-            <a:endParaRPr lang="zh-CN" dirty="0">
+              <a:t>For team updates</a:t>
+            </a:r>
+            <a:endParaRPr lang="zh-CN" altLang="zh-CN" sz="4000" dirty="0">
               <a:solidFill>
-                <a:srgbClr val="FFFFFF"/>
+                <a:srgbClr val="000000"/>
               </a:solidFill>
+              <a:effectLst/>
+              <a:latin typeface="Cambria" panose="02040503050406030204" pitchFamily="18" charset="0"/>
+              <a:ea typeface="等线" panose="02010600030101010101" pitchFamily="2" charset="-122"/>
+              <a:cs typeface="Cambria" panose="02040503050406030204" pitchFamily="18" charset="0"/>
             </a:endParaRPr>
           </a:p>
         </p:txBody>
       </p:sp>
-      <p:pic>
-        <p:nvPicPr>
-          <p:cNvPr id="6" name="图片占位符 5">
-            <a:extLst>
-              <a:ext uri="{FF2B5EF4-FFF2-40B4-BE49-F238E27FC236}">
-                <a16:creationId xmlns:a16="http://schemas.microsoft.com/office/drawing/2014/main" id="{F5199BAF-8671-4A5C-B912-4B2556FF9B38}"/>
-              </a:ext>
-            </a:extLst>
-          </p:cNvPr>
-          <p:cNvPicPr>
-            <a:picLocks noGrp="1" noChangeAspect="1"/>
-          </p:cNvPicPr>
-          <p:nvPr>
-            <p:ph type="pic" sz="quarter" idx="13"/>
-          </p:nvPr>
-        </p:nvPicPr>
-        <p:blipFill>
-          <a:blip r:embed="rId2"/>
-          <a:srcRect l="20247" r="20247"/>
-          <a:stretch/>
-        </p:blipFill>
-        <p:spPr>
-          <a:xfrm>
-            <a:off x="6057901" y="1"/>
-            <a:ext cx="6134099" cy="6857999"/>
-          </a:xfrm>
-          <a:noFill/>
-        </p:spPr>
-      </p:pic>
       <p:sp>
         <p:nvSpPr>
-          <p:cNvPr id="11" name="Subtitle 3">
-            <a:extLst>
-              <a:ext uri="{FF2B5EF4-FFF2-40B4-BE49-F238E27FC236}">
-                <a16:creationId xmlns:a16="http://schemas.microsoft.com/office/drawing/2014/main" id="{630FD190-73CD-4C00-BBBE-244CEE608B06}"/>
+          <p:cNvPr id="8" name="页脚占位符 7">
+            <a:extLst>
+              <a:ext uri="{FF2B5EF4-FFF2-40B4-BE49-F238E27FC236}">
+                <a16:creationId xmlns:a16="http://schemas.microsoft.com/office/drawing/2014/main" id="{7C5D7998-ED26-4436-85BB-287CF3B07AB1}"/>
               </a:ext>
             </a:extLst>
           </p:cNvPr>
@@ -18600,30 +18581,123 @@
             <a:spLocks noGrp="1"/>
           </p:cNvSpPr>
           <p:nvPr>
-            <p:ph type="subTitle" idx="1"/>
+            <p:ph type="ftr" sz="quarter" idx="11"/>
           </p:nvPr>
         </p:nvSpPr>
         <p:spPr>
           <a:xfrm>
-            <a:off x="0" y="4327140"/>
-            <a:ext cx="11576868" cy="2530860"/>
+            <a:off x="914400" y="6437376"/>
+            <a:ext cx="3775914" cy="365125"/>
           </a:xfrm>
         </p:spPr>
         <p:txBody>
-          <a:bodyPr/>
+          <a:bodyPr rtlCol="0"/>
           <a:lstStyle/>
           <a:p>
-            <a:r>
-              <a:rPr lang="en-US" dirty="0"/>
-              <a:t>Aug.29 ~ Aug.31</a:t>
-            </a:r>
+            <a:pPr rtl="0"/>
+            <a:r>
+              <a:rPr lang="en-US" altLang="zh-CN" dirty="0"/>
+              <a:t>Website Design of John-Abbott College</a:t>
+            </a:r>
+            <a:endParaRPr lang="zh-CN" altLang="zh-CN" dirty="0"/>
+          </a:p>
+        </p:txBody>
+      </p:sp>
+      <p:sp>
+        <p:nvSpPr>
+          <p:cNvPr id="7" name="日期占位符 6">
+            <a:extLst>
+              <a:ext uri="{FF2B5EF4-FFF2-40B4-BE49-F238E27FC236}">
+                <a16:creationId xmlns:a16="http://schemas.microsoft.com/office/drawing/2014/main" id="{8BE129AC-705E-40E6-B0FC-ECDDA2A41B2A}"/>
+              </a:ext>
+            </a:extLst>
+          </p:cNvPr>
+          <p:cNvSpPr>
+            <a:spLocks noGrp="1"/>
+          </p:cNvSpPr>
+          <p:nvPr>
+            <p:ph type="dt" sz="half" idx="10"/>
+          </p:nvPr>
+        </p:nvSpPr>
+        <p:spPr>
+          <a:xfrm>
+            <a:off x="9323285" y="6434524"/>
+            <a:ext cx="2067867" cy="365125"/>
+          </a:xfrm>
+        </p:spPr>
+        <p:txBody>
+          <a:bodyPr rtlCol="0"/>
+          <a:lstStyle/>
+          <a:p>
+            <a:pPr rtl="0"/>
+            <a:r>
+              <a:rPr lang="zh-CN" altLang="zh-CN" dirty="0"/>
+              <a:t>20</a:t>
+            </a:r>
+            <a:r>
+              <a:rPr lang="en-US" altLang="zh-CN" dirty="0"/>
+              <a:t>21</a:t>
+            </a:r>
+            <a:r>
+              <a:rPr lang="zh-CN" altLang="zh-CN" dirty="0"/>
+              <a:t>/</a:t>
+            </a:r>
+            <a:r>
+              <a:rPr lang="en-US" altLang="zh-CN" dirty="0"/>
+              <a:t>09</a:t>
+            </a:r>
+            <a:r>
+              <a:rPr lang="zh-CN" altLang="zh-CN" dirty="0"/>
+              <a:t>/</a:t>
+            </a:r>
+            <a:r>
+              <a:rPr lang="en-US" altLang="zh-CN" dirty="0"/>
+              <a:t>01</a:t>
+            </a:r>
+            <a:endParaRPr lang="zh-CN" altLang="zh-CN" dirty="0"/>
+          </a:p>
+        </p:txBody>
+      </p:sp>
+      <p:sp>
+        <p:nvSpPr>
+          <p:cNvPr id="9" name="幻灯片编号占位符 8">
+            <a:extLst>
+              <a:ext uri="{FF2B5EF4-FFF2-40B4-BE49-F238E27FC236}">
+                <a16:creationId xmlns:a16="http://schemas.microsoft.com/office/drawing/2014/main" id="{948698A3-3CB3-4698-8F42-F3D81D37FF44}"/>
+              </a:ext>
+            </a:extLst>
+          </p:cNvPr>
+          <p:cNvSpPr>
+            <a:spLocks noGrp="1"/>
+          </p:cNvSpPr>
+          <p:nvPr>
+            <p:ph type="sldNum" sz="quarter" idx="12"/>
+          </p:nvPr>
+        </p:nvSpPr>
+        <p:spPr>
+          <a:xfrm>
+            <a:off x="11391152" y="6434524"/>
+            <a:ext cx="693261" cy="365125"/>
+          </a:xfrm>
+        </p:spPr>
+        <p:txBody>
+          <a:bodyPr rtlCol="0"/>
+          <a:lstStyle/>
+          <a:p>
+            <a:pPr rtl="0"/>
+            <a:fld id="{08AB70BE-1769-45B8-85A6-0C837432C7E6}" type="slidenum">
+              <a:rPr lang="en-US" altLang="zh-CN" smtClean="0"/>
+              <a:pPr rtl="0"/>
+              <a:t>10</a:t>
+            </a:fld>
+            <a:endParaRPr lang="zh-CN" dirty="0"/>
           </a:p>
         </p:txBody>
       </p:sp>
     </p:spTree>
     <p:extLst>
       <p:ext uri="{BB962C8B-B14F-4D97-AF65-F5344CB8AC3E}">
-        <p14:creationId xmlns:p14="http://schemas.microsoft.com/office/powerpoint/2010/main" val="4020027832"/>
+        <p14:creationId xmlns:p14="http://schemas.microsoft.com/office/powerpoint/2010/main" val="2841899302"/>
       </p:ext>
     </p:extLst>
   </p:cSld>
@@ -18655,7 +18729,7 @@
           <p:cNvPr id="2" name="标题 1">
             <a:extLst>
               <a:ext uri="{FF2B5EF4-FFF2-40B4-BE49-F238E27FC236}">
-                <a16:creationId xmlns:a16="http://schemas.microsoft.com/office/drawing/2014/main" id="{A459A0FD-000E-4BE6-AF65-BB86C656DB23}"/>
+                <a16:creationId xmlns:a16="http://schemas.microsoft.com/office/drawing/2014/main" id="{00401ED9-04DB-4CDE-9061-CBB220C8211E}"/>
               </a:ext>
             </a:extLst>
           </p:cNvPr>
@@ -18663,54 +18737,73 @@
             <a:spLocks noGrp="1"/>
           </p:cNvSpPr>
           <p:nvPr>
-            <p:ph type="title"/>
+            <p:ph type="ctrTitle"/>
           </p:nvPr>
         </p:nvSpPr>
         <p:spPr>
           <a:xfrm>
-            <a:off x="905256" y="448056"/>
-            <a:ext cx="9914859" cy="1329004"/>
+            <a:off x="914400" y="685798"/>
+            <a:ext cx="4770783" cy="3217461"/>
           </a:xfrm>
         </p:spPr>
         <p:txBody>
-          <a:bodyPr rtlCol="0"/>
+          <a:bodyPr rtlCol="0" anchor="ctr">
+            <a:normAutofit/>
+          </a:bodyPr>
           <a:lstStyle/>
           <a:p>
-            <a:pPr>
-              <a:lnSpc>
-                <a:spcPct val="115000"/>
-              </a:lnSpc>
-            </a:pPr>
-            <a:r>
-              <a:rPr lang="en-US" altLang="zh-CN" sz="4000" b="1" i="1" dirty="0">
+            <a:pPr rtl="0"/>
+            <a:r>
+              <a:rPr lang="en-US" altLang="zh-CN" dirty="0">
                 <a:solidFill>
-                  <a:srgbClr val="000000"/>
+                  <a:srgbClr val="FFFFFF"/>
                 </a:solidFill>
-                <a:effectLst/>
-                <a:latin typeface="Calibri" panose="020F0502020204030204" pitchFamily="34" charset="0"/>
-                <a:ea typeface="等线" panose="02010600030101010101" pitchFamily="2" charset="-122"/>
-                <a:cs typeface="Cambria" panose="02040503050406030204" pitchFamily="18" charset="0"/>
               </a:rPr>
-              <a:t>Implementation </a:t>
-            </a:r>
-            <a:endParaRPr lang="zh-CN" altLang="zh-CN" sz="4000" dirty="0">
+              <a:t>Implementation</a:t>
+            </a:r>
+            <a:endParaRPr lang="zh-CN" dirty="0">
               <a:solidFill>
-                <a:srgbClr val="000000"/>
+                <a:srgbClr val="FFFFFF"/>
               </a:solidFill>
-              <a:effectLst/>
-              <a:latin typeface="Cambria" panose="02040503050406030204" pitchFamily="18" charset="0"/>
-              <a:ea typeface="等线" panose="02010600030101010101" pitchFamily="2" charset="-122"/>
-              <a:cs typeface="Cambria" panose="02040503050406030204" pitchFamily="18" charset="0"/>
             </a:endParaRPr>
           </a:p>
         </p:txBody>
       </p:sp>
+      <p:pic>
+        <p:nvPicPr>
+          <p:cNvPr id="6" name="图片占位符 5">
+            <a:extLst>
+              <a:ext uri="{FF2B5EF4-FFF2-40B4-BE49-F238E27FC236}">
+                <a16:creationId xmlns:a16="http://schemas.microsoft.com/office/drawing/2014/main" id="{F5199BAF-8671-4A5C-B912-4B2556FF9B38}"/>
+              </a:ext>
+            </a:extLst>
+          </p:cNvPr>
+          <p:cNvPicPr>
+            <a:picLocks noGrp="1" noChangeAspect="1"/>
+          </p:cNvPicPr>
+          <p:nvPr>
+            <p:ph type="pic" sz="quarter" idx="13"/>
+          </p:nvPr>
+        </p:nvPicPr>
+        <p:blipFill>
+          <a:blip r:embed="rId2"/>
+          <a:srcRect l="20247" r="20247"/>
+          <a:stretch/>
+        </p:blipFill>
+        <p:spPr>
+          <a:xfrm>
+            <a:off x="6057901" y="1"/>
+            <a:ext cx="6134099" cy="6857999"/>
+          </a:xfrm>
+          <a:noFill/>
+        </p:spPr>
+      </p:pic>
       <p:sp>
         <p:nvSpPr>
-          <p:cNvPr id="8" name="页脚占位符 7">
-            <a:extLst>
-              <a:ext uri="{FF2B5EF4-FFF2-40B4-BE49-F238E27FC236}">
-                <a16:creationId xmlns:a16="http://schemas.microsoft.com/office/drawing/2014/main" id="{7C5D7998-ED26-4436-85BB-287CF3B07AB1}"/>
+          <p:cNvPr id="11" name="Subtitle 3">
+            <a:extLst>
+              <a:ext uri="{FF2B5EF4-FFF2-40B4-BE49-F238E27FC236}">
+                <a16:creationId xmlns:a16="http://schemas.microsoft.com/office/drawing/2014/main" id="{630FD190-73CD-4C00-BBBE-244CEE608B06}"/>
               </a:ext>
             </a:extLst>
           </p:cNvPr>
@@ -18718,310 +18811,30 @@
             <a:spLocks noGrp="1"/>
           </p:cNvSpPr>
           <p:nvPr>
-            <p:ph type="ftr" sz="quarter" idx="11"/>
+            <p:ph type="subTitle" idx="1"/>
           </p:nvPr>
         </p:nvSpPr>
         <p:spPr>
           <a:xfrm>
-            <a:off x="914400" y="6437376"/>
-            <a:ext cx="3775914" cy="365125"/>
+            <a:off x="0" y="4327140"/>
+            <a:ext cx="11576868" cy="2530860"/>
           </a:xfrm>
         </p:spPr>
         <p:txBody>
-          <a:bodyPr rtlCol="0"/>
+          <a:bodyPr/>
           <a:lstStyle/>
           <a:p>
-            <a:pPr rtl="0"/>
-            <a:r>
-              <a:rPr lang="en-US" altLang="zh-CN" dirty="0"/>
-              <a:t>Website Design of John-Abbott College</a:t>
-            </a:r>
-            <a:endParaRPr lang="zh-CN" altLang="zh-CN" dirty="0"/>
+            <a:r>
+              <a:rPr lang="en-US" dirty="0"/>
+              <a:t>Aug.29 ~ Aug.31</a:t>
+            </a:r>
           </a:p>
         </p:txBody>
       </p:sp>
-      <p:sp>
-        <p:nvSpPr>
-          <p:cNvPr id="7" name="日期占位符 6">
-            <a:extLst>
-              <a:ext uri="{FF2B5EF4-FFF2-40B4-BE49-F238E27FC236}">
-                <a16:creationId xmlns:a16="http://schemas.microsoft.com/office/drawing/2014/main" id="{8BE129AC-705E-40E6-B0FC-ECDDA2A41B2A}"/>
-              </a:ext>
-            </a:extLst>
-          </p:cNvPr>
-          <p:cNvSpPr>
-            <a:spLocks noGrp="1"/>
-          </p:cNvSpPr>
-          <p:nvPr>
-            <p:ph type="dt" sz="half" idx="10"/>
-          </p:nvPr>
-        </p:nvSpPr>
-        <p:spPr>
-          <a:xfrm>
-            <a:off x="9323285" y="6434524"/>
-            <a:ext cx="2067867" cy="365125"/>
-          </a:xfrm>
-        </p:spPr>
-        <p:txBody>
-          <a:bodyPr rtlCol="0"/>
-          <a:lstStyle/>
-          <a:p>
-            <a:pPr rtl="0"/>
-            <a:r>
-              <a:rPr lang="zh-CN" altLang="zh-CN" dirty="0"/>
-              <a:t>20</a:t>
-            </a:r>
-            <a:r>
-              <a:rPr lang="en-US" altLang="zh-CN" dirty="0"/>
-              <a:t>21</a:t>
-            </a:r>
-            <a:r>
-              <a:rPr lang="zh-CN" altLang="zh-CN" dirty="0"/>
-              <a:t>/</a:t>
-            </a:r>
-            <a:r>
-              <a:rPr lang="en-US" altLang="zh-CN" dirty="0"/>
-              <a:t>09</a:t>
-            </a:r>
-            <a:r>
-              <a:rPr lang="zh-CN" altLang="zh-CN" dirty="0"/>
-              <a:t>/</a:t>
-            </a:r>
-            <a:r>
-              <a:rPr lang="en-US" altLang="zh-CN" dirty="0"/>
-              <a:t>01</a:t>
-            </a:r>
-            <a:endParaRPr lang="zh-CN" altLang="zh-CN" dirty="0"/>
-          </a:p>
-        </p:txBody>
-      </p:sp>
-      <p:sp>
-        <p:nvSpPr>
-          <p:cNvPr id="9" name="幻灯片编号占位符 8">
-            <a:extLst>
-              <a:ext uri="{FF2B5EF4-FFF2-40B4-BE49-F238E27FC236}">
-                <a16:creationId xmlns:a16="http://schemas.microsoft.com/office/drawing/2014/main" id="{948698A3-3CB3-4698-8F42-F3D81D37FF44}"/>
-              </a:ext>
-            </a:extLst>
-          </p:cNvPr>
-          <p:cNvSpPr>
-            <a:spLocks noGrp="1"/>
-          </p:cNvSpPr>
-          <p:nvPr>
-            <p:ph type="sldNum" sz="quarter" idx="12"/>
-          </p:nvPr>
-        </p:nvSpPr>
-        <p:spPr>
-          <a:xfrm>
-            <a:off x="11391152" y="6434524"/>
-            <a:ext cx="693261" cy="365125"/>
-          </a:xfrm>
-        </p:spPr>
-        <p:txBody>
-          <a:bodyPr rtlCol="0"/>
-          <a:lstStyle/>
-          <a:p>
-            <a:pPr rtl="0"/>
-            <a:fld id="{08AB70BE-1769-45B8-85A6-0C837432C7E6}" type="slidenum">
-              <a:rPr lang="en-US" altLang="zh-CN" smtClean="0"/>
-              <a:pPr rtl="0"/>
-              <a:t>11</a:t>
-            </a:fld>
-            <a:endParaRPr lang="zh-CN" dirty="0"/>
-          </a:p>
-        </p:txBody>
-      </p:sp>
-      <p:sp>
-        <p:nvSpPr>
-          <p:cNvPr id="5" name="内容占位符 4">
-            <a:extLst>
-              <a:ext uri="{FF2B5EF4-FFF2-40B4-BE49-F238E27FC236}">
-                <a16:creationId xmlns:a16="http://schemas.microsoft.com/office/drawing/2014/main" id="{8A70D180-62D0-460E-86E9-614B0FF86EBC}"/>
-              </a:ext>
-            </a:extLst>
-          </p:cNvPr>
-          <p:cNvSpPr>
-            <a:spLocks noGrp="1"/>
-          </p:cNvSpPr>
-          <p:nvPr>
-            <p:ph idx="1"/>
-          </p:nvPr>
-        </p:nvSpPr>
-        <p:spPr>
-          <a:xfrm>
-            <a:off x="914400" y="1919673"/>
-            <a:ext cx="4060556" cy="4123318"/>
-          </a:xfrm>
-        </p:spPr>
-        <p:txBody>
-          <a:bodyPr>
-            <a:normAutofit/>
-          </a:bodyPr>
-          <a:lstStyle/>
-          <a:p>
-            <a:pPr>
-              <a:lnSpc>
-                <a:spcPct val="115000"/>
-              </a:lnSpc>
-              <a:spcAft>
-                <a:spcPts val="105"/>
-              </a:spcAft>
-            </a:pPr>
-            <a:r>
-              <a:rPr lang="en-US" altLang="zh-CN" sz="1800" dirty="0">
-                <a:solidFill>
-                  <a:srgbClr val="000000"/>
-                </a:solidFill>
-                <a:effectLst/>
-                <a:latin typeface="Calibri" panose="020F0502020204030204" pitchFamily="34" charset="0"/>
-                <a:ea typeface="等线" panose="02010600030101010101" pitchFamily="2" charset="-122"/>
-                <a:cs typeface="Cambria" panose="02040503050406030204" pitchFamily="18" charset="0"/>
-              </a:rPr>
-              <a:t>Create the web pages using an IDE. </a:t>
-            </a:r>
-            <a:endParaRPr lang="zh-CN" altLang="zh-CN" sz="1800" dirty="0">
-              <a:solidFill>
-                <a:srgbClr val="000000"/>
-              </a:solidFill>
-              <a:effectLst/>
-              <a:latin typeface="Cambria" panose="02040503050406030204" pitchFamily="18" charset="0"/>
-              <a:ea typeface="等线" panose="02010600030101010101" pitchFamily="2" charset="-122"/>
-              <a:cs typeface="Cambria" panose="02040503050406030204" pitchFamily="18" charset="0"/>
-            </a:endParaRPr>
-          </a:p>
-          <a:p>
-            <a:pPr>
-              <a:lnSpc>
-                <a:spcPct val="115000"/>
-              </a:lnSpc>
-              <a:spcAft>
-                <a:spcPts val="105"/>
-              </a:spcAft>
-            </a:pPr>
-            <a:r>
-              <a:rPr lang="en-US" altLang="zh-CN" sz="1800" dirty="0">
-                <a:solidFill>
-                  <a:srgbClr val="000000"/>
-                </a:solidFill>
-                <a:effectLst/>
-                <a:latin typeface="Calibri" panose="020F0502020204030204" pitchFamily="34" charset="0"/>
-                <a:ea typeface="等线" panose="02010600030101010101" pitchFamily="2" charset="-122"/>
-                <a:cs typeface="Cambria" panose="02040503050406030204" pitchFamily="18" charset="0"/>
-              </a:rPr>
-              <a:t>Use MS Visual Studio </a:t>
-            </a:r>
-            <a:endParaRPr lang="zh-CN" altLang="zh-CN" sz="1800" dirty="0">
-              <a:solidFill>
-                <a:srgbClr val="000000"/>
-              </a:solidFill>
-              <a:effectLst/>
-              <a:latin typeface="Cambria" panose="02040503050406030204" pitchFamily="18" charset="0"/>
-              <a:ea typeface="等线" panose="02010600030101010101" pitchFamily="2" charset="-122"/>
-              <a:cs typeface="Cambria" panose="02040503050406030204" pitchFamily="18" charset="0"/>
-            </a:endParaRPr>
-          </a:p>
-          <a:p>
-            <a:pPr>
-              <a:lnSpc>
-                <a:spcPct val="115000"/>
-              </a:lnSpc>
-              <a:spcAft>
-                <a:spcPts val="105"/>
-              </a:spcAft>
-            </a:pPr>
-            <a:r>
-              <a:rPr lang="en-US" altLang="zh-CN" sz="1800" dirty="0">
-                <a:solidFill>
-                  <a:srgbClr val="000000"/>
-                </a:solidFill>
-                <a:effectLst/>
-                <a:latin typeface="Calibri" panose="020F0502020204030204" pitchFamily="34" charset="0"/>
-                <a:ea typeface="等线" panose="02010600030101010101" pitchFamily="2" charset="-122"/>
-                <a:cs typeface="Cambria" panose="02040503050406030204" pitchFamily="18" charset="0"/>
-              </a:rPr>
-              <a:t>Review the website in a browser and review a printed copy of each web page. </a:t>
-            </a:r>
-          </a:p>
-          <a:p>
-            <a:pPr>
-              <a:lnSpc>
-                <a:spcPct val="115000"/>
-              </a:lnSpc>
-              <a:spcAft>
-                <a:spcPts val="105"/>
-              </a:spcAft>
-            </a:pPr>
-            <a:r>
-              <a:rPr lang="en-US" altLang="zh-CN" sz="1800" dirty="0">
-                <a:solidFill>
-                  <a:srgbClr val="000000"/>
-                </a:solidFill>
-                <a:latin typeface="Calibri" panose="020F0502020204030204" pitchFamily="34" charset="0"/>
-                <a:ea typeface="等线" panose="02010600030101010101" pitchFamily="2" charset="-122"/>
-                <a:cs typeface="Cambria" panose="02040503050406030204" pitchFamily="18" charset="0"/>
-              </a:rPr>
-              <a:t>Team work on </a:t>
-            </a:r>
-            <a:r>
-              <a:rPr lang="en-US" altLang="zh-CN" sz="1800" dirty="0" err="1">
-                <a:solidFill>
-                  <a:srgbClr val="000000"/>
-                </a:solidFill>
-                <a:latin typeface="Calibri" panose="020F0502020204030204" pitchFamily="34" charset="0"/>
-                <a:ea typeface="等线" panose="02010600030101010101" pitchFamily="2" charset="-122"/>
-                <a:cs typeface="Cambria" panose="02040503050406030204" pitchFamily="18" charset="0"/>
-              </a:rPr>
-              <a:t>Github</a:t>
-            </a:r>
-            <a:endParaRPr lang="zh-CN" altLang="zh-CN" sz="1800" dirty="0">
-              <a:solidFill>
-                <a:srgbClr val="000000"/>
-              </a:solidFill>
-              <a:effectLst/>
-              <a:latin typeface="Cambria" panose="02040503050406030204" pitchFamily="18" charset="0"/>
-              <a:ea typeface="等线" panose="02010600030101010101" pitchFamily="2" charset="-122"/>
-              <a:cs typeface="Cambria" panose="02040503050406030204" pitchFamily="18" charset="0"/>
-            </a:endParaRPr>
-          </a:p>
-          <a:p>
-            <a:endParaRPr lang="zh-CN" altLang="en-US" dirty="0"/>
-          </a:p>
-        </p:txBody>
-      </p:sp>
-      <p:pic>
-        <p:nvPicPr>
-          <p:cNvPr id="4" name="图片 3">
-            <a:extLst>
-              <a:ext uri="{FF2B5EF4-FFF2-40B4-BE49-F238E27FC236}">
-                <a16:creationId xmlns:a16="http://schemas.microsoft.com/office/drawing/2014/main" id="{870B6495-F893-43D4-81C2-3AE14295C594}"/>
-              </a:ext>
-            </a:extLst>
-          </p:cNvPr>
-          <p:cNvPicPr>
-            <a:picLocks noChangeAspect="1"/>
-          </p:cNvPicPr>
-          <p:nvPr/>
-        </p:nvPicPr>
-        <p:blipFill>
-          <a:blip r:embed="rId2"/>
-          <a:stretch>
-            <a:fillRect/>
-          </a:stretch>
-        </p:blipFill>
-        <p:spPr>
-          <a:xfrm>
-            <a:off x="5141955" y="1532215"/>
-            <a:ext cx="6037221" cy="4647814"/>
-          </a:xfrm>
-          <a:prstGeom prst="rect">
-            <a:avLst/>
-          </a:prstGeom>
-        </p:spPr>
-      </p:pic>
     </p:spTree>
     <p:extLst>
       <p:ext uri="{BB962C8B-B14F-4D97-AF65-F5344CB8AC3E}">
-        <p14:creationId xmlns:p14="http://schemas.microsoft.com/office/powerpoint/2010/main" val="476530012"/>
+        <p14:creationId xmlns:p14="http://schemas.microsoft.com/office/powerpoint/2010/main" val="4020027832"/>
       </p:ext>
     </p:extLst>
   </p:cSld>
@@ -19089,18 +18902,7 @@
                 <a:ea typeface="等线" panose="02010600030101010101" pitchFamily="2" charset="-122"/>
                 <a:cs typeface="Cambria" panose="02040503050406030204" pitchFamily="18" charset="0"/>
               </a:rPr>
-              <a:t>Project </a:t>
-            </a:r>
-            <a:r>
-              <a:rPr lang="en-US" altLang="zh-CN" b="1" i="1" dirty="0">
-                <a:solidFill>
-                  <a:srgbClr val="000000"/>
-                </a:solidFill>
-                <a:latin typeface="Calibri" panose="020F0502020204030204" pitchFamily="34" charset="0"/>
-                <a:ea typeface="等线" panose="02010600030101010101" pitchFamily="2" charset="-122"/>
-                <a:cs typeface="Cambria" panose="02040503050406030204" pitchFamily="18" charset="0"/>
-              </a:rPr>
-              <a:t>Timeline</a:t>
+              <a:t>Implementation </a:t>
             </a:r>
             <a:endParaRPr lang="zh-CN" altLang="zh-CN" sz="4000" dirty="0">
               <a:solidFill>
@@ -19245,7 +19047,7 @@
           <p:cNvPr id="5" name="内容占位符 4">
             <a:extLst>
               <a:ext uri="{FF2B5EF4-FFF2-40B4-BE49-F238E27FC236}">
-                <a16:creationId xmlns:a16="http://schemas.microsoft.com/office/drawing/2014/main" id="{BD70500E-6986-4564-9747-73B90E0C57EB}"/>
+                <a16:creationId xmlns:a16="http://schemas.microsoft.com/office/drawing/2014/main" id="{8A70D180-62D0-460E-86E9-614B0FF86EBC}"/>
               </a:ext>
             </a:extLst>
           </p:cNvPr>
@@ -19259,7 +19061,7 @@
         <p:spPr>
           <a:xfrm>
             <a:off x="914400" y="1919673"/>
-            <a:ext cx="2946400" cy="4123318"/>
+            <a:ext cx="3868494" cy="4123318"/>
           </a:xfrm>
         </p:spPr>
         <p:txBody>
@@ -19284,18 +19086,18 @@
                 <a:effectLst/>
                 <a:latin typeface="Calibri" panose="020F0502020204030204" pitchFamily="34" charset="0"/>
                 <a:ea typeface="等线" panose="02010600030101010101" pitchFamily="2" charset="-122"/>
-                <a:cs typeface="Calibri" panose="020F0502020204030204" pitchFamily="34" charset="0"/>
+                <a:cs typeface="Cambria" panose="02040503050406030204" pitchFamily="18" charset="0"/>
               </a:rPr>
-              <a:t>Team reviews every web page and check if they are running well.</a:t>
+              <a:t>Create the web pages using MS Visual Studio </a:t>
             </a:r>
             <a:endParaRPr lang="zh-CN" altLang="zh-CN" sz="1800" dirty="0">
               <a:solidFill>
                 <a:srgbClr val="000000"/>
               </a:solidFill>
               <a:effectLst/>
-              <a:latin typeface="Calibri" panose="020F0502020204030204" pitchFamily="34" charset="0"/>
+              <a:latin typeface="Cambria" panose="02040503050406030204" pitchFamily="18" charset="0"/>
               <a:ea typeface="等线" panose="02010600030101010101" pitchFamily="2" charset="-122"/>
-              <a:cs typeface="Calibri" panose="020F0502020204030204" pitchFamily="34" charset="0"/>
+              <a:cs typeface="Cambria" panose="02040503050406030204" pitchFamily="18" charset="0"/>
             </a:endParaRPr>
           </a:p>
           <a:p>
@@ -19303,74 +19105,84 @@
               <a:lnSpc>
                 <a:spcPct val="115000"/>
               </a:lnSpc>
+              <a:spcAft>
+                <a:spcPts val="105"/>
+              </a:spcAft>
             </a:pPr>
             <a:r>
               <a:rPr lang="en-US" altLang="zh-CN" sz="1800" dirty="0">
                 <a:solidFill>
                   <a:srgbClr val="000000"/>
                 </a:solidFill>
-                <a:effectLst/>
                 <a:latin typeface="Calibri" panose="020F0502020204030204" pitchFamily="34" charset="0"/>
                 <a:ea typeface="等线" panose="02010600030101010101" pitchFamily="2" charset="-122"/>
-                <a:cs typeface="Calibri" panose="020F0502020204030204" pitchFamily="34" charset="0"/>
+                <a:cs typeface="Cambria" panose="02040503050406030204" pitchFamily="18" charset="0"/>
               </a:rPr>
-              <a:t>Make changes or corrections. Do final change and adjustment.</a:t>
+              <a:t>Team work on </a:t>
+            </a:r>
+            <a:r>
+              <a:rPr lang="en-US" altLang="zh-CN" sz="1800" dirty="0" err="1">
+                <a:solidFill>
+                  <a:srgbClr val="000000"/>
+                </a:solidFill>
+                <a:latin typeface="Calibri" panose="020F0502020204030204" pitchFamily="34" charset="0"/>
+                <a:ea typeface="等线" panose="02010600030101010101" pitchFamily="2" charset="-122"/>
+                <a:cs typeface="Cambria" panose="02040503050406030204" pitchFamily="18" charset="0"/>
+              </a:rPr>
+              <a:t>Github</a:t>
             </a:r>
             <a:endParaRPr lang="zh-CN" altLang="zh-CN" sz="1800" dirty="0">
               <a:solidFill>
                 <a:srgbClr val="000000"/>
               </a:solidFill>
               <a:effectLst/>
-              <a:latin typeface="Calibri" panose="020F0502020204030204" pitchFamily="34" charset="0"/>
+              <a:latin typeface="Cambria" panose="02040503050406030204" pitchFamily="18" charset="0"/>
               <a:ea typeface="等线" panose="02010600030101010101" pitchFamily="2" charset="-122"/>
-              <a:cs typeface="Calibri" panose="020F0502020204030204" pitchFamily="34" charset="0"/>
+              <a:cs typeface="Cambria" panose="02040503050406030204" pitchFamily="18" charset="0"/>
             </a:endParaRPr>
+          </a:p>
+          <a:p>
+            <a:pPr marL="0" indent="0">
+              <a:buNone/>
+            </a:pPr>
+            <a:endParaRPr lang="zh-CN" altLang="en-US" dirty="0"/>
           </a:p>
         </p:txBody>
       </p:sp>
       <p:pic>
         <p:nvPicPr>
-          <p:cNvPr id="10" name="图片 9" descr="Generalized Gantt chart showing the typical phases of a web site design project.">
-            <a:extLst>
-              <a:ext uri="{FF2B5EF4-FFF2-40B4-BE49-F238E27FC236}">
-                <a16:creationId xmlns:a16="http://schemas.microsoft.com/office/drawing/2014/main" id="{F00D082D-EC0E-4FD6-A164-031E8D80F6A7}"/>
-              </a:ext>
-            </a:extLst>
-          </p:cNvPr>
-          <p:cNvPicPr/>
+          <p:cNvPr id="4" name="图片 3">
+            <a:extLst>
+              <a:ext uri="{FF2B5EF4-FFF2-40B4-BE49-F238E27FC236}">
+                <a16:creationId xmlns:a16="http://schemas.microsoft.com/office/drawing/2014/main" id="{870B6495-F893-43D4-81C2-3AE14295C594}"/>
+              </a:ext>
+            </a:extLst>
+          </p:cNvPr>
+          <p:cNvPicPr>
+            <a:picLocks noChangeAspect="1"/>
+          </p:cNvPicPr>
           <p:nvPr/>
         </p:nvPicPr>
         <p:blipFill>
-          <a:blip r:embed="rId2">
-            <a:extLst>
-              <a:ext uri="{28A0092B-C50C-407E-A947-70E740481C1C}">
-                <a14:useLocalDpi xmlns:a14="http://schemas.microsoft.com/office/drawing/2010/main" val="0"/>
-              </a:ext>
-            </a:extLst>
-          </a:blip>
-          <a:srcRect/>
+          <a:blip r:embed="rId2"/>
           <a:stretch>
             <a:fillRect/>
           </a:stretch>
         </p:blipFill>
-        <p:spPr bwMode="auto">
+        <p:spPr>
           <a:xfrm>
-            <a:off x="3860800" y="1994206"/>
-            <a:ext cx="6968460" cy="4123318"/>
+            <a:off x="4782894" y="1532215"/>
+            <a:ext cx="6037221" cy="4647814"/>
           </a:xfrm>
           <a:prstGeom prst="rect">
             <a:avLst/>
           </a:prstGeom>
-          <a:noFill/>
-          <a:ln>
-            <a:noFill/>
-          </a:ln>
         </p:spPr>
       </p:pic>
     </p:spTree>
     <p:extLst>
       <p:ext uri="{BB962C8B-B14F-4D97-AF65-F5344CB8AC3E}">
-        <p14:creationId xmlns:p14="http://schemas.microsoft.com/office/powerpoint/2010/main" val="374858642"/>
+        <p14:creationId xmlns:p14="http://schemas.microsoft.com/office/powerpoint/2010/main" val="476530012"/>
       </p:ext>
     </p:extLst>
   </p:cSld>
@@ -20143,7 +19955,7 @@
           <p:cNvPr id="2" name="标题 1">
             <a:extLst>
               <a:ext uri="{FF2B5EF4-FFF2-40B4-BE49-F238E27FC236}">
-                <a16:creationId xmlns:a16="http://schemas.microsoft.com/office/drawing/2014/main" id="{937EC466-2297-4C1B-8079-A514AB8D335D}"/>
+                <a16:creationId xmlns:a16="http://schemas.microsoft.com/office/drawing/2014/main" id="{A459A0FD-000E-4BE6-AF65-BB86C656DB23}"/>
               </a:ext>
             </a:extLst>
           </p:cNvPr>
@@ -20156,138 +19968,60 @@
         </p:nvSpPr>
         <p:spPr>
           <a:xfrm>
-            <a:off x="914401" y="443553"/>
-            <a:ext cx="9914859" cy="1325880"/>
+            <a:off x="905256" y="448056"/>
+            <a:ext cx="9914859" cy="1329004"/>
           </a:xfrm>
         </p:spPr>
         <p:txBody>
           <a:bodyPr rtlCol="0"/>
           <a:lstStyle/>
           <a:p>
-            <a:pPr rtl="0"/>
-            <a:r>
-              <a:rPr lang="en-US" altLang="zh-CN" dirty="0"/>
-              <a:t>Summary and</a:t>
-            </a:r>
-            <a:r>
-              <a:rPr lang="zh-CN" altLang="en-US" dirty="0"/>
-              <a:t> </a:t>
-            </a:r>
-            <a:r>
-              <a:rPr lang="en-US" altLang="zh-CN" dirty="0"/>
-              <a:t>Reference·</a:t>
-            </a:r>
-            <a:endParaRPr lang="zh-CN" dirty="0"/>
+            <a:pPr>
+              <a:lnSpc>
+                <a:spcPct val="115000"/>
+              </a:lnSpc>
+            </a:pPr>
+            <a:r>
+              <a:rPr lang="en-US" altLang="zh-CN" b="1" i="1" dirty="0">
+                <a:solidFill>
+                  <a:srgbClr val="000000"/>
+                </a:solidFill>
+                <a:latin typeface="Calibri" panose="020F0502020204030204" pitchFamily="34" charset="0"/>
+                <a:ea typeface="等线" panose="02010600030101010101" pitchFamily="2" charset="-122"/>
+                <a:cs typeface="Cambria" panose="02040503050406030204" pitchFamily="18" charset="0"/>
+              </a:rPr>
+              <a:t>F</a:t>
+            </a:r>
+            <a:r>
+              <a:rPr lang="en-US" altLang="zh-CN" sz="4000" b="1" i="1" dirty="0">
+                <a:solidFill>
+                  <a:srgbClr val="000000"/>
+                </a:solidFill>
+                <a:effectLst/>
+                <a:latin typeface="Calibri" panose="020F0502020204030204" pitchFamily="34" charset="0"/>
+                <a:ea typeface="等线" panose="02010600030101010101" pitchFamily="2" charset="-122"/>
+                <a:cs typeface="Cambria" panose="02040503050406030204" pitchFamily="18" charset="0"/>
+              </a:rPr>
+              <a:t>or team updates</a:t>
+            </a:r>
+            <a:endParaRPr lang="zh-CN" altLang="zh-CN" sz="4000" dirty="0">
+              <a:solidFill>
+                <a:srgbClr val="000000"/>
+              </a:solidFill>
+              <a:effectLst/>
+              <a:latin typeface="Cambria" panose="02040503050406030204" pitchFamily="18" charset="0"/>
+              <a:ea typeface="等线" panose="02010600030101010101" pitchFamily="2" charset="-122"/>
+              <a:cs typeface="Cambria" panose="02040503050406030204" pitchFamily="18" charset="0"/>
+            </a:endParaRPr>
           </a:p>
         </p:txBody>
       </p:sp>
       <p:sp>
         <p:nvSpPr>
-          <p:cNvPr id="3" name="内容占位符 2">
-            <a:extLst>
-              <a:ext uri="{FF2B5EF4-FFF2-40B4-BE49-F238E27FC236}">
-                <a16:creationId xmlns:a16="http://schemas.microsoft.com/office/drawing/2014/main" id="{6CC87D86-1B97-419B-878E-C18BA725FF0A}"/>
-              </a:ext>
-            </a:extLst>
-          </p:cNvPr>
-          <p:cNvSpPr>
-            <a:spLocks noGrp="1"/>
-          </p:cNvSpPr>
-          <p:nvPr>
-            <p:ph idx="1"/>
-          </p:nvPr>
-        </p:nvSpPr>
-        <p:spPr>
-          <a:xfrm>
-            <a:off x="914400" y="2709080"/>
-            <a:ext cx="5868537" cy="3467881"/>
-          </a:xfrm>
-        </p:spPr>
-        <p:txBody>
-          <a:bodyPr rtlCol="0"/>
-          <a:lstStyle/>
-          <a:p>
-            <a:pPr rtl="0"/>
-            <a:r>
-              <a:rPr lang="en-US" altLang="zh-CN" dirty="0"/>
-              <a:t>Summary:</a:t>
-            </a:r>
-          </a:p>
-          <a:p>
-            <a:pPr rtl="0"/>
-            <a:r>
-              <a:rPr lang="en-US" altLang="zh-CN" dirty="0"/>
-              <a:t>HTML and CSS</a:t>
-            </a:r>
-          </a:p>
-          <a:p>
-            <a:pPr rtl="0"/>
-            <a:endParaRPr lang="zh-CN" dirty="0"/>
-          </a:p>
-        </p:txBody>
-      </p:sp>
-      <p:pic>
-        <p:nvPicPr>
-          <p:cNvPr id="9" name="图片占位符 8">
-            <a:extLst>
-              <a:ext uri="{FF2B5EF4-FFF2-40B4-BE49-F238E27FC236}">
-                <a16:creationId xmlns:a16="http://schemas.microsoft.com/office/drawing/2014/main" id="{B7D17764-41DE-474B-801F-3A31C13890CC}"/>
-              </a:ext>
-            </a:extLst>
-          </p:cNvPr>
-          <p:cNvPicPr>
-            <a:picLocks noGrp="1" noChangeAspect="1"/>
-          </p:cNvPicPr>
-          <p:nvPr>
-            <p:ph type="pic" sz="quarter" idx="13"/>
-          </p:nvPr>
-        </p:nvPicPr>
-        <p:blipFill>
-          <a:blip r:embed="rId2"/>
-          <a:srcRect l="22644" r="22644"/>
-          <a:stretch/>
-        </p:blipFill>
-        <p:spPr>
-          <a:xfrm>
-            <a:off x="7326184" y="2126134"/>
-            <a:ext cx="2434622" cy="2503056"/>
-          </a:xfrm>
-        </p:spPr>
-      </p:pic>
-      <p:pic>
-        <p:nvPicPr>
-          <p:cNvPr id="11" name="图片占位符 10">
-            <a:extLst>
-              <a:ext uri="{FF2B5EF4-FFF2-40B4-BE49-F238E27FC236}">
-                <a16:creationId xmlns:a16="http://schemas.microsoft.com/office/drawing/2014/main" id="{D47600FE-FF70-4943-A9DC-B1AF91EC0CBC}"/>
-              </a:ext>
-            </a:extLst>
-          </p:cNvPr>
-          <p:cNvPicPr>
-            <a:picLocks noGrp="1" noChangeAspect="1"/>
-          </p:cNvPicPr>
-          <p:nvPr>
-            <p:ph type="pic" sz="quarter" idx="14"/>
-          </p:nvPr>
-        </p:nvPicPr>
-        <p:blipFill>
-          <a:blip r:embed="rId3"/>
-          <a:srcRect t="7664" b="7664"/>
-          <a:stretch/>
-        </p:blipFill>
-        <p:spPr>
-          <a:xfrm>
-            <a:off x="9759092" y="2118839"/>
-            <a:ext cx="2432908" cy="2498880"/>
-          </a:xfrm>
-        </p:spPr>
-      </p:pic>
-      <p:sp>
-        <p:nvSpPr>
-          <p:cNvPr id="17" name="页脚占位符 16">
-            <a:extLst>
-              <a:ext uri="{FF2B5EF4-FFF2-40B4-BE49-F238E27FC236}">
-                <a16:creationId xmlns:a16="http://schemas.microsoft.com/office/drawing/2014/main" id="{7CF31D05-F197-49CC-87BE-4A7FEB81335F}"/>
+          <p:cNvPr id="8" name="页脚占位符 7">
+            <a:extLst>
+              <a:ext uri="{FF2B5EF4-FFF2-40B4-BE49-F238E27FC236}">
+                <a16:creationId xmlns:a16="http://schemas.microsoft.com/office/drawing/2014/main" id="{7C5D7998-ED26-4436-85BB-287CF3B07AB1}"/>
               </a:ext>
             </a:extLst>
           </p:cNvPr>
@@ -20300,8 +20034,8 @@
         </p:nvSpPr>
         <p:spPr>
           <a:xfrm>
-            <a:off x="914400" y="6434560"/>
-            <a:ext cx="3428012" cy="365125"/>
+            <a:off x="914400" y="6437376"/>
+            <a:ext cx="3775914" cy="365125"/>
           </a:xfrm>
         </p:spPr>
         <p:txBody>
@@ -20317,68 +20051,12 @@
           </a:p>
         </p:txBody>
       </p:sp>
-      <p:pic>
-        <p:nvPicPr>
-          <p:cNvPr id="15" name="图片占位符 14">
-            <a:extLst>
-              <a:ext uri="{FF2B5EF4-FFF2-40B4-BE49-F238E27FC236}">
-                <a16:creationId xmlns:a16="http://schemas.microsoft.com/office/drawing/2014/main" id="{0A64F2A4-8811-44F1-825B-9D04590EB45A}"/>
-              </a:ext>
-            </a:extLst>
-          </p:cNvPr>
-          <p:cNvPicPr>
-            <a:picLocks noGrp="1" noChangeAspect="1"/>
-          </p:cNvPicPr>
-          <p:nvPr>
-            <p:ph type="pic" sz="quarter" idx="15"/>
-          </p:nvPr>
-        </p:nvPicPr>
-        <p:blipFill>
-          <a:blip r:embed="rId4"/>
-          <a:srcRect l="22375" r="22375"/>
-          <a:stretch/>
-        </p:blipFill>
-        <p:spPr>
-          <a:xfrm>
-            <a:off x="7324344" y="4503573"/>
-            <a:ext cx="2434622" cy="2354427"/>
-          </a:xfrm>
-        </p:spPr>
-      </p:pic>
-      <p:pic>
-        <p:nvPicPr>
-          <p:cNvPr id="13" name="图片占位符 12">
-            <a:extLst>
-              <a:ext uri="{FF2B5EF4-FFF2-40B4-BE49-F238E27FC236}">
-                <a16:creationId xmlns:a16="http://schemas.microsoft.com/office/drawing/2014/main" id="{38CED09D-01FE-44EB-A655-6EC0819B7094}"/>
-              </a:ext>
-            </a:extLst>
-          </p:cNvPr>
-          <p:cNvPicPr>
-            <a:picLocks noGrp="1" noChangeAspect="1"/>
-          </p:cNvPicPr>
-          <p:nvPr>
-            <p:ph type="pic" sz="quarter" idx="16"/>
-          </p:nvPr>
-        </p:nvPicPr>
-        <p:blipFill>
-          <a:blip r:embed="rId5"/>
-          <a:srcRect t="3598" b="3598"/>
-          <a:stretch/>
-        </p:blipFill>
-        <p:spPr>
-          <a:xfrm>
-            <a:off x="9758966" y="4507560"/>
-            <a:ext cx="2434622" cy="2350439"/>
-          </a:xfrm>
-        </p:spPr>
-      </p:pic>
       <p:sp>
         <p:nvSpPr>
-          <p:cNvPr id="16" name="日期占位符 15">
-            <a:extLst>
-              <a:ext uri="{FF2B5EF4-FFF2-40B4-BE49-F238E27FC236}">
-                <a16:creationId xmlns:a16="http://schemas.microsoft.com/office/drawing/2014/main" id="{6D298BC0-D1EE-4B8A-B546-4C8799240D8F}"/>
+          <p:cNvPr id="7" name="日期占位符 6">
+            <a:extLst>
+              <a:ext uri="{FF2B5EF4-FFF2-40B4-BE49-F238E27FC236}">
+                <a16:creationId xmlns:a16="http://schemas.microsoft.com/office/drawing/2014/main" id="{8BE129AC-705E-40E6-B0FC-ECDDA2A41B2A}"/>
               </a:ext>
             </a:extLst>
           </p:cNvPr>
@@ -20391,8 +20069,8 @@
         </p:nvSpPr>
         <p:spPr>
           <a:xfrm>
-            <a:off x="9017000" y="6433202"/>
-            <a:ext cx="2374150" cy="367841"/>
+            <a:off x="9323285" y="6434524"/>
+            <a:ext cx="2067867" cy="365125"/>
           </a:xfrm>
         </p:spPr>
         <p:txBody>
@@ -20430,10 +20108,10 @@
       </p:sp>
       <p:sp>
         <p:nvSpPr>
-          <p:cNvPr id="18" name="灯片编号占位符 17">
-            <a:extLst>
-              <a:ext uri="{FF2B5EF4-FFF2-40B4-BE49-F238E27FC236}">
-                <a16:creationId xmlns:a16="http://schemas.microsoft.com/office/drawing/2014/main" id="{0CFCA4BA-5731-4BC1-9FF7-23403BFA938A}"/>
+          <p:cNvPr id="9" name="幻灯片编号占位符 8">
+            <a:extLst>
+              <a:ext uri="{FF2B5EF4-FFF2-40B4-BE49-F238E27FC236}">
+                <a16:creationId xmlns:a16="http://schemas.microsoft.com/office/drawing/2014/main" id="{948698A3-3CB3-4698-8F42-F3D81D37FF44}"/>
               </a:ext>
             </a:extLst>
           </p:cNvPr>
@@ -20446,8 +20124,8 @@
         </p:nvSpPr>
         <p:spPr>
           <a:xfrm>
-            <a:off x="11391150" y="6433203"/>
-            <a:ext cx="693263" cy="367842"/>
+            <a:off x="11391152" y="6434524"/>
+            <a:ext cx="693261" cy="365125"/>
           </a:xfrm>
         </p:spPr>
         <p:txBody>
@@ -20467,7 +20145,7 @@
     </p:spTree>
     <p:extLst>
       <p:ext uri="{BB962C8B-B14F-4D97-AF65-F5344CB8AC3E}">
-        <p14:creationId xmlns:p14="http://schemas.microsoft.com/office/powerpoint/2010/main" val="3154595954"/>
+        <p14:creationId xmlns:p14="http://schemas.microsoft.com/office/powerpoint/2010/main" val="374858642"/>
       </p:ext>
     </p:extLst>
   </p:cSld>
@@ -20496,10 +20174,10 @@
       </p:grpSpPr>
       <p:sp>
         <p:nvSpPr>
-          <p:cNvPr id="59" name="标题 58">
-            <a:extLst>
-              <a:ext uri="{FF2B5EF4-FFF2-40B4-BE49-F238E27FC236}">
-                <a16:creationId xmlns:a16="http://schemas.microsoft.com/office/drawing/2014/main" id="{FD483A78-48D6-4682-BE37-B2D0C566DB9D}"/>
+          <p:cNvPr id="2" name="标题 1">
+            <a:extLst>
+              <a:ext uri="{FF2B5EF4-FFF2-40B4-BE49-F238E27FC236}">
+                <a16:creationId xmlns:a16="http://schemas.microsoft.com/office/drawing/2014/main" id="{937EC466-2297-4C1B-8079-A514AB8D335D}"/>
               </a:ext>
             </a:extLst>
           </p:cNvPr>
@@ -20512,8 +20190,8 @@
         </p:nvSpPr>
         <p:spPr>
           <a:xfrm>
-            <a:off x="2743200" y="1"/>
-            <a:ext cx="9432315" cy="2198972"/>
+            <a:off x="914401" y="443553"/>
+            <a:ext cx="9914859" cy="1325880"/>
           </a:xfrm>
         </p:spPr>
         <p:txBody>
@@ -20531,18 +20209,63 @@
             </a:r>
             <a:r>
               <a:rPr lang="en-US" altLang="zh-CN" dirty="0"/>
-              <a:t>Reference</a:t>
-            </a:r>
+              <a:t>Reference·</a:t>
+            </a:r>
+            <a:endParaRPr lang="zh-CN" dirty="0"/>
+          </a:p>
+        </p:txBody>
+      </p:sp>
+      <p:sp>
+        <p:nvSpPr>
+          <p:cNvPr id="3" name="内容占位符 2">
+            <a:extLst>
+              <a:ext uri="{FF2B5EF4-FFF2-40B4-BE49-F238E27FC236}">
+                <a16:creationId xmlns:a16="http://schemas.microsoft.com/office/drawing/2014/main" id="{6CC87D86-1B97-419B-878E-C18BA725FF0A}"/>
+              </a:ext>
+            </a:extLst>
+          </p:cNvPr>
+          <p:cNvSpPr>
+            <a:spLocks noGrp="1"/>
+          </p:cNvSpPr>
+          <p:nvPr>
+            <p:ph idx="1"/>
+          </p:nvPr>
+        </p:nvSpPr>
+        <p:spPr>
+          <a:xfrm>
+            <a:off x="914400" y="2709080"/>
+            <a:ext cx="5868537" cy="3467881"/>
+          </a:xfrm>
+        </p:spPr>
+        <p:txBody>
+          <a:bodyPr rtlCol="0"/>
+          <a:lstStyle/>
+          <a:p>
+            <a:pPr rtl="0"/>
+            <a:r>
+              <a:rPr lang="en-US" altLang="zh-CN" dirty="0"/>
+              <a:t>Summary:</a:t>
+            </a:r>
+          </a:p>
+          <a:p>
+            <a:pPr rtl="0"/>
+            <a:r>
+              <a:rPr lang="en-US" altLang="zh-CN" dirty="0"/>
+              <a:t>HTML and CSS</a:t>
+            </a:r>
+          </a:p>
+          <a:p>
+            <a:pPr rtl="0"/>
             <a:endParaRPr lang="zh-CN" dirty="0"/>
           </a:p>
         </p:txBody>
       </p:sp>
       <p:pic>
         <p:nvPicPr>
-          <p:cNvPr id="8" name="图片占位符 7">
-            <a:extLst>
-              <a:ext uri="{FF2B5EF4-FFF2-40B4-BE49-F238E27FC236}">
-                <a16:creationId xmlns:a16="http://schemas.microsoft.com/office/drawing/2014/main" id="{1424FF41-F655-4118-95E4-CC03D489668A}"/>
+          <p:cNvPr id="9" name="图片占位符 8">
+            <a:extLst>
+              <a:ext uri="{FF2B5EF4-FFF2-40B4-BE49-F238E27FC236}">
+                <a16:creationId xmlns:a16="http://schemas.microsoft.com/office/drawing/2014/main" id="{B7D17764-41DE-474B-801F-3A31C13890CC}"/>
               </a:ext>
             </a:extLst>
           </p:cNvPr>
@@ -20555,22 +20278,22 @@
         </p:nvPicPr>
         <p:blipFill>
           <a:blip r:embed="rId2"/>
-          <a:srcRect l="25079" r="25079"/>
+          <a:srcRect l="22644" r="22644"/>
           <a:stretch/>
         </p:blipFill>
         <p:spPr>
           <a:xfrm>
-            <a:off x="-16483" y="0"/>
-            <a:ext cx="2773332" cy="2202508"/>
+            <a:off x="7326184" y="2126134"/>
+            <a:ext cx="2434622" cy="2503056"/>
           </a:xfrm>
         </p:spPr>
       </p:pic>
       <p:pic>
         <p:nvPicPr>
-          <p:cNvPr id="10" name="图片占位符 9">
-            <a:extLst>
-              <a:ext uri="{FF2B5EF4-FFF2-40B4-BE49-F238E27FC236}">
-                <a16:creationId xmlns:a16="http://schemas.microsoft.com/office/drawing/2014/main" id="{9CB36CBF-780F-44BF-90F7-7C2E32629CB9}"/>
+          <p:cNvPr id="11" name="图片占位符 10">
+            <a:extLst>
+              <a:ext uri="{FF2B5EF4-FFF2-40B4-BE49-F238E27FC236}">
+                <a16:creationId xmlns:a16="http://schemas.microsoft.com/office/drawing/2014/main" id="{D47600FE-FF70-4943-A9DC-B1AF91EC0CBC}"/>
               </a:ext>
             </a:extLst>
           </p:cNvPr>
@@ -20583,22 +20306,57 @@
         </p:nvPicPr>
         <p:blipFill>
           <a:blip r:embed="rId3"/>
-          <a:srcRect t="15404" b="15404"/>
+          <a:srcRect t="7664" b="7664"/>
           <a:stretch/>
         </p:blipFill>
         <p:spPr>
           <a:xfrm>
-            <a:off x="-16484" y="2202508"/>
-            <a:ext cx="2773332" cy="2327746"/>
+            <a:off x="9759092" y="2118839"/>
+            <a:ext cx="2432908" cy="2498880"/>
           </a:xfrm>
         </p:spPr>
       </p:pic>
+      <p:sp>
+        <p:nvSpPr>
+          <p:cNvPr id="17" name="页脚占位符 16">
+            <a:extLst>
+              <a:ext uri="{FF2B5EF4-FFF2-40B4-BE49-F238E27FC236}">
+                <a16:creationId xmlns:a16="http://schemas.microsoft.com/office/drawing/2014/main" id="{7CF31D05-F197-49CC-87BE-4A7FEB81335F}"/>
+              </a:ext>
+            </a:extLst>
+          </p:cNvPr>
+          <p:cNvSpPr>
+            <a:spLocks noGrp="1"/>
+          </p:cNvSpPr>
+          <p:nvPr>
+            <p:ph type="ftr" sz="quarter" idx="11"/>
+          </p:nvPr>
+        </p:nvSpPr>
+        <p:spPr>
+          <a:xfrm>
+            <a:off x="914400" y="6434560"/>
+            <a:ext cx="3428012" cy="365125"/>
+          </a:xfrm>
+        </p:spPr>
+        <p:txBody>
+          <a:bodyPr rtlCol="0"/>
+          <a:lstStyle/>
+          <a:p>
+            <a:pPr rtl="0"/>
+            <a:r>
+              <a:rPr lang="en-US" altLang="zh-CN" dirty="0"/>
+              <a:t>Website Design of John-Abbott College</a:t>
+            </a:r>
+            <a:endParaRPr lang="zh-CN" altLang="zh-CN" dirty="0"/>
+          </a:p>
+        </p:txBody>
+      </p:sp>
       <p:pic>
         <p:nvPicPr>
-          <p:cNvPr id="12" name="图片占位符 11">
-            <a:extLst>
-              <a:ext uri="{FF2B5EF4-FFF2-40B4-BE49-F238E27FC236}">
-                <a16:creationId xmlns:a16="http://schemas.microsoft.com/office/drawing/2014/main" id="{09C1E283-54F6-4BE3-BD4B-B4C5888D08CC}"/>
+          <p:cNvPr id="15" name="图片占位符 14">
+            <a:extLst>
+              <a:ext uri="{FF2B5EF4-FFF2-40B4-BE49-F238E27FC236}">
+                <a16:creationId xmlns:a16="http://schemas.microsoft.com/office/drawing/2014/main" id="{0A64F2A4-8811-44F1-825B-9D04590EB45A}"/>
               </a:ext>
             </a:extLst>
           </p:cNvPr>
@@ -20611,289 +20369,50 @@
         </p:nvPicPr>
         <p:blipFill>
           <a:blip r:embed="rId4"/>
-          <a:srcRect t="15404" b="15404"/>
+          <a:srcRect l="22375" r="22375"/>
           <a:stretch/>
         </p:blipFill>
         <p:spPr>
           <a:xfrm>
-            <a:off x="-16484" y="4530254"/>
-            <a:ext cx="2773332" cy="2327746"/>
+            <a:off x="7324344" y="4503573"/>
+            <a:ext cx="2434622" cy="2354427"/>
+          </a:xfrm>
+        </p:spPr>
+      </p:pic>
+      <p:pic>
+        <p:nvPicPr>
+          <p:cNvPr id="13" name="图片占位符 12">
+            <a:extLst>
+              <a:ext uri="{FF2B5EF4-FFF2-40B4-BE49-F238E27FC236}">
+                <a16:creationId xmlns:a16="http://schemas.microsoft.com/office/drawing/2014/main" id="{38CED09D-01FE-44EB-A655-6EC0819B7094}"/>
+              </a:ext>
+            </a:extLst>
+          </p:cNvPr>
+          <p:cNvPicPr>
+            <a:picLocks noGrp="1" noChangeAspect="1"/>
+          </p:cNvPicPr>
+          <p:nvPr>
+            <p:ph type="pic" sz="quarter" idx="16"/>
+          </p:nvPr>
+        </p:nvPicPr>
+        <p:blipFill>
+          <a:blip r:embed="rId5"/>
+          <a:srcRect t="3598" b="3598"/>
+          <a:stretch/>
+        </p:blipFill>
+        <p:spPr>
+          <a:xfrm>
+            <a:off x="9758966" y="4507560"/>
+            <a:ext cx="2434622" cy="2350439"/>
           </a:xfrm>
         </p:spPr>
       </p:pic>
       <p:sp>
         <p:nvSpPr>
-          <p:cNvPr id="3" name="内容占位符 2">
-            <a:extLst>
-              <a:ext uri="{FF2B5EF4-FFF2-40B4-BE49-F238E27FC236}">
-                <a16:creationId xmlns:a16="http://schemas.microsoft.com/office/drawing/2014/main" id="{42AFE50A-6F33-40AD-9446-D7F6D1B310CF}"/>
-              </a:ext>
-            </a:extLst>
-          </p:cNvPr>
-          <p:cNvSpPr>
-            <a:spLocks noGrp="1"/>
-          </p:cNvSpPr>
-          <p:nvPr>
-            <p:ph idx="1"/>
-          </p:nvPr>
-        </p:nvSpPr>
-        <p:spPr>
-          <a:xfrm>
-            <a:off x="3352800" y="2794177"/>
-            <a:ext cx="7476460" cy="3382786"/>
-          </a:xfrm>
-        </p:spPr>
-        <p:txBody>
-          <a:bodyPr rtlCol="0"/>
-          <a:lstStyle/>
-          <a:p>
-            <a:pPr>
-              <a:lnSpc>
-                <a:spcPct val="115000"/>
-              </a:lnSpc>
-            </a:pPr>
-            <a:r>
-              <a:rPr lang="en-US" altLang="zh-CN" sz="1800" dirty="0">
-                <a:solidFill>
-                  <a:srgbClr val="000000"/>
-                </a:solidFill>
-                <a:effectLst/>
-                <a:latin typeface="Calibri" panose="020F0502020204030204" pitchFamily="34" charset="0"/>
-                <a:ea typeface="等线" panose="02010600030101010101" pitchFamily="2" charset="-122"/>
-                <a:cs typeface="Cambria" panose="02040503050406030204" pitchFamily="18" charset="0"/>
-              </a:rPr>
-              <a:t>1. </a:t>
-            </a:r>
-            <a:r>
-              <a:rPr lang="en-US" altLang="zh-CN" sz="1600" b="0" i="0" u="none" strike="noStrike" dirty="0">
-                <a:solidFill>
-                  <a:srgbClr val="626675"/>
-                </a:solidFill>
-                <a:effectLst/>
-                <a:latin typeface="Arial" panose="020B0604020202020204" pitchFamily="34" charset="0"/>
-                <a:hlinkClick r:id="rId5"/>
-              </a:rPr>
-              <a:t>jnwl.jinan.gov.cn</a:t>
-            </a:r>
-            <a:endParaRPr lang="en-US" altLang="zh-CN" sz="1600" b="0" i="0" u="none" strike="noStrike" dirty="0">
-              <a:solidFill>
-                <a:srgbClr val="626675"/>
-              </a:solidFill>
-              <a:effectLst/>
-              <a:latin typeface="Arial" panose="020B0604020202020204" pitchFamily="34" charset="0"/>
-            </a:endParaRPr>
-          </a:p>
-          <a:p>
-            <a:pPr>
-              <a:lnSpc>
-                <a:spcPct val="115000"/>
-              </a:lnSpc>
-            </a:pPr>
-            <a:r>
-              <a:rPr lang="en-US" altLang="zh-CN" sz="1800" dirty="0">
-                <a:solidFill>
-                  <a:srgbClr val="000000"/>
-                </a:solidFill>
-                <a:effectLst/>
-                <a:latin typeface="Calibri" panose="020F0502020204030204" pitchFamily="34" charset="0"/>
-                <a:ea typeface="等线" panose="02010600030101010101" pitchFamily="2" charset="-122"/>
-                <a:cs typeface="Cambria" panose="02040503050406030204" pitchFamily="18" charset="0"/>
-              </a:rPr>
-              <a:t>2. </a:t>
-            </a:r>
-            <a:r>
-              <a:rPr lang="en-US" altLang="zh-CN" sz="1800" u="sng" dirty="0">
-                <a:solidFill>
-                  <a:srgbClr val="000000"/>
-                </a:solidFill>
-                <a:effectLst/>
-                <a:latin typeface="Calibri" panose="020F0502020204030204" pitchFamily="34" charset="0"/>
-                <a:ea typeface="等线" panose="02010600030101010101" pitchFamily="2" charset="-122"/>
-                <a:cs typeface="Cambria" panose="02040503050406030204" pitchFamily="18" charset="0"/>
-                <a:hlinkClick r:id="rId6"/>
-              </a:rPr>
-              <a:t>www.xiameng.com</a:t>
-            </a:r>
-            <a:endParaRPr lang="zh-CN" altLang="zh-CN" sz="1800" dirty="0">
-              <a:solidFill>
-                <a:srgbClr val="000000"/>
-              </a:solidFill>
-              <a:effectLst/>
-              <a:latin typeface="Cambria" panose="02040503050406030204" pitchFamily="18" charset="0"/>
-              <a:ea typeface="等线" panose="02010600030101010101" pitchFamily="2" charset="-122"/>
-              <a:cs typeface="Cambria" panose="02040503050406030204" pitchFamily="18" charset="0"/>
-            </a:endParaRPr>
-          </a:p>
-          <a:p>
-            <a:pPr>
-              <a:lnSpc>
-                <a:spcPct val="115000"/>
-              </a:lnSpc>
-            </a:pPr>
-            <a:r>
-              <a:rPr lang="en-US" altLang="zh-CN" sz="1800" dirty="0">
-                <a:solidFill>
-                  <a:srgbClr val="000000"/>
-                </a:solidFill>
-                <a:effectLst/>
-                <a:latin typeface="Calibri" panose="020F0502020204030204" pitchFamily="34" charset="0"/>
-                <a:ea typeface="等线" panose="02010600030101010101" pitchFamily="2" charset="-122"/>
-                <a:cs typeface="Cambria" panose="02040503050406030204" pitchFamily="18" charset="0"/>
-              </a:rPr>
-              <a:t>3. </a:t>
-            </a:r>
-            <a:r>
-              <a:rPr lang="en-US" altLang="zh-CN" sz="1800" dirty="0">
-                <a:solidFill>
-                  <a:srgbClr val="000000"/>
-                </a:solidFill>
-                <a:effectLst/>
-                <a:latin typeface="Calibri" panose="020F0502020204030204" pitchFamily="34" charset="0"/>
-                <a:ea typeface="等线" panose="02010600030101010101" pitchFamily="2" charset="-122"/>
-                <a:cs typeface="Cambria" panose="02040503050406030204" pitchFamily="18" charset="0"/>
-                <a:hlinkClick r:id="rId7"/>
-              </a:rPr>
-              <a:t>http://www.visitxm.com</a:t>
-            </a:r>
-            <a:endParaRPr lang="en-US" altLang="zh-CN" sz="1800" dirty="0">
-              <a:solidFill>
-                <a:srgbClr val="000000"/>
-              </a:solidFill>
-              <a:effectLst/>
-              <a:latin typeface="Calibri" panose="020F0502020204030204" pitchFamily="34" charset="0"/>
-              <a:ea typeface="等线" panose="02010600030101010101" pitchFamily="2" charset="-122"/>
-              <a:cs typeface="Cambria" panose="02040503050406030204" pitchFamily="18" charset="0"/>
-            </a:endParaRPr>
-          </a:p>
-          <a:p>
-            <a:pPr>
-              <a:lnSpc>
-                <a:spcPct val="115000"/>
-              </a:lnSpc>
-            </a:pPr>
-            <a:r>
-              <a:rPr lang="en-US" altLang="zh-CN" sz="1800" dirty="0">
-                <a:solidFill>
-                  <a:srgbClr val="000000"/>
-                </a:solidFill>
-                <a:effectLst/>
-                <a:latin typeface="Calibri" panose="020F0502020204030204" pitchFamily="34" charset="0"/>
-                <a:ea typeface="等线" panose="02010600030101010101" pitchFamily="2" charset="-122"/>
-                <a:cs typeface="Cambria" panose="02040503050406030204" pitchFamily="18" charset="0"/>
-              </a:rPr>
-              <a:t>4. </a:t>
-            </a:r>
-            <a:r>
-              <a:rPr lang="en-US" altLang="zh-CN" sz="1800" dirty="0">
-                <a:solidFill>
-                  <a:srgbClr val="000000"/>
-                </a:solidFill>
-                <a:effectLst/>
-                <a:latin typeface="Calibri" panose="020F0502020204030204" pitchFamily="34" charset="0"/>
-                <a:ea typeface="等线" panose="02010600030101010101" pitchFamily="2" charset="-122"/>
-                <a:cs typeface="Cambria" panose="02040503050406030204" pitchFamily="18" charset="0"/>
-                <a:hlinkClick r:id="rId8"/>
-              </a:rPr>
-              <a:t>www.dunhuangtour.com</a:t>
-            </a:r>
-            <a:endParaRPr lang="en-US" altLang="zh-CN" sz="1800" dirty="0">
-              <a:solidFill>
-                <a:srgbClr val="000000"/>
-              </a:solidFill>
-              <a:effectLst/>
-              <a:latin typeface="Calibri" panose="020F0502020204030204" pitchFamily="34" charset="0"/>
-              <a:ea typeface="等线" panose="02010600030101010101" pitchFamily="2" charset="-122"/>
-              <a:cs typeface="Cambria" panose="02040503050406030204" pitchFamily="18" charset="0"/>
-            </a:endParaRPr>
-          </a:p>
-          <a:p>
-            <a:pPr algn="l"/>
-            <a:r>
-              <a:rPr lang="en-US" altLang="zh-CN" sz="1800" dirty="0">
-                <a:solidFill>
-                  <a:srgbClr val="000000"/>
-                </a:solidFill>
-                <a:latin typeface="Calibri" panose="020F0502020204030204" pitchFamily="34" charset="0"/>
-                <a:ea typeface="等线" panose="02010600030101010101" pitchFamily="2" charset="-122"/>
-                <a:cs typeface="Cambria" panose="02040503050406030204" pitchFamily="18" charset="0"/>
-              </a:rPr>
-              <a:t>5. </a:t>
-            </a:r>
-            <a:r>
-              <a:rPr lang="it-IT" altLang="zh-CN" sz="1600" b="0" i="0" u="none" strike="noStrike" dirty="0">
-                <a:solidFill>
-                  <a:srgbClr val="202124"/>
-                </a:solidFill>
-                <a:effectLst/>
-                <a:latin typeface="arial" panose="020B0604020202020204" pitchFamily="34" charset="0"/>
-                <a:hlinkClick r:id="rId9"/>
-              </a:rPr>
-              <a:t>www.w3schools.com</a:t>
-            </a:r>
-            <a:endParaRPr lang="it-IT" altLang="zh-CN" sz="1600" b="0" i="0" u="none" strike="noStrike" dirty="0">
-              <a:solidFill>
-                <a:srgbClr val="1A0DAB"/>
-              </a:solidFill>
-              <a:effectLst/>
-              <a:latin typeface="arial" panose="020B0604020202020204" pitchFamily="34" charset="0"/>
-              <a:hlinkClick r:id="rId9"/>
-            </a:endParaRPr>
-          </a:p>
-          <a:p>
-            <a:pPr rtl="0"/>
-            <a:endParaRPr lang="zh-CN" dirty="0"/>
-          </a:p>
-        </p:txBody>
-      </p:sp>
-      <p:sp>
-        <p:nvSpPr>
-          <p:cNvPr id="14" name="页脚占位符 13">
-            <a:extLst>
-              <a:ext uri="{FF2B5EF4-FFF2-40B4-BE49-F238E27FC236}">
-                <a16:creationId xmlns:a16="http://schemas.microsoft.com/office/drawing/2014/main" id="{F2598B45-0899-4C64-A088-FE0583534F45}"/>
-              </a:ext>
-            </a:extLst>
-          </p:cNvPr>
-          <p:cNvSpPr>
-            <a:spLocks noGrp="1"/>
-          </p:cNvSpPr>
-          <p:nvPr>
-            <p:ph type="ftr" sz="quarter" idx="11"/>
-          </p:nvPr>
-        </p:nvSpPr>
-        <p:spPr>
-          <a:xfrm>
-            <a:off x="2756848" y="6349239"/>
-            <a:ext cx="3428012" cy="365125"/>
-          </a:xfrm>
-        </p:spPr>
-        <p:txBody>
-          <a:bodyPr rtlCol="0"/>
-          <a:lstStyle/>
-          <a:p>
-            <a:pPr rtl="0"/>
-            <a:r>
-              <a:rPr lang="en-US" altLang="zh-CN" dirty="0">
-                <a:solidFill>
-                  <a:schemeClr val="tx1"/>
-                </a:solidFill>
-              </a:rPr>
-              <a:t>Website Design of John-Abbott College</a:t>
-            </a:r>
-            <a:endParaRPr lang="zh-CN" altLang="zh-CN" dirty="0">
-              <a:solidFill>
-                <a:schemeClr val="tx1"/>
-              </a:solidFill>
-            </a:endParaRPr>
-          </a:p>
-        </p:txBody>
-      </p:sp>
-      <p:sp>
-        <p:nvSpPr>
-          <p:cNvPr id="13" name="日期占位符 12">
-            <a:extLst>
-              <a:ext uri="{FF2B5EF4-FFF2-40B4-BE49-F238E27FC236}">
-                <a16:creationId xmlns:a16="http://schemas.microsoft.com/office/drawing/2014/main" id="{A3967E21-B2F3-45A0-8DC7-5AA3CCC51699}"/>
+          <p:cNvPr id="16" name="日期占位符 15">
+            <a:extLst>
+              <a:ext uri="{FF2B5EF4-FFF2-40B4-BE49-F238E27FC236}">
+                <a16:creationId xmlns:a16="http://schemas.microsoft.com/office/drawing/2014/main" id="{6D298BC0-D1EE-4B8A-B546-4C8799240D8F}"/>
               </a:ext>
             </a:extLst>
           </p:cNvPr>
@@ -20945,10 +20464,10 @@
       </p:sp>
       <p:sp>
         <p:nvSpPr>
-          <p:cNvPr id="15" name="灯片编号占位符 14">
-            <a:extLst>
-              <a:ext uri="{FF2B5EF4-FFF2-40B4-BE49-F238E27FC236}">
-                <a16:creationId xmlns:a16="http://schemas.microsoft.com/office/drawing/2014/main" id="{E87B0019-071E-4C19-9139-35D5377D2C85}"/>
+          <p:cNvPr id="18" name="灯片编号占位符 17">
+            <a:extLst>
+              <a:ext uri="{FF2B5EF4-FFF2-40B4-BE49-F238E27FC236}">
+                <a16:creationId xmlns:a16="http://schemas.microsoft.com/office/drawing/2014/main" id="{0CFCA4BA-5731-4BC1-9FF7-23403BFA938A}"/>
               </a:ext>
             </a:extLst>
           </p:cNvPr>
@@ -20982,7 +20501,7 @@
     </p:spTree>
     <p:extLst>
       <p:ext uri="{BB962C8B-B14F-4D97-AF65-F5344CB8AC3E}">
-        <p14:creationId xmlns:p14="http://schemas.microsoft.com/office/powerpoint/2010/main" val="162092071"/>
+        <p14:creationId xmlns:p14="http://schemas.microsoft.com/office/powerpoint/2010/main" val="3154595954"/>
       </p:ext>
     </p:extLst>
   </p:cSld>
@@ -21011,6 +20530,521 @@
       </p:grpSpPr>
       <p:sp>
         <p:nvSpPr>
+          <p:cNvPr id="59" name="标题 58">
+            <a:extLst>
+              <a:ext uri="{FF2B5EF4-FFF2-40B4-BE49-F238E27FC236}">
+                <a16:creationId xmlns:a16="http://schemas.microsoft.com/office/drawing/2014/main" id="{FD483A78-48D6-4682-BE37-B2D0C566DB9D}"/>
+              </a:ext>
+            </a:extLst>
+          </p:cNvPr>
+          <p:cNvSpPr>
+            <a:spLocks noGrp="1"/>
+          </p:cNvSpPr>
+          <p:nvPr>
+            <p:ph type="title"/>
+          </p:nvPr>
+        </p:nvSpPr>
+        <p:spPr>
+          <a:xfrm>
+            <a:off x="2743200" y="1"/>
+            <a:ext cx="9432315" cy="2198972"/>
+          </a:xfrm>
+        </p:spPr>
+        <p:txBody>
+          <a:bodyPr rtlCol="0"/>
+          <a:lstStyle/>
+          <a:p>
+            <a:pPr rtl="0"/>
+            <a:r>
+              <a:rPr lang="en-US" altLang="zh-CN" dirty="0"/>
+              <a:t>Summary and</a:t>
+            </a:r>
+            <a:r>
+              <a:rPr lang="zh-CN" altLang="en-US" dirty="0"/>
+              <a:t> </a:t>
+            </a:r>
+            <a:r>
+              <a:rPr lang="en-US" altLang="zh-CN" dirty="0"/>
+              <a:t>Reference</a:t>
+            </a:r>
+            <a:endParaRPr lang="zh-CN" dirty="0"/>
+          </a:p>
+        </p:txBody>
+      </p:sp>
+      <p:pic>
+        <p:nvPicPr>
+          <p:cNvPr id="8" name="图片占位符 7">
+            <a:extLst>
+              <a:ext uri="{FF2B5EF4-FFF2-40B4-BE49-F238E27FC236}">
+                <a16:creationId xmlns:a16="http://schemas.microsoft.com/office/drawing/2014/main" id="{1424FF41-F655-4118-95E4-CC03D489668A}"/>
+              </a:ext>
+            </a:extLst>
+          </p:cNvPr>
+          <p:cNvPicPr>
+            <a:picLocks noGrp="1" noChangeAspect="1"/>
+          </p:cNvPicPr>
+          <p:nvPr>
+            <p:ph type="pic" sz="quarter" idx="13"/>
+          </p:nvPr>
+        </p:nvPicPr>
+        <p:blipFill>
+          <a:blip r:embed="rId2"/>
+          <a:srcRect l="25079" r="25079"/>
+          <a:stretch/>
+        </p:blipFill>
+        <p:spPr>
+          <a:xfrm>
+            <a:off x="-16483" y="0"/>
+            <a:ext cx="2773332" cy="2202508"/>
+          </a:xfrm>
+        </p:spPr>
+      </p:pic>
+      <p:pic>
+        <p:nvPicPr>
+          <p:cNvPr id="10" name="图片占位符 9">
+            <a:extLst>
+              <a:ext uri="{FF2B5EF4-FFF2-40B4-BE49-F238E27FC236}">
+                <a16:creationId xmlns:a16="http://schemas.microsoft.com/office/drawing/2014/main" id="{9CB36CBF-780F-44BF-90F7-7C2E32629CB9}"/>
+              </a:ext>
+            </a:extLst>
+          </p:cNvPr>
+          <p:cNvPicPr>
+            <a:picLocks noGrp="1" noChangeAspect="1"/>
+          </p:cNvPicPr>
+          <p:nvPr>
+            <p:ph type="pic" sz="quarter" idx="14"/>
+          </p:nvPr>
+        </p:nvPicPr>
+        <p:blipFill>
+          <a:blip r:embed="rId3"/>
+          <a:srcRect t="15404" b="15404"/>
+          <a:stretch/>
+        </p:blipFill>
+        <p:spPr>
+          <a:xfrm>
+            <a:off x="-16484" y="2202508"/>
+            <a:ext cx="2773332" cy="2327746"/>
+          </a:xfrm>
+        </p:spPr>
+      </p:pic>
+      <p:pic>
+        <p:nvPicPr>
+          <p:cNvPr id="12" name="图片占位符 11">
+            <a:extLst>
+              <a:ext uri="{FF2B5EF4-FFF2-40B4-BE49-F238E27FC236}">
+                <a16:creationId xmlns:a16="http://schemas.microsoft.com/office/drawing/2014/main" id="{09C1E283-54F6-4BE3-BD4B-B4C5888D08CC}"/>
+              </a:ext>
+            </a:extLst>
+          </p:cNvPr>
+          <p:cNvPicPr>
+            <a:picLocks noGrp="1" noChangeAspect="1"/>
+          </p:cNvPicPr>
+          <p:nvPr>
+            <p:ph type="pic" sz="quarter" idx="15"/>
+          </p:nvPr>
+        </p:nvPicPr>
+        <p:blipFill>
+          <a:blip r:embed="rId4"/>
+          <a:srcRect t="15404" b="15404"/>
+          <a:stretch/>
+        </p:blipFill>
+        <p:spPr>
+          <a:xfrm>
+            <a:off x="-16484" y="4530254"/>
+            <a:ext cx="2773332" cy="2327746"/>
+          </a:xfrm>
+        </p:spPr>
+      </p:pic>
+      <p:sp>
+        <p:nvSpPr>
+          <p:cNvPr id="3" name="内容占位符 2">
+            <a:extLst>
+              <a:ext uri="{FF2B5EF4-FFF2-40B4-BE49-F238E27FC236}">
+                <a16:creationId xmlns:a16="http://schemas.microsoft.com/office/drawing/2014/main" id="{42AFE50A-6F33-40AD-9446-D7F6D1B310CF}"/>
+              </a:ext>
+            </a:extLst>
+          </p:cNvPr>
+          <p:cNvSpPr>
+            <a:spLocks noGrp="1"/>
+          </p:cNvSpPr>
+          <p:nvPr>
+            <p:ph idx="1"/>
+          </p:nvPr>
+        </p:nvSpPr>
+        <p:spPr>
+          <a:xfrm>
+            <a:off x="3352800" y="2794177"/>
+            <a:ext cx="7476460" cy="3382786"/>
+          </a:xfrm>
+        </p:spPr>
+        <p:txBody>
+          <a:bodyPr rtlCol="0"/>
+          <a:lstStyle/>
+          <a:p>
+            <a:pPr>
+              <a:lnSpc>
+                <a:spcPct val="115000"/>
+              </a:lnSpc>
+            </a:pPr>
+            <a:r>
+              <a:rPr lang="en-US" altLang="zh-CN" sz="1800" dirty="0">
+                <a:solidFill>
+                  <a:srgbClr val="000000"/>
+                </a:solidFill>
+                <a:effectLst/>
+                <a:latin typeface="Calibri" panose="020F0502020204030204" pitchFamily="34" charset="0"/>
+                <a:ea typeface="等线" panose="02010600030101010101" pitchFamily="2" charset="-122"/>
+                <a:cs typeface="Cambria" panose="02040503050406030204" pitchFamily="18" charset="0"/>
+              </a:rPr>
+              <a:t>1. </a:t>
+            </a:r>
+            <a:r>
+              <a:rPr lang="en-US" altLang="zh-CN" sz="1600" b="0" i="0" u="none" strike="noStrike" dirty="0">
+                <a:solidFill>
+                  <a:srgbClr val="626675"/>
+                </a:solidFill>
+                <a:effectLst/>
+                <a:latin typeface="Arial" panose="020B0604020202020204" pitchFamily="34" charset="0"/>
+                <a:hlinkClick r:id="rId5"/>
+              </a:rPr>
+              <a:t>jnwl.jinan.gov.cn</a:t>
+            </a:r>
+            <a:endParaRPr lang="en-US" altLang="zh-CN" sz="1600" b="0" i="0" u="none" strike="noStrike" dirty="0">
+              <a:solidFill>
+                <a:srgbClr val="626675"/>
+              </a:solidFill>
+              <a:effectLst/>
+              <a:latin typeface="Arial" panose="020B0604020202020204" pitchFamily="34" charset="0"/>
+            </a:endParaRPr>
+          </a:p>
+          <a:p>
+            <a:pPr>
+              <a:lnSpc>
+                <a:spcPct val="115000"/>
+              </a:lnSpc>
+            </a:pPr>
+            <a:r>
+              <a:rPr lang="en-US" altLang="zh-CN" sz="1800" dirty="0">
+                <a:solidFill>
+                  <a:srgbClr val="000000"/>
+                </a:solidFill>
+                <a:effectLst/>
+                <a:latin typeface="Calibri" panose="020F0502020204030204" pitchFamily="34" charset="0"/>
+                <a:ea typeface="等线" panose="02010600030101010101" pitchFamily="2" charset="-122"/>
+                <a:cs typeface="Cambria" panose="02040503050406030204" pitchFamily="18" charset="0"/>
+              </a:rPr>
+              <a:t>2. </a:t>
+            </a:r>
+            <a:r>
+              <a:rPr lang="en-US" altLang="zh-CN" sz="1800" u="sng" dirty="0">
+                <a:solidFill>
+                  <a:srgbClr val="000000"/>
+                </a:solidFill>
+                <a:effectLst/>
+                <a:latin typeface="Calibri" panose="020F0502020204030204" pitchFamily="34" charset="0"/>
+                <a:ea typeface="等线" panose="02010600030101010101" pitchFamily="2" charset="-122"/>
+                <a:cs typeface="Cambria" panose="02040503050406030204" pitchFamily="18" charset="0"/>
+                <a:hlinkClick r:id="rId6"/>
+              </a:rPr>
+              <a:t>www.xiameng.com</a:t>
+            </a:r>
+            <a:endParaRPr lang="zh-CN" altLang="zh-CN" sz="1800" dirty="0">
+              <a:solidFill>
+                <a:srgbClr val="000000"/>
+              </a:solidFill>
+              <a:effectLst/>
+              <a:latin typeface="Cambria" panose="02040503050406030204" pitchFamily="18" charset="0"/>
+              <a:ea typeface="等线" panose="02010600030101010101" pitchFamily="2" charset="-122"/>
+              <a:cs typeface="Cambria" panose="02040503050406030204" pitchFamily="18" charset="0"/>
+            </a:endParaRPr>
+          </a:p>
+          <a:p>
+            <a:pPr>
+              <a:lnSpc>
+                <a:spcPct val="115000"/>
+              </a:lnSpc>
+            </a:pPr>
+            <a:r>
+              <a:rPr lang="en-US" altLang="zh-CN" sz="1800" dirty="0">
+                <a:solidFill>
+                  <a:srgbClr val="000000"/>
+                </a:solidFill>
+                <a:effectLst/>
+                <a:latin typeface="Calibri" panose="020F0502020204030204" pitchFamily="34" charset="0"/>
+                <a:ea typeface="等线" panose="02010600030101010101" pitchFamily="2" charset="-122"/>
+                <a:cs typeface="Cambria" panose="02040503050406030204" pitchFamily="18" charset="0"/>
+              </a:rPr>
+              <a:t>3. </a:t>
+            </a:r>
+            <a:r>
+              <a:rPr lang="en-US" altLang="zh-CN" sz="1800" dirty="0">
+                <a:solidFill>
+                  <a:srgbClr val="000000"/>
+                </a:solidFill>
+                <a:effectLst/>
+                <a:latin typeface="Calibri" panose="020F0502020204030204" pitchFamily="34" charset="0"/>
+                <a:ea typeface="等线" panose="02010600030101010101" pitchFamily="2" charset="-122"/>
+                <a:cs typeface="Cambria" panose="02040503050406030204" pitchFamily="18" charset="0"/>
+                <a:hlinkClick r:id="rId7"/>
+              </a:rPr>
+              <a:t>http://www.visitxm.com</a:t>
+            </a:r>
+            <a:endParaRPr lang="en-US" altLang="zh-CN" sz="1800" dirty="0">
+              <a:solidFill>
+                <a:srgbClr val="000000"/>
+              </a:solidFill>
+              <a:effectLst/>
+              <a:latin typeface="Calibri" panose="020F0502020204030204" pitchFamily="34" charset="0"/>
+              <a:ea typeface="等线" panose="02010600030101010101" pitchFamily="2" charset="-122"/>
+              <a:cs typeface="Cambria" panose="02040503050406030204" pitchFamily="18" charset="0"/>
+            </a:endParaRPr>
+          </a:p>
+          <a:p>
+            <a:pPr>
+              <a:lnSpc>
+                <a:spcPct val="115000"/>
+              </a:lnSpc>
+            </a:pPr>
+            <a:r>
+              <a:rPr lang="en-US" altLang="zh-CN" sz="1800" dirty="0">
+                <a:solidFill>
+                  <a:srgbClr val="000000"/>
+                </a:solidFill>
+                <a:effectLst/>
+                <a:latin typeface="Calibri" panose="020F0502020204030204" pitchFamily="34" charset="0"/>
+                <a:ea typeface="等线" panose="02010600030101010101" pitchFamily="2" charset="-122"/>
+                <a:cs typeface="Cambria" panose="02040503050406030204" pitchFamily="18" charset="0"/>
+              </a:rPr>
+              <a:t>4. </a:t>
+            </a:r>
+            <a:r>
+              <a:rPr lang="en-US" altLang="zh-CN" sz="1800" dirty="0">
+                <a:solidFill>
+                  <a:srgbClr val="000000"/>
+                </a:solidFill>
+                <a:effectLst/>
+                <a:latin typeface="Calibri" panose="020F0502020204030204" pitchFamily="34" charset="0"/>
+                <a:ea typeface="等线" panose="02010600030101010101" pitchFamily="2" charset="-122"/>
+                <a:cs typeface="Cambria" panose="02040503050406030204" pitchFamily="18" charset="0"/>
+                <a:hlinkClick r:id="rId8"/>
+              </a:rPr>
+              <a:t>www.dunhuangtour.com</a:t>
+            </a:r>
+            <a:endParaRPr lang="en-US" altLang="zh-CN" sz="1800" dirty="0">
+              <a:solidFill>
+                <a:srgbClr val="000000"/>
+              </a:solidFill>
+              <a:effectLst/>
+              <a:latin typeface="Calibri" panose="020F0502020204030204" pitchFamily="34" charset="0"/>
+              <a:ea typeface="等线" panose="02010600030101010101" pitchFamily="2" charset="-122"/>
+              <a:cs typeface="Cambria" panose="02040503050406030204" pitchFamily="18" charset="0"/>
+            </a:endParaRPr>
+          </a:p>
+          <a:p>
+            <a:pPr algn="l"/>
+            <a:r>
+              <a:rPr lang="en-US" altLang="zh-CN" sz="1800" dirty="0">
+                <a:solidFill>
+                  <a:srgbClr val="000000"/>
+                </a:solidFill>
+                <a:latin typeface="Calibri" panose="020F0502020204030204" pitchFamily="34" charset="0"/>
+                <a:ea typeface="等线" panose="02010600030101010101" pitchFamily="2" charset="-122"/>
+                <a:cs typeface="Cambria" panose="02040503050406030204" pitchFamily="18" charset="0"/>
+              </a:rPr>
+              <a:t>5. </a:t>
+            </a:r>
+            <a:r>
+              <a:rPr lang="it-IT" altLang="zh-CN" sz="1600" b="0" i="0" u="none" strike="noStrike" dirty="0">
+                <a:solidFill>
+                  <a:srgbClr val="202124"/>
+                </a:solidFill>
+                <a:effectLst/>
+                <a:latin typeface="arial" panose="020B0604020202020204" pitchFamily="34" charset="0"/>
+                <a:hlinkClick r:id="rId9"/>
+              </a:rPr>
+              <a:t>www.w3schools.com</a:t>
+            </a:r>
+            <a:endParaRPr lang="it-IT" altLang="zh-CN" sz="1600" b="0" i="0" u="none" strike="noStrike" dirty="0">
+              <a:solidFill>
+                <a:srgbClr val="1A0DAB"/>
+              </a:solidFill>
+              <a:effectLst/>
+              <a:latin typeface="arial" panose="020B0604020202020204" pitchFamily="34" charset="0"/>
+              <a:hlinkClick r:id="rId9"/>
+            </a:endParaRPr>
+          </a:p>
+          <a:p>
+            <a:pPr rtl="0"/>
+            <a:endParaRPr lang="zh-CN" dirty="0"/>
+          </a:p>
+        </p:txBody>
+      </p:sp>
+      <p:sp>
+        <p:nvSpPr>
+          <p:cNvPr id="14" name="页脚占位符 13">
+            <a:extLst>
+              <a:ext uri="{FF2B5EF4-FFF2-40B4-BE49-F238E27FC236}">
+                <a16:creationId xmlns:a16="http://schemas.microsoft.com/office/drawing/2014/main" id="{F2598B45-0899-4C64-A088-FE0583534F45}"/>
+              </a:ext>
+            </a:extLst>
+          </p:cNvPr>
+          <p:cNvSpPr>
+            <a:spLocks noGrp="1"/>
+          </p:cNvSpPr>
+          <p:nvPr>
+            <p:ph type="ftr" sz="quarter" idx="11"/>
+          </p:nvPr>
+        </p:nvSpPr>
+        <p:spPr>
+          <a:xfrm>
+            <a:off x="2756848" y="6349239"/>
+            <a:ext cx="3428012" cy="365125"/>
+          </a:xfrm>
+        </p:spPr>
+        <p:txBody>
+          <a:bodyPr rtlCol="0"/>
+          <a:lstStyle/>
+          <a:p>
+            <a:pPr rtl="0"/>
+            <a:r>
+              <a:rPr lang="en-US" altLang="zh-CN" dirty="0">
+                <a:solidFill>
+                  <a:schemeClr val="tx1"/>
+                </a:solidFill>
+              </a:rPr>
+              <a:t>Website Design of John-Abbott College</a:t>
+            </a:r>
+            <a:endParaRPr lang="zh-CN" altLang="zh-CN" dirty="0">
+              <a:solidFill>
+                <a:schemeClr val="tx1"/>
+              </a:solidFill>
+            </a:endParaRPr>
+          </a:p>
+        </p:txBody>
+      </p:sp>
+      <p:sp>
+        <p:nvSpPr>
+          <p:cNvPr id="13" name="日期占位符 12">
+            <a:extLst>
+              <a:ext uri="{FF2B5EF4-FFF2-40B4-BE49-F238E27FC236}">
+                <a16:creationId xmlns:a16="http://schemas.microsoft.com/office/drawing/2014/main" id="{A3967E21-B2F3-45A0-8DC7-5AA3CCC51699}"/>
+              </a:ext>
+            </a:extLst>
+          </p:cNvPr>
+          <p:cNvSpPr>
+            <a:spLocks noGrp="1"/>
+          </p:cNvSpPr>
+          <p:nvPr>
+            <p:ph type="dt" sz="half" idx="10"/>
+          </p:nvPr>
+        </p:nvSpPr>
+        <p:spPr>
+          <a:xfrm>
+            <a:off x="9017000" y="6433202"/>
+            <a:ext cx="2374150" cy="367841"/>
+          </a:xfrm>
+        </p:spPr>
+        <p:txBody>
+          <a:bodyPr rtlCol="0"/>
+          <a:lstStyle/>
+          <a:p>
+            <a:pPr rtl="0"/>
+            <a:r>
+              <a:rPr lang="zh-CN" altLang="zh-CN" dirty="0"/>
+              <a:t>20</a:t>
+            </a:r>
+            <a:r>
+              <a:rPr lang="en-US" altLang="zh-CN" dirty="0"/>
+              <a:t>21</a:t>
+            </a:r>
+            <a:r>
+              <a:rPr lang="zh-CN" altLang="zh-CN" dirty="0"/>
+              <a:t>/</a:t>
+            </a:r>
+            <a:r>
+              <a:rPr lang="en-US" altLang="zh-CN" dirty="0"/>
+              <a:t>09</a:t>
+            </a:r>
+            <a:r>
+              <a:rPr lang="zh-CN" altLang="zh-CN" dirty="0"/>
+              <a:t>/</a:t>
+            </a:r>
+            <a:r>
+              <a:rPr lang="en-US" altLang="zh-CN" dirty="0"/>
+              <a:t>01</a:t>
+            </a:r>
+            <a:endParaRPr lang="zh-CN" altLang="zh-CN" dirty="0"/>
+          </a:p>
+        </p:txBody>
+      </p:sp>
+      <p:sp>
+        <p:nvSpPr>
+          <p:cNvPr id="15" name="灯片编号占位符 14">
+            <a:extLst>
+              <a:ext uri="{FF2B5EF4-FFF2-40B4-BE49-F238E27FC236}">
+                <a16:creationId xmlns:a16="http://schemas.microsoft.com/office/drawing/2014/main" id="{E87B0019-071E-4C19-9139-35D5377D2C85}"/>
+              </a:ext>
+            </a:extLst>
+          </p:cNvPr>
+          <p:cNvSpPr>
+            <a:spLocks noGrp="1"/>
+          </p:cNvSpPr>
+          <p:nvPr>
+            <p:ph type="sldNum" sz="quarter" idx="12"/>
+          </p:nvPr>
+        </p:nvSpPr>
+        <p:spPr>
+          <a:xfrm>
+            <a:off x="11391150" y="6433203"/>
+            <a:ext cx="693263" cy="367842"/>
+          </a:xfrm>
+        </p:spPr>
+        <p:txBody>
+          <a:bodyPr rtlCol="0"/>
+          <a:lstStyle/>
+          <a:p>
+            <a:pPr rtl="0"/>
+            <a:fld id="{08AB70BE-1769-45B8-85A6-0C837432C7E6}" type="slidenum">
+              <a:rPr lang="en-US" altLang="zh-CN" smtClean="0"/>
+              <a:pPr rtl="0"/>
+              <a:t>17</a:t>
+            </a:fld>
+            <a:endParaRPr lang="zh-CN" dirty="0"/>
+          </a:p>
+        </p:txBody>
+      </p:sp>
+    </p:spTree>
+    <p:extLst>
+      <p:ext uri="{BB962C8B-B14F-4D97-AF65-F5344CB8AC3E}">
+        <p14:creationId xmlns:p14="http://schemas.microsoft.com/office/powerpoint/2010/main" val="162092071"/>
+      </p:ext>
+    </p:extLst>
+  </p:cSld>
+  <p:clrMapOvr>
+    <a:masterClrMapping/>
+  </p:clrMapOvr>
+</p:sld>
+</file>
+
+<file path=ppt/slides/slide18.xml><?xml version="1.0" encoding="utf-8"?>
+<p:sld xmlns:a="http://schemas.openxmlformats.org/drawingml/2006/main" xmlns:r="http://schemas.openxmlformats.org/officeDocument/2006/relationships" xmlns:p="http://schemas.openxmlformats.org/presentationml/2006/main">
+  <p:cSld>
+    <p:spTree>
+      <p:nvGrpSpPr>
+        <p:cNvPr id="1" name=""/>
+        <p:cNvGrpSpPr/>
+        <p:nvPr/>
+      </p:nvGrpSpPr>
+      <p:grpSpPr>
+        <a:xfrm>
+          <a:off x="0" y="0"/>
+          <a:ext cx="0" cy="0"/>
+          <a:chOff x="0" y="0"/>
+          <a:chExt cx="0" cy="0"/>
+        </a:xfrm>
+      </p:grpSpPr>
+      <p:sp>
+        <p:nvSpPr>
           <p:cNvPr id="2" name="标题 1">
             <a:extLst>
               <a:ext uri="{FF2B5EF4-FFF2-40B4-BE49-F238E27FC236}">
@@ -21269,7 +21303,7 @@
                   <a:spcPts val="600"/>
                 </a:spcAft>
               </a:pPr>
-              <a:t>17</a:t>
+              <a:t>18</a:t>
             </a:fld>
             <a:endParaRPr lang="zh-CN"/>
           </a:p>
@@ -22452,18 +22486,9 @@
           <a:p>
             <a:pPr rtl="0"/>
             <a:r>
-              <a:rPr lang="en-US" altLang="zh-CN">
-                <a:solidFill>
-                  <a:srgbClr val="FFFFFF"/>
-                </a:solidFill>
-              </a:rPr>
-              <a:t>Purpose</a:t>
-            </a:r>
-            <a:endParaRPr lang="zh-CN">
-              <a:solidFill>
-                <a:srgbClr val="FFFFFF"/>
-              </a:solidFill>
-            </a:endParaRPr>
+              <a:rPr lang="en-US" altLang="zh-CN" dirty="0"/>
+              <a:t>Defining the Purpose and Target Audience</a:t>
+            </a:r>
           </a:p>
         </p:txBody>
       </p:sp>
@@ -22525,12 +22550,12 @@
           <a:lstStyle/>
           <a:p>
             <a:r>
-              <a:rPr lang="en-US">
+              <a:rPr lang="en-US" dirty="0">
                 <a:solidFill>
                   <a:srgbClr val="FFFFFF"/>
                 </a:solidFill>
               </a:rPr>
-              <a:t>Introduction</a:t>
+              <a:t>Aug.27</a:t>
             </a:r>
           </a:p>
         </p:txBody>
@@ -23567,19 +23592,27 @@
                 <a:ea typeface="等线" panose="02010600030101010101" pitchFamily="2" charset="-122"/>
                 <a:cs typeface="Cambria" panose="02040503050406030204" pitchFamily="18" charset="0"/>
               </a:rPr>
-              <a:t>Define the purpose and target audience. To introduce some famous </a:t>
-            </a:r>
-            <a:r>
-              <a:rPr lang="en-US" altLang="zh-CN" sz="1800" dirty="0">
-                <a:solidFill>
-                  <a:srgbClr val="000000"/>
-                </a:solidFill>
-                <a:latin typeface="Calibri" panose="020F0502020204030204" pitchFamily="34" charset="0"/>
-                <a:ea typeface="等线" panose="02010600030101010101" pitchFamily="2" charset="-122"/>
-                <a:cs typeface="Cambria" panose="02040503050406030204" pitchFamily="18" charset="0"/>
-              </a:rPr>
-              <a:t>attractions</a:t>
-            </a:r>
+              <a:t>Define the structure and page layout.</a:t>
+            </a:r>
+            <a:endParaRPr lang="zh-CN" altLang="zh-CN" sz="1800" dirty="0">
+              <a:solidFill>
+                <a:srgbClr val="000000"/>
+              </a:solidFill>
+              <a:effectLst/>
+              <a:latin typeface="Cambria" panose="02040503050406030204" pitchFamily="18" charset="0"/>
+              <a:ea typeface="等线" panose="02010600030101010101" pitchFamily="2" charset="-122"/>
+              <a:cs typeface="Cambria" panose="02040503050406030204" pitchFamily="18" charset="0"/>
+            </a:endParaRPr>
+          </a:p>
+          <a:p>
+            <a:pPr>
+              <a:lnSpc>
+                <a:spcPct val="115000"/>
+              </a:lnSpc>
+              <a:spcAft>
+                <a:spcPts val="105"/>
+              </a:spcAft>
+            </a:pPr>
             <a:r>
               <a:rPr lang="en-US" altLang="zh-CN" sz="1800" dirty="0">
                 <a:solidFill>
@@ -23590,19 +23623,18 @@
                 <a:ea typeface="等线" panose="02010600030101010101" pitchFamily="2" charset="-122"/>
                 <a:cs typeface="Cambria" panose="02040503050406030204" pitchFamily="18" charset="0"/>
               </a:rPr>
-              <a:t> of four Chinese cit</a:t>
-            </a:r>
-            <a:r>
-              <a:rPr lang="en-US" altLang="zh-CN" sz="1800" dirty="0">
-                <a:solidFill>
-                  <a:srgbClr val="000000"/>
-                </a:solidFill>
-                <a:latin typeface="Calibri" panose="020F0502020204030204" pitchFamily="34" charset="0"/>
-                <a:ea typeface="等线" panose="02010600030101010101" pitchFamily="2" charset="-122"/>
-                <a:cs typeface="Cambria" panose="02040503050406030204" pitchFamily="18" charset="0"/>
-              </a:rPr>
-              <a:t>ies</a:t>
-            </a:r>
+              <a:t>Determine the website contents. </a:t>
+            </a:r>
+          </a:p>
+          <a:p>
+            <a:pPr>
+              <a:lnSpc>
+                <a:spcPct val="115000"/>
+              </a:lnSpc>
+              <a:spcAft>
+                <a:spcPts val="105"/>
+              </a:spcAft>
+            </a:pPr>
             <a:r>
               <a:rPr lang="en-US" altLang="zh-CN" sz="1800" dirty="0">
                 <a:solidFill>
@@ -23613,38 +23645,7 @@
                 <a:ea typeface="等线" panose="02010600030101010101" pitchFamily="2" charset="-122"/>
                 <a:cs typeface="Cambria" panose="02040503050406030204" pitchFamily="18" charset="0"/>
               </a:rPr>
-              <a:t>. And the target is for some people want to travel to China are audience.</a:t>
-            </a:r>
-            <a:endParaRPr lang="zh-CN" altLang="zh-CN" sz="1800" dirty="0">
-              <a:solidFill>
-                <a:srgbClr val="000000"/>
-              </a:solidFill>
-              <a:effectLst/>
-              <a:latin typeface="Cambria" panose="02040503050406030204" pitchFamily="18" charset="0"/>
-              <a:ea typeface="等线" panose="02010600030101010101" pitchFamily="2" charset="-122"/>
-              <a:cs typeface="Cambria" panose="02040503050406030204" pitchFamily="18" charset="0"/>
-            </a:endParaRPr>
-          </a:p>
-          <a:p>
-            <a:pPr>
-              <a:lnSpc>
-                <a:spcPct val="115000"/>
-              </a:lnSpc>
-              <a:spcAft>
-                <a:spcPts val="105"/>
-              </a:spcAft>
-            </a:pPr>
-            <a:r>
-              <a:rPr lang="en-US" altLang="zh-CN" sz="1800" dirty="0">
-                <a:solidFill>
-                  <a:srgbClr val="000000"/>
-                </a:solidFill>
-                <a:effectLst/>
-                <a:latin typeface="Calibri" panose="020F0502020204030204" pitchFamily="34" charset="0"/>
-                <a:ea typeface="等线" panose="02010600030101010101" pitchFamily="2" charset="-122"/>
-                <a:cs typeface="Cambria" panose="02040503050406030204" pitchFamily="18" charset="0"/>
-              </a:rPr>
-              <a:t>Determine the web pages that be on the website by sketching the navigation structure. Review and revise the sketches as needed. </a:t>
+              <a:t>Select from different plans.</a:t>
             </a:r>
             <a:endParaRPr lang="zh-CN" altLang="zh-CN" sz="1800" dirty="0">
               <a:solidFill>
@@ -23718,6 +23719,45 @@
           <a:chExt cx="0" cy="0"/>
         </a:xfrm>
       </p:grpSpPr>
+      <p:pic>
+        <p:nvPicPr>
+          <p:cNvPr id="10" name="图片 9" descr="Generalized Gantt chart showing the typical phases of a web site design project.">
+            <a:extLst>
+              <a:ext uri="{FF2B5EF4-FFF2-40B4-BE49-F238E27FC236}">
+                <a16:creationId xmlns:a16="http://schemas.microsoft.com/office/drawing/2014/main" id="{07EEA999-FCF6-4CE4-94FF-7B346364E841}"/>
+              </a:ext>
+            </a:extLst>
+          </p:cNvPr>
+          <p:cNvPicPr/>
+          <p:nvPr/>
+        </p:nvPicPr>
+        <p:blipFill>
+          <a:blip r:embed="rId2">
+            <a:extLst>
+              <a:ext uri="{28A0092B-C50C-407E-A947-70E740481C1C}">
+                <a14:useLocalDpi xmlns:a14="http://schemas.microsoft.com/office/drawing/2010/main" val="0"/>
+              </a:ext>
+            </a:extLst>
+          </a:blip>
+          <a:srcRect/>
+          <a:stretch>
+            <a:fillRect/>
+          </a:stretch>
+        </p:blipFill>
+        <p:spPr bwMode="auto">
+          <a:xfrm>
+            <a:off x="1543255" y="2702781"/>
+            <a:ext cx="4925611" cy="2979932"/>
+          </a:xfrm>
+          <a:prstGeom prst="rect">
+            <a:avLst/>
+          </a:prstGeom>
+          <a:noFill/>
+          <a:ln>
+            <a:noFill/>
+          </a:ln>
+        </p:spPr>
+      </p:pic>
       <p:sp>
         <p:nvSpPr>
           <p:cNvPr id="2" name="标题 1">
@@ -23918,7 +23958,7 @@
         <p:spPr>
           <a:xfrm>
             <a:off x="914400" y="1919673"/>
-            <a:ext cx="4398757" cy="4123318"/>
+            <a:ext cx="6477000" cy="4123318"/>
           </a:xfrm>
         </p:spPr>
         <p:txBody>
@@ -23940,7 +23980,7 @@
                 <a:ea typeface="等线" panose="02010600030101010101" pitchFamily="2" charset="-122"/>
                 <a:cs typeface="Cambria" panose="02040503050406030204" pitchFamily="18" charset="0"/>
               </a:rPr>
-              <a:t>Begin with a plan, we create a visual mind map, create sample page sketches and wireframes (mockups), generate a timeline, assemble the site, create a marketing plan, and create a storyboard. </a:t>
+              <a:t>Begin with a plan, create a visual mind map, create sample page sketches, and a timeline, assemble the site. </a:t>
             </a:r>
             <a:endParaRPr lang="zh-CN" altLang="zh-CN" sz="1800" dirty="0">
               <a:solidFill>
@@ -23968,16 +24008,45 @@
           </p:cNvPicPr>
           <p:nvPr/>
         </p:nvPicPr>
+        <p:blipFill rotWithShape="1">
+          <a:blip r:embed="rId3"/>
+          <a:srcRect r="48572"/>
+          <a:stretch/>
+        </p:blipFill>
+        <p:spPr>
+          <a:xfrm>
+            <a:off x="8310610" y="1112558"/>
+            <a:ext cx="3208543" cy="3933825"/>
+          </a:xfrm>
+          <a:prstGeom prst="rect">
+            <a:avLst/>
+          </a:prstGeom>
+        </p:spPr>
+      </p:pic>
+      <p:pic>
+        <p:nvPicPr>
+          <p:cNvPr id="6" name="图片 5" descr="图示&#10;&#10;描述已自动生成">
+            <a:extLst>
+              <a:ext uri="{FF2B5EF4-FFF2-40B4-BE49-F238E27FC236}">
+                <a16:creationId xmlns:a16="http://schemas.microsoft.com/office/drawing/2014/main" id="{994D96E3-C1EA-4A3C-BF39-975295392C80}"/>
+              </a:ext>
+            </a:extLst>
+          </p:cNvPr>
+          <p:cNvPicPr>
+            <a:picLocks noChangeAspect="1"/>
+          </p:cNvPicPr>
+          <p:nvPr/>
+        </p:nvPicPr>
         <p:blipFill>
-          <a:blip r:embed="rId2"/>
+          <a:blip r:embed="rId4"/>
           <a:stretch>
             <a:fillRect/>
           </a:stretch>
         </p:blipFill>
         <p:spPr>
           <a:xfrm>
-            <a:off x="5313157" y="1777060"/>
-            <a:ext cx="6238875" cy="3933825"/>
+            <a:off x="4020941" y="3429000"/>
+            <a:ext cx="4895850" cy="3038475"/>
           </a:xfrm>
           <a:prstGeom prst="rect">
             <a:avLst/>

--- a/docs/Website Design for tourist attraction.pptx
+++ b/docs/Website Design for tourist attraction.pptx
@@ -5,10 +5,10 @@
     <p:sldMasterId id="2147483660" r:id="rId4"/>
   </p:sldMasterIdLst>
   <p:notesMasterIdLst>
-    <p:notesMasterId r:id="rId23"/>
+    <p:notesMasterId r:id="rId24"/>
   </p:notesMasterIdLst>
   <p:handoutMasterIdLst>
-    <p:handoutMasterId r:id="rId24"/>
+    <p:handoutMasterId r:id="rId25"/>
   </p:handoutMasterIdLst>
   <p:sldIdLst>
     <p:sldId id="410" r:id="rId5"/>
@@ -21,14 +21,15 @@
     <p:sldId id="414" r:id="rId12"/>
     <p:sldId id="423" r:id="rId13"/>
     <p:sldId id="425" r:id="rId14"/>
-    <p:sldId id="420" r:id="rId15"/>
-    <p:sldId id="416" r:id="rId16"/>
-    <p:sldId id="412" r:id="rId17"/>
-    <p:sldId id="411" r:id="rId18"/>
-    <p:sldId id="418" r:id="rId19"/>
-    <p:sldId id="400" r:id="rId20"/>
-    <p:sldId id="372" r:id="rId21"/>
-    <p:sldId id="407" r:id="rId22"/>
+    <p:sldId id="426" r:id="rId15"/>
+    <p:sldId id="420" r:id="rId16"/>
+    <p:sldId id="416" r:id="rId17"/>
+    <p:sldId id="412" r:id="rId18"/>
+    <p:sldId id="411" r:id="rId19"/>
+    <p:sldId id="418" r:id="rId20"/>
+    <p:sldId id="400" r:id="rId21"/>
+    <p:sldId id="372" r:id="rId22"/>
+    <p:sldId id="407" r:id="rId23"/>
   </p:sldIdLst>
   <p:sldSz cx="12192000" cy="6858000"/>
   <p:notesSz cx="6858000" cy="9144000"/>
@@ -18531,40 +18532,99 @@
         </p:nvSpPr>
         <p:spPr>
           <a:xfrm>
-            <a:off x="905256" y="448056"/>
-            <a:ext cx="9914859" cy="1329004"/>
+            <a:off x="839788" y="448056"/>
+            <a:ext cx="10515600" cy="1325563"/>
           </a:xfrm>
         </p:spPr>
         <p:txBody>
-          <a:bodyPr rtlCol="0"/>
+          <a:bodyPr rtlCol="0" anchor="ctr">
+            <a:normAutofit/>
+          </a:bodyPr>
           <a:lstStyle/>
           <a:p>
-            <a:pPr>
-              <a:lnSpc>
-                <a:spcPct val="115000"/>
-              </a:lnSpc>
-            </a:pPr>
-            <a:r>
-              <a:rPr lang="en-US" altLang="zh-CN" sz="4000" b="1" i="1" dirty="0">
+            <a:r>
+              <a:rPr lang="en-US" altLang="zh-CN" b="1" i="1" dirty="0">
                 <a:solidFill>
                   <a:srgbClr val="000000"/>
                 </a:solidFill>
-                <a:effectLst/>
                 <a:latin typeface="Calibri" panose="020F0502020204030204" pitchFamily="34" charset="0"/>
                 <a:ea typeface="等线" panose="02010600030101010101" pitchFamily="2" charset="-122"/>
-                <a:cs typeface="Cambria" panose="02040503050406030204" pitchFamily="18" charset="0"/>
               </a:rPr>
-              <a:t>For team updates</a:t>
-            </a:r>
-            <a:endParaRPr lang="zh-CN" altLang="zh-CN" sz="4000" dirty="0">
+              <a:t>Draft structures for sub webpages</a:t>
+            </a:r>
+            <a:endParaRPr lang="zh-CN" altLang="zh-CN" b="1" i="1" dirty="0">
               <a:solidFill>
                 <a:srgbClr val="000000"/>
               </a:solidFill>
-              <a:effectLst/>
-              <a:latin typeface="Cambria" panose="02040503050406030204" pitchFamily="18" charset="0"/>
+              <a:latin typeface="Calibri" panose="020F0502020204030204" pitchFamily="34" charset="0"/>
               <a:ea typeface="等线" panose="02010600030101010101" pitchFamily="2" charset="-122"/>
-              <a:cs typeface="Cambria" panose="02040503050406030204" pitchFamily="18" charset="0"/>
             </a:endParaRPr>
+          </a:p>
+        </p:txBody>
+      </p:sp>
+      <p:sp>
+        <p:nvSpPr>
+          <p:cNvPr id="14" name="Text Placeholder 2">
+            <a:extLst>
+              <a:ext uri="{FF2B5EF4-FFF2-40B4-BE49-F238E27FC236}">
+                <a16:creationId xmlns:a16="http://schemas.microsoft.com/office/drawing/2014/main" id="{617520B4-00EC-4EA5-B0CF-9E0892B05D8C}"/>
+              </a:ext>
+            </a:extLst>
+          </p:cNvPr>
+          <p:cNvSpPr>
+            <a:spLocks noGrp="1"/>
+          </p:cNvSpPr>
+          <p:nvPr>
+            <p:ph type="body" idx="1"/>
+          </p:nvPr>
+        </p:nvSpPr>
+        <p:spPr>
+          <a:xfrm>
+            <a:off x="2322730" y="1189723"/>
+            <a:ext cx="5157787" cy="823912"/>
+          </a:xfrm>
+        </p:spPr>
+        <p:txBody>
+          <a:bodyPr/>
+          <a:lstStyle/>
+          <a:p>
+            <a:r>
+              <a:rPr lang="en-US" dirty="0"/>
+              <a:t>Xiamen</a:t>
+            </a:r>
+          </a:p>
+        </p:txBody>
+      </p:sp>
+      <p:sp>
+        <p:nvSpPr>
+          <p:cNvPr id="11" name="Text Placeholder 4">
+            <a:extLst>
+              <a:ext uri="{FF2B5EF4-FFF2-40B4-BE49-F238E27FC236}">
+                <a16:creationId xmlns:a16="http://schemas.microsoft.com/office/drawing/2014/main" id="{AC7D5627-3EE1-4C99-B57C-C286E1BA0F56}"/>
+              </a:ext>
+            </a:extLst>
+          </p:cNvPr>
+          <p:cNvSpPr>
+            <a:spLocks noGrp="1"/>
+          </p:cNvSpPr>
+          <p:nvPr>
+            <p:ph type="body" sz="quarter" idx="3"/>
+          </p:nvPr>
+        </p:nvSpPr>
+        <p:spPr>
+          <a:xfrm>
+            <a:off x="6826359" y="1110837"/>
+            <a:ext cx="5183188" cy="823912"/>
+          </a:xfrm>
+        </p:spPr>
+        <p:txBody>
+          <a:bodyPr/>
+          <a:lstStyle/>
+          <a:p>
+            <a:r>
+              <a:rPr lang="en-US" dirty="0"/>
+              <a:t>Dunhuang</a:t>
+            </a:r>
           </a:p>
         </p:txBody>
       </p:sp>
@@ -18586,20 +18646,26 @@
         </p:nvSpPr>
         <p:spPr>
           <a:xfrm>
-            <a:off x="914400" y="6437376"/>
-            <a:ext cx="3775914" cy="365125"/>
+            <a:off x="914400" y="6434560"/>
+            <a:ext cx="3428012" cy="365125"/>
           </a:xfrm>
         </p:spPr>
         <p:txBody>
-          <a:bodyPr rtlCol="0"/>
+          <a:bodyPr rtlCol="0" anchor="ctr">
+            <a:normAutofit/>
+          </a:bodyPr>
           <a:lstStyle/>
           <a:p>
-            <a:pPr rtl="0"/>
-            <a:r>
-              <a:rPr lang="en-US" altLang="zh-CN" dirty="0"/>
+            <a:pPr rtl="0">
+              <a:spcAft>
+                <a:spcPts val="600"/>
+              </a:spcAft>
+            </a:pPr>
+            <a:r>
+              <a:rPr lang="en-US" altLang="zh-CN"/>
               <a:t>Website Design of John-Abbott College</a:t>
             </a:r>
-            <a:endParaRPr lang="zh-CN" altLang="zh-CN" dirty="0"/>
+            <a:endParaRPr lang="zh-CN" altLang="zh-CN"/>
           </a:p>
         </p:txBody>
       </p:sp>
@@ -18621,40 +18687,46 @@
         </p:nvSpPr>
         <p:spPr>
           <a:xfrm>
-            <a:off x="9323285" y="6434524"/>
-            <a:ext cx="2067867" cy="365125"/>
+            <a:off x="9017000" y="6433202"/>
+            <a:ext cx="2374150" cy="367841"/>
           </a:xfrm>
         </p:spPr>
         <p:txBody>
-          <a:bodyPr rtlCol="0"/>
+          <a:bodyPr rtlCol="0" anchor="ctr">
+            <a:normAutofit/>
+          </a:bodyPr>
           <a:lstStyle/>
           <a:p>
-            <a:pPr rtl="0"/>
-            <a:r>
-              <a:rPr lang="zh-CN" altLang="zh-CN" dirty="0"/>
+            <a:pPr rtl="0">
+              <a:spcAft>
+                <a:spcPts val="600"/>
+              </a:spcAft>
+            </a:pPr>
+            <a:r>
+              <a:rPr lang="zh-CN" altLang="zh-CN"/>
               <a:t>20</a:t>
             </a:r>
             <a:r>
-              <a:rPr lang="en-US" altLang="zh-CN" dirty="0"/>
+              <a:rPr lang="en-US" altLang="zh-CN"/>
               <a:t>21</a:t>
             </a:r>
             <a:r>
-              <a:rPr lang="zh-CN" altLang="zh-CN" dirty="0"/>
+              <a:rPr lang="zh-CN" altLang="zh-CN"/>
               <a:t>/</a:t>
             </a:r>
             <a:r>
-              <a:rPr lang="en-US" altLang="zh-CN" dirty="0"/>
+              <a:rPr lang="en-US" altLang="zh-CN"/>
               <a:t>09</a:t>
             </a:r>
             <a:r>
-              <a:rPr lang="zh-CN" altLang="zh-CN" dirty="0"/>
+              <a:rPr lang="zh-CN" altLang="zh-CN"/>
               <a:t>/</a:t>
             </a:r>
             <a:r>
-              <a:rPr lang="en-US" altLang="zh-CN" dirty="0"/>
+              <a:rPr lang="en-US" altLang="zh-CN"/>
               <a:t>01</a:t>
             </a:r>
-            <a:endParaRPr lang="zh-CN" altLang="zh-CN" dirty="0"/>
+            <a:endParaRPr lang="zh-CN" altLang="zh-CN"/>
           </a:p>
         </p:txBody>
       </p:sp>
@@ -18676,24 +18748,100 @@
         </p:nvSpPr>
         <p:spPr>
           <a:xfrm>
-            <a:off x="11391152" y="6434524"/>
-            <a:ext cx="693261" cy="365125"/>
+            <a:off x="11391150" y="6433203"/>
+            <a:ext cx="693263" cy="367842"/>
           </a:xfrm>
         </p:spPr>
         <p:txBody>
-          <a:bodyPr rtlCol="0"/>
+          <a:bodyPr rtlCol="0" anchor="ctr">
+            <a:normAutofit/>
+          </a:bodyPr>
           <a:lstStyle/>
           <a:p>
-            <a:pPr rtl="0"/>
+            <a:pPr rtl="0">
+              <a:lnSpc>
+                <a:spcPct val="90000"/>
+              </a:lnSpc>
+              <a:spcAft>
+                <a:spcPts val="600"/>
+              </a:spcAft>
+            </a:pPr>
             <a:fld id="{08AB70BE-1769-45B8-85A6-0C837432C7E6}" type="slidenum">
               <a:rPr lang="en-US" altLang="zh-CN" smtClean="0"/>
-              <a:pPr rtl="0"/>
+              <a:pPr rtl="0">
+                <a:lnSpc>
+                  <a:spcPct val="90000"/>
+                </a:lnSpc>
+                <a:spcAft>
+                  <a:spcPts val="600"/>
+                </a:spcAft>
+              </a:pPr>
               <a:t>10</a:t>
             </a:fld>
-            <a:endParaRPr lang="zh-CN" dirty="0"/>
+            <a:endParaRPr lang="zh-CN"/>
           </a:p>
         </p:txBody>
       </p:sp>
+      <p:pic>
+        <p:nvPicPr>
+          <p:cNvPr id="13" name="图片 12">
+            <a:extLst>
+              <a:ext uri="{FF2B5EF4-FFF2-40B4-BE49-F238E27FC236}">
+                <a16:creationId xmlns:a16="http://schemas.microsoft.com/office/drawing/2014/main" id="{FB600A9E-5EC9-40EC-8445-C4D0669203F3}"/>
+              </a:ext>
+            </a:extLst>
+          </p:cNvPr>
+          <p:cNvPicPr>
+            <a:picLocks noChangeAspect="1"/>
+          </p:cNvPicPr>
+          <p:nvPr/>
+        </p:nvPicPr>
+        <p:blipFill>
+          <a:blip r:embed="rId3"/>
+          <a:stretch>
+            <a:fillRect/>
+          </a:stretch>
+        </p:blipFill>
+        <p:spPr>
+          <a:xfrm>
+            <a:off x="1238052" y="1963581"/>
+            <a:ext cx="3798077" cy="4469621"/>
+          </a:xfrm>
+          <a:prstGeom prst="rect">
+            <a:avLst/>
+          </a:prstGeom>
+        </p:spPr>
+      </p:pic>
+      <p:pic>
+        <p:nvPicPr>
+          <p:cNvPr id="18" name="图片 17">
+            <a:extLst>
+              <a:ext uri="{FF2B5EF4-FFF2-40B4-BE49-F238E27FC236}">
+                <a16:creationId xmlns:a16="http://schemas.microsoft.com/office/drawing/2014/main" id="{764520F7-A8B1-4ADA-BABE-83E91D7EA593}"/>
+              </a:ext>
+            </a:extLst>
+          </p:cNvPr>
+          <p:cNvPicPr>
+            <a:picLocks noChangeAspect="1"/>
+          </p:cNvPicPr>
+          <p:nvPr/>
+        </p:nvPicPr>
+        <p:blipFill>
+          <a:blip r:embed="rId4"/>
+          <a:stretch>
+            <a:fillRect/>
+          </a:stretch>
+        </p:blipFill>
+        <p:spPr>
+          <a:xfrm>
+            <a:off x="5967743" y="1938624"/>
+            <a:ext cx="3798077" cy="4546683"/>
+          </a:xfrm>
+          <a:prstGeom prst="rect">
+            <a:avLst/>
+          </a:prstGeom>
+        </p:spPr>
+      </p:pic>
     </p:spTree>
     <p:extLst>
       <p:ext uri="{BB962C8B-B14F-4D97-AF65-F5344CB8AC3E}">
@@ -18729,7 +18877,7 @@
           <p:cNvPr id="2" name="标题 1">
             <a:extLst>
               <a:ext uri="{FF2B5EF4-FFF2-40B4-BE49-F238E27FC236}">
-                <a16:creationId xmlns:a16="http://schemas.microsoft.com/office/drawing/2014/main" id="{00401ED9-04DB-4CDE-9061-CBB220C8211E}"/>
+                <a16:creationId xmlns:a16="http://schemas.microsoft.com/office/drawing/2014/main" id="{A459A0FD-000E-4BE6-AF65-BB86C656DB23}"/>
               </a:ext>
             </a:extLst>
           </p:cNvPr>
@@ -18737,13 +18885,13 @@
             <a:spLocks noGrp="1"/>
           </p:cNvSpPr>
           <p:nvPr>
-            <p:ph type="ctrTitle"/>
+            <p:ph type="title"/>
           </p:nvPr>
         </p:nvSpPr>
         <p:spPr>
           <a:xfrm>
-            <a:off x="914400" y="685798"/>
-            <a:ext cx="4770783" cy="3217461"/>
+            <a:off x="839788" y="448056"/>
+            <a:ext cx="10515600" cy="1325563"/>
           </a:xfrm>
         </p:spPr>
         <p:txBody>
@@ -18752,58 +18900,95 @@
           </a:bodyPr>
           <a:lstStyle/>
           <a:p>
-            <a:pPr rtl="0"/>
-            <a:r>
-              <a:rPr lang="en-US" altLang="zh-CN" dirty="0">
+            <a:r>
+              <a:rPr lang="en-US" altLang="zh-CN" b="1" i="1" dirty="0">
                 <a:solidFill>
-                  <a:srgbClr val="FFFFFF"/>
+                  <a:srgbClr val="000000"/>
                 </a:solidFill>
+                <a:latin typeface="Calibri" panose="020F0502020204030204" pitchFamily="34" charset="0"/>
+                <a:ea typeface="等线" panose="02010600030101010101" pitchFamily="2" charset="-122"/>
               </a:rPr>
-              <a:t>Implementation</a:t>
-            </a:r>
-            <a:endParaRPr lang="zh-CN" dirty="0">
+              <a:t>Draft structures for sub webpages</a:t>
+            </a:r>
+            <a:endParaRPr lang="zh-CN" altLang="zh-CN" b="1" i="1" dirty="0">
               <a:solidFill>
-                <a:srgbClr val="FFFFFF"/>
+                <a:srgbClr val="000000"/>
               </a:solidFill>
+              <a:latin typeface="Calibri" panose="020F0502020204030204" pitchFamily="34" charset="0"/>
+              <a:ea typeface="等线" panose="02010600030101010101" pitchFamily="2" charset="-122"/>
             </a:endParaRPr>
+          </a:p>
+        </p:txBody>
+      </p:sp>
+      <p:sp>
+        <p:nvSpPr>
+          <p:cNvPr id="14" name="Text Placeholder 2">
+            <a:extLst>
+              <a:ext uri="{FF2B5EF4-FFF2-40B4-BE49-F238E27FC236}">
+                <a16:creationId xmlns:a16="http://schemas.microsoft.com/office/drawing/2014/main" id="{617520B4-00EC-4EA5-B0CF-9E0892B05D8C}"/>
+              </a:ext>
+            </a:extLst>
+          </p:cNvPr>
+          <p:cNvSpPr>
+            <a:spLocks noGrp="1"/>
+          </p:cNvSpPr>
+          <p:nvPr>
+            <p:ph type="body" idx="1"/>
+          </p:nvPr>
+        </p:nvSpPr>
+        <p:spPr>
+          <a:xfrm>
+            <a:off x="2227598" y="1344591"/>
+            <a:ext cx="5157787" cy="823912"/>
+          </a:xfrm>
+        </p:spPr>
+        <p:txBody>
+          <a:bodyPr/>
+          <a:lstStyle/>
+          <a:p>
+            <a:r>
+              <a:rPr lang="en-US" dirty="0"/>
+              <a:t>Jinan page</a:t>
+            </a:r>
           </a:p>
         </p:txBody>
       </p:sp>
       <p:pic>
         <p:nvPicPr>
-          <p:cNvPr id="6" name="图片占位符 5">
-            <a:extLst>
-              <a:ext uri="{FF2B5EF4-FFF2-40B4-BE49-F238E27FC236}">
-                <a16:creationId xmlns:a16="http://schemas.microsoft.com/office/drawing/2014/main" id="{F5199BAF-8671-4A5C-B912-4B2556FF9B38}"/>
+          <p:cNvPr id="4" name="图片 3" descr="图片包含 图表&#10;&#10;描述已自动生成">
+            <a:extLst>
+              <a:ext uri="{FF2B5EF4-FFF2-40B4-BE49-F238E27FC236}">
+                <a16:creationId xmlns:a16="http://schemas.microsoft.com/office/drawing/2014/main" id="{5814F559-5378-4196-9BEC-C3729FFE5CBF}"/>
               </a:ext>
             </a:extLst>
           </p:cNvPr>
           <p:cNvPicPr>
-            <a:picLocks noGrp="1" noChangeAspect="1"/>
+            <a:picLocks noChangeAspect="1"/>
           </p:cNvPicPr>
-          <p:nvPr>
-            <p:ph type="pic" sz="quarter" idx="13"/>
-          </p:nvPr>
+          <p:nvPr/>
         </p:nvPicPr>
-        <p:blipFill>
+        <p:blipFill rotWithShape="1">
           <a:blip r:embed="rId2"/>
-          <a:srcRect l="20247" r="20247"/>
+          <a:srcRect t="2174" r="-4" b="772"/>
           <a:stretch/>
         </p:blipFill>
         <p:spPr>
           <a:xfrm>
-            <a:off x="6057901" y="1"/>
-            <a:ext cx="6134099" cy="6857999"/>
+            <a:off x="839789" y="2185575"/>
+            <a:ext cx="4723884" cy="4004087"/>
           </a:xfrm>
+          <a:prstGeom prst="rect">
+            <a:avLst/>
+          </a:prstGeom>
           <a:noFill/>
         </p:spPr>
       </p:pic>
       <p:sp>
         <p:nvSpPr>
-          <p:cNvPr id="11" name="Subtitle 3">
-            <a:extLst>
-              <a:ext uri="{FF2B5EF4-FFF2-40B4-BE49-F238E27FC236}">
-                <a16:creationId xmlns:a16="http://schemas.microsoft.com/office/drawing/2014/main" id="{630FD190-73CD-4C00-BBBE-244CEE608B06}"/>
+          <p:cNvPr id="8" name="页脚占位符 7">
+            <a:extLst>
+              <a:ext uri="{FF2B5EF4-FFF2-40B4-BE49-F238E27FC236}">
+                <a16:creationId xmlns:a16="http://schemas.microsoft.com/office/drawing/2014/main" id="{7C5D7998-ED26-4436-85BB-287CF3B07AB1}"/>
               </a:ext>
             </a:extLst>
           </p:cNvPr>
@@ -18811,22 +18996,387 @@
             <a:spLocks noGrp="1"/>
           </p:cNvSpPr>
           <p:nvPr>
-            <p:ph type="subTitle" idx="1"/>
+            <p:ph type="ftr" sz="quarter" idx="11"/>
           </p:nvPr>
         </p:nvSpPr>
         <p:spPr>
           <a:xfrm>
-            <a:off x="0" y="4327140"/>
-            <a:ext cx="11576868" cy="2530860"/>
+            <a:off x="914400" y="6434560"/>
+            <a:ext cx="3428012" cy="365125"/>
           </a:xfrm>
         </p:spPr>
         <p:txBody>
-          <a:bodyPr/>
+          <a:bodyPr rtlCol="0" anchor="ctr">
+            <a:normAutofit/>
+          </a:bodyPr>
           <a:lstStyle/>
           <a:p>
+            <a:pPr rtl="0">
+              <a:spcAft>
+                <a:spcPts val="600"/>
+              </a:spcAft>
+            </a:pPr>
+            <a:r>
+              <a:rPr lang="en-US" altLang="zh-CN"/>
+              <a:t>Website Design of John-Abbott College</a:t>
+            </a:r>
+            <a:endParaRPr lang="zh-CN" altLang="zh-CN"/>
+          </a:p>
+        </p:txBody>
+      </p:sp>
+      <p:sp>
+        <p:nvSpPr>
+          <p:cNvPr id="7" name="日期占位符 6">
+            <a:extLst>
+              <a:ext uri="{FF2B5EF4-FFF2-40B4-BE49-F238E27FC236}">
+                <a16:creationId xmlns:a16="http://schemas.microsoft.com/office/drawing/2014/main" id="{8BE129AC-705E-40E6-B0FC-ECDDA2A41B2A}"/>
+              </a:ext>
+            </a:extLst>
+          </p:cNvPr>
+          <p:cNvSpPr>
+            <a:spLocks noGrp="1"/>
+          </p:cNvSpPr>
+          <p:nvPr>
+            <p:ph type="dt" sz="half" idx="10"/>
+          </p:nvPr>
+        </p:nvSpPr>
+        <p:spPr>
+          <a:xfrm>
+            <a:off x="9017000" y="6433202"/>
+            <a:ext cx="2374150" cy="367841"/>
+          </a:xfrm>
+        </p:spPr>
+        <p:txBody>
+          <a:bodyPr rtlCol="0" anchor="ctr">
+            <a:normAutofit/>
+          </a:bodyPr>
+          <a:lstStyle/>
+          <a:p>
+            <a:pPr rtl="0">
+              <a:spcAft>
+                <a:spcPts val="600"/>
+              </a:spcAft>
+            </a:pPr>
+            <a:r>
+              <a:rPr lang="zh-CN" altLang="zh-CN"/>
+              <a:t>20</a:t>
+            </a:r>
+            <a:r>
+              <a:rPr lang="en-US" altLang="zh-CN"/>
+              <a:t>21</a:t>
+            </a:r>
+            <a:r>
+              <a:rPr lang="zh-CN" altLang="zh-CN"/>
+              <a:t>/</a:t>
+            </a:r>
+            <a:r>
+              <a:rPr lang="en-US" altLang="zh-CN"/>
+              <a:t>09</a:t>
+            </a:r>
+            <a:r>
+              <a:rPr lang="zh-CN" altLang="zh-CN"/>
+              <a:t>/</a:t>
+            </a:r>
+            <a:r>
+              <a:rPr lang="en-US" altLang="zh-CN"/>
+              <a:t>01</a:t>
+            </a:r>
+            <a:endParaRPr lang="zh-CN" altLang="zh-CN"/>
+          </a:p>
+        </p:txBody>
+      </p:sp>
+      <p:sp>
+        <p:nvSpPr>
+          <p:cNvPr id="9" name="幻灯片编号占位符 8">
+            <a:extLst>
+              <a:ext uri="{FF2B5EF4-FFF2-40B4-BE49-F238E27FC236}">
+                <a16:creationId xmlns:a16="http://schemas.microsoft.com/office/drawing/2014/main" id="{948698A3-3CB3-4698-8F42-F3D81D37FF44}"/>
+              </a:ext>
+            </a:extLst>
+          </p:cNvPr>
+          <p:cNvSpPr>
+            <a:spLocks noGrp="1"/>
+          </p:cNvSpPr>
+          <p:nvPr>
+            <p:ph type="sldNum" sz="quarter" idx="12"/>
+          </p:nvPr>
+        </p:nvSpPr>
+        <p:spPr>
+          <a:xfrm>
+            <a:off x="11391150" y="6433203"/>
+            <a:ext cx="693263" cy="367842"/>
+          </a:xfrm>
+        </p:spPr>
+        <p:txBody>
+          <a:bodyPr rtlCol="0" anchor="ctr">
+            <a:normAutofit/>
+          </a:bodyPr>
+          <a:lstStyle/>
+          <a:p>
+            <a:pPr rtl="0">
+              <a:lnSpc>
+                <a:spcPct val="90000"/>
+              </a:lnSpc>
+              <a:spcAft>
+                <a:spcPts val="600"/>
+              </a:spcAft>
+            </a:pPr>
+            <a:fld id="{08AB70BE-1769-45B8-85A6-0C837432C7E6}" type="slidenum">
+              <a:rPr lang="en-US" altLang="zh-CN" smtClean="0"/>
+              <a:pPr rtl="0">
+                <a:lnSpc>
+                  <a:spcPct val="90000"/>
+                </a:lnSpc>
+                <a:spcAft>
+                  <a:spcPts val="600"/>
+                </a:spcAft>
+              </a:pPr>
+              <a:t>11</a:t>
+            </a:fld>
+            <a:endParaRPr lang="zh-CN"/>
+          </a:p>
+        </p:txBody>
+      </p:sp>
+      <p:pic>
+        <p:nvPicPr>
+          <p:cNvPr id="10" name="图片 9" descr="图表, 条形图&#10;&#10;描述已自动生成">
+            <a:extLst>
+              <a:ext uri="{FF2B5EF4-FFF2-40B4-BE49-F238E27FC236}">
+                <a16:creationId xmlns:a16="http://schemas.microsoft.com/office/drawing/2014/main" id="{9891C359-5DE0-4B6D-90B2-527070D0FCA6}"/>
+              </a:ext>
+            </a:extLst>
+          </p:cNvPr>
+          <p:cNvPicPr>
+            <a:picLocks noChangeAspect="1"/>
+          </p:cNvPicPr>
+          <p:nvPr/>
+        </p:nvPicPr>
+        <p:blipFill>
+          <a:blip r:embed="rId3"/>
+          <a:stretch>
+            <a:fillRect/>
+          </a:stretch>
+        </p:blipFill>
+        <p:spPr>
+          <a:xfrm>
+            <a:off x="6405076" y="2196032"/>
+            <a:ext cx="4193570" cy="4004087"/>
+          </a:xfrm>
+          <a:prstGeom prst="rect">
+            <a:avLst/>
+          </a:prstGeom>
+        </p:spPr>
+      </p:pic>
+      <p:sp>
+        <p:nvSpPr>
+          <p:cNvPr id="15" name="Text Placeholder 4">
+            <a:extLst>
+              <a:ext uri="{FF2B5EF4-FFF2-40B4-BE49-F238E27FC236}">
+                <a16:creationId xmlns:a16="http://schemas.microsoft.com/office/drawing/2014/main" id="{AE2F4B4F-A025-440F-8631-68977B2CFF1C}"/>
+              </a:ext>
+            </a:extLst>
+          </p:cNvPr>
+          <p:cNvSpPr txBox="1">
+            <a:spLocks/>
+          </p:cNvSpPr>
+          <p:nvPr/>
+        </p:nvSpPr>
+        <p:spPr>
+          <a:xfrm>
+            <a:off x="7700270" y="1378737"/>
+            <a:ext cx="5183188" cy="823912"/>
+          </a:xfrm>
+          <a:prstGeom prst="rect">
+            <a:avLst/>
+          </a:prstGeom>
+        </p:spPr>
+        <p:txBody>
+          <a:bodyPr vert="horz" lIns="91440" tIns="45720" rIns="91440" bIns="45720" rtlCol="0" anchor="b">
+            <a:normAutofit/>
+          </a:bodyPr>
+          <a:lstStyle>
+            <a:lvl1pPr marL="0" indent="0" algn="l" defTabSz="914400" rtl="0" eaLnBrk="1" latinLnBrk="0" hangingPunct="1">
+              <a:lnSpc>
+                <a:spcPct val="120000"/>
+              </a:lnSpc>
+              <a:spcBef>
+                <a:spcPts val="1000"/>
+              </a:spcBef>
+              <a:buClr>
+                <a:schemeClr val="accent5"/>
+              </a:buClr>
+              <a:buFont typeface="Arial" panose="020B0604020202020204" pitchFamily="34" charset="0"/>
+              <a:buNone/>
+              <a:defRPr sz="1800" b="1" kern="1200" cap="all" spc="300" baseline="0">
+                <a:solidFill>
+                  <a:schemeClr val="tx2"/>
+                </a:solidFill>
+                <a:latin typeface="+mn-lt"/>
+                <a:ea typeface="+mn-ea"/>
+                <a:cs typeface="+mn-cs"/>
+              </a:defRPr>
+            </a:lvl1pPr>
+            <a:lvl2pPr marL="457200" indent="0" algn="l" defTabSz="914400" rtl="0" eaLnBrk="1" latinLnBrk="0" hangingPunct="1">
+              <a:lnSpc>
+                <a:spcPct val="120000"/>
+              </a:lnSpc>
+              <a:spcBef>
+                <a:spcPts val="500"/>
+              </a:spcBef>
+              <a:buClr>
+                <a:schemeClr val="accent5"/>
+              </a:buClr>
+              <a:buFont typeface="Arial" panose="020B0604020202020204" pitchFamily="34" charset="0"/>
+              <a:buNone/>
+              <a:defRPr sz="2000" b="1" kern="1200">
+                <a:solidFill>
+                  <a:schemeClr val="tx2"/>
+                </a:solidFill>
+                <a:latin typeface="+mn-lt"/>
+                <a:ea typeface="+mn-ea"/>
+                <a:cs typeface="+mn-cs"/>
+              </a:defRPr>
+            </a:lvl2pPr>
+            <a:lvl3pPr marL="914400" indent="0" algn="l" defTabSz="914400" rtl="0" eaLnBrk="1" latinLnBrk="0" hangingPunct="1">
+              <a:lnSpc>
+                <a:spcPct val="120000"/>
+              </a:lnSpc>
+              <a:spcBef>
+                <a:spcPts val="500"/>
+              </a:spcBef>
+              <a:buClr>
+                <a:schemeClr val="accent5"/>
+              </a:buClr>
+              <a:buFont typeface="Arial" panose="020B0604020202020204" pitchFamily="34" charset="0"/>
+              <a:buNone/>
+              <a:defRPr sz="1800" b="1" kern="1200">
+                <a:solidFill>
+                  <a:schemeClr val="tx2"/>
+                </a:solidFill>
+                <a:latin typeface="+mn-lt"/>
+                <a:ea typeface="+mn-ea"/>
+                <a:cs typeface="+mn-cs"/>
+              </a:defRPr>
+            </a:lvl3pPr>
+            <a:lvl4pPr marL="1371600" indent="0" algn="l" defTabSz="914400" rtl="0" eaLnBrk="1" latinLnBrk="0" hangingPunct="1">
+              <a:lnSpc>
+                <a:spcPct val="120000"/>
+              </a:lnSpc>
+              <a:spcBef>
+                <a:spcPts val="500"/>
+              </a:spcBef>
+              <a:buClr>
+                <a:schemeClr val="accent5"/>
+              </a:buClr>
+              <a:buFont typeface="Arial" panose="020B0604020202020204" pitchFamily="34" charset="0"/>
+              <a:buNone/>
+              <a:defRPr sz="1600" b="1" kern="1200">
+                <a:solidFill>
+                  <a:schemeClr val="tx2"/>
+                </a:solidFill>
+                <a:latin typeface="+mn-lt"/>
+                <a:ea typeface="+mn-ea"/>
+                <a:cs typeface="+mn-cs"/>
+              </a:defRPr>
+            </a:lvl4pPr>
+            <a:lvl5pPr marL="1828800" indent="0" algn="l" defTabSz="914400" rtl="0" eaLnBrk="1" latinLnBrk="0" hangingPunct="1">
+              <a:lnSpc>
+                <a:spcPct val="120000"/>
+              </a:lnSpc>
+              <a:spcBef>
+                <a:spcPts val="500"/>
+              </a:spcBef>
+              <a:buClr>
+                <a:schemeClr val="accent5"/>
+              </a:buClr>
+              <a:buFont typeface="Arial" panose="020B0604020202020204" pitchFamily="34" charset="0"/>
+              <a:buNone/>
+              <a:defRPr sz="1600" b="1" kern="1200">
+                <a:solidFill>
+                  <a:schemeClr val="tx2"/>
+                </a:solidFill>
+                <a:latin typeface="+mn-lt"/>
+                <a:ea typeface="+mn-ea"/>
+                <a:cs typeface="+mn-cs"/>
+              </a:defRPr>
+            </a:lvl5pPr>
+            <a:lvl6pPr marL="2286000" indent="0" algn="l" defTabSz="914400" rtl="0" eaLnBrk="1" latinLnBrk="0" hangingPunct="1">
+              <a:lnSpc>
+                <a:spcPct val="90000"/>
+              </a:lnSpc>
+              <a:spcBef>
+                <a:spcPts val="500"/>
+              </a:spcBef>
+              <a:buFont typeface="Arial" panose="020B0604020202020204" pitchFamily="34" charset="0"/>
+              <a:buNone/>
+              <a:defRPr sz="1600" b="1" kern="1200">
+                <a:solidFill>
+                  <a:schemeClr val="tx1"/>
+                </a:solidFill>
+                <a:latin typeface="+mn-lt"/>
+                <a:ea typeface="+mn-ea"/>
+                <a:cs typeface="+mn-cs"/>
+              </a:defRPr>
+            </a:lvl6pPr>
+            <a:lvl7pPr marL="2743200" indent="0" algn="l" defTabSz="914400" rtl="0" eaLnBrk="1" latinLnBrk="0" hangingPunct="1">
+              <a:lnSpc>
+                <a:spcPct val="90000"/>
+              </a:lnSpc>
+              <a:spcBef>
+                <a:spcPts val="500"/>
+              </a:spcBef>
+              <a:buFont typeface="Arial" panose="020B0604020202020204" pitchFamily="34" charset="0"/>
+              <a:buNone/>
+              <a:defRPr sz="1600" b="1" kern="1200">
+                <a:solidFill>
+                  <a:schemeClr val="tx1"/>
+                </a:solidFill>
+                <a:latin typeface="+mn-lt"/>
+                <a:ea typeface="+mn-ea"/>
+                <a:cs typeface="+mn-cs"/>
+              </a:defRPr>
+            </a:lvl7pPr>
+            <a:lvl8pPr marL="3200400" indent="0" algn="l" defTabSz="914400" rtl="0" eaLnBrk="1" latinLnBrk="0" hangingPunct="1">
+              <a:lnSpc>
+                <a:spcPct val="90000"/>
+              </a:lnSpc>
+              <a:spcBef>
+                <a:spcPts val="500"/>
+              </a:spcBef>
+              <a:buFont typeface="Arial" panose="020B0604020202020204" pitchFamily="34" charset="0"/>
+              <a:buNone/>
+              <a:defRPr sz="1600" b="1" kern="1200">
+                <a:solidFill>
+                  <a:schemeClr val="tx1"/>
+                </a:solidFill>
+                <a:latin typeface="+mn-lt"/>
+                <a:ea typeface="+mn-ea"/>
+                <a:cs typeface="+mn-cs"/>
+              </a:defRPr>
+            </a:lvl8pPr>
+            <a:lvl9pPr marL="3657600" indent="0" algn="l" defTabSz="914400" rtl="0" eaLnBrk="1" latinLnBrk="0" hangingPunct="1">
+              <a:lnSpc>
+                <a:spcPct val="90000"/>
+              </a:lnSpc>
+              <a:spcBef>
+                <a:spcPts val="500"/>
+              </a:spcBef>
+              <a:buFont typeface="Arial" panose="020B0604020202020204" pitchFamily="34" charset="0"/>
+              <a:buNone/>
+              <a:defRPr sz="1600" b="1" kern="1200">
+                <a:solidFill>
+                  <a:schemeClr val="tx1"/>
+                </a:solidFill>
+                <a:latin typeface="+mn-lt"/>
+                <a:ea typeface="+mn-ea"/>
+                <a:cs typeface="+mn-cs"/>
+              </a:defRPr>
+            </a:lvl9pPr>
+          </a:lstStyle>
+          <a:p>
             <a:r>
               <a:rPr lang="en-US" dirty="0"/>
-              <a:t>Aug.29 ~ Aug.31</a:t>
+              <a:t>Xi’an Page</a:t>
             </a:r>
           </a:p>
         </p:txBody>
@@ -18834,7 +19384,7 @@
     </p:spTree>
     <p:extLst>
       <p:ext uri="{BB962C8B-B14F-4D97-AF65-F5344CB8AC3E}">
-        <p14:creationId xmlns:p14="http://schemas.microsoft.com/office/powerpoint/2010/main" val="4020027832"/>
+        <p14:creationId xmlns:p14="http://schemas.microsoft.com/office/powerpoint/2010/main" val="700275697"/>
       </p:ext>
     </p:extLst>
   </p:cSld>
@@ -18866,6 +19416,143 @@
           <p:cNvPr id="2" name="标题 1">
             <a:extLst>
               <a:ext uri="{FF2B5EF4-FFF2-40B4-BE49-F238E27FC236}">
+                <a16:creationId xmlns:a16="http://schemas.microsoft.com/office/drawing/2014/main" id="{00401ED9-04DB-4CDE-9061-CBB220C8211E}"/>
+              </a:ext>
+            </a:extLst>
+          </p:cNvPr>
+          <p:cNvSpPr>
+            <a:spLocks noGrp="1"/>
+          </p:cNvSpPr>
+          <p:nvPr>
+            <p:ph type="ctrTitle"/>
+          </p:nvPr>
+        </p:nvSpPr>
+        <p:spPr>
+          <a:xfrm>
+            <a:off x="914400" y="685798"/>
+            <a:ext cx="4770783" cy="3217461"/>
+          </a:xfrm>
+        </p:spPr>
+        <p:txBody>
+          <a:bodyPr rtlCol="0" anchor="ctr">
+            <a:normAutofit/>
+          </a:bodyPr>
+          <a:lstStyle/>
+          <a:p>
+            <a:pPr rtl="0"/>
+            <a:r>
+              <a:rPr lang="en-US" altLang="zh-CN" dirty="0">
+                <a:solidFill>
+                  <a:srgbClr val="FFFFFF"/>
+                </a:solidFill>
+              </a:rPr>
+              <a:t>Implementation</a:t>
+            </a:r>
+            <a:endParaRPr lang="zh-CN" dirty="0">
+              <a:solidFill>
+                <a:srgbClr val="FFFFFF"/>
+              </a:solidFill>
+            </a:endParaRPr>
+          </a:p>
+        </p:txBody>
+      </p:sp>
+      <p:pic>
+        <p:nvPicPr>
+          <p:cNvPr id="6" name="图片占位符 5">
+            <a:extLst>
+              <a:ext uri="{FF2B5EF4-FFF2-40B4-BE49-F238E27FC236}">
+                <a16:creationId xmlns:a16="http://schemas.microsoft.com/office/drawing/2014/main" id="{F5199BAF-8671-4A5C-B912-4B2556FF9B38}"/>
+              </a:ext>
+            </a:extLst>
+          </p:cNvPr>
+          <p:cNvPicPr>
+            <a:picLocks noGrp="1" noChangeAspect="1"/>
+          </p:cNvPicPr>
+          <p:nvPr>
+            <p:ph type="pic" sz="quarter" idx="13"/>
+          </p:nvPr>
+        </p:nvPicPr>
+        <p:blipFill>
+          <a:blip r:embed="rId2"/>
+          <a:srcRect l="20247" r="20247"/>
+          <a:stretch/>
+        </p:blipFill>
+        <p:spPr>
+          <a:xfrm>
+            <a:off x="6057901" y="1"/>
+            <a:ext cx="6134099" cy="6857999"/>
+          </a:xfrm>
+          <a:noFill/>
+        </p:spPr>
+      </p:pic>
+      <p:sp>
+        <p:nvSpPr>
+          <p:cNvPr id="11" name="Subtitle 3">
+            <a:extLst>
+              <a:ext uri="{FF2B5EF4-FFF2-40B4-BE49-F238E27FC236}">
+                <a16:creationId xmlns:a16="http://schemas.microsoft.com/office/drawing/2014/main" id="{630FD190-73CD-4C00-BBBE-244CEE608B06}"/>
+              </a:ext>
+            </a:extLst>
+          </p:cNvPr>
+          <p:cNvSpPr>
+            <a:spLocks noGrp="1"/>
+          </p:cNvSpPr>
+          <p:nvPr>
+            <p:ph type="subTitle" idx="1"/>
+          </p:nvPr>
+        </p:nvSpPr>
+        <p:spPr>
+          <a:xfrm>
+            <a:off x="0" y="4327140"/>
+            <a:ext cx="11576868" cy="2530860"/>
+          </a:xfrm>
+        </p:spPr>
+        <p:txBody>
+          <a:bodyPr/>
+          <a:lstStyle/>
+          <a:p>
+            <a:r>
+              <a:rPr lang="en-US" dirty="0"/>
+              <a:t>Aug.29 ~ Aug.31</a:t>
+            </a:r>
+          </a:p>
+        </p:txBody>
+      </p:sp>
+    </p:spTree>
+    <p:extLst>
+      <p:ext uri="{BB962C8B-B14F-4D97-AF65-F5344CB8AC3E}">
+        <p14:creationId xmlns:p14="http://schemas.microsoft.com/office/powerpoint/2010/main" val="4020027832"/>
+      </p:ext>
+    </p:extLst>
+  </p:cSld>
+  <p:clrMapOvr>
+    <a:masterClrMapping/>
+  </p:clrMapOvr>
+</p:sld>
+</file>
+
+<file path=ppt/slides/slide13.xml><?xml version="1.0" encoding="utf-8"?>
+<p:sld xmlns:a="http://schemas.openxmlformats.org/drawingml/2006/main" xmlns:r="http://schemas.openxmlformats.org/officeDocument/2006/relationships" xmlns:p="http://schemas.openxmlformats.org/presentationml/2006/main">
+  <p:cSld>
+    <p:spTree>
+      <p:nvGrpSpPr>
+        <p:cNvPr id="1" name=""/>
+        <p:cNvGrpSpPr/>
+        <p:nvPr/>
+      </p:nvGrpSpPr>
+      <p:grpSpPr>
+        <a:xfrm>
+          <a:off x="0" y="0"/>
+          <a:ext cx="0" cy="0"/>
+          <a:chOff x="0" y="0"/>
+          <a:chExt cx="0" cy="0"/>
+        </a:xfrm>
+      </p:grpSpPr>
+      <p:sp>
+        <p:nvSpPr>
+          <p:cNvPr id="2" name="标题 1">
+            <a:extLst>
+              <a:ext uri="{FF2B5EF4-FFF2-40B4-BE49-F238E27FC236}">
                 <a16:creationId xmlns:a16="http://schemas.microsoft.com/office/drawing/2014/main" id="{A459A0FD-000E-4BE6-AF65-BB86C656DB23}"/>
               </a:ext>
             </a:extLst>
@@ -19036,7 +19723,7 @@
             <a:fld id="{08AB70BE-1769-45B8-85A6-0C837432C7E6}" type="slidenum">
               <a:rPr lang="en-US" altLang="zh-CN" smtClean="0"/>
               <a:pPr rtl="0"/>
-              <a:t>12</a:t>
+              <a:t>13</a:t>
             </a:fld>
             <a:endParaRPr lang="zh-CN" dirty="0"/>
           </a:p>
@@ -19192,7 +19879,7 @@
 </p:sld>
 </file>
 
-<file path=ppt/slides/slide13.xml><?xml version="1.0" encoding="utf-8"?>
+<file path=ppt/slides/slide14.xml><?xml version="1.0" encoding="utf-8"?>
 <p:sld xmlns:a="http://schemas.openxmlformats.org/drawingml/2006/main" xmlns:r="http://schemas.openxmlformats.org/officeDocument/2006/relationships" xmlns:p="http://schemas.openxmlformats.org/presentationml/2006/main">
   <p:cSld>
     <p:spTree>
@@ -19244,7 +19931,7 @@
                 <a:latin typeface="Calibri" panose="020F0502020204030204" pitchFamily="34" charset="0"/>
                 <a:ea typeface="等线" panose="02010600030101010101" pitchFamily="2" charset="-122"/>
               </a:rPr>
-              <a:t>Spring Method Task One</a:t>
+              <a:t>Spring Method by Trello</a:t>
             </a:r>
             <a:endParaRPr lang="zh-CN" altLang="en-US" b="1" i="1" dirty="0">
               <a:solidFill>
@@ -19376,7 +20063,7 @@
             <a:fld id="{08AB70BE-1769-45B8-85A6-0C837432C7E6}" type="slidenum">
               <a:rPr lang="en-US" altLang="zh-CN" smtClean="0"/>
               <a:pPr rtl="0"/>
-              <a:t>13</a:t>
+              <a:t>14</a:t>
             </a:fld>
             <a:endParaRPr lang="zh-CN" dirty="0"/>
           </a:p>
@@ -19440,7 +20127,7 @@
         <p:spPr>
           <a:xfrm>
             <a:off x="914400" y="1919673"/>
-            <a:ext cx="2946400" cy="4123318"/>
+            <a:ext cx="4064000" cy="4123318"/>
           </a:xfrm>
           <a:prstGeom prst="rect">
             <a:avLst/>
@@ -19639,7 +20326,7 @@
               </a:spcAft>
             </a:pPr>
             <a:r>
-              <a:rPr lang="en-US" altLang="zh-CN" sz="1800">
+              <a:rPr lang="en-US" altLang="zh-CN" sz="1800" dirty="0">
                 <a:solidFill>
                   <a:srgbClr val="000000"/>
                 </a:solidFill>
@@ -19649,7 +20336,7 @@
               </a:rPr>
               <a:t>Team reviews every web page and check if they are running well.</a:t>
             </a:r>
-            <a:endParaRPr lang="zh-CN" altLang="zh-CN" sz="1800">
+            <a:endParaRPr lang="zh-CN" altLang="zh-CN" sz="1800" dirty="0">
               <a:solidFill>
                 <a:srgbClr val="000000"/>
               </a:solidFill>
@@ -19665,7 +20352,7 @@
               </a:lnSpc>
             </a:pPr>
             <a:r>
-              <a:rPr lang="en-US" altLang="zh-CN" sz="1800">
+              <a:rPr lang="en-US" altLang="zh-CN" sz="1800" dirty="0">
                 <a:solidFill>
                   <a:srgbClr val="000000"/>
                 </a:solidFill>
@@ -19686,244 +20373,48 @@
           </a:p>
         </p:txBody>
       </p:sp>
-    </p:spTree>
-    <p:extLst>
-      <p:ext uri="{BB962C8B-B14F-4D97-AF65-F5344CB8AC3E}">
-        <p14:creationId xmlns:p14="http://schemas.microsoft.com/office/powerpoint/2010/main" val="2880562479"/>
-      </p:ext>
-    </p:extLst>
-  </p:cSld>
-  <p:clrMapOvr>
-    <a:masterClrMapping/>
-  </p:clrMapOvr>
-</p:sld>
-</file>
-
-<file path=ppt/slides/slide14.xml><?xml version="1.0" encoding="utf-8"?>
-<p:sld xmlns:a="http://schemas.openxmlformats.org/drawingml/2006/main" xmlns:r="http://schemas.openxmlformats.org/officeDocument/2006/relationships" xmlns:p="http://schemas.openxmlformats.org/presentationml/2006/main">
-  <p:cSld>
-    <p:spTree>
-      <p:nvGrpSpPr>
-        <p:cNvPr id="1" name=""/>
-        <p:cNvGrpSpPr/>
-        <p:nvPr/>
-      </p:nvGrpSpPr>
-      <p:grpSpPr>
-        <a:xfrm>
-          <a:off x="0" y="0"/>
-          <a:ext cx="0" cy="0"/>
-          <a:chOff x="0" y="0"/>
-          <a:chExt cx="0" cy="0"/>
-        </a:xfrm>
-      </p:grpSpPr>
       <p:sp>
         <p:nvSpPr>
-          <p:cNvPr id="2" name="标题 1">
-            <a:extLst>
-              <a:ext uri="{FF2B5EF4-FFF2-40B4-BE49-F238E27FC236}">
-                <a16:creationId xmlns:a16="http://schemas.microsoft.com/office/drawing/2014/main" id="{AA584C88-9468-43F0-84FE-87E6F8995935}"/>
-              </a:ext>
-            </a:extLst>
-          </p:cNvPr>
-          <p:cNvSpPr>
-            <a:spLocks noGrp="1"/>
-          </p:cNvSpPr>
-          <p:nvPr>
-            <p:ph type="title"/>
-          </p:nvPr>
+          <p:cNvPr id="3" name="文本框 2">
+            <a:extLst>
+              <a:ext uri="{FF2B5EF4-FFF2-40B4-BE49-F238E27FC236}">
+                <a16:creationId xmlns:a16="http://schemas.microsoft.com/office/drawing/2014/main" id="{8FBBE1CA-A41C-486E-AFA9-19A982F35A9E}"/>
+              </a:ext>
+            </a:extLst>
+          </p:cNvPr>
+          <p:cNvSpPr txBox="1"/>
+          <p:nvPr/>
         </p:nvSpPr>
         <p:spPr>
           <a:xfrm>
-            <a:off x="905256" y="448056"/>
-            <a:ext cx="9914859" cy="1329004"/>
+            <a:off x="1059158" y="4343400"/>
+            <a:ext cx="5991863" cy="369332"/>
           </a:xfrm>
+          <a:prstGeom prst="rect">
+            <a:avLst/>
+          </a:prstGeom>
+          <a:noFill/>
         </p:spPr>
         <p:txBody>
-          <a:bodyPr rtlCol="0"/>
+          <a:bodyPr wrap="square" rtlCol="0">
+            <a:spAutoFit/>
+          </a:bodyPr>
           <a:lstStyle/>
           <a:p>
-            <a:pPr rtl="0"/>
-            <a:r>
-              <a:rPr lang="en-US" altLang="zh-CN" b="1" i="1" dirty="0">
-                <a:solidFill>
-                  <a:srgbClr val="000000"/>
-                </a:solidFill>
-                <a:latin typeface="Calibri" panose="020F0502020204030204" pitchFamily="34" charset="0"/>
-                <a:ea typeface="等线" panose="02010600030101010101" pitchFamily="2" charset="-122"/>
+            <a:r>
+              <a:rPr lang="en-US" altLang="zh-CN" dirty="0">
+                <a:hlinkClick r:id="rId3"/>
               </a:rPr>
-              <a:t>Schedule and Milestone</a:t>
-            </a:r>
-            <a:endParaRPr lang="zh-CN" altLang="en-US" b="1" i="1" dirty="0">
-              <a:solidFill>
-                <a:srgbClr val="000000"/>
-              </a:solidFill>
-              <a:latin typeface="Calibri" panose="020F0502020204030204" pitchFamily="34" charset="0"/>
-              <a:ea typeface="等线" panose="02010600030101010101" pitchFamily="2" charset="-122"/>
-            </a:endParaRPr>
-          </a:p>
-        </p:txBody>
-      </p:sp>
-      <p:graphicFrame>
-        <p:nvGraphicFramePr>
-          <p:cNvPr id="7" name="内容占位符 3" descr="日程表占位符">
-            <a:extLst>
-              <a:ext uri="{FF2B5EF4-FFF2-40B4-BE49-F238E27FC236}">
-                <a16:creationId xmlns:a16="http://schemas.microsoft.com/office/drawing/2014/main" id="{DCCF0814-D45B-4C2C-BB91-2CABE926997E}"/>
-              </a:ext>
-            </a:extLst>
-          </p:cNvPr>
-          <p:cNvGraphicFramePr>
-            <a:graphicFrameLocks noGrp="1"/>
-          </p:cNvGraphicFramePr>
-          <p:nvPr>
-            <p:ph idx="1"/>
-            <p:extLst>
-              <p:ext uri="{D42A27DB-BD31-4B8C-83A1-F6EECF244321}">
-                <p14:modId xmlns:p14="http://schemas.microsoft.com/office/powerpoint/2010/main" val="3163529347"/>
-              </p:ext>
-            </p:extLst>
-          </p:nvPr>
-        </p:nvGraphicFramePr>
-        <p:xfrm>
-          <a:off x="854075" y="1825625"/>
-          <a:ext cx="10499725" cy="4351338"/>
-        </p:xfrm>
-        <a:graphic>
-          <a:graphicData uri="http://schemas.openxmlformats.org/drawingml/2006/diagram">
-            <dgm:relIds xmlns:dgm="http://schemas.openxmlformats.org/drawingml/2006/diagram" xmlns:r="http://schemas.openxmlformats.org/officeDocument/2006/relationships" r:dm="rId2" r:lo="rId3" r:qs="rId4" r:cs="rId5"/>
-          </a:graphicData>
-        </a:graphic>
-      </p:graphicFrame>
-      <p:sp>
-        <p:nvSpPr>
-          <p:cNvPr id="5" name="页脚占位符 4">
-            <a:extLst>
-              <a:ext uri="{FF2B5EF4-FFF2-40B4-BE49-F238E27FC236}">
-                <a16:creationId xmlns:a16="http://schemas.microsoft.com/office/drawing/2014/main" id="{5DF60FF9-E837-4D2A-86A0-3B5D4D6449E3}"/>
-              </a:ext>
-            </a:extLst>
-          </p:cNvPr>
-          <p:cNvSpPr>
-            <a:spLocks noGrp="1"/>
-          </p:cNvSpPr>
-          <p:nvPr>
-            <p:ph type="ftr" sz="quarter" idx="11"/>
-          </p:nvPr>
-        </p:nvSpPr>
-        <p:spPr>
-          <a:xfrm>
-            <a:off x="914400" y="6437376"/>
-            <a:ext cx="3775914" cy="365125"/>
-          </a:xfrm>
-        </p:spPr>
-        <p:txBody>
-          <a:bodyPr rtlCol="0"/>
-          <a:lstStyle/>
-          <a:p>
-            <a:pPr rtl="0"/>
-            <a:r>
-              <a:rPr lang="en-US" altLang="zh-CN" dirty="0"/>
-              <a:t>Website Design of John-Abbott College</a:t>
-            </a:r>
-            <a:endParaRPr lang="zh-CN" altLang="zh-CN" dirty="0"/>
-          </a:p>
-        </p:txBody>
-      </p:sp>
-      <p:sp>
-        <p:nvSpPr>
-          <p:cNvPr id="4" name="日期占位符 3">
-            <a:extLst>
-              <a:ext uri="{FF2B5EF4-FFF2-40B4-BE49-F238E27FC236}">
-                <a16:creationId xmlns:a16="http://schemas.microsoft.com/office/drawing/2014/main" id="{F4567E44-A438-462D-80F7-973D8E22B234}"/>
-              </a:ext>
-            </a:extLst>
-          </p:cNvPr>
-          <p:cNvSpPr>
-            <a:spLocks noGrp="1"/>
-          </p:cNvSpPr>
-          <p:nvPr>
-            <p:ph type="dt" sz="half" idx="10"/>
-          </p:nvPr>
-        </p:nvSpPr>
-        <p:spPr>
-          <a:xfrm>
-            <a:off x="9323285" y="6434524"/>
-            <a:ext cx="2067867" cy="365125"/>
-          </a:xfrm>
-        </p:spPr>
-        <p:txBody>
-          <a:bodyPr rtlCol="0"/>
-          <a:lstStyle/>
-          <a:p>
-            <a:pPr rtl="0"/>
-            <a:r>
-              <a:rPr lang="zh-CN" altLang="zh-CN" dirty="0"/>
-              <a:t>20</a:t>
-            </a:r>
-            <a:r>
-              <a:rPr lang="en-US" altLang="zh-CN" dirty="0"/>
-              <a:t>21</a:t>
-            </a:r>
-            <a:r>
-              <a:rPr lang="zh-CN" altLang="zh-CN" dirty="0"/>
-              <a:t>/</a:t>
-            </a:r>
-            <a:r>
-              <a:rPr lang="en-US" altLang="zh-CN" dirty="0"/>
-              <a:t>09</a:t>
-            </a:r>
-            <a:r>
-              <a:rPr lang="zh-CN" altLang="zh-CN" dirty="0"/>
-              <a:t>/</a:t>
-            </a:r>
-            <a:r>
-              <a:rPr lang="en-US" altLang="zh-CN" dirty="0"/>
-              <a:t>01</a:t>
-            </a:r>
-            <a:endParaRPr lang="zh-CN" altLang="zh-CN" dirty="0"/>
-          </a:p>
-        </p:txBody>
-      </p:sp>
-      <p:sp>
-        <p:nvSpPr>
-          <p:cNvPr id="6" name="幻灯片编号占位符 5">
-            <a:extLst>
-              <a:ext uri="{FF2B5EF4-FFF2-40B4-BE49-F238E27FC236}">
-                <a16:creationId xmlns:a16="http://schemas.microsoft.com/office/drawing/2014/main" id="{5A7A9107-342C-447F-BD0F-E20064E5FDA7}"/>
-              </a:ext>
-            </a:extLst>
-          </p:cNvPr>
-          <p:cNvSpPr>
-            <a:spLocks noGrp="1"/>
-          </p:cNvSpPr>
-          <p:nvPr>
-            <p:ph type="sldNum" sz="quarter" idx="12"/>
-          </p:nvPr>
-        </p:nvSpPr>
-        <p:spPr>
-          <a:xfrm>
-            <a:off x="11391152" y="6434524"/>
-            <a:ext cx="693261" cy="365125"/>
-          </a:xfrm>
-        </p:spPr>
-        <p:txBody>
-          <a:bodyPr rtlCol="0"/>
-          <a:lstStyle/>
-          <a:p>
-            <a:pPr rtl="0"/>
-            <a:fld id="{08AB70BE-1769-45B8-85A6-0C837432C7E6}" type="slidenum">
-              <a:rPr lang="en-US" altLang="zh-CN" smtClean="0"/>
-              <a:pPr rtl="0"/>
-              <a:t>14</a:t>
-            </a:fld>
-            <a:endParaRPr lang="zh-CN" dirty="0"/>
+              <a:t>Project WD on trello.com</a:t>
+            </a:r>
+            <a:endParaRPr lang="zh-CN" altLang="en-US" dirty="0"/>
           </a:p>
         </p:txBody>
       </p:sp>
     </p:spTree>
     <p:extLst>
       <p:ext uri="{BB962C8B-B14F-4D97-AF65-F5344CB8AC3E}">
-        <p14:creationId xmlns:p14="http://schemas.microsoft.com/office/powerpoint/2010/main" val="568354645"/>
+        <p14:creationId xmlns:p14="http://schemas.microsoft.com/office/powerpoint/2010/main" val="2880562479"/>
       </p:ext>
     </p:extLst>
   </p:cSld>
@@ -19955,7 +20446,7 @@
           <p:cNvPr id="2" name="标题 1">
             <a:extLst>
               <a:ext uri="{FF2B5EF4-FFF2-40B4-BE49-F238E27FC236}">
-                <a16:creationId xmlns:a16="http://schemas.microsoft.com/office/drawing/2014/main" id="{A459A0FD-000E-4BE6-AF65-BB86C656DB23}"/>
+                <a16:creationId xmlns:a16="http://schemas.microsoft.com/office/drawing/2014/main" id="{AA584C88-9468-43F0-84FE-87E6F8995935}"/>
               </a:ext>
             </a:extLst>
           </p:cNvPr>
@@ -19976,11 +20467,7 @@
           <a:bodyPr rtlCol="0"/>
           <a:lstStyle/>
           <a:p>
-            <a:pPr>
-              <a:lnSpc>
-                <a:spcPct val="115000"/>
-              </a:lnSpc>
-            </a:pPr>
+            <a:pPr rtl="0"/>
             <a:r>
               <a:rPr lang="en-US" altLang="zh-CN" b="1" i="1" dirty="0">
                 <a:solidFill>
@@ -19988,40 +20475,56 @@
                 </a:solidFill>
                 <a:latin typeface="Calibri" panose="020F0502020204030204" pitchFamily="34" charset="0"/>
                 <a:ea typeface="等线" panose="02010600030101010101" pitchFamily="2" charset="-122"/>
-                <a:cs typeface="Cambria" panose="02040503050406030204" pitchFamily="18" charset="0"/>
               </a:rPr>
-              <a:t>F</a:t>
-            </a:r>
-            <a:r>
-              <a:rPr lang="en-US" altLang="zh-CN" sz="4000" b="1" i="1" dirty="0">
-                <a:solidFill>
-                  <a:srgbClr val="000000"/>
-                </a:solidFill>
-                <a:effectLst/>
-                <a:latin typeface="Calibri" panose="020F0502020204030204" pitchFamily="34" charset="0"/>
-                <a:ea typeface="等线" panose="02010600030101010101" pitchFamily="2" charset="-122"/>
-                <a:cs typeface="Cambria" panose="02040503050406030204" pitchFamily="18" charset="0"/>
-              </a:rPr>
-              <a:t>or team updates</a:t>
-            </a:r>
-            <a:endParaRPr lang="zh-CN" altLang="zh-CN" sz="4000" dirty="0">
+              <a:t>Schedule and Milestone</a:t>
+            </a:r>
+            <a:endParaRPr lang="zh-CN" altLang="en-US" b="1" i="1" dirty="0">
               <a:solidFill>
                 <a:srgbClr val="000000"/>
               </a:solidFill>
-              <a:effectLst/>
-              <a:latin typeface="Cambria" panose="02040503050406030204" pitchFamily="18" charset="0"/>
+              <a:latin typeface="Calibri" panose="020F0502020204030204" pitchFamily="34" charset="0"/>
               <a:ea typeface="等线" panose="02010600030101010101" pitchFamily="2" charset="-122"/>
-              <a:cs typeface="Cambria" panose="02040503050406030204" pitchFamily="18" charset="0"/>
             </a:endParaRPr>
           </a:p>
         </p:txBody>
       </p:sp>
+      <p:graphicFrame>
+        <p:nvGraphicFramePr>
+          <p:cNvPr id="7" name="内容占位符 3" descr="日程表占位符">
+            <a:extLst>
+              <a:ext uri="{FF2B5EF4-FFF2-40B4-BE49-F238E27FC236}">
+                <a16:creationId xmlns:a16="http://schemas.microsoft.com/office/drawing/2014/main" id="{DCCF0814-D45B-4C2C-BB91-2CABE926997E}"/>
+              </a:ext>
+            </a:extLst>
+          </p:cNvPr>
+          <p:cNvGraphicFramePr>
+            <a:graphicFrameLocks noGrp="1"/>
+          </p:cNvGraphicFramePr>
+          <p:nvPr>
+            <p:ph idx="1"/>
+            <p:extLst>
+              <p:ext uri="{D42A27DB-BD31-4B8C-83A1-F6EECF244321}">
+                <p14:modId xmlns:p14="http://schemas.microsoft.com/office/powerpoint/2010/main" val="3163529347"/>
+              </p:ext>
+            </p:extLst>
+          </p:nvPr>
+        </p:nvGraphicFramePr>
+        <p:xfrm>
+          <a:off x="854075" y="1825625"/>
+          <a:ext cx="10499725" cy="4351338"/>
+        </p:xfrm>
+        <a:graphic>
+          <a:graphicData uri="http://schemas.openxmlformats.org/drawingml/2006/diagram">
+            <dgm:relIds xmlns:dgm="http://schemas.openxmlformats.org/drawingml/2006/diagram" xmlns:r="http://schemas.openxmlformats.org/officeDocument/2006/relationships" r:dm="rId2" r:lo="rId3" r:qs="rId4" r:cs="rId5"/>
+          </a:graphicData>
+        </a:graphic>
+      </p:graphicFrame>
       <p:sp>
         <p:nvSpPr>
-          <p:cNvPr id="8" name="页脚占位符 7">
-            <a:extLst>
-              <a:ext uri="{FF2B5EF4-FFF2-40B4-BE49-F238E27FC236}">
-                <a16:creationId xmlns:a16="http://schemas.microsoft.com/office/drawing/2014/main" id="{7C5D7998-ED26-4436-85BB-287CF3B07AB1}"/>
+          <p:cNvPr id="5" name="页脚占位符 4">
+            <a:extLst>
+              <a:ext uri="{FF2B5EF4-FFF2-40B4-BE49-F238E27FC236}">
+                <a16:creationId xmlns:a16="http://schemas.microsoft.com/office/drawing/2014/main" id="{5DF60FF9-E837-4D2A-86A0-3B5D4D6449E3}"/>
               </a:ext>
             </a:extLst>
           </p:cNvPr>
@@ -20053,10 +20556,10 @@
       </p:sp>
       <p:sp>
         <p:nvSpPr>
-          <p:cNvPr id="7" name="日期占位符 6">
-            <a:extLst>
-              <a:ext uri="{FF2B5EF4-FFF2-40B4-BE49-F238E27FC236}">
-                <a16:creationId xmlns:a16="http://schemas.microsoft.com/office/drawing/2014/main" id="{8BE129AC-705E-40E6-B0FC-ECDDA2A41B2A}"/>
+          <p:cNvPr id="4" name="日期占位符 3">
+            <a:extLst>
+              <a:ext uri="{FF2B5EF4-FFF2-40B4-BE49-F238E27FC236}">
+                <a16:creationId xmlns:a16="http://schemas.microsoft.com/office/drawing/2014/main" id="{F4567E44-A438-462D-80F7-973D8E22B234}"/>
               </a:ext>
             </a:extLst>
           </p:cNvPr>
@@ -20108,10 +20611,10 @@
       </p:sp>
       <p:sp>
         <p:nvSpPr>
-          <p:cNvPr id="9" name="幻灯片编号占位符 8">
-            <a:extLst>
-              <a:ext uri="{FF2B5EF4-FFF2-40B4-BE49-F238E27FC236}">
-                <a16:creationId xmlns:a16="http://schemas.microsoft.com/office/drawing/2014/main" id="{948698A3-3CB3-4698-8F42-F3D81D37FF44}"/>
+          <p:cNvPr id="6" name="幻灯片编号占位符 5">
+            <a:extLst>
+              <a:ext uri="{FF2B5EF4-FFF2-40B4-BE49-F238E27FC236}">
+                <a16:creationId xmlns:a16="http://schemas.microsoft.com/office/drawing/2014/main" id="{5A7A9107-342C-447F-BD0F-E20064E5FDA7}"/>
               </a:ext>
             </a:extLst>
           </p:cNvPr>
@@ -20145,7 +20648,7 @@
     </p:spTree>
     <p:extLst>
       <p:ext uri="{BB962C8B-B14F-4D97-AF65-F5344CB8AC3E}">
-        <p14:creationId xmlns:p14="http://schemas.microsoft.com/office/powerpoint/2010/main" val="374858642"/>
+        <p14:creationId xmlns:p14="http://schemas.microsoft.com/office/powerpoint/2010/main" val="568354645"/>
       </p:ext>
     </p:extLst>
   </p:cSld>
@@ -20177,7 +20680,7 @@
           <p:cNvPr id="2" name="标题 1">
             <a:extLst>
               <a:ext uri="{FF2B5EF4-FFF2-40B4-BE49-F238E27FC236}">
-                <a16:creationId xmlns:a16="http://schemas.microsoft.com/office/drawing/2014/main" id="{937EC466-2297-4C1B-8079-A514AB8D335D}"/>
+                <a16:creationId xmlns:a16="http://schemas.microsoft.com/office/drawing/2014/main" id="{A459A0FD-000E-4BE6-AF65-BB86C656DB23}"/>
               </a:ext>
             </a:extLst>
           </p:cNvPr>
@@ -20190,138 +20693,60 @@
         </p:nvSpPr>
         <p:spPr>
           <a:xfrm>
-            <a:off x="914401" y="443553"/>
-            <a:ext cx="9914859" cy="1325880"/>
+            <a:off x="905256" y="448056"/>
+            <a:ext cx="9914859" cy="1329004"/>
           </a:xfrm>
         </p:spPr>
         <p:txBody>
           <a:bodyPr rtlCol="0"/>
           <a:lstStyle/>
           <a:p>
-            <a:pPr rtl="0"/>
-            <a:r>
-              <a:rPr lang="en-US" altLang="zh-CN" dirty="0"/>
-              <a:t>Summary and</a:t>
-            </a:r>
-            <a:r>
-              <a:rPr lang="zh-CN" altLang="en-US" dirty="0"/>
-              <a:t> </a:t>
-            </a:r>
-            <a:r>
-              <a:rPr lang="en-US" altLang="zh-CN" dirty="0"/>
-              <a:t>Reference·</a:t>
-            </a:r>
-            <a:endParaRPr lang="zh-CN" dirty="0"/>
+            <a:pPr>
+              <a:lnSpc>
+                <a:spcPct val="115000"/>
+              </a:lnSpc>
+            </a:pPr>
+            <a:r>
+              <a:rPr lang="en-US" altLang="zh-CN" b="1" i="1" dirty="0">
+                <a:solidFill>
+                  <a:srgbClr val="000000"/>
+                </a:solidFill>
+                <a:latin typeface="Calibri" panose="020F0502020204030204" pitchFamily="34" charset="0"/>
+                <a:ea typeface="等线" panose="02010600030101010101" pitchFamily="2" charset="-122"/>
+                <a:cs typeface="Cambria" panose="02040503050406030204" pitchFamily="18" charset="0"/>
+              </a:rPr>
+              <a:t>F</a:t>
+            </a:r>
+            <a:r>
+              <a:rPr lang="en-US" altLang="zh-CN" sz="4000" b="1" i="1" dirty="0">
+                <a:solidFill>
+                  <a:srgbClr val="000000"/>
+                </a:solidFill>
+                <a:effectLst/>
+                <a:latin typeface="Calibri" panose="020F0502020204030204" pitchFamily="34" charset="0"/>
+                <a:ea typeface="等线" panose="02010600030101010101" pitchFamily="2" charset="-122"/>
+                <a:cs typeface="Cambria" panose="02040503050406030204" pitchFamily="18" charset="0"/>
+              </a:rPr>
+              <a:t>or team updates</a:t>
+            </a:r>
+            <a:endParaRPr lang="zh-CN" altLang="zh-CN" sz="4000" dirty="0">
+              <a:solidFill>
+                <a:srgbClr val="000000"/>
+              </a:solidFill>
+              <a:effectLst/>
+              <a:latin typeface="Cambria" panose="02040503050406030204" pitchFamily="18" charset="0"/>
+              <a:ea typeface="等线" panose="02010600030101010101" pitchFamily="2" charset="-122"/>
+              <a:cs typeface="Cambria" panose="02040503050406030204" pitchFamily="18" charset="0"/>
+            </a:endParaRPr>
           </a:p>
         </p:txBody>
       </p:sp>
       <p:sp>
         <p:nvSpPr>
-          <p:cNvPr id="3" name="内容占位符 2">
-            <a:extLst>
-              <a:ext uri="{FF2B5EF4-FFF2-40B4-BE49-F238E27FC236}">
-                <a16:creationId xmlns:a16="http://schemas.microsoft.com/office/drawing/2014/main" id="{6CC87D86-1B97-419B-878E-C18BA725FF0A}"/>
-              </a:ext>
-            </a:extLst>
-          </p:cNvPr>
-          <p:cNvSpPr>
-            <a:spLocks noGrp="1"/>
-          </p:cNvSpPr>
-          <p:nvPr>
-            <p:ph idx="1"/>
-          </p:nvPr>
-        </p:nvSpPr>
-        <p:spPr>
-          <a:xfrm>
-            <a:off x="914400" y="2709080"/>
-            <a:ext cx="5868537" cy="3467881"/>
-          </a:xfrm>
-        </p:spPr>
-        <p:txBody>
-          <a:bodyPr rtlCol="0"/>
-          <a:lstStyle/>
-          <a:p>
-            <a:pPr rtl="0"/>
-            <a:r>
-              <a:rPr lang="en-US" altLang="zh-CN" dirty="0"/>
-              <a:t>Summary:</a:t>
-            </a:r>
-          </a:p>
-          <a:p>
-            <a:pPr rtl="0"/>
-            <a:r>
-              <a:rPr lang="en-US" altLang="zh-CN" dirty="0"/>
-              <a:t>HTML and CSS</a:t>
-            </a:r>
-          </a:p>
-          <a:p>
-            <a:pPr rtl="0"/>
-            <a:endParaRPr lang="zh-CN" dirty="0"/>
-          </a:p>
-        </p:txBody>
-      </p:sp>
-      <p:pic>
-        <p:nvPicPr>
-          <p:cNvPr id="9" name="图片占位符 8">
-            <a:extLst>
-              <a:ext uri="{FF2B5EF4-FFF2-40B4-BE49-F238E27FC236}">
-                <a16:creationId xmlns:a16="http://schemas.microsoft.com/office/drawing/2014/main" id="{B7D17764-41DE-474B-801F-3A31C13890CC}"/>
-              </a:ext>
-            </a:extLst>
-          </p:cNvPr>
-          <p:cNvPicPr>
-            <a:picLocks noGrp="1" noChangeAspect="1"/>
-          </p:cNvPicPr>
-          <p:nvPr>
-            <p:ph type="pic" sz="quarter" idx="13"/>
-          </p:nvPr>
-        </p:nvPicPr>
-        <p:blipFill>
-          <a:blip r:embed="rId2"/>
-          <a:srcRect l="22644" r="22644"/>
-          <a:stretch/>
-        </p:blipFill>
-        <p:spPr>
-          <a:xfrm>
-            <a:off x="7326184" y="2126134"/>
-            <a:ext cx="2434622" cy="2503056"/>
-          </a:xfrm>
-        </p:spPr>
-      </p:pic>
-      <p:pic>
-        <p:nvPicPr>
-          <p:cNvPr id="11" name="图片占位符 10">
-            <a:extLst>
-              <a:ext uri="{FF2B5EF4-FFF2-40B4-BE49-F238E27FC236}">
-                <a16:creationId xmlns:a16="http://schemas.microsoft.com/office/drawing/2014/main" id="{D47600FE-FF70-4943-A9DC-B1AF91EC0CBC}"/>
-              </a:ext>
-            </a:extLst>
-          </p:cNvPr>
-          <p:cNvPicPr>
-            <a:picLocks noGrp="1" noChangeAspect="1"/>
-          </p:cNvPicPr>
-          <p:nvPr>
-            <p:ph type="pic" sz="quarter" idx="14"/>
-          </p:nvPr>
-        </p:nvPicPr>
-        <p:blipFill>
-          <a:blip r:embed="rId3"/>
-          <a:srcRect t="7664" b="7664"/>
-          <a:stretch/>
-        </p:blipFill>
-        <p:spPr>
-          <a:xfrm>
-            <a:off x="9759092" y="2118839"/>
-            <a:ext cx="2432908" cy="2498880"/>
-          </a:xfrm>
-        </p:spPr>
-      </p:pic>
-      <p:sp>
-        <p:nvSpPr>
-          <p:cNvPr id="17" name="页脚占位符 16">
-            <a:extLst>
-              <a:ext uri="{FF2B5EF4-FFF2-40B4-BE49-F238E27FC236}">
-                <a16:creationId xmlns:a16="http://schemas.microsoft.com/office/drawing/2014/main" id="{7CF31D05-F197-49CC-87BE-4A7FEB81335F}"/>
+          <p:cNvPr id="8" name="页脚占位符 7">
+            <a:extLst>
+              <a:ext uri="{FF2B5EF4-FFF2-40B4-BE49-F238E27FC236}">
+                <a16:creationId xmlns:a16="http://schemas.microsoft.com/office/drawing/2014/main" id="{7C5D7998-ED26-4436-85BB-287CF3B07AB1}"/>
               </a:ext>
             </a:extLst>
           </p:cNvPr>
@@ -20334,8 +20759,8 @@
         </p:nvSpPr>
         <p:spPr>
           <a:xfrm>
-            <a:off x="914400" y="6434560"/>
-            <a:ext cx="3428012" cy="365125"/>
+            <a:off x="914400" y="6437376"/>
+            <a:ext cx="3775914" cy="365125"/>
           </a:xfrm>
         </p:spPr>
         <p:txBody>
@@ -20351,68 +20776,12 @@
           </a:p>
         </p:txBody>
       </p:sp>
-      <p:pic>
-        <p:nvPicPr>
-          <p:cNvPr id="15" name="图片占位符 14">
-            <a:extLst>
-              <a:ext uri="{FF2B5EF4-FFF2-40B4-BE49-F238E27FC236}">
-                <a16:creationId xmlns:a16="http://schemas.microsoft.com/office/drawing/2014/main" id="{0A64F2A4-8811-44F1-825B-9D04590EB45A}"/>
-              </a:ext>
-            </a:extLst>
-          </p:cNvPr>
-          <p:cNvPicPr>
-            <a:picLocks noGrp="1" noChangeAspect="1"/>
-          </p:cNvPicPr>
-          <p:nvPr>
-            <p:ph type="pic" sz="quarter" idx="15"/>
-          </p:nvPr>
-        </p:nvPicPr>
-        <p:blipFill>
-          <a:blip r:embed="rId4"/>
-          <a:srcRect l="22375" r="22375"/>
-          <a:stretch/>
-        </p:blipFill>
-        <p:spPr>
-          <a:xfrm>
-            <a:off x="7324344" y="4503573"/>
-            <a:ext cx="2434622" cy="2354427"/>
-          </a:xfrm>
-        </p:spPr>
-      </p:pic>
-      <p:pic>
-        <p:nvPicPr>
-          <p:cNvPr id="13" name="图片占位符 12">
-            <a:extLst>
-              <a:ext uri="{FF2B5EF4-FFF2-40B4-BE49-F238E27FC236}">
-                <a16:creationId xmlns:a16="http://schemas.microsoft.com/office/drawing/2014/main" id="{38CED09D-01FE-44EB-A655-6EC0819B7094}"/>
-              </a:ext>
-            </a:extLst>
-          </p:cNvPr>
-          <p:cNvPicPr>
-            <a:picLocks noGrp="1" noChangeAspect="1"/>
-          </p:cNvPicPr>
-          <p:nvPr>
-            <p:ph type="pic" sz="quarter" idx="16"/>
-          </p:nvPr>
-        </p:nvPicPr>
-        <p:blipFill>
-          <a:blip r:embed="rId5"/>
-          <a:srcRect t="3598" b="3598"/>
-          <a:stretch/>
-        </p:blipFill>
-        <p:spPr>
-          <a:xfrm>
-            <a:off x="9758966" y="4507560"/>
-            <a:ext cx="2434622" cy="2350439"/>
-          </a:xfrm>
-        </p:spPr>
-      </p:pic>
       <p:sp>
         <p:nvSpPr>
-          <p:cNvPr id="16" name="日期占位符 15">
-            <a:extLst>
-              <a:ext uri="{FF2B5EF4-FFF2-40B4-BE49-F238E27FC236}">
-                <a16:creationId xmlns:a16="http://schemas.microsoft.com/office/drawing/2014/main" id="{6D298BC0-D1EE-4B8A-B546-4C8799240D8F}"/>
+          <p:cNvPr id="7" name="日期占位符 6">
+            <a:extLst>
+              <a:ext uri="{FF2B5EF4-FFF2-40B4-BE49-F238E27FC236}">
+                <a16:creationId xmlns:a16="http://schemas.microsoft.com/office/drawing/2014/main" id="{8BE129AC-705E-40E6-B0FC-ECDDA2A41B2A}"/>
               </a:ext>
             </a:extLst>
           </p:cNvPr>
@@ -20425,8 +20794,8 @@
         </p:nvSpPr>
         <p:spPr>
           <a:xfrm>
-            <a:off x="9017000" y="6433202"/>
-            <a:ext cx="2374150" cy="367841"/>
+            <a:off x="9323285" y="6434524"/>
+            <a:ext cx="2067867" cy="365125"/>
           </a:xfrm>
         </p:spPr>
         <p:txBody>
@@ -20464,10 +20833,10 @@
       </p:sp>
       <p:sp>
         <p:nvSpPr>
-          <p:cNvPr id="18" name="灯片编号占位符 17">
-            <a:extLst>
-              <a:ext uri="{FF2B5EF4-FFF2-40B4-BE49-F238E27FC236}">
-                <a16:creationId xmlns:a16="http://schemas.microsoft.com/office/drawing/2014/main" id="{0CFCA4BA-5731-4BC1-9FF7-23403BFA938A}"/>
+          <p:cNvPr id="9" name="幻灯片编号占位符 8">
+            <a:extLst>
+              <a:ext uri="{FF2B5EF4-FFF2-40B4-BE49-F238E27FC236}">
+                <a16:creationId xmlns:a16="http://schemas.microsoft.com/office/drawing/2014/main" id="{948698A3-3CB3-4698-8F42-F3D81D37FF44}"/>
               </a:ext>
             </a:extLst>
           </p:cNvPr>
@@ -20480,8 +20849,8 @@
         </p:nvSpPr>
         <p:spPr>
           <a:xfrm>
-            <a:off x="11391150" y="6433203"/>
-            <a:ext cx="693263" cy="367842"/>
+            <a:off x="11391152" y="6434524"/>
+            <a:ext cx="693261" cy="365125"/>
           </a:xfrm>
         </p:spPr>
         <p:txBody>
@@ -20501,7 +20870,7 @@
     </p:spTree>
     <p:extLst>
       <p:ext uri="{BB962C8B-B14F-4D97-AF65-F5344CB8AC3E}">
-        <p14:creationId xmlns:p14="http://schemas.microsoft.com/office/powerpoint/2010/main" val="3154595954"/>
+        <p14:creationId xmlns:p14="http://schemas.microsoft.com/office/powerpoint/2010/main" val="374858642"/>
       </p:ext>
     </p:extLst>
   </p:cSld>
@@ -20530,10 +20899,10 @@
       </p:grpSpPr>
       <p:sp>
         <p:nvSpPr>
-          <p:cNvPr id="59" name="标题 58">
-            <a:extLst>
-              <a:ext uri="{FF2B5EF4-FFF2-40B4-BE49-F238E27FC236}">
-                <a16:creationId xmlns:a16="http://schemas.microsoft.com/office/drawing/2014/main" id="{FD483A78-48D6-4682-BE37-B2D0C566DB9D}"/>
+          <p:cNvPr id="2" name="标题 1">
+            <a:extLst>
+              <a:ext uri="{FF2B5EF4-FFF2-40B4-BE49-F238E27FC236}">
+                <a16:creationId xmlns:a16="http://schemas.microsoft.com/office/drawing/2014/main" id="{937EC466-2297-4C1B-8079-A514AB8D335D}"/>
               </a:ext>
             </a:extLst>
           </p:cNvPr>
@@ -20546,8 +20915,8 @@
         </p:nvSpPr>
         <p:spPr>
           <a:xfrm>
-            <a:off x="2743200" y="1"/>
-            <a:ext cx="9432315" cy="2198972"/>
+            <a:off x="914401" y="443553"/>
+            <a:ext cx="9914859" cy="1325880"/>
           </a:xfrm>
         </p:spPr>
         <p:txBody>
@@ -20565,18 +20934,63 @@
             </a:r>
             <a:r>
               <a:rPr lang="en-US" altLang="zh-CN" dirty="0"/>
-              <a:t>Reference</a:t>
-            </a:r>
+              <a:t>Reference·</a:t>
+            </a:r>
+            <a:endParaRPr lang="zh-CN" dirty="0"/>
+          </a:p>
+        </p:txBody>
+      </p:sp>
+      <p:sp>
+        <p:nvSpPr>
+          <p:cNvPr id="3" name="内容占位符 2">
+            <a:extLst>
+              <a:ext uri="{FF2B5EF4-FFF2-40B4-BE49-F238E27FC236}">
+                <a16:creationId xmlns:a16="http://schemas.microsoft.com/office/drawing/2014/main" id="{6CC87D86-1B97-419B-878E-C18BA725FF0A}"/>
+              </a:ext>
+            </a:extLst>
+          </p:cNvPr>
+          <p:cNvSpPr>
+            <a:spLocks noGrp="1"/>
+          </p:cNvSpPr>
+          <p:nvPr>
+            <p:ph idx="1"/>
+          </p:nvPr>
+        </p:nvSpPr>
+        <p:spPr>
+          <a:xfrm>
+            <a:off x="914400" y="2709080"/>
+            <a:ext cx="5868537" cy="3467881"/>
+          </a:xfrm>
+        </p:spPr>
+        <p:txBody>
+          <a:bodyPr rtlCol="0"/>
+          <a:lstStyle/>
+          <a:p>
+            <a:pPr rtl="0"/>
+            <a:r>
+              <a:rPr lang="en-US" altLang="zh-CN" dirty="0"/>
+              <a:t>Summary:</a:t>
+            </a:r>
+          </a:p>
+          <a:p>
+            <a:pPr rtl="0"/>
+            <a:r>
+              <a:rPr lang="en-US" altLang="zh-CN" dirty="0"/>
+              <a:t>HTML and CSS</a:t>
+            </a:r>
+          </a:p>
+          <a:p>
+            <a:pPr rtl="0"/>
             <a:endParaRPr lang="zh-CN" dirty="0"/>
           </a:p>
         </p:txBody>
       </p:sp>
       <p:pic>
         <p:nvPicPr>
-          <p:cNvPr id="8" name="图片占位符 7">
-            <a:extLst>
-              <a:ext uri="{FF2B5EF4-FFF2-40B4-BE49-F238E27FC236}">
-                <a16:creationId xmlns:a16="http://schemas.microsoft.com/office/drawing/2014/main" id="{1424FF41-F655-4118-95E4-CC03D489668A}"/>
+          <p:cNvPr id="9" name="图片占位符 8">
+            <a:extLst>
+              <a:ext uri="{FF2B5EF4-FFF2-40B4-BE49-F238E27FC236}">
+                <a16:creationId xmlns:a16="http://schemas.microsoft.com/office/drawing/2014/main" id="{B7D17764-41DE-474B-801F-3A31C13890CC}"/>
               </a:ext>
             </a:extLst>
           </p:cNvPr>
@@ -20589,22 +21003,22 @@
         </p:nvPicPr>
         <p:blipFill>
           <a:blip r:embed="rId2"/>
-          <a:srcRect l="25079" r="25079"/>
+          <a:srcRect l="22644" r="22644"/>
           <a:stretch/>
         </p:blipFill>
         <p:spPr>
           <a:xfrm>
-            <a:off x="-16483" y="0"/>
-            <a:ext cx="2773332" cy="2202508"/>
+            <a:off x="7326184" y="2126134"/>
+            <a:ext cx="2434622" cy="2503056"/>
           </a:xfrm>
         </p:spPr>
       </p:pic>
       <p:pic>
         <p:nvPicPr>
-          <p:cNvPr id="10" name="图片占位符 9">
-            <a:extLst>
-              <a:ext uri="{FF2B5EF4-FFF2-40B4-BE49-F238E27FC236}">
-                <a16:creationId xmlns:a16="http://schemas.microsoft.com/office/drawing/2014/main" id="{9CB36CBF-780F-44BF-90F7-7C2E32629CB9}"/>
+          <p:cNvPr id="11" name="图片占位符 10">
+            <a:extLst>
+              <a:ext uri="{FF2B5EF4-FFF2-40B4-BE49-F238E27FC236}">
+                <a16:creationId xmlns:a16="http://schemas.microsoft.com/office/drawing/2014/main" id="{D47600FE-FF70-4943-A9DC-B1AF91EC0CBC}"/>
               </a:ext>
             </a:extLst>
           </p:cNvPr>
@@ -20617,22 +21031,57 @@
         </p:nvPicPr>
         <p:blipFill>
           <a:blip r:embed="rId3"/>
-          <a:srcRect t="15404" b="15404"/>
+          <a:srcRect t="7664" b="7664"/>
           <a:stretch/>
         </p:blipFill>
         <p:spPr>
           <a:xfrm>
-            <a:off x="-16484" y="2202508"/>
-            <a:ext cx="2773332" cy="2327746"/>
+            <a:off x="9759092" y="2118839"/>
+            <a:ext cx="2432908" cy="2498880"/>
           </a:xfrm>
         </p:spPr>
       </p:pic>
+      <p:sp>
+        <p:nvSpPr>
+          <p:cNvPr id="17" name="页脚占位符 16">
+            <a:extLst>
+              <a:ext uri="{FF2B5EF4-FFF2-40B4-BE49-F238E27FC236}">
+                <a16:creationId xmlns:a16="http://schemas.microsoft.com/office/drawing/2014/main" id="{7CF31D05-F197-49CC-87BE-4A7FEB81335F}"/>
+              </a:ext>
+            </a:extLst>
+          </p:cNvPr>
+          <p:cNvSpPr>
+            <a:spLocks noGrp="1"/>
+          </p:cNvSpPr>
+          <p:nvPr>
+            <p:ph type="ftr" sz="quarter" idx="11"/>
+          </p:nvPr>
+        </p:nvSpPr>
+        <p:spPr>
+          <a:xfrm>
+            <a:off x="914400" y="6434560"/>
+            <a:ext cx="3428012" cy="365125"/>
+          </a:xfrm>
+        </p:spPr>
+        <p:txBody>
+          <a:bodyPr rtlCol="0"/>
+          <a:lstStyle/>
+          <a:p>
+            <a:pPr rtl="0"/>
+            <a:r>
+              <a:rPr lang="en-US" altLang="zh-CN" dirty="0"/>
+              <a:t>Website Design of John-Abbott College</a:t>
+            </a:r>
+            <a:endParaRPr lang="zh-CN" altLang="zh-CN" dirty="0"/>
+          </a:p>
+        </p:txBody>
+      </p:sp>
       <p:pic>
         <p:nvPicPr>
-          <p:cNvPr id="12" name="图片占位符 11">
-            <a:extLst>
-              <a:ext uri="{FF2B5EF4-FFF2-40B4-BE49-F238E27FC236}">
-                <a16:creationId xmlns:a16="http://schemas.microsoft.com/office/drawing/2014/main" id="{09C1E283-54F6-4BE3-BD4B-B4C5888D08CC}"/>
+          <p:cNvPr id="15" name="图片占位符 14">
+            <a:extLst>
+              <a:ext uri="{FF2B5EF4-FFF2-40B4-BE49-F238E27FC236}">
+                <a16:creationId xmlns:a16="http://schemas.microsoft.com/office/drawing/2014/main" id="{0A64F2A4-8811-44F1-825B-9D04590EB45A}"/>
               </a:ext>
             </a:extLst>
           </p:cNvPr>
@@ -20645,289 +21094,50 @@
         </p:nvPicPr>
         <p:blipFill>
           <a:blip r:embed="rId4"/>
-          <a:srcRect t="15404" b="15404"/>
+          <a:srcRect l="22375" r="22375"/>
           <a:stretch/>
         </p:blipFill>
         <p:spPr>
           <a:xfrm>
-            <a:off x="-16484" y="4530254"/>
-            <a:ext cx="2773332" cy="2327746"/>
+            <a:off x="7324344" y="4503573"/>
+            <a:ext cx="2434622" cy="2354427"/>
+          </a:xfrm>
+        </p:spPr>
+      </p:pic>
+      <p:pic>
+        <p:nvPicPr>
+          <p:cNvPr id="13" name="图片占位符 12">
+            <a:extLst>
+              <a:ext uri="{FF2B5EF4-FFF2-40B4-BE49-F238E27FC236}">
+                <a16:creationId xmlns:a16="http://schemas.microsoft.com/office/drawing/2014/main" id="{38CED09D-01FE-44EB-A655-6EC0819B7094}"/>
+              </a:ext>
+            </a:extLst>
+          </p:cNvPr>
+          <p:cNvPicPr>
+            <a:picLocks noGrp="1" noChangeAspect="1"/>
+          </p:cNvPicPr>
+          <p:nvPr>
+            <p:ph type="pic" sz="quarter" idx="16"/>
+          </p:nvPr>
+        </p:nvPicPr>
+        <p:blipFill>
+          <a:blip r:embed="rId5"/>
+          <a:srcRect t="3598" b="3598"/>
+          <a:stretch/>
+        </p:blipFill>
+        <p:spPr>
+          <a:xfrm>
+            <a:off x="9758966" y="4507560"/>
+            <a:ext cx="2434622" cy="2350439"/>
           </a:xfrm>
         </p:spPr>
       </p:pic>
       <p:sp>
         <p:nvSpPr>
-          <p:cNvPr id="3" name="内容占位符 2">
-            <a:extLst>
-              <a:ext uri="{FF2B5EF4-FFF2-40B4-BE49-F238E27FC236}">
-                <a16:creationId xmlns:a16="http://schemas.microsoft.com/office/drawing/2014/main" id="{42AFE50A-6F33-40AD-9446-D7F6D1B310CF}"/>
-              </a:ext>
-            </a:extLst>
-          </p:cNvPr>
-          <p:cNvSpPr>
-            <a:spLocks noGrp="1"/>
-          </p:cNvSpPr>
-          <p:nvPr>
-            <p:ph idx="1"/>
-          </p:nvPr>
-        </p:nvSpPr>
-        <p:spPr>
-          <a:xfrm>
-            <a:off x="3352800" y="2794177"/>
-            <a:ext cx="7476460" cy="3382786"/>
-          </a:xfrm>
-        </p:spPr>
-        <p:txBody>
-          <a:bodyPr rtlCol="0"/>
-          <a:lstStyle/>
-          <a:p>
-            <a:pPr>
-              <a:lnSpc>
-                <a:spcPct val="115000"/>
-              </a:lnSpc>
-            </a:pPr>
-            <a:r>
-              <a:rPr lang="en-US" altLang="zh-CN" sz="1800" dirty="0">
-                <a:solidFill>
-                  <a:srgbClr val="000000"/>
-                </a:solidFill>
-                <a:effectLst/>
-                <a:latin typeface="Calibri" panose="020F0502020204030204" pitchFamily="34" charset="0"/>
-                <a:ea typeface="等线" panose="02010600030101010101" pitchFamily="2" charset="-122"/>
-                <a:cs typeface="Cambria" panose="02040503050406030204" pitchFamily="18" charset="0"/>
-              </a:rPr>
-              <a:t>1. </a:t>
-            </a:r>
-            <a:r>
-              <a:rPr lang="en-US" altLang="zh-CN" sz="1600" b="0" i="0" u="none" strike="noStrike" dirty="0">
-                <a:solidFill>
-                  <a:srgbClr val="626675"/>
-                </a:solidFill>
-                <a:effectLst/>
-                <a:latin typeface="Arial" panose="020B0604020202020204" pitchFamily="34" charset="0"/>
-                <a:hlinkClick r:id="rId5"/>
-              </a:rPr>
-              <a:t>jnwl.jinan.gov.cn</a:t>
-            </a:r>
-            <a:endParaRPr lang="en-US" altLang="zh-CN" sz="1600" b="0" i="0" u="none" strike="noStrike" dirty="0">
-              <a:solidFill>
-                <a:srgbClr val="626675"/>
-              </a:solidFill>
-              <a:effectLst/>
-              <a:latin typeface="Arial" panose="020B0604020202020204" pitchFamily="34" charset="0"/>
-            </a:endParaRPr>
-          </a:p>
-          <a:p>
-            <a:pPr>
-              <a:lnSpc>
-                <a:spcPct val="115000"/>
-              </a:lnSpc>
-            </a:pPr>
-            <a:r>
-              <a:rPr lang="en-US" altLang="zh-CN" sz="1800" dirty="0">
-                <a:solidFill>
-                  <a:srgbClr val="000000"/>
-                </a:solidFill>
-                <a:effectLst/>
-                <a:latin typeface="Calibri" panose="020F0502020204030204" pitchFamily="34" charset="0"/>
-                <a:ea typeface="等线" panose="02010600030101010101" pitchFamily="2" charset="-122"/>
-                <a:cs typeface="Cambria" panose="02040503050406030204" pitchFamily="18" charset="0"/>
-              </a:rPr>
-              <a:t>2. </a:t>
-            </a:r>
-            <a:r>
-              <a:rPr lang="en-US" altLang="zh-CN" sz="1800" u="sng" dirty="0">
-                <a:solidFill>
-                  <a:srgbClr val="000000"/>
-                </a:solidFill>
-                <a:effectLst/>
-                <a:latin typeface="Calibri" panose="020F0502020204030204" pitchFamily="34" charset="0"/>
-                <a:ea typeface="等线" panose="02010600030101010101" pitchFamily="2" charset="-122"/>
-                <a:cs typeface="Cambria" panose="02040503050406030204" pitchFamily="18" charset="0"/>
-                <a:hlinkClick r:id="rId6"/>
-              </a:rPr>
-              <a:t>www.xiameng.com</a:t>
-            </a:r>
-            <a:endParaRPr lang="zh-CN" altLang="zh-CN" sz="1800" dirty="0">
-              <a:solidFill>
-                <a:srgbClr val="000000"/>
-              </a:solidFill>
-              <a:effectLst/>
-              <a:latin typeface="Cambria" panose="02040503050406030204" pitchFamily="18" charset="0"/>
-              <a:ea typeface="等线" panose="02010600030101010101" pitchFamily="2" charset="-122"/>
-              <a:cs typeface="Cambria" panose="02040503050406030204" pitchFamily="18" charset="0"/>
-            </a:endParaRPr>
-          </a:p>
-          <a:p>
-            <a:pPr>
-              <a:lnSpc>
-                <a:spcPct val="115000"/>
-              </a:lnSpc>
-            </a:pPr>
-            <a:r>
-              <a:rPr lang="en-US" altLang="zh-CN" sz="1800" dirty="0">
-                <a:solidFill>
-                  <a:srgbClr val="000000"/>
-                </a:solidFill>
-                <a:effectLst/>
-                <a:latin typeface="Calibri" panose="020F0502020204030204" pitchFamily="34" charset="0"/>
-                <a:ea typeface="等线" panose="02010600030101010101" pitchFamily="2" charset="-122"/>
-                <a:cs typeface="Cambria" panose="02040503050406030204" pitchFamily="18" charset="0"/>
-              </a:rPr>
-              <a:t>3. </a:t>
-            </a:r>
-            <a:r>
-              <a:rPr lang="en-US" altLang="zh-CN" sz="1800" dirty="0">
-                <a:solidFill>
-                  <a:srgbClr val="000000"/>
-                </a:solidFill>
-                <a:effectLst/>
-                <a:latin typeface="Calibri" panose="020F0502020204030204" pitchFamily="34" charset="0"/>
-                <a:ea typeface="等线" panose="02010600030101010101" pitchFamily="2" charset="-122"/>
-                <a:cs typeface="Cambria" panose="02040503050406030204" pitchFamily="18" charset="0"/>
-                <a:hlinkClick r:id="rId7"/>
-              </a:rPr>
-              <a:t>http://www.visitxm.com</a:t>
-            </a:r>
-            <a:endParaRPr lang="en-US" altLang="zh-CN" sz="1800" dirty="0">
-              <a:solidFill>
-                <a:srgbClr val="000000"/>
-              </a:solidFill>
-              <a:effectLst/>
-              <a:latin typeface="Calibri" panose="020F0502020204030204" pitchFamily="34" charset="0"/>
-              <a:ea typeface="等线" panose="02010600030101010101" pitchFamily="2" charset="-122"/>
-              <a:cs typeface="Cambria" panose="02040503050406030204" pitchFamily="18" charset="0"/>
-            </a:endParaRPr>
-          </a:p>
-          <a:p>
-            <a:pPr>
-              <a:lnSpc>
-                <a:spcPct val="115000"/>
-              </a:lnSpc>
-            </a:pPr>
-            <a:r>
-              <a:rPr lang="en-US" altLang="zh-CN" sz="1800" dirty="0">
-                <a:solidFill>
-                  <a:srgbClr val="000000"/>
-                </a:solidFill>
-                <a:effectLst/>
-                <a:latin typeface="Calibri" panose="020F0502020204030204" pitchFamily="34" charset="0"/>
-                <a:ea typeface="等线" panose="02010600030101010101" pitchFamily="2" charset="-122"/>
-                <a:cs typeface="Cambria" panose="02040503050406030204" pitchFamily="18" charset="0"/>
-              </a:rPr>
-              <a:t>4. </a:t>
-            </a:r>
-            <a:r>
-              <a:rPr lang="en-US" altLang="zh-CN" sz="1800" dirty="0">
-                <a:solidFill>
-                  <a:srgbClr val="000000"/>
-                </a:solidFill>
-                <a:effectLst/>
-                <a:latin typeface="Calibri" panose="020F0502020204030204" pitchFamily="34" charset="0"/>
-                <a:ea typeface="等线" panose="02010600030101010101" pitchFamily="2" charset="-122"/>
-                <a:cs typeface="Cambria" panose="02040503050406030204" pitchFamily="18" charset="0"/>
-                <a:hlinkClick r:id="rId8"/>
-              </a:rPr>
-              <a:t>www.dunhuangtour.com</a:t>
-            </a:r>
-            <a:endParaRPr lang="en-US" altLang="zh-CN" sz="1800" dirty="0">
-              <a:solidFill>
-                <a:srgbClr val="000000"/>
-              </a:solidFill>
-              <a:effectLst/>
-              <a:latin typeface="Calibri" panose="020F0502020204030204" pitchFamily="34" charset="0"/>
-              <a:ea typeface="等线" panose="02010600030101010101" pitchFamily="2" charset="-122"/>
-              <a:cs typeface="Cambria" panose="02040503050406030204" pitchFamily="18" charset="0"/>
-            </a:endParaRPr>
-          </a:p>
-          <a:p>
-            <a:pPr algn="l"/>
-            <a:r>
-              <a:rPr lang="en-US" altLang="zh-CN" sz="1800" dirty="0">
-                <a:solidFill>
-                  <a:srgbClr val="000000"/>
-                </a:solidFill>
-                <a:latin typeface="Calibri" panose="020F0502020204030204" pitchFamily="34" charset="0"/>
-                <a:ea typeface="等线" panose="02010600030101010101" pitchFamily="2" charset="-122"/>
-                <a:cs typeface="Cambria" panose="02040503050406030204" pitchFamily="18" charset="0"/>
-              </a:rPr>
-              <a:t>5. </a:t>
-            </a:r>
-            <a:r>
-              <a:rPr lang="it-IT" altLang="zh-CN" sz="1600" b="0" i="0" u="none" strike="noStrike" dirty="0">
-                <a:solidFill>
-                  <a:srgbClr val="202124"/>
-                </a:solidFill>
-                <a:effectLst/>
-                <a:latin typeface="arial" panose="020B0604020202020204" pitchFamily="34" charset="0"/>
-                <a:hlinkClick r:id="rId9"/>
-              </a:rPr>
-              <a:t>www.w3schools.com</a:t>
-            </a:r>
-            <a:endParaRPr lang="it-IT" altLang="zh-CN" sz="1600" b="0" i="0" u="none" strike="noStrike" dirty="0">
-              <a:solidFill>
-                <a:srgbClr val="1A0DAB"/>
-              </a:solidFill>
-              <a:effectLst/>
-              <a:latin typeface="arial" panose="020B0604020202020204" pitchFamily="34" charset="0"/>
-              <a:hlinkClick r:id="rId9"/>
-            </a:endParaRPr>
-          </a:p>
-          <a:p>
-            <a:pPr rtl="0"/>
-            <a:endParaRPr lang="zh-CN" dirty="0"/>
-          </a:p>
-        </p:txBody>
-      </p:sp>
-      <p:sp>
-        <p:nvSpPr>
-          <p:cNvPr id="14" name="页脚占位符 13">
-            <a:extLst>
-              <a:ext uri="{FF2B5EF4-FFF2-40B4-BE49-F238E27FC236}">
-                <a16:creationId xmlns:a16="http://schemas.microsoft.com/office/drawing/2014/main" id="{F2598B45-0899-4C64-A088-FE0583534F45}"/>
-              </a:ext>
-            </a:extLst>
-          </p:cNvPr>
-          <p:cNvSpPr>
-            <a:spLocks noGrp="1"/>
-          </p:cNvSpPr>
-          <p:nvPr>
-            <p:ph type="ftr" sz="quarter" idx="11"/>
-          </p:nvPr>
-        </p:nvSpPr>
-        <p:spPr>
-          <a:xfrm>
-            <a:off x="2756848" y="6349239"/>
-            <a:ext cx="3428012" cy="365125"/>
-          </a:xfrm>
-        </p:spPr>
-        <p:txBody>
-          <a:bodyPr rtlCol="0"/>
-          <a:lstStyle/>
-          <a:p>
-            <a:pPr rtl="0"/>
-            <a:r>
-              <a:rPr lang="en-US" altLang="zh-CN" dirty="0">
-                <a:solidFill>
-                  <a:schemeClr val="tx1"/>
-                </a:solidFill>
-              </a:rPr>
-              <a:t>Website Design of John-Abbott College</a:t>
-            </a:r>
-            <a:endParaRPr lang="zh-CN" altLang="zh-CN" dirty="0">
-              <a:solidFill>
-                <a:schemeClr val="tx1"/>
-              </a:solidFill>
-            </a:endParaRPr>
-          </a:p>
-        </p:txBody>
-      </p:sp>
-      <p:sp>
-        <p:nvSpPr>
-          <p:cNvPr id="13" name="日期占位符 12">
-            <a:extLst>
-              <a:ext uri="{FF2B5EF4-FFF2-40B4-BE49-F238E27FC236}">
-                <a16:creationId xmlns:a16="http://schemas.microsoft.com/office/drawing/2014/main" id="{A3967E21-B2F3-45A0-8DC7-5AA3CCC51699}"/>
+          <p:cNvPr id="16" name="日期占位符 15">
+            <a:extLst>
+              <a:ext uri="{FF2B5EF4-FFF2-40B4-BE49-F238E27FC236}">
+                <a16:creationId xmlns:a16="http://schemas.microsoft.com/office/drawing/2014/main" id="{6D298BC0-D1EE-4B8A-B546-4C8799240D8F}"/>
               </a:ext>
             </a:extLst>
           </p:cNvPr>
@@ -20979,10 +21189,10 @@
       </p:sp>
       <p:sp>
         <p:nvSpPr>
-          <p:cNvPr id="15" name="灯片编号占位符 14">
-            <a:extLst>
-              <a:ext uri="{FF2B5EF4-FFF2-40B4-BE49-F238E27FC236}">
-                <a16:creationId xmlns:a16="http://schemas.microsoft.com/office/drawing/2014/main" id="{E87B0019-071E-4C19-9139-35D5377D2C85}"/>
+          <p:cNvPr id="18" name="灯片编号占位符 17">
+            <a:extLst>
+              <a:ext uri="{FF2B5EF4-FFF2-40B4-BE49-F238E27FC236}">
+                <a16:creationId xmlns:a16="http://schemas.microsoft.com/office/drawing/2014/main" id="{0CFCA4BA-5731-4BC1-9FF7-23403BFA938A}"/>
               </a:ext>
             </a:extLst>
           </p:cNvPr>
@@ -21016,7 +21226,7 @@
     </p:spTree>
     <p:extLst>
       <p:ext uri="{BB962C8B-B14F-4D97-AF65-F5344CB8AC3E}">
-        <p14:creationId xmlns:p14="http://schemas.microsoft.com/office/powerpoint/2010/main" val="162092071"/>
+        <p14:creationId xmlns:p14="http://schemas.microsoft.com/office/powerpoint/2010/main" val="3154595954"/>
       </p:ext>
     </p:extLst>
   </p:cSld>
@@ -21045,6 +21255,521 @@
       </p:grpSpPr>
       <p:sp>
         <p:nvSpPr>
+          <p:cNvPr id="59" name="标题 58">
+            <a:extLst>
+              <a:ext uri="{FF2B5EF4-FFF2-40B4-BE49-F238E27FC236}">
+                <a16:creationId xmlns:a16="http://schemas.microsoft.com/office/drawing/2014/main" id="{FD483A78-48D6-4682-BE37-B2D0C566DB9D}"/>
+              </a:ext>
+            </a:extLst>
+          </p:cNvPr>
+          <p:cNvSpPr>
+            <a:spLocks noGrp="1"/>
+          </p:cNvSpPr>
+          <p:nvPr>
+            <p:ph type="title"/>
+          </p:nvPr>
+        </p:nvSpPr>
+        <p:spPr>
+          <a:xfrm>
+            <a:off x="2743200" y="1"/>
+            <a:ext cx="9432315" cy="2198972"/>
+          </a:xfrm>
+        </p:spPr>
+        <p:txBody>
+          <a:bodyPr rtlCol="0"/>
+          <a:lstStyle/>
+          <a:p>
+            <a:pPr rtl="0"/>
+            <a:r>
+              <a:rPr lang="en-US" altLang="zh-CN" dirty="0"/>
+              <a:t>Summary and</a:t>
+            </a:r>
+            <a:r>
+              <a:rPr lang="zh-CN" altLang="en-US" dirty="0"/>
+              <a:t> </a:t>
+            </a:r>
+            <a:r>
+              <a:rPr lang="en-US" altLang="zh-CN" dirty="0"/>
+              <a:t>Reference</a:t>
+            </a:r>
+            <a:endParaRPr lang="zh-CN" dirty="0"/>
+          </a:p>
+        </p:txBody>
+      </p:sp>
+      <p:pic>
+        <p:nvPicPr>
+          <p:cNvPr id="8" name="图片占位符 7">
+            <a:extLst>
+              <a:ext uri="{FF2B5EF4-FFF2-40B4-BE49-F238E27FC236}">
+                <a16:creationId xmlns:a16="http://schemas.microsoft.com/office/drawing/2014/main" id="{1424FF41-F655-4118-95E4-CC03D489668A}"/>
+              </a:ext>
+            </a:extLst>
+          </p:cNvPr>
+          <p:cNvPicPr>
+            <a:picLocks noGrp="1" noChangeAspect="1"/>
+          </p:cNvPicPr>
+          <p:nvPr>
+            <p:ph type="pic" sz="quarter" idx="13"/>
+          </p:nvPr>
+        </p:nvPicPr>
+        <p:blipFill>
+          <a:blip r:embed="rId2"/>
+          <a:srcRect l="25079" r="25079"/>
+          <a:stretch/>
+        </p:blipFill>
+        <p:spPr>
+          <a:xfrm>
+            <a:off x="-16483" y="0"/>
+            <a:ext cx="2773332" cy="2202508"/>
+          </a:xfrm>
+        </p:spPr>
+      </p:pic>
+      <p:pic>
+        <p:nvPicPr>
+          <p:cNvPr id="10" name="图片占位符 9">
+            <a:extLst>
+              <a:ext uri="{FF2B5EF4-FFF2-40B4-BE49-F238E27FC236}">
+                <a16:creationId xmlns:a16="http://schemas.microsoft.com/office/drawing/2014/main" id="{9CB36CBF-780F-44BF-90F7-7C2E32629CB9}"/>
+              </a:ext>
+            </a:extLst>
+          </p:cNvPr>
+          <p:cNvPicPr>
+            <a:picLocks noGrp="1" noChangeAspect="1"/>
+          </p:cNvPicPr>
+          <p:nvPr>
+            <p:ph type="pic" sz="quarter" idx="14"/>
+          </p:nvPr>
+        </p:nvPicPr>
+        <p:blipFill>
+          <a:blip r:embed="rId3"/>
+          <a:srcRect t="15404" b="15404"/>
+          <a:stretch/>
+        </p:blipFill>
+        <p:spPr>
+          <a:xfrm>
+            <a:off x="-16484" y="2202508"/>
+            <a:ext cx="2773332" cy="2327746"/>
+          </a:xfrm>
+        </p:spPr>
+      </p:pic>
+      <p:pic>
+        <p:nvPicPr>
+          <p:cNvPr id="12" name="图片占位符 11">
+            <a:extLst>
+              <a:ext uri="{FF2B5EF4-FFF2-40B4-BE49-F238E27FC236}">
+                <a16:creationId xmlns:a16="http://schemas.microsoft.com/office/drawing/2014/main" id="{09C1E283-54F6-4BE3-BD4B-B4C5888D08CC}"/>
+              </a:ext>
+            </a:extLst>
+          </p:cNvPr>
+          <p:cNvPicPr>
+            <a:picLocks noGrp="1" noChangeAspect="1"/>
+          </p:cNvPicPr>
+          <p:nvPr>
+            <p:ph type="pic" sz="quarter" idx="15"/>
+          </p:nvPr>
+        </p:nvPicPr>
+        <p:blipFill>
+          <a:blip r:embed="rId4"/>
+          <a:srcRect t="15404" b="15404"/>
+          <a:stretch/>
+        </p:blipFill>
+        <p:spPr>
+          <a:xfrm>
+            <a:off x="-16484" y="4530254"/>
+            <a:ext cx="2773332" cy="2327746"/>
+          </a:xfrm>
+        </p:spPr>
+      </p:pic>
+      <p:sp>
+        <p:nvSpPr>
+          <p:cNvPr id="3" name="内容占位符 2">
+            <a:extLst>
+              <a:ext uri="{FF2B5EF4-FFF2-40B4-BE49-F238E27FC236}">
+                <a16:creationId xmlns:a16="http://schemas.microsoft.com/office/drawing/2014/main" id="{42AFE50A-6F33-40AD-9446-D7F6D1B310CF}"/>
+              </a:ext>
+            </a:extLst>
+          </p:cNvPr>
+          <p:cNvSpPr>
+            <a:spLocks noGrp="1"/>
+          </p:cNvSpPr>
+          <p:nvPr>
+            <p:ph idx="1"/>
+          </p:nvPr>
+        </p:nvSpPr>
+        <p:spPr>
+          <a:xfrm>
+            <a:off x="3352800" y="2794177"/>
+            <a:ext cx="7476460" cy="3382786"/>
+          </a:xfrm>
+        </p:spPr>
+        <p:txBody>
+          <a:bodyPr rtlCol="0"/>
+          <a:lstStyle/>
+          <a:p>
+            <a:pPr>
+              <a:lnSpc>
+                <a:spcPct val="115000"/>
+              </a:lnSpc>
+            </a:pPr>
+            <a:r>
+              <a:rPr lang="en-US" altLang="zh-CN" sz="1800" dirty="0">
+                <a:solidFill>
+                  <a:srgbClr val="000000"/>
+                </a:solidFill>
+                <a:effectLst/>
+                <a:latin typeface="Calibri" panose="020F0502020204030204" pitchFamily="34" charset="0"/>
+                <a:ea typeface="等线" panose="02010600030101010101" pitchFamily="2" charset="-122"/>
+                <a:cs typeface="Cambria" panose="02040503050406030204" pitchFamily="18" charset="0"/>
+              </a:rPr>
+              <a:t>1. </a:t>
+            </a:r>
+            <a:r>
+              <a:rPr lang="en-US" altLang="zh-CN" sz="1600" b="0" i="0" u="none" strike="noStrike" dirty="0">
+                <a:solidFill>
+                  <a:srgbClr val="626675"/>
+                </a:solidFill>
+                <a:effectLst/>
+                <a:latin typeface="Arial" panose="020B0604020202020204" pitchFamily="34" charset="0"/>
+                <a:hlinkClick r:id="rId5"/>
+              </a:rPr>
+              <a:t>jnwl.jinan.gov.cn</a:t>
+            </a:r>
+            <a:endParaRPr lang="en-US" altLang="zh-CN" sz="1600" b="0" i="0" u="none" strike="noStrike" dirty="0">
+              <a:solidFill>
+                <a:srgbClr val="626675"/>
+              </a:solidFill>
+              <a:effectLst/>
+              <a:latin typeface="Arial" panose="020B0604020202020204" pitchFamily="34" charset="0"/>
+            </a:endParaRPr>
+          </a:p>
+          <a:p>
+            <a:pPr>
+              <a:lnSpc>
+                <a:spcPct val="115000"/>
+              </a:lnSpc>
+            </a:pPr>
+            <a:r>
+              <a:rPr lang="en-US" altLang="zh-CN" sz="1800" dirty="0">
+                <a:solidFill>
+                  <a:srgbClr val="000000"/>
+                </a:solidFill>
+                <a:effectLst/>
+                <a:latin typeface="Calibri" panose="020F0502020204030204" pitchFamily="34" charset="0"/>
+                <a:ea typeface="等线" panose="02010600030101010101" pitchFamily="2" charset="-122"/>
+                <a:cs typeface="Cambria" panose="02040503050406030204" pitchFamily="18" charset="0"/>
+              </a:rPr>
+              <a:t>2. </a:t>
+            </a:r>
+            <a:r>
+              <a:rPr lang="en-US" altLang="zh-CN" sz="1800" u="sng" dirty="0">
+                <a:solidFill>
+                  <a:srgbClr val="000000"/>
+                </a:solidFill>
+                <a:effectLst/>
+                <a:latin typeface="Calibri" panose="020F0502020204030204" pitchFamily="34" charset="0"/>
+                <a:ea typeface="等线" panose="02010600030101010101" pitchFamily="2" charset="-122"/>
+                <a:cs typeface="Cambria" panose="02040503050406030204" pitchFamily="18" charset="0"/>
+                <a:hlinkClick r:id="rId6"/>
+              </a:rPr>
+              <a:t>www.xiameng.com</a:t>
+            </a:r>
+            <a:endParaRPr lang="zh-CN" altLang="zh-CN" sz="1800" dirty="0">
+              <a:solidFill>
+                <a:srgbClr val="000000"/>
+              </a:solidFill>
+              <a:effectLst/>
+              <a:latin typeface="Cambria" panose="02040503050406030204" pitchFamily="18" charset="0"/>
+              <a:ea typeface="等线" panose="02010600030101010101" pitchFamily="2" charset="-122"/>
+              <a:cs typeface="Cambria" panose="02040503050406030204" pitchFamily="18" charset="0"/>
+            </a:endParaRPr>
+          </a:p>
+          <a:p>
+            <a:pPr>
+              <a:lnSpc>
+                <a:spcPct val="115000"/>
+              </a:lnSpc>
+            </a:pPr>
+            <a:r>
+              <a:rPr lang="en-US" altLang="zh-CN" sz="1800" dirty="0">
+                <a:solidFill>
+                  <a:srgbClr val="000000"/>
+                </a:solidFill>
+                <a:effectLst/>
+                <a:latin typeface="Calibri" panose="020F0502020204030204" pitchFamily="34" charset="0"/>
+                <a:ea typeface="等线" panose="02010600030101010101" pitchFamily="2" charset="-122"/>
+                <a:cs typeface="Cambria" panose="02040503050406030204" pitchFamily="18" charset="0"/>
+              </a:rPr>
+              <a:t>3. </a:t>
+            </a:r>
+            <a:r>
+              <a:rPr lang="en-US" altLang="zh-CN" sz="1800" dirty="0">
+                <a:solidFill>
+                  <a:srgbClr val="000000"/>
+                </a:solidFill>
+                <a:effectLst/>
+                <a:latin typeface="Calibri" panose="020F0502020204030204" pitchFamily="34" charset="0"/>
+                <a:ea typeface="等线" panose="02010600030101010101" pitchFamily="2" charset="-122"/>
+                <a:cs typeface="Cambria" panose="02040503050406030204" pitchFamily="18" charset="0"/>
+                <a:hlinkClick r:id="rId7"/>
+              </a:rPr>
+              <a:t>http://www.visitxm.com</a:t>
+            </a:r>
+            <a:endParaRPr lang="en-US" altLang="zh-CN" sz="1800" dirty="0">
+              <a:solidFill>
+                <a:srgbClr val="000000"/>
+              </a:solidFill>
+              <a:effectLst/>
+              <a:latin typeface="Calibri" panose="020F0502020204030204" pitchFamily="34" charset="0"/>
+              <a:ea typeface="等线" panose="02010600030101010101" pitchFamily="2" charset="-122"/>
+              <a:cs typeface="Cambria" panose="02040503050406030204" pitchFamily="18" charset="0"/>
+            </a:endParaRPr>
+          </a:p>
+          <a:p>
+            <a:pPr>
+              <a:lnSpc>
+                <a:spcPct val="115000"/>
+              </a:lnSpc>
+            </a:pPr>
+            <a:r>
+              <a:rPr lang="en-US" altLang="zh-CN" sz="1800" dirty="0">
+                <a:solidFill>
+                  <a:srgbClr val="000000"/>
+                </a:solidFill>
+                <a:effectLst/>
+                <a:latin typeface="Calibri" panose="020F0502020204030204" pitchFamily="34" charset="0"/>
+                <a:ea typeface="等线" panose="02010600030101010101" pitchFamily="2" charset="-122"/>
+                <a:cs typeface="Cambria" panose="02040503050406030204" pitchFamily="18" charset="0"/>
+              </a:rPr>
+              <a:t>4. </a:t>
+            </a:r>
+            <a:r>
+              <a:rPr lang="en-US" altLang="zh-CN" sz="1800" dirty="0">
+                <a:solidFill>
+                  <a:srgbClr val="000000"/>
+                </a:solidFill>
+                <a:effectLst/>
+                <a:latin typeface="Calibri" panose="020F0502020204030204" pitchFamily="34" charset="0"/>
+                <a:ea typeface="等线" panose="02010600030101010101" pitchFamily="2" charset="-122"/>
+                <a:cs typeface="Cambria" panose="02040503050406030204" pitchFamily="18" charset="0"/>
+                <a:hlinkClick r:id="rId8"/>
+              </a:rPr>
+              <a:t>www.dunhuangtour.com</a:t>
+            </a:r>
+            <a:endParaRPr lang="en-US" altLang="zh-CN" sz="1800" dirty="0">
+              <a:solidFill>
+                <a:srgbClr val="000000"/>
+              </a:solidFill>
+              <a:effectLst/>
+              <a:latin typeface="Calibri" panose="020F0502020204030204" pitchFamily="34" charset="0"/>
+              <a:ea typeface="等线" panose="02010600030101010101" pitchFamily="2" charset="-122"/>
+              <a:cs typeface="Cambria" panose="02040503050406030204" pitchFamily="18" charset="0"/>
+            </a:endParaRPr>
+          </a:p>
+          <a:p>
+            <a:pPr algn="l"/>
+            <a:r>
+              <a:rPr lang="en-US" altLang="zh-CN" sz="1800" dirty="0">
+                <a:solidFill>
+                  <a:srgbClr val="000000"/>
+                </a:solidFill>
+                <a:latin typeface="Calibri" panose="020F0502020204030204" pitchFamily="34" charset="0"/>
+                <a:ea typeface="等线" panose="02010600030101010101" pitchFamily="2" charset="-122"/>
+                <a:cs typeface="Cambria" panose="02040503050406030204" pitchFamily="18" charset="0"/>
+              </a:rPr>
+              <a:t>5. </a:t>
+            </a:r>
+            <a:r>
+              <a:rPr lang="it-IT" altLang="zh-CN" sz="1600" b="0" i="0" u="none" strike="noStrike" dirty="0">
+                <a:solidFill>
+                  <a:srgbClr val="202124"/>
+                </a:solidFill>
+                <a:effectLst/>
+                <a:latin typeface="arial" panose="020B0604020202020204" pitchFamily="34" charset="0"/>
+                <a:hlinkClick r:id="rId9"/>
+              </a:rPr>
+              <a:t>www.w3schools.com</a:t>
+            </a:r>
+            <a:endParaRPr lang="it-IT" altLang="zh-CN" sz="1600" b="0" i="0" u="none" strike="noStrike" dirty="0">
+              <a:solidFill>
+                <a:srgbClr val="1A0DAB"/>
+              </a:solidFill>
+              <a:effectLst/>
+              <a:latin typeface="arial" panose="020B0604020202020204" pitchFamily="34" charset="0"/>
+              <a:hlinkClick r:id="rId9"/>
+            </a:endParaRPr>
+          </a:p>
+          <a:p>
+            <a:pPr rtl="0"/>
+            <a:endParaRPr lang="zh-CN" dirty="0"/>
+          </a:p>
+        </p:txBody>
+      </p:sp>
+      <p:sp>
+        <p:nvSpPr>
+          <p:cNvPr id="14" name="页脚占位符 13">
+            <a:extLst>
+              <a:ext uri="{FF2B5EF4-FFF2-40B4-BE49-F238E27FC236}">
+                <a16:creationId xmlns:a16="http://schemas.microsoft.com/office/drawing/2014/main" id="{F2598B45-0899-4C64-A088-FE0583534F45}"/>
+              </a:ext>
+            </a:extLst>
+          </p:cNvPr>
+          <p:cNvSpPr>
+            <a:spLocks noGrp="1"/>
+          </p:cNvSpPr>
+          <p:nvPr>
+            <p:ph type="ftr" sz="quarter" idx="11"/>
+          </p:nvPr>
+        </p:nvSpPr>
+        <p:spPr>
+          <a:xfrm>
+            <a:off x="2756848" y="6349239"/>
+            <a:ext cx="3428012" cy="365125"/>
+          </a:xfrm>
+        </p:spPr>
+        <p:txBody>
+          <a:bodyPr rtlCol="0"/>
+          <a:lstStyle/>
+          <a:p>
+            <a:pPr rtl="0"/>
+            <a:r>
+              <a:rPr lang="en-US" altLang="zh-CN" dirty="0">
+                <a:solidFill>
+                  <a:schemeClr val="tx1"/>
+                </a:solidFill>
+              </a:rPr>
+              <a:t>Website Design of John-Abbott College</a:t>
+            </a:r>
+            <a:endParaRPr lang="zh-CN" altLang="zh-CN" dirty="0">
+              <a:solidFill>
+                <a:schemeClr val="tx1"/>
+              </a:solidFill>
+            </a:endParaRPr>
+          </a:p>
+        </p:txBody>
+      </p:sp>
+      <p:sp>
+        <p:nvSpPr>
+          <p:cNvPr id="13" name="日期占位符 12">
+            <a:extLst>
+              <a:ext uri="{FF2B5EF4-FFF2-40B4-BE49-F238E27FC236}">
+                <a16:creationId xmlns:a16="http://schemas.microsoft.com/office/drawing/2014/main" id="{A3967E21-B2F3-45A0-8DC7-5AA3CCC51699}"/>
+              </a:ext>
+            </a:extLst>
+          </p:cNvPr>
+          <p:cNvSpPr>
+            <a:spLocks noGrp="1"/>
+          </p:cNvSpPr>
+          <p:nvPr>
+            <p:ph type="dt" sz="half" idx="10"/>
+          </p:nvPr>
+        </p:nvSpPr>
+        <p:spPr>
+          <a:xfrm>
+            <a:off x="9017000" y="6433202"/>
+            <a:ext cx="2374150" cy="367841"/>
+          </a:xfrm>
+        </p:spPr>
+        <p:txBody>
+          <a:bodyPr rtlCol="0"/>
+          <a:lstStyle/>
+          <a:p>
+            <a:pPr rtl="0"/>
+            <a:r>
+              <a:rPr lang="zh-CN" altLang="zh-CN" dirty="0"/>
+              <a:t>20</a:t>
+            </a:r>
+            <a:r>
+              <a:rPr lang="en-US" altLang="zh-CN" dirty="0"/>
+              <a:t>21</a:t>
+            </a:r>
+            <a:r>
+              <a:rPr lang="zh-CN" altLang="zh-CN" dirty="0"/>
+              <a:t>/</a:t>
+            </a:r>
+            <a:r>
+              <a:rPr lang="en-US" altLang="zh-CN" dirty="0"/>
+              <a:t>09</a:t>
+            </a:r>
+            <a:r>
+              <a:rPr lang="zh-CN" altLang="zh-CN" dirty="0"/>
+              <a:t>/</a:t>
+            </a:r>
+            <a:r>
+              <a:rPr lang="en-US" altLang="zh-CN" dirty="0"/>
+              <a:t>01</a:t>
+            </a:r>
+            <a:endParaRPr lang="zh-CN" altLang="zh-CN" dirty="0"/>
+          </a:p>
+        </p:txBody>
+      </p:sp>
+      <p:sp>
+        <p:nvSpPr>
+          <p:cNvPr id="15" name="灯片编号占位符 14">
+            <a:extLst>
+              <a:ext uri="{FF2B5EF4-FFF2-40B4-BE49-F238E27FC236}">
+                <a16:creationId xmlns:a16="http://schemas.microsoft.com/office/drawing/2014/main" id="{E87B0019-071E-4C19-9139-35D5377D2C85}"/>
+              </a:ext>
+            </a:extLst>
+          </p:cNvPr>
+          <p:cNvSpPr>
+            <a:spLocks noGrp="1"/>
+          </p:cNvSpPr>
+          <p:nvPr>
+            <p:ph type="sldNum" sz="quarter" idx="12"/>
+          </p:nvPr>
+        </p:nvSpPr>
+        <p:spPr>
+          <a:xfrm>
+            <a:off x="11391150" y="6433203"/>
+            <a:ext cx="693263" cy="367842"/>
+          </a:xfrm>
+        </p:spPr>
+        <p:txBody>
+          <a:bodyPr rtlCol="0"/>
+          <a:lstStyle/>
+          <a:p>
+            <a:pPr rtl="0"/>
+            <a:fld id="{08AB70BE-1769-45B8-85A6-0C837432C7E6}" type="slidenum">
+              <a:rPr lang="en-US" altLang="zh-CN" smtClean="0"/>
+              <a:pPr rtl="0"/>
+              <a:t>18</a:t>
+            </a:fld>
+            <a:endParaRPr lang="zh-CN" dirty="0"/>
+          </a:p>
+        </p:txBody>
+      </p:sp>
+    </p:spTree>
+    <p:extLst>
+      <p:ext uri="{BB962C8B-B14F-4D97-AF65-F5344CB8AC3E}">
+        <p14:creationId xmlns:p14="http://schemas.microsoft.com/office/powerpoint/2010/main" val="162092071"/>
+      </p:ext>
+    </p:extLst>
+  </p:cSld>
+  <p:clrMapOvr>
+    <a:masterClrMapping/>
+  </p:clrMapOvr>
+</p:sld>
+</file>
+
+<file path=ppt/slides/slide19.xml><?xml version="1.0" encoding="utf-8"?>
+<p:sld xmlns:a="http://schemas.openxmlformats.org/drawingml/2006/main" xmlns:r="http://schemas.openxmlformats.org/officeDocument/2006/relationships" xmlns:p="http://schemas.openxmlformats.org/presentationml/2006/main">
+  <p:cSld>
+    <p:spTree>
+      <p:nvGrpSpPr>
+        <p:cNvPr id="1" name=""/>
+        <p:cNvGrpSpPr/>
+        <p:nvPr/>
+      </p:nvGrpSpPr>
+      <p:grpSpPr>
+        <a:xfrm>
+          <a:off x="0" y="0"/>
+          <a:ext cx="0" cy="0"/>
+          <a:chOff x="0" y="0"/>
+          <a:chExt cx="0" cy="0"/>
+        </a:xfrm>
+      </p:grpSpPr>
+      <p:sp>
+        <p:nvSpPr>
           <p:cNvPr id="2" name="标题 1">
             <a:extLst>
               <a:ext uri="{FF2B5EF4-FFF2-40B4-BE49-F238E27FC236}">
@@ -21303,7 +22028,7 @@
                   <a:spcPts val="600"/>
                 </a:spcAft>
               </a:pPr>
-              <a:t>18</a:t>
+              <a:t>19</a:t>
             </a:fld>
             <a:endParaRPr lang="zh-CN"/>
           </a:p>
@@ -24857,7 +25582,78 @@
 </a:theme>
 </file>
 
+<file path=ppt/theme/themeOverride1.xml><?xml version="1.0" encoding="utf-8"?>
+<a:themeOverride xmlns:a="http://schemas.openxmlformats.org/drawingml/2006/main">
+  <a:clrScheme name="Custom 50">
+    <a:dk1>
+      <a:sysClr val="windowText" lastClr="000000"/>
+    </a:dk1>
+    <a:lt1>
+      <a:srgbClr val="F4F2EC"/>
+    </a:lt1>
+    <a:dk2>
+      <a:srgbClr val="09283F"/>
+    </a:dk2>
+    <a:lt2>
+      <a:srgbClr val="FFFFFF"/>
+    </a:lt2>
+    <a:accent1>
+      <a:srgbClr val="3C9A8F"/>
+    </a:accent1>
+    <a:accent2>
+      <a:srgbClr val="18818C"/>
+    </a:accent2>
+    <a:accent3>
+      <a:srgbClr val="800A2F"/>
+    </a:accent3>
+    <a:accent4>
+      <a:srgbClr val="F6635C"/>
+    </a:accent4>
+    <a:accent5>
+      <a:srgbClr val="F48E7C"/>
+    </a:accent5>
+    <a:accent6>
+      <a:srgbClr val="DA9D16"/>
+    </a:accent6>
+    <a:hlink>
+      <a:srgbClr val="ED621D"/>
+    </a:hlink>
+    <a:folHlink>
+      <a:srgbClr val="A18A6D"/>
+    </a:folHlink>
+  </a:clrScheme>
+</a:themeOverride>
+</file>
+
 <file path=customXml/item1.xml><?xml version="1.0" encoding="utf-8"?>
+<p:properties xmlns:p="http://schemas.microsoft.com/office/2006/metadata/properties" xmlns:xsi="http://www.w3.org/2001/XMLSchema-instance" xmlns:pc="http://schemas.microsoft.com/office/infopath/2007/PartnerControls">
+  <documentManagement>
+    <Status xmlns="71af3243-3dd4-4a8d-8c0d-dd76da1f02a5">Not started</Status>
+    <_ip_UnifiedCompliancePolicyUIAction xmlns="http://schemas.microsoft.com/sharepoint/v3" xsi:nil="true"/>
+    <Image xmlns="71af3243-3dd4-4a8d-8c0d-dd76da1f02a5">
+      <Url xsi:nil="true"/>
+      <Description xsi:nil="true"/>
+    </Image>
+    <_ip_UnifiedCompliancePolicyProperties xmlns="http://schemas.microsoft.com/sharepoint/v3" xsi:nil="true"/>
+    <lcf76f155ced4ddcb4097134ff3c332f xmlns="71af3243-3dd4-4a8d-8c0d-dd76da1f02a5">
+      <Terms xmlns="http://schemas.microsoft.com/office/infopath/2007/PartnerControls"/>
+    </lcf76f155ced4ddcb4097134ff3c332f>
+    <TaxCatchAll xmlns="230e9df3-be65-4c73-a93b-d1236ebd677e"/>
+    <MediaServiceKeyPoints xmlns="71af3243-3dd4-4a8d-8c0d-dd76da1f02a5" xsi:nil="true"/>
+  </documentManagement>
+</p:properties>
+</file>
+
+<file path=customXml/item2.xml><?xml version="1.0" encoding="utf-8"?>
+<?mso-contentType ?>
+<FormTemplates xmlns="http://schemas.microsoft.com/sharepoint/v3/contenttype/forms">
+  <Display>DocumentLibraryForm</Display>
+  <Edit>DocumentLibraryForm</Edit>
+  <New>DocumentLibraryForm</New>
+</FormTemplates>
+</file>
+
+<file path=customXml/item3.xml><?xml version="1.0" encoding="utf-8"?>
 <ct:contentTypeSchema xmlns:ct="http://schemas.microsoft.com/office/2006/metadata/contentType" xmlns:ma="http://schemas.microsoft.com/office/2006/metadata/properties/metaAttributes" ct:_="" ma:_="" ma:contentTypeName="Document" ma:contentTypeID="0x01010079F111ED35F8CC479449609E8A0923A6" ma:contentTypeVersion="18" ma:contentTypeDescription="Create a new document." ma:contentTypeScope="" ma:versionID="22a266b9fa9a230c5a512669d8b298c3">
   <xsd:schema xmlns:xsd="http://www.w3.org/2001/XMLSchema" xmlns:xs="http://www.w3.org/2001/XMLSchema" xmlns:p="http://schemas.microsoft.com/office/2006/metadata/properties" xmlns:ns1="http://schemas.microsoft.com/sharepoint/v3" xmlns:ns2="71af3243-3dd4-4a8d-8c0d-dd76da1f02a5" xmlns:ns3="16c05727-aa75-4e4a-9b5f-8a80a1165891" xmlns:ns4="230e9df3-be65-4c73-a93b-d1236ebd677e" targetNamespace="http://schemas.microsoft.com/office/2006/metadata/properties" ma:root="true" ma:fieldsID="eddc33fff6b14141ee5c74a0d29ea6a1" ns1:_="" ns2:_="" ns3:_="" ns4:_="">
     <xsd:import namespace="http://schemas.microsoft.com/sharepoint/v3"/>
@@ -25133,35 +25929,27 @@
 </ct:contentTypeSchema>
 </file>
 
-<file path=customXml/item2.xml><?xml version="1.0" encoding="utf-8"?>
-<?mso-contentType ?>
-<FormTemplates xmlns="http://schemas.microsoft.com/sharepoint/v3/contenttype/forms">
-  <Display>DocumentLibraryForm</Display>
-  <Edit>DocumentLibraryForm</Edit>
-  <New>DocumentLibraryForm</New>
-</FormTemplates>
+<file path=customXml/itemProps1.xml><?xml version="1.0" encoding="utf-8"?>
+<ds:datastoreItem xmlns:ds="http://schemas.openxmlformats.org/officeDocument/2006/customXml" ds:itemID="{4EAB8BBB-9A18-4050-923B-7FC6E36DA496}">
+  <ds:schemaRefs>
+    <ds:schemaRef ds:uri="http://schemas.microsoft.com/office/2006/metadata/properties"/>
+    <ds:schemaRef ds:uri="http://schemas.microsoft.com/office/infopath/2007/PartnerControls"/>
+    <ds:schemaRef ds:uri="71af3243-3dd4-4a8d-8c0d-dd76da1f02a5"/>
+    <ds:schemaRef ds:uri="http://schemas.microsoft.com/sharepoint/v3"/>
+    <ds:schemaRef ds:uri="230e9df3-be65-4c73-a93b-d1236ebd677e"/>
+  </ds:schemaRefs>
+</ds:datastoreItem>
 </file>
 
-<file path=customXml/item3.xml><?xml version="1.0" encoding="utf-8"?>
-<p:properties xmlns:p="http://schemas.microsoft.com/office/2006/metadata/properties" xmlns:xsi="http://www.w3.org/2001/XMLSchema-instance" xmlns:pc="http://schemas.microsoft.com/office/infopath/2007/PartnerControls">
-  <documentManagement>
-    <Status xmlns="71af3243-3dd4-4a8d-8c0d-dd76da1f02a5">Not started</Status>
-    <_ip_UnifiedCompliancePolicyUIAction xmlns="http://schemas.microsoft.com/sharepoint/v3" xsi:nil="true"/>
-    <Image xmlns="71af3243-3dd4-4a8d-8c0d-dd76da1f02a5">
-      <Url xsi:nil="true"/>
-      <Description xsi:nil="true"/>
-    </Image>
-    <_ip_UnifiedCompliancePolicyProperties xmlns="http://schemas.microsoft.com/sharepoint/v3" xsi:nil="true"/>
-    <lcf76f155ced4ddcb4097134ff3c332f xmlns="71af3243-3dd4-4a8d-8c0d-dd76da1f02a5">
-      <Terms xmlns="http://schemas.microsoft.com/office/infopath/2007/PartnerControls"/>
-    </lcf76f155ced4ddcb4097134ff3c332f>
-    <TaxCatchAll xmlns="230e9df3-be65-4c73-a93b-d1236ebd677e"/>
-    <MediaServiceKeyPoints xmlns="71af3243-3dd4-4a8d-8c0d-dd76da1f02a5" xsi:nil="true"/>
-  </documentManagement>
-</p:properties>
+<file path=customXml/itemProps2.xml><?xml version="1.0" encoding="utf-8"?>
+<ds:datastoreItem xmlns:ds="http://schemas.openxmlformats.org/officeDocument/2006/customXml" ds:itemID="{0B61E4D0-D101-4A17-BA61-F29B2B6CFE74}">
+  <ds:schemaRefs>
+    <ds:schemaRef ds:uri="http://schemas.microsoft.com/sharepoint/v3/contenttype/forms"/>
+  </ds:schemaRefs>
+</ds:datastoreItem>
 </file>
 
-<file path=customXml/itemProps1.xml><?xml version="1.0" encoding="utf-8"?>
+<file path=customXml/itemProps3.xml><?xml version="1.0" encoding="utf-8"?>
 <ds:datastoreItem xmlns:ds="http://schemas.openxmlformats.org/officeDocument/2006/customXml" ds:itemID="{5BD36D06-4CB7-4DF0-BC60-E9BFBDAC456D}">
   <ds:schemaRefs>
     <ds:schemaRef ds:uri="http://schemas.microsoft.com/office/2006/metadata/contentType"/>
@@ -25182,26 +25970,6 @@
 </ds:datastoreItem>
 </file>
 
-<file path=customXml/itemProps2.xml><?xml version="1.0" encoding="utf-8"?>
-<ds:datastoreItem xmlns:ds="http://schemas.openxmlformats.org/officeDocument/2006/customXml" ds:itemID="{0B61E4D0-D101-4A17-BA61-F29B2B6CFE74}">
-  <ds:schemaRefs>
-    <ds:schemaRef ds:uri="http://schemas.microsoft.com/sharepoint/v3/contenttype/forms"/>
-  </ds:schemaRefs>
-</ds:datastoreItem>
-</file>
-
-<file path=customXml/itemProps3.xml><?xml version="1.0" encoding="utf-8"?>
-<ds:datastoreItem xmlns:ds="http://schemas.openxmlformats.org/officeDocument/2006/customXml" ds:itemID="{4EAB8BBB-9A18-4050-923B-7FC6E36DA496}">
-  <ds:schemaRefs>
-    <ds:schemaRef ds:uri="http://schemas.microsoft.com/office/2006/metadata/properties"/>
-    <ds:schemaRef ds:uri="http://schemas.microsoft.com/office/infopath/2007/PartnerControls"/>
-    <ds:schemaRef ds:uri="71af3243-3dd4-4a8d-8c0d-dd76da1f02a5"/>
-    <ds:schemaRef ds:uri="http://schemas.microsoft.com/sharepoint/v3"/>
-    <ds:schemaRef ds:uri="230e9df3-be65-4c73-a93b-d1236ebd677e"/>
-  </ds:schemaRefs>
-</ds:datastoreItem>
-</file>
-
 <file path=docMetadata/LabelInfo.xml><?xml version="1.0" encoding="utf-8"?>
 <clbl:labelList xmlns:clbl="http://schemas.microsoft.com/office/2020/mipLabelMetadata">
   <clbl:label id="{f42aa342-8706-4288-bd11-ebb85995028c}" enabled="1" method="Standard" siteId="{72f988bf-86f1-41af-91ab-2d7cd011db47}" contentBits="0" removed="0"/>

--- a/docs/Website Design for tourist attraction.pptx
+++ b/docs/Website Design for tourist attraction.pptx
@@ -5,10 +5,10 @@
     <p:sldMasterId id="2147483660" r:id="rId4"/>
   </p:sldMasterIdLst>
   <p:notesMasterIdLst>
-    <p:notesMasterId r:id="rId24"/>
+    <p:notesMasterId r:id="rId25"/>
   </p:notesMasterIdLst>
   <p:handoutMasterIdLst>
-    <p:handoutMasterId r:id="rId25"/>
+    <p:handoutMasterId r:id="rId26"/>
   </p:handoutMasterIdLst>
   <p:sldIdLst>
     <p:sldId id="410" r:id="rId5"/>
@@ -24,12 +24,13 @@
     <p:sldId id="426" r:id="rId15"/>
     <p:sldId id="420" r:id="rId16"/>
     <p:sldId id="416" r:id="rId17"/>
-    <p:sldId id="412" r:id="rId18"/>
-    <p:sldId id="411" r:id="rId19"/>
-    <p:sldId id="418" r:id="rId20"/>
-    <p:sldId id="400" r:id="rId21"/>
-    <p:sldId id="372" r:id="rId22"/>
-    <p:sldId id="407" r:id="rId23"/>
+    <p:sldId id="418" r:id="rId18"/>
+    <p:sldId id="427" r:id="rId19"/>
+    <p:sldId id="412" r:id="rId20"/>
+    <p:sldId id="411" r:id="rId21"/>
+    <p:sldId id="400" r:id="rId22"/>
+    <p:sldId id="372" r:id="rId23"/>
+    <p:sldId id="407" r:id="rId24"/>
   </p:sldIdLst>
   <p:sldSz cx="12192000" cy="6858000"/>
   <p:notesSz cx="6858000" cy="9144000"/>
@@ -1515,7 +1516,7 @@
           <a:pPr rtl="0"/>
           <a:r>
             <a:rPr lang="en-US" altLang="zh-CN" sz="1300" b="0" i="0" u="none" dirty="0"/>
-            <a:t>Team work together and do consolidation and adjustment</a:t>
+            <a:t>Team work together for integrating, do consolidation and adjustment</a:t>
           </a:r>
           <a:endParaRPr lang="zh-CN" sz="1300" dirty="0"/>
         </a:p>
@@ -1729,7 +1730,7 @@
       <dgm:spPr/>
     </dgm:pt>
     <dgm:pt modelId="{481176DA-885A-4BEE-AC35-A7ACB387C136}" type="pres">
-      <dgm:prSet presAssocID="{5D81D719-E82E-4750-9F53-C6F61B9B6DAC}" presName="Childtext1" presStyleLbl="revTx" presStyleIdx="3" presStyleCnt="5" custScaleX="63833">
+      <dgm:prSet presAssocID="{5D81D719-E82E-4750-9F53-C6F61B9B6DAC}" presName="Childtext1" presStyleLbl="revTx" presStyleIdx="3" presStyleCnt="5" custScaleX="88619">
         <dgm:presLayoutVars>
           <dgm:bulletEnabled val="1"/>
         </dgm:presLayoutVars>
@@ -2706,8 +2707,8 @@
       </dsp:nvSpPr>
       <dsp:spPr>
         <a:xfrm>
-          <a:off x="6116616" y="2828369"/>
-          <a:ext cx="1970106" cy="1522968"/>
+          <a:off x="5734125" y="2828369"/>
+          <a:ext cx="2735088" cy="1522968"/>
         </a:xfrm>
         <a:prstGeom prst="rect">
           <a:avLst/>
@@ -2786,14 +2787,14 @@
           </a:pPr>
           <a:r>
             <a:rPr lang="en-US" altLang="zh-CN" sz="1300" b="0" i="0" u="none" kern="1200" dirty="0"/>
-            <a:t>Team work together and do consolidation and adjustment</a:t>
+            <a:t>Team work together for integrating, do consolidation and adjustment</a:t>
           </a:r>
           <a:endParaRPr lang="zh-CN" sz="1300" kern="1200" dirty="0"/>
         </a:p>
       </dsp:txBody>
       <dsp:txXfrm>
-        <a:off x="6116616" y="2828369"/>
-        <a:ext cx="1970106" cy="1522968"/>
+        <a:off x="5734125" y="2828369"/>
+        <a:ext cx="2735088" cy="1522968"/>
       </dsp:txXfrm>
     </dsp:sp>
     <dsp:sp modelId="{88489ECF-FC66-4C9E-AE9D-6C22832F5BE0}">
@@ -19866,6 +19867,36 @@
           </a:prstGeom>
         </p:spPr>
       </p:pic>
+      <p:pic>
+        <p:nvPicPr>
+          <p:cNvPr id="6" name="图片 5" descr="图表, 条形图&#10;&#10;描述已自动生成">
+            <a:extLst>
+              <a:ext uri="{FF2B5EF4-FFF2-40B4-BE49-F238E27FC236}">
+                <a16:creationId xmlns:a16="http://schemas.microsoft.com/office/drawing/2014/main" id="{1235992C-5F70-4926-8E18-EB9935AACE17}"/>
+              </a:ext>
+            </a:extLst>
+          </p:cNvPr>
+          <p:cNvPicPr>
+            <a:picLocks noChangeAspect="1"/>
+          </p:cNvPicPr>
+          <p:nvPr/>
+        </p:nvPicPr>
+        <p:blipFill>
+          <a:blip r:embed="rId3"/>
+          <a:stretch>
+            <a:fillRect/>
+          </a:stretch>
+        </p:blipFill>
+        <p:spPr>
+          <a:xfrm>
+            <a:off x="1117896" y="3207556"/>
+            <a:ext cx="2754762" cy="3202388"/>
+          </a:xfrm>
+          <a:prstGeom prst="rect">
+            <a:avLst/>
+          </a:prstGeom>
+        </p:spPr>
+      </p:pic>
     </p:spTree>
     <p:extLst>
       <p:ext uri="{BB962C8B-B14F-4D97-AF65-F5344CB8AC3E}">
@@ -19922,7 +19953,11 @@
           <a:bodyPr rtlCol="0"/>
           <a:lstStyle/>
           <a:p>
-            <a:pPr rtl="0"/>
+            <a:pPr>
+              <a:lnSpc>
+                <a:spcPct val="115000"/>
+              </a:lnSpc>
+            </a:pPr>
             <a:r>
               <a:rPr lang="en-US" altLang="zh-CN" b="1" i="1" dirty="0">
                 <a:solidFill>
@@ -19930,15 +19965,18 @@
                 </a:solidFill>
                 <a:latin typeface="Calibri" panose="020F0502020204030204" pitchFamily="34" charset="0"/>
                 <a:ea typeface="等线" panose="02010600030101010101" pitchFamily="2" charset="-122"/>
+                <a:cs typeface="Cambria" panose="02040503050406030204" pitchFamily="18" charset="0"/>
               </a:rPr>
-              <a:t>Spring Method by Trello</a:t>
-            </a:r>
-            <a:endParaRPr lang="zh-CN" altLang="en-US" b="1" i="1" dirty="0">
+              <a:t>Website Structure Chart</a:t>
+            </a:r>
+            <a:endParaRPr lang="zh-CN" altLang="zh-CN" sz="4000" dirty="0">
               <a:solidFill>
                 <a:srgbClr val="000000"/>
               </a:solidFill>
-              <a:latin typeface="Calibri" panose="020F0502020204030204" pitchFamily="34" charset="0"/>
+              <a:effectLst/>
+              <a:latin typeface="Cambria" panose="02040503050406030204" pitchFamily="18" charset="0"/>
               <a:ea typeface="等线" panose="02010600030101010101" pitchFamily="2" charset="-122"/>
+              <a:cs typeface="Cambria" panose="02040503050406030204" pitchFamily="18" charset="0"/>
             </a:endParaRPr>
           </a:p>
         </p:txBody>
@@ -20064,6 +20102,479 @@
               <a:rPr lang="en-US" altLang="zh-CN" smtClean="0"/>
               <a:pPr rtl="0"/>
               <a:t>14</a:t>
+            </a:fld>
+            <a:endParaRPr lang="zh-CN" dirty="0"/>
+          </a:p>
+        </p:txBody>
+      </p:sp>
+      <p:pic>
+        <p:nvPicPr>
+          <p:cNvPr id="11" name="图片 10" descr="图表, 箱线图&#10;&#10;描述已自动生成">
+            <a:extLst>
+              <a:ext uri="{FF2B5EF4-FFF2-40B4-BE49-F238E27FC236}">
+                <a16:creationId xmlns:a16="http://schemas.microsoft.com/office/drawing/2014/main" id="{FBB062A4-57AE-4B92-9504-5692025E8C76}"/>
+              </a:ext>
+            </a:extLst>
+          </p:cNvPr>
+          <p:cNvPicPr>
+            <a:picLocks noChangeAspect="1"/>
+          </p:cNvPicPr>
+          <p:nvPr/>
+        </p:nvPicPr>
+        <p:blipFill>
+          <a:blip r:embed="rId2"/>
+          <a:stretch>
+            <a:fillRect/>
+          </a:stretch>
+        </p:blipFill>
+        <p:spPr>
+          <a:xfrm>
+            <a:off x="389777" y="1777060"/>
+            <a:ext cx="11001375" cy="4371975"/>
+          </a:xfrm>
+          <a:prstGeom prst="rect">
+            <a:avLst/>
+          </a:prstGeom>
+        </p:spPr>
+      </p:pic>
+    </p:spTree>
+    <p:extLst>
+      <p:ext uri="{BB962C8B-B14F-4D97-AF65-F5344CB8AC3E}">
+        <p14:creationId xmlns:p14="http://schemas.microsoft.com/office/powerpoint/2010/main" val="374858642"/>
+      </p:ext>
+    </p:extLst>
+  </p:cSld>
+  <p:clrMapOvr>
+    <a:masterClrMapping/>
+  </p:clrMapOvr>
+</p:sld>
+</file>
+
+<file path=ppt/slides/slide15.xml><?xml version="1.0" encoding="utf-8"?>
+<p:sld xmlns:a="http://schemas.openxmlformats.org/drawingml/2006/main" xmlns:r="http://schemas.openxmlformats.org/officeDocument/2006/relationships" xmlns:p="http://schemas.openxmlformats.org/presentationml/2006/main">
+  <p:cSld>
+    <p:spTree>
+      <p:nvGrpSpPr>
+        <p:cNvPr id="1" name=""/>
+        <p:cNvGrpSpPr/>
+        <p:nvPr/>
+      </p:nvGrpSpPr>
+      <p:grpSpPr>
+        <a:xfrm>
+          <a:off x="0" y="0"/>
+          <a:ext cx="0" cy="0"/>
+          <a:chOff x="0" y="0"/>
+          <a:chExt cx="0" cy="0"/>
+        </a:xfrm>
+      </p:grpSpPr>
+      <p:sp>
+        <p:nvSpPr>
+          <p:cNvPr id="2" name="标题 1">
+            <a:extLst>
+              <a:ext uri="{FF2B5EF4-FFF2-40B4-BE49-F238E27FC236}">
+                <a16:creationId xmlns:a16="http://schemas.microsoft.com/office/drawing/2014/main" id="{A459A0FD-000E-4BE6-AF65-BB86C656DB23}"/>
+              </a:ext>
+            </a:extLst>
+          </p:cNvPr>
+          <p:cNvSpPr>
+            <a:spLocks noGrp="1"/>
+          </p:cNvSpPr>
+          <p:nvPr>
+            <p:ph type="title"/>
+          </p:nvPr>
+        </p:nvSpPr>
+        <p:spPr>
+          <a:xfrm>
+            <a:off x="905256" y="448056"/>
+            <a:ext cx="9914859" cy="1329004"/>
+          </a:xfrm>
+        </p:spPr>
+        <p:txBody>
+          <a:bodyPr rtlCol="0"/>
+          <a:lstStyle/>
+          <a:p>
+            <a:pPr>
+              <a:lnSpc>
+                <a:spcPct val="115000"/>
+              </a:lnSpc>
+            </a:pPr>
+            <a:r>
+              <a:rPr lang="en-US" altLang="zh-CN" b="1" i="1" dirty="0">
+                <a:solidFill>
+                  <a:srgbClr val="000000"/>
+                </a:solidFill>
+                <a:latin typeface="Calibri" panose="020F0502020204030204" pitchFamily="34" charset="0"/>
+                <a:ea typeface="等线" panose="02010600030101010101" pitchFamily="2" charset="-122"/>
+                <a:cs typeface="Cambria" panose="02040503050406030204" pitchFamily="18" charset="0"/>
+              </a:rPr>
+              <a:t>Website Structure Chart</a:t>
+            </a:r>
+            <a:endParaRPr lang="zh-CN" altLang="zh-CN" sz="4000" dirty="0">
+              <a:solidFill>
+                <a:srgbClr val="000000"/>
+              </a:solidFill>
+              <a:effectLst/>
+              <a:latin typeface="Cambria" panose="02040503050406030204" pitchFamily="18" charset="0"/>
+              <a:ea typeface="等线" panose="02010600030101010101" pitchFamily="2" charset="-122"/>
+              <a:cs typeface="Cambria" panose="02040503050406030204" pitchFamily="18" charset="0"/>
+            </a:endParaRPr>
+          </a:p>
+        </p:txBody>
+      </p:sp>
+      <p:sp>
+        <p:nvSpPr>
+          <p:cNvPr id="8" name="页脚占位符 7">
+            <a:extLst>
+              <a:ext uri="{FF2B5EF4-FFF2-40B4-BE49-F238E27FC236}">
+                <a16:creationId xmlns:a16="http://schemas.microsoft.com/office/drawing/2014/main" id="{7C5D7998-ED26-4436-85BB-287CF3B07AB1}"/>
+              </a:ext>
+            </a:extLst>
+          </p:cNvPr>
+          <p:cNvSpPr>
+            <a:spLocks noGrp="1"/>
+          </p:cNvSpPr>
+          <p:nvPr>
+            <p:ph type="ftr" sz="quarter" idx="11"/>
+          </p:nvPr>
+        </p:nvSpPr>
+        <p:spPr>
+          <a:xfrm>
+            <a:off x="914400" y="6437376"/>
+            <a:ext cx="3775914" cy="365125"/>
+          </a:xfrm>
+        </p:spPr>
+        <p:txBody>
+          <a:bodyPr rtlCol="0"/>
+          <a:lstStyle/>
+          <a:p>
+            <a:pPr rtl="0"/>
+            <a:r>
+              <a:rPr lang="en-US" altLang="zh-CN" dirty="0"/>
+              <a:t>Website Design of John-Abbott College</a:t>
+            </a:r>
+            <a:endParaRPr lang="zh-CN" altLang="zh-CN" dirty="0"/>
+          </a:p>
+        </p:txBody>
+      </p:sp>
+      <p:sp>
+        <p:nvSpPr>
+          <p:cNvPr id="7" name="日期占位符 6">
+            <a:extLst>
+              <a:ext uri="{FF2B5EF4-FFF2-40B4-BE49-F238E27FC236}">
+                <a16:creationId xmlns:a16="http://schemas.microsoft.com/office/drawing/2014/main" id="{8BE129AC-705E-40E6-B0FC-ECDDA2A41B2A}"/>
+              </a:ext>
+            </a:extLst>
+          </p:cNvPr>
+          <p:cNvSpPr>
+            <a:spLocks noGrp="1"/>
+          </p:cNvSpPr>
+          <p:nvPr>
+            <p:ph type="dt" sz="half" idx="10"/>
+          </p:nvPr>
+        </p:nvSpPr>
+        <p:spPr>
+          <a:xfrm>
+            <a:off x="9323285" y="6434524"/>
+            <a:ext cx="2067867" cy="365125"/>
+          </a:xfrm>
+        </p:spPr>
+        <p:txBody>
+          <a:bodyPr rtlCol="0"/>
+          <a:lstStyle/>
+          <a:p>
+            <a:pPr rtl="0"/>
+            <a:r>
+              <a:rPr lang="zh-CN" altLang="zh-CN" dirty="0"/>
+              <a:t>20</a:t>
+            </a:r>
+            <a:r>
+              <a:rPr lang="en-US" altLang="zh-CN" dirty="0"/>
+              <a:t>21</a:t>
+            </a:r>
+            <a:r>
+              <a:rPr lang="zh-CN" altLang="zh-CN" dirty="0"/>
+              <a:t>/</a:t>
+            </a:r>
+            <a:r>
+              <a:rPr lang="en-US" altLang="zh-CN" dirty="0"/>
+              <a:t>09</a:t>
+            </a:r>
+            <a:r>
+              <a:rPr lang="zh-CN" altLang="zh-CN" dirty="0"/>
+              <a:t>/</a:t>
+            </a:r>
+            <a:r>
+              <a:rPr lang="en-US" altLang="zh-CN" dirty="0"/>
+              <a:t>01</a:t>
+            </a:r>
+            <a:endParaRPr lang="zh-CN" altLang="zh-CN" dirty="0"/>
+          </a:p>
+        </p:txBody>
+      </p:sp>
+      <p:sp>
+        <p:nvSpPr>
+          <p:cNvPr id="9" name="幻灯片编号占位符 8">
+            <a:extLst>
+              <a:ext uri="{FF2B5EF4-FFF2-40B4-BE49-F238E27FC236}">
+                <a16:creationId xmlns:a16="http://schemas.microsoft.com/office/drawing/2014/main" id="{948698A3-3CB3-4698-8F42-F3D81D37FF44}"/>
+              </a:ext>
+            </a:extLst>
+          </p:cNvPr>
+          <p:cNvSpPr>
+            <a:spLocks noGrp="1"/>
+          </p:cNvSpPr>
+          <p:nvPr>
+            <p:ph type="sldNum" sz="quarter" idx="12"/>
+          </p:nvPr>
+        </p:nvSpPr>
+        <p:spPr>
+          <a:xfrm>
+            <a:off x="11391152" y="6434524"/>
+            <a:ext cx="693261" cy="365125"/>
+          </a:xfrm>
+        </p:spPr>
+        <p:txBody>
+          <a:bodyPr rtlCol="0"/>
+          <a:lstStyle/>
+          <a:p>
+            <a:pPr rtl="0"/>
+            <a:fld id="{08AB70BE-1769-45B8-85A6-0C837432C7E6}" type="slidenum">
+              <a:rPr lang="en-US" altLang="zh-CN" smtClean="0"/>
+              <a:pPr rtl="0"/>
+              <a:t>15</a:t>
+            </a:fld>
+            <a:endParaRPr lang="zh-CN" dirty="0"/>
+          </a:p>
+        </p:txBody>
+      </p:sp>
+      <p:pic>
+        <p:nvPicPr>
+          <p:cNvPr id="6" name="图片 5" descr="图表, 箱线图&#10;&#10;描述已自动生成">
+            <a:extLst>
+              <a:ext uri="{FF2B5EF4-FFF2-40B4-BE49-F238E27FC236}">
+                <a16:creationId xmlns:a16="http://schemas.microsoft.com/office/drawing/2014/main" id="{C647326C-566A-47DD-A652-43C3CC61098B}"/>
+              </a:ext>
+            </a:extLst>
+          </p:cNvPr>
+          <p:cNvPicPr>
+            <a:picLocks noChangeAspect="1"/>
+          </p:cNvPicPr>
+          <p:nvPr/>
+        </p:nvPicPr>
+        <p:blipFill>
+          <a:blip r:embed="rId2"/>
+          <a:stretch>
+            <a:fillRect/>
+          </a:stretch>
+        </p:blipFill>
+        <p:spPr>
+          <a:xfrm>
+            <a:off x="1093787" y="1542669"/>
+            <a:ext cx="8886825" cy="4867275"/>
+          </a:xfrm>
+          <a:prstGeom prst="rect">
+            <a:avLst/>
+          </a:prstGeom>
+        </p:spPr>
+      </p:pic>
+    </p:spTree>
+    <p:extLst>
+      <p:ext uri="{BB962C8B-B14F-4D97-AF65-F5344CB8AC3E}">
+        <p14:creationId xmlns:p14="http://schemas.microsoft.com/office/powerpoint/2010/main" val="3200033940"/>
+      </p:ext>
+    </p:extLst>
+  </p:cSld>
+  <p:clrMapOvr>
+    <a:masterClrMapping/>
+  </p:clrMapOvr>
+</p:sld>
+</file>
+
+<file path=ppt/slides/slide16.xml><?xml version="1.0" encoding="utf-8"?>
+<p:sld xmlns:a="http://schemas.openxmlformats.org/drawingml/2006/main" xmlns:r="http://schemas.openxmlformats.org/officeDocument/2006/relationships" xmlns:p="http://schemas.openxmlformats.org/presentationml/2006/main">
+  <p:cSld>
+    <p:spTree>
+      <p:nvGrpSpPr>
+        <p:cNvPr id="1" name=""/>
+        <p:cNvGrpSpPr/>
+        <p:nvPr/>
+      </p:nvGrpSpPr>
+      <p:grpSpPr>
+        <a:xfrm>
+          <a:off x="0" y="0"/>
+          <a:ext cx="0" cy="0"/>
+          <a:chOff x="0" y="0"/>
+          <a:chExt cx="0" cy="0"/>
+        </a:xfrm>
+      </p:grpSpPr>
+      <p:sp>
+        <p:nvSpPr>
+          <p:cNvPr id="2" name="标题 1">
+            <a:extLst>
+              <a:ext uri="{FF2B5EF4-FFF2-40B4-BE49-F238E27FC236}">
+                <a16:creationId xmlns:a16="http://schemas.microsoft.com/office/drawing/2014/main" id="{A459A0FD-000E-4BE6-AF65-BB86C656DB23}"/>
+              </a:ext>
+            </a:extLst>
+          </p:cNvPr>
+          <p:cNvSpPr>
+            <a:spLocks noGrp="1"/>
+          </p:cNvSpPr>
+          <p:nvPr>
+            <p:ph type="title"/>
+          </p:nvPr>
+        </p:nvSpPr>
+        <p:spPr>
+          <a:xfrm>
+            <a:off x="905256" y="448056"/>
+            <a:ext cx="9914859" cy="1329004"/>
+          </a:xfrm>
+        </p:spPr>
+        <p:txBody>
+          <a:bodyPr rtlCol="0"/>
+          <a:lstStyle/>
+          <a:p>
+            <a:pPr rtl="0"/>
+            <a:r>
+              <a:rPr lang="en-US" altLang="zh-CN" b="1" i="1" dirty="0">
+                <a:solidFill>
+                  <a:srgbClr val="000000"/>
+                </a:solidFill>
+                <a:latin typeface="Calibri" panose="020F0502020204030204" pitchFamily="34" charset="0"/>
+                <a:ea typeface="等线" panose="02010600030101010101" pitchFamily="2" charset="-122"/>
+              </a:rPr>
+              <a:t>Spring Method by Trello</a:t>
+            </a:r>
+            <a:endParaRPr lang="zh-CN" altLang="en-US" b="1" i="1" dirty="0">
+              <a:solidFill>
+                <a:srgbClr val="000000"/>
+              </a:solidFill>
+              <a:latin typeface="Calibri" panose="020F0502020204030204" pitchFamily="34" charset="0"/>
+              <a:ea typeface="等线" panose="02010600030101010101" pitchFamily="2" charset="-122"/>
+            </a:endParaRPr>
+          </a:p>
+        </p:txBody>
+      </p:sp>
+      <p:sp>
+        <p:nvSpPr>
+          <p:cNvPr id="8" name="页脚占位符 7">
+            <a:extLst>
+              <a:ext uri="{FF2B5EF4-FFF2-40B4-BE49-F238E27FC236}">
+                <a16:creationId xmlns:a16="http://schemas.microsoft.com/office/drawing/2014/main" id="{7C5D7998-ED26-4436-85BB-287CF3B07AB1}"/>
+              </a:ext>
+            </a:extLst>
+          </p:cNvPr>
+          <p:cNvSpPr>
+            <a:spLocks noGrp="1"/>
+          </p:cNvSpPr>
+          <p:nvPr>
+            <p:ph type="ftr" sz="quarter" idx="11"/>
+          </p:nvPr>
+        </p:nvSpPr>
+        <p:spPr>
+          <a:xfrm>
+            <a:off x="914400" y="6437376"/>
+            <a:ext cx="3775914" cy="365125"/>
+          </a:xfrm>
+        </p:spPr>
+        <p:txBody>
+          <a:bodyPr rtlCol="0"/>
+          <a:lstStyle/>
+          <a:p>
+            <a:pPr rtl="0"/>
+            <a:r>
+              <a:rPr lang="en-US" altLang="zh-CN" dirty="0"/>
+              <a:t>Website Design of John-Abbott College</a:t>
+            </a:r>
+            <a:endParaRPr lang="zh-CN" altLang="zh-CN" dirty="0"/>
+          </a:p>
+        </p:txBody>
+      </p:sp>
+      <p:sp>
+        <p:nvSpPr>
+          <p:cNvPr id="7" name="日期占位符 6">
+            <a:extLst>
+              <a:ext uri="{FF2B5EF4-FFF2-40B4-BE49-F238E27FC236}">
+                <a16:creationId xmlns:a16="http://schemas.microsoft.com/office/drawing/2014/main" id="{8BE129AC-705E-40E6-B0FC-ECDDA2A41B2A}"/>
+              </a:ext>
+            </a:extLst>
+          </p:cNvPr>
+          <p:cNvSpPr>
+            <a:spLocks noGrp="1"/>
+          </p:cNvSpPr>
+          <p:nvPr>
+            <p:ph type="dt" sz="half" idx="10"/>
+          </p:nvPr>
+        </p:nvSpPr>
+        <p:spPr>
+          <a:xfrm>
+            <a:off x="9323285" y="6434524"/>
+            <a:ext cx="2067867" cy="365125"/>
+          </a:xfrm>
+        </p:spPr>
+        <p:txBody>
+          <a:bodyPr rtlCol="0"/>
+          <a:lstStyle/>
+          <a:p>
+            <a:pPr rtl="0"/>
+            <a:r>
+              <a:rPr lang="zh-CN" altLang="zh-CN" dirty="0"/>
+              <a:t>20</a:t>
+            </a:r>
+            <a:r>
+              <a:rPr lang="en-US" altLang="zh-CN" dirty="0"/>
+              <a:t>21</a:t>
+            </a:r>
+            <a:r>
+              <a:rPr lang="zh-CN" altLang="zh-CN" dirty="0"/>
+              <a:t>/</a:t>
+            </a:r>
+            <a:r>
+              <a:rPr lang="en-US" altLang="zh-CN" dirty="0"/>
+              <a:t>09</a:t>
+            </a:r>
+            <a:r>
+              <a:rPr lang="zh-CN" altLang="zh-CN" dirty="0"/>
+              <a:t>/</a:t>
+            </a:r>
+            <a:r>
+              <a:rPr lang="en-US" altLang="zh-CN" dirty="0"/>
+              <a:t>01</a:t>
+            </a:r>
+            <a:endParaRPr lang="zh-CN" altLang="zh-CN" dirty="0"/>
+          </a:p>
+        </p:txBody>
+      </p:sp>
+      <p:sp>
+        <p:nvSpPr>
+          <p:cNvPr id="9" name="幻灯片编号占位符 8">
+            <a:extLst>
+              <a:ext uri="{FF2B5EF4-FFF2-40B4-BE49-F238E27FC236}">
+                <a16:creationId xmlns:a16="http://schemas.microsoft.com/office/drawing/2014/main" id="{948698A3-3CB3-4698-8F42-F3D81D37FF44}"/>
+              </a:ext>
+            </a:extLst>
+          </p:cNvPr>
+          <p:cNvSpPr>
+            <a:spLocks noGrp="1"/>
+          </p:cNvSpPr>
+          <p:nvPr>
+            <p:ph type="sldNum" sz="quarter" idx="12"/>
+          </p:nvPr>
+        </p:nvSpPr>
+        <p:spPr>
+          <a:xfrm>
+            <a:off x="11391152" y="6434524"/>
+            <a:ext cx="693261" cy="365125"/>
+          </a:xfrm>
+        </p:spPr>
+        <p:txBody>
+          <a:bodyPr rtlCol="0"/>
+          <a:lstStyle/>
+          <a:p>
+            <a:pPr rtl="0"/>
+            <a:fld id="{08AB70BE-1769-45B8-85A6-0C837432C7E6}" type="slidenum">
+              <a:rPr lang="en-US" altLang="zh-CN" smtClean="0"/>
+              <a:pPr rtl="0"/>
+              <a:t>16</a:t>
             </a:fld>
             <a:endParaRPr lang="zh-CN" dirty="0"/>
           </a:p>
@@ -20424,462 +20935,6 @@
 </p:sld>
 </file>
 
-<file path=ppt/slides/slide15.xml><?xml version="1.0" encoding="utf-8"?>
-<p:sld xmlns:a="http://schemas.openxmlformats.org/drawingml/2006/main" xmlns:r="http://schemas.openxmlformats.org/officeDocument/2006/relationships" xmlns:p="http://schemas.openxmlformats.org/presentationml/2006/main">
-  <p:cSld>
-    <p:spTree>
-      <p:nvGrpSpPr>
-        <p:cNvPr id="1" name=""/>
-        <p:cNvGrpSpPr/>
-        <p:nvPr/>
-      </p:nvGrpSpPr>
-      <p:grpSpPr>
-        <a:xfrm>
-          <a:off x="0" y="0"/>
-          <a:ext cx="0" cy="0"/>
-          <a:chOff x="0" y="0"/>
-          <a:chExt cx="0" cy="0"/>
-        </a:xfrm>
-      </p:grpSpPr>
-      <p:sp>
-        <p:nvSpPr>
-          <p:cNvPr id="2" name="标题 1">
-            <a:extLst>
-              <a:ext uri="{FF2B5EF4-FFF2-40B4-BE49-F238E27FC236}">
-                <a16:creationId xmlns:a16="http://schemas.microsoft.com/office/drawing/2014/main" id="{AA584C88-9468-43F0-84FE-87E6F8995935}"/>
-              </a:ext>
-            </a:extLst>
-          </p:cNvPr>
-          <p:cNvSpPr>
-            <a:spLocks noGrp="1"/>
-          </p:cNvSpPr>
-          <p:nvPr>
-            <p:ph type="title"/>
-          </p:nvPr>
-        </p:nvSpPr>
-        <p:spPr>
-          <a:xfrm>
-            <a:off x="905256" y="448056"/>
-            <a:ext cx="9914859" cy="1329004"/>
-          </a:xfrm>
-        </p:spPr>
-        <p:txBody>
-          <a:bodyPr rtlCol="0"/>
-          <a:lstStyle/>
-          <a:p>
-            <a:pPr rtl="0"/>
-            <a:r>
-              <a:rPr lang="en-US" altLang="zh-CN" b="1" i="1" dirty="0">
-                <a:solidFill>
-                  <a:srgbClr val="000000"/>
-                </a:solidFill>
-                <a:latin typeface="Calibri" panose="020F0502020204030204" pitchFamily="34" charset="0"/>
-                <a:ea typeface="等线" panose="02010600030101010101" pitchFamily="2" charset="-122"/>
-              </a:rPr>
-              <a:t>Schedule and Milestone</a:t>
-            </a:r>
-            <a:endParaRPr lang="zh-CN" altLang="en-US" b="1" i="1" dirty="0">
-              <a:solidFill>
-                <a:srgbClr val="000000"/>
-              </a:solidFill>
-              <a:latin typeface="Calibri" panose="020F0502020204030204" pitchFamily="34" charset="0"/>
-              <a:ea typeface="等线" panose="02010600030101010101" pitchFamily="2" charset="-122"/>
-            </a:endParaRPr>
-          </a:p>
-        </p:txBody>
-      </p:sp>
-      <p:graphicFrame>
-        <p:nvGraphicFramePr>
-          <p:cNvPr id="7" name="内容占位符 3" descr="日程表占位符">
-            <a:extLst>
-              <a:ext uri="{FF2B5EF4-FFF2-40B4-BE49-F238E27FC236}">
-                <a16:creationId xmlns:a16="http://schemas.microsoft.com/office/drawing/2014/main" id="{DCCF0814-D45B-4C2C-BB91-2CABE926997E}"/>
-              </a:ext>
-            </a:extLst>
-          </p:cNvPr>
-          <p:cNvGraphicFramePr>
-            <a:graphicFrameLocks noGrp="1"/>
-          </p:cNvGraphicFramePr>
-          <p:nvPr>
-            <p:ph idx="1"/>
-            <p:extLst>
-              <p:ext uri="{D42A27DB-BD31-4B8C-83A1-F6EECF244321}">
-                <p14:modId xmlns:p14="http://schemas.microsoft.com/office/powerpoint/2010/main" val="3163529347"/>
-              </p:ext>
-            </p:extLst>
-          </p:nvPr>
-        </p:nvGraphicFramePr>
-        <p:xfrm>
-          <a:off x="854075" y="1825625"/>
-          <a:ext cx="10499725" cy="4351338"/>
-        </p:xfrm>
-        <a:graphic>
-          <a:graphicData uri="http://schemas.openxmlformats.org/drawingml/2006/diagram">
-            <dgm:relIds xmlns:dgm="http://schemas.openxmlformats.org/drawingml/2006/diagram" xmlns:r="http://schemas.openxmlformats.org/officeDocument/2006/relationships" r:dm="rId2" r:lo="rId3" r:qs="rId4" r:cs="rId5"/>
-          </a:graphicData>
-        </a:graphic>
-      </p:graphicFrame>
-      <p:sp>
-        <p:nvSpPr>
-          <p:cNvPr id="5" name="页脚占位符 4">
-            <a:extLst>
-              <a:ext uri="{FF2B5EF4-FFF2-40B4-BE49-F238E27FC236}">
-                <a16:creationId xmlns:a16="http://schemas.microsoft.com/office/drawing/2014/main" id="{5DF60FF9-E837-4D2A-86A0-3B5D4D6449E3}"/>
-              </a:ext>
-            </a:extLst>
-          </p:cNvPr>
-          <p:cNvSpPr>
-            <a:spLocks noGrp="1"/>
-          </p:cNvSpPr>
-          <p:nvPr>
-            <p:ph type="ftr" sz="quarter" idx="11"/>
-          </p:nvPr>
-        </p:nvSpPr>
-        <p:spPr>
-          <a:xfrm>
-            <a:off x="914400" y="6437376"/>
-            <a:ext cx="3775914" cy="365125"/>
-          </a:xfrm>
-        </p:spPr>
-        <p:txBody>
-          <a:bodyPr rtlCol="0"/>
-          <a:lstStyle/>
-          <a:p>
-            <a:pPr rtl="0"/>
-            <a:r>
-              <a:rPr lang="en-US" altLang="zh-CN" dirty="0"/>
-              <a:t>Website Design of John-Abbott College</a:t>
-            </a:r>
-            <a:endParaRPr lang="zh-CN" altLang="zh-CN" dirty="0"/>
-          </a:p>
-        </p:txBody>
-      </p:sp>
-      <p:sp>
-        <p:nvSpPr>
-          <p:cNvPr id="4" name="日期占位符 3">
-            <a:extLst>
-              <a:ext uri="{FF2B5EF4-FFF2-40B4-BE49-F238E27FC236}">
-                <a16:creationId xmlns:a16="http://schemas.microsoft.com/office/drawing/2014/main" id="{F4567E44-A438-462D-80F7-973D8E22B234}"/>
-              </a:ext>
-            </a:extLst>
-          </p:cNvPr>
-          <p:cNvSpPr>
-            <a:spLocks noGrp="1"/>
-          </p:cNvSpPr>
-          <p:nvPr>
-            <p:ph type="dt" sz="half" idx="10"/>
-          </p:nvPr>
-        </p:nvSpPr>
-        <p:spPr>
-          <a:xfrm>
-            <a:off x="9323285" y="6434524"/>
-            <a:ext cx="2067867" cy="365125"/>
-          </a:xfrm>
-        </p:spPr>
-        <p:txBody>
-          <a:bodyPr rtlCol="0"/>
-          <a:lstStyle/>
-          <a:p>
-            <a:pPr rtl="0"/>
-            <a:r>
-              <a:rPr lang="zh-CN" altLang="zh-CN" dirty="0"/>
-              <a:t>20</a:t>
-            </a:r>
-            <a:r>
-              <a:rPr lang="en-US" altLang="zh-CN" dirty="0"/>
-              <a:t>21</a:t>
-            </a:r>
-            <a:r>
-              <a:rPr lang="zh-CN" altLang="zh-CN" dirty="0"/>
-              <a:t>/</a:t>
-            </a:r>
-            <a:r>
-              <a:rPr lang="en-US" altLang="zh-CN" dirty="0"/>
-              <a:t>09</a:t>
-            </a:r>
-            <a:r>
-              <a:rPr lang="zh-CN" altLang="zh-CN" dirty="0"/>
-              <a:t>/</a:t>
-            </a:r>
-            <a:r>
-              <a:rPr lang="en-US" altLang="zh-CN" dirty="0"/>
-              <a:t>01</a:t>
-            </a:r>
-            <a:endParaRPr lang="zh-CN" altLang="zh-CN" dirty="0"/>
-          </a:p>
-        </p:txBody>
-      </p:sp>
-      <p:sp>
-        <p:nvSpPr>
-          <p:cNvPr id="6" name="幻灯片编号占位符 5">
-            <a:extLst>
-              <a:ext uri="{FF2B5EF4-FFF2-40B4-BE49-F238E27FC236}">
-                <a16:creationId xmlns:a16="http://schemas.microsoft.com/office/drawing/2014/main" id="{5A7A9107-342C-447F-BD0F-E20064E5FDA7}"/>
-              </a:ext>
-            </a:extLst>
-          </p:cNvPr>
-          <p:cNvSpPr>
-            <a:spLocks noGrp="1"/>
-          </p:cNvSpPr>
-          <p:nvPr>
-            <p:ph type="sldNum" sz="quarter" idx="12"/>
-          </p:nvPr>
-        </p:nvSpPr>
-        <p:spPr>
-          <a:xfrm>
-            <a:off x="11391152" y="6434524"/>
-            <a:ext cx="693261" cy="365125"/>
-          </a:xfrm>
-        </p:spPr>
-        <p:txBody>
-          <a:bodyPr rtlCol="0"/>
-          <a:lstStyle/>
-          <a:p>
-            <a:pPr rtl="0"/>
-            <a:fld id="{08AB70BE-1769-45B8-85A6-0C837432C7E6}" type="slidenum">
-              <a:rPr lang="en-US" altLang="zh-CN" smtClean="0"/>
-              <a:pPr rtl="0"/>
-              <a:t>15</a:t>
-            </a:fld>
-            <a:endParaRPr lang="zh-CN" dirty="0"/>
-          </a:p>
-        </p:txBody>
-      </p:sp>
-    </p:spTree>
-    <p:extLst>
-      <p:ext uri="{BB962C8B-B14F-4D97-AF65-F5344CB8AC3E}">
-        <p14:creationId xmlns:p14="http://schemas.microsoft.com/office/powerpoint/2010/main" val="568354645"/>
-      </p:ext>
-    </p:extLst>
-  </p:cSld>
-  <p:clrMapOvr>
-    <a:masterClrMapping/>
-  </p:clrMapOvr>
-</p:sld>
-</file>
-
-<file path=ppt/slides/slide16.xml><?xml version="1.0" encoding="utf-8"?>
-<p:sld xmlns:a="http://schemas.openxmlformats.org/drawingml/2006/main" xmlns:r="http://schemas.openxmlformats.org/officeDocument/2006/relationships" xmlns:p="http://schemas.openxmlformats.org/presentationml/2006/main">
-  <p:cSld>
-    <p:spTree>
-      <p:nvGrpSpPr>
-        <p:cNvPr id="1" name=""/>
-        <p:cNvGrpSpPr/>
-        <p:nvPr/>
-      </p:nvGrpSpPr>
-      <p:grpSpPr>
-        <a:xfrm>
-          <a:off x="0" y="0"/>
-          <a:ext cx="0" cy="0"/>
-          <a:chOff x="0" y="0"/>
-          <a:chExt cx="0" cy="0"/>
-        </a:xfrm>
-      </p:grpSpPr>
-      <p:sp>
-        <p:nvSpPr>
-          <p:cNvPr id="2" name="标题 1">
-            <a:extLst>
-              <a:ext uri="{FF2B5EF4-FFF2-40B4-BE49-F238E27FC236}">
-                <a16:creationId xmlns:a16="http://schemas.microsoft.com/office/drawing/2014/main" id="{A459A0FD-000E-4BE6-AF65-BB86C656DB23}"/>
-              </a:ext>
-            </a:extLst>
-          </p:cNvPr>
-          <p:cNvSpPr>
-            <a:spLocks noGrp="1"/>
-          </p:cNvSpPr>
-          <p:nvPr>
-            <p:ph type="title"/>
-          </p:nvPr>
-        </p:nvSpPr>
-        <p:spPr>
-          <a:xfrm>
-            <a:off x="905256" y="448056"/>
-            <a:ext cx="9914859" cy="1329004"/>
-          </a:xfrm>
-        </p:spPr>
-        <p:txBody>
-          <a:bodyPr rtlCol="0"/>
-          <a:lstStyle/>
-          <a:p>
-            <a:pPr>
-              <a:lnSpc>
-                <a:spcPct val="115000"/>
-              </a:lnSpc>
-            </a:pPr>
-            <a:r>
-              <a:rPr lang="en-US" altLang="zh-CN" b="1" i="1" dirty="0">
-                <a:solidFill>
-                  <a:srgbClr val="000000"/>
-                </a:solidFill>
-                <a:latin typeface="Calibri" panose="020F0502020204030204" pitchFamily="34" charset="0"/>
-                <a:ea typeface="等线" panose="02010600030101010101" pitchFamily="2" charset="-122"/>
-                <a:cs typeface="Cambria" panose="02040503050406030204" pitchFamily="18" charset="0"/>
-              </a:rPr>
-              <a:t>F</a:t>
-            </a:r>
-            <a:r>
-              <a:rPr lang="en-US" altLang="zh-CN" sz="4000" b="1" i="1" dirty="0">
-                <a:solidFill>
-                  <a:srgbClr val="000000"/>
-                </a:solidFill>
-                <a:effectLst/>
-                <a:latin typeface="Calibri" panose="020F0502020204030204" pitchFamily="34" charset="0"/>
-                <a:ea typeface="等线" panose="02010600030101010101" pitchFamily="2" charset="-122"/>
-                <a:cs typeface="Cambria" panose="02040503050406030204" pitchFamily="18" charset="0"/>
-              </a:rPr>
-              <a:t>or team updates</a:t>
-            </a:r>
-            <a:endParaRPr lang="zh-CN" altLang="zh-CN" sz="4000" dirty="0">
-              <a:solidFill>
-                <a:srgbClr val="000000"/>
-              </a:solidFill>
-              <a:effectLst/>
-              <a:latin typeface="Cambria" panose="02040503050406030204" pitchFamily="18" charset="0"/>
-              <a:ea typeface="等线" panose="02010600030101010101" pitchFamily="2" charset="-122"/>
-              <a:cs typeface="Cambria" panose="02040503050406030204" pitchFamily="18" charset="0"/>
-            </a:endParaRPr>
-          </a:p>
-        </p:txBody>
-      </p:sp>
-      <p:sp>
-        <p:nvSpPr>
-          <p:cNvPr id="8" name="页脚占位符 7">
-            <a:extLst>
-              <a:ext uri="{FF2B5EF4-FFF2-40B4-BE49-F238E27FC236}">
-                <a16:creationId xmlns:a16="http://schemas.microsoft.com/office/drawing/2014/main" id="{7C5D7998-ED26-4436-85BB-287CF3B07AB1}"/>
-              </a:ext>
-            </a:extLst>
-          </p:cNvPr>
-          <p:cNvSpPr>
-            <a:spLocks noGrp="1"/>
-          </p:cNvSpPr>
-          <p:nvPr>
-            <p:ph type="ftr" sz="quarter" idx="11"/>
-          </p:nvPr>
-        </p:nvSpPr>
-        <p:spPr>
-          <a:xfrm>
-            <a:off x="914400" y="6437376"/>
-            <a:ext cx="3775914" cy="365125"/>
-          </a:xfrm>
-        </p:spPr>
-        <p:txBody>
-          <a:bodyPr rtlCol="0"/>
-          <a:lstStyle/>
-          <a:p>
-            <a:pPr rtl="0"/>
-            <a:r>
-              <a:rPr lang="en-US" altLang="zh-CN" dirty="0"/>
-              <a:t>Website Design of John-Abbott College</a:t>
-            </a:r>
-            <a:endParaRPr lang="zh-CN" altLang="zh-CN" dirty="0"/>
-          </a:p>
-        </p:txBody>
-      </p:sp>
-      <p:sp>
-        <p:nvSpPr>
-          <p:cNvPr id="7" name="日期占位符 6">
-            <a:extLst>
-              <a:ext uri="{FF2B5EF4-FFF2-40B4-BE49-F238E27FC236}">
-                <a16:creationId xmlns:a16="http://schemas.microsoft.com/office/drawing/2014/main" id="{8BE129AC-705E-40E6-B0FC-ECDDA2A41B2A}"/>
-              </a:ext>
-            </a:extLst>
-          </p:cNvPr>
-          <p:cNvSpPr>
-            <a:spLocks noGrp="1"/>
-          </p:cNvSpPr>
-          <p:nvPr>
-            <p:ph type="dt" sz="half" idx="10"/>
-          </p:nvPr>
-        </p:nvSpPr>
-        <p:spPr>
-          <a:xfrm>
-            <a:off x="9323285" y="6434524"/>
-            <a:ext cx="2067867" cy="365125"/>
-          </a:xfrm>
-        </p:spPr>
-        <p:txBody>
-          <a:bodyPr rtlCol="0"/>
-          <a:lstStyle/>
-          <a:p>
-            <a:pPr rtl="0"/>
-            <a:r>
-              <a:rPr lang="zh-CN" altLang="zh-CN" dirty="0"/>
-              <a:t>20</a:t>
-            </a:r>
-            <a:r>
-              <a:rPr lang="en-US" altLang="zh-CN" dirty="0"/>
-              <a:t>21</a:t>
-            </a:r>
-            <a:r>
-              <a:rPr lang="zh-CN" altLang="zh-CN" dirty="0"/>
-              <a:t>/</a:t>
-            </a:r>
-            <a:r>
-              <a:rPr lang="en-US" altLang="zh-CN" dirty="0"/>
-              <a:t>09</a:t>
-            </a:r>
-            <a:r>
-              <a:rPr lang="zh-CN" altLang="zh-CN" dirty="0"/>
-              <a:t>/</a:t>
-            </a:r>
-            <a:r>
-              <a:rPr lang="en-US" altLang="zh-CN" dirty="0"/>
-              <a:t>01</a:t>
-            </a:r>
-            <a:endParaRPr lang="zh-CN" altLang="zh-CN" dirty="0"/>
-          </a:p>
-        </p:txBody>
-      </p:sp>
-      <p:sp>
-        <p:nvSpPr>
-          <p:cNvPr id="9" name="幻灯片编号占位符 8">
-            <a:extLst>
-              <a:ext uri="{FF2B5EF4-FFF2-40B4-BE49-F238E27FC236}">
-                <a16:creationId xmlns:a16="http://schemas.microsoft.com/office/drawing/2014/main" id="{948698A3-3CB3-4698-8F42-F3D81D37FF44}"/>
-              </a:ext>
-            </a:extLst>
-          </p:cNvPr>
-          <p:cNvSpPr>
-            <a:spLocks noGrp="1"/>
-          </p:cNvSpPr>
-          <p:nvPr>
-            <p:ph type="sldNum" sz="quarter" idx="12"/>
-          </p:nvPr>
-        </p:nvSpPr>
-        <p:spPr>
-          <a:xfrm>
-            <a:off x="11391152" y="6434524"/>
-            <a:ext cx="693261" cy="365125"/>
-          </a:xfrm>
-        </p:spPr>
-        <p:txBody>
-          <a:bodyPr rtlCol="0"/>
-          <a:lstStyle/>
-          <a:p>
-            <a:pPr rtl="0"/>
-            <a:fld id="{08AB70BE-1769-45B8-85A6-0C837432C7E6}" type="slidenum">
-              <a:rPr lang="en-US" altLang="zh-CN" smtClean="0"/>
-              <a:pPr rtl="0"/>
-              <a:t>16</a:t>
-            </a:fld>
-            <a:endParaRPr lang="zh-CN" dirty="0"/>
-          </a:p>
-        </p:txBody>
-      </p:sp>
-    </p:spTree>
-    <p:extLst>
-      <p:ext uri="{BB962C8B-B14F-4D97-AF65-F5344CB8AC3E}">
-        <p14:creationId xmlns:p14="http://schemas.microsoft.com/office/powerpoint/2010/main" val="374858642"/>
-      </p:ext>
-    </p:extLst>
-  </p:cSld>
-  <p:clrMapOvr>
-    <a:masterClrMapping/>
-  </p:clrMapOvr>
-</p:sld>
-</file>
-
 <file path=ppt/slides/slide17.xml><?xml version="1.0" encoding="utf-8"?>
 <p:sld xmlns:a="http://schemas.openxmlformats.org/drawingml/2006/main" xmlns:r="http://schemas.openxmlformats.org/officeDocument/2006/relationships" xmlns:p="http://schemas.openxmlformats.org/presentationml/2006/main">
   <p:cSld>
@@ -20902,7 +20957,7 @@
           <p:cNvPr id="2" name="标题 1">
             <a:extLst>
               <a:ext uri="{FF2B5EF4-FFF2-40B4-BE49-F238E27FC236}">
-                <a16:creationId xmlns:a16="http://schemas.microsoft.com/office/drawing/2014/main" id="{937EC466-2297-4C1B-8079-A514AB8D335D}"/>
+                <a16:creationId xmlns:a16="http://schemas.microsoft.com/office/drawing/2014/main" id="{AA584C88-9468-43F0-84FE-87E6F8995935}"/>
               </a:ext>
             </a:extLst>
           </p:cNvPr>
@@ -20915,8 +20970,8 @@
         </p:nvSpPr>
         <p:spPr>
           <a:xfrm>
-            <a:off x="914401" y="443553"/>
-            <a:ext cx="9914859" cy="1325880"/>
+            <a:off x="905256" y="448056"/>
+            <a:ext cx="9914859" cy="1329004"/>
           </a:xfrm>
         </p:spPr>
         <p:txBody>
@@ -20925,128 +20980,62 @@
           <a:p>
             <a:pPr rtl="0"/>
             <a:r>
-              <a:rPr lang="en-US" altLang="zh-CN" dirty="0"/>
-              <a:t>Summary and</a:t>
-            </a:r>
-            <a:r>
-              <a:rPr lang="zh-CN" altLang="en-US" dirty="0"/>
-              <a:t> </a:t>
-            </a:r>
-            <a:r>
-              <a:rPr lang="en-US" altLang="zh-CN" dirty="0"/>
-              <a:t>Reference·</a:t>
-            </a:r>
-            <a:endParaRPr lang="zh-CN" dirty="0"/>
+              <a:rPr lang="en-US" altLang="zh-CN" b="1" i="1" dirty="0">
+                <a:solidFill>
+                  <a:srgbClr val="000000"/>
+                </a:solidFill>
+                <a:latin typeface="Calibri" panose="020F0502020204030204" pitchFamily="34" charset="0"/>
+                <a:ea typeface="等线" panose="02010600030101010101" pitchFamily="2" charset="-122"/>
+              </a:rPr>
+              <a:t>Schedule and Milestone</a:t>
+            </a:r>
+            <a:endParaRPr lang="zh-CN" altLang="en-US" b="1" i="1" dirty="0">
+              <a:solidFill>
+                <a:srgbClr val="000000"/>
+              </a:solidFill>
+              <a:latin typeface="Calibri" panose="020F0502020204030204" pitchFamily="34" charset="0"/>
+              <a:ea typeface="等线" panose="02010600030101010101" pitchFamily="2" charset="-122"/>
+            </a:endParaRPr>
           </a:p>
         </p:txBody>
       </p:sp>
+      <p:graphicFrame>
+        <p:nvGraphicFramePr>
+          <p:cNvPr id="7" name="内容占位符 3" descr="日程表占位符">
+            <a:extLst>
+              <a:ext uri="{FF2B5EF4-FFF2-40B4-BE49-F238E27FC236}">
+                <a16:creationId xmlns:a16="http://schemas.microsoft.com/office/drawing/2014/main" id="{DCCF0814-D45B-4C2C-BB91-2CABE926997E}"/>
+              </a:ext>
+            </a:extLst>
+          </p:cNvPr>
+          <p:cNvGraphicFramePr>
+            <a:graphicFrameLocks noGrp="1"/>
+          </p:cNvGraphicFramePr>
+          <p:nvPr>
+            <p:ph idx="1"/>
+            <p:extLst>
+              <p:ext uri="{D42A27DB-BD31-4B8C-83A1-F6EECF244321}">
+                <p14:modId xmlns:p14="http://schemas.microsoft.com/office/powerpoint/2010/main" val="471245822"/>
+              </p:ext>
+            </p:extLst>
+          </p:nvPr>
+        </p:nvGraphicFramePr>
+        <p:xfrm>
+          <a:off x="854075" y="1825625"/>
+          <a:ext cx="10499725" cy="4351338"/>
+        </p:xfrm>
+        <a:graphic>
+          <a:graphicData uri="http://schemas.openxmlformats.org/drawingml/2006/diagram">
+            <dgm:relIds xmlns:dgm="http://schemas.openxmlformats.org/drawingml/2006/diagram" xmlns:r="http://schemas.openxmlformats.org/officeDocument/2006/relationships" r:dm="rId2" r:lo="rId3" r:qs="rId4" r:cs="rId5"/>
+          </a:graphicData>
+        </a:graphic>
+      </p:graphicFrame>
       <p:sp>
         <p:nvSpPr>
-          <p:cNvPr id="3" name="内容占位符 2">
-            <a:extLst>
-              <a:ext uri="{FF2B5EF4-FFF2-40B4-BE49-F238E27FC236}">
-                <a16:creationId xmlns:a16="http://schemas.microsoft.com/office/drawing/2014/main" id="{6CC87D86-1B97-419B-878E-C18BA725FF0A}"/>
-              </a:ext>
-            </a:extLst>
-          </p:cNvPr>
-          <p:cNvSpPr>
-            <a:spLocks noGrp="1"/>
-          </p:cNvSpPr>
-          <p:nvPr>
-            <p:ph idx="1"/>
-          </p:nvPr>
-        </p:nvSpPr>
-        <p:spPr>
-          <a:xfrm>
-            <a:off x="914400" y="2709080"/>
-            <a:ext cx="5868537" cy="3467881"/>
-          </a:xfrm>
-        </p:spPr>
-        <p:txBody>
-          <a:bodyPr rtlCol="0"/>
-          <a:lstStyle/>
-          <a:p>
-            <a:pPr rtl="0"/>
-            <a:r>
-              <a:rPr lang="en-US" altLang="zh-CN" dirty="0"/>
-              <a:t>Summary:</a:t>
-            </a:r>
-          </a:p>
-          <a:p>
-            <a:pPr rtl="0"/>
-            <a:r>
-              <a:rPr lang="en-US" altLang="zh-CN" dirty="0"/>
-              <a:t>HTML and CSS</a:t>
-            </a:r>
-          </a:p>
-          <a:p>
-            <a:pPr rtl="0"/>
-            <a:endParaRPr lang="zh-CN" dirty="0"/>
-          </a:p>
-        </p:txBody>
-      </p:sp>
-      <p:pic>
-        <p:nvPicPr>
-          <p:cNvPr id="9" name="图片占位符 8">
-            <a:extLst>
-              <a:ext uri="{FF2B5EF4-FFF2-40B4-BE49-F238E27FC236}">
-                <a16:creationId xmlns:a16="http://schemas.microsoft.com/office/drawing/2014/main" id="{B7D17764-41DE-474B-801F-3A31C13890CC}"/>
-              </a:ext>
-            </a:extLst>
-          </p:cNvPr>
-          <p:cNvPicPr>
-            <a:picLocks noGrp="1" noChangeAspect="1"/>
-          </p:cNvPicPr>
-          <p:nvPr>
-            <p:ph type="pic" sz="quarter" idx="13"/>
-          </p:nvPr>
-        </p:nvPicPr>
-        <p:blipFill>
-          <a:blip r:embed="rId2"/>
-          <a:srcRect l="22644" r="22644"/>
-          <a:stretch/>
-        </p:blipFill>
-        <p:spPr>
-          <a:xfrm>
-            <a:off x="7326184" y="2126134"/>
-            <a:ext cx="2434622" cy="2503056"/>
-          </a:xfrm>
-        </p:spPr>
-      </p:pic>
-      <p:pic>
-        <p:nvPicPr>
-          <p:cNvPr id="11" name="图片占位符 10">
-            <a:extLst>
-              <a:ext uri="{FF2B5EF4-FFF2-40B4-BE49-F238E27FC236}">
-                <a16:creationId xmlns:a16="http://schemas.microsoft.com/office/drawing/2014/main" id="{D47600FE-FF70-4943-A9DC-B1AF91EC0CBC}"/>
-              </a:ext>
-            </a:extLst>
-          </p:cNvPr>
-          <p:cNvPicPr>
-            <a:picLocks noGrp="1" noChangeAspect="1"/>
-          </p:cNvPicPr>
-          <p:nvPr>
-            <p:ph type="pic" sz="quarter" idx="14"/>
-          </p:nvPr>
-        </p:nvPicPr>
-        <p:blipFill>
-          <a:blip r:embed="rId3"/>
-          <a:srcRect t="7664" b="7664"/>
-          <a:stretch/>
-        </p:blipFill>
-        <p:spPr>
-          <a:xfrm>
-            <a:off x="9759092" y="2118839"/>
-            <a:ext cx="2432908" cy="2498880"/>
-          </a:xfrm>
-        </p:spPr>
-      </p:pic>
-      <p:sp>
-        <p:nvSpPr>
-          <p:cNvPr id="17" name="页脚占位符 16">
-            <a:extLst>
-              <a:ext uri="{FF2B5EF4-FFF2-40B4-BE49-F238E27FC236}">
-                <a16:creationId xmlns:a16="http://schemas.microsoft.com/office/drawing/2014/main" id="{7CF31D05-F197-49CC-87BE-4A7FEB81335F}"/>
+          <p:cNvPr id="5" name="页脚占位符 4">
+            <a:extLst>
+              <a:ext uri="{FF2B5EF4-FFF2-40B4-BE49-F238E27FC236}">
+                <a16:creationId xmlns:a16="http://schemas.microsoft.com/office/drawing/2014/main" id="{5DF60FF9-E837-4D2A-86A0-3B5D4D6449E3}"/>
               </a:ext>
             </a:extLst>
           </p:cNvPr>
@@ -21059,8 +21048,8 @@
         </p:nvSpPr>
         <p:spPr>
           <a:xfrm>
-            <a:off x="914400" y="6434560"/>
-            <a:ext cx="3428012" cy="365125"/>
+            <a:off x="914400" y="6437376"/>
+            <a:ext cx="3775914" cy="365125"/>
           </a:xfrm>
         </p:spPr>
         <p:txBody>
@@ -21076,68 +21065,12 @@
           </a:p>
         </p:txBody>
       </p:sp>
-      <p:pic>
-        <p:nvPicPr>
-          <p:cNvPr id="15" name="图片占位符 14">
-            <a:extLst>
-              <a:ext uri="{FF2B5EF4-FFF2-40B4-BE49-F238E27FC236}">
-                <a16:creationId xmlns:a16="http://schemas.microsoft.com/office/drawing/2014/main" id="{0A64F2A4-8811-44F1-825B-9D04590EB45A}"/>
-              </a:ext>
-            </a:extLst>
-          </p:cNvPr>
-          <p:cNvPicPr>
-            <a:picLocks noGrp="1" noChangeAspect="1"/>
-          </p:cNvPicPr>
-          <p:nvPr>
-            <p:ph type="pic" sz="quarter" idx="15"/>
-          </p:nvPr>
-        </p:nvPicPr>
-        <p:blipFill>
-          <a:blip r:embed="rId4"/>
-          <a:srcRect l="22375" r="22375"/>
-          <a:stretch/>
-        </p:blipFill>
-        <p:spPr>
-          <a:xfrm>
-            <a:off x="7324344" y="4503573"/>
-            <a:ext cx="2434622" cy="2354427"/>
-          </a:xfrm>
-        </p:spPr>
-      </p:pic>
-      <p:pic>
-        <p:nvPicPr>
-          <p:cNvPr id="13" name="图片占位符 12">
-            <a:extLst>
-              <a:ext uri="{FF2B5EF4-FFF2-40B4-BE49-F238E27FC236}">
-                <a16:creationId xmlns:a16="http://schemas.microsoft.com/office/drawing/2014/main" id="{38CED09D-01FE-44EB-A655-6EC0819B7094}"/>
-              </a:ext>
-            </a:extLst>
-          </p:cNvPr>
-          <p:cNvPicPr>
-            <a:picLocks noGrp="1" noChangeAspect="1"/>
-          </p:cNvPicPr>
-          <p:nvPr>
-            <p:ph type="pic" sz="quarter" idx="16"/>
-          </p:nvPr>
-        </p:nvPicPr>
-        <p:blipFill>
-          <a:blip r:embed="rId5"/>
-          <a:srcRect t="3598" b="3598"/>
-          <a:stretch/>
-        </p:blipFill>
-        <p:spPr>
-          <a:xfrm>
-            <a:off x="9758966" y="4507560"/>
-            <a:ext cx="2434622" cy="2350439"/>
-          </a:xfrm>
-        </p:spPr>
-      </p:pic>
       <p:sp>
         <p:nvSpPr>
-          <p:cNvPr id="16" name="日期占位符 15">
-            <a:extLst>
-              <a:ext uri="{FF2B5EF4-FFF2-40B4-BE49-F238E27FC236}">
-                <a16:creationId xmlns:a16="http://schemas.microsoft.com/office/drawing/2014/main" id="{6D298BC0-D1EE-4B8A-B546-4C8799240D8F}"/>
+          <p:cNvPr id="4" name="日期占位符 3">
+            <a:extLst>
+              <a:ext uri="{FF2B5EF4-FFF2-40B4-BE49-F238E27FC236}">
+                <a16:creationId xmlns:a16="http://schemas.microsoft.com/office/drawing/2014/main" id="{F4567E44-A438-462D-80F7-973D8E22B234}"/>
               </a:ext>
             </a:extLst>
           </p:cNvPr>
@@ -21150,8 +21083,8 @@
         </p:nvSpPr>
         <p:spPr>
           <a:xfrm>
-            <a:off x="9017000" y="6433202"/>
-            <a:ext cx="2374150" cy="367841"/>
+            <a:off x="9323285" y="6434524"/>
+            <a:ext cx="2067867" cy="365125"/>
           </a:xfrm>
         </p:spPr>
         <p:txBody>
@@ -21189,10 +21122,10 @@
       </p:sp>
       <p:sp>
         <p:nvSpPr>
-          <p:cNvPr id="18" name="灯片编号占位符 17">
-            <a:extLst>
-              <a:ext uri="{FF2B5EF4-FFF2-40B4-BE49-F238E27FC236}">
-                <a16:creationId xmlns:a16="http://schemas.microsoft.com/office/drawing/2014/main" id="{0CFCA4BA-5731-4BC1-9FF7-23403BFA938A}"/>
+          <p:cNvPr id="6" name="幻灯片编号占位符 5">
+            <a:extLst>
+              <a:ext uri="{FF2B5EF4-FFF2-40B4-BE49-F238E27FC236}">
+                <a16:creationId xmlns:a16="http://schemas.microsoft.com/office/drawing/2014/main" id="{5A7A9107-342C-447F-BD0F-E20064E5FDA7}"/>
               </a:ext>
             </a:extLst>
           </p:cNvPr>
@@ -21205,8 +21138,8 @@
         </p:nvSpPr>
         <p:spPr>
           <a:xfrm>
-            <a:off x="11391150" y="6433203"/>
-            <a:ext cx="693263" cy="367842"/>
+            <a:off x="11391152" y="6434524"/>
+            <a:ext cx="693261" cy="365125"/>
           </a:xfrm>
         </p:spPr>
         <p:txBody>
@@ -21226,7 +21159,7 @@
     </p:spTree>
     <p:extLst>
       <p:ext uri="{BB962C8B-B14F-4D97-AF65-F5344CB8AC3E}">
-        <p14:creationId xmlns:p14="http://schemas.microsoft.com/office/powerpoint/2010/main" val="3154595954"/>
+        <p14:creationId xmlns:p14="http://schemas.microsoft.com/office/powerpoint/2010/main" val="568354645"/>
       </p:ext>
     </p:extLst>
   </p:cSld>
@@ -21255,10 +21188,10 @@
       </p:grpSpPr>
       <p:sp>
         <p:nvSpPr>
-          <p:cNvPr id="59" name="标题 58">
-            <a:extLst>
-              <a:ext uri="{FF2B5EF4-FFF2-40B4-BE49-F238E27FC236}">
-                <a16:creationId xmlns:a16="http://schemas.microsoft.com/office/drawing/2014/main" id="{FD483A78-48D6-4682-BE37-B2D0C566DB9D}"/>
+          <p:cNvPr id="2" name="标题 1">
+            <a:extLst>
+              <a:ext uri="{FF2B5EF4-FFF2-40B4-BE49-F238E27FC236}">
+                <a16:creationId xmlns:a16="http://schemas.microsoft.com/office/drawing/2014/main" id="{937EC466-2297-4C1B-8079-A514AB8D335D}"/>
               </a:ext>
             </a:extLst>
           </p:cNvPr>
@@ -21271,8 +21204,8 @@
         </p:nvSpPr>
         <p:spPr>
           <a:xfrm>
-            <a:off x="2743200" y="1"/>
-            <a:ext cx="9432315" cy="2198972"/>
+            <a:off x="914401" y="443553"/>
+            <a:ext cx="9914859" cy="1325880"/>
           </a:xfrm>
         </p:spPr>
         <p:txBody>
@@ -21290,18 +21223,96 @@
             </a:r>
             <a:r>
               <a:rPr lang="en-US" altLang="zh-CN" dirty="0"/>
-              <a:t>Reference</a:t>
-            </a:r>
+              <a:t>Reference·</a:t>
+            </a:r>
+            <a:endParaRPr lang="zh-CN" dirty="0"/>
+          </a:p>
+        </p:txBody>
+      </p:sp>
+      <p:sp>
+        <p:nvSpPr>
+          <p:cNvPr id="3" name="内容占位符 2">
+            <a:extLst>
+              <a:ext uri="{FF2B5EF4-FFF2-40B4-BE49-F238E27FC236}">
+                <a16:creationId xmlns:a16="http://schemas.microsoft.com/office/drawing/2014/main" id="{6CC87D86-1B97-419B-878E-C18BA725FF0A}"/>
+              </a:ext>
+            </a:extLst>
+          </p:cNvPr>
+          <p:cNvSpPr>
+            <a:spLocks noGrp="1"/>
+          </p:cNvSpPr>
+          <p:nvPr>
+            <p:ph idx="1"/>
+          </p:nvPr>
+        </p:nvSpPr>
+        <p:spPr>
+          <a:xfrm>
+            <a:off x="914400" y="2709080"/>
+            <a:ext cx="5868537" cy="3467881"/>
+          </a:xfrm>
+        </p:spPr>
+        <p:txBody>
+          <a:bodyPr rtlCol="0"/>
+          <a:lstStyle/>
+          <a:p>
+            <a:pPr rtl="0"/>
+            <a:r>
+              <a:rPr lang="en-US" altLang="zh-CN" dirty="0"/>
+              <a:t>Summary:</a:t>
+            </a:r>
+          </a:p>
+          <a:p>
+            <a:pPr rtl="0"/>
+            <a:r>
+              <a:rPr lang="en-US" altLang="zh-CN" dirty="0"/>
+              <a:t>Structure planning.</a:t>
+            </a:r>
+          </a:p>
+          <a:p>
+            <a:pPr rtl="0"/>
+            <a:r>
+              <a:rPr lang="en-US" altLang="zh-CN" dirty="0"/>
+              <a:t>HTML code programming.</a:t>
+            </a:r>
+          </a:p>
+          <a:p>
+            <a:pPr rtl="0"/>
+            <a:r>
+              <a:rPr lang="en-US" altLang="zh-CN" dirty="0"/>
+              <a:t>CSS design.</a:t>
+            </a:r>
+          </a:p>
+          <a:p>
+            <a:pPr rtl="0"/>
+            <a:r>
+              <a:rPr lang="en-US" altLang="zh-CN" dirty="0"/>
+              <a:t>Contents writing.</a:t>
+            </a:r>
+          </a:p>
+          <a:p>
+            <a:pPr rtl="0"/>
+            <a:r>
+              <a:rPr lang="en-US" altLang="zh-CN" dirty="0" err="1"/>
+              <a:t>Integreating</a:t>
+            </a:r>
+            <a:r>
+              <a:rPr lang="en-US" altLang="zh-CN"/>
+              <a:t>.</a:t>
+            </a:r>
+            <a:endParaRPr lang="en-US" altLang="zh-CN" dirty="0"/>
+          </a:p>
+          <a:p>
+            <a:pPr rtl="0"/>
             <a:endParaRPr lang="zh-CN" dirty="0"/>
           </a:p>
         </p:txBody>
       </p:sp>
       <p:pic>
         <p:nvPicPr>
-          <p:cNvPr id="8" name="图片占位符 7">
-            <a:extLst>
-              <a:ext uri="{FF2B5EF4-FFF2-40B4-BE49-F238E27FC236}">
-                <a16:creationId xmlns:a16="http://schemas.microsoft.com/office/drawing/2014/main" id="{1424FF41-F655-4118-95E4-CC03D489668A}"/>
+          <p:cNvPr id="9" name="图片占位符 8">
+            <a:extLst>
+              <a:ext uri="{FF2B5EF4-FFF2-40B4-BE49-F238E27FC236}">
+                <a16:creationId xmlns:a16="http://schemas.microsoft.com/office/drawing/2014/main" id="{B7D17764-41DE-474B-801F-3A31C13890CC}"/>
               </a:ext>
             </a:extLst>
           </p:cNvPr>
@@ -21314,22 +21325,22 @@
         </p:nvPicPr>
         <p:blipFill>
           <a:blip r:embed="rId2"/>
-          <a:srcRect l="25079" r="25079"/>
+          <a:srcRect l="22644" r="22644"/>
           <a:stretch/>
         </p:blipFill>
         <p:spPr>
           <a:xfrm>
-            <a:off x="-16483" y="0"/>
-            <a:ext cx="2773332" cy="2202508"/>
+            <a:off x="7326184" y="2126134"/>
+            <a:ext cx="2434622" cy="2503056"/>
           </a:xfrm>
         </p:spPr>
       </p:pic>
       <p:pic>
         <p:nvPicPr>
-          <p:cNvPr id="10" name="图片占位符 9">
-            <a:extLst>
-              <a:ext uri="{FF2B5EF4-FFF2-40B4-BE49-F238E27FC236}">
-                <a16:creationId xmlns:a16="http://schemas.microsoft.com/office/drawing/2014/main" id="{9CB36CBF-780F-44BF-90F7-7C2E32629CB9}"/>
+          <p:cNvPr id="11" name="图片占位符 10">
+            <a:extLst>
+              <a:ext uri="{FF2B5EF4-FFF2-40B4-BE49-F238E27FC236}">
+                <a16:creationId xmlns:a16="http://schemas.microsoft.com/office/drawing/2014/main" id="{D47600FE-FF70-4943-A9DC-B1AF91EC0CBC}"/>
               </a:ext>
             </a:extLst>
           </p:cNvPr>
@@ -21342,22 +21353,57 @@
         </p:nvPicPr>
         <p:blipFill>
           <a:blip r:embed="rId3"/>
-          <a:srcRect t="15404" b="15404"/>
+          <a:srcRect t="7664" b="7664"/>
           <a:stretch/>
         </p:blipFill>
         <p:spPr>
           <a:xfrm>
-            <a:off x="-16484" y="2202508"/>
-            <a:ext cx="2773332" cy="2327746"/>
+            <a:off x="9759092" y="2118839"/>
+            <a:ext cx="2432908" cy="2498880"/>
           </a:xfrm>
         </p:spPr>
       </p:pic>
+      <p:sp>
+        <p:nvSpPr>
+          <p:cNvPr id="17" name="页脚占位符 16">
+            <a:extLst>
+              <a:ext uri="{FF2B5EF4-FFF2-40B4-BE49-F238E27FC236}">
+                <a16:creationId xmlns:a16="http://schemas.microsoft.com/office/drawing/2014/main" id="{7CF31D05-F197-49CC-87BE-4A7FEB81335F}"/>
+              </a:ext>
+            </a:extLst>
+          </p:cNvPr>
+          <p:cNvSpPr>
+            <a:spLocks noGrp="1"/>
+          </p:cNvSpPr>
+          <p:nvPr>
+            <p:ph type="ftr" sz="quarter" idx="11"/>
+          </p:nvPr>
+        </p:nvSpPr>
+        <p:spPr>
+          <a:xfrm>
+            <a:off x="914400" y="6434560"/>
+            <a:ext cx="3428012" cy="365125"/>
+          </a:xfrm>
+        </p:spPr>
+        <p:txBody>
+          <a:bodyPr rtlCol="0"/>
+          <a:lstStyle/>
+          <a:p>
+            <a:pPr rtl="0"/>
+            <a:r>
+              <a:rPr lang="en-US" altLang="zh-CN" dirty="0"/>
+              <a:t>Website Design of John-Abbott College</a:t>
+            </a:r>
+            <a:endParaRPr lang="zh-CN" altLang="zh-CN" dirty="0"/>
+          </a:p>
+        </p:txBody>
+      </p:sp>
       <p:pic>
         <p:nvPicPr>
-          <p:cNvPr id="12" name="图片占位符 11">
-            <a:extLst>
-              <a:ext uri="{FF2B5EF4-FFF2-40B4-BE49-F238E27FC236}">
-                <a16:creationId xmlns:a16="http://schemas.microsoft.com/office/drawing/2014/main" id="{09C1E283-54F6-4BE3-BD4B-B4C5888D08CC}"/>
+          <p:cNvPr id="15" name="图片占位符 14">
+            <a:extLst>
+              <a:ext uri="{FF2B5EF4-FFF2-40B4-BE49-F238E27FC236}">
+                <a16:creationId xmlns:a16="http://schemas.microsoft.com/office/drawing/2014/main" id="{0A64F2A4-8811-44F1-825B-9D04590EB45A}"/>
               </a:ext>
             </a:extLst>
           </p:cNvPr>
@@ -21370,289 +21416,50 @@
         </p:nvPicPr>
         <p:blipFill>
           <a:blip r:embed="rId4"/>
-          <a:srcRect t="15404" b="15404"/>
+          <a:srcRect l="22375" r="22375"/>
           <a:stretch/>
         </p:blipFill>
         <p:spPr>
           <a:xfrm>
-            <a:off x="-16484" y="4530254"/>
-            <a:ext cx="2773332" cy="2327746"/>
+            <a:off x="7324344" y="4503573"/>
+            <a:ext cx="2434622" cy="2354427"/>
+          </a:xfrm>
+        </p:spPr>
+      </p:pic>
+      <p:pic>
+        <p:nvPicPr>
+          <p:cNvPr id="13" name="图片占位符 12">
+            <a:extLst>
+              <a:ext uri="{FF2B5EF4-FFF2-40B4-BE49-F238E27FC236}">
+                <a16:creationId xmlns:a16="http://schemas.microsoft.com/office/drawing/2014/main" id="{38CED09D-01FE-44EB-A655-6EC0819B7094}"/>
+              </a:ext>
+            </a:extLst>
+          </p:cNvPr>
+          <p:cNvPicPr>
+            <a:picLocks noGrp="1" noChangeAspect="1"/>
+          </p:cNvPicPr>
+          <p:nvPr>
+            <p:ph type="pic" sz="quarter" idx="16"/>
+          </p:nvPr>
+        </p:nvPicPr>
+        <p:blipFill>
+          <a:blip r:embed="rId5"/>
+          <a:srcRect t="3598" b="3598"/>
+          <a:stretch/>
+        </p:blipFill>
+        <p:spPr>
+          <a:xfrm>
+            <a:off x="9758966" y="4507560"/>
+            <a:ext cx="2434622" cy="2350439"/>
           </a:xfrm>
         </p:spPr>
       </p:pic>
       <p:sp>
         <p:nvSpPr>
-          <p:cNvPr id="3" name="内容占位符 2">
-            <a:extLst>
-              <a:ext uri="{FF2B5EF4-FFF2-40B4-BE49-F238E27FC236}">
-                <a16:creationId xmlns:a16="http://schemas.microsoft.com/office/drawing/2014/main" id="{42AFE50A-6F33-40AD-9446-D7F6D1B310CF}"/>
-              </a:ext>
-            </a:extLst>
-          </p:cNvPr>
-          <p:cNvSpPr>
-            <a:spLocks noGrp="1"/>
-          </p:cNvSpPr>
-          <p:nvPr>
-            <p:ph idx="1"/>
-          </p:nvPr>
-        </p:nvSpPr>
-        <p:spPr>
-          <a:xfrm>
-            <a:off x="3352800" y="2794177"/>
-            <a:ext cx="7476460" cy="3382786"/>
-          </a:xfrm>
-        </p:spPr>
-        <p:txBody>
-          <a:bodyPr rtlCol="0"/>
-          <a:lstStyle/>
-          <a:p>
-            <a:pPr>
-              <a:lnSpc>
-                <a:spcPct val="115000"/>
-              </a:lnSpc>
-            </a:pPr>
-            <a:r>
-              <a:rPr lang="en-US" altLang="zh-CN" sz="1800" dirty="0">
-                <a:solidFill>
-                  <a:srgbClr val="000000"/>
-                </a:solidFill>
-                <a:effectLst/>
-                <a:latin typeface="Calibri" panose="020F0502020204030204" pitchFamily="34" charset="0"/>
-                <a:ea typeface="等线" panose="02010600030101010101" pitchFamily="2" charset="-122"/>
-                <a:cs typeface="Cambria" panose="02040503050406030204" pitchFamily="18" charset="0"/>
-              </a:rPr>
-              <a:t>1. </a:t>
-            </a:r>
-            <a:r>
-              <a:rPr lang="en-US" altLang="zh-CN" sz="1600" b="0" i="0" u="none" strike="noStrike" dirty="0">
-                <a:solidFill>
-                  <a:srgbClr val="626675"/>
-                </a:solidFill>
-                <a:effectLst/>
-                <a:latin typeface="Arial" panose="020B0604020202020204" pitchFamily="34" charset="0"/>
-                <a:hlinkClick r:id="rId5"/>
-              </a:rPr>
-              <a:t>jnwl.jinan.gov.cn</a:t>
-            </a:r>
-            <a:endParaRPr lang="en-US" altLang="zh-CN" sz="1600" b="0" i="0" u="none" strike="noStrike" dirty="0">
-              <a:solidFill>
-                <a:srgbClr val="626675"/>
-              </a:solidFill>
-              <a:effectLst/>
-              <a:latin typeface="Arial" panose="020B0604020202020204" pitchFamily="34" charset="0"/>
-            </a:endParaRPr>
-          </a:p>
-          <a:p>
-            <a:pPr>
-              <a:lnSpc>
-                <a:spcPct val="115000"/>
-              </a:lnSpc>
-            </a:pPr>
-            <a:r>
-              <a:rPr lang="en-US" altLang="zh-CN" sz="1800" dirty="0">
-                <a:solidFill>
-                  <a:srgbClr val="000000"/>
-                </a:solidFill>
-                <a:effectLst/>
-                <a:latin typeface="Calibri" panose="020F0502020204030204" pitchFamily="34" charset="0"/>
-                <a:ea typeface="等线" panose="02010600030101010101" pitchFamily="2" charset="-122"/>
-                <a:cs typeface="Cambria" panose="02040503050406030204" pitchFamily="18" charset="0"/>
-              </a:rPr>
-              <a:t>2. </a:t>
-            </a:r>
-            <a:r>
-              <a:rPr lang="en-US" altLang="zh-CN" sz="1800" u="sng" dirty="0">
-                <a:solidFill>
-                  <a:srgbClr val="000000"/>
-                </a:solidFill>
-                <a:effectLst/>
-                <a:latin typeface="Calibri" panose="020F0502020204030204" pitchFamily="34" charset="0"/>
-                <a:ea typeface="等线" panose="02010600030101010101" pitchFamily="2" charset="-122"/>
-                <a:cs typeface="Cambria" panose="02040503050406030204" pitchFamily="18" charset="0"/>
-                <a:hlinkClick r:id="rId6"/>
-              </a:rPr>
-              <a:t>www.xiameng.com</a:t>
-            </a:r>
-            <a:endParaRPr lang="zh-CN" altLang="zh-CN" sz="1800" dirty="0">
-              <a:solidFill>
-                <a:srgbClr val="000000"/>
-              </a:solidFill>
-              <a:effectLst/>
-              <a:latin typeface="Cambria" panose="02040503050406030204" pitchFamily="18" charset="0"/>
-              <a:ea typeface="等线" panose="02010600030101010101" pitchFamily="2" charset="-122"/>
-              <a:cs typeface="Cambria" panose="02040503050406030204" pitchFamily="18" charset="0"/>
-            </a:endParaRPr>
-          </a:p>
-          <a:p>
-            <a:pPr>
-              <a:lnSpc>
-                <a:spcPct val="115000"/>
-              </a:lnSpc>
-            </a:pPr>
-            <a:r>
-              <a:rPr lang="en-US" altLang="zh-CN" sz="1800" dirty="0">
-                <a:solidFill>
-                  <a:srgbClr val="000000"/>
-                </a:solidFill>
-                <a:effectLst/>
-                <a:latin typeface="Calibri" panose="020F0502020204030204" pitchFamily="34" charset="0"/>
-                <a:ea typeface="等线" panose="02010600030101010101" pitchFamily="2" charset="-122"/>
-                <a:cs typeface="Cambria" panose="02040503050406030204" pitchFamily="18" charset="0"/>
-              </a:rPr>
-              <a:t>3. </a:t>
-            </a:r>
-            <a:r>
-              <a:rPr lang="en-US" altLang="zh-CN" sz="1800" dirty="0">
-                <a:solidFill>
-                  <a:srgbClr val="000000"/>
-                </a:solidFill>
-                <a:effectLst/>
-                <a:latin typeface="Calibri" panose="020F0502020204030204" pitchFamily="34" charset="0"/>
-                <a:ea typeface="等线" panose="02010600030101010101" pitchFamily="2" charset="-122"/>
-                <a:cs typeface="Cambria" panose="02040503050406030204" pitchFamily="18" charset="0"/>
-                <a:hlinkClick r:id="rId7"/>
-              </a:rPr>
-              <a:t>http://www.visitxm.com</a:t>
-            </a:r>
-            <a:endParaRPr lang="en-US" altLang="zh-CN" sz="1800" dirty="0">
-              <a:solidFill>
-                <a:srgbClr val="000000"/>
-              </a:solidFill>
-              <a:effectLst/>
-              <a:latin typeface="Calibri" panose="020F0502020204030204" pitchFamily="34" charset="0"/>
-              <a:ea typeface="等线" panose="02010600030101010101" pitchFamily="2" charset="-122"/>
-              <a:cs typeface="Cambria" panose="02040503050406030204" pitchFamily="18" charset="0"/>
-            </a:endParaRPr>
-          </a:p>
-          <a:p>
-            <a:pPr>
-              <a:lnSpc>
-                <a:spcPct val="115000"/>
-              </a:lnSpc>
-            </a:pPr>
-            <a:r>
-              <a:rPr lang="en-US" altLang="zh-CN" sz="1800" dirty="0">
-                <a:solidFill>
-                  <a:srgbClr val="000000"/>
-                </a:solidFill>
-                <a:effectLst/>
-                <a:latin typeface="Calibri" panose="020F0502020204030204" pitchFamily="34" charset="0"/>
-                <a:ea typeface="等线" panose="02010600030101010101" pitchFamily="2" charset="-122"/>
-                <a:cs typeface="Cambria" panose="02040503050406030204" pitchFamily="18" charset="0"/>
-              </a:rPr>
-              <a:t>4. </a:t>
-            </a:r>
-            <a:r>
-              <a:rPr lang="en-US" altLang="zh-CN" sz="1800" dirty="0">
-                <a:solidFill>
-                  <a:srgbClr val="000000"/>
-                </a:solidFill>
-                <a:effectLst/>
-                <a:latin typeface="Calibri" panose="020F0502020204030204" pitchFamily="34" charset="0"/>
-                <a:ea typeface="等线" panose="02010600030101010101" pitchFamily="2" charset="-122"/>
-                <a:cs typeface="Cambria" panose="02040503050406030204" pitchFamily="18" charset="0"/>
-                <a:hlinkClick r:id="rId8"/>
-              </a:rPr>
-              <a:t>www.dunhuangtour.com</a:t>
-            </a:r>
-            <a:endParaRPr lang="en-US" altLang="zh-CN" sz="1800" dirty="0">
-              <a:solidFill>
-                <a:srgbClr val="000000"/>
-              </a:solidFill>
-              <a:effectLst/>
-              <a:latin typeface="Calibri" panose="020F0502020204030204" pitchFamily="34" charset="0"/>
-              <a:ea typeface="等线" panose="02010600030101010101" pitchFamily="2" charset="-122"/>
-              <a:cs typeface="Cambria" panose="02040503050406030204" pitchFamily="18" charset="0"/>
-            </a:endParaRPr>
-          </a:p>
-          <a:p>
-            <a:pPr algn="l"/>
-            <a:r>
-              <a:rPr lang="en-US" altLang="zh-CN" sz="1800" dirty="0">
-                <a:solidFill>
-                  <a:srgbClr val="000000"/>
-                </a:solidFill>
-                <a:latin typeface="Calibri" panose="020F0502020204030204" pitchFamily="34" charset="0"/>
-                <a:ea typeface="等线" panose="02010600030101010101" pitchFamily="2" charset="-122"/>
-                <a:cs typeface="Cambria" panose="02040503050406030204" pitchFamily="18" charset="0"/>
-              </a:rPr>
-              <a:t>5. </a:t>
-            </a:r>
-            <a:r>
-              <a:rPr lang="it-IT" altLang="zh-CN" sz="1600" b="0" i="0" u="none" strike="noStrike" dirty="0">
-                <a:solidFill>
-                  <a:srgbClr val="202124"/>
-                </a:solidFill>
-                <a:effectLst/>
-                <a:latin typeface="arial" panose="020B0604020202020204" pitchFamily="34" charset="0"/>
-                <a:hlinkClick r:id="rId9"/>
-              </a:rPr>
-              <a:t>www.w3schools.com</a:t>
-            </a:r>
-            <a:endParaRPr lang="it-IT" altLang="zh-CN" sz="1600" b="0" i="0" u="none" strike="noStrike" dirty="0">
-              <a:solidFill>
-                <a:srgbClr val="1A0DAB"/>
-              </a:solidFill>
-              <a:effectLst/>
-              <a:latin typeface="arial" panose="020B0604020202020204" pitchFamily="34" charset="0"/>
-              <a:hlinkClick r:id="rId9"/>
-            </a:endParaRPr>
-          </a:p>
-          <a:p>
-            <a:pPr rtl="0"/>
-            <a:endParaRPr lang="zh-CN" dirty="0"/>
-          </a:p>
-        </p:txBody>
-      </p:sp>
-      <p:sp>
-        <p:nvSpPr>
-          <p:cNvPr id="14" name="页脚占位符 13">
-            <a:extLst>
-              <a:ext uri="{FF2B5EF4-FFF2-40B4-BE49-F238E27FC236}">
-                <a16:creationId xmlns:a16="http://schemas.microsoft.com/office/drawing/2014/main" id="{F2598B45-0899-4C64-A088-FE0583534F45}"/>
-              </a:ext>
-            </a:extLst>
-          </p:cNvPr>
-          <p:cNvSpPr>
-            <a:spLocks noGrp="1"/>
-          </p:cNvSpPr>
-          <p:nvPr>
-            <p:ph type="ftr" sz="quarter" idx="11"/>
-          </p:nvPr>
-        </p:nvSpPr>
-        <p:spPr>
-          <a:xfrm>
-            <a:off x="2756848" y="6349239"/>
-            <a:ext cx="3428012" cy="365125"/>
-          </a:xfrm>
-        </p:spPr>
-        <p:txBody>
-          <a:bodyPr rtlCol="0"/>
-          <a:lstStyle/>
-          <a:p>
-            <a:pPr rtl="0"/>
-            <a:r>
-              <a:rPr lang="en-US" altLang="zh-CN" dirty="0">
-                <a:solidFill>
-                  <a:schemeClr val="tx1"/>
-                </a:solidFill>
-              </a:rPr>
-              <a:t>Website Design of John-Abbott College</a:t>
-            </a:r>
-            <a:endParaRPr lang="zh-CN" altLang="zh-CN" dirty="0">
-              <a:solidFill>
-                <a:schemeClr val="tx1"/>
-              </a:solidFill>
-            </a:endParaRPr>
-          </a:p>
-        </p:txBody>
-      </p:sp>
-      <p:sp>
-        <p:nvSpPr>
-          <p:cNvPr id="13" name="日期占位符 12">
-            <a:extLst>
-              <a:ext uri="{FF2B5EF4-FFF2-40B4-BE49-F238E27FC236}">
-                <a16:creationId xmlns:a16="http://schemas.microsoft.com/office/drawing/2014/main" id="{A3967E21-B2F3-45A0-8DC7-5AA3CCC51699}"/>
+          <p:cNvPr id="16" name="日期占位符 15">
+            <a:extLst>
+              <a:ext uri="{FF2B5EF4-FFF2-40B4-BE49-F238E27FC236}">
+                <a16:creationId xmlns:a16="http://schemas.microsoft.com/office/drawing/2014/main" id="{6D298BC0-D1EE-4B8A-B546-4C8799240D8F}"/>
               </a:ext>
             </a:extLst>
           </p:cNvPr>
@@ -21704,10 +21511,10 @@
       </p:sp>
       <p:sp>
         <p:nvSpPr>
-          <p:cNvPr id="15" name="灯片编号占位符 14">
-            <a:extLst>
-              <a:ext uri="{FF2B5EF4-FFF2-40B4-BE49-F238E27FC236}">
-                <a16:creationId xmlns:a16="http://schemas.microsoft.com/office/drawing/2014/main" id="{E87B0019-071E-4C19-9139-35D5377D2C85}"/>
+          <p:cNvPr id="18" name="灯片编号占位符 17">
+            <a:extLst>
+              <a:ext uri="{FF2B5EF4-FFF2-40B4-BE49-F238E27FC236}">
+                <a16:creationId xmlns:a16="http://schemas.microsoft.com/office/drawing/2014/main" id="{0CFCA4BA-5731-4BC1-9FF7-23403BFA938A}"/>
               </a:ext>
             </a:extLst>
           </p:cNvPr>
@@ -21741,7 +21548,7 @@
     </p:spTree>
     <p:extLst>
       <p:ext uri="{BB962C8B-B14F-4D97-AF65-F5344CB8AC3E}">
-        <p14:creationId xmlns:p14="http://schemas.microsoft.com/office/powerpoint/2010/main" val="162092071"/>
+        <p14:creationId xmlns:p14="http://schemas.microsoft.com/office/powerpoint/2010/main" val="3154595954"/>
       </p:ext>
     </p:extLst>
   </p:cSld>
@@ -21770,10 +21577,10 @@
       </p:grpSpPr>
       <p:sp>
         <p:nvSpPr>
-          <p:cNvPr id="2" name="标题 1">
-            <a:extLst>
-              <a:ext uri="{FF2B5EF4-FFF2-40B4-BE49-F238E27FC236}">
-                <a16:creationId xmlns:a16="http://schemas.microsoft.com/office/drawing/2014/main" id="{D2F924B7-710C-4A57-8CFD-02AED0241E6D}"/>
+          <p:cNvPr id="59" name="标题 58">
+            <a:extLst>
+              <a:ext uri="{FF2B5EF4-FFF2-40B4-BE49-F238E27FC236}">
+                <a16:creationId xmlns:a16="http://schemas.microsoft.com/office/drawing/2014/main" id="{FD483A78-48D6-4682-BE37-B2D0C566DB9D}"/>
               </a:ext>
             </a:extLst>
           </p:cNvPr>
@@ -21786,77 +21593,37 @@
         </p:nvSpPr>
         <p:spPr>
           <a:xfrm>
-            <a:off x="5963479" y="596393"/>
-            <a:ext cx="5618922" cy="4270075"/>
+            <a:off x="2743200" y="1"/>
+            <a:ext cx="9432315" cy="2198972"/>
           </a:xfrm>
         </p:spPr>
         <p:txBody>
-          <a:bodyPr rtlCol="0" anchor="ctr">
-            <a:normAutofit/>
-          </a:bodyPr>
+          <a:bodyPr rtlCol="0"/>
           <a:lstStyle/>
           <a:p>
-            <a:pPr algn="ctr" rtl="0"/>
-            <a:r>
-              <a:rPr lang="en-US" altLang="zh-CN" sz="5400" dirty="0">
-                <a:solidFill>
-                  <a:srgbClr val="FFFFFF"/>
-                </a:solidFill>
-                <a:latin typeface="Algerian" panose="04020705040A02060702" pitchFamily="82" charset="0"/>
-              </a:rPr>
-              <a:t>Thank you</a:t>
-            </a:r>
-            <a:br>
-              <a:rPr lang="en-US" altLang="zh-CN" sz="5400" dirty="0">
-                <a:solidFill>
-                  <a:srgbClr val="FFFFFF"/>
-                </a:solidFill>
-                <a:latin typeface="Algerian" panose="04020705040A02060702" pitchFamily="82" charset="0"/>
-              </a:rPr>
-            </a:br>
-            <a:r>
-              <a:rPr lang="en-US" altLang="zh-CN" sz="5400" dirty="0">
-                <a:solidFill>
-                  <a:srgbClr val="FFFFFF"/>
-                </a:solidFill>
-                <a:latin typeface="Algerian" panose="04020705040A02060702" pitchFamily="82" charset="0"/>
-              </a:rPr>
-              <a:t>Merci</a:t>
-            </a:r>
-            <a:br>
-              <a:rPr lang="en-US" altLang="zh-CN" sz="5400" dirty="0">
-                <a:solidFill>
-                  <a:srgbClr val="FFFFFF"/>
-                </a:solidFill>
-                <a:latin typeface="Algerian" panose="04020705040A02060702" pitchFamily="82" charset="0"/>
-              </a:rPr>
-            </a:br>
-            <a:r>
-              <a:rPr lang="zh-CN" altLang="en-US" sz="5400" dirty="0">
-                <a:solidFill>
-                  <a:srgbClr val="FFFFFF"/>
-                </a:solidFill>
-                <a:latin typeface="华文彩云" panose="02010800040101010101" pitchFamily="2" charset="-122"/>
-                <a:ea typeface="华文彩云" panose="02010800040101010101" pitchFamily="2" charset="-122"/>
-              </a:rPr>
-              <a:t>谢谢</a:t>
-            </a:r>
-            <a:endParaRPr lang="zh-CN" sz="5400" dirty="0">
-              <a:solidFill>
-                <a:srgbClr val="FFFFFF"/>
-              </a:solidFill>
-              <a:latin typeface="华文彩云" panose="02010800040101010101" pitchFamily="2" charset="-122"/>
-              <a:ea typeface="华文彩云" panose="02010800040101010101" pitchFamily="2" charset="-122"/>
-            </a:endParaRPr>
+            <a:pPr rtl="0"/>
+            <a:r>
+              <a:rPr lang="en-US" altLang="zh-CN" dirty="0"/>
+              <a:t>Summary and</a:t>
+            </a:r>
+            <a:r>
+              <a:rPr lang="zh-CN" altLang="en-US" dirty="0"/>
+              <a:t> </a:t>
+            </a:r>
+            <a:r>
+              <a:rPr lang="en-US" altLang="zh-CN" dirty="0"/>
+              <a:t>Reference</a:t>
+            </a:r>
+            <a:endParaRPr lang="zh-CN" dirty="0"/>
           </a:p>
         </p:txBody>
       </p:sp>
       <p:pic>
         <p:nvPicPr>
-          <p:cNvPr id="6" name="图片占位符 5">
-            <a:extLst>
-              <a:ext uri="{FF2B5EF4-FFF2-40B4-BE49-F238E27FC236}">
-                <a16:creationId xmlns:a16="http://schemas.microsoft.com/office/drawing/2014/main" id="{331D72FC-DA58-4C81-8A6D-2766DA418FDD}"/>
+          <p:cNvPr id="8" name="图片占位符 7">
+            <a:extLst>
+              <a:ext uri="{FF2B5EF4-FFF2-40B4-BE49-F238E27FC236}">
+                <a16:creationId xmlns:a16="http://schemas.microsoft.com/office/drawing/2014/main" id="{1424FF41-F655-4118-95E4-CC03D489668A}"/>
               </a:ext>
             </a:extLst>
           </p:cNvPr>
@@ -21867,25 +21634,304 @@
             <p:ph type="pic" sz="quarter" idx="13"/>
           </p:nvPr>
         </p:nvPicPr>
-        <p:blipFill rotWithShape="1">
+        <p:blipFill>
           <a:blip r:embed="rId2"/>
-          <a:srcRect l="30216" r="21050" b="-1"/>
+          <a:srcRect l="25079" r="25079"/>
           <a:stretch/>
         </p:blipFill>
         <p:spPr>
           <a:xfrm>
-            <a:off x="20" y="-1"/>
-            <a:ext cx="5181580" cy="6857999"/>
+            <a:off x="-16483" y="0"/>
+            <a:ext cx="2773332" cy="2202508"/>
           </a:xfrm>
-          <a:noFill/>
+        </p:spPr>
+      </p:pic>
+      <p:pic>
+        <p:nvPicPr>
+          <p:cNvPr id="10" name="图片占位符 9">
+            <a:extLst>
+              <a:ext uri="{FF2B5EF4-FFF2-40B4-BE49-F238E27FC236}">
+                <a16:creationId xmlns:a16="http://schemas.microsoft.com/office/drawing/2014/main" id="{9CB36CBF-780F-44BF-90F7-7C2E32629CB9}"/>
+              </a:ext>
+            </a:extLst>
+          </p:cNvPr>
+          <p:cNvPicPr>
+            <a:picLocks noGrp="1" noChangeAspect="1"/>
+          </p:cNvPicPr>
+          <p:nvPr>
+            <p:ph type="pic" sz="quarter" idx="14"/>
+          </p:nvPr>
+        </p:nvPicPr>
+        <p:blipFill>
+          <a:blip r:embed="rId3"/>
+          <a:srcRect t="15404" b="15404"/>
+          <a:stretch/>
+        </p:blipFill>
+        <p:spPr>
+          <a:xfrm>
+            <a:off x="-16484" y="2202508"/>
+            <a:ext cx="2773332" cy="2327746"/>
+          </a:xfrm>
+        </p:spPr>
+      </p:pic>
+      <p:pic>
+        <p:nvPicPr>
+          <p:cNvPr id="12" name="图片占位符 11">
+            <a:extLst>
+              <a:ext uri="{FF2B5EF4-FFF2-40B4-BE49-F238E27FC236}">
+                <a16:creationId xmlns:a16="http://schemas.microsoft.com/office/drawing/2014/main" id="{09C1E283-54F6-4BE3-BD4B-B4C5888D08CC}"/>
+              </a:ext>
+            </a:extLst>
+          </p:cNvPr>
+          <p:cNvPicPr>
+            <a:picLocks noGrp="1" noChangeAspect="1"/>
+          </p:cNvPicPr>
+          <p:nvPr>
+            <p:ph type="pic" sz="quarter" idx="15"/>
+          </p:nvPr>
+        </p:nvPicPr>
+        <p:blipFill>
+          <a:blip r:embed="rId4"/>
+          <a:srcRect t="15404" b="15404"/>
+          <a:stretch/>
+        </p:blipFill>
+        <p:spPr>
+          <a:xfrm>
+            <a:off x="-16484" y="4530254"/>
+            <a:ext cx="2773332" cy="2327746"/>
+          </a:xfrm>
         </p:spPr>
       </p:pic>
       <p:sp>
         <p:nvSpPr>
-          <p:cNvPr id="8" name="页脚占位符 7">
-            <a:extLst>
-              <a:ext uri="{FF2B5EF4-FFF2-40B4-BE49-F238E27FC236}">
-                <a16:creationId xmlns:a16="http://schemas.microsoft.com/office/drawing/2014/main" id="{9B416018-B9FF-439D-B677-A6C1EE52C534}"/>
+          <p:cNvPr id="3" name="内容占位符 2">
+            <a:extLst>
+              <a:ext uri="{FF2B5EF4-FFF2-40B4-BE49-F238E27FC236}">
+                <a16:creationId xmlns:a16="http://schemas.microsoft.com/office/drawing/2014/main" id="{42AFE50A-6F33-40AD-9446-D7F6D1B310CF}"/>
+              </a:ext>
+            </a:extLst>
+          </p:cNvPr>
+          <p:cNvSpPr>
+            <a:spLocks noGrp="1"/>
+          </p:cNvSpPr>
+          <p:nvPr>
+            <p:ph idx="1"/>
+          </p:nvPr>
+        </p:nvSpPr>
+        <p:spPr>
+          <a:xfrm>
+            <a:off x="3352800" y="2794177"/>
+            <a:ext cx="7476460" cy="3382786"/>
+          </a:xfrm>
+        </p:spPr>
+        <p:txBody>
+          <a:bodyPr rtlCol="0"/>
+          <a:lstStyle/>
+          <a:p>
+            <a:pPr>
+              <a:lnSpc>
+                <a:spcPct val="115000"/>
+              </a:lnSpc>
+            </a:pPr>
+            <a:r>
+              <a:rPr lang="en-US" altLang="zh-CN" sz="1800" dirty="0">
+                <a:solidFill>
+                  <a:srgbClr val="000000"/>
+                </a:solidFill>
+                <a:effectLst/>
+                <a:latin typeface="Calibri" panose="020F0502020204030204" pitchFamily="34" charset="0"/>
+                <a:ea typeface="等线" panose="02010600030101010101" pitchFamily="2" charset="-122"/>
+                <a:cs typeface="Cambria" panose="02040503050406030204" pitchFamily="18" charset="0"/>
+              </a:rPr>
+              <a:t>1. </a:t>
+            </a:r>
+            <a:r>
+              <a:rPr lang="en-US" altLang="zh-CN" sz="1600" b="0" i="0" u="none" strike="noStrike" dirty="0">
+                <a:solidFill>
+                  <a:srgbClr val="626675"/>
+                </a:solidFill>
+                <a:effectLst/>
+                <a:latin typeface="Arial" panose="020B0604020202020204" pitchFamily="34" charset="0"/>
+                <a:hlinkClick r:id="rId5"/>
+              </a:rPr>
+              <a:t>jnwl.jinan.gov.cn</a:t>
+            </a:r>
+            <a:endParaRPr lang="en-US" altLang="zh-CN" sz="1600" b="0" i="0" u="none" strike="noStrike" dirty="0">
+              <a:solidFill>
+                <a:srgbClr val="626675"/>
+              </a:solidFill>
+              <a:effectLst/>
+              <a:latin typeface="Arial" panose="020B0604020202020204" pitchFamily="34" charset="0"/>
+            </a:endParaRPr>
+          </a:p>
+          <a:p>
+            <a:pPr>
+              <a:lnSpc>
+                <a:spcPct val="115000"/>
+              </a:lnSpc>
+            </a:pPr>
+            <a:r>
+              <a:rPr lang="en-US" altLang="zh-CN" sz="1800" dirty="0">
+                <a:solidFill>
+                  <a:srgbClr val="000000"/>
+                </a:solidFill>
+                <a:effectLst/>
+                <a:latin typeface="Calibri" panose="020F0502020204030204" pitchFamily="34" charset="0"/>
+                <a:ea typeface="等线" panose="02010600030101010101" pitchFamily="2" charset="-122"/>
+                <a:cs typeface="Cambria" panose="02040503050406030204" pitchFamily="18" charset="0"/>
+              </a:rPr>
+              <a:t>2. </a:t>
+            </a:r>
+            <a:r>
+              <a:rPr lang="en-US" altLang="zh-CN" sz="1800" u="sng" dirty="0">
+                <a:solidFill>
+                  <a:srgbClr val="000000"/>
+                </a:solidFill>
+                <a:effectLst/>
+                <a:latin typeface="Calibri" panose="020F0502020204030204" pitchFamily="34" charset="0"/>
+                <a:ea typeface="等线" panose="02010600030101010101" pitchFamily="2" charset="-122"/>
+                <a:cs typeface="Cambria" panose="02040503050406030204" pitchFamily="18" charset="0"/>
+                <a:hlinkClick r:id="rId6"/>
+              </a:rPr>
+              <a:t>www.xiameng.com</a:t>
+            </a:r>
+            <a:endParaRPr lang="zh-CN" altLang="zh-CN" sz="1800" dirty="0">
+              <a:solidFill>
+                <a:srgbClr val="000000"/>
+              </a:solidFill>
+              <a:effectLst/>
+              <a:latin typeface="Cambria" panose="02040503050406030204" pitchFamily="18" charset="0"/>
+              <a:ea typeface="等线" panose="02010600030101010101" pitchFamily="2" charset="-122"/>
+              <a:cs typeface="Cambria" panose="02040503050406030204" pitchFamily="18" charset="0"/>
+            </a:endParaRPr>
+          </a:p>
+          <a:p>
+            <a:pPr>
+              <a:lnSpc>
+                <a:spcPct val="115000"/>
+              </a:lnSpc>
+            </a:pPr>
+            <a:r>
+              <a:rPr lang="en-US" altLang="zh-CN" sz="1800" dirty="0">
+                <a:solidFill>
+                  <a:srgbClr val="000000"/>
+                </a:solidFill>
+                <a:effectLst/>
+                <a:latin typeface="Calibri" panose="020F0502020204030204" pitchFamily="34" charset="0"/>
+                <a:ea typeface="等线" panose="02010600030101010101" pitchFamily="2" charset="-122"/>
+                <a:cs typeface="Cambria" panose="02040503050406030204" pitchFamily="18" charset="0"/>
+              </a:rPr>
+              <a:t>3. </a:t>
+            </a:r>
+            <a:r>
+              <a:rPr lang="en-US" altLang="zh-CN" sz="1800" dirty="0">
+                <a:solidFill>
+                  <a:srgbClr val="000000"/>
+                </a:solidFill>
+                <a:effectLst/>
+                <a:latin typeface="Calibri" panose="020F0502020204030204" pitchFamily="34" charset="0"/>
+                <a:ea typeface="等线" panose="02010600030101010101" pitchFamily="2" charset="-122"/>
+                <a:cs typeface="Cambria" panose="02040503050406030204" pitchFamily="18" charset="0"/>
+                <a:hlinkClick r:id="rId7"/>
+              </a:rPr>
+              <a:t>http://www.visitxm.com</a:t>
+            </a:r>
+            <a:endParaRPr lang="en-US" altLang="zh-CN" sz="1800" dirty="0">
+              <a:solidFill>
+                <a:srgbClr val="000000"/>
+              </a:solidFill>
+              <a:effectLst/>
+              <a:latin typeface="Calibri" panose="020F0502020204030204" pitchFamily="34" charset="0"/>
+              <a:ea typeface="等线" panose="02010600030101010101" pitchFamily="2" charset="-122"/>
+              <a:cs typeface="Cambria" panose="02040503050406030204" pitchFamily="18" charset="0"/>
+            </a:endParaRPr>
+          </a:p>
+          <a:p>
+            <a:pPr>
+              <a:lnSpc>
+                <a:spcPct val="115000"/>
+              </a:lnSpc>
+            </a:pPr>
+            <a:r>
+              <a:rPr lang="en-US" altLang="zh-CN" sz="1800" dirty="0">
+                <a:solidFill>
+                  <a:srgbClr val="000000"/>
+                </a:solidFill>
+                <a:effectLst/>
+                <a:latin typeface="Calibri" panose="020F0502020204030204" pitchFamily="34" charset="0"/>
+                <a:ea typeface="等线" panose="02010600030101010101" pitchFamily="2" charset="-122"/>
+                <a:cs typeface="Cambria" panose="02040503050406030204" pitchFamily="18" charset="0"/>
+              </a:rPr>
+              <a:t>4. </a:t>
+            </a:r>
+            <a:r>
+              <a:rPr lang="en-US" altLang="zh-CN" sz="1800" dirty="0">
+                <a:solidFill>
+                  <a:srgbClr val="000000"/>
+                </a:solidFill>
+                <a:effectLst/>
+                <a:latin typeface="Calibri" panose="020F0502020204030204" pitchFamily="34" charset="0"/>
+                <a:ea typeface="等线" panose="02010600030101010101" pitchFamily="2" charset="-122"/>
+                <a:cs typeface="Cambria" panose="02040503050406030204" pitchFamily="18" charset="0"/>
+                <a:hlinkClick r:id="rId8"/>
+              </a:rPr>
+              <a:t>www.dunhuangtour.com</a:t>
+            </a:r>
+            <a:endParaRPr lang="en-US" altLang="zh-CN" sz="1800" dirty="0">
+              <a:solidFill>
+                <a:srgbClr val="000000"/>
+              </a:solidFill>
+              <a:effectLst/>
+              <a:latin typeface="Calibri" panose="020F0502020204030204" pitchFamily="34" charset="0"/>
+              <a:ea typeface="等线" panose="02010600030101010101" pitchFamily="2" charset="-122"/>
+              <a:cs typeface="Cambria" panose="02040503050406030204" pitchFamily="18" charset="0"/>
+            </a:endParaRPr>
+          </a:p>
+          <a:p>
+            <a:pPr algn="l"/>
+            <a:r>
+              <a:rPr lang="en-US" altLang="zh-CN" sz="1800" dirty="0">
+                <a:solidFill>
+                  <a:srgbClr val="000000"/>
+                </a:solidFill>
+                <a:latin typeface="Calibri" panose="020F0502020204030204" pitchFamily="34" charset="0"/>
+                <a:ea typeface="等线" panose="02010600030101010101" pitchFamily="2" charset="-122"/>
+                <a:cs typeface="Cambria" panose="02040503050406030204" pitchFamily="18" charset="0"/>
+              </a:rPr>
+              <a:t>5. </a:t>
+            </a:r>
+            <a:r>
+              <a:rPr lang="it-IT" altLang="zh-CN" sz="1600" b="0" i="0" u="none" strike="noStrike" dirty="0">
+                <a:solidFill>
+                  <a:srgbClr val="202124"/>
+                </a:solidFill>
+                <a:effectLst/>
+                <a:latin typeface="arial" panose="020B0604020202020204" pitchFamily="34" charset="0"/>
+                <a:hlinkClick r:id="rId9"/>
+              </a:rPr>
+              <a:t>www.w3schools.com</a:t>
+            </a:r>
+            <a:endParaRPr lang="it-IT" altLang="zh-CN" sz="1600" b="0" i="0" u="none" strike="noStrike" dirty="0">
+              <a:solidFill>
+                <a:srgbClr val="1A0DAB"/>
+              </a:solidFill>
+              <a:effectLst/>
+              <a:latin typeface="arial" panose="020B0604020202020204" pitchFamily="34" charset="0"/>
+              <a:hlinkClick r:id="rId9"/>
+            </a:endParaRPr>
+          </a:p>
+          <a:p>
+            <a:pPr rtl="0"/>
+            <a:endParaRPr lang="zh-CN" dirty="0"/>
+          </a:p>
+        </p:txBody>
+      </p:sp>
+      <p:sp>
+        <p:nvSpPr>
+          <p:cNvPr id="14" name="页脚占位符 13">
+            <a:extLst>
+              <a:ext uri="{FF2B5EF4-FFF2-40B4-BE49-F238E27FC236}">
+                <a16:creationId xmlns:a16="http://schemas.microsoft.com/office/drawing/2014/main" id="{F2598B45-0899-4C64-A088-FE0583534F45}"/>
               </a:ext>
             </a:extLst>
           </p:cNvPr>
@@ -21898,35 +21944,37 @@
         </p:nvSpPr>
         <p:spPr>
           <a:xfrm>
-            <a:off x="914400" y="6434560"/>
+            <a:off x="2756848" y="6349239"/>
             <a:ext cx="3428012" cy="365125"/>
           </a:xfrm>
         </p:spPr>
         <p:txBody>
-          <a:bodyPr rtlCol="0" anchor="ctr">
-            <a:normAutofit/>
-          </a:bodyPr>
+          <a:bodyPr rtlCol="0"/>
           <a:lstStyle/>
           <a:p>
-            <a:pPr rtl="0">
-              <a:spcAft>
-                <a:spcPts val="600"/>
-              </a:spcAft>
-            </a:pPr>
-            <a:r>
-              <a:rPr lang="en-US" altLang="zh-CN" dirty="0"/>
+            <a:pPr rtl="0"/>
+            <a:r>
+              <a:rPr lang="en-US" altLang="zh-CN" dirty="0">
+                <a:solidFill>
+                  <a:schemeClr val="tx1"/>
+                </a:solidFill>
+              </a:rPr>
               <a:t>Website Design of John-Abbott College</a:t>
             </a:r>
-            <a:endParaRPr lang="zh-CN" altLang="zh-CN"/>
+            <a:endParaRPr lang="zh-CN" altLang="zh-CN" dirty="0">
+              <a:solidFill>
+                <a:schemeClr val="tx1"/>
+              </a:solidFill>
+            </a:endParaRPr>
           </a:p>
         </p:txBody>
       </p:sp>
       <p:sp>
         <p:nvSpPr>
-          <p:cNvPr id="7" name="日期占位符 6">
-            <a:extLst>
-              <a:ext uri="{FF2B5EF4-FFF2-40B4-BE49-F238E27FC236}">
-                <a16:creationId xmlns:a16="http://schemas.microsoft.com/office/drawing/2014/main" id="{58677E1A-6EF4-4E0B-8465-B74A11B4EC5E}"/>
+          <p:cNvPr id="13" name="日期占位符 12">
+            <a:extLst>
+              <a:ext uri="{FF2B5EF4-FFF2-40B4-BE49-F238E27FC236}">
+                <a16:creationId xmlns:a16="http://schemas.microsoft.com/office/drawing/2014/main" id="{A3967E21-B2F3-45A0-8DC7-5AA3CCC51699}"/>
               </a:ext>
             </a:extLst>
           </p:cNvPr>
@@ -21944,16 +21992,10 @@
           </a:xfrm>
         </p:spPr>
         <p:txBody>
-          <a:bodyPr rtlCol="0" anchor="ctr">
-            <a:normAutofit/>
-          </a:bodyPr>
+          <a:bodyPr rtlCol="0"/>
           <a:lstStyle/>
           <a:p>
-            <a:pPr rtl="0">
-              <a:spcAft>
-                <a:spcPts val="600"/>
-              </a:spcAft>
-            </a:pPr>
+            <a:pPr rtl="0"/>
             <a:r>
               <a:rPr lang="zh-CN" altLang="zh-CN" dirty="0"/>
               <a:t>20</a:t>
@@ -21978,16 +22020,16 @@
               <a:rPr lang="en-US" altLang="zh-CN" dirty="0"/>
               <a:t>01</a:t>
             </a:r>
-            <a:endParaRPr lang="zh-CN" altLang="zh-CN"/>
+            <a:endParaRPr lang="zh-CN" altLang="zh-CN" dirty="0"/>
           </a:p>
         </p:txBody>
       </p:sp>
       <p:sp>
         <p:nvSpPr>
-          <p:cNvPr id="9" name="幻灯片编号占位符 8">
-            <a:extLst>
-              <a:ext uri="{FF2B5EF4-FFF2-40B4-BE49-F238E27FC236}">
-                <a16:creationId xmlns:a16="http://schemas.microsoft.com/office/drawing/2014/main" id="{D9293E6D-52CE-414C-A9A9-7A3C0CE08934}"/>
+          <p:cNvPr id="15" name="灯片编号占位符 14">
+            <a:extLst>
+              <a:ext uri="{FF2B5EF4-FFF2-40B4-BE49-F238E27FC236}">
+                <a16:creationId xmlns:a16="http://schemas.microsoft.com/office/drawing/2014/main" id="{E87B0019-071E-4C19-9139-35D5377D2C85}"/>
               </a:ext>
             </a:extLst>
           </p:cNvPr>
@@ -22005,39 +22047,23 @@
           </a:xfrm>
         </p:spPr>
         <p:txBody>
-          <a:bodyPr rtlCol="0" anchor="ctr">
-            <a:normAutofit/>
-          </a:bodyPr>
+          <a:bodyPr rtlCol="0"/>
           <a:lstStyle/>
           <a:p>
-            <a:pPr rtl="0">
-              <a:lnSpc>
-                <a:spcPct val="90000"/>
-              </a:lnSpc>
-              <a:spcAft>
-                <a:spcPts val="600"/>
-              </a:spcAft>
-            </a:pPr>
+            <a:pPr rtl="0"/>
             <a:fld id="{08AB70BE-1769-45B8-85A6-0C837432C7E6}" type="slidenum">
               <a:rPr lang="en-US" altLang="zh-CN" smtClean="0"/>
-              <a:pPr rtl="0">
-                <a:lnSpc>
-                  <a:spcPct val="90000"/>
-                </a:lnSpc>
-                <a:spcAft>
-                  <a:spcPts val="600"/>
-                </a:spcAft>
-              </a:pPr>
+              <a:pPr rtl="0"/>
               <a:t>19</a:t>
             </a:fld>
-            <a:endParaRPr lang="zh-CN"/>
+            <a:endParaRPr lang="zh-CN" dirty="0"/>
           </a:p>
         </p:txBody>
       </p:sp>
     </p:spTree>
     <p:extLst>
       <p:ext uri="{BB962C8B-B14F-4D97-AF65-F5344CB8AC3E}">
-        <p14:creationId xmlns:p14="http://schemas.microsoft.com/office/powerpoint/2010/main" val="1994895105"/>
+        <p14:creationId xmlns:p14="http://schemas.microsoft.com/office/powerpoint/2010/main" val="162092071"/>
       </p:ext>
     </p:extLst>
   </p:cSld>
@@ -22419,6 +22445,302 @@
     <p:extLst>
       <p:ext uri="{BB962C8B-B14F-4D97-AF65-F5344CB8AC3E}">
         <p14:creationId xmlns:p14="http://schemas.microsoft.com/office/powerpoint/2010/main" val="1544838494"/>
+      </p:ext>
+    </p:extLst>
+  </p:cSld>
+  <p:clrMapOvr>
+    <a:masterClrMapping/>
+  </p:clrMapOvr>
+</p:sld>
+</file>
+
+<file path=ppt/slides/slide20.xml><?xml version="1.0" encoding="utf-8"?>
+<p:sld xmlns:a="http://schemas.openxmlformats.org/drawingml/2006/main" xmlns:r="http://schemas.openxmlformats.org/officeDocument/2006/relationships" xmlns:p="http://schemas.openxmlformats.org/presentationml/2006/main">
+  <p:cSld>
+    <p:spTree>
+      <p:nvGrpSpPr>
+        <p:cNvPr id="1" name=""/>
+        <p:cNvGrpSpPr/>
+        <p:nvPr/>
+      </p:nvGrpSpPr>
+      <p:grpSpPr>
+        <a:xfrm>
+          <a:off x="0" y="0"/>
+          <a:ext cx="0" cy="0"/>
+          <a:chOff x="0" y="0"/>
+          <a:chExt cx="0" cy="0"/>
+        </a:xfrm>
+      </p:grpSpPr>
+      <p:sp>
+        <p:nvSpPr>
+          <p:cNvPr id="2" name="标题 1">
+            <a:extLst>
+              <a:ext uri="{FF2B5EF4-FFF2-40B4-BE49-F238E27FC236}">
+                <a16:creationId xmlns:a16="http://schemas.microsoft.com/office/drawing/2014/main" id="{D2F924B7-710C-4A57-8CFD-02AED0241E6D}"/>
+              </a:ext>
+            </a:extLst>
+          </p:cNvPr>
+          <p:cNvSpPr>
+            <a:spLocks noGrp="1"/>
+          </p:cNvSpPr>
+          <p:nvPr>
+            <p:ph type="title"/>
+          </p:nvPr>
+        </p:nvSpPr>
+        <p:spPr>
+          <a:xfrm>
+            <a:off x="5963479" y="596393"/>
+            <a:ext cx="5618922" cy="4270075"/>
+          </a:xfrm>
+        </p:spPr>
+        <p:txBody>
+          <a:bodyPr rtlCol="0" anchor="ctr">
+            <a:normAutofit/>
+          </a:bodyPr>
+          <a:lstStyle/>
+          <a:p>
+            <a:pPr algn="ctr" rtl="0"/>
+            <a:r>
+              <a:rPr lang="en-US" altLang="zh-CN" sz="5400" dirty="0">
+                <a:solidFill>
+                  <a:srgbClr val="FFFFFF"/>
+                </a:solidFill>
+                <a:latin typeface="Algerian" panose="04020705040A02060702" pitchFamily="82" charset="0"/>
+              </a:rPr>
+              <a:t>Thank you</a:t>
+            </a:r>
+            <a:br>
+              <a:rPr lang="en-US" altLang="zh-CN" sz="5400" dirty="0">
+                <a:solidFill>
+                  <a:srgbClr val="FFFFFF"/>
+                </a:solidFill>
+                <a:latin typeface="Algerian" panose="04020705040A02060702" pitchFamily="82" charset="0"/>
+              </a:rPr>
+            </a:br>
+            <a:r>
+              <a:rPr lang="en-US" altLang="zh-CN" sz="5400" dirty="0">
+                <a:solidFill>
+                  <a:srgbClr val="FFFFFF"/>
+                </a:solidFill>
+                <a:latin typeface="Algerian" panose="04020705040A02060702" pitchFamily="82" charset="0"/>
+              </a:rPr>
+              <a:t>Merci</a:t>
+            </a:r>
+            <a:br>
+              <a:rPr lang="en-US" altLang="zh-CN" sz="5400" dirty="0">
+                <a:solidFill>
+                  <a:srgbClr val="FFFFFF"/>
+                </a:solidFill>
+                <a:latin typeface="Algerian" panose="04020705040A02060702" pitchFamily="82" charset="0"/>
+              </a:rPr>
+            </a:br>
+            <a:r>
+              <a:rPr lang="zh-CN" altLang="en-US" sz="5400" dirty="0">
+                <a:solidFill>
+                  <a:srgbClr val="FFFFFF"/>
+                </a:solidFill>
+                <a:latin typeface="华文彩云" panose="02010800040101010101" pitchFamily="2" charset="-122"/>
+                <a:ea typeface="华文彩云" panose="02010800040101010101" pitchFamily="2" charset="-122"/>
+              </a:rPr>
+              <a:t>谢谢</a:t>
+            </a:r>
+            <a:endParaRPr lang="zh-CN" sz="5400" dirty="0">
+              <a:solidFill>
+                <a:srgbClr val="FFFFFF"/>
+              </a:solidFill>
+              <a:latin typeface="华文彩云" panose="02010800040101010101" pitchFamily="2" charset="-122"/>
+              <a:ea typeface="华文彩云" panose="02010800040101010101" pitchFamily="2" charset="-122"/>
+            </a:endParaRPr>
+          </a:p>
+        </p:txBody>
+      </p:sp>
+      <p:pic>
+        <p:nvPicPr>
+          <p:cNvPr id="6" name="图片占位符 5">
+            <a:extLst>
+              <a:ext uri="{FF2B5EF4-FFF2-40B4-BE49-F238E27FC236}">
+                <a16:creationId xmlns:a16="http://schemas.microsoft.com/office/drawing/2014/main" id="{331D72FC-DA58-4C81-8A6D-2766DA418FDD}"/>
+              </a:ext>
+            </a:extLst>
+          </p:cNvPr>
+          <p:cNvPicPr>
+            <a:picLocks noGrp="1" noChangeAspect="1"/>
+          </p:cNvPicPr>
+          <p:nvPr>
+            <p:ph type="pic" sz="quarter" idx="13"/>
+          </p:nvPr>
+        </p:nvPicPr>
+        <p:blipFill rotWithShape="1">
+          <a:blip r:embed="rId2"/>
+          <a:srcRect l="30216" r="21050" b="-1"/>
+          <a:stretch/>
+        </p:blipFill>
+        <p:spPr>
+          <a:xfrm>
+            <a:off x="20" y="-1"/>
+            <a:ext cx="5181580" cy="6857999"/>
+          </a:xfrm>
+          <a:noFill/>
+        </p:spPr>
+      </p:pic>
+      <p:sp>
+        <p:nvSpPr>
+          <p:cNvPr id="8" name="页脚占位符 7">
+            <a:extLst>
+              <a:ext uri="{FF2B5EF4-FFF2-40B4-BE49-F238E27FC236}">
+                <a16:creationId xmlns:a16="http://schemas.microsoft.com/office/drawing/2014/main" id="{9B416018-B9FF-439D-B677-A6C1EE52C534}"/>
+              </a:ext>
+            </a:extLst>
+          </p:cNvPr>
+          <p:cNvSpPr>
+            <a:spLocks noGrp="1"/>
+          </p:cNvSpPr>
+          <p:nvPr>
+            <p:ph type="ftr" sz="quarter" idx="11"/>
+          </p:nvPr>
+        </p:nvSpPr>
+        <p:spPr>
+          <a:xfrm>
+            <a:off x="914400" y="6434560"/>
+            <a:ext cx="3428012" cy="365125"/>
+          </a:xfrm>
+        </p:spPr>
+        <p:txBody>
+          <a:bodyPr rtlCol="0" anchor="ctr">
+            <a:normAutofit/>
+          </a:bodyPr>
+          <a:lstStyle/>
+          <a:p>
+            <a:pPr rtl="0">
+              <a:spcAft>
+                <a:spcPts val="600"/>
+              </a:spcAft>
+            </a:pPr>
+            <a:r>
+              <a:rPr lang="en-US" altLang="zh-CN" dirty="0"/>
+              <a:t>Website Design of John-Abbott College</a:t>
+            </a:r>
+            <a:endParaRPr lang="zh-CN" altLang="zh-CN"/>
+          </a:p>
+        </p:txBody>
+      </p:sp>
+      <p:sp>
+        <p:nvSpPr>
+          <p:cNvPr id="7" name="日期占位符 6">
+            <a:extLst>
+              <a:ext uri="{FF2B5EF4-FFF2-40B4-BE49-F238E27FC236}">
+                <a16:creationId xmlns:a16="http://schemas.microsoft.com/office/drawing/2014/main" id="{58677E1A-6EF4-4E0B-8465-B74A11B4EC5E}"/>
+              </a:ext>
+            </a:extLst>
+          </p:cNvPr>
+          <p:cNvSpPr>
+            <a:spLocks noGrp="1"/>
+          </p:cNvSpPr>
+          <p:nvPr>
+            <p:ph type="dt" sz="half" idx="10"/>
+          </p:nvPr>
+        </p:nvSpPr>
+        <p:spPr>
+          <a:xfrm>
+            <a:off x="9017000" y="6433202"/>
+            <a:ext cx="2374150" cy="367841"/>
+          </a:xfrm>
+        </p:spPr>
+        <p:txBody>
+          <a:bodyPr rtlCol="0" anchor="ctr">
+            <a:normAutofit/>
+          </a:bodyPr>
+          <a:lstStyle/>
+          <a:p>
+            <a:pPr rtl="0">
+              <a:spcAft>
+                <a:spcPts val="600"/>
+              </a:spcAft>
+            </a:pPr>
+            <a:r>
+              <a:rPr lang="zh-CN" altLang="zh-CN" dirty="0"/>
+              <a:t>20</a:t>
+            </a:r>
+            <a:r>
+              <a:rPr lang="en-US" altLang="zh-CN" dirty="0"/>
+              <a:t>21</a:t>
+            </a:r>
+            <a:r>
+              <a:rPr lang="zh-CN" altLang="zh-CN" dirty="0"/>
+              <a:t>/</a:t>
+            </a:r>
+            <a:r>
+              <a:rPr lang="en-US" altLang="zh-CN" dirty="0"/>
+              <a:t>09</a:t>
+            </a:r>
+            <a:r>
+              <a:rPr lang="zh-CN" altLang="zh-CN" dirty="0"/>
+              <a:t>/</a:t>
+            </a:r>
+            <a:r>
+              <a:rPr lang="en-US" altLang="zh-CN" dirty="0"/>
+              <a:t>01</a:t>
+            </a:r>
+            <a:endParaRPr lang="zh-CN" altLang="zh-CN"/>
+          </a:p>
+        </p:txBody>
+      </p:sp>
+      <p:sp>
+        <p:nvSpPr>
+          <p:cNvPr id="9" name="幻灯片编号占位符 8">
+            <a:extLst>
+              <a:ext uri="{FF2B5EF4-FFF2-40B4-BE49-F238E27FC236}">
+                <a16:creationId xmlns:a16="http://schemas.microsoft.com/office/drawing/2014/main" id="{D9293E6D-52CE-414C-A9A9-7A3C0CE08934}"/>
+              </a:ext>
+            </a:extLst>
+          </p:cNvPr>
+          <p:cNvSpPr>
+            <a:spLocks noGrp="1"/>
+          </p:cNvSpPr>
+          <p:nvPr>
+            <p:ph type="sldNum" sz="quarter" idx="12"/>
+          </p:nvPr>
+        </p:nvSpPr>
+        <p:spPr>
+          <a:xfrm>
+            <a:off x="11391150" y="6433203"/>
+            <a:ext cx="693263" cy="367842"/>
+          </a:xfrm>
+        </p:spPr>
+        <p:txBody>
+          <a:bodyPr rtlCol="0" anchor="ctr">
+            <a:normAutofit/>
+          </a:bodyPr>
+          <a:lstStyle/>
+          <a:p>
+            <a:pPr rtl="0">
+              <a:lnSpc>
+                <a:spcPct val="90000"/>
+              </a:lnSpc>
+              <a:spcAft>
+                <a:spcPts val="600"/>
+              </a:spcAft>
+            </a:pPr>
+            <a:fld id="{08AB70BE-1769-45B8-85A6-0C837432C7E6}" type="slidenum">
+              <a:rPr lang="en-US" altLang="zh-CN" smtClean="0"/>
+              <a:pPr rtl="0">
+                <a:lnSpc>
+                  <a:spcPct val="90000"/>
+                </a:lnSpc>
+                <a:spcAft>
+                  <a:spcPts val="600"/>
+                </a:spcAft>
+              </a:pPr>
+              <a:t>20</a:t>
+            </a:fld>
+            <a:endParaRPr lang="zh-CN"/>
+          </a:p>
+        </p:txBody>
+      </p:sp>
+    </p:spTree>
+    <p:extLst>
+      <p:ext uri="{BB962C8B-B14F-4D97-AF65-F5344CB8AC3E}">
+        <p14:creationId xmlns:p14="http://schemas.microsoft.com/office/powerpoint/2010/main" val="1994895105"/>
       </p:ext>
     </p:extLst>
   </p:cSld>
@@ -25626,34 +25948,6 @@
 </file>
 
 <file path=customXml/item1.xml><?xml version="1.0" encoding="utf-8"?>
-<p:properties xmlns:p="http://schemas.microsoft.com/office/2006/metadata/properties" xmlns:xsi="http://www.w3.org/2001/XMLSchema-instance" xmlns:pc="http://schemas.microsoft.com/office/infopath/2007/PartnerControls">
-  <documentManagement>
-    <Status xmlns="71af3243-3dd4-4a8d-8c0d-dd76da1f02a5">Not started</Status>
-    <_ip_UnifiedCompliancePolicyUIAction xmlns="http://schemas.microsoft.com/sharepoint/v3" xsi:nil="true"/>
-    <Image xmlns="71af3243-3dd4-4a8d-8c0d-dd76da1f02a5">
-      <Url xsi:nil="true"/>
-      <Description xsi:nil="true"/>
-    </Image>
-    <_ip_UnifiedCompliancePolicyProperties xmlns="http://schemas.microsoft.com/sharepoint/v3" xsi:nil="true"/>
-    <lcf76f155ced4ddcb4097134ff3c332f xmlns="71af3243-3dd4-4a8d-8c0d-dd76da1f02a5">
-      <Terms xmlns="http://schemas.microsoft.com/office/infopath/2007/PartnerControls"/>
-    </lcf76f155ced4ddcb4097134ff3c332f>
-    <TaxCatchAll xmlns="230e9df3-be65-4c73-a93b-d1236ebd677e"/>
-    <MediaServiceKeyPoints xmlns="71af3243-3dd4-4a8d-8c0d-dd76da1f02a5" xsi:nil="true"/>
-  </documentManagement>
-</p:properties>
-</file>
-
-<file path=customXml/item2.xml><?xml version="1.0" encoding="utf-8"?>
-<?mso-contentType ?>
-<FormTemplates xmlns="http://schemas.microsoft.com/sharepoint/v3/contenttype/forms">
-  <Display>DocumentLibraryForm</Display>
-  <Edit>DocumentLibraryForm</Edit>
-  <New>DocumentLibraryForm</New>
-</FormTemplates>
-</file>
-
-<file path=customXml/item3.xml><?xml version="1.0" encoding="utf-8"?>
 <ct:contentTypeSchema xmlns:ct="http://schemas.microsoft.com/office/2006/metadata/contentType" xmlns:ma="http://schemas.microsoft.com/office/2006/metadata/properties/metaAttributes" ct:_="" ma:_="" ma:contentTypeName="Document" ma:contentTypeID="0x01010079F111ED35F8CC479449609E8A0923A6" ma:contentTypeVersion="18" ma:contentTypeDescription="Create a new document." ma:contentTypeScope="" ma:versionID="22a266b9fa9a230c5a512669d8b298c3">
   <xsd:schema xmlns:xsd="http://www.w3.org/2001/XMLSchema" xmlns:xs="http://www.w3.org/2001/XMLSchema" xmlns:p="http://schemas.microsoft.com/office/2006/metadata/properties" xmlns:ns1="http://schemas.microsoft.com/sharepoint/v3" xmlns:ns2="71af3243-3dd4-4a8d-8c0d-dd76da1f02a5" xmlns:ns3="16c05727-aa75-4e4a-9b5f-8a80a1165891" xmlns:ns4="230e9df3-be65-4c73-a93b-d1236ebd677e" targetNamespace="http://schemas.microsoft.com/office/2006/metadata/properties" ma:root="true" ma:fieldsID="eddc33fff6b14141ee5c74a0d29ea6a1" ns1:_="" ns2:_="" ns3:_="" ns4:_="">
     <xsd:import namespace="http://schemas.microsoft.com/sharepoint/v3"/>
@@ -25929,27 +26223,35 @@
 </ct:contentTypeSchema>
 </file>
 
-<file path=customXml/itemProps1.xml><?xml version="1.0" encoding="utf-8"?>
-<ds:datastoreItem xmlns:ds="http://schemas.openxmlformats.org/officeDocument/2006/customXml" ds:itemID="{4EAB8BBB-9A18-4050-923B-7FC6E36DA496}">
-  <ds:schemaRefs>
-    <ds:schemaRef ds:uri="http://schemas.microsoft.com/office/2006/metadata/properties"/>
-    <ds:schemaRef ds:uri="http://schemas.microsoft.com/office/infopath/2007/PartnerControls"/>
-    <ds:schemaRef ds:uri="71af3243-3dd4-4a8d-8c0d-dd76da1f02a5"/>
-    <ds:schemaRef ds:uri="http://schemas.microsoft.com/sharepoint/v3"/>
-    <ds:schemaRef ds:uri="230e9df3-be65-4c73-a93b-d1236ebd677e"/>
-  </ds:schemaRefs>
-</ds:datastoreItem>
+<file path=customXml/item2.xml><?xml version="1.0" encoding="utf-8"?>
+<?mso-contentType ?>
+<FormTemplates xmlns="http://schemas.microsoft.com/sharepoint/v3/contenttype/forms">
+  <Display>DocumentLibraryForm</Display>
+  <Edit>DocumentLibraryForm</Edit>
+  <New>DocumentLibraryForm</New>
+</FormTemplates>
 </file>
 
-<file path=customXml/itemProps2.xml><?xml version="1.0" encoding="utf-8"?>
-<ds:datastoreItem xmlns:ds="http://schemas.openxmlformats.org/officeDocument/2006/customXml" ds:itemID="{0B61E4D0-D101-4A17-BA61-F29B2B6CFE74}">
-  <ds:schemaRefs>
-    <ds:schemaRef ds:uri="http://schemas.microsoft.com/sharepoint/v3/contenttype/forms"/>
-  </ds:schemaRefs>
-</ds:datastoreItem>
+<file path=customXml/item3.xml><?xml version="1.0" encoding="utf-8"?>
+<p:properties xmlns:p="http://schemas.microsoft.com/office/2006/metadata/properties" xmlns:xsi="http://www.w3.org/2001/XMLSchema-instance" xmlns:pc="http://schemas.microsoft.com/office/infopath/2007/PartnerControls">
+  <documentManagement>
+    <Status xmlns="71af3243-3dd4-4a8d-8c0d-dd76da1f02a5">Not started</Status>
+    <_ip_UnifiedCompliancePolicyUIAction xmlns="http://schemas.microsoft.com/sharepoint/v3" xsi:nil="true"/>
+    <Image xmlns="71af3243-3dd4-4a8d-8c0d-dd76da1f02a5">
+      <Url xsi:nil="true"/>
+      <Description xsi:nil="true"/>
+    </Image>
+    <_ip_UnifiedCompliancePolicyProperties xmlns="http://schemas.microsoft.com/sharepoint/v3" xsi:nil="true"/>
+    <lcf76f155ced4ddcb4097134ff3c332f xmlns="71af3243-3dd4-4a8d-8c0d-dd76da1f02a5">
+      <Terms xmlns="http://schemas.microsoft.com/office/infopath/2007/PartnerControls"/>
+    </lcf76f155ced4ddcb4097134ff3c332f>
+    <TaxCatchAll xmlns="230e9df3-be65-4c73-a93b-d1236ebd677e"/>
+    <MediaServiceKeyPoints xmlns="71af3243-3dd4-4a8d-8c0d-dd76da1f02a5" xsi:nil="true"/>
+  </documentManagement>
+</p:properties>
 </file>
 
-<file path=customXml/itemProps3.xml><?xml version="1.0" encoding="utf-8"?>
+<file path=customXml/itemProps1.xml><?xml version="1.0" encoding="utf-8"?>
 <ds:datastoreItem xmlns:ds="http://schemas.openxmlformats.org/officeDocument/2006/customXml" ds:itemID="{5BD36D06-4CB7-4DF0-BC60-E9BFBDAC456D}">
   <ds:schemaRefs>
     <ds:schemaRef ds:uri="http://schemas.microsoft.com/office/2006/metadata/contentType"/>
@@ -25970,6 +26272,26 @@
 </ds:datastoreItem>
 </file>
 
+<file path=customXml/itemProps2.xml><?xml version="1.0" encoding="utf-8"?>
+<ds:datastoreItem xmlns:ds="http://schemas.openxmlformats.org/officeDocument/2006/customXml" ds:itemID="{0B61E4D0-D101-4A17-BA61-F29B2B6CFE74}">
+  <ds:schemaRefs>
+    <ds:schemaRef ds:uri="http://schemas.microsoft.com/sharepoint/v3/contenttype/forms"/>
+  </ds:schemaRefs>
+</ds:datastoreItem>
+</file>
+
+<file path=customXml/itemProps3.xml><?xml version="1.0" encoding="utf-8"?>
+<ds:datastoreItem xmlns:ds="http://schemas.openxmlformats.org/officeDocument/2006/customXml" ds:itemID="{4EAB8BBB-9A18-4050-923B-7FC6E36DA496}">
+  <ds:schemaRefs>
+    <ds:schemaRef ds:uri="http://schemas.microsoft.com/office/2006/metadata/properties"/>
+    <ds:schemaRef ds:uri="http://schemas.microsoft.com/office/infopath/2007/PartnerControls"/>
+    <ds:schemaRef ds:uri="71af3243-3dd4-4a8d-8c0d-dd76da1f02a5"/>
+    <ds:schemaRef ds:uri="http://schemas.microsoft.com/sharepoint/v3"/>
+    <ds:schemaRef ds:uri="230e9df3-be65-4c73-a93b-d1236ebd677e"/>
+  </ds:schemaRefs>
+</ds:datastoreItem>
+</file>
+
 <file path=docMetadata/LabelInfo.xml><?xml version="1.0" encoding="utf-8"?>
 <clbl:labelList xmlns:clbl="http://schemas.microsoft.com/office/2020/mipLabelMetadata">
   <clbl:label id="{f42aa342-8706-4288-bd11-ebb85995028c}" enabled="1" method="Standard" siteId="{72f988bf-86f1-41af-91ab-2d7cd011db47}" contentBits="0" removed="0"/>

--- a/docs/Website Design for tourist attraction.pptx
+++ b/docs/Website Design for tourist attraction.pptx
@@ -5,10 +5,10 @@
     <p:sldMasterId id="2147483660" r:id="rId4"/>
   </p:sldMasterIdLst>
   <p:notesMasterIdLst>
-    <p:notesMasterId r:id="rId25"/>
+    <p:notesMasterId r:id="rId26"/>
   </p:notesMasterIdLst>
   <p:handoutMasterIdLst>
-    <p:handoutMasterId r:id="rId26"/>
+    <p:handoutMasterId r:id="rId27"/>
   </p:handoutMasterIdLst>
   <p:sldIdLst>
     <p:sldId id="410" r:id="rId5"/>
@@ -25,12 +25,13 @@
     <p:sldId id="420" r:id="rId16"/>
     <p:sldId id="416" r:id="rId17"/>
     <p:sldId id="418" r:id="rId18"/>
-    <p:sldId id="427" r:id="rId19"/>
-    <p:sldId id="412" r:id="rId20"/>
-    <p:sldId id="411" r:id="rId21"/>
-    <p:sldId id="400" r:id="rId22"/>
-    <p:sldId id="372" r:id="rId23"/>
-    <p:sldId id="407" r:id="rId24"/>
+    <p:sldId id="428" r:id="rId19"/>
+    <p:sldId id="427" r:id="rId20"/>
+    <p:sldId id="412" r:id="rId21"/>
+    <p:sldId id="411" r:id="rId22"/>
+    <p:sldId id="400" r:id="rId23"/>
+    <p:sldId id="372" r:id="rId24"/>
+    <p:sldId id="407" r:id="rId25"/>
   </p:sldIdLst>
   <p:sldSz cx="12192000" cy="6858000"/>
   <p:notesSz cx="6858000" cy="9144000"/>
@@ -18785,10 +18786,10 @@
       </p:sp>
       <p:pic>
         <p:nvPicPr>
-          <p:cNvPr id="13" name="图片 12">
-            <a:extLst>
-              <a:ext uri="{FF2B5EF4-FFF2-40B4-BE49-F238E27FC236}">
-                <a16:creationId xmlns:a16="http://schemas.microsoft.com/office/drawing/2014/main" id="{FB600A9E-5EC9-40EC-8445-C4D0669203F3}"/>
+          <p:cNvPr id="18" name="图片 17">
+            <a:extLst>
+              <a:ext uri="{FF2B5EF4-FFF2-40B4-BE49-F238E27FC236}">
+                <a16:creationId xmlns:a16="http://schemas.microsoft.com/office/drawing/2014/main" id="{764520F7-A8B1-4ADA-BABE-83E91D7EA593}"/>
               </a:ext>
             </a:extLst>
           </p:cNvPr>
@@ -18805,8 +18806,8 @@
         </p:blipFill>
         <p:spPr>
           <a:xfrm>
-            <a:off x="1238052" y="1963581"/>
-            <a:ext cx="3798077" cy="4469621"/>
+            <a:off x="5967743" y="1938624"/>
+            <a:ext cx="3798077" cy="4546683"/>
           </a:xfrm>
           <a:prstGeom prst="rect">
             <a:avLst/>
@@ -18815,10 +18816,10 @@
       </p:pic>
       <p:pic>
         <p:nvPicPr>
-          <p:cNvPr id="18" name="图片 17">
-            <a:extLst>
-              <a:ext uri="{FF2B5EF4-FFF2-40B4-BE49-F238E27FC236}">
-                <a16:creationId xmlns:a16="http://schemas.microsoft.com/office/drawing/2014/main" id="{764520F7-A8B1-4ADA-BABE-83E91D7EA593}"/>
+          <p:cNvPr id="6" name="Picture 5" descr="Chart, bar chart&#10;&#10;Description automatically generated">
+            <a:extLst>
+              <a:ext uri="{FF2B5EF4-FFF2-40B4-BE49-F238E27FC236}">
+                <a16:creationId xmlns:a16="http://schemas.microsoft.com/office/drawing/2014/main" id="{A4232589-C57C-4BCD-8BE2-C099BE4373FE}"/>
               </a:ext>
             </a:extLst>
           </p:cNvPr>
@@ -18827,16 +18828,15 @@
           </p:cNvPicPr>
           <p:nvPr/>
         </p:nvPicPr>
-        <p:blipFill>
+        <p:blipFill rotWithShape="1">
           <a:blip r:embed="rId4"/>
-          <a:stretch>
-            <a:fillRect/>
-          </a:stretch>
+          <a:srcRect l="1447" t="3376" r="2865" b="1769"/>
+          <a:stretch/>
         </p:blipFill>
         <p:spPr>
           <a:xfrm>
-            <a:off x="5967743" y="1938624"/>
-            <a:ext cx="3798077" cy="4546683"/>
+            <a:off x="1156138" y="1933749"/>
+            <a:ext cx="3636579" cy="4580697"/>
           </a:xfrm>
           <a:prstGeom prst="rect">
             <a:avLst/>
@@ -19748,8 +19748,8 @@
         </p:nvSpPr>
         <p:spPr>
           <a:xfrm>
-            <a:off x="914400" y="1919673"/>
-            <a:ext cx="3868494" cy="4123318"/>
+            <a:off x="914400" y="1639613"/>
+            <a:ext cx="3868494" cy="4403377"/>
           </a:xfrm>
         </p:spPr>
         <p:txBody>
@@ -19839,10 +19839,10 @@
       </p:sp>
       <p:pic>
         <p:nvPicPr>
-          <p:cNvPr id="4" name="图片 3">
-            <a:extLst>
-              <a:ext uri="{FF2B5EF4-FFF2-40B4-BE49-F238E27FC236}">
-                <a16:creationId xmlns:a16="http://schemas.microsoft.com/office/drawing/2014/main" id="{870B6495-F893-43D4-81C2-3AE14295C594}"/>
+          <p:cNvPr id="12" name="Picture 11" descr="Chart, treemap chart&#10;&#10;Description automatically generated">
+            <a:extLst>
+              <a:ext uri="{FF2B5EF4-FFF2-40B4-BE49-F238E27FC236}">
+                <a16:creationId xmlns:a16="http://schemas.microsoft.com/office/drawing/2014/main" id="{51BA86D8-5C84-4E36-A695-82CA4DCA9587}"/>
               </a:ext>
             </a:extLst>
           </p:cNvPr>
@@ -19851,28 +19851,242 @@
           </p:cNvPicPr>
           <p:nvPr/>
         </p:nvPicPr>
-        <p:blipFill>
+        <p:blipFill rotWithShape="1">
           <a:blip r:embed="rId2"/>
-          <a:stretch>
-            <a:fillRect/>
-          </a:stretch>
+          <a:srcRect t="5370" b="-1"/>
+          <a:stretch/>
         </p:blipFill>
         <p:spPr>
           <a:xfrm>
-            <a:off x="4782894" y="1532215"/>
-            <a:ext cx="6037221" cy="4647814"/>
+            <a:off x="914400" y="3184634"/>
+            <a:ext cx="3321909" cy="3249890"/>
           </a:xfrm>
           <a:prstGeom prst="rect">
             <a:avLst/>
           </a:prstGeom>
         </p:spPr>
       </p:pic>
+      <p:sp>
+        <p:nvSpPr>
+          <p:cNvPr id="13" name="Text Placeholder 2">
+            <a:extLst>
+              <a:ext uri="{FF2B5EF4-FFF2-40B4-BE49-F238E27FC236}">
+                <a16:creationId xmlns:a16="http://schemas.microsoft.com/office/drawing/2014/main" id="{A6E50B8D-E37B-4CDA-A06A-56E39CA9B8C3}"/>
+              </a:ext>
+            </a:extLst>
+          </p:cNvPr>
+          <p:cNvSpPr txBox="1">
+            <a:spLocks/>
+          </p:cNvSpPr>
+          <p:nvPr/>
+        </p:nvSpPr>
+        <p:spPr>
+          <a:xfrm>
+            <a:off x="1033431" y="2446411"/>
+            <a:ext cx="5157787" cy="823912"/>
+          </a:xfrm>
+          <a:prstGeom prst="rect">
+            <a:avLst/>
+          </a:prstGeom>
+        </p:spPr>
+        <p:txBody>
+          <a:bodyPr vert="horz" lIns="91440" tIns="45720" rIns="91440" bIns="45720" rtlCol="0" anchor="b">
+            <a:normAutofit/>
+          </a:bodyPr>
+          <a:lstStyle>
+            <a:lvl1pPr marL="0" indent="0" algn="l" defTabSz="914400" rtl="0" eaLnBrk="1" latinLnBrk="0" hangingPunct="1">
+              <a:lnSpc>
+                <a:spcPct val="120000"/>
+              </a:lnSpc>
+              <a:spcBef>
+                <a:spcPts val="1000"/>
+              </a:spcBef>
+              <a:buClr>
+                <a:schemeClr val="accent5"/>
+              </a:buClr>
+              <a:buFont typeface="Arial" panose="020B0604020202020204" pitchFamily="34" charset="0"/>
+              <a:buNone/>
+              <a:defRPr sz="1800" b="1" kern="1200" cap="all" spc="300" baseline="0">
+                <a:solidFill>
+                  <a:schemeClr val="tx2"/>
+                </a:solidFill>
+                <a:latin typeface="+mn-lt"/>
+                <a:ea typeface="+mn-ea"/>
+                <a:cs typeface="+mn-cs"/>
+              </a:defRPr>
+            </a:lvl1pPr>
+            <a:lvl2pPr marL="457200" indent="0" algn="l" defTabSz="914400" rtl="0" eaLnBrk="1" latinLnBrk="0" hangingPunct="1">
+              <a:lnSpc>
+                <a:spcPct val="120000"/>
+              </a:lnSpc>
+              <a:spcBef>
+                <a:spcPts val="500"/>
+              </a:spcBef>
+              <a:buClr>
+                <a:schemeClr val="accent5"/>
+              </a:buClr>
+              <a:buFont typeface="Arial" panose="020B0604020202020204" pitchFamily="34" charset="0"/>
+              <a:buNone/>
+              <a:defRPr sz="2000" b="1" kern="1200">
+                <a:solidFill>
+                  <a:schemeClr val="tx2"/>
+                </a:solidFill>
+                <a:latin typeface="+mn-lt"/>
+                <a:ea typeface="+mn-ea"/>
+                <a:cs typeface="+mn-cs"/>
+              </a:defRPr>
+            </a:lvl2pPr>
+            <a:lvl3pPr marL="914400" indent="0" algn="l" defTabSz="914400" rtl="0" eaLnBrk="1" latinLnBrk="0" hangingPunct="1">
+              <a:lnSpc>
+                <a:spcPct val="120000"/>
+              </a:lnSpc>
+              <a:spcBef>
+                <a:spcPts val="500"/>
+              </a:spcBef>
+              <a:buClr>
+                <a:schemeClr val="accent5"/>
+              </a:buClr>
+              <a:buFont typeface="Arial" panose="020B0604020202020204" pitchFamily="34" charset="0"/>
+              <a:buNone/>
+              <a:defRPr sz="1800" b="1" kern="1200">
+                <a:solidFill>
+                  <a:schemeClr val="tx2"/>
+                </a:solidFill>
+                <a:latin typeface="+mn-lt"/>
+                <a:ea typeface="+mn-ea"/>
+                <a:cs typeface="+mn-cs"/>
+              </a:defRPr>
+            </a:lvl3pPr>
+            <a:lvl4pPr marL="1371600" indent="0" algn="l" defTabSz="914400" rtl="0" eaLnBrk="1" latinLnBrk="0" hangingPunct="1">
+              <a:lnSpc>
+                <a:spcPct val="120000"/>
+              </a:lnSpc>
+              <a:spcBef>
+                <a:spcPts val="500"/>
+              </a:spcBef>
+              <a:buClr>
+                <a:schemeClr val="accent5"/>
+              </a:buClr>
+              <a:buFont typeface="Arial" panose="020B0604020202020204" pitchFamily="34" charset="0"/>
+              <a:buNone/>
+              <a:defRPr sz="1600" b="1" kern="1200">
+                <a:solidFill>
+                  <a:schemeClr val="tx2"/>
+                </a:solidFill>
+                <a:latin typeface="+mn-lt"/>
+                <a:ea typeface="+mn-ea"/>
+                <a:cs typeface="+mn-cs"/>
+              </a:defRPr>
+            </a:lvl4pPr>
+            <a:lvl5pPr marL="1828800" indent="0" algn="l" defTabSz="914400" rtl="0" eaLnBrk="1" latinLnBrk="0" hangingPunct="1">
+              <a:lnSpc>
+                <a:spcPct val="120000"/>
+              </a:lnSpc>
+              <a:spcBef>
+                <a:spcPts val="500"/>
+              </a:spcBef>
+              <a:buClr>
+                <a:schemeClr val="accent5"/>
+              </a:buClr>
+              <a:buFont typeface="Arial" panose="020B0604020202020204" pitchFamily="34" charset="0"/>
+              <a:buNone/>
+              <a:defRPr sz="1600" b="1" kern="1200">
+                <a:solidFill>
+                  <a:schemeClr val="tx2"/>
+                </a:solidFill>
+                <a:latin typeface="+mn-lt"/>
+                <a:ea typeface="+mn-ea"/>
+                <a:cs typeface="+mn-cs"/>
+              </a:defRPr>
+            </a:lvl5pPr>
+            <a:lvl6pPr marL="2286000" indent="0" algn="l" defTabSz="914400" rtl="0" eaLnBrk="1" latinLnBrk="0" hangingPunct="1">
+              <a:lnSpc>
+                <a:spcPct val="90000"/>
+              </a:lnSpc>
+              <a:spcBef>
+                <a:spcPts val="500"/>
+              </a:spcBef>
+              <a:buFont typeface="Arial" panose="020B0604020202020204" pitchFamily="34" charset="0"/>
+              <a:buNone/>
+              <a:defRPr sz="1600" b="1" kern="1200">
+                <a:solidFill>
+                  <a:schemeClr val="tx1"/>
+                </a:solidFill>
+                <a:latin typeface="+mn-lt"/>
+                <a:ea typeface="+mn-ea"/>
+                <a:cs typeface="+mn-cs"/>
+              </a:defRPr>
+            </a:lvl6pPr>
+            <a:lvl7pPr marL="2743200" indent="0" algn="l" defTabSz="914400" rtl="0" eaLnBrk="1" latinLnBrk="0" hangingPunct="1">
+              <a:lnSpc>
+                <a:spcPct val="90000"/>
+              </a:lnSpc>
+              <a:spcBef>
+                <a:spcPts val="500"/>
+              </a:spcBef>
+              <a:buFont typeface="Arial" panose="020B0604020202020204" pitchFamily="34" charset="0"/>
+              <a:buNone/>
+              <a:defRPr sz="1600" b="1" kern="1200">
+                <a:solidFill>
+                  <a:schemeClr val="tx1"/>
+                </a:solidFill>
+                <a:latin typeface="+mn-lt"/>
+                <a:ea typeface="+mn-ea"/>
+                <a:cs typeface="+mn-cs"/>
+              </a:defRPr>
+            </a:lvl7pPr>
+            <a:lvl8pPr marL="3200400" indent="0" algn="l" defTabSz="914400" rtl="0" eaLnBrk="1" latinLnBrk="0" hangingPunct="1">
+              <a:lnSpc>
+                <a:spcPct val="90000"/>
+              </a:lnSpc>
+              <a:spcBef>
+                <a:spcPts val="500"/>
+              </a:spcBef>
+              <a:buFont typeface="Arial" panose="020B0604020202020204" pitchFamily="34" charset="0"/>
+              <a:buNone/>
+              <a:defRPr sz="1600" b="1" kern="1200">
+                <a:solidFill>
+                  <a:schemeClr val="tx1"/>
+                </a:solidFill>
+                <a:latin typeface="+mn-lt"/>
+                <a:ea typeface="+mn-ea"/>
+                <a:cs typeface="+mn-cs"/>
+              </a:defRPr>
+            </a:lvl8pPr>
+            <a:lvl9pPr marL="3657600" indent="0" algn="l" defTabSz="914400" rtl="0" eaLnBrk="1" latinLnBrk="0" hangingPunct="1">
+              <a:lnSpc>
+                <a:spcPct val="90000"/>
+              </a:lnSpc>
+              <a:spcBef>
+                <a:spcPts val="500"/>
+              </a:spcBef>
+              <a:buFont typeface="Arial" panose="020B0604020202020204" pitchFamily="34" charset="0"/>
+              <a:buNone/>
+              <a:defRPr sz="1600" b="1" kern="1200">
+                <a:solidFill>
+                  <a:schemeClr val="tx1"/>
+                </a:solidFill>
+                <a:latin typeface="+mn-lt"/>
+                <a:ea typeface="+mn-ea"/>
+                <a:cs typeface="+mn-cs"/>
+              </a:defRPr>
+            </a:lvl9pPr>
+          </a:lstStyle>
+          <a:p>
+            <a:r>
+              <a:rPr lang="en-US" altLang="zh-CN" dirty="0"/>
+              <a:t>CHINA TOUR GUIDE</a:t>
+            </a:r>
+            <a:endParaRPr lang="en-US" dirty="0"/>
+          </a:p>
+        </p:txBody>
+      </p:sp>
       <p:pic>
         <p:nvPicPr>
-          <p:cNvPr id="6" name="图片 5" descr="图表, 条形图&#10;&#10;描述已自动生成">
-            <a:extLst>
-              <a:ext uri="{FF2B5EF4-FFF2-40B4-BE49-F238E27FC236}">
-                <a16:creationId xmlns:a16="http://schemas.microsoft.com/office/drawing/2014/main" id="{1235992C-5F70-4926-8E18-EB9935AACE17}"/>
+          <p:cNvPr id="17" name="Picture 16" descr="Graphical user interface, website&#10;&#10;Description automatically generated">
+            <a:extLst>
+              <a:ext uri="{FF2B5EF4-FFF2-40B4-BE49-F238E27FC236}">
+                <a16:creationId xmlns:a16="http://schemas.microsoft.com/office/drawing/2014/main" id="{1C6C161C-95AF-436C-9AEC-BA34B78DADFD}"/>
               </a:ext>
             </a:extLst>
           </p:cNvPr>
@@ -19881,16 +20095,15 @@
           </p:cNvPicPr>
           <p:nvPr/>
         </p:nvPicPr>
-        <p:blipFill>
+        <p:blipFill rotWithShape="1">
           <a:blip r:embed="rId3"/>
-          <a:stretch>
-            <a:fillRect/>
-          </a:stretch>
+          <a:srcRect t="291"/>
+          <a:stretch/>
         </p:blipFill>
         <p:spPr>
           <a:xfrm>
-            <a:off x="1117896" y="3207556"/>
-            <a:ext cx="2754762" cy="3202388"/>
+            <a:off x="4844192" y="162760"/>
+            <a:ext cx="5914624" cy="6532479"/>
           </a:xfrm>
           <a:prstGeom prst="rect">
             <a:avLst/>
@@ -20109,10 +20322,10 @@
       </p:sp>
       <p:pic>
         <p:nvPicPr>
-          <p:cNvPr id="11" name="图片 10" descr="图表, 箱线图&#10;&#10;描述已自动生成">
-            <a:extLst>
-              <a:ext uri="{FF2B5EF4-FFF2-40B4-BE49-F238E27FC236}">
-                <a16:creationId xmlns:a16="http://schemas.microsoft.com/office/drawing/2014/main" id="{FBB062A4-57AE-4B92-9504-5692025E8C76}"/>
+          <p:cNvPr id="4" name="Picture 3" descr="A picture containing box and whisker chart&#10;&#10;Description automatically generated">
+            <a:extLst>
+              <a:ext uri="{FF2B5EF4-FFF2-40B4-BE49-F238E27FC236}">
+                <a16:creationId xmlns:a16="http://schemas.microsoft.com/office/drawing/2014/main" id="{1AD5F6D9-522D-4883-AB36-9A9C2D960516}"/>
               </a:ext>
             </a:extLst>
           </p:cNvPr>
@@ -20129,8 +20342,8 @@
         </p:blipFill>
         <p:spPr>
           <a:xfrm>
-            <a:off x="389777" y="1777060"/>
-            <a:ext cx="11001375" cy="4371975"/>
+            <a:off x="1518416" y="1821729"/>
+            <a:ext cx="8020050" cy="4171950"/>
           </a:xfrm>
           <a:prstGeom prst="rect">
             <a:avLst/>
@@ -20349,6 +20562,246 @@
       </p:sp>
       <p:pic>
         <p:nvPicPr>
+          <p:cNvPr id="11" name="图片 10" descr="图表, 箱线图&#10;&#10;描述已自动生成">
+            <a:extLst>
+              <a:ext uri="{FF2B5EF4-FFF2-40B4-BE49-F238E27FC236}">
+                <a16:creationId xmlns:a16="http://schemas.microsoft.com/office/drawing/2014/main" id="{FBB062A4-57AE-4B92-9504-5692025E8C76}"/>
+              </a:ext>
+            </a:extLst>
+          </p:cNvPr>
+          <p:cNvPicPr>
+            <a:picLocks noChangeAspect="1"/>
+          </p:cNvPicPr>
+          <p:nvPr/>
+        </p:nvPicPr>
+        <p:blipFill>
+          <a:blip r:embed="rId2"/>
+          <a:stretch>
+            <a:fillRect/>
+          </a:stretch>
+        </p:blipFill>
+        <p:spPr>
+          <a:xfrm>
+            <a:off x="389777" y="1777060"/>
+            <a:ext cx="11001375" cy="4371975"/>
+          </a:xfrm>
+          <a:prstGeom prst="rect">
+            <a:avLst/>
+          </a:prstGeom>
+        </p:spPr>
+      </p:pic>
+    </p:spTree>
+    <p:extLst>
+      <p:ext uri="{BB962C8B-B14F-4D97-AF65-F5344CB8AC3E}">
+        <p14:creationId xmlns:p14="http://schemas.microsoft.com/office/powerpoint/2010/main" val="1443906698"/>
+      </p:ext>
+    </p:extLst>
+  </p:cSld>
+  <p:clrMapOvr>
+    <a:masterClrMapping/>
+  </p:clrMapOvr>
+</p:sld>
+</file>
+
+<file path=ppt/slides/slide16.xml><?xml version="1.0" encoding="utf-8"?>
+<p:sld xmlns:a="http://schemas.openxmlformats.org/drawingml/2006/main" xmlns:r="http://schemas.openxmlformats.org/officeDocument/2006/relationships" xmlns:p="http://schemas.openxmlformats.org/presentationml/2006/main">
+  <p:cSld>
+    <p:spTree>
+      <p:nvGrpSpPr>
+        <p:cNvPr id="1" name=""/>
+        <p:cNvGrpSpPr/>
+        <p:nvPr/>
+      </p:nvGrpSpPr>
+      <p:grpSpPr>
+        <a:xfrm>
+          <a:off x="0" y="0"/>
+          <a:ext cx="0" cy="0"/>
+          <a:chOff x="0" y="0"/>
+          <a:chExt cx="0" cy="0"/>
+        </a:xfrm>
+      </p:grpSpPr>
+      <p:sp>
+        <p:nvSpPr>
+          <p:cNvPr id="2" name="标题 1">
+            <a:extLst>
+              <a:ext uri="{FF2B5EF4-FFF2-40B4-BE49-F238E27FC236}">
+                <a16:creationId xmlns:a16="http://schemas.microsoft.com/office/drawing/2014/main" id="{A459A0FD-000E-4BE6-AF65-BB86C656DB23}"/>
+              </a:ext>
+            </a:extLst>
+          </p:cNvPr>
+          <p:cNvSpPr>
+            <a:spLocks noGrp="1"/>
+          </p:cNvSpPr>
+          <p:nvPr>
+            <p:ph type="title"/>
+          </p:nvPr>
+        </p:nvSpPr>
+        <p:spPr>
+          <a:xfrm>
+            <a:off x="905256" y="448056"/>
+            <a:ext cx="9914859" cy="1329004"/>
+          </a:xfrm>
+        </p:spPr>
+        <p:txBody>
+          <a:bodyPr rtlCol="0"/>
+          <a:lstStyle/>
+          <a:p>
+            <a:pPr>
+              <a:lnSpc>
+                <a:spcPct val="115000"/>
+              </a:lnSpc>
+            </a:pPr>
+            <a:r>
+              <a:rPr lang="en-US" altLang="zh-CN" b="1" i="1" dirty="0">
+                <a:solidFill>
+                  <a:srgbClr val="000000"/>
+                </a:solidFill>
+                <a:latin typeface="Calibri" panose="020F0502020204030204" pitchFamily="34" charset="0"/>
+                <a:ea typeface="等线" panose="02010600030101010101" pitchFamily="2" charset="-122"/>
+                <a:cs typeface="Cambria" panose="02040503050406030204" pitchFamily="18" charset="0"/>
+              </a:rPr>
+              <a:t>Website Structure Chart</a:t>
+            </a:r>
+            <a:endParaRPr lang="zh-CN" altLang="zh-CN" sz="4000" dirty="0">
+              <a:solidFill>
+                <a:srgbClr val="000000"/>
+              </a:solidFill>
+              <a:effectLst/>
+              <a:latin typeface="Cambria" panose="02040503050406030204" pitchFamily="18" charset="0"/>
+              <a:ea typeface="等线" panose="02010600030101010101" pitchFamily="2" charset="-122"/>
+              <a:cs typeface="Cambria" panose="02040503050406030204" pitchFamily="18" charset="0"/>
+            </a:endParaRPr>
+          </a:p>
+        </p:txBody>
+      </p:sp>
+      <p:sp>
+        <p:nvSpPr>
+          <p:cNvPr id="8" name="页脚占位符 7">
+            <a:extLst>
+              <a:ext uri="{FF2B5EF4-FFF2-40B4-BE49-F238E27FC236}">
+                <a16:creationId xmlns:a16="http://schemas.microsoft.com/office/drawing/2014/main" id="{7C5D7998-ED26-4436-85BB-287CF3B07AB1}"/>
+              </a:ext>
+            </a:extLst>
+          </p:cNvPr>
+          <p:cNvSpPr>
+            <a:spLocks noGrp="1"/>
+          </p:cNvSpPr>
+          <p:nvPr>
+            <p:ph type="ftr" sz="quarter" idx="11"/>
+          </p:nvPr>
+        </p:nvSpPr>
+        <p:spPr>
+          <a:xfrm>
+            <a:off x="914400" y="6437376"/>
+            <a:ext cx="3775914" cy="365125"/>
+          </a:xfrm>
+        </p:spPr>
+        <p:txBody>
+          <a:bodyPr rtlCol="0"/>
+          <a:lstStyle/>
+          <a:p>
+            <a:pPr rtl="0"/>
+            <a:r>
+              <a:rPr lang="en-US" altLang="zh-CN" dirty="0"/>
+              <a:t>Website Design of John-Abbott College</a:t>
+            </a:r>
+            <a:endParaRPr lang="zh-CN" altLang="zh-CN" dirty="0"/>
+          </a:p>
+        </p:txBody>
+      </p:sp>
+      <p:sp>
+        <p:nvSpPr>
+          <p:cNvPr id="7" name="日期占位符 6">
+            <a:extLst>
+              <a:ext uri="{FF2B5EF4-FFF2-40B4-BE49-F238E27FC236}">
+                <a16:creationId xmlns:a16="http://schemas.microsoft.com/office/drawing/2014/main" id="{8BE129AC-705E-40E6-B0FC-ECDDA2A41B2A}"/>
+              </a:ext>
+            </a:extLst>
+          </p:cNvPr>
+          <p:cNvSpPr>
+            <a:spLocks noGrp="1"/>
+          </p:cNvSpPr>
+          <p:nvPr>
+            <p:ph type="dt" sz="half" idx="10"/>
+          </p:nvPr>
+        </p:nvSpPr>
+        <p:spPr>
+          <a:xfrm>
+            <a:off x="9323285" y="6434524"/>
+            <a:ext cx="2067867" cy="365125"/>
+          </a:xfrm>
+        </p:spPr>
+        <p:txBody>
+          <a:bodyPr rtlCol="0"/>
+          <a:lstStyle/>
+          <a:p>
+            <a:pPr rtl="0"/>
+            <a:r>
+              <a:rPr lang="zh-CN" altLang="zh-CN" dirty="0"/>
+              <a:t>20</a:t>
+            </a:r>
+            <a:r>
+              <a:rPr lang="en-US" altLang="zh-CN" dirty="0"/>
+              <a:t>21</a:t>
+            </a:r>
+            <a:r>
+              <a:rPr lang="zh-CN" altLang="zh-CN" dirty="0"/>
+              <a:t>/</a:t>
+            </a:r>
+            <a:r>
+              <a:rPr lang="en-US" altLang="zh-CN" dirty="0"/>
+              <a:t>09</a:t>
+            </a:r>
+            <a:r>
+              <a:rPr lang="zh-CN" altLang="zh-CN" dirty="0"/>
+              <a:t>/</a:t>
+            </a:r>
+            <a:r>
+              <a:rPr lang="en-US" altLang="zh-CN" dirty="0"/>
+              <a:t>01</a:t>
+            </a:r>
+            <a:endParaRPr lang="zh-CN" altLang="zh-CN" dirty="0"/>
+          </a:p>
+        </p:txBody>
+      </p:sp>
+      <p:sp>
+        <p:nvSpPr>
+          <p:cNvPr id="9" name="幻灯片编号占位符 8">
+            <a:extLst>
+              <a:ext uri="{FF2B5EF4-FFF2-40B4-BE49-F238E27FC236}">
+                <a16:creationId xmlns:a16="http://schemas.microsoft.com/office/drawing/2014/main" id="{948698A3-3CB3-4698-8F42-F3D81D37FF44}"/>
+              </a:ext>
+            </a:extLst>
+          </p:cNvPr>
+          <p:cNvSpPr>
+            <a:spLocks noGrp="1"/>
+          </p:cNvSpPr>
+          <p:nvPr>
+            <p:ph type="sldNum" sz="quarter" idx="12"/>
+          </p:nvPr>
+        </p:nvSpPr>
+        <p:spPr>
+          <a:xfrm>
+            <a:off x="11391152" y="6434524"/>
+            <a:ext cx="693261" cy="365125"/>
+          </a:xfrm>
+        </p:spPr>
+        <p:txBody>
+          <a:bodyPr rtlCol="0"/>
+          <a:lstStyle/>
+          <a:p>
+            <a:pPr rtl="0"/>
+            <a:fld id="{08AB70BE-1769-45B8-85A6-0C837432C7E6}" type="slidenum">
+              <a:rPr lang="en-US" altLang="zh-CN" smtClean="0"/>
+              <a:pPr rtl="0"/>
+              <a:t>16</a:t>
+            </a:fld>
+            <a:endParaRPr lang="zh-CN" dirty="0"/>
+          </a:p>
+        </p:txBody>
+      </p:sp>
+      <p:pic>
+        <p:nvPicPr>
           <p:cNvPr id="6" name="图片 5" descr="图表, 箱线图&#10;&#10;描述已自动生成">
             <a:extLst>
               <a:ext uri="{FF2B5EF4-FFF2-40B4-BE49-F238E27FC236}">
@@ -20390,7 +20843,7 @@
 </p:sld>
 </file>
 
-<file path=ppt/slides/slide16.xml><?xml version="1.0" encoding="utf-8"?>
+<file path=ppt/slides/slide17.xml><?xml version="1.0" encoding="utf-8"?>
 <p:sld xmlns:a="http://schemas.openxmlformats.org/drawingml/2006/main" xmlns:r="http://schemas.openxmlformats.org/officeDocument/2006/relationships" xmlns:p="http://schemas.openxmlformats.org/presentationml/2006/main">
   <p:cSld>
     <p:spTree>
@@ -20574,53 +21027,12 @@
             <a:fld id="{08AB70BE-1769-45B8-85A6-0C837432C7E6}" type="slidenum">
               <a:rPr lang="en-US" altLang="zh-CN" smtClean="0"/>
               <a:pPr rtl="0"/>
-              <a:t>16</a:t>
+              <a:t>17</a:t>
             </a:fld>
             <a:endParaRPr lang="zh-CN" dirty="0"/>
           </a:p>
         </p:txBody>
       </p:sp>
-      <p:pic>
-        <p:nvPicPr>
-          <p:cNvPr id="10" name="内容占位符 9" descr="图形用户界面&#10;&#10;描述已自动生成">
-            <a:extLst>
-              <a:ext uri="{FF2B5EF4-FFF2-40B4-BE49-F238E27FC236}">
-                <a16:creationId xmlns:a16="http://schemas.microsoft.com/office/drawing/2014/main" id="{E77B791F-6055-4F1F-8955-1F3B6E2C519E}"/>
-              </a:ext>
-            </a:extLst>
-          </p:cNvPr>
-          <p:cNvPicPr>
-            <a:picLocks noGrp="1"/>
-          </p:cNvPicPr>
-          <p:nvPr>
-            <p:ph idx="1"/>
-          </p:nvPr>
-        </p:nvPicPr>
-        <p:blipFill rotWithShape="1">
-          <a:blip r:embed="rId2">
-            <a:extLst>
-              <a:ext uri="{28A0092B-C50C-407E-A947-70E740481C1C}">
-                <a14:useLocalDpi xmlns:a14="http://schemas.microsoft.com/office/drawing/2010/main" val="0"/>
-              </a:ext>
-            </a:extLst>
-          </a:blip>
-          <a:srcRect r="21488"/>
-          <a:stretch/>
-        </p:blipFill>
-        <p:spPr bwMode="auto">
-          <a:xfrm>
-            <a:off x="7901635" y="1524000"/>
-            <a:ext cx="2067866" cy="5093087"/>
-          </a:xfrm>
-          <a:prstGeom prst="rect">
-            <a:avLst/>
-          </a:prstGeom>
-          <a:noFill/>
-          <a:ln>
-            <a:noFill/>
-          </a:ln>
-        </p:spPr>
-      </p:pic>
       <p:sp>
         <p:nvSpPr>
           <p:cNvPr id="11" name="内容占位符 4">
@@ -20914,7 +21326,7 @@
           <a:p>
             <a:r>
               <a:rPr lang="en-US" altLang="zh-CN" dirty="0">
-                <a:hlinkClick r:id="rId3"/>
+                <a:hlinkClick r:id="rId2"/>
               </a:rPr>
               <a:t>Project WD on trello.com</a:t>
             </a:r>
@@ -20922,244 +21334,40 @@
           </a:p>
         </p:txBody>
       </p:sp>
+      <p:pic>
+        <p:nvPicPr>
+          <p:cNvPr id="15" name="Picture 14" descr="Graphical user interface, application&#10;&#10;Description automatically generated">
+            <a:extLst>
+              <a:ext uri="{FF2B5EF4-FFF2-40B4-BE49-F238E27FC236}">
+                <a16:creationId xmlns:a16="http://schemas.microsoft.com/office/drawing/2014/main" id="{9A9DBA3E-2665-43F1-907B-7603DA5F4710}"/>
+              </a:ext>
+            </a:extLst>
+          </p:cNvPr>
+          <p:cNvPicPr>
+            <a:picLocks noChangeAspect="1"/>
+          </p:cNvPicPr>
+          <p:nvPr/>
+        </p:nvPicPr>
+        <p:blipFill>
+          <a:blip r:embed="rId3"/>
+          <a:stretch>
+            <a:fillRect/>
+          </a:stretch>
+        </p:blipFill>
+        <p:spPr>
+          <a:xfrm>
+            <a:off x="4978400" y="1497724"/>
+            <a:ext cx="6438900" cy="4724400"/>
+          </a:xfrm>
+          <a:prstGeom prst="rect">
+            <a:avLst/>
+          </a:prstGeom>
+        </p:spPr>
+      </p:pic>
     </p:spTree>
     <p:extLst>
       <p:ext uri="{BB962C8B-B14F-4D97-AF65-F5344CB8AC3E}">
         <p14:creationId xmlns:p14="http://schemas.microsoft.com/office/powerpoint/2010/main" val="2880562479"/>
-      </p:ext>
-    </p:extLst>
-  </p:cSld>
-  <p:clrMapOvr>
-    <a:masterClrMapping/>
-  </p:clrMapOvr>
-</p:sld>
-</file>
-
-<file path=ppt/slides/slide17.xml><?xml version="1.0" encoding="utf-8"?>
-<p:sld xmlns:a="http://schemas.openxmlformats.org/drawingml/2006/main" xmlns:r="http://schemas.openxmlformats.org/officeDocument/2006/relationships" xmlns:p="http://schemas.openxmlformats.org/presentationml/2006/main">
-  <p:cSld>
-    <p:spTree>
-      <p:nvGrpSpPr>
-        <p:cNvPr id="1" name=""/>
-        <p:cNvGrpSpPr/>
-        <p:nvPr/>
-      </p:nvGrpSpPr>
-      <p:grpSpPr>
-        <a:xfrm>
-          <a:off x="0" y="0"/>
-          <a:ext cx="0" cy="0"/>
-          <a:chOff x="0" y="0"/>
-          <a:chExt cx="0" cy="0"/>
-        </a:xfrm>
-      </p:grpSpPr>
-      <p:sp>
-        <p:nvSpPr>
-          <p:cNvPr id="2" name="标题 1">
-            <a:extLst>
-              <a:ext uri="{FF2B5EF4-FFF2-40B4-BE49-F238E27FC236}">
-                <a16:creationId xmlns:a16="http://schemas.microsoft.com/office/drawing/2014/main" id="{AA584C88-9468-43F0-84FE-87E6F8995935}"/>
-              </a:ext>
-            </a:extLst>
-          </p:cNvPr>
-          <p:cNvSpPr>
-            <a:spLocks noGrp="1"/>
-          </p:cNvSpPr>
-          <p:nvPr>
-            <p:ph type="title"/>
-          </p:nvPr>
-        </p:nvSpPr>
-        <p:spPr>
-          <a:xfrm>
-            <a:off x="905256" y="448056"/>
-            <a:ext cx="9914859" cy="1329004"/>
-          </a:xfrm>
-        </p:spPr>
-        <p:txBody>
-          <a:bodyPr rtlCol="0"/>
-          <a:lstStyle/>
-          <a:p>
-            <a:pPr rtl="0"/>
-            <a:r>
-              <a:rPr lang="en-US" altLang="zh-CN" b="1" i="1" dirty="0">
-                <a:solidFill>
-                  <a:srgbClr val="000000"/>
-                </a:solidFill>
-                <a:latin typeface="Calibri" panose="020F0502020204030204" pitchFamily="34" charset="0"/>
-                <a:ea typeface="等线" panose="02010600030101010101" pitchFamily="2" charset="-122"/>
-              </a:rPr>
-              <a:t>Schedule and Milestone</a:t>
-            </a:r>
-            <a:endParaRPr lang="zh-CN" altLang="en-US" b="1" i="1" dirty="0">
-              <a:solidFill>
-                <a:srgbClr val="000000"/>
-              </a:solidFill>
-              <a:latin typeface="Calibri" panose="020F0502020204030204" pitchFamily="34" charset="0"/>
-              <a:ea typeface="等线" panose="02010600030101010101" pitchFamily="2" charset="-122"/>
-            </a:endParaRPr>
-          </a:p>
-        </p:txBody>
-      </p:sp>
-      <p:graphicFrame>
-        <p:nvGraphicFramePr>
-          <p:cNvPr id="7" name="内容占位符 3" descr="日程表占位符">
-            <a:extLst>
-              <a:ext uri="{FF2B5EF4-FFF2-40B4-BE49-F238E27FC236}">
-                <a16:creationId xmlns:a16="http://schemas.microsoft.com/office/drawing/2014/main" id="{DCCF0814-D45B-4C2C-BB91-2CABE926997E}"/>
-              </a:ext>
-            </a:extLst>
-          </p:cNvPr>
-          <p:cNvGraphicFramePr>
-            <a:graphicFrameLocks noGrp="1"/>
-          </p:cNvGraphicFramePr>
-          <p:nvPr>
-            <p:ph idx="1"/>
-            <p:extLst>
-              <p:ext uri="{D42A27DB-BD31-4B8C-83A1-F6EECF244321}">
-                <p14:modId xmlns:p14="http://schemas.microsoft.com/office/powerpoint/2010/main" val="471245822"/>
-              </p:ext>
-            </p:extLst>
-          </p:nvPr>
-        </p:nvGraphicFramePr>
-        <p:xfrm>
-          <a:off x="854075" y="1825625"/>
-          <a:ext cx="10499725" cy="4351338"/>
-        </p:xfrm>
-        <a:graphic>
-          <a:graphicData uri="http://schemas.openxmlformats.org/drawingml/2006/diagram">
-            <dgm:relIds xmlns:dgm="http://schemas.openxmlformats.org/drawingml/2006/diagram" xmlns:r="http://schemas.openxmlformats.org/officeDocument/2006/relationships" r:dm="rId2" r:lo="rId3" r:qs="rId4" r:cs="rId5"/>
-          </a:graphicData>
-        </a:graphic>
-      </p:graphicFrame>
-      <p:sp>
-        <p:nvSpPr>
-          <p:cNvPr id="5" name="页脚占位符 4">
-            <a:extLst>
-              <a:ext uri="{FF2B5EF4-FFF2-40B4-BE49-F238E27FC236}">
-                <a16:creationId xmlns:a16="http://schemas.microsoft.com/office/drawing/2014/main" id="{5DF60FF9-E837-4D2A-86A0-3B5D4D6449E3}"/>
-              </a:ext>
-            </a:extLst>
-          </p:cNvPr>
-          <p:cNvSpPr>
-            <a:spLocks noGrp="1"/>
-          </p:cNvSpPr>
-          <p:nvPr>
-            <p:ph type="ftr" sz="quarter" idx="11"/>
-          </p:nvPr>
-        </p:nvSpPr>
-        <p:spPr>
-          <a:xfrm>
-            <a:off x="914400" y="6437376"/>
-            <a:ext cx="3775914" cy="365125"/>
-          </a:xfrm>
-        </p:spPr>
-        <p:txBody>
-          <a:bodyPr rtlCol="0"/>
-          <a:lstStyle/>
-          <a:p>
-            <a:pPr rtl="0"/>
-            <a:r>
-              <a:rPr lang="en-US" altLang="zh-CN" dirty="0"/>
-              <a:t>Website Design of John-Abbott College</a:t>
-            </a:r>
-            <a:endParaRPr lang="zh-CN" altLang="zh-CN" dirty="0"/>
-          </a:p>
-        </p:txBody>
-      </p:sp>
-      <p:sp>
-        <p:nvSpPr>
-          <p:cNvPr id="4" name="日期占位符 3">
-            <a:extLst>
-              <a:ext uri="{FF2B5EF4-FFF2-40B4-BE49-F238E27FC236}">
-                <a16:creationId xmlns:a16="http://schemas.microsoft.com/office/drawing/2014/main" id="{F4567E44-A438-462D-80F7-973D8E22B234}"/>
-              </a:ext>
-            </a:extLst>
-          </p:cNvPr>
-          <p:cNvSpPr>
-            <a:spLocks noGrp="1"/>
-          </p:cNvSpPr>
-          <p:nvPr>
-            <p:ph type="dt" sz="half" idx="10"/>
-          </p:nvPr>
-        </p:nvSpPr>
-        <p:spPr>
-          <a:xfrm>
-            <a:off x="9323285" y="6434524"/>
-            <a:ext cx="2067867" cy="365125"/>
-          </a:xfrm>
-        </p:spPr>
-        <p:txBody>
-          <a:bodyPr rtlCol="0"/>
-          <a:lstStyle/>
-          <a:p>
-            <a:pPr rtl="0"/>
-            <a:r>
-              <a:rPr lang="zh-CN" altLang="zh-CN" dirty="0"/>
-              <a:t>20</a:t>
-            </a:r>
-            <a:r>
-              <a:rPr lang="en-US" altLang="zh-CN" dirty="0"/>
-              <a:t>21</a:t>
-            </a:r>
-            <a:r>
-              <a:rPr lang="zh-CN" altLang="zh-CN" dirty="0"/>
-              <a:t>/</a:t>
-            </a:r>
-            <a:r>
-              <a:rPr lang="en-US" altLang="zh-CN" dirty="0"/>
-              <a:t>09</a:t>
-            </a:r>
-            <a:r>
-              <a:rPr lang="zh-CN" altLang="zh-CN" dirty="0"/>
-              <a:t>/</a:t>
-            </a:r>
-            <a:r>
-              <a:rPr lang="en-US" altLang="zh-CN" dirty="0"/>
-              <a:t>01</a:t>
-            </a:r>
-            <a:endParaRPr lang="zh-CN" altLang="zh-CN" dirty="0"/>
-          </a:p>
-        </p:txBody>
-      </p:sp>
-      <p:sp>
-        <p:nvSpPr>
-          <p:cNvPr id="6" name="幻灯片编号占位符 5">
-            <a:extLst>
-              <a:ext uri="{FF2B5EF4-FFF2-40B4-BE49-F238E27FC236}">
-                <a16:creationId xmlns:a16="http://schemas.microsoft.com/office/drawing/2014/main" id="{5A7A9107-342C-447F-BD0F-E20064E5FDA7}"/>
-              </a:ext>
-            </a:extLst>
-          </p:cNvPr>
-          <p:cNvSpPr>
-            <a:spLocks noGrp="1"/>
-          </p:cNvSpPr>
-          <p:nvPr>
-            <p:ph type="sldNum" sz="quarter" idx="12"/>
-          </p:nvPr>
-        </p:nvSpPr>
-        <p:spPr>
-          <a:xfrm>
-            <a:off x="11391152" y="6434524"/>
-            <a:ext cx="693261" cy="365125"/>
-          </a:xfrm>
-        </p:spPr>
-        <p:txBody>
-          <a:bodyPr rtlCol="0"/>
-          <a:lstStyle/>
-          <a:p>
-            <a:pPr rtl="0"/>
-            <a:fld id="{08AB70BE-1769-45B8-85A6-0C837432C7E6}" type="slidenum">
-              <a:rPr lang="en-US" altLang="zh-CN" smtClean="0"/>
-              <a:pPr rtl="0"/>
-              <a:t>17</a:t>
-            </a:fld>
-            <a:endParaRPr lang="zh-CN" dirty="0"/>
-          </a:p>
-        </p:txBody>
-      </p:sp>
-    </p:spTree>
-    <p:extLst>
-      <p:ext uri="{BB962C8B-B14F-4D97-AF65-F5344CB8AC3E}">
-        <p14:creationId xmlns:p14="http://schemas.microsoft.com/office/powerpoint/2010/main" val="568354645"/>
       </p:ext>
     </p:extLst>
   </p:cSld>
@@ -21191,7 +21399,7 @@
           <p:cNvPr id="2" name="标题 1">
             <a:extLst>
               <a:ext uri="{FF2B5EF4-FFF2-40B4-BE49-F238E27FC236}">
-                <a16:creationId xmlns:a16="http://schemas.microsoft.com/office/drawing/2014/main" id="{937EC466-2297-4C1B-8079-A514AB8D335D}"/>
+                <a16:creationId xmlns:a16="http://schemas.microsoft.com/office/drawing/2014/main" id="{AA584C88-9468-43F0-84FE-87E6F8995935}"/>
               </a:ext>
             </a:extLst>
           </p:cNvPr>
@@ -21204,8 +21412,8 @@
         </p:nvSpPr>
         <p:spPr>
           <a:xfrm>
-            <a:off x="914401" y="443553"/>
-            <a:ext cx="9914859" cy="1325880"/>
+            <a:off x="905256" y="448056"/>
+            <a:ext cx="9914859" cy="1329004"/>
           </a:xfrm>
         </p:spPr>
         <p:txBody>
@@ -21214,161 +21422,62 @@
           <a:p>
             <a:pPr rtl="0"/>
             <a:r>
-              <a:rPr lang="en-US" altLang="zh-CN" dirty="0"/>
-              <a:t>Summary and</a:t>
-            </a:r>
-            <a:r>
-              <a:rPr lang="zh-CN" altLang="en-US" dirty="0"/>
-              <a:t> </a:t>
-            </a:r>
-            <a:r>
-              <a:rPr lang="en-US" altLang="zh-CN" dirty="0"/>
-              <a:t>Reference·</a:t>
-            </a:r>
-            <a:endParaRPr lang="zh-CN" dirty="0"/>
+              <a:rPr lang="en-US" altLang="zh-CN" b="1" i="1" dirty="0">
+                <a:solidFill>
+                  <a:srgbClr val="000000"/>
+                </a:solidFill>
+                <a:latin typeface="Calibri" panose="020F0502020204030204" pitchFamily="34" charset="0"/>
+                <a:ea typeface="等线" panose="02010600030101010101" pitchFamily="2" charset="-122"/>
+              </a:rPr>
+              <a:t>Schedule and Milestone</a:t>
+            </a:r>
+            <a:endParaRPr lang="zh-CN" altLang="en-US" b="1" i="1" dirty="0">
+              <a:solidFill>
+                <a:srgbClr val="000000"/>
+              </a:solidFill>
+              <a:latin typeface="Calibri" panose="020F0502020204030204" pitchFamily="34" charset="0"/>
+              <a:ea typeface="等线" panose="02010600030101010101" pitchFamily="2" charset="-122"/>
+            </a:endParaRPr>
           </a:p>
         </p:txBody>
       </p:sp>
+      <p:graphicFrame>
+        <p:nvGraphicFramePr>
+          <p:cNvPr id="7" name="内容占位符 3" descr="日程表占位符">
+            <a:extLst>
+              <a:ext uri="{FF2B5EF4-FFF2-40B4-BE49-F238E27FC236}">
+                <a16:creationId xmlns:a16="http://schemas.microsoft.com/office/drawing/2014/main" id="{DCCF0814-D45B-4C2C-BB91-2CABE926997E}"/>
+              </a:ext>
+            </a:extLst>
+          </p:cNvPr>
+          <p:cNvGraphicFramePr>
+            <a:graphicFrameLocks noGrp="1"/>
+          </p:cNvGraphicFramePr>
+          <p:nvPr>
+            <p:ph idx="1"/>
+            <p:extLst>
+              <p:ext uri="{D42A27DB-BD31-4B8C-83A1-F6EECF244321}">
+                <p14:modId xmlns:p14="http://schemas.microsoft.com/office/powerpoint/2010/main" val="471245822"/>
+              </p:ext>
+            </p:extLst>
+          </p:nvPr>
+        </p:nvGraphicFramePr>
+        <p:xfrm>
+          <a:off x="854075" y="1825625"/>
+          <a:ext cx="10499725" cy="4351338"/>
+        </p:xfrm>
+        <a:graphic>
+          <a:graphicData uri="http://schemas.openxmlformats.org/drawingml/2006/diagram">
+            <dgm:relIds xmlns:dgm="http://schemas.openxmlformats.org/drawingml/2006/diagram" xmlns:r="http://schemas.openxmlformats.org/officeDocument/2006/relationships" r:dm="rId2" r:lo="rId3" r:qs="rId4" r:cs="rId5"/>
+          </a:graphicData>
+        </a:graphic>
+      </p:graphicFrame>
       <p:sp>
         <p:nvSpPr>
-          <p:cNvPr id="3" name="内容占位符 2">
-            <a:extLst>
-              <a:ext uri="{FF2B5EF4-FFF2-40B4-BE49-F238E27FC236}">
-                <a16:creationId xmlns:a16="http://schemas.microsoft.com/office/drawing/2014/main" id="{6CC87D86-1B97-419B-878E-C18BA725FF0A}"/>
-              </a:ext>
-            </a:extLst>
-          </p:cNvPr>
-          <p:cNvSpPr>
-            <a:spLocks noGrp="1"/>
-          </p:cNvSpPr>
-          <p:nvPr>
-            <p:ph idx="1"/>
-          </p:nvPr>
-        </p:nvSpPr>
-        <p:spPr>
-          <a:xfrm>
-            <a:off x="914400" y="2709080"/>
-            <a:ext cx="5868537" cy="3467881"/>
-          </a:xfrm>
-        </p:spPr>
-        <p:txBody>
-          <a:bodyPr rtlCol="0"/>
-          <a:lstStyle/>
-          <a:p>
-            <a:pPr rtl="0"/>
-            <a:r>
-              <a:rPr lang="en-US" altLang="zh-CN" dirty="0"/>
-              <a:t>Summary:</a:t>
-            </a:r>
-          </a:p>
-          <a:p>
-            <a:pPr rtl="0"/>
-            <a:r>
-              <a:rPr lang="en-US" altLang="zh-CN" dirty="0"/>
-              <a:t>Structure planning.</a:t>
-            </a:r>
-          </a:p>
-          <a:p>
-            <a:pPr rtl="0"/>
-            <a:r>
-              <a:rPr lang="en-US" altLang="zh-CN" dirty="0"/>
-              <a:t>HTML code programming.</a:t>
-            </a:r>
-          </a:p>
-          <a:p>
-            <a:pPr rtl="0"/>
-            <a:r>
-              <a:rPr lang="en-US" altLang="zh-CN" dirty="0"/>
-              <a:t>CSS design.</a:t>
-            </a:r>
-          </a:p>
-          <a:p>
-            <a:pPr rtl="0"/>
-            <a:r>
-              <a:rPr lang="en-US" altLang="zh-CN" dirty="0"/>
-              <a:t>Contents writing.</a:t>
-            </a:r>
-          </a:p>
-          <a:p>
-            <a:pPr rtl="0"/>
-            <a:r>
-              <a:rPr lang="en-US" altLang="zh-CN" dirty="0" err="1"/>
-              <a:t>Integreating</a:t>
-            </a:r>
-            <a:r>
-              <a:rPr lang="en-US" altLang="zh-CN"/>
-              <a:t>.</a:t>
-            </a:r>
-            <a:endParaRPr lang="en-US" altLang="zh-CN" dirty="0"/>
-          </a:p>
-          <a:p>
-            <a:pPr rtl="0"/>
-            <a:endParaRPr lang="zh-CN" dirty="0"/>
-          </a:p>
-        </p:txBody>
-      </p:sp>
-      <p:pic>
-        <p:nvPicPr>
-          <p:cNvPr id="9" name="图片占位符 8">
-            <a:extLst>
-              <a:ext uri="{FF2B5EF4-FFF2-40B4-BE49-F238E27FC236}">
-                <a16:creationId xmlns:a16="http://schemas.microsoft.com/office/drawing/2014/main" id="{B7D17764-41DE-474B-801F-3A31C13890CC}"/>
-              </a:ext>
-            </a:extLst>
-          </p:cNvPr>
-          <p:cNvPicPr>
-            <a:picLocks noGrp="1" noChangeAspect="1"/>
-          </p:cNvPicPr>
-          <p:nvPr>
-            <p:ph type="pic" sz="quarter" idx="13"/>
-          </p:nvPr>
-        </p:nvPicPr>
-        <p:blipFill>
-          <a:blip r:embed="rId2"/>
-          <a:srcRect l="22644" r="22644"/>
-          <a:stretch/>
-        </p:blipFill>
-        <p:spPr>
-          <a:xfrm>
-            <a:off x="7326184" y="2126134"/>
-            <a:ext cx="2434622" cy="2503056"/>
-          </a:xfrm>
-        </p:spPr>
-      </p:pic>
-      <p:pic>
-        <p:nvPicPr>
-          <p:cNvPr id="11" name="图片占位符 10">
-            <a:extLst>
-              <a:ext uri="{FF2B5EF4-FFF2-40B4-BE49-F238E27FC236}">
-                <a16:creationId xmlns:a16="http://schemas.microsoft.com/office/drawing/2014/main" id="{D47600FE-FF70-4943-A9DC-B1AF91EC0CBC}"/>
-              </a:ext>
-            </a:extLst>
-          </p:cNvPr>
-          <p:cNvPicPr>
-            <a:picLocks noGrp="1" noChangeAspect="1"/>
-          </p:cNvPicPr>
-          <p:nvPr>
-            <p:ph type="pic" sz="quarter" idx="14"/>
-          </p:nvPr>
-        </p:nvPicPr>
-        <p:blipFill>
-          <a:blip r:embed="rId3"/>
-          <a:srcRect t="7664" b="7664"/>
-          <a:stretch/>
-        </p:blipFill>
-        <p:spPr>
-          <a:xfrm>
-            <a:off x="9759092" y="2118839"/>
-            <a:ext cx="2432908" cy="2498880"/>
-          </a:xfrm>
-        </p:spPr>
-      </p:pic>
-      <p:sp>
-        <p:nvSpPr>
-          <p:cNvPr id="17" name="页脚占位符 16">
-            <a:extLst>
-              <a:ext uri="{FF2B5EF4-FFF2-40B4-BE49-F238E27FC236}">
-                <a16:creationId xmlns:a16="http://schemas.microsoft.com/office/drawing/2014/main" id="{7CF31D05-F197-49CC-87BE-4A7FEB81335F}"/>
+          <p:cNvPr id="5" name="页脚占位符 4">
+            <a:extLst>
+              <a:ext uri="{FF2B5EF4-FFF2-40B4-BE49-F238E27FC236}">
+                <a16:creationId xmlns:a16="http://schemas.microsoft.com/office/drawing/2014/main" id="{5DF60FF9-E837-4D2A-86A0-3B5D4D6449E3}"/>
               </a:ext>
             </a:extLst>
           </p:cNvPr>
@@ -21381,8 +21490,8 @@
         </p:nvSpPr>
         <p:spPr>
           <a:xfrm>
-            <a:off x="914400" y="6434560"/>
-            <a:ext cx="3428012" cy="365125"/>
+            <a:off x="914400" y="6437376"/>
+            <a:ext cx="3775914" cy="365125"/>
           </a:xfrm>
         </p:spPr>
         <p:txBody>
@@ -21398,68 +21507,12 @@
           </a:p>
         </p:txBody>
       </p:sp>
-      <p:pic>
-        <p:nvPicPr>
-          <p:cNvPr id="15" name="图片占位符 14">
-            <a:extLst>
-              <a:ext uri="{FF2B5EF4-FFF2-40B4-BE49-F238E27FC236}">
-                <a16:creationId xmlns:a16="http://schemas.microsoft.com/office/drawing/2014/main" id="{0A64F2A4-8811-44F1-825B-9D04590EB45A}"/>
-              </a:ext>
-            </a:extLst>
-          </p:cNvPr>
-          <p:cNvPicPr>
-            <a:picLocks noGrp="1" noChangeAspect="1"/>
-          </p:cNvPicPr>
-          <p:nvPr>
-            <p:ph type="pic" sz="quarter" idx="15"/>
-          </p:nvPr>
-        </p:nvPicPr>
-        <p:blipFill>
-          <a:blip r:embed="rId4"/>
-          <a:srcRect l="22375" r="22375"/>
-          <a:stretch/>
-        </p:blipFill>
-        <p:spPr>
-          <a:xfrm>
-            <a:off x="7324344" y="4503573"/>
-            <a:ext cx="2434622" cy="2354427"/>
-          </a:xfrm>
-        </p:spPr>
-      </p:pic>
-      <p:pic>
-        <p:nvPicPr>
-          <p:cNvPr id="13" name="图片占位符 12">
-            <a:extLst>
-              <a:ext uri="{FF2B5EF4-FFF2-40B4-BE49-F238E27FC236}">
-                <a16:creationId xmlns:a16="http://schemas.microsoft.com/office/drawing/2014/main" id="{38CED09D-01FE-44EB-A655-6EC0819B7094}"/>
-              </a:ext>
-            </a:extLst>
-          </p:cNvPr>
-          <p:cNvPicPr>
-            <a:picLocks noGrp="1" noChangeAspect="1"/>
-          </p:cNvPicPr>
-          <p:nvPr>
-            <p:ph type="pic" sz="quarter" idx="16"/>
-          </p:nvPr>
-        </p:nvPicPr>
-        <p:blipFill>
-          <a:blip r:embed="rId5"/>
-          <a:srcRect t="3598" b="3598"/>
-          <a:stretch/>
-        </p:blipFill>
-        <p:spPr>
-          <a:xfrm>
-            <a:off x="9758966" y="4507560"/>
-            <a:ext cx="2434622" cy="2350439"/>
-          </a:xfrm>
-        </p:spPr>
-      </p:pic>
       <p:sp>
         <p:nvSpPr>
-          <p:cNvPr id="16" name="日期占位符 15">
-            <a:extLst>
-              <a:ext uri="{FF2B5EF4-FFF2-40B4-BE49-F238E27FC236}">
-                <a16:creationId xmlns:a16="http://schemas.microsoft.com/office/drawing/2014/main" id="{6D298BC0-D1EE-4B8A-B546-4C8799240D8F}"/>
+          <p:cNvPr id="4" name="日期占位符 3">
+            <a:extLst>
+              <a:ext uri="{FF2B5EF4-FFF2-40B4-BE49-F238E27FC236}">
+                <a16:creationId xmlns:a16="http://schemas.microsoft.com/office/drawing/2014/main" id="{F4567E44-A438-462D-80F7-973D8E22B234}"/>
               </a:ext>
             </a:extLst>
           </p:cNvPr>
@@ -21472,8 +21525,8 @@
         </p:nvSpPr>
         <p:spPr>
           <a:xfrm>
-            <a:off x="9017000" y="6433202"/>
-            <a:ext cx="2374150" cy="367841"/>
+            <a:off x="9323285" y="6434524"/>
+            <a:ext cx="2067867" cy="365125"/>
           </a:xfrm>
         </p:spPr>
         <p:txBody>
@@ -21511,10 +21564,10 @@
       </p:sp>
       <p:sp>
         <p:nvSpPr>
-          <p:cNvPr id="18" name="灯片编号占位符 17">
-            <a:extLst>
-              <a:ext uri="{FF2B5EF4-FFF2-40B4-BE49-F238E27FC236}">
-                <a16:creationId xmlns:a16="http://schemas.microsoft.com/office/drawing/2014/main" id="{0CFCA4BA-5731-4BC1-9FF7-23403BFA938A}"/>
+          <p:cNvPr id="6" name="幻灯片编号占位符 5">
+            <a:extLst>
+              <a:ext uri="{FF2B5EF4-FFF2-40B4-BE49-F238E27FC236}">
+                <a16:creationId xmlns:a16="http://schemas.microsoft.com/office/drawing/2014/main" id="{5A7A9107-342C-447F-BD0F-E20064E5FDA7}"/>
               </a:ext>
             </a:extLst>
           </p:cNvPr>
@@ -21527,8 +21580,8 @@
         </p:nvSpPr>
         <p:spPr>
           <a:xfrm>
-            <a:off x="11391150" y="6433203"/>
-            <a:ext cx="693263" cy="367842"/>
+            <a:off x="11391152" y="6434524"/>
+            <a:ext cx="693261" cy="365125"/>
           </a:xfrm>
         </p:spPr>
         <p:txBody>
@@ -21548,7 +21601,7 @@
     </p:spTree>
     <p:extLst>
       <p:ext uri="{BB962C8B-B14F-4D97-AF65-F5344CB8AC3E}">
-        <p14:creationId xmlns:p14="http://schemas.microsoft.com/office/powerpoint/2010/main" val="3154595954"/>
+        <p14:creationId xmlns:p14="http://schemas.microsoft.com/office/powerpoint/2010/main" val="568354645"/>
       </p:ext>
     </p:extLst>
   </p:cSld>
@@ -21577,10 +21630,10 @@
       </p:grpSpPr>
       <p:sp>
         <p:nvSpPr>
-          <p:cNvPr id="59" name="标题 58">
-            <a:extLst>
-              <a:ext uri="{FF2B5EF4-FFF2-40B4-BE49-F238E27FC236}">
-                <a16:creationId xmlns:a16="http://schemas.microsoft.com/office/drawing/2014/main" id="{FD483A78-48D6-4682-BE37-B2D0C566DB9D}"/>
+          <p:cNvPr id="2" name="标题 1">
+            <a:extLst>
+              <a:ext uri="{FF2B5EF4-FFF2-40B4-BE49-F238E27FC236}">
+                <a16:creationId xmlns:a16="http://schemas.microsoft.com/office/drawing/2014/main" id="{937EC466-2297-4C1B-8079-A514AB8D335D}"/>
               </a:ext>
             </a:extLst>
           </p:cNvPr>
@@ -21593,8 +21646,8 @@
         </p:nvSpPr>
         <p:spPr>
           <a:xfrm>
-            <a:off x="2743200" y="1"/>
-            <a:ext cx="9432315" cy="2198972"/>
+            <a:off x="914401" y="443553"/>
+            <a:ext cx="9914859" cy="1325880"/>
           </a:xfrm>
         </p:spPr>
         <p:txBody>
@@ -21612,18 +21665,96 @@
             </a:r>
             <a:r>
               <a:rPr lang="en-US" altLang="zh-CN" dirty="0"/>
-              <a:t>Reference</a:t>
-            </a:r>
+              <a:t>Reference·</a:t>
+            </a:r>
+            <a:endParaRPr lang="zh-CN" dirty="0"/>
+          </a:p>
+        </p:txBody>
+      </p:sp>
+      <p:sp>
+        <p:nvSpPr>
+          <p:cNvPr id="3" name="内容占位符 2">
+            <a:extLst>
+              <a:ext uri="{FF2B5EF4-FFF2-40B4-BE49-F238E27FC236}">
+                <a16:creationId xmlns:a16="http://schemas.microsoft.com/office/drawing/2014/main" id="{6CC87D86-1B97-419B-878E-C18BA725FF0A}"/>
+              </a:ext>
+            </a:extLst>
+          </p:cNvPr>
+          <p:cNvSpPr>
+            <a:spLocks noGrp="1"/>
+          </p:cNvSpPr>
+          <p:nvPr>
+            <p:ph idx="1"/>
+          </p:nvPr>
+        </p:nvSpPr>
+        <p:spPr>
+          <a:xfrm>
+            <a:off x="914400" y="2709080"/>
+            <a:ext cx="5868537" cy="3467881"/>
+          </a:xfrm>
+        </p:spPr>
+        <p:txBody>
+          <a:bodyPr rtlCol="0"/>
+          <a:lstStyle/>
+          <a:p>
+            <a:pPr rtl="0"/>
+            <a:r>
+              <a:rPr lang="en-US" altLang="zh-CN" dirty="0"/>
+              <a:t>Summary:</a:t>
+            </a:r>
+          </a:p>
+          <a:p>
+            <a:pPr rtl="0"/>
+            <a:r>
+              <a:rPr lang="en-US" altLang="zh-CN" dirty="0"/>
+              <a:t>Structure planning.</a:t>
+            </a:r>
+          </a:p>
+          <a:p>
+            <a:pPr rtl="0"/>
+            <a:r>
+              <a:rPr lang="en-US" altLang="zh-CN" dirty="0"/>
+              <a:t>HTML code programming.</a:t>
+            </a:r>
+          </a:p>
+          <a:p>
+            <a:pPr rtl="0"/>
+            <a:r>
+              <a:rPr lang="en-US" altLang="zh-CN" dirty="0"/>
+              <a:t>CSS design.</a:t>
+            </a:r>
+          </a:p>
+          <a:p>
+            <a:pPr rtl="0"/>
+            <a:r>
+              <a:rPr lang="en-US" altLang="zh-CN" dirty="0"/>
+              <a:t>Contents writing.</a:t>
+            </a:r>
+          </a:p>
+          <a:p>
+            <a:pPr rtl="0"/>
+            <a:r>
+              <a:rPr lang="en-US" altLang="zh-CN" dirty="0" err="1"/>
+              <a:t>Integreating</a:t>
+            </a:r>
+            <a:r>
+              <a:rPr lang="en-US" altLang="zh-CN"/>
+              <a:t>.</a:t>
+            </a:r>
+            <a:endParaRPr lang="en-US" altLang="zh-CN" dirty="0"/>
+          </a:p>
+          <a:p>
+            <a:pPr rtl="0"/>
             <a:endParaRPr lang="zh-CN" dirty="0"/>
           </a:p>
         </p:txBody>
       </p:sp>
       <p:pic>
         <p:nvPicPr>
-          <p:cNvPr id="8" name="图片占位符 7">
-            <a:extLst>
-              <a:ext uri="{FF2B5EF4-FFF2-40B4-BE49-F238E27FC236}">
-                <a16:creationId xmlns:a16="http://schemas.microsoft.com/office/drawing/2014/main" id="{1424FF41-F655-4118-95E4-CC03D489668A}"/>
+          <p:cNvPr id="9" name="图片占位符 8">
+            <a:extLst>
+              <a:ext uri="{FF2B5EF4-FFF2-40B4-BE49-F238E27FC236}">
+                <a16:creationId xmlns:a16="http://schemas.microsoft.com/office/drawing/2014/main" id="{B7D17764-41DE-474B-801F-3A31C13890CC}"/>
               </a:ext>
             </a:extLst>
           </p:cNvPr>
@@ -21636,22 +21767,22 @@
         </p:nvPicPr>
         <p:blipFill>
           <a:blip r:embed="rId2"/>
-          <a:srcRect l="25079" r="25079"/>
+          <a:srcRect l="22644" r="22644"/>
           <a:stretch/>
         </p:blipFill>
         <p:spPr>
           <a:xfrm>
-            <a:off x="-16483" y="0"/>
-            <a:ext cx="2773332" cy="2202508"/>
+            <a:off x="7326184" y="2126134"/>
+            <a:ext cx="2434622" cy="2503056"/>
           </a:xfrm>
         </p:spPr>
       </p:pic>
       <p:pic>
         <p:nvPicPr>
-          <p:cNvPr id="10" name="图片占位符 9">
-            <a:extLst>
-              <a:ext uri="{FF2B5EF4-FFF2-40B4-BE49-F238E27FC236}">
-                <a16:creationId xmlns:a16="http://schemas.microsoft.com/office/drawing/2014/main" id="{9CB36CBF-780F-44BF-90F7-7C2E32629CB9}"/>
+          <p:cNvPr id="11" name="图片占位符 10">
+            <a:extLst>
+              <a:ext uri="{FF2B5EF4-FFF2-40B4-BE49-F238E27FC236}">
+                <a16:creationId xmlns:a16="http://schemas.microsoft.com/office/drawing/2014/main" id="{D47600FE-FF70-4943-A9DC-B1AF91EC0CBC}"/>
               </a:ext>
             </a:extLst>
           </p:cNvPr>
@@ -21664,22 +21795,57 @@
         </p:nvPicPr>
         <p:blipFill>
           <a:blip r:embed="rId3"/>
-          <a:srcRect t="15404" b="15404"/>
+          <a:srcRect t="7664" b="7664"/>
           <a:stretch/>
         </p:blipFill>
         <p:spPr>
           <a:xfrm>
-            <a:off x="-16484" y="2202508"/>
-            <a:ext cx="2773332" cy="2327746"/>
+            <a:off x="9759092" y="2118839"/>
+            <a:ext cx="2432908" cy="2498880"/>
           </a:xfrm>
         </p:spPr>
       </p:pic>
+      <p:sp>
+        <p:nvSpPr>
+          <p:cNvPr id="17" name="页脚占位符 16">
+            <a:extLst>
+              <a:ext uri="{FF2B5EF4-FFF2-40B4-BE49-F238E27FC236}">
+                <a16:creationId xmlns:a16="http://schemas.microsoft.com/office/drawing/2014/main" id="{7CF31D05-F197-49CC-87BE-4A7FEB81335F}"/>
+              </a:ext>
+            </a:extLst>
+          </p:cNvPr>
+          <p:cNvSpPr>
+            <a:spLocks noGrp="1"/>
+          </p:cNvSpPr>
+          <p:nvPr>
+            <p:ph type="ftr" sz="quarter" idx="11"/>
+          </p:nvPr>
+        </p:nvSpPr>
+        <p:spPr>
+          <a:xfrm>
+            <a:off x="914400" y="6434560"/>
+            <a:ext cx="3428012" cy="365125"/>
+          </a:xfrm>
+        </p:spPr>
+        <p:txBody>
+          <a:bodyPr rtlCol="0"/>
+          <a:lstStyle/>
+          <a:p>
+            <a:pPr rtl="0"/>
+            <a:r>
+              <a:rPr lang="en-US" altLang="zh-CN" dirty="0"/>
+              <a:t>Website Design of John-Abbott College</a:t>
+            </a:r>
+            <a:endParaRPr lang="zh-CN" altLang="zh-CN" dirty="0"/>
+          </a:p>
+        </p:txBody>
+      </p:sp>
       <p:pic>
         <p:nvPicPr>
-          <p:cNvPr id="12" name="图片占位符 11">
-            <a:extLst>
-              <a:ext uri="{FF2B5EF4-FFF2-40B4-BE49-F238E27FC236}">
-                <a16:creationId xmlns:a16="http://schemas.microsoft.com/office/drawing/2014/main" id="{09C1E283-54F6-4BE3-BD4B-B4C5888D08CC}"/>
+          <p:cNvPr id="15" name="图片占位符 14">
+            <a:extLst>
+              <a:ext uri="{FF2B5EF4-FFF2-40B4-BE49-F238E27FC236}">
+                <a16:creationId xmlns:a16="http://schemas.microsoft.com/office/drawing/2014/main" id="{0A64F2A4-8811-44F1-825B-9D04590EB45A}"/>
               </a:ext>
             </a:extLst>
           </p:cNvPr>
@@ -21692,289 +21858,50 @@
         </p:nvPicPr>
         <p:blipFill>
           <a:blip r:embed="rId4"/>
-          <a:srcRect t="15404" b="15404"/>
+          <a:srcRect l="22375" r="22375"/>
           <a:stretch/>
         </p:blipFill>
         <p:spPr>
           <a:xfrm>
-            <a:off x="-16484" y="4530254"/>
-            <a:ext cx="2773332" cy="2327746"/>
+            <a:off x="7324344" y="4503573"/>
+            <a:ext cx="2434622" cy="2354427"/>
+          </a:xfrm>
+        </p:spPr>
+      </p:pic>
+      <p:pic>
+        <p:nvPicPr>
+          <p:cNvPr id="13" name="图片占位符 12">
+            <a:extLst>
+              <a:ext uri="{FF2B5EF4-FFF2-40B4-BE49-F238E27FC236}">
+                <a16:creationId xmlns:a16="http://schemas.microsoft.com/office/drawing/2014/main" id="{38CED09D-01FE-44EB-A655-6EC0819B7094}"/>
+              </a:ext>
+            </a:extLst>
+          </p:cNvPr>
+          <p:cNvPicPr>
+            <a:picLocks noGrp="1" noChangeAspect="1"/>
+          </p:cNvPicPr>
+          <p:nvPr>
+            <p:ph type="pic" sz="quarter" idx="16"/>
+          </p:nvPr>
+        </p:nvPicPr>
+        <p:blipFill>
+          <a:blip r:embed="rId5"/>
+          <a:srcRect t="3598" b="3598"/>
+          <a:stretch/>
+        </p:blipFill>
+        <p:spPr>
+          <a:xfrm>
+            <a:off x="9758966" y="4507560"/>
+            <a:ext cx="2434622" cy="2350439"/>
           </a:xfrm>
         </p:spPr>
       </p:pic>
       <p:sp>
         <p:nvSpPr>
-          <p:cNvPr id="3" name="内容占位符 2">
-            <a:extLst>
-              <a:ext uri="{FF2B5EF4-FFF2-40B4-BE49-F238E27FC236}">
-                <a16:creationId xmlns:a16="http://schemas.microsoft.com/office/drawing/2014/main" id="{42AFE50A-6F33-40AD-9446-D7F6D1B310CF}"/>
-              </a:ext>
-            </a:extLst>
-          </p:cNvPr>
-          <p:cNvSpPr>
-            <a:spLocks noGrp="1"/>
-          </p:cNvSpPr>
-          <p:nvPr>
-            <p:ph idx="1"/>
-          </p:nvPr>
-        </p:nvSpPr>
-        <p:spPr>
-          <a:xfrm>
-            <a:off x="3352800" y="2794177"/>
-            <a:ext cx="7476460" cy="3382786"/>
-          </a:xfrm>
-        </p:spPr>
-        <p:txBody>
-          <a:bodyPr rtlCol="0"/>
-          <a:lstStyle/>
-          <a:p>
-            <a:pPr>
-              <a:lnSpc>
-                <a:spcPct val="115000"/>
-              </a:lnSpc>
-            </a:pPr>
-            <a:r>
-              <a:rPr lang="en-US" altLang="zh-CN" sz="1800" dirty="0">
-                <a:solidFill>
-                  <a:srgbClr val="000000"/>
-                </a:solidFill>
-                <a:effectLst/>
-                <a:latin typeface="Calibri" panose="020F0502020204030204" pitchFamily="34" charset="0"/>
-                <a:ea typeface="等线" panose="02010600030101010101" pitchFamily="2" charset="-122"/>
-                <a:cs typeface="Cambria" panose="02040503050406030204" pitchFamily="18" charset="0"/>
-              </a:rPr>
-              <a:t>1. </a:t>
-            </a:r>
-            <a:r>
-              <a:rPr lang="en-US" altLang="zh-CN" sz="1600" b="0" i="0" u="none" strike="noStrike" dirty="0">
-                <a:solidFill>
-                  <a:srgbClr val="626675"/>
-                </a:solidFill>
-                <a:effectLst/>
-                <a:latin typeface="Arial" panose="020B0604020202020204" pitchFamily="34" charset="0"/>
-                <a:hlinkClick r:id="rId5"/>
-              </a:rPr>
-              <a:t>jnwl.jinan.gov.cn</a:t>
-            </a:r>
-            <a:endParaRPr lang="en-US" altLang="zh-CN" sz="1600" b="0" i="0" u="none" strike="noStrike" dirty="0">
-              <a:solidFill>
-                <a:srgbClr val="626675"/>
-              </a:solidFill>
-              <a:effectLst/>
-              <a:latin typeface="Arial" panose="020B0604020202020204" pitchFamily="34" charset="0"/>
-            </a:endParaRPr>
-          </a:p>
-          <a:p>
-            <a:pPr>
-              <a:lnSpc>
-                <a:spcPct val="115000"/>
-              </a:lnSpc>
-            </a:pPr>
-            <a:r>
-              <a:rPr lang="en-US" altLang="zh-CN" sz="1800" dirty="0">
-                <a:solidFill>
-                  <a:srgbClr val="000000"/>
-                </a:solidFill>
-                <a:effectLst/>
-                <a:latin typeface="Calibri" panose="020F0502020204030204" pitchFamily="34" charset="0"/>
-                <a:ea typeface="等线" panose="02010600030101010101" pitchFamily="2" charset="-122"/>
-                <a:cs typeface="Cambria" panose="02040503050406030204" pitchFamily="18" charset="0"/>
-              </a:rPr>
-              <a:t>2. </a:t>
-            </a:r>
-            <a:r>
-              <a:rPr lang="en-US" altLang="zh-CN" sz="1800" u="sng" dirty="0">
-                <a:solidFill>
-                  <a:srgbClr val="000000"/>
-                </a:solidFill>
-                <a:effectLst/>
-                <a:latin typeface="Calibri" panose="020F0502020204030204" pitchFamily="34" charset="0"/>
-                <a:ea typeface="等线" panose="02010600030101010101" pitchFamily="2" charset="-122"/>
-                <a:cs typeface="Cambria" panose="02040503050406030204" pitchFamily="18" charset="0"/>
-                <a:hlinkClick r:id="rId6"/>
-              </a:rPr>
-              <a:t>www.xiameng.com</a:t>
-            </a:r>
-            <a:endParaRPr lang="zh-CN" altLang="zh-CN" sz="1800" dirty="0">
-              <a:solidFill>
-                <a:srgbClr val="000000"/>
-              </a:solidFill>
-              <a:effectLst/>
-              <a:latin typeface="Cambria" panose="02040503050406030204" pitchFamily="18" charset="0"/>
-              <a:ea typeface="等线" panose="02010600030101010101" pitchFamily="2" charset="-122"/>
-              <a:cs typeface="Cambria" panose="02040503050406030204" pitchFamily="18" charset="0"/>
-            </a:endParaRPr>
-          </a:p>
-          <a:p>
-            <a:pPr>
-              <a:lnSpc>
-                <a:spcPct val="115000"/>
-              </a:lnSpc>
-            </a:pPr>
-            <a:r>
-              <a:rPr lang="en-US" altLang="zh-CN" sz="1800" dirty="0">
-                <a:solidFill>
-                  <a:srgbClr val="000000"/>
-                </a:solidFill>
-                <a:effectLst/>
-                <a:latin typeface="Calibri" panose="020F0502020204030204" pitchFamily="34" charset="0"/>
-                <a:ea typeface="等线" panose="02010600030101010101" pitchFamily="2" charset="-122"/>
-                <a:cs typeface="Cambria" panose="02040503050406030204" pitchFamily="18" charset="0"/>
-              </a:rPr>
-              <a:t>3. </a:t>
-            </a:r>
-            <a:r>
-              <a:rPr lang="en-US" altLang="zh-CN" sz="1800" dirty="0">
-                <a:solidFill>
-                  <a:srgbClr val="000000"/>
-                </a:solidFill>
-                <a:effectLst/>
-                <a:latin typeface="Calibri" panose="020F0502020204030204" pitchFamily="34" charset="0"/>
-                <a:ea typeface="等线" panose="02010600030101010101" pitchFamily="2" charset="-122"/>
-                <a:cs typeface="Cambria" panose="02040503050406030204" pitchFamily="18" charset="0"/>
-                <a:hlinkClick r:id="rId7"/>
-              </a:rPr>
-              <a:t>http://www.visitxm.com</a:t>
-            </a:r>
-            <a:endParaRPr lang="en-US" altLang="zh-CN" sz="1800" dirty="0">
-              <a:solidFill>
-                <a:srgbClr val="000000"/>
-              </a:solidFill>
-              <a:effectLst/>
-              <a:latin typeface="Calibri" panose="020F0502020204030204" pitchFamily="34" charset="0"/>
-              <a:ea typeface="等线" panose="02010600030101010101" pitchFamily="2" charset="-122"/>
-              <a:cs typeface="Cambria" panose="02040503050406030204" pitchFamily="18" charset="0"/>
-            </a:endParaRPr>
-          </a:p>
-          <a:p>
-            <a:pPr>
-              <a:lnSpc>
-                <a:spcPct val="115000"/>
-              </a:lnSpc>
-            </a:pPr>
-            <a:r>
-              <a:rPr lang="en-US" altLang="zh-CN" sz="1800" dirty="0">
-                <a:solidFill>
-                  <a:srgbClr val="000000"/>
-                </a:solidFill>
-                <a:effectLst/>
-                <a:latin typeface="Calibri" panose="020F0502020204030204" pitchFamily="34" charset="0"/>
-                <a:ea typeface="等线" panose="02010600030101010101" pitchFamily="2" charset="-122"/>
-                <a:cs typeface="Cambria" panose="02040503050406030204" pitchFamily="18" charset="0"/>
-              </a:rPr>
-              <a:t>4. </a:t>
-            </a:r>
-            <a:r>
-              <a:rPr lang="en-US" altLang="zh-CN" sz="1800" dirty="0">
-                <a:solidFill>
-                  <a:srgbClr val="000000"/>
-                </a:solidFill>
-                <a:effectLst/>
-                <a:latin typeface="Calibri" panose="020F0502020204030204" pitchFamily="34" charset="0"/>
-                <a:ea typeface="等线" panose="02010600030101010101" pitchFamily="2" charset="-122"/>
-                <a:cs typeface="Cambria" panose="02040503050406030204" pitchFamily="18" charset="0"/>
-                <a:hlinkClick r:id="rId8"/>
-              </a:rPr>
-              <a:t>www.dunhuangtour.com</a:t>
-            </a:r>
-            <a:endParaRPr lang="en-US" altLang="zh-CN" sz="1800" dirty="0">
-              <a:solidFill>
-                <a:srgbClr val="000000"/>
-              </a:solidFill>
-              <a:effectLst/>
-              <a:latin typeface="Calibri" panose="020F0502020204030204" pitchFamily="34" charset="0"/>
-              <a:ea typeface="等线" panose="02010600030101010101" pitchFamily="2" charset="-122"/>
-              <a:cs typeface="Cambria" panose="02040503050406030204" pitchFamily="18" charset="0"/>
-            </a:endParaRPr>
-          </a:p>
-          <a:p>
-            <a:pPr algn="l"/>
-            <a:r>
-              <a:rPr lang="en-US" altLang="zh-CN" sz="1800" dirty="0">
-                <a:solidFill>
-                  <a:srgbClr val="000000"/>
-                </a:solidFill>
-                <a:latin typeface="Calibri" panose="020F0502020204030204" pitchFamily="34" charset="0"/>
-                <a:ea typeface="等线" panose="02010600030101010101" pitchFamily="2" charset="-122"/>
-                <a:cs typeface="Cambria" panose="02040503050406030204" pitchFamily="18" charset="0"/>
-              </a:rPr>
-              <a:t>5. </a:t>
-            </a:r>
-            <a:r>
-              <a:rPr lang="it-IT" altLang="zh-CN" sz="1600" b="0" i="0" u="none" strike="noStrike" dirty="0">
-                <a:solidFill>
-                  <a:srgbClr val="202124"/>
-                </a:solidFill>
-                <a:effectLst/>
-                <a:latin typeface="arial" panose="020B0604020202020204" pitchFamily="34" charset="0"/>
-                <a:hlinkClick r:id="rId9"/>
-              </a:rPr>
-              <a:t>www.w3schools.com</a:t>
-            </a:r>
-            <a:endParaRPr lang="it-IT" altLang="zh-CN" sz="1600" b="0" i="0" u="none" strike="noStrike" dirty="0">
-              <a:solidFill>
-                <a:srgbClr val="1A0DAB"/>
-              </a:solidFill>
-              <a:effectLst/>
-              <a:latin typeface="arial" panose="020B0604020202020204" pitchFamily="34" charset="0"/>
-              <a:hlinkClick r:id="rId9"/>
-            </a:endParaRPr>
-          </a:p>
-          <a:p>
-            <a:pPr rtl="0"/>
-            <a:endParaRPr lang="zh-CN" dirty="0"/>
-          </a:p>
-        </p:txBody>
-      </p:sp>
-      <p:sp>
-        <p:nvSpPr>
-          <p:cNvPr id="14" name="页脚占位符 13">
-            <a:extLst>
-              <a:ext uri="{FF2B5EF4-FFF2-40B4-BE49-F238E27FC236}">
-                <a16:creationId xmlns:a16="http://schemas.microsoft.com/office/drawing/2014/main" id="{F2598B45-0899-4C64-A088-FE0583534F45}"/>
-              </a:ext>
-            </a:extLst>
-          </p:cNvPr>
-          <p:cNvSpPr>
-            <a:spLocks noGrp="1"/>
-          </p:cNvSpPr>
-          <p:nvPr>
-            <p:ph type="ftr" sz="quarter" idx="11"/>
-          </p:nvPr>
-        </p:nvSpPr>
-        <p:spPr>
-          <a:xfrm>
-            <a:off x="2756848" y="6349239"/>
-            <a:ext cx="3428012" cy="365125"/>
-          </a:xfrm>
-        </p:spPr>
-        <p:txBody>
-          <a:bodyPr rtlCol="0"/>
-          <a:lstStyle/>
-          <a:p>
-            <a:pPr rtl="0"/>
-            <a:r>
-              <a:rPr lang="en-US" altLang="zh-CN" dirty="0">
-                <a:solidFill>
-                  <a:schemeClr val="tx1"/>
-                </a:solidFill>
-              </a:rPr>
-              <a:t>Website Design of John-Abbott College</a:t>
-            </a:r>
-            <a:endParaRPr lang="zh-CN" altLang="zh-CN" dirty="0">
-              <a:solidFill>
-                <a:schemeClr val="tx1"/>
-              </a:solidFill>
-            </a:endParaRPr>
-          </a:p>
-        </p:txBody>
-      </p:sp>
-      <p:sp>
-        <p:nvSpPr>
-          <p:cNvPr id="13" name="日期占位符 12">
-            <a:extLst>
-              <a:ext uri="{FF2B5EF4-FFF2-40B4-BE49-F238E27FC236}">
-                <a16:creationId xmlns:a16="http://schemas.microsoft.com/office/drawing/2014/main" id="{A3967E21-B2F3-45A0-8DC7-5AA3CCC51699}"/>
+          <p:cNvPr id="16" name="日期占位符 15">
+            <a:extLst>
+              <a:ext uri="{FF2B5EF4-FFF2-40B4-BE49-F238E27FC236}">
+                <a16:creationId xmlns:a16="http://schemas.microsoft.com/office/drawing/2014/main" id="{6D298BC0-D1EE-4B8A-B546-4C8799240D8F}"/>
               </a:ext>
             </a:extLst>
           </p:cNvPr>
@@ -22026,10 +21953,10 @@
       </p:sp>
       <p:sp>
         <p:nvSpPr>
-          <p:cNvPr id="15" name="灯片编号占位符 14">
-            <a:extLst>
-              <a:ext uri="{FF2B5EF4-FFF2-40B4-BE49-F238E27FC236}">
-                <a16:creationId xmlns:a16="http://schemas.microsoft.com/office/drawing/2014/main" id="{E87B0019-071E-4C19-9139-35D5377D2C85}"/>
+          <p:cNvPr id="18" name="灯片编号占位符 17">
+            <a:extLst>
+              <a:ext uri="{FF2B5EF4-FFF2-40B4-BE49-F238E27FC236}">
+                <a16:creationId xmlns:a16="http://schemas.microsoft.com/office/drawing/2014/main" id="{0CFCA4BA-5731-4BC1-9FF7-23403BFA938A}"/>
               </a:ext>
             </a:extLst>
           </p:cNvPr>
@@ -22063,7 +21990,7 @@
     </p:spTree>
     <p:extLst>
       <p:ext uri="{BB962C8B-B14F-4D97-AF65-F5344CB8AC3E}">
-        <p14:creationId xmlns:p14="http://schemas.microsoft.com/office/powerpoint/2010/main" val="162092071"/>
+        <p14:creationId xmlns:p14="http://schemas.microsoft.com/office/powerpoint/2010/main" val="3154595954"/>
       </p:ext>
     </p:extLst>
   </p:cSld>
@@ -22473,6 +22400,521 @@
       </p:grpSpPr>
       <p:sp>
         <p:nvSpPr>
+          <p:cNvPr id="59" name="标题 58">
+            <a:extLst>
+              <a:ext uri="{FF2B5EF4-FFF2-40B4-BE49-F238E27FC236}">
+                <a16:creationId xmlns:a16="http://schemas.microsoft.com/office/drawing/2014/main" id="{FD483A78-48D6-4682-BE37-B2D0C566DB9D}"/>
+              </a:ext>
+            </a:extLst>
+          </p:cNvPr>
+          <p:cNvSpPr>
+            <a:spLocks noGrp="1"/>
+          </p:cNvSpPr>
+          <p:nvPr>
+            <p:ph type="title"/>
+          </p:nvPr>
+        </p:nvSpPr>
+        <p:spPr>
+          <a:xfrm>
+            <a:off x="2743200" y="1"/>
+            <a:ext cx="9432315" cy="2198972"/>
+          </a:xfrm>
+        </p:spPr>
+        <p:txBody>
+          <a:bodyPr rtlCol="0"/>
+          <a:lstStyle/>
+          <a:p>
+            <a:pPr rtl="0"/>
+            <a:r>
+              <a:rPr lang="en-US" altLang="zh-CN" dirty="0"/>
+              <a:t>Summary and</a:t>
+            </a:r>
+            <a:r>
+              <a:rPr lang="zh-CN" altLang="en-US" dirty="0"/>
+              <a:t> </a:t>
+            </a:r>
+            <a:r>
+              <a:rPr lang="en-US" altLang="zh-CN" dirty="0"/>
+              <a:t>Reference</a:t>
+            </a:r>
+            <a:endParaRPr lang="zh-CN" dirty="0"/>
+          </a:p>
+        </p:txBody>
+      </p:sp>
+      <p:pic>
+        <p:nvPicPr>
+          <p:cNvPr id="8" name="图片占位符 7">
+            <a:extLst>
+              <a:ext uri="{FF2B5EF4-FFF2-40B4-BE49-F238E27FC236}">
+                <a16:creationId xmlns:a16="http://schemas.microsoft.com/office/drawing/2014/main" id="{1424FF41-F655-4118-95E4-CC03D489668A}"/>
+              </a:ext>
+            </a:extLst>
+          </p:cNvPr>
+          <p:cNvPicPr>
+            <a:picLocks noGrp="1" noChangeAspect="1"/>
+          </p:cNvPicPr>
+          <p:nvPr>
+            <p:ph type="pic" sz="quarter" idx="13"/>
+          </p:nvPr>
+        </p:nvPicPr>
+        <p:blipFill>
+          <a:blip r:embed="rId2"/>
+          <a:srcRect l="25079" r="25079"/>
+          <a:stretch/>
+        </p:blipFill>
+        <p:spPr>
+          <a:xfrm>
+            <a:off x="-16483" y="0"/>
+            <a:ext cx="2773332" cy="2202508"/>
+          </a:xfrm>
+        </p:spPr>
+      </p:pic>
+      <p:pic>
+        <p:nvPicPr>
+          <p:cNvPr id="10" name="图片占位符 9">
+            <a:extLst>
+              <a:ext uri="{FF2B5EF4-FFF2-40B4-BE49-F238E27FC236}">
+                <a16:creationId xmlns:a16="http://schemas.microsoft.com/office/drawing/2014/main" id="{9CB36CBF-780F-44BF-90F7-7C2E32629CB9}"/>
+              </a:ext>
+            </a:extLst>
+          </p:cNvPr>
+          <p:cNvPicPr>
+            <a:picLocks noGrp="1" noChangeAspect="1"/>
+          </p:cNvPicPr>
+          <p:nvPr>
+            <p:ph type="pic" sz="quarter" idx="14"/>
+          </p:nvPr>
+        </p:nvPicPr>
+        <p:blipFill>
+          <a:blip r:embed="rId3"/>
+          <a:srcRect t="15404" b="15404"/>
+          <a:stretch/>
+        </p:blipFill>
+        <p:spPr>
+          <a:xfrm>
+            <a:off x="-16484" y="2202508"/>
+            <a:ext cx="2773332" cy="2327746"/>
+          </a:xfrm>
+        </p:spPr>
+      </p:pic>
+      <p:pic>
+        <p:nvPicPr>
+          <p:cNvPr id="12" name="图片占位符 11">
+            <a:extLst>
+              <a:ext uri="{FF2B5EF4-FFF2-40B4-BE49-F238E27FC236}">
+                <a16:creationId xmlns:a16="http://schemas.microsoft.com/office/drawing/2014/main" id="{09C1E283-54F6-4BE3-BD4B-B4C5888D08CC}"/>
+              </a:ext>
+            </a:extLst>
+          </p:cNvPr>
+          <p:cNvPicPr>
+            <a:picLocks noGrp="1" noChangeAspect="1"/>
+          </p:cNvPicPr>
+          <p:nvPr>
+            <p:ph type="pic" sz="quarter" idx="15"/>
+          </p:nvPr>
+        </p:nvPicPr>
+        <p:blipFill>
+          <a:blip r:embed="rId4"/>
+          <a:srcRect t="15404" b="15404"/>
+          <a:stretch/>
+        </p:blipFill>
+        <p:spPr>
+          <a:xfrm>
+            <a:off x="-16484" y="4530254"/>
+            <a:ext cx="2773332" cy="2327746"/>
+          </a:xfrm>
+        </p:spPr>
+      </p:pic>
+      <p:sp>
+        <p:nvSpPr>
+          <p:cNvPr id="3" name="内容占位符 2">
+            <a:extLst>
+              <a:ext uri="{FF2B5EF4-FFF2-40B4-BE49-F238E27FC236}">
+                <a16:creationId xmlns:a16="http://schemas.microsoft.com/office/drawing/2014/main" id="{42AFE50A-6F33-40AD-9446-D7F6D1B310CF}"/>
+              </a:ext>
+            </a:extLst>
+          </p:cNvPr>
+          <p:cNvSpPr>
+            <a:spLocks noGrp="1"/>
+          </p:cNvSpPr>
+          <p:nvPr>
+            <p:ph idx="1"/>
+          </p:nvPr>
+        </p:nvSpPr>
+        <p:spPr>
+          <a:xfrm>
+            <a:off x="3352800" y="2794177"/>
+            <a:ext cx="7476460" cy="3382786"/>
+          </a:xfrm>
+        </p:spPr>
+        <p:txBody>
+          <a:bodyPr rtlCol="0"/>
+          <a:lstStyle/>
+          <a:p>
+            <a:pPr>
+              <a:lnSpc>
+                <a:spcPct val="115000"/>
+              </a:lnSpc>
+            </a:pPr>
+            <a:r>
+              <a:rPr lang="en-US" altLang="zh-CN" sz="1800" dirty="0">
+                <a:solidFill>
+                  <a:srgbClr val="000000"/>
+                </a:solidFill>
+                <a:effectLst/>
+                <a:latin typeface="Calibri" panose="020F0502020204030204" pitchFamily="34" charset="0"/>
+                <a:ea typeface="等线" panose="02010600030101010101" pitchFamily="2" charset="-122"/>
+                <a:cs typeface="Cambria" panose="02040503050406030204" pitchFamily="18" charset="0"/>
+              </a:rPr>
+              <a:t>1. </a:t>
+            </a:r>
+            <a:r>
+              <a:rPr lang="en-US" altLang="zh-CN" sz="1600" b="0" i="0" u="none" strike="noStrike" dirty="0">
+                <a:solidFill>
+                  <a:srgbClr val="626675"/>
+                </a:solidFill>
+                <a:effectLst/>
+                <a:latin typeface="Arial" panose="020B0604020202020204" pitchFamily="34" charset="0"/>
+                <a:hlinkClick r:id="rId5"/>
+              </a:rPr>
+              <a:t>jnwl.jinan.gov.cn</a:t>
+            </a:r>
+            <a:endParaRPr lang="en-US" altLang="zh-CN" sz="1600" b="0" i="0" u="none" strike="noStrike" dirty="0">
+              <a:solidFill>
+                <a:srgbClr val="626675"/>
+              </a:solidFill>
+              <a:effectLst/>
+              <a:latin typeface="Arial" panose="020B0604020202020204" pitchFamily="34" charset="0"/>
+            </a:endParaRPr>
+          </a:p>
+          <a:p>
+            <a:pPr>
+              <a:lnSpc>
+                <a:spcPct val="115000"/>
+              </a:lnSpc>
+            </a:pPr>
+            <a:r>
+              <a:rPr lang="en-US" altLang="zh-CN" sz="1800" dirty="0">
+                <a:solidFill>
+                  <a:srgbClr val="000000"/>
+                </a:solidFill>
+                <a:effectLst/>
+                <a:latin typeface="Calibri" panose="020F0502020204030204" pitchFamily="34" charset="0"/>
+                <a:ea typeface="等线" panose="02010600030101010101" pitchFamily="2" charset="-122"/>
+                <a:cs typeface="Cambria" panose="02040503050406030204" pitchFamily="18" charset="0"/>
+              </a:rPr>
+              <a:t>2. </a:t>
+            </a:r>
+            <a:r>
+              <a:rPr lang="en-US" altLang="zh-CN" sz="1800" u="sng" dirty="0">
+                <a:solidFill>
+                  <a:srgbClr val="000000"/>
+                </a:solidFill>
+                <a:effectLst/>
+                <a:latin typeface="Calibri" panose="020F0502020204030204" pitchFamily="34" charset="0"/>
+                <a:ea typeface="等线" panose="02010600030101010101" pitchFamily="2" charset="-122"/>
+                <a:cs typeface="Cambria" panose="02040503050406030204" pitchFamily="18" charset="0"/>
+                <a:hlinkClick r:id="rId6"/>
+              </a:rPr>
+              <a:t>www.xiameng.com</a:t>
+            </a:r>
+            <a:endParaRPr lang="zh-CN" altLang="zh-CN" sz="1800" dirty="0">
+              <a:solidFill>
+                <a:srgbClr val="000000"/>
+              </a:solidFill>
+              <a:effectLst/>
+              <a:latin typeface="Cambria" panose="02040503050406030204" pitchFamily="18" charset="0"/>
+              <a:ea typeface="等线" panose="02010600030101010101" pitchFamily="2" charset="-122"/>
+              <a:cs typeface="Cambria" panose="02040503050406030204" pitchFamily="18" charset="0"/>
+            </a:endParaRPr>
+          </a:p>
+          <a:p>
+            <a:pPr>
+              <a:lnSpc>
+                <a:spcPct val="115000"/>
+              </a:lnSpc>
+            </a:pPr>
+            <a:r>
+              <a:rPr lang="en-US" altLang="zh-CN" sz="1800" dirty="0">
+                <a:solidFill>
+                  <a:srgbClr val="000000"/>
+                </a:solidFill>
+                <a:effectLst/>
+                <a:latin typeface="Calibri" panose="020F0502020204030204" pitchFamily="34" charset="0"/>
+                <a:ea typeface="等线" panose="02010600030101010101" pitchFamily="2" charset="-122"/>
+                <a:cs typeface="Cambria" panose="02040503050406030204" pitchFamily="18" charset="0"/>
+              </a:rPr>
+              <a:t>3. </a:t>
+            </a:r>
+            <a:r>
+              <a:rPr lang="en-US" altLang="zh-CN" sz="1800" dirty="0">
+                <a:solidFill>
+                  <a:srgbClr val="000000"/>
+                </a:solidFill>
+                <a:effectLst/>
+                <a:latin typeface="Calibri" panose="020F0502020204030204" pitchFamily="34" charset="0"/>
+                <a:ea typeface="等线" panose="02010600030101010101" pitchFamily="2" charset="-122"/>
+                <a:cs typeface="Cambria" panose="02040503050406030204" pitchFamily="18" charset="0"/>
+                <a:hlinkClick r:id="rId7"/>
+              </a:rPr>
+              <a:t>http://www.visitxm.com</a:t>
+            </a:r>
+            <a:endParaRPr lang="en-US" altLang="zh-CN" sz="1800" dirty="0">
+              <a:solidFill>
+                <a:srgbClr val="000000"/>
+              </a:solidFill>
+              <a:effectLst/>
+              <a:latin typeface="Calibri" panose="020F0502020204030204" pitchFamily="34" charset="0"/>
+              <a:ea typeface="等线" panose="02010600030101010101" pitchFamily="2" charset="-122"/>
+              <a:cs typeface="Cambria" panose="02040503050406030204" pitchFamily="18" charset="0"/>
+            </a:endParaRPr>
+          </a:p>
+          <a:p>
+            <a:pPr>
+              <a:lnSpc>
+                <a:spcPct val="115000"/>
+              </a:lnSpc>
+            </a:pPr>
+            <a:r>
+              <a:rPr lang="en-US" altLang="zh-CN" sz="1800" dirty="0">
+                <a:solidFill>
+                  <a:srgbClr val="000000"/>
+                </a:solidFill>
+                <a:effectLst/>
+                <a:latin typeface="Calibri" panose="020F0502020204030204" pitchFamily="34" charset="0"/>
+                <a:ea typeface="等线" panose="02010600030101010101" pitchFamily="2" charset="-122"/>
+                <a:cs typeface="Cambria" panose="02040503050406030204" pitchFamily="18" charset="0"/>
+              </a:rPr>
+              <a:t>4. </a:t>
+            </a:r>
+            <a:r>
+              <a:rPr lang="en-US" altLang="zh-CN" sz="1800" dirty="0">
+                <a:solidFill>
+                  <a:srgbClr val="000000"/>
+                </a:solidFill>
+                <a:effectLst/>
+                <a:latin typeface="Calibri" panose="020F0502020204030204" pitchFamily="34" charset="0"/>
+                <a:ea typeface="等线" panose="02010600030101010101" pitchFamily="2" charset="-122"/>
+                <a:cs typeface="Cambria" panose="02040503050406030204" pitchFamily="18" charset="0"/>
+                <a:hlinkClick r:id="rId8"/>
+              </a:rPr>
+              <a:t>www.dunhuangtour.com</a:t>
+            </a:r>
+            <a:endParaRPr lang="en-US" altLang="zh-CN" sz="1800" dirty="0">
+              <a:solidFill>
+                <a:srgbClr val="000000"/>
+              </a:solidFill>
+              <a:effectLst/>
+              <a:latin typeface="Calibri" panose="020F0502020204030204" pitchFamily="34" charset="0"/>
+              <a:ea typeface="等线" panose="02010600030101010101" pitchFamily="2" charset="-122"/>
+              <a:cs typeface="Cambria" panose="02040503050406030204" pitchFamily="18" charset="0"/>
+            </a:endParaRPr>
+          </a:p>
+          <a:p>
+            <a:pPr algn="l"/>
+            <a:r>
+              <a:rPr lang="en-US" altLang="zh-CN" sz="1800" dirty="0">
+                <a:solidFill>
+                  <a:srgbClr val="000000"/>
+                </a:solidFill>
+                <a:latin typeface="Calibri" panose="020F0502020204030204" pitchFamily="34" charset="0"/>
+                <a:ea typeface="等线" panose="02010600030101010101" pitchFamily="2" charset="-122"/>
+                <a:cs typeface="Cambria" panose="02040503050406030204" pitchFamily="18" charset="0"/>
+              </a:rPr>
+              <a:t>5. </a:t>
+            </a:r>
+            <a:r>
+              <a:rPr lang="it-IT" altLang="zh-CN" sz="1600" b="0" i="0" u="none" strike="noStrike" dirty="0">
+                <a:solidFill>
+                  <a:srgbClr val="202124"/>
+                </a:solidFill>
+                <a:effectLst/>
+                <a:latin typeface="arial" panose="020B0604020202020204" pitchFamily="34" charset="0"/>
+                <a:hlinkClick r:id="rId9"/>
+              </a:rPr>
+              <a:t>www.w3schools.com</a:t>
+            </a:r>
+            <a:endParaRPr lang="it-IT" altLang="zh-CN" sz="1600" b="0" i="0" u="none" strike="noStrike" dirty="0">
+              <a:solidFill>
+                <a:srgbClr val="1A0DAB"/>
+              </a:solidFill>
+              <a:effectLst/>
+              <a:latin typeface="arial" panose="020B0604020202020204" pitchFamily="34" charset="0"/>
+              <a:hlinkClick r:id="rId9"/>
+            </a:endParaRPr>
+          </a:p>
+          <a:p>
+            <a:pPr rtl="0"/>
+            <a:endParaRPr lang="zh-CN" dirty="0"/>
+          </a:p>
+        </p:txBody>
+      </p:sp>
+      <p:sp>
+        <p:nvSpPr>
+          <p:cNvPr id="14" name="页脚占位符 13">
+            <a:extLst>
+              <a:ext uri="{FF2B5EF4-FFF2-40B4-BE49-F238E27FC236}">
+                <a16:creationId xmlns:a16="http://schemas.microsoft.com/office/drawing/2014/main" id="{F2598B45-0899-4C64-A088-FE0583534F45}"/>
+              </a:ext>
+            </a:extLst>
+          </p:cNvPr>
+          <p:cNvSpPr>
+            <a:spLocks noGrp="1"/>
+          </p:cNvSpPr>
+          <p:nvPr>
+            <p:ph type="ftr" sz="quarter" idx="11"/>
+          </p:nvPr>
+        </p:nvSpPr>
+        <p:spPr>
+          <a:xfrm>
+            <a:off x="2756848" y="6349239"/>
+            <a:ext cx="3428012" cy="365125"/>
+          </a:xfrm>
+        </p:spPr>
+        <p:txBody>
+          <a:bodyPr rtlCol="0"/>
+          <a:lstStyle/>
+          <a:p>
+            <a:pPr rtl="0"/>
+            <a:r>
+              <a:rPr lang="en-US" altLang="zh-CN" dirty="0">
+                <a:solidFill>
+                  <a:schemeClr val="tx1"/>
+                </a:solidFill>
+              </a:rPr>
+              <a:t>Website Design of John-Abbott College</a:t>
+            </a:r>
+            <a:endParaRPr lang="zh-CN" altLang="zh-CN" dirty="0">
+              <a:solidFill>
+                <a:schemeClr val="tx1"/>
+              </a:solidFill>
+            </a:endParaRPr>
+          </a:p>
+        </p:txBody>
+      </p:sp>
+      <p:sp>
+        <p:nvSpPr>
+          <p:cNvPr id="13" name="日期占位符 12">
+            <a:extLst>
+              <a:ext uri="{FF2B5EF4-FFF2-40B4-BE49-F238E27FC236}">
+                <a16:creationId xmlns:a16="http://schemas.microsoft.com/office/drawing/2014/main" id="{A3967E21-B2F3-45A0-8DC7-5AA3CCC51699}"/>
+              </a:ext>
+            </a:extLst>
+          </p:cNvPr>
+          <p:cNvSpPr>
+            <a:spLocks noGrp="1"/>
+          </p:cNvSpPr>
+          <p:nvPr>
+            <p:ph type="dt" sz="half" idx="10"/>
+          </p:nvPr>
+        </p:nvSpPr>
+        <p:spPr>
+          <a:xfrm>
+            <a:off x="9017000" y="6433202"/>
+            <a:ext cx="2374150" cy="367841"/>
+          </a:xfrm>
+        </p:spPr>
+        <p:txBody>
+          <a:bodyPr rtlCol="0"/>
+          <a:lstStyle/>
+          <a:p>
+            <a:pPr rtl="0"/>
+            <a:r>
+              <a:rPr lang="zh-CN" altLang="zh-CN" dirty="0"/>
+              <a:t>20</a:t>
+            </a:r>
+            <a:r>
+              <a:rPr lang="en-US" altLang="zh-CN" dirty="0"/>
+              <a:t>21</a:t>
+            </a:r>
+            <a:r>
+              <a:rPr lang="zh-CN" altLang="zh-CN" dirty="0"/>
+              <a:t>/</a:t>
+            </a:r>
+            <a:r>
+              <a:rPr lang="en-US" altLang="zh-CN" dirty="0"/>
+              <a:t>09</a:t>
+            </a:r>
+            <a:r>
+              <a:rPr lang="zh-CN" altLang="zh-CN" dirty="0"/>
+              <a:t>/</a:t>
+            </a:r>
+            <a:r>
+              <a:rPr lang="en-US" altLang="zh-CN" dirty="0"/>
+              <a:t>01</a:t>
+            </a:r>
+            <a:endParaRPr lang="zh-CN" altLang="zh-CN" dirty="0"/>
+          </a:p>
+        </p:txBody>
+      </p:sp>
+      <p:sp>
+        <p:nvSpPr>
+          <p:cNvPr id="15" name="灯片编号占位符 14">
+            <a:extLst>
+              <a:ext uri="{FF2B5EF4-FFF2-40B4-BE49-F238E27FC236}">
+                <a16:creationId xmlns:a16="http://schemas.microsoft.com/office/drawing/2014/main" id="{E87B0019-071E-4C19-9139-35D5377D2C85}"/>
+              </a:ext>
+            </a:extLst>
+          </p:cNvPr>
+          <p:cNvSpPr>
+            <a:spLocks noGrp="1"/>
+          </p:cNvSpPr>
+          <p:nvPr>
+            <p:ph type="sldNum" sz="quarter" idx="12"/>
+          </p:nvPr>
+        </p:nvSpPr>
+        <p:spPr>
+          <a:xfrm>
+            <a:off x="11391150" y="6433203"/>
+            <a:ext cx="693263" cy="367842"/>
+          </a:xfrm>
+        </p:spPr>
+        <p:txBody>
+          <a:bodyPr rtlCol="0"/>
+          <a:lstStyle/>
+          <a:p>
+            <a:pPr rtl="0"/>
+            <a:fld id="{08AB70BE-1769-45B8-85A6-0C837432C7E6}" type="slidenum">
+              <a:rPr lang="en-US" altLang="zh-CN" smtClean="0"/>
+              <a:pPr rtl="0"/>
+              <a:t>20</a:t>
+            </a:fld>
+            <a:endParaRPr lang="zh-CN" dirty="0"/>
+          </a:p>
+        </p:txBody>
+      </p:sp>
+    </p:spTree>
+    <p:extLst>
+      <p:ext uri="{BB962C8B-B14F-4D97-AF65-F5344CB8AC3E}">
+        <p14:creationId xmlns:p14="http://schemas.microsoft.com/office/powerpoint/2010/main" val="162092071"/>
+      </p:ext>
+    </p:extLst>
+  </p:cSld>
+  <p:clrMapOvr>
+    <a:masterClrMapping/>
+  </p:clrMapOvr>
+</p:sld>
+</file>
+
+<file path=ppt/slides/slide21.xml><?xml version="1.0" encoding="utf-8"?>
+<p:sld xmlns:a="http://schemas.openxmlformats.org/drawingml/2006/main" xmlns:r="http://schemas.openxmlformats.org/officeDocument/2006/relationships" xmlns:p="http://schemas.openxmlformats.org/presentationml/2006/main">
+  <p:cSld>
+    <p:spTree>
+      <p:nvGrpSpPr>
+        <p:cNvPr id="1" name=""/>
+        <p:cNvGrpSpPr/>
+        <p:nvPr/>
+      </p:nvGrpSpPr>
+      <p:grpSpPr>
+        <a:xfrm>
+          <a:off x="0" y="0"/>
+          <a:ext cx="0" cy="0"/>
+          <a:chOff x="0" y="0"/>
+          <a:chExt cx="0" cy="0"/>
+        </a:xfrm>
+      </p:grpSpPr>
+      <p:sp>
+        <p:nvSpPr>
           <p:cNvPr id="2" name="标题 1">
             <a:extLst>
               <a:ext uri="{FF2B5EF4-FFF2-40B4-BE49-F238E27FC236}">
@@ -22731,7 +23173,7 @@
                   <a:spcPts val="600"/>
                 </a:spcAft>
               </a:pPr>
-              <a:t>20</a:t>
+              <a:t>21</a:t>
             </a:fld>
             <a:endParaRPr lang="zh-CN"/>
           </a:p>
@@ -25948,6 +26390,34 @@
 </file>
 
 <file path=customXml/item1.xml><?xml version="1.0" encoding="utf-8"?>
+<p:properties xmlns:p="http://schemas.microsoft.com/office/2006/metadata/properties" xmlns:xsi="http://www.w3.org/2001/XMLSchema-instance" xmlns:pc="http://schemas.microsoft.com/office/infopath/2007/PartnerControls">
+  <documentManagement>
+    <Status xmlns="71af3243-3dd4-4a8d-8c0d-dd76da1f02a5">Not started</Status>
+    <_ip_UnifiedCompliancePolicyUIAction xmlns="http://schemas.microsoft.com/sharepoint/v3" xsi:nil="true"/>
+    <Image xmlns="71af3243-3dd4-4a8d-8c0d-dd76da1f02a5">
+      <Url xsi:nil="true"/>
+      <Description xsi:nil="true"/>
+    </Image>
+    <_ip_UnifiedCompliancePolicyProperties xmlns="http://schemas.microsoft.com/sharepoint/v3" xsi:nil="true"/>
+    <lcf76f155ced4ddcb4097134ff3c332f xmlns="71af3243-3dd4-4a8d-8c0d-dd76da1f02a5">
+      <Terms xmlns="http://schemas.microsoft.com/office/infopath/2007/PartnerControls"/>
+    </lcf76f155ced4ddcb4097134ff3c332f>
+    <TaxCatchAll xmlns="230e9df3-be65-4c73-a93b-d1236ebd677e"/>
+    <MediaServiceKeyPoints xmlns="71af3243-3dd4-4a8d-8c0d-dd76da1f02a5" xsi:nil="true"/>
+  </documentManagement>
+</p:properties>
+</file>
+
+<file path=customXml/item2.xml><?xml version="1.0" encoding="utf-8"?>
+<?mso-contentType ?>
+<FormTemplates xmlns="http://schemas.microsoft.com/sharepoint/v3/contenttype/forms">
+  <Display>DocumentLibraryForm</Display>
+  <Edit>DocumentLibraryForm</Edit>
+  <New>DocumentLibraryForm</New>
+</FormTemplates>
+</file>
+
+<file path=customXml/item3.xml><?xml version="1.0" encoding="utf-8"?>
 <ct:contentTypeSchema xmlns:ct="http://schemas.microsoft.com/office/2006/metadata/contentType" xmlns:ma="http://schemas.microsoft.com/office/2006/metadata/properties/metaAttributes" ct:_="" ma:_="" ma:contentTypeName="Document" ma:contentTypeID="0x01010079F111ED35F8CC479449609E8A0923A6" ma:contentTypeVersion="18" ma:contentTypeDescription="Create a new document." ma:contentTypeScope="" ma:versionID="22a266b9fa9a230c5a512669d8b298c3">
   <xsd:schema xmlns:xsd="http://www.w3.org/2001/XMLSchema" xmlns:xs="http://www.w3.org/2001/XMLSchema" xmlns:p="http://schemas.microsoft.com/office/2006/metadata/properties" xmlns:ns1="http://schemas.microsoft.com/sharepoint/v3" xmlns:ns2="71af3243-3dd4-4a8d-8c0d-dd76da1f02a5" xmlns:ns3="16c05727-aa75-4e4a-9b5f-8a80a1165891" xmlns:ns4="230e9df3-be65-4c73-a93b-d1236ebd677e" targetNamespace="http://schemas.microsoft.com/office/2006/metadata/properties" ma:root="true" ma:fieldsID="eddc33fff6b14141ee5c74a0d29ea6a1" ns1:_="" ns2:_="" ns3:_="" ns4:_="">
     <xsd:import namespace="http://schemas.microsoft.com/sharepoint/v3"/>
@@ -26223,35 +26693,27 @@
 </ct:contentTypeSchema>
 </file>
 
-<file path=customXml/item2.xml><?xml version="1.0" encoding="utf-8"?>
-<?mso-contentType ?>
-<FormTemplates xmlns="http://schemas.microsoft.com/sharepoint/v3/contenttype/forms">
-  <Display>DocumentLibraryForm</Display>
-  <Edit>DocumentLibraryForm</Edit>
-  <New>DocumentLibraryForm</New>
-</FormTemplates>
+<file path=customXml/itemProps1.xml><?xml version="1.0" encoding="utf-8"?>
+<ds:datastoreItem xmlns:ds="http://schemas.openxmlformats.org/officeDocument/2006/customXml" ds:itemID="{4EAB8BBB-9A18-4050-923B-7FC6E36DA496}">
+  <ds:schemaRefs>
+    <ds:schemaRef ds:uri="http://schemas.microsoft.com/office/2006/metadata/properties"/>
+    <ds:schemaRef ds:uri="http://schemas.microsoft.com/office/infopath/2007/PartnerControls"/>
+    <ds:schemaRef ds:uri="71af3243-3dd4-4a8d-8c0d-dd76da1f02a5"/>
+    <ds:schemaRef ds:uri="http://schemas.microsoft.com/sharepoint/v3"/>
+    <ds:schemaRef ds:uri="230e9df3-be65-4c73-a93b-d1236ebd677e"/>
+  </ds:schemaRefs>
+</ds:datastoreItem>
 </file>
 
-<file path=customXml/item3.xml><?xml version="1.0" encoding="utf-8"?>
-<p:properties xmlns:p="http://schemas.microsoft.com/office/2006/metadata/properties" xmlns:xsi="http://www.w3.org/2001/XMLSchema-instance" xmlns:pc="http://schemas.microsoft.com/office/infopath/2007/PartnerControls">
-  <documentManagement>
-    <Status xmlns="71af3243-3dd4-4a8d-8c0d-dd76da1f02a5">Not started</Status>
-    <_ip_UnifiedCompliancePolicyUIAction xmlns="http://schemas.microsoft.com/sharepoint/v3" xsi:nil="true"/>
-    <Image xmlns="71af3243-3dd4-4a8d-8c0d-dd76da1f02a5">
-      <Url xsi:nil="true"/>
-      <Description xsi:nil="true"/>
-    </Image>
-    <_ip_UnifiedCompliancePolicyProperties xmlns="http://schemas.microsoft.com/sharepoint/v3" xsi:nil="true"/>
-    <lcf76f155ced4ddcb4097134ff3c332f xmlns="71af3243-3dd4-4a8d-8c0d-dd76da1f02a5">
-      <Terms xmlns="http://schemas.microsoft.com/office/infopath/2007/PartnerControls"/>
-    </lcf76f155ced4ddcb4097134ff3c332f>
-    <TaxCatchAll xmlns="230e9df3-be65-4c73-a93b-d1236ebd677e"/>
-    <MediaServiceKeyPoints xmlns="71af3243-3dd4-4a8d-8c0d-dd76da1f02a5" xsi:nil="true"/>
-  </documentManagement>
-</p:properties>
+<file path=customXml/itemProps2.xml><?xml version="1.0" encoding="utf-8"?>
+<ds:datastoreItem xmlns:ds="http://schemas.openxmlformats.org/officeDocument/2006/customXml" ds:itemID="{0B61E4D0-D101-4A17-BA61-F29B2B6CFE74}">
+  <ds:schemaRefs>
+    <ds:schemaRef ds:uri="http://schemas.microsoft.com/sharepoint/v3/contenttype/forms"/>
+  </ds:schemaRefs>
+</ds:datastoreItem>
 </file>
 
-<file path=customXml/itemProps1.xml><?xml version="1.0" encoding="utf-8"?>
+<file path=customXml/itemProps3.xml><?xml version="1.0" encoding="utf-8"?>
 <ds:datastoreItem xmlns:ds="http://schemas.openxmlformats.org/officeDocument/2006/customXml" ds:itemID="{5BD36D06-4CB7-4DF0-BC60-E9BFBDAC456D}">
   <ds:schemaRefs>
     <ds:schemaRef ds:uri="http://schemas.microsoft.com/office/2006/metadata/contentType"/>
@@ -26272,26 +26734,6 @@
 </ds:datastoreItem>
 </file>
 
-<file path=customXml/itemProps2.xml><?xml version="1.0" encoding="utf-8"?>
-<ds:datastoreItem xmlns:ds="http://schemas.openxmlformats.org/officeDocument/2006/customXml" ds:itemID="{0B61E4D0-D101-4A17-BA61-F29B2B6CFE74}">
-  <ds:schemaRefs>
-    <ds:schemaRef ds:uri="http://schemas.microsoft.com/sharepoint/v3/contenttype/forms"/>
-  </ds:schemaRefs>
-</ds:datastoreItem>
-</file>
-
-<file path=customXml/itemProps3.xml><?xml version="1.0" encoding="utf-8"?>
-<ds:datastoreItem xmlns:ds="http://schemas.openxmlformats.org/officeDocument/2006/customXml" ds:itemID="{4EAB8BBB-9A18-4050-923B-7FC6E36DA496}">
-  <ds:schemaRefs>
-    <ds:schemaRef ds:uri="http://schemas.microsoft.com/office/2006/metadata/properties"/>
-    <ds:schemaRef ds:uri="http://schemas.microsoft.com/office/infopath/2007/PartnerControls"/>
-    <ds:schemaRef ds:uri="71af3243-3dd4-4a8d-8c0d-dd76da1f02a5"/>
-    <ds:schemaRef ds:uri="http://schemas.microsoft.com/sharepoint/v3"/>
-    <ds:schemaRef ds:uri="230e9df3-be65-4c73-a93b-d1236ebd677e"/>
-  </ds:schemaRefs>
-</ds:datastoreItem>
-</file>
-
 <file path=docMetadata/LabelInfo.xml><?xml version="1.0" encoding="utf-8"?>
 <clbl:labelList xmlns:clbl="http://schemas.microsoft.com/office/2020/mipLabelMetadata">
   <clbl:label id="{f42aa342-8706-4288-bd11-ebb85995028c}" enabled="1" method="Standard" siteId="{72f988bf-86f1-41af-91ab-2d7cd011db47}" contentBits="0" removed="0"/>

--- a/docs/Website Design for tourist attraction.pptx
+++ b/docs/Website Design for tourist attraction.pptx
@@ -4844,7 +4844,7 @@
           <a:p>
             <a:fld id="{0B3CB98A-C7AF-4ABF-8A1F-3B0F02FF56E7}" type="datetime1">
               <a:rPr lang="zh-CN" altLang="en-US" smtClean="0"/>
-              <a:t>2021/8/31</a:t>
+              <a:t>2021/9/1</a:t>
             </a:fld>
             <a:endParaRPr lang="zh-CN" altLang="en-US"/>
           </a:p>
@@ -5024,7 +5024,7 @@
             <a:pPr rtl="0"/>
             <a:fld id="{587BD884-B5D4-48BF-9B2C-C92161AE343B}" type="datetime1">
               <a:rPr lang="zh-CN" altLang="en-US" smtClean="0"/>
-              <a:t>2021/8/31</a:t>
+              <a:t>2021/9/1</a:t>
             </a:fld>
             <a:endParaRPr lang="zh-CN" dirty="0"/>
           </a:p>
@@ -18434,12 +18434,23 @@
           <a:p>
             <a:pPr rtl="0"/>
             <a:r>
+              <a:rPr lang="en-US" altLang="zh-CN" sz="4100" b="1" dirty="0">
+                <a:solidFill>
+                  <a:schemeClr val="accent5">
+                    <a:lumMod val="40000"/>
+                    <a:lumOff val="60000"/>
+                  </a:schemeClr>
+                </a:solidFill>
+              </a:rPr>
+              <a:t>China Tour Guide </a:t>
+            </a:r>
+            <a:r>
               <a:rPr lang="en-US" altLang="zh-CN" sz="4100" dirty="0">
                 <a:solidFill>
                   <a:srgbClr val="FFFFFF"/>
                 </a:solidFill>
               </a:rPr>
-              <a:t>Website Design for Tourist Attraction </a:t>
+              <a:t>Website Design </a:t>
             </a:r>
             <a:endParaRPr lang="zh-CN" sz="4100" dirty="0">
               <a:solidFill>
@@ -24161,13 +24172,13 @@
         </p:nvSpPr>
         <p:spPr>
           <a:xfrm>
-            <a:off x="914400" y="1919673"/>
-            <a:ext cx="4953000" cy="4123318"/>
+            <a:off x="914399" y="1919673"/>
+            <a:ext cx="10561739" cy="4123318"/>
           </a:xfrm>
         </p:spPr>
         <p:txBody>
           <a:bodyPr>
-            <a:normAutofit lnSpcReduction="10000"/>
+            <a:normAutofit/>
           </a:bodyPr>
           <a:lstStyle/>
           <a:p>
@@ -24186,8 +24197,107 @@
                 <a:ea typeface="等线" panose="02010600030101010101" pitchFamily="2" charset="-122"/>
                 <a:cs typeface="Cambria" panose="02040503050406030204" pitchFamily="18" charset="0"/>
               </a:rPr>
-              <a:t>Target Audience:</a:t>
-            </a:r>
+              <a:t>Target Audience</a:t>
+            </a:r>
+            <a:r>
+              <a:rPr lang="en-US" altLang="zh-CN" dirty="0">
+                <a:solidFill>
+                  <a:srgbClr val="000000"/>
+                </a:solidFill>
+                <a:latin typeface="Calibri" panose="020F0502020204030204" pitchFamily="34" charset="0"/>
+                <a:ea typeface="等线" panose="02010600030101010101" pitchFamily="2" charset="-122"/>
+                <a:cs typeface="Cambria" panose="02040503050406030204" pitchFamily="18" charset="0"/>
+              </a:rPr>
+              <a:t>:  </a:t>
+            </a:r>
+          </a:p>
+          <a:p>
+            <a:pPr marL="0" indent="0">
+              <a:lnSpc>
+                <a:spcPct val="115000"/>
+              </a:lnSpc>
+              <a:buNone/>
+            </a:pPr>
+            <a:r>
+              <a:rPr lang="en-US" altLang="zh-CN" dirty="0">
+                <a:solidFill>
+                  <a:srgbClr val="000000"/>
+                </a:solidFill>
+                <a:latin typeface="Calibri" panose="020F0502020204030204" pitchFamily="34" charset="0"/>
+                <a:ea typeface="等线" panose="02010600030101010101" pitchFamily="2" charset="-122"/>
+                <a:cs typeface="Cambria" panose="02040503050406030204" pitchFamily="18" charset="0"/>
+              </a:rPr>
+              <a:t>     People who are interested in China travelling and culture. </a:t>
+            </a:r>
+          </a:p>
+          <a:p>
+            <a:pPr marL="0" indent="0">
+              <a:lnSpc>
+                <a:spcPct val="115000"/>
+              </a:lnSpc>
+              <a:buNone/>
+            </a:pPr>
+            <a:r>
+              <a:rPr lang="en-US" altLang="zh-CN" dirty="0">
+                <a:solidFill>
+                  <a:srgbClr val="000000"/>
+                </a:solidFill>
+                <a:latin typeface="Calibri" panose="020F0502020204030204" pitchFamily="34" charset="0"/>
+                <a:ea typeface="等线" panose="02010600030101010101" pitchFamily="2" charset="-122"/>
+                <a:cs typeface="Cambria" panose="02040503050406030204" pitchFamily="18" charset="0"/>
+              </a:rPr>
+              <a:t>     Travel agencies who wan to develop China tour business.</a:t>
+            </a:r>
+          </a:p>
+          <a:p>
+            <a:pPr marL="0" indent="0">
+              <a:lnSpc>
+                <a:spcPct val="115000"/>
+              </a:lnSpc>
+              <a:buNone/>
+            </a:pPr>
+            <a:r>
+              <a:rPr lang="en-US" altLang="zh-CN" dirty="0">
+                <a:solidFill>
+                  <a:srgbClr val="000000"/>
+                </a:solidFill>
+                <a:latin typeface="Calibri" panose="020F0502020204030204" pitchFamily="34" charset="0"/>
+                <a:ea typeface="等线" panose="02010600030101010101" pitchFamily="2" charset="-122"/>
+                <a:cs typeface="Cambria" panose="02040503050406030204" pitchFamily="18" charset="0"/>
+              </a:rPr>
+              <a:t>     Local governments </a:t>
+            </a:r>
+            <a:r>
+              <a:rPr lang="en-US" altLang="zh-CN">
+                <a:solidFill>
+                  <a:srgbClr val="000000"/>
+                </a:solidFill>
+                <a:latin typeface="Calibri" panose="020F0502020204030204" pitchFamily="34" charset="0"/>
+                <a:ea typeface="等线" panose="02010600030101010101" pitchFamily="2" charset="-122"/>
+                <a:cs typeface="Cambria" panose="02040503050406030204" pitchFamily="18" charset="0"/>
+              </a:rPr>
+              <a:t>in China who </a:t>
+            </a:r>
+            <a:r>
+              <a:rPr lang="en-US" altLang="zh-CN" dirty="0">
+                <a:solidFill>
+                  <a:srgbClr val="000000"/>
+                </a:solidFill>
+                <a:latin typeface="Calibri" panose="020F0502020204030204" pitchFamily="34" charset="0"/>
+                <a:ea typeface="等线" panose="02010600030101010101" pitchFamily="2" charset="-122"/>
+                <a:cs typeface="Cambria" panose="02040503050406030204" pitchFamily="18" charset="0"/>
+              </a:rPr>
+              <a:t>want to make travelling promotion.</a:t>
+            </a:r>
+            <a:endParaRPr lang="en-US" altLang="zh-CN" dirty="0">
+              <a:solidFill>
+                <a:srgbClr val="000000"/>
+              </a:solidFill>
+              <a:effectLst/>
+              <a:latin typeface="Calibri" panose="020F0502020204030204" pitchFamily="34" charset="0"/>
+              <a:ea typeface="等线" panose="02010600030101010101" pitchFamily="2" charset="-122"/>
+              <a:cs typeface="Cambria" panose="02040503050406030204" pitchFamily="18" charset="0"/>
+            </a:endParaRPr>
           </a:p>
           <a:p>
             <a:pPr>
@@ -25948,6 +26058,15 @@
 </file>
 
 <file path=customXml/item1.xml><?xml version="1.0" encoding="utf-8"?>
+<?mso-contentType ?>
+<FormTemplates xmlns="http://schemas.microsoft.com/sharepoint/v3/contenttype/forms">
+  <Display>DocumentLibraryForm</Display>
+  <Edit>DocumentLibraryForm</Edit>
+  <New>DocumentLibraryForm</New>
+</FormTemplates>
+</file>
+
+<file path=customXml/item2.xml><?xml version="1.0" encoding="utf-8"?>
 <ct:contentTypeSchema xmlns:ct="http://schemas.microsoft.com/office/2006/metadata/contentType" xmlns:ma="http://schemas.microsoft.com/office/2006/metadata/properties/metaAttributes" ct:_="" ma:_="" ma:contentTypeName="Document" ma:contentTypeID="0x01010079F111ED35F8CC479449609E8A0923A6" ma:contentTypeVersion="18" ma:contentTypeDescription="Create a new document." ma:contentTypeScope="" ma:versionID="22a266b9fa9a230c5a512669d8b298c3">
   <xsd:schema xmlns:xsd="http://www.w3.org/2001/XMLSchema" xmlns:xs="http://www.w3.org/2001/XMLSchema" xmlns:p="http://schemas.microsoft.com/office/2006/metadata/properties" xmlns:ns1="http://schemas.microsoft.com/sharepoint/v3" xmlns:ns2="71af3243-3dd4-4a8d-8c0d-dd76da1f02a5" xmlns:ns3="16c05727-aa75-4e4a-9b5f-8a80a1165891" xmlns:ns4="230e9df3-be65-4c73-a93b-d1236ebd677e" targetNamespace="http://schemas.microsoft.com/office/2006/metadata/properties" ma:root="true" ma:fieldsID="eddc33fff6b14141ee5c74a0d29ea6a1" ns1:_="" ns2:_="" ns3:_="" ns4:_="">
     <xsd:import namespace="http://schemas.microsoft.com/sharepoint/v3"/>
@@ -26223,15 +26342,6 @@
 </ct:contentTypeSchema>
 </file>
 
-<file path=customXml/item2.xml><?xml version="1.0" encoding="utf-8"?>
-<?mso-contentType ?>
-<FormTemplates xmlns="http://schemas.microsoft.com/sharepoint/v3/contenttype/forms">
-  <Display>DocumentLibraryForm</Display>
-  <Edit>DocumentLibraryForm</Edit>
-  <New>DocumentLibraryForm</New>
-</FormTemplates>
-</file>
-
 <file path=customXml/item3.xml><?xml version="1.0" encoding="utf-8"?>
 <p:properties xmlns:p="http://schemas.microsoft.com/office/2006/metadata/properties" xmlns:xsi="http://www.w3.org/2001/XMLSchema-instance" xmlns:pc="http://schemas.microsoft.com/office/infopath/2007/PartnerControls">
   <documentManagement>
@@ -26252,6 +26362,14 @@
 </file>
 
 <file path=customXml/itemProps1.xml><?xml version="1.0" encoding="utf-8"?>
+<ds:datastoreItem xmlns:ds="http://schemas.openxmlformats.org/officeDocument/2006/customXml" ds:itemID="{0B61E4D0-D101-4A17-BA61-F29B2B6CFE74}">
+  <ds:schemaRefs>
+    <ds:schemaRef ds:uri="http://schemas.microsoft.com/sharepoint/v3/contenttype/forms"/>
+  </ds:schemaRefs>
+</ds:datastoreItem>
+</file>
+
+<file path=customXml/itemProps2.xml><?xml version="1.0" encoding="utf-8"?>
 <ds:datastoreItem xmlns:ds="http://schemas.openxmlformats.org/officeDocument/2006/customXml" ds:itemID="{5BD36D06-4CB7-4DF0-BC60-E9BFBDAC456D}">
   <ds:schemaRefs>
     <ds:schemaRef ds:uri="http://schemas.microsoft.com/office/2006/metadata/contentType"/>
@@ -26268,14 +26386,6 @@
     <ds:schemaRef ds:uri="http://purl.org/dc/elements/1.1/"/>
     <ds:schemaRef ds:uri="http://purl.org/dc/terms/"/>
     <ds:schemaRef ds:uri="http://schemas.microsoft.com/internal/obd"/>
-  </ds:schemaRefs>
-</ds:datastoreItem>
-</file>
-
-<file path=customXml/itemProps2.xml><?xml version="1.0" encoding="utf-8"?>
-<ds:datastoreItem xmlns:ds="http://schemas.openxmlformats.org/officeDocument/2006/customXml" ds:itemID="{0B61E4D0-D101-4A17-BA61-F29B2B6CFE74}">
-  <ds:schemaRefs>
-    <ds:schemaRef ds:uri="http://schemas.microsoft.com/sharepoint/v3/contenttype/forms"/>
   </ds:schemaRefs>
 </ds:datastoreItem>
 </file>

--- a/docs/Website Design for tourist attraction.pptx
+++ b/docs/Website Design for tourist attraction.pptx
@@ -24188,7 +24188,7 @@
               </a:lnSpc>
             </a:pPr>
             <a:r>
-              <a:rPr lang="en-US" altLang="zh-CN" dirty="0">
+              <a:rPr lang="en-US" altLang="zh-CN">
                 <a:solidFill>
                   <a:srgbClr val="000000"/>
                 </a:solidFill>
@@ -24197,10 +24197,10 @@
                 <a:ea typeface="等线" panose="02010600030101010101" pitchFamily="2" charset="-122"/>
                 <a:cs typeface="Cambria" panose="02040503050406030204" pitchFamily="18" charset="0"/>
               </a:rPr>
-              <a:t>Target Audience</a:t>
-            </a:r>
-            <a:r>
-              <a:rPr lang="en-US" altLang="zh-CN" dirty="0">
+              <a:t>Target Audiences</a:t>
+            </a:r>
+            <a:r>
+              <a:rPr lang="en-US" altLang="zh-CN">
                 <a:solidFill>
                   <a:srgbClr val="000000"/>
                 </a:solidFill>
@@ -24210,6 +24210,14 @@
               </a:rPr>
               <a:t>:  </a:t>
             </a:r>
+            <a:endParaRPr lang="en-US" altLang="zh-CN" dirty="0">
+              <a:solidFill>
+                <a:srgbClr val="000000"/>
+              </a:solidFill>
+              <a:latin typeface="Calibri" panose="020F0502020204030204" pitchFamily="34" charset="0"/>
+              <a:ea typeface="等线" panose="02010600030101010101" pitchFamily="2" charset="-122"/>
+              <a:cs typeface="Cambria" panose="02040503050406030204" pitchFamily="18" charset="0"/>
+            </a:endParaRPr>
           </a:p>
           <a:p>
             <a:pPr marL="0" indent="0">
@@ -24265,29 +24273,7 @@
                 <a:ea typeface="等线" panose="02010600030101010101" pitchFamily="2" charset="-122"/>
                 <a:cs typeface="Cambria" panose="02040503050406030204" pitchFamily="18" charset="0"/>
               </a:rPr>
-              <a:t>     Local governments </a:t>
-            </a:r>
-            <a:r>
-              <a:rPr lang="en-US" altLang="zh-CN">
-                <a:solidFill>
-                  <a:srgbClr val="000000"/>
-                </a:solidFill>
-                <a:latin typeface="Calibri" panose="020F0502020204030204" pitchFamily="34" charset="0"/>
-                <a:ea typeface="等线" panose="02010600030101010101" pitchFamily="2" charset="-122"/>
-                <a:cs typeface="Cambria" panose="02040503050406030204" pitchFamily="18" charset="0"/>
-              </a:rPr>
-              <a:t>in China who </a:t>
-            </a:r>
-            <a:r>
-              <a:rPr lang="en-US" altLang="zh-CN" dirty="0">
-                <a:solidFill>
-                  <a:srgbClr val="000000"/>
-                </a:solidFill>
-                <a:latin typeface="Calibri" panose="020F0502020204030204" pitchFamily="34" charset="0"/>
-                <a:ea typeface="等线" panose="02010600030101010101" pitchFamily="2" charset="-122"/>
-                <a:cs typeface="Cambria" panose="02040503050406030204" pitchFamily="18" charset="0"/>
-              </a:rPr>
-              <a:t>want to make travelling promotion.</a:t>
+              <a:t>     Local tourism website in China.</a:t>
             </a:r>
             <a:endParaRPr lang="en-US" altLang="zh-CN" dirty="0">
               <a:solidFill>
@@ -26058,15 +26044,6 @@
 </file>
 
 <file path=customXml/item1.xml><?xml version="1.0" encoding="utf-8"?>
-<?mso-contentType ?>
-<FormTemplates xmlns="http://schemas.microsoft.com/sharepoint/v3/contenttype/forms">
-  <Display>DocumentLibraryForm</Display>
-  <Edit>DocumentLibraryForm</Edit>
-  <New>DocumentLibraryForm</New>
-</FormTemplates>
-</file>
-
-<file path=customXml/item2.xml><?xml version="1.0" encoding="utf-8"?>
 <ct:contentTypeSchema xmlns:ct="http://schemas.microsoft.com/office/2006/metadata/contentType" xmlns:ma="http://schemas.microsoft.com/office/2006/metadata/properties/metaAttributes" ct:_="" ma:_="" ma:contentTypeName="Document" ma:contentTypeID="0x01010079F111ED35F8CC479449609E8A0923A6" ma:contentTypeVersion="18" ma:contentTypeDescription="Create a new document." ma:contentTypeScope="" ma:versionID="22a266b9fa9a230c5a512669d8b298c3">
   <xsd:schema xmlns:xsd="http://www.w3.org/2001/XMLSchema" xmlns:xs="http://www.w3.org/2001/XMLSchema" xmlns:p="http://schemas.microsoft.com/office/2006/metadata/properties" xmlns:ns1="http://schemas.microsoft.com/sharepoint/v3" xmlns:ns2="71af3243-3dd4-4a8d-8c0d-dd76da1f02a5" xmlns:ns3="16c05727-aa75-4e4a-9b5f-8a80a1165891" xmlns:ns4="230e9df3-be65-4c73-a93b-d1236ebd677e" targetNamespace="http://schemas.microsoft.com/office/2006/metadata/properties" ma:root="true" ma:fieldsID="eddc33fff6b14141ee5c74a0d29ea6a1" ns1:_="" ns2:_="" ns3:_="" ns4:_="">
     <xsd:import namespace="http://schemas.microsoft.com/sharepoint/v3"/>
@@ -26342,6 +26319,15 @@
 </ct:contentTypeSchema>
 </file>
 
+<file path=customXml/item2.xml><?xml version="1.0" encoding="utf-8"?>
+<?mso-contentType ?>
+<FormTemplates xmlns="http://schemas.microsoft.com/sharepoint/v3/contenttype/forms">
+  <Display>DocumentLibraryForm</Display>
+  <Edit>DocumentLibraryForm</Edit>
+  <New>DocumentLibraryForm</New>
+</FormTemplates>
+</file>
+
 <file path=customXml/item3.xml><?xml version="1.0" encoding="utf-8"?>
 <p:properties xmlns:p="http://schemas.microsoft.com/office/2006/metadata/properties" xmlns:xsi="http://www.w3.org/2001/XMLSchema-instance" xmlns:pc="http://schemas.microsoft.com/office/infopath/2007/PartnerControls">
   <documentManagement>
@@ -26362,14 +26348,6 @@
 </file>
 
 <file path=customXml/itemProps1.xml><?xml version="1.0" encoding="utf-8"?>
-<ds:datastoreItem xmlns:ds="http://schemas.openxmlformats.org/officeDocument/2006/customXml" ds:itemID="{0B61E4D0-D101-4A17-BA61-F29B2B6CFE74}">
-  <ds:schemaRefs>
-    <ds:schemaRef ds:uri="http://schemas.microsoft.com/sharepoint/v3/contenttype/forms"/>
-  </ds:schemaRefs>
-</ds:datastoreItem>
-</file>
-
-<file path=customXml/itemProps2.xml><?xml version="1.0" encoding="utf-8"?>
 <ds:datastoreItem xmlns:ds="http://schemas.openxmlformats.org/officeDocument/2006/customXml" ds:itemID="{5BD36D06-4CB7-4DF0-BC60-E9BFBDAC456D}">
   <ds:schemaRefs>
     <ds:schemaRef ds:uri="http://schemas.microsoft.com/office/2006/metadata/contentType"/>
@@ -26386,6 +26364,14 @@
     <ds:schemaRef ds:uri="http://purl.org/dc/elements/1.1/"/>
     <ds:schemaRef ds:uri="http://purl.org/dc/terms/"/>
     <ds:schemaRef ds:uri="http://schemas.microsoft.com/internal/obd"/>
+  </ds:schemaRefs>
+</ds:datastoreItem>
+</file>
+
+<file path=customXml/itemProps2.xml><?xml version="1.0" encoding="utf-8"?>
+<ds:datastoreItem xmlns:ds="http://schemas.openxmlformats.org/officeDocument/2006/customXml" ds:itemID="{0B61E4D0-D101-4A17-BA61-F29B2B6CFE74}">
+  <ds:schemaRefs>
+    <ds:schemaRef ds:uri="http://schemas.microsoft.com/sharepoint/v3/contenttype/forms"/>
   </ds:schemaRefs>
 </ds:datastoreItem>
 </file>

--- a/docs/Website Design for tourist attraction.pptx
+++ b/docs/Website Design for tourist attraction.pptx
@@ -18434,23 +18434,12 @@
           <a:p>
             <a:pPr rtl="0"/>
             <a:r>
-              <a:rPr lang="en-US" altLang="zh-CN" sz="4100" b="1" dirty="0">
-                <a:solidFill>
-                  <a:schemeClr val="accent5">
-                    <a:lumMod val="40000"/>
-                    <a:lumOff val="60000"/>
-                  </a:schemeClr>
-                </a:solidFill>
-              </a:rPr>
-              <a:t>China Tour Guide </a:t>
-            </a:r>
-            <a:r>
               <a:rPr lang="en-US" altLang="zh-CN" sz="4100" dirty="0">
                 <a:solidFill>
                   <a:srgbClr val="FFFFFF"/>
                 </a:solidFill>
               </a:rPr>
-              <a:t>Website Design </a:t>
+              <a:t>China Tour Guide Website Design</a:t>
             </a:r>
             <a:endParaRPr lang="zh-CN" sz="4100" dirty="0">
               <a:solidFill>
@@ -24172,13 +24161,13 @@
         </p:nvSpPr>
         <p:spPr>
           <a:xfrm>
-            <a:off x="914399" y="1919673"/>
-            <a:ext cx="10561739" cy="4123318"/>
+            <a:off x="914400" y="1919673"/>
+            <a:ext cx="4953000" cy="4123318"/>
           </a:xfrm>
         </p:spPr>
         <p:txBody>
           <a:bodyPr>
-            <a:normAutofit/>
+            <a:normAutofit lnSpcReduction="10000"/>
           </a:bodyPr>
           <a:lstStyle/>
           <a:p>
@@ -24188,7 +24177,7 @@
               </a:lnSpc>
             </a:pPr>
             <a:r>
-              <a:rPr lang="en-US" altLang="zh-CN">
+              <a:rPr lang="en-US" altLang="zh-CN" dirty="0">
                 <a:solidFill>
                   <a:srgbClr val="000000"/>
                 </a:solidFill>
@@ -24197,93 +24186,8 @@
                 <a:ea typeface="等线" panose="02010600030101010101" pitchFamily="2" charset="-122"/>
                 <a:cs typeface="Cambria" panose="02040503050406030204" pitchFamily="18" charset="0"/>
               </a:rPr>
-              <a:t>Target Audiences</a:t>
-            </a:r>
-            <a:r>
-              <a:rPr lang="en-US" altLang="zh-CN">
-                <a:solidFill>
-                  <a:srgbClr val="000000"/>
-                </a:solidFill>
-                <a:latin typeface="Calibri" panose="020F0502020204030204" pitchFamily="34" charset="0"/>
-                <a:ea typeface="等线" panose="02010600030101010101" pitchFamily="2" charset="-122"/>
-                <a:cs typeface="Cambria" panose="02040503050406030204" pitchFamily="18" charset="0"/>
-              </a:rPr>
-              <a:t>:  </a:t>
-            </a:r>
-            <a:endParaRPr lang="en-US" altLang="zh-CN" dirty="0">
-              <a:solidFill>
-                <a:srgbClr val="000000"/>
-              </a:solidFill>
-              <a:latin typeface="Calibri" panose="020F0502020204030204" pitchFamily="34" charset="0"/>
-              <a:ea typeface="等线" panose="02010600030101010101" pitchFamily="2" charset="-122"/>
-              <a:cs typeface="Cambria" panose="02040503050406030204" pitchFamily="18" charset="0"/>
-            </a:endParaRPr>
-          </a:p>
-          <a:p>
-            <a:pPr marL="0" indent="0">
-              <a:lnSpc>
-                <a:spcPct val="115000"/>
-              </a:lnSpc>
-              <a:buNone/>
-            </a:pPr>
-            <a:r>
-              <a:rPr lang="en-US" altLang="zh-CN" dirty="0">
-                <a:solidFill>
-                  <a:srgbClr val="000000"/>
-                </a:solidFill>
-                <a:latin typeface="Calibri" panose="020F0502020204030204" pitchFamily="34" charset="0"/>
-                <a:ea typeface="等线" panose="02010600030101010101" pitchFamily="2" charset="-122"/>
-                <a:cs typeface="Cambria" panose="02040503050406030204" pitchFamily="18" charset="0"/>
-              </a:rPr>
-              <a:t>     People who are interested in China travelling and culture. </a:t>
-            </a:r>
-          </a:p>
-          <a:p>
-            <a:pPr marL="0" indent="0">
-              <a:lnSpc>
-                <a:spcPct val="115000"/>
-              </a:lnSpc>
-              <a:buNone/>
-            </a:pPr>
-            <a:r>
-              <a:rPr lang="en-US" altLang="zh-CN" dirty="0">
-                <a:solidFill>
-                  <a:srgbClr val="000000"/>
-                </a:solidFill>
-                <a:latin typeface="Calibri" panose="020F0502020204030204" pitchFamily="34" charset="0"/>
-                <a:ea typeface="等线" panose="02010600030101010101" pitchFamily="2" charset="-122"/>
-                <a:cs typeface="Cambria" panose="02040503050406030204" pitchFamily="18" charset="0"/>
-              </a:rPr>
-              <a:t>     Travel agencies who wan to develop China tour business.</a:t>
-            </a:r>
-          </a:p>
-          <a:p>
-            <a:pPr marL="0" indent="0">
-              <a:lnSpc>
-                <a:spcPct val="115000"/>
-              </a:lnSpc>
-              <a:buNone/>
-            </a:pPr>
-            <a:r>
-              <a:rPr lang="en-US" altLang="zh-CN" dirty="0">
-                <a:solidFill>
-                  <a:srgbClr val="000000"/>
-                </a:solidFill>
-                <a:latin typeface="Calibri" panose="020F0502020204030204" pitchFamily="34" charset="0"/>
-                <a:ea typeface="等线" panose="02010600030101010101" pitchFamily="2" charset="-122"/>
-                <a:cs typeface="Cambria" panose="02040503050406030204" pitchFamily="18" charset="0"/>
-              </a:rPr>
-              <a:t>     Local tourism website in China.</a:t>
-            </a:r>
-            <a:endParaRPr lang="en-US" altLang="zh-CN" dirty="0">
-              <a:solidFill>
-                <a:srgbClr val="000000"/>
-              </a:solidFill>
-              <a:effectLst/>
-              <a:latin typeface="Calibri" panose="020F0502020204030204" pitchFamily="34" charset="0"/>
-              <a:ea typeface="等线" panose="02010600030101010101" pitchFamily="2" charset="-122"/>
-              <a:cs typeface="Cambria" panose="02040503050406030204" pitchFamily="18" charset="0"/>
-            </a:endParaRPr>
+              <a:t>Target Audience:</a:t>
+            </a:r>
           </a:p>
           <a:p>
             <a:pPr>
@@ -26044,6 +25948,34 @@
 </file>
 
 <file path=customXml/item1.xml><?xml version="1.0" encoding="utf-8"?>
+<p:properties xmlns:p="http://schemas.microsoft.com/office/2006/metadata/properties" xmlns:xsi="http://www.w3.org/2001/XMLSchema-instance" xmlns:pc="http://schemas.microsoft.com/office/infopath/2007/PartnerControls">
+  <documentManagement>
+    <Status xmlns="71af3243-3dd4-4a8d-8c0d-dd76da1f02a5">Not started</Status>
+    <_ip_UnifiedCompliancePolicyUIAction xmlns="http://schemas.microsoft.com/sharepoint/v3" xsi:nil="true"/>
+    <Image xmlns="71af3243-3dd4-4a8d-8c0d-dd76da1f02a5">
+      <Url xsi:nil="true"/>
+      <Description xsi:nil="true"/>
+    </Image>
+    <_ip_UnifiedCompliancePolicyProperties xmlns="http://schemas.microsoft.com/sharepoint/v3" xsi:nil="true"/>
+    <lcf76f155ced4ddcb4097134ff3c332f xmlns="71af3243-3dd4-4a8d-8c0d-dd76da1f02a5">
+      <Terms xmlns="http://schemas.microsoft.com/office/infopath/2007/PartnerControls"/>
+    </lcf76f155ced4ddcb4097134ff3c332f>
+    <TaxCatchAll xmlns="230e9df3-be65-4c73-a93b-d1236ebd677e"/>
+    <MediaServiceKeyPoints xmlns="71af3243-3dd4-4a8d-8c0d-dd76da1f02a5" xsi:nil="true"/>
+  </documentManagement>
+</p:properties>
+</file>
+
+<file path=customXml/item2.xml><?xml version="1.0" encoding="utf-8"?>
+<?mso-contentType ?>
+<FormTemplates xmlns="http://schemas.microsoft.com/sharepoint/v3/contenttype/forms">
+  <Display>DocumentLibraryForm</Display>
+  <Edit>DocumentLibraryForm</Edit>
+  <New>DocumentLibraryForm</New>
+</FormTemplates>
+</file>
+
+<file path=customXml/item3.xml><?xml version="1.0" encoding="utf-8"?>
 <ct:contentTypeSchema xmlns:ct="http://schemas.microsoft.com/office/2006/metadata/contentType" xmlns:ma="http://schemas.microsoft.com/office/2006/metadata/properties/metaAttributes" ct:_="" ma:_="" ma:contentTypeName="Document" ma:contentTypeID="0x01010079F111ED35F8CC479449609E8A0923A6" ma:contentTypeVersion="18" ma:contentTypeDescription="Create a new document." ma:contentTypeScope="" ma:versionID="22a266b9fa9a230c5a512669d8b298c3">
   <xsd:schema xmlns:xsd="http://www.w3.org/2001/XMLSchema" xmlns:xs="http://www.w3.org/2001/XMLSchema" xmlns:p="http://schemas.microsoft.com/office/2006/metadata/properties" xmlns:ns1="http://schemas.microsoft.com/sharepoint/v3" xmlns:ns2="71af3243-3dd4-4a8d-8c0d-dd76da1f02a5" xmlns:ns3="16c05727-aa75-4e4a-9b5f-8a80a1165891" xmlns:ns4="230e9df3-be65-4c73-a93b-d1236ebd677e" targetNamespace="http://schemas.microsoft.com/office/2006/metadata/properties" ma:root="true" ma:fieldsID="eddc33fff6b14141ee5c74a0d29ea6a1" ns1:_="" ns2:_="" ns3:_="" ns4:_="">
     <xsd:import namespace="http://schemas.microsoft.com/sharepoint/v3"/>
@@ -26319,35 +26251,27 @@
 </ct:contentTypeSchema>
 </file>
 
-<file path=customXml/item2.xml><?xml version="1.0" encoding="utf-8"?>
-<?mso-contentType ?>
-<FormTemplates xmlns="http://schemas.microsoft.com/sharepoint/v3/contenttype/forms">
-  <Display>DocumentLibraryForm</Display>
-  <Edit>DocumentLibraryForm</Edit>
-  <New>DocumentLibraryForm</New>
-</FormTemplates>
+<file path=customXml/itemProps1.xml><?xml version="1.0" encoding="utf-8"?>
+<ds:datastoreItem xmlns:ds="http://schemas.openxmlformats.org/officeDocument/2006/customXml" ds:itemID="{4EAB8BBB-9A18-4050-923B-7FC6E36DA496}">
+  <ds:schemaRefs>
+    <ds:schemaRef ds:uri="http://schemas.microsoft.com/office/2006/metadata/properties"/>
+    <ds:schemaRef ds:uri="http://schemas.microsoft.com/office/infopath/2007/PartnerControls"/>
+    <ds:schemaRef ds:uri="71af3243-3dd4-4a8d-8c0d-dd76da1f02a5"/>
+    <ds:schemaRef ds:uri="http://schemas.microsoft.com/sharepoint/v3"/>
+    <ds:schemaRef ds:uri="230e9df3-be65-4c73-a93b-d1236ebd677e"/>
+  </ds:schemaRefs>
+</ds:datastoreItem>
 </file>
 
-<file path=customXml/item3.xml><?xml version="1.0" encoding="utf-8"?>
-<p:properties xmlns:p="http://schemas.microsoft.com/office/2006/metadata/properties" xmlns:xsi="http://www.w3.org/2001/XMLSchema-instance" xmlns:pc="http://schemas.microsoft.com/office/infopath/2007/PartnerControls">
-  <documentManagement>
-    <Status xmlns="71af3243-3dd4-4a8d-8c0d-dd76da1f02a5">Not started</Status>
-    <_ip_UnifiedCompliancePolicyUIAction xmlns="http://schemas.microsoft.com/sharepoint/v3" xsi:nil="true"/>
-    <Image xmlns="71af3243-3dd4-4a8d-8c0d-dd76da1f02a5">
-      <Url xsi:nil="true"/>
-      <Description xsi:nil="true"/>
-    </Image>
-    <_ip_UnifiedCompliancePolicyProperties xmlns="http://schemas.microsoft.com/sharepoint/v3" xsi:nil="true"/>
-    <lcf76f155ced4ddcb4097134ff3c332f xmlns="71af3243-3dd4-4a8d-8c0d-dd76da1f02a5">
-      <Terms xmlns="http://schemas.microsoft.com/office/infopath/2007/PartnerControls"/>
-    </lcf76f155ced4ddcb4097134ff3c332f>
-    <TaxCatchAll xmlns="230e9df3-be65-4c73-a93b-d1236ebd677e"/>
-    <MediaServiceKeyPoints xmlns="71af3243-3dd4-4a8d-8c0d-dd76da1f02a5" xsi:nil="true"/>
-  </documentManagement>
-</p:properties>
+<file path=customXml/itemProps2.xml><?xml version="1.0" encoding="utf-8"?>
+<ds:datastoreItem xmlns:ds="http://schemas.openxmlformats.org/officeDocument/2006/customXml" ds:itemID="{0B61E4D0-D101-4A17-BA61-F29B2B6CFE74}">
+  <ds:schemaRefs>
+    <ds:schemaRef ds:uri="http://schemas.microsoft.com/sharepoint/v3/contenttype/forms"/>
+  </ds:schemaRefs>
+</ds:datastoreItem>
 </file>
 
-<file path=customXml/itemProps1.xml><?xml version="1.0" encoding="utf-8"?>
+<file path=customXml/itemProps3.xml><?xml version="1.0" encoding="utf-8"?>
 <ds:datastoreItem xmlns:ds="http://schemas.openxmlformats.org/officeDocument/2006/customXml" ds:itemID="{5BD36D06-4CB7-4DF0-BC60-E9BFBDAC456D}">
   <ds:schemaRefs>
     <ds:schemaRef ds:uri="http://schemas.microsoft.com/office/2006/metadata/contentType"/>
@@ -26368,26 +26292,6 @@
 </ds:datastoreItem>
 </file>
 
-<file path=customXml/itemProps2.xml><?xml version="1.0" encoding="utf-8"?>
-<ds:datastoreItem xmlns:ds="http://schemas.openxmlformats.org/officeDocument/2006/customXml" ds:itemID="{0B61E4D0-D101-4A17-BA61-F29B2B6CFE74}">
-  <ds:schemaRefs>
-    <ds:schemaRef ds:uri="http://schemas.microsoft.com/sharepoint/v3/contenttype/forms"/>
-  </ds:schemaRefs>
-</ds:datastoreItem>
-</file>
-
-<file path=customXml/itemProps3.xml><?xml version="1.0" encoding="utf-8"?>
-<ds:datastoreItem xmlns:ds="http://schemas.openxmlformats.org/officeDocument/2006/customXml" ds:itemID="{4EAB8BBB-9A18-4050-923B-7FC6E36DA496}">
-  <ds:schemaRefs>
-    <ds:schemaRef ds:uri="http://schemas.microsoft.com/office/2006/metadata/properties"/>
-    <ds:schemaRef ds:uri="http://schemas.microsoft.com/office/infopath/2007/PartnerControls"/>
-    <ds:schemaRef ds:uri="71af3243-3dd4-4a8d-8c0d-dd76da1f02a5"/>
-    <ds:schemaRef ds:uri="http://schemas.microsoft.com/sharepoint/v3"/>
-    <ds:schemaRef ds:uri="230e9df3-be65-4c73-a93b-d1236ebd677e"/>
-  </ds:schemaRefs>
-</ds:datastoreItem>
-</file>
-
 <file path=docMetadata/LabelInfo.xml><?xml version="1.0" encoding="utf-8"?>
 <clbl:labelList xmlns:clbl="http://schemas.microsoft.com/office/2020/mipLabelMetadata">
   <clbl:label id="{f42aa342-8706-4288-bd11-ebb85995028c}" enabled="1" method="Standard" siteId="{72f988bf-86f1-41af-91ab-2d7cd011db47}" contentBits="0" removed="0"/>

--- a/docs/Website Design for tourist attraction.pptx
+++ b/docs/Website Design for tourist attraction.pptx
@@ -19869,10 +19869,10 @@
       </p:pic>
       <p:pic>
         <p:nvPicPr>
-          <p:cNvPr id="6" name="图片 5" descr="图表, 条形图&#10;&#10;描述已自动生成">
-            <a:extLst>
-              <a:ext uri="{FF2B5EF4-FFF2-40B4-BE49-F238E27FC236}">
-                <a16:creationId xmlns:a16="http://schemas.microsoft.com/office/drawing/2014/main" id="{1235992C-5F70-4926-8E18-EB9935AACE17}"/>
+          <p:cNvPr id="10" name="图片 9">
+            <a:extLst>
+              <a:ext uri="{FF2B5EF4-FFF2-40B4-BE49-F238E27FC236}">
+                <a16:creationId xmlns:a16="http://schemas.microsoft.com/office/drawing/2014/main" id="{E37EB3FA-2083-4FF6-9BCA-3A4177CD134B}"/>
               </a:ext>
             </a:extLst>
           </p:cNvPr>
@@ -19889,8 +19889,8 @@
         </p:blipFill>
         <p:spPr>
           <a:xfrm>
-            <a:off x="1117896" y="3207556"/>
-            <a:ext cx="2754762" cy="3202388"/>
+            <a:off x="957739" y="3102722"/>
+            <a:ext cx="3284647" cy="3307222"/>
           </a:xfrm>
           <a:prstGeom prst="rect">
             <a:avLst/>
@@ -24167,7 +24167,7 @@
         </p:spPr>
         <p:txBody>
           <a:bodyPr>
-            <a:normAutofit lnSpcReduction="10000"/>
+            <a:normAutofit/>
           </a:bodyPr>
           <a:lstStyle/>
           <a:p>
@@ -24205,7 +24205,18 @@
                 <a:ea typeface="等线" panose="02010600030101010101" pitchFamily="2" charset="-122"/>
                 <a:cs typeface="Cambria" panose="02040503050406030204" pitchFamily="18" charset="0"/>
               </a:rPr>
-              <a:t>Our team have a total planning for the new Web site involves understanding in two key areas: knowledge of the web required logical side, and knowledge of the creative side. </a:t>
+              <a:t>People who are interesting on travelling to China</a:t>
+            </a:r>
+            <a:r>
+              <a:rPr lang="en-US" altLang="zh-CN" dirty="0">
+                <a:solidFill>
+                  <a:srgbClr val="000000"/>
+                </a:solidFill>
+                <a:latin typeface="Calibri" panose="020F0502020204030204" pitchFamily="34" charset="0"/>
+                <a:ea typeface="等线" panose="02010600030101010101" pitchFamily="2" charset="-122"/>
+                <a:cs typeface="Cambria" panose="02040503050406030204" pitchFamily="18" charset="0"/>
+              </a:rPr>
+              <a:t>.</a:t>
             </a:r>
             <a:endParaRPr lang="zh-CN" altLang="zh-CN" dirty="0">
               <a:solidFill>
@@ -24233,7 +24244,37 @@
                 <a:ea typeface="等线" panose="02010600030101010101" pitchFamily="2" charset="-122"/>
                 <a:cs typeface="Cambria" panose="02040503050406030204" pitchFamily="18" charset="0"/>
               </a:rPr>
-              <a:t>Begin with a plan, create a visual mind map, create sample page sketches and wireframes (mockups), generate a timeline, assemble the site, create a marketing plan, and create a storyboard.</a:t>
+              <a:t>Travel agencies </a:t>
+            </a:r>
+            <a:r>
+              <a:rPr lang="en-US" altLang="zh-CN" dirty="0">
+                <a:solidFill>
+                  <a:srgbClr val="000000"/>
+                </a:solidFill>
+                <a:latin typeface="Calibri" panose="020F0502020204030204" pitchFamily="34" charset="0"/>
+                <a:ea typeface="等线" panose="02010600030101010101" pitchFamily="2" charset="-122"/>
+                <a:cs typeface="Cambria" panose="02040503050406030204" pitchFamily="18" charset="0"/>
+              </a:rPr>
+              <a:t>who want to develop China tour business.</a:t>
+            </a:r>
+          </a:p>
+          <a:p>
+            <a:pPr>
+              <a:lnSpc>
+                <a:spcPct val="115000"/>
+              </a:lnSpc>
+            </a:pPr>
+            <a:r>
+              <a:rPr lang="en-US" altLang="zh-CN" dirty="0">
+                <a:solidFill>
+                  <a:srgbClr val="000000"/>
+                </a:solidFill>
+                <a:effectLst/>
+                <a:latin typeface="Calibri" panose="020F0502020204030204" pitchFamily="34" charset="0"/>
+                <a:ea typeface="等线" panose="02010600030101010101" pitchFamily="2" charset="-122"/>
+                <a:cs typeface="Cambria" panose="02040503050406030204" pitchFamily="18" charset="0"/>
+              </a:rPr>
+              <a:t>Some tourism website in China.</a:t>
             </a:r>
             <a:endParaRPr lang="zh-CN" altLang="zh-CN" dirty="0">
               <a:solidFill>

--- a/docs/Website Design for tourist attraction.pptx
+++ b/docs/Website Design for tourist attraction.pptx
@@ -21292,14 +21292,9 @@
           <a:p>
             <a:pPr rtl="0"/>
             <a:r>
-              <a:rPr lang="en-US" altLang="zh-CN" dirty="0" err="1"/>
-              <a:t>Integreating</a:t>
-            </a:r>
-            <a:r>
-              <a:rPr lang="en-US" altLang="zh-CN"/>
-              <a:t>.</a:t>
-            </a:r>
-            <a:endParaRPr lang="en-US" altLang="zh-CN" dirty="0"/>
+              <a:rPr lang="en-US" altLang="zh-CN" dirty="0"/>
+              <a:t>Integrating.</a:t>
+            </a:r>
           </a:p>
           <a:p>
             <a:pPr rtl="0"/>
@@ -23828,7 +23823,7 @@
         <p:spPr>
           <a:xfrm>
             <a:off x="914400" y="1919673"/>
-            <a:ext cx="4953000" cy="4123318"/>
+            <a:ext cx="6502400" cy="4123318"/>
           </a:xfrm>
         </p:spPr>
         <p:txBody>
@@ -23928,6 +23923,25 @@
                 <a:cs typeface="Cambria" panose="02040503050406030204" pitchFamily="18" charset="0"/>
               </a:rPr>
               <a:t>We use the IDE MS visual studio. </a:t>
+            </a:r>
+          </a:p>
+          <a:p>
+            <a:pPr>
+              <a:lnSpc>
+                <a:spcPct val="115000"/>
+              </a:lnSpc>
+            </a:pPr>
+            <a:r>
+              <a:rPr lang="en-US" altLang="zh-CN" dirty="0">
+                <a:solidFill>
+                  <a:srgbClr val="000000"/>
+                </a:solidFill>
+                <a:effectLst/>
+                <a:latin typeface="Cambria" panose="02040503050406030204" pitchFamily="18" charset="0"/>
+                <a:ea typeface="等线" panose="02010600030101010101" pitchFamily="2" charset="-122"/>
+                <a:cs typeface="Cambria" panose="02040503050406030204" pitchFamily="18" charset="0"/>
+              </a:rPr>
+              <a:t>We select 4 cities of China, Xiamen, Jinan, Dunhuang and Xi’an.</a:t>
             </a:r>
             <a:endParaRPr lang="zh-CN" altLang="zh-CN" dirty="0">
               <a:solidFill>
@@ -25084,10 +25098,10 @@
       </p:sp>
       <p:pic>
         <p:nvPicPr>
-          <p:cNvPr id="5" name="图片 4" descr="图示, 文本&#10;&#10;描述已自动生成">
-            <a:extLst>
-              <a:ext uri="{FF2B5EF4-FFF2-40B4-BE49-F238E27FC236}">
-                <a16:creationId xmlns:a16="http://schemas.microsoft.com/office/drawing/2014/main" id="{3490EB0D-B091-4E6D-ABC4-FA990BE2BCE3}"/>
+          <p:cNvPr id="6" name="图片 5" descr="图示&#10;&#10;描述已自动生成">
+            <a:extLst>
+              <a:ext uri="{FF2B5EF4-FFF2-40B4-BE49-F238E27FC236}">
+                <a16:creationId xmlns:a16="http://schemas.microsoft.com/office/drawing/2014/main" id="{994D96E3-C1EA-4A3C-BF39-975295392C80}"/>
               </a:ext>
             </a:extLst>
           </p:cNvPr>
@@ -25096,15 +25110,16 @@
           </p:cNvPicPr>
           <p:nvPr/>
         </p:nvPicPr>
-        <p:blipFill rotWithShape="1">
+        <p:blipFill>
           <a:blip r:embed="rId3"/>
-          <a:srcRect r="48572"/>
-          <a:stretch/>
+          <a:stretch>
+            <a:fillRect/>
+          </a:stretch>
         </p:blipFill>
         <p:spPr>
           <a:xfrm>
-            <a:off x="8310610" y="1112558"/>
-            <a:ext cx="3208543" cy="3933825"/>
+            <a:off x="4020941" y="3429000"/>
+            <a:ext cx="4895850" cy="3038475"/>
           </a:xfrm>
           <a:prstGeom prst="rect">
             <a:avLst/>
@@ -25113,10 +25128,10 @@
       </p:pic>
       <p:pic>
         <p:nvPicPr>
-          <p:cNvPr id="6" name="图片 5" descr="图示&#10;&#10;描述已自动生成">
-            <a:extLst>
-              <a:ext uri="{FF2B5EF4-FFF2-40B4-BE49-F238E27FC236}">
-                <a16:creationId xmlns:a16="http://schemas.microsoft.com/office/drawing/2014/main" id="{994D96E3-C1EA-4A3C-BF39-975295392C80}"/>
+          <p:cNvPr id="5" name="图片 4" descr="图示, 文本&#10;&#10;描述已自动生成">
+            <a:extLst>
+              <a:ext uri="{FF2B5EF4-FFF2-40B4-BE49-F238E27FC236}">
+                <a16:creationId xmlns:a16="http://schemas.microsoft.com/office/drawing/2014/main" id="{3490EB0D-B091-4E6D-ABC4-FA990BE2BCE3}"/>
               </a:ext>
             </a:extLst>
           </p:cNvPr>
@@ -25125,16 +25140,15 @@
           </p:cNvPicPr>
           <p:nvPr/>
         </p:nvPicPr>
-        <p:blipFill>
+        <p:blipFill rotWithShape="1">
           <a:blip r:embed="rId4"/>
-          <a:stretch>
-            <a:fillRect/>
-          </a:stretch>
+          <a:srcRect r="48572"/>
+          <a:stretch/>
         </p:blipFill>
         <p:spPr>
           <a:xfrm>
-            <a:off x="4020941" y="3429000"/>
-            <a:ext cx="4895850" cy="3038475"/>
+            <a:off x="7723762" y="1112558"/>
+            <a:ext cx="3795391" cy="4653328"/>
           </a:xfrm>
           <a:prstGeom prst="rect">
             <a:avLst/>

--- a/docs/Website Design for tourist attraction.pptx
+++ b/docs/Website Design for tourist attraction.pptx
@@ -5,10 +5,10 @@
     <p:sldMasterId id="2147483660" r:id="rId4"/>
   </p:sldMasterIdLst>
   <p:notesMasterIdLst>
-    <p:notesMasterId r:id="rId25"/>
+    <p:notesMasterId r:id="rId26"/>
   </p:notesMasterIdLst>
   <p:handoutMasterIdLst>
-    <p:handoutMasterId r:id="rId26"/>
+    <p:handoutMasterId r:id="rId27"/>
   </p:handoutMasterIdLst>
   <p:sldIdLst>
     <p:sldId id="410" r:id="rId5"/>
@@ -24,13 +24,14 @@
     <p:sldId id="426" r:id="rId15"/>
     <p:sldId id="420" r:id="rId16"/>
     <p:sldId id="416" r:id="rId17"/>
-    <p:sldId id="418" r:id="rId18"/>
-    <p:sldId id="427" r:id="rId19"/>
-    <p:sldId id="412" r:id="rId20"/>
-    <p:sldId id="411" r:id="rId21"/>
-    <p:sldId id="400" r:id="rId22"/>
-    <p:sldId id="372" r:id="rId23"/>
-    <p:sldId id="407" r:id="rId24"/>
+    <p:sldId id="428" r:id="rId18"/>
+    <p:sldId id="418" r:id="rId19"/>
+    <p:sldId id="427" r:id="rId20"/>
+    <p:sldId id="412" r:id="rId21"/>
+    <p:sldId id="411" r:id="rId22"/>
+    <p:sldId id="400" r:id="rId23"/>
+    <p:sldId id="372" r:id="rId24"/>
+    <p:sldId id="407" r:id="rId25"/>
   </p:sldIdLst>
   <p:sldSz cx="12192000" cy="6858000"/>
   <p:notesSz cx="6858000" cy="9144000"/>
@@ -19778,15 +19779,6 @@
               </a:rPr>
               <a:t>Create the web pages using MS Visual Studio </a:t>
             </a:r>
-            <a:endParaRPr lang="zh-CN" altLang="zh-CN" sz="1800" dirty="0">
-              <a:solidFill>
-                <a:srgbClr val="000000"/>
-              </a:solidFill>
-              <a:effectLst/>
-              <a:latin typeface="Cambria" panose="02040503050406030204" pitchFamily="18" charset="0"/>
-              <a:ea typeface="等线" panose="02010600030101010101" pitchFamily="2" charset="-122"/>
-              <a:cs typeface="Cambria" panose="02040503050406030204" pitchFamily="18" charset="0"/>
-            </a:endParaRPr>
           </a:p>
           <a:p>
             <a:pPr>
@@ -19806,18 +19798,7 @@
                 <a:ea typeface="等线" panose="02010600030101010101" pitchFamily="2" charset="-122"/>
                 <a:cs typeface="Cambria" panose="02040503050406030204" pitchFamily="18" charset="0"/>
               </a:rPr>
-              <a:t>Team work on </a:t>
-            </a:r>
-            <a:r>
-              <a:rPr lang="en-US" altLang="zh-CN" sz="1800" dirty="0" err="1">
-                <a:solidFill>
-                  <a:srgbClr val="000000"/>
-                </a:solidFill>
-                <a:latin typeface="Calibri" panose="020F0502020204030204" pitchFamily="34" charset="0"/>
-                <a:ea typeface="等线" panose="02010600030101010101" pitchFamily="2" charset="-122"/>
-                <a:cs typeface="Cambria" panose="02040503050406030204" pitchFamily="18" charset="0"/>
-              </a:rPr>
-              <a:t>Github</a:t>
+              <a:t>Structure of homepage.</a:t>
             </a:r>
             <a:endParaRPr lang="zh-CN" altLang="zh-CN" sz="1800" dirty="0">
               <a:solidFill>
@@ -19932,6 +19913,277 @@
           <p:cNvPr id="2" name="标题 1">
             <a:extLst>
               <a:ext uri="{FF2B5EF4-FFF2-40B4-BE49-F238E27FC236}">
+                <a16:creationId xmlns:a16="http://schemas.microsoft.com/office/drawing/2014/main" id="{2C2ED18B-23FE-40FC-87B3-64962978DC5D}"/>
+              </a:ext>
+            </a:extLst>
+          </p:cNvPr>
+          <p:cNvSpPr>
+            <a:spLocks noGrp="1"/>
+          </p:cNvSpPr>
+          <p:nvPr>
+            <p:ph type="title"/>
+          </p:nvPr>
+        </p:nvSpPr>
+        <p:spPr/>
+        <p:txBody>
+          <a:bodyPr/>
+          <a:lstStyle/>
+          <a:p>
+            <a:r>
+              <a:rPr lang="en-US" altLang="zh-CN" sz="4000" b="1" i="1" dirty="0">
+                <a:solidFill>
+                  <a:srgbClr val="000000"/>
+                </a:solidFill>
+                <a:effectLst/>
+                <a:latin typeface="Calibri" panose="020F0502020204030204" pitchFamily="34" charset="0"/>
+                <a:ea typeface="等线" panose="02010600030101010101" pitchFamily="2" charset="-122"/>
+                <a:cs typeface="Cambria" panose="02040503050406030204" pitchFamily="18" charset="0"/>
+              </a:rPr>
+              <a:t>Implementation </a:t>
+            </a:r>
+            <a:endParaRPr lang="zh-CN" altLang="en-US" dirty="0"/>
+          </a:p>
+        </p:txBody>
+      </p:sp>
+      <p:pic>
+        <p:nvPicPr>
+          <p:cNvPr id="8" name="内容占位符 7">
+            <a:extLst>
+              <a:ext uri="{FF2B5EF4-FFF2-40B4-BE49-F238E27FC236}">
+                <a16:creationId xmlns:a16="http://schemas.microsoft.com/office/drawing/2014/main" id="{CD9639D0-8996-4B02-9E2A-D2A6A481A401}"/>
+              </a:ext>
+            </a:extLst>
+          </p:cNvPr>
+          <p:cNvPicPr>
+            <a:picLocks noGrp="1" noChangeAspect="1"/>
+          </p:cNvPicPr>
+          <p:nvPr>
+            <p:ph idx="1"/>
+          </p:nvPr>
+        </p:nvPicPr>
+        <p:blipFill>
+          <a:blip r:embed="rId2"/>
+          <a:stretch>
+            <a:fillRect/>
+          </a:stretch>
+        </p:blipFill>
+        <p:spPr>
+          <a:xfrm>
+            <a:off x="1392545" y="1919288"/>
+            <a:ext cx="8959235" cy="4124325"/>
+          </a:xfrm>
+        </p:spPr>
+      </p:pic>
+      <p:sp>
+        <p:nvSpPr>
+          <p:cNvPr id="4" name="页脚占位符 3">
+            <a:extLst>
+              <a:ext uri="{FF2B5EF4-FFF2-40B4-BE49-F238E27FC236}">
+                <a16:creationId xmlns:a16="http://schemas.microsoft.com/office/drawing/2014/main" id="{60E94972-1FE6-4C30-8FC2-16C4D5DF5771}"/>
+              </a:ext>
+            </a:extLst>
+          </p:cNvPr>
+          <p:cNvSpPr>
+            <a:spLocks noGrp="1"/>
+          </p:cNvSpPr>
+          <p:nvPr>
+            <p:ph type="ftr" sz="quarter" idx="11"/>
+          </p:nvPr>
+        </p:nvSpPr>
+        <p:spPr/>
+        <p:txBody>
+          <a:bodyPr/>
+          <a:lstStyle/>
+          <a:p>
+            <a:pPr rtl="0"/>
+            <a:r>
+              <a:rPr lang="zh-CN"/>
+              <a:t>示例页脚文本</a:t>
+            </a:r>
+          </a:p>
+        </p:txBody>
+      </p:sp>
+      <p:sp>
+        <p:nvSpPr>
+          <p:cNvPr id="5" name="日期占位符 4">
+            <a:extLst>
+              <a:ext uri="{FF2B5EF4-FFF2-40B4-BE49-F238E27FC236}">
+                <a16:creationId xmlns:a16="http://schemas.microsoft.com/office/drawing/2014/main" id="{FDD7406E-BD72-4D64-A1BB-32FB95272D70}"/>
+              </a:ext>
+            </a:extLst>
+          </p:cNvPr>
+          <p:cNvSpPr>
+            <a:spLocks noGrp="1"/>
+          </p:cNvSpPr>
+          <p:nvPr>
+            <p:ph type="dt" sz="half" idx="10"/>
+          </p:nvPr>
+        </p:nvSpPr>
+        <p:spPr/>
+        <p:txBody>
+          <a:bodyPr/>
+          <a:lstStyle/>
+          <a:p>
+            <a:pPr rtl="0"/>
+            <a:r>
+              <a:rPr lang="zh-CN" altLang="zh-CN"/>
+              <a:t>20</a:t>
+            </a:r>
+            <a:r>
+              <a:rPr lang="en-US" altLang="zh-CN"/>
+              <a:t>21</a:t>
+            </a:r>
+            <a:r>
+              <a:rPr lang="zh-CN" altLang="zh-CN"/>
+              <a:t>/</a:t>
+            </a:r>
+            <a:r>
+              <a:rPr lang="en-US" altLang="zh-CN"/>
+              <a:t>09</a:t>
+            </a:r>
+            <a:r>
+              <a:rPr lang="zh-CN" altLang="zh-CN"/>
+              <a:t>/</a:t>
+            </a:r>
+            <a:r>
+              <a:rPr lang="en-US" altLang="zh-CN"/>
+              <a:t>01</a:t>
+            </a:r>
+            <a:endParaRPr lang="zh-CN" altLang="zh-CN" dirty="0"/>
+          </a:p>
+        </p:txBody>
+      </p:sp>
+      <p:sp>
+        <p:nvSpPr>
+          <p:cNvPr id="6" name="灯片编号占位符 5">
+            <a:extLst>
+              <a:ext uri="{FF2B5EF4-FFF2-40B4-BE49-F238E27FC236}">
+                <a16:creationId xmlns:a16="http://schemas.microsoft.com/office/drawing/2014/main" id="{5A2838C5-2FB9-4E21-AFB2-6F97036CDB4E}"/>
+              </a:ext>
+            </a:extLst>
+          </p:cNvPr>
+          <p:cNvSpPr>
+            <a:spLocks noGrp="1"/>
+          </p:cNvSpPr>
+          <p:nvPr>
+            <p:ph type="sldNum" sz="quarter" idx="12"/>
+          </p:nvPr>
+        </p:nvSpPr>
+        <p:spPr/>
+        <p:txBody>
+          <a:bodyPr/>
+          <a:lstStyle/>
+          <a:p>
+            <a:pPr rtl="0"/>
+            <a:fld id="{08AB70BE-1769-45B8-85A6-0C837432C7E6}" type="slidenum">
+              <a:rPr lang="en-US" altLang="zh-CN" smtClean="0"/>
+              <a:pPr rtl="0"/>
+              <a:t>14</a:t>
+            </a:fld>
+            <a:endParaRPr lang="zh-CN" dirty="0"/>
+          </a:p>
+        </p:txBody>
+      </p:sp>
+      <p:sp>
+        <p:nvSpPr>
+          <p:cNvPr id="9" name="文本框 8">
+            <a:extLst>
+              <a:ext uri="{FF2B5EF4-FFF2-40B4-BE49-F238E27FC236}">
+                <a16:creationId xmlns:a16="http://schemas.microsoft.com/office/drawing/2014/main" id="{C9BD8C49-4D73-47D4-91BF-09D3F14B9966}"/>
+              </a:ext>
+            </a:extLst>
+          </p:cNvPr>
+          <p:cNvSpPr txBox="1"/>
+          <p:nvPr/>
+        </p:nvSpPr>
+        <p:spPr>
+          <a:xfrm>
+            <a:off x="1392545" y="1677123"/>
+            <a:ext cx="2199448" cy="646331"/>
+          </a:xfrm>
+          <a:prstGeom prst="rect">
+            <a:avLst/>
+          </a:prstGeom>
+          <a:noFill/>
+        </p:spPr>
+        <p:txBody>
+          <a:bodyPr wrap="none" rtlCol="0">
+            <a:spAutoFit/>
+          </a:bodyPr>
+          <a:lstStyle/>
+          <a:p>
+            <a:r>
+              <a:rPr lang="en-US" altLang="zh-CN" sz="1800" dirty="0">
+                <a:solidFill>
+                  <a:srgbClr val="000000"/>
+                </a:solidFill>
+                <a:latin typeface="Calibri" panose="020F0502020204030204" pitchFamily="34" charset="0"/>
+                <a:ea typeface="等线" panose="02010600030101010101" pitchFamily="2" charset="-122"/>
+                <a:cs typeface="Cambria" panose="02040503050406030204" pitchFamily="18" charset="0"/>
+              </a:rPr>
+              <a:t>Team work on </a:t>
+            </a:r>
+            <a:r>
+              <a:rPr lang="en-US" altLang="zh-CN" sz="1800" dirty="0" err="1">
+                <a:solidFill>
+                  <a:srgbClr val="000000"/>
+                </a:solidFill>
+                <a:latin typeface="Calibri" panose="020F0502020204030204" pitchFamily="34" charset="0"/>
+                <a:ea typeface="等线" panose="02010600030101010101" pitchFamily="2" charset="-122"/>
+                <a:cs typeface="Cambria" panose="02040503050406030204" pitchFamily="18" charset="0"/>
+              </a:rPr>
+              <a:t>Github</a:t>
+            </a:r>
+            <a:endParaRPr lang="zh-CN" altLang="zh-CN" sz="1800" dirty="0">
+              <a:solidFill>
+                <a:srgbClr val="000000"/>
+              </a:solidFill>
+              <a:effectLst/>
+              <a:latin typeface="Cambria" panose="02040503050406030204" pitchFamily="18" charset="0"/>
+              <a:ea typeface="等线" panose="02010600030101010101" pitchFamily="2" charset="-122"/>
+              <a:cs typeface="Cambria" panose="02040503050406030204" pitchFamily="18" charset="0"/>
+            </a:endParaRPr>
+          </a:p>
+          <a:p>
+            <a:endParaRPr lang="zh-CN" altLang="en-US" dirty="0"/>
+          </a:p>
+        </p:txBody>
+      </p:sp>
+    </p:spTree>
+    <p:extLst>
+      <p:ext uri="{BB962C8B-B14F-4D97-AF65-F5344CB8AC3E}">
+        <p14:creationId xmlns:p14="http://schemas.microsoft.com/office/powerpoint/2010/main" val="3716051355"/>
+      </p:ext>
+    </p:extLst>
+  </p:cSld>
+  <p:clrMapOvr>
+    <a:masterClrMapping/>
+  </p:clrMapOvr>
+</p:sld>
+</file>
+
+<file path=ppt/slides/slide15.xml><?xml version="1.0" encoding="utf-8"?>
+<p:sld xmlns:a="http://schemas.openxmlformats.org/drawingml/2006/main" xmlns:r="http://schemas.openxmlformats.org/officeDocument/2006/relationships" xmlns:p="http://schemas.openxmlformats.org/presentationml/2006/main">
+  <p:cSld>
+    <p:spTree>
+      <p:nvGrpSpPr>
+        <p:cNvPr id="1" name=""/>
+        <p:cNvGrpSpPr/>
+        <p:nvPr/>
+      </p:nvGrpSpPr>
+      <p:grpSpPr>
+        <a:xfrm>
+          <a:off x="0" y="0"/>
+          <a:ext cx="0" cy="0"/>
+          <a:chOff x="0" y="0"/>
+          <a:chExt cx="0" cy="0"/>
+        </a:xfrm>
+      </p:grpSpPr>
+      <p:sp>
+        <p:nvSpPr>
+          <p:cNvPr id="2" name="标题 1">
+            <a:extLst>
+              <a:ext uri="{FF2B5EF4-FFF2-40B4-BE49-F238E27FC236}">
                 <a16:creationId xmlns:a16="http://schemas.microsoft.com/office/drawing/2014/main" id="{A459A0FD-000E-4BE6-AF65-BB86C656DB23}"/>
               </a:ext>
             </a:extLst>
@@ -20101,7 +20353,7 @@
             <a:fld id="{08AB70BE-1769-45B8-85A6-0C837432C7E6}" type="slidenum">
               <a:rPr lang="en-US" altLang="zh-CN" smtClean="0"/>
               <a:pPr rtl="0"/>
-              <a:t>14</a:t>
+              <a:t>15</a:t>
             </a:fld>
             <a:endParaRPr lang="zh-CN" dirty="0"/>
           </a:p>
@@ -20150,7 +20402,7 @@
 </p:sld>
 </file>
 
-<file path=ppt/slides/slide15.xml><?xml version="1.0" encoding="utf-8"?>
+<file path=ppt/slides/slide16.xml><?xml version="1.0" encoding="utf-8"?>
 <p:sld xmlns:a="http://schemas.openxmlformats.org/drawingml/2006/main" xmlns:r="http://schemas.openxmlformats.org/officeDocument/2006/relationships" xmlns:p="http://schemas.openxmlformats.org/presentationml/2006/main">
   <p:cSld>
     <p:spTree>
@@ -20341,7 +20593,7 @@
             <a:fld id="{08AB70BE-1769-45B8-85A6-0C837432C7E6}" type="slidenum">
               <a:rPr lang="en-US" altLang="zh-CN" smtClean="0"/>
               <a:pPr rtl="0"/>
-              <a:t>15</a:t>
+              <a:t>16</a:t>
             </a:fld>
             <a:endParaRPr lang="zh-CN" dirty="0"/>
           </a:p>
@@ -20390,7 +20642,7 @@
 </p:sld>
 </file>
 
-<file path=ppt/slides/slide16.xml><?xml version="1.0" encoding="utf-8"?>
+<file path=ppt/slides/slide17.xml><?xml version="1.0" encoding="utf-8"?>
 <p:sld xmlns:a="http://schemas.openxmlformats.org/drawingml/2006/main" xmlns:r="http://schemas.openxmlformats.org/officeDocument/2006/relationships" xmlns:p="http://schemas.openxmlformats.org/presentationml/2006/main">
   <p:cSld>
     <p:spTree>
@@ -20574,7 +20826,7 @@
             <a:fld id="{08AB70BE-1769-45B8-85A6-0C837432C7E6}" type="slidenum">
               <a:rPr lang="en-US" altLang="zh-CN" smtClean="0"/>
               <a:pPr rtl="0"/>
-              <a:t>16</a:t>
+              <a:t>17</a:t>
             </a:fld>
             <a:endParaRPr lang="zh-CN" dirty="0"/>
           </a:p>
@@ -20935,7 +21187,7 @@
 </p:sld>
 </file>
 
-<file path=ppt/slides/slide17.xml><?xml version="1.0" encoding="utf-8"?>
+<file path=ppt/slides/slide18.xml><?xml version="1.0" encoding="utf-8"?>
 <p:sld xmlns:a="http://schemas.openxmlformats.org/drawingml/2006/main" xmlns:r="http://schemas.openxmlformats.org/officeDocument/2006/relationships" xmlns:p="http://schemas.openxmlformats.org/presentationml/2006/main">
   <p:cSld>
     <p:spTree>
@@ -21150,7 +21402,7 @@
             <a:fld id="{08AB70BE-1769-45B8-85A6-0C837432C7E6}" type="slidenum">
               <a:rPr lang="en-US" altLang="zh-CN" smtClean="0"/>
               <a:pPr rtl="0"/>
-              <a:t>17</a:t>
+              <a:t>18</a:t>
             </a:fld>
             <a:endParaRPr lang="zh-CN" dirty="0"/>
           </a:p>
@@ -21160,390 +21412,6 @@
     <p:extLst>
       <p:ext uri="{BB962C8B-B14F-4D97-AF65-F5344CB8AC3E}">
         <p14:creationId xmlns:p14="http://schemas.microsoft.com/office/powerpoint/2010/main" val="568354645"/>
-      </p:ext>
-    </p:extLst>
-  </p:cSld>
-  <p:clrMapOvr>
-    <a:masterClrMapping/>
-  </p:clrMapOvr>
-</p:sld>
-</file>
-
-<file path=ppt/slides/slide18.xml><?xml version="1.0" encoding="utf-8"?>
-<p:sld xmlns:a="http://schemas.openxmlformats.org/drawingml/2006/main" xmlns:r="http://schemas.openxmlformats.org/officeDocument/2006/relationships" xmlns:p="http://schemas.openxmlformats.org/presentationml/2006/main">
-  <p:cSld>
-    <p:spTree>
-      <p:nvGrpSpPr>
-        <p:cNvPr id="1" name=""/>
-        <p:cNvGrpSpPr/>
-        <p:nvPr/>
-      </p:nvGrpSpPr>
-      <p:grpSpPr>
-        <a:xfrm>
-          <a:off x="0" y="0"/>
-          <a:ext cx="0" cy="0"/>
-          <a:chOff x="0" y="0"/>
-          <a:chExt cx="0" cy="0"/>
-        </a:xfrm>
-      </p:grpSpPr>
-      <p:sp>
-        <p:nvSpPr>
-          <p:cNvPr id="2" name="标题 1">
-            <a:extLst>
-              <a:ext uri="{FF2B5EF4-FFF2-40B4-BE49-F238E27FC236}">
-                <a16:creationId xmlns:a16="http://schemas.microsoft.com/office/drawing/2014/main" id="{937EC466-2297-4C1B-8079-A514AB8D335D}"/>
-              </a:ext>
-            </a:extLst>
-          </p:cNvPr>
-          <p:cNvSpPr>
-            <a:spLocks noGrp="1"/>
-          </p:cNvSpPr>
-          <p:nvPr>
-            <p:ph type="title"/>
-          </p:nvPr>
-        </p:nvSpPr>
-        <p:spPr>
-          <a:xfrm>
-            <a:off x="914401" y="443553"/>
-            <a:ext cx="9914859" cy="1325880"/>
-          </a:xfrm>
-        </p:spPr>
-        <p:txBody>
-          <a:bodyPr rtlCol="0"/>
-          <a:lstStyle/>
-          <a:p>
-            <a:pPr rtl="0"/>
-            <a:r>
-              <a:rPr lang="en-US" altLang="zh-CN" dirty="0"/>
-              <a:t>Summary and</a:t>
-            </a:r>
-            <a:r>
-              <a:rPr lang="zh-CN" altLang="en-US" dirty="0"/>
-              <a:t> </a:t>
-            </a:r>
-            <a:r>
-              <a:rPr lang="en-US" altLang="zh-CN" dirty="0"/>
-              <a:t>Reference·</a:t>
-            </a:r>
-            <a:endParaRPr lang="zh-CN" dirty="0"/>
-          </a:p>
-        </p:txBody>
-      </p:sp>
-      <p:sp>
-        <p:nvSpPr>
-          <p:cNvPr id="3" name="内容占位符 2">
-            <a:extLst>
-              <a:ext uri="{FF2B5EF4-FFF2-40B4-BE49-F238E27FC236}">
-                <a16:creationId xmlns:a16="http://schemas.microsoft.com/office/drawing/2014/main" id="{6CC87D86-1B97-419B-878E-C18BA725FF0A}"/>
-              </a:ext>
-            </a:extLst>
-          </p:cNvPr>
-          <p:cNvSpPr>
-            <a:spLocks noGrp="1"/>
-          </p:cNvSpPr>
-          <p:nvPr>
-            <p:ph idx="1"/>
-          </p:nvPr>
-        </p:nvSpPr>
-        <p:spPr>
-          <a:xfrm>
-            <a:off x="914400" y="2709080"/>
-            <a:ext cx="5868537" cy="3467881"/>
-          </a:xfrm>
-        </p:spPr>
-        <p:txBody>
-          <a:bodyPr rtlCol="0"/>
-          <a:lstStyle/>
-          <a:p>
-            <a:pPr rtl="0"/>
-            <a:r>
-              <a:rPr lang="en-US" altLang="zh-CN" dirty="0"/>
-              <a:t>Summary:</a:t>
-            </a:r>
-          </a:p>
-          <a:p>
-            <a:pPr rtl="0"/>
-            <a:r>
-              <a:rPr lang="en-US" altLang="zh-CN" dirty="0"/>
-              <a:t>Structure planning.</a:t>
-            </a:r>
-          </a:p>
-          <a:p>
-            <a:pPr rtl="0"/>
-            <a:r>
-              <a:rPr lang="en-US" altLang="zh-CN" dirty="0"/>
-              <a:t>HTML code programming.</a:t>
-            </a:r>
-          </a:p>
-          <a:p>
-            <a:pPr rtl="0"/>
-            <a:r>
-              <a:rPr lang="en-US" altLang="zh-CN" dirty="0"/>
-              <a:t>CSS design.</a:t>
-            </a:r>
-          </a:p>
-          <a:p>
-            <a:pPr rtl="0"/>
-            <a:r>
-              <a:rPr lang="en-US" altLang="zh-CN" dirty="0"/>
-              <a:t>Contents writing.</a:t>
-            </a:r>
-          </a:p>
-          <a:p>
-            <a:pPr rtl="0"/>
-            <a:r>
-              <a:rPr lang="en-US" altLang="zh-CN" dirty="0"/>
-              <a:t>Integrating.</a:t>
-            </a:r>
-          </a:p>
-          <a:p>
-            <a:pPr rtl="0"/>
-            <a:endParaRPr lang="zh-CN" dirty="0"/>
-          </a:p>
-        </p:txBody>
-      </p:sp>
-      <p:pic>
-        <p:nvPicPr>
-          <p:cNvPr id="9" name="图片占位符 8">
-            <a:extLst>
-              <a:ext uri="{FF2B5EF4-FFF2-40B4-BE49-F238E27FC236}">
-                <a16:creationId xmlns:a16="http://schemas.microsoft.com/office/drawing/2014/main" id="{B7D17764-41DE-474B-801F-3A31C13890CC}"/>
-              </a:ext>
-            </a:extLst>
-          </p:cNvPr>
-          <p:cNvPicPr>
-            <a:picLocks noGrp="1" noChangeAspect="1"/>
-          </p:cNvPicPr>
-          <p:nvPr>
-            <p:ph type="pic" sz="quarter" idx="13"/>
-          </p:nvPr>
-        </p:nvPicPr>
-        <p:blipFill>
-          <a:blip r:embed="rId2"/>
-          <a:srcRect l="22644" r="22644"/>
-          <a:stretch/>
-        </p:blipFill>
-        <p:spPr>
-          <a:xfrm>
-            <a:off x="7326184" y="2126134"/>
-            <a:ext cx="2434622" cy="2503056"/>
-          </a:xfrm>
-        </p:spPr>
-      </p:pic>
-      <p:pic>
-        <p:nvPicPr>
-          <p:cNvPr id="11" name="图片占位符 10">
-            <a:extLst>
-              <a:ext uri="{FF2B5EF4-FFF2-40B4-BE49-F238E27FC236}">
-                <a16:creationId xmlns:a16="http://schemas.microsoft.com/office/drawing/2014/main" id="{D47600FE-FF70-4943-A9DC-B1AF91EC0CBC}"/>
-              </a:ext>
-            </a:extLst>
-          </p:cNvPr>
-          <p:cNvPicPr>
-            <a:picLocks noGrp="1" noChangeAspect="1"/>
-          </p:cNvPicPr>
-          <p:nvPr>
-            <p:ph type="pic" sz="quarter" idx="14"/>
-          </p:nvPr>
-        </p:nvPicPr>
-        <p:blipFill>
-          <a:blip r:embed="rId3"/>
-          <a:srcRect t="7664" b="7664"/>
-          <a:stretch/>
-        </p:blipFill>
-        <p:spPr>
-          <a:xfrm>
-            <a:off x="9759092" y="2118839"/>
-            <a:ext cx="2432908" cy="2498880"/>
-          </a:xfrm>
-        </p:spPr>
-      </p:pic>
-      <p:sp>
-        <p:nvSpPr>
-          <p:cNvPr id="17" name="页脚占位符 16">
-            <a:extLst>
-              <a:ext uri="{FF2B5EF4-FFF2-40B4-BE49-F238E27FC236}">
-                <a16:creationId xmlns:a16="http://schemas.microsoft.com/office/drawing/2014/main" id="{7CF31D05-F197-49CC-87BE-4A7FEB81335F}"/>
-              </a:ext>
-            </a:extLst>
-          </p:cNvPr>
-          <p:cNvSpPr>
-            <a:spLocks noGrp="1"/>
-          </p:cNvSpPr>
-          <p:nvPr>
-            <p:ph type="ftr" sz="quarter" idx="11"/>
-          </p:nvPr>
-        </p:nvSpPr>
-        <p:spPr>
-          <a:xfrm>
-            <a:off x="914400" y="6434560"/>
-            <a:ext cx="3428012" cy="365125"/>
-          </a:xfrm>
-        </p:spPr>
-        <p:txBody>
-          <a:bodyPr rtlCol="0"/>
-          <a:lstStyle/>
-          <a:p>
-            <a:pPr rtl="0"/>
-            <a:r>
-              <a:rPr lang="en-US" altLang="zh-CN" dirty="0"/>
-              <a:t>Website Design of John-Abbott College</a:t>
-            </a:r>
-            <a:endParaRPr lang="zh-CN" altLang="zh-CN" dirty="0"/>
-          </a:p>
-        </p:txBody>
-      </p:sp>
-      <p:pic>
-        <p:nvPicPr>
-          <p:cNvPr id="15" name="图片占位符 14">
-            <a:extLst>
-              <a:ext uri="{FF2B5EF4-FFF2-40B4-BE49-F238E27FC236}">
-                <a16:creationId xmlns:a16="http://schemas.microsoft.com/office/drawing/2014/main" id="{0A64F2A4-8811-44F1-825B-9D04590EB45A}"/>
-              </a:ext>
-            </a:extLst>
-          </p:cNvPr>
-          <p:cNvPicPr>
-            <a:picLocks noGrp="1" noChangeAspect="1"/>
-          </p:cNvPicPr>
-          <p:nvPr>
-            <p:ph type="pic" sz="quarter" idx="15"/>
-          </p:nvPr>
-        </p:nvPicPr>
-        <p:blipFill>
-          <a:blip r:embed="rId4"/>
-          <a:srcRect l="22375" r="22375"/>
-          <a:stretch/>
-        </p:blipFill>
-        <p:spPr>
-          <a:xfrm>
-            <a:off x="7324344" y="4503573"/>
-            <a:ext cx="2434622" cy="2354427"/>
-          </a:xfrm>
-        </p:spPr>
-      </p:pic>
-      <p:pic>
-        <p:nvPicPr>
-          <p:cNvPr id="13" name="图片占位符 12">
-            <a:extLst>
-              <a:ext uri="{FF2B5EF4-FFF2-40B4-BE49-F238E27FC236}">
-                <a16:creationId xmlns:a16="http://schemas.microsoft.com/office/drawing/2014/main" id="{38CED09D-01FE-44EB-A655-6EC0819B7094}"/>
-              </a:ext>
-            </a:extLst>
-          </p:cNvPr>
-          <p:cNvPicPr>
-            <a:picLocks noGrp="1" noChangeAspect="1"/>
-          </p:cNvPicPr>
-          <p:nvPr>
-            <p:ph type="pic" sz="quarter" idx="16"/>
-          </p:nvPr>
-        </p:nvPicPr>
-        <p:blipFill>
-          <a:blip r:embed="rId5"/>
-          <a:srcRect t="3598" b="3598"/>
-          <a:stretch/>
-        </p:blipFill>
-        <p:spPr>
-          <a:xfrm>
-            <a:off x="9758966" y="4507560"/>
-            <a:ext cx="2434622" cy="2350439"/>
-          </a:xfrm>
-        </p:spPr>
-      </p:pic>
-      <p:sp>
-        <p:nvSpPr>
-          <p:cNvPr id="16" name="日期占位符 15">
-            <a:extLst>
-              <a:ext uri="{FF2B5EF4-FFF2-40B4-BE49-F238E27FC236}">
-                <a16:creationId xmlns:a16="http://schemas.microsoft.com/office/drawing/2014/main" id="{6D298BC0-D1EE-4B8A-B546-4C8799240D8F}"/>
-              </a:ext>
-            </a:extLst>
-          </p:cNvPr>
-          <p:cNvSpPr>
-            <a:spLocks noGrp="1"/>
-          </p:cNvSpPr>
-          <p:nvPr>
-            <p:ph type="dt" sz="half" idx="10"/>
-          </p:nvPr>
-        </p:nvSpPr>
-        <p:spPr>
-          <a:xfrm>
-            <a:off x="9017000" y="6433202"/>
-            <a:ext cx="2374150" cy="367841"/>
-          </a:xfrm>
-        </p:spPr>
-        <p:txBody>
-          <a:bodyPr rtlCol="0"/>
-          <a:lstStyle/>
-          <a:p>
-            <a:pPr rtl="0"/>
-            <a:r>
-              <a:rPr lang="zh-CN" altLang="zh-CN" dirty="0"/>
-              <a:t>20</a:t>
-            </a:r>
-            <a:r>
-              <a:rPr lang="en-US" altLang="zh-CN" dirty="0"/>
-              <a:t>21</a:t>
-            </a:r>
-            <a:r>
-              <a:rPr lang="zh-CN" altLang="zh-CN" dirty="0"/>
-              <a:t>/</a:t>
-            </a:r>
-            <a:r>
-              <a:rPr lang="en-US" altLang="zh-CN" dirty="0"/>
-              <a:t>09</a:t>
-            </a:r>
-            <a:r>
-              <a:rPr lang="zh-CN" altLang="zh-CN" dirty="0"/>
-              <a:t>/</a:t>
-            </a:r>
-            <a:r>
-              <a:rPr lang="en-US" altLang="zh-CN" dirty="0"/>
-              <a:t>01</a:t>
-            </a:r>
-            <a:endParaRPr lang="zh-CN" altLang="zh-CN" dirty="0"/>
-          </a:p>
-        </p:txBody>
-      </p:sp>
-      <p:sp>
-        <p:nvSpPr>
-          <p:cNvPr id="18" name="灯片编号占位符 17">
-            <a:extLst>
-              <a:ext uri="{FF2B5EF4-FFF2-40B4-BE49-F238E27FC236}">
-                <a16:creationId xmlns:a16="http://schemas.microsoft.com/office/drawing/2014/main" id="{0CFCA4BA-5731-4BC1-9FF7-23403BFA938A}"/>
-              </a:ext>
-            </a:extLst>
-          </p:cNvPr>
-          <p:cNvSpPr>
-            <a:spLocks noGrp="1"/>
-          </p:cNvSpPr>
-          <p:nvPr>
-            <p:ph type="sldNum" sz="quarter" idx="12"/>
-          </p:nvPr>
-        </p:nvSpPr>
-        <p:spPr>
-          <a:xfrm>
-            <a:off x="11391150" y="6433203"/>
-            <a:ext cx="693263" cy="367842"/>
-          </a:xfrm>
-        </p:spPr>
-        <p:txBody>
-          <a:bodyPr rtlCol="0"/>
-          <a:lstStyle/>
-          <a:p>
-            <a:pPr rtl="0"/>
-            <a:fld id="{08AB70BE-1769-45B8-85A6-0C837432C7E6}" type="slidenum">
-              <a:rPr lang="en-US" altLang="zh-CN" smtClean="0"/>
-              <a:pPr rtl="0"/>
-              <a:t>18</a:t>
-            </a:fld>
-            <a:endParaRPr lang="zh-CN" dirty="0"/>
-          </a:p>
-        </p:txBody>
-      </p:sp>
-    </p:spTree>
-    <p:extLst>
-      <p:ext uri="{BB962C8B-B14F-4D97-AF65-F5344CB8AC3E}">
-        <p14:creationId xmlns:p14="http://schemas.microsoft.com/office/powerpoint/2010/main" val="3154595954"/>
       </p:ext>
     </p:extLst>
   </p:cSld>
@@ -21572,10 +21440,10 @@
       </p:grpSpPr>
       <p:sp>
         <p:nvSpPr>
-          <p:cNvPr id="59" name="标题 58">
-            <a:extLst>
-              <a:ext uri="{FF2B5EF4-FFF2-40B4-BE49-F238E27FC236}">
-                <a16:creationId xmlns:a16="http://schemas.microsoft.com/office/drawing/2014/main" id="{FD483A78-48D6-4682-BE37-B2D0C566DB9D}"/>
+          <p:cNvPr id="2" name="标题 1">
+            <a:extLst>
+              <a:ext uri="{FF2B5EF4-FFF2-40B4-BE49-F238E27FC236}">
+                <a16:creationId xmlns:a16="http://schemas.microsoft.com/office/drawing/2014/main" id="{937EC466-2297-4C1B-8079-A514AB8D335D}"/>
               </a:ext>
             </a:extLst>
           </p:cNvPr>
@@ -21588,8 +21456,8 @@
         </p:nvSpPr>
         <p:spPr>
           <a:xfrm>
-            <a:off x="2743200" y="1"/>
-            <a:ext cx="9432315" cy="2198972"/>
+            <a:off x="914401" y="443553"/>
+            <a:ext cx="9914859" cy="1325880"/>
           </a:xfrm>
         </p:spPr>
         <p:txBody>
@@ -21607,18 +21475,91 @@
             </a:r>
             <a:r>
               <a:rPr lang="en-US" altLang="zh-CN" dirty="0"/>
-              <a:t>Reference</a:t>
-            </a:r>
+              <a:t>Reference·</a:t>
+            </a:r>
+            <a:endParaRPr lang="zh-CN" dirty="0"/>
+          </a:p>
+        </p:txBody>
+      </p:sp>
+      <p:sp>
+        <p:nvSpPr>
+          <p:cNvPr id="3" name="内容占位符 2">
+            <a:extLst>
+              <a:ext uri="{FF2B5EF4-FFF2-40B4-BE49-F238E27FC236}">
+                <a16:creationId xmlns:a16="http://schemas.microsoft.com/office/drawing/2014/main" id="{6CC87D86-1B97-419B-878E-C18BA725FF0A}"/>
+              </a:ext>
+            </a:extLst>
+          </p:cNvPr>
+          <p:cNvSpPr>
+            <a:spLocks noGrp="1"/>
+          </p:cNvSpPr>
+          <p:nvPr>
+            <p:ph idx="1"/>
+          </p:nvPr>
+        </p:nvSpPr>
+        <p:spPr>
+          <a:xfrm>
+            <a:off x="914400" y="2709080"/>
+            <a:ext cx="5868537" cy="3467881"/>
+          </a:xfrm>
+        </p:spPr>
+        <p:txBody>
+          <a:bodyPr rtlCol="0"/>
+          <a:lstStyle/>
+          <a:p>
+            <a:pPr rtl="0"/>
+            <a:r>
+              <a:rPr lang="en-US" altLang="zh-CN" dirty="0"/>
+              <a:t>Summary:</a:t>
+            </a:r>
+          </a:p>
+          <a:p>
+            <a:pPr rtl="0"/>
+            <a:r>
+              <a:rPr lang="en-US" altLang="zh-CN" dirty="0"/>
+              <a:t>Structure planning.</a:t>
+            </a:r>
+          </a:p>
+          <a:p>
+            <a:pPr rtl="0"/>
+            <a:r>
+              <a:rPr lang="en-US" altLang="zh-CN" dirty="0"/>
+              <a:t>HTML code programming.</a:t>
+            </a:r>
+          </a:p>
+          <a:p>
+            <a:pPr rtl="0"/>
+            <a:r>
+              <a:rPr lang="en-US" altLang="zh-CN" dirty="0"/>
+              <a:t>CSS design.</a:t>
+            </a:r>
+          </a:p>
+          <a:p>
+            <a:pPr rtl="0"/>
+            <a:r>
+              <a:rPr lang="en-US" altLang="zh-CN" dirty="0"/>
+              <a:t>Contents writing.</a:t>
+            </a:r>
+          </a:p>
+          <a:p>
+            <a:pPr rtl="0"/>
+            <a:r>
+              <a:rPr lang="en-US" altLang="zh-CN" dirty="0"/>
+              <a:t>Integrating.</a:t>
+            </a:r>
+          </a:p>
+          <a:p>
+            <a:pPr rtl="0"/>
             <a:endParaRPr lang="zh-CN" dirty="0"/>
           </a:p>
         </p:txBody>
       </p:sp>
       <p:pic>
         <p:nvPicPr>
-          <p:cNvPr id="8" name="图片占位符 7">
-            <a:extLst>
-              <a:ext uri="{FF2B5EF4-FFF2-40B4-BE49-F238E27FC236}">
-                <a16:creationId xmlns:a16="http://schemas.microsoft.com/office/drawing/2014/main" id="{1424FF41-F655-4118-95E4-CC03D489668A}"/>
+          <p:cNvPr id="9" name="图片占位符 8">
+            <a:extLst>
+              <a:ext uri="{FF2B5EF4-FFF2-40B4-BE49-F238E27FC236}">
+                <a16:creationId xmlns:a16="http://schemas.microsoft.com/office/drawing/2014/main" id="{B7D17764-41DE-474B-801F-3A31C13890CC}"/>
               </a:ext>
             </a:extLst>
           </p:cNvPr>
@@ -21631,22 +21572,22 @@
         </p:nvPicPr>
         <p:blipFill>
           <a:blip r:embed="rId2"/>
-          <a:srcRect l="25079" r="25079"/>
+          <a:srcRect l="22644" r="22644"/>
           <a:stretch/>
         </p:blipFill>
         <p:spPr>
           <a:xfrm>
-            <a:off x="-16483" y="0"/>
-            <a:ext cx="2773332" cy="2202508"/>
+            <a:off x="7326184" y="2126134"/>
+            <a:ext cx="2434622" cy="2503056"/>
           </a:xfrm>
         </p:spPr>
       </p:pic>
       <p:pic>
         <p:nvPicPr>
-          <p:cNvPr id="10" name="图片占位符 9">
-            <a:extLst>
-              <a:ext uri="{FF2B5EF4-FFF2-40B4-BE49-F238E27FC236}">
-                <a16:creationId xmlns:a16="http://schemas.microsoft.com/office/drawing/2014/main" id="{9CB36CBF-780F-44BF-90F7-7C2E32629CB9}"/>
+          <p:cNvPr id="11" name="图片占位符 10">
+            <a:extLst>
+              <a:ext uri="{FF2B5EF4-FFF2-40B4-BE49-F238E27FC236}">
+                <a16:creationId xmlns:a16="http://schemas.microsoft.com/office/drawing/2014/main" id="{D47600FE-FF70-4943-A9DC-B1AF91EC0CBC}"/>
               </a:ext>
             </a:extLst>
           </p:cNvPr>
@@ -21659,22 +21600,57 @@
         </p:nvPicPr>
         <p:blipFill>
           <a:blip r:embed="rId3"/>
-          <a:srcRect t="15404" b="15404"/>
+          <a:srcRect t="7664" b="7664"/>
           <a:stretch/>
         </p:blipFill>
         <p:spPr>
           <a:xfrm>
-            <a:off x="-16484" y="2202508"/>
-            <a:ext cx="2773332" cy="2327746"/>
+            <a:off x="9759092" y="2118839"/>
+            <a:ext cx="2432908" cy="2498880"/>
           </a:xfrm>
         </p:spPr>
       </p:pic>
+      <p:sp>
+        <p:nvSpPr>
+          <p:cNvPr id="17" name="页脚占位符 16">
+            <a:extLst>
+              <a:ext uri="{FF2B5EF4-FFF2-40B4-BE49-F238E27FC236}">
+                <a16:creationId xmlns:a16="http://schemas.microsoft.com/office/drawing/2014/main" id="{7CF31D05-F197-49CC-87BE-4A7FEB81335F}"/>
+              </a:ext>
+            </a:extLst>
+          </p:cNvPr>
+          <p:cNvSpPr>
+            <a:spLocks noGrp="1"/>
+          </p:cNvSpPr>
+          <p:nvPr>
+            <p:ph type="ftr" sz="quarter" idx="11"/>
+          </p:nvPr>
+        </p:nvSpPr>
+        <p:spPr>
+          <a:xfrm>
+            <a:off x="914400" y="6434560"/>
+            <a:ext cx="3428012" cy="365125"/>
+          </a:xfrm>
+        </p:spPr>
+        <p:txBody>
+          <a:bodyPr rtlCol="0"/>
+          <a:lstStyle/>
+          <a:p>
+            <a:pPr rtl="0"/>
+            <a:r>
+              <a:rPr lang="en-US" altLang="zh-CN" dirty="0"/>
+              <a:t>Website Design of John-Abbott College</a:t>
+            </a:r>
+            <a:endParaRPr lang="zh-CN" altLang="zh-CN" dirty="0"/>
+          </a:p>
+        </p:txBody>
+      </p:sp>
       <p:pic>
         <p:nvPicPr>
-          <p:cNvPr id="12" name="图片占位符 11">
-            <a:extLst>
-              <a:ext uri="{FF2B5EF4-FFF2-40B4-BE49-F238E27FC236}">
-                <a16:creationId xmlns:a16="http://schemas.microsoft.com/office/drawing/2014/main" id="{09C1E283-54F6-4BE3-BD4B-B4C5888D08CC}"/>
+          <p:cNvPr id="15" name="图片占位符 14">
+            <a:extLst>
+              <a:ext uri="{FF2B5EF4-FFF2-40B4-BE49-F238E27FC236}">
+                <a16:creationId xmlns:a16="http://schemas.microsoft.com/office/drawing/2014/main" id="{0A64F2A4-8811-44F1-825B-9D04590EB45A}"/>
               </a:ext>
             </a:extLst>
           </p:cNvPr>
@@ -21687,289 +21663,50 @@
         </p:nvPicPr>
         <p:blipFill>
           <a:blip r:embed="rId4"/>
-          <a:srcRect t="15404" b="15404"/>
+          <a:srcRect l="22375" r="22375"/>
           <a:stretch/>
         </p:blipFill>
         <p:spPr>
           <a:xfrm>
-            <a:off x="-16484" y="4530254"/>
-            <a:ext cx="2773332" cy="2327746"/>
+            <a:off x="7324344" y="4503573"/>
+            <a:ext cx="2434622" cy="2354427"/>
+          </a:xfrm>
+        </p:spPr>
+      </p:pic>
+      <p:pic>
+        <p:nvPicPr>
+          <p:cNvPr id="13" name="图片占位符 12">
+            <a:extLst>
+              <a:ext uri="{FF2B5EF4-FFF2-40B4-BE49-F238E27FC236}">
+                <a16:creationId xmlns:a16="http://schemas.microsoft.com/office/drawing/2014/main" id="{38CED09D-01FE-44EB-A655-6EC0819B7094}"/>
+              </a:ext>
+            </a:extLst>
+          </p:cNvPr>
+          <p:cNvPicPr>
+            <a:picLocks noGrp="1" noChangeAspect="1"/>
+          </p:cNvPicPr>
+          <p:nvPr>
+            <p:ph type="pic" sz="quarter" idx="16"/>
+          </p:nvPr>
+        </p:nvPicPr>
+        <p:blipFill>
+          <a:blip r:embed="rId5"/>
+          <a:srcRect t="3598" b="3598"/>
+          <a:stretch/>
+        </p:blipFill>
+        <p:spPr>
+          <a:xfrm>
+            <a:off x="9758966" y="4507560"/>
+            <a:ext cx="2434622" cy="2350439"/>
           </a:xfrm>
         </p:spPr>
       </p:pic>
       <p:sp>
         <p:nvSpPr>
-          <p:cNvPr id="3" name="内容占位符 2">
-            <a:extLst>
-              <a:ext uri="{FF2B5EF4-FFF2-40B4-BE49-F238E27FC236}">
-                <a16:creationId xmlns:a16="http://schemas.microsoft.com/office/drawing/2014/main" id="{42AFE50A-6F33-40AD-9446-D7F6D1B310CF}"/>
-              </a:ext>
-            </a:extLst>
-          </p:cNvPr>
-          <p:cNvSpPr>
-            <a:spLocks noGrp="1"/>
-          </p:cNvSpPr>
-          <p:nvPr>
-            <p:ph idx="1"/>
-          </p:nvPr>
-        </p:nvSpPr>
-        <p:spPr>
-          <a:xfrm>
-            <a:off x="3352800" y="2794177"/>
-            <a:ext cx="7476460" cy="3382786"/>
-          </a:xfrm>
-        </p:spPr>
-        <p:txBody>
-          <a:bodyPr rtlCol="0"/>
-          <a:lstStyle/>
-          <a:p>
-            <a:pPr>
-              <a:lnSpc>
-                <a:spcPct val="115000"/>
-              </a:lnSpc>
-            </a:pPr>
-            <a:r>
-              <a:rPr lang="en-US" altLang="zh-CN" sz="1800" dirty="0">
-                <a:solidFill>
-                  <a:srgbClr val="000000"/>
-                </a:solidFill>
-                <a:effectLst/>
-                <a:latin typeface="Calibri" panose="020F0502020204030204" pitchFamily="34" charset="0"/>
-                <a:ea typeface="等线" panose="02010600030101010101" pitchFamily="2" charset="-122"/>
-                <a:cs typeface="Cambria" panose="02040503050406030204" pitchFamily="18" charset="0"/>
-              </a:rPr>
-              <a:t>1. </a:t>
-            </a:r>
-            <a:r>
-              <a:rPr lang="en-US" altLang="zh-CN" sz="1600" b="0" i="0" u="none" strike="noStrike" dirty="0">
-                <a:solidFill>
-                  <a:srgbClr val="626675"/>
-                </a:solidFill>
-                <a:effectLst/>
-                <a:latin typeface="Arial" panose="020B0604020202020204" pitchFamily="34" charset="0"/>
-                <a:hlinkClick r:id="rId5"/>
-              </a:rPr>
-              <a:t>jnwl.jinan.gov.cn</a:t>
-            </a:r>
-            <a:endParaRPr lang="en-US" altLang="zh-CN" sz="1600" b="0" i="0" u="none" strike="noStrike" dirty="0">
-              <a:solidFill>
-                <a:srgbClr val="626675"/>
-              </a:solidFill>
-              <a:effectLst/>
-              <a:latin typeface="Arial" panose="020B0604020202020204" pitchFamily="34" charset="0"/>
-            </a:endParaRPr>
-          </a:p>
-          <a:p>
-            <a:pPr>
-              <a:lnSpc>
-                <a:spcPct val="115000"/>
-              </a:lnSpc>
-            </a:pPr>
-            <a:r>
-              <a:rPr lang="en-US" altLang="zh-CN" sz="1800" dirty="0">
-                <a:solidFill>
-                  <a:srgbClr val="000000"/>
-                </a:solidFill>
-                <a:effectLst/>
-                <a:latin typeface="Calibri" panose="020F0502020204030204" pitchFamily="34" charset="0"/>
-                <a:ea typeface="等线" panose="02010600030101010101" pitchFamily="2" charset="-122"/>
-                <a:cs typeface="Cambria" panose="02040503050406030204" pitchFamily="18" charset="0"/>
-              </a:rPr>
-              <a:t>2. </a:t>
-            </a:r>
-            <a:r>
-              <a:rPr lang="en-US" altLang="zh-CN" sz="1800" u="sng" dirty="0">
-                <a:solidFill>
-                  <a:srgbClr val="000000"/>
-                </a:solidFill>
-                <a:effectLst/>
-                <a:latin typeface="Calibri" panose="020F0502020204030204" pitchFamily="34" charset="0"/>
-                <a:ea typeface="等线" panose="02010600030101010101" pitchFamily="2" charset="-122"/>
-                <a:cs typeface="Cambria" panose="02040503050406030204" pitchFamily="18" charset="0"/>
-                <a:hlinkClick r:id="rId6"/>
-              </a:rPr>
-              <a:t>www.xiameng.com</a:t>
-            </a:r>
-            <a:endParaRPr lang="zh-CN" altLang="zh-CN" sz="1800" dirty="0">
-              <a:solidFill>
-                <a:srgbClr val="000000"/>
-              </a:solidFill>
-              <a:effectLst/>
-              <a:latin typeface="Cambria" panose="02040503050406030204" pitchFamily="18" charset="0"/>
-              <a:ea typeface="等线" panose="02010600030101010101" pitchFamily="2" charset="-122"/>
-              <a:cs typeface="Cambria" panose="02040503050406030204" pitchFamily="18" charset="0"/>
-            </a:endParaRPr>
-          </a:p>
-          <a:p>
-            <a:pPr>
-              <a:lnSpc>
-                <a:spcPct val="115000"/>
-              </a:lnSpc>
-            </a:pPr>
-            <a:r>
-              <a:rPr lang="en-US" altLang="zh-CN" sz="1800" dirty="0">
-                <a:solidFill>
-                  <a:srgbClr val="000000"/>
-                </a:solidFill>
-                <a:effectLst/>
-                <a:latin typeface="Calibri" panose="020F0502020204030204" pitchFamily="34" charset="0"/>
-                <a:ea typeface="等线" panose="02010600030101010101" pitchFamily="2" charset="-122"/>
-                <a:cs typeface="Cambria" panose="02040503050406030204" pitchFamily="18" charset="0"/>
-              </a:rPr>
-              <a:t>3. </a:t>
-            </a:r>
-            <a:r>
-              <a:rPr lang="en-US" altLang="zh-CN" sz="1800" dirty="0">
-                <a:solidFill>
-                  <a:srgbClr val="000000"/>
-                </a:solidFill>
-                <a:effectLst/>
-                <a:latin typeface="Calibri" panose="020F0502020204030204" pitchFamily="34" charset="0"/>
-                <a:ea typeface="等线" panose="02010600030101010101" pitchFamily="2" charset="-122"/>
-                <a:cs typeface="Cambria" panose="02040503050406030204" pitchFamily="18" charset="0"/>
-                <a:hlinkClick r:id="rId7"/>
-              </a:rPr>
-              <a:t>http://www.visitxm.com</a:t>
-            </a:r>
-            <a:endParaRPr lang="en-US" altLang="zh-CN" sz="1800" dirty="0">
-              <a:solidFill>
-                <a:srgbClr val="000000"/>
-              </a:solidFill>
-              <a:effectLst/>
-              <a:latin typeface="Calibri" panose="020F0502020204030204" pitchFamily="34" charset="0"/>
-              <a:ea typeface="等线" panose="02010600030101010101" pitchFamily="2" charset="-122"/>
-              <a:cs typeface="Cambria" panose="02040503050406030204" pitchFamily="18" charset="0"/>
-            </a:endParaRPr>
-          </a:p>
-          <a:p>
-            <a:pPr>
-              <a:lnSpc>
-                <a:spcPct val="115000"/>
-              </a:lnSpc>
-            </a:pPr>
-            <a:r>
-              <a:rPr lang="en-US" altLang="zh-CN" sz="1800" dirty="0">
-                <a:solidFill>
-                  <a:srgbClr val="000000"/>
-                </a:solidFill>
-                <a:effectLst/>
-                <a:latin typeface="Calibri" panose="020F0502020204030204" pitchFamily="34" charset="0"/>
-                <a:ea typeface="等线" panose="02010600030101010101" pitchFamily="2" charset="-122"/>
-                <a:cs typeface="Cambria" panose="02040503050406030204" pitchFamily="18" charset="0"/>
-              </a:rPr>
-              <a:t>4. </a:t>
-            </a:r>
-            <a:r>
-              <a:rPr lang="en-US" altLang="zh-CN" sz="1800" dirty="0">
-                <a:solidFill>
-                  <a:srgbClr val="000000"/>
-                </a:solidFill>
-                <a:effectLst/>
-                <a:latin typeface="Calibri" panose="020F0502020204030204" pitchFamily="34" charset="0"/>
-                <a:ea typeface="等线" panose="02010600030101010101" pitchFamily="2" charset="-122"/>
-                <a:cs typeface="Cambria" panose="02040503050406030204" pitchFamily="18" charset="0"/>
-                <a:hlinkClick r:id="rId8"/>
-              </a:rPr>
-              <a:t>www.dunhuangtour.com</a:t>
-            </a:r>
-            <a:endParaRPr lang="en-US" altLang="zh-CN" sz="1800" dirty="0">
-              <a:solidFill>
-                <a:srgbClr val="000000"/>
-              </a:solidFill>
-              <a:effectLst/>
-              <a:latin typeface="Calibri" panose="020F0502020204030204" pitchFamily="34" charset="0"/>
-              <a:ea typeface="等线" panose="02010600030101010101" pitchFamily="2" charset="-122"/>
-              <a:cs typeface="Cambria" panose="02040503050406030204" pitchFamily="18" charset="0"/>
-            </a:endParaRPr>
-          </a:p>
-          <a:p>
-            <a:pPr algn="l"/>
-            <a:r>
-              <a:rPr lang="en-US" altLang="zh-CN" sz="1800" dirty="0">
-                <a:solidFill>
-                  <a:srgbClr val="000000"/>
-                </a:solidFill>
-                <a:latin typeface="Calibri" panose="020F0502020204030204" pitchFamily="34" charset="0"/>
-                <a:ea typeface="等线" panose="02010600030101010101" pitchFamily="2" charset="-122"/>
-                <a:cs typeface="Cambria" panose="02040503050406030204" pitchFamily="18" charset="0"/>
-              </a:rPr>
-              <a:t>5. </a:t>
-            </a:r>
-            <a:r>
-              <a:rPr lang="it-IT" altLang="zh-CN" sz="1600" b="0" i="0" u="none" strike="noStrike" dirty="0">
-                <a:solidFill>
-                  <a:srgbClr val="202124"/>
-                </a:solidFill>
-                <a:effectLst/>
-                <a:latin typeface="arial" panose="020B0604020202020204" pitchFamily="34" charset="0"/>
-                <a:hlinkClick r:id="rId9"/>
-              </a:rPr>
-              <a:t>www.w3schools.com</a:t>
-            </a:r>
-            <a:endParaRPr lang="it-IT" altLang="zh-CN" sz="1600" b="0" i="0" u="none" strike="noStrike" dirty="0">
-              <a:solidFill>
-                <a:srgbClr val="1A0DAB"/>
-              </a:solidFill>
-              <a:effectLst/>
-              <a:latin typeface="arial" panose="020B0604020202020204" pitchFamily="34" charset="0"/>
-              <a:hlinkClick r:id="rId9"/>
-            </a:endParaRPr>
-          </a:p>
-          <a:p>
-            <a:pPr rtl="0"/>
-            <a:endParaRPr lang="zh-CN" dirty="0"/>
-          </a:p>
-        </p:txBody>
-      </p:sp>
-      <p:sp>
-        <p:nvSpPr>
-          <p:cNvPr id="14" name="页脚占位符 13">
-            <a:extLst>
-              <a:ext uri="{FF2B5EF4-FFF2-40B4-BE49-F238E27FC236}">
-                <a16:creationId xmlns:a16="http://schemas.microsoft.com/office/drawing/2014/main" id="{F2598B45-0899-4C64-A088-FE0583534F45}"/>
-              </a:ext>
-            </a:extLst>
-          </p:cNvPr>
-          <p:cNvSpPr>
-            <a:spLocks noGrp="1"/>
-          </p:cNvSpPr>
-          <p:nvPr>
-            <p:ph type="ftr" sz="quarter" idx="11"/>
-          </p:nvPr>
-        </p:nvSpPr>
-        <p:spPr>
-          <a:xfrm>
-            <a:off x="2756848" y="6349239"/>
-            <a:ext cx="3428012" cy="365125"/>
-          </a:xfrm>
-        </p:spPr>
-        <p:txBody>
-          <a:bodyPr rtlCol="0"/>
-          <a:lstStyle/>
-          <a:p>
-            <a:pPr rtl="0"/>
-            <a:r>
-              <a:rPr lang="en-US" altLang="zh-CN" dirty="0">
-                <a:solidFill>
-                  <a:schemeClr val="tx1"/>
-                </a:solidFill>
-              </a:rPr>
-              <a:t>Website Design of John-Abbott College</a:t>
-            </a:r>
-            <a:endParaRPr lang="zh-CN" altLang="zh-CN" dirty="0">
-              <a:solidFill>
-                <a:schemeClr val="tx1"/>
-              </a:solidFill>
-            </a:endParaRPr>
-          </a:p>
-        </p:txBody>
-      </p:sp>
-      <p:sp>
-        <p:nvSpPr>
-          <p:cNvPr id="13" name="日期占位符 12">
-            <a:extLst>
-              <a:ext uri="{FF2B5EF4-FFF2-40B4-BE49-F238E27FC236}">
-                <a16:creationId xmlns:a16="http://schemas.microsoft.com/office/drawing/2014/main" id="{A3967E21-B2F3-45A0-8DC7-5AA3CCC51699}"/>
+          <p:cNvPr id="16" name="日期占位符 15">
+            <a:extLst>
+              <a:ext uri="{FF2B5EF4-FFF2-40B4-BE49-F238E27FC236}">
+                <a16:creationId xmlns:a16="http://schemas.microsoft.com/office/drawing/2014/main" id="{6D298BC0-D1EE-4B8A-B546-4C8799240D8F}"/>
               </a:ext>
             </a:extLst>
           </p:cNvPr>
@@ -22021,10 +21758,10 @@
       </p:sp>
       <p:sp>
         <p:nvSpPr>
-          <p:cNvPr id="15" name="灯片编号占位符 14">
-            <a:extLst>
-              <a:ext uri="{FF2B5EF4-FFF2-40B4-BE49-F238E27FC236}">
-                <a16:creationId xmlns:a16="http://schemas.microsoft.com/office/drawing/2014/main" id="{E87B0019-071E-4C19-9139-35D5377D2C85}"/>
+          <p:cNvPr id="18" name="灯片编号占位符 17">
+            <a:extLst>
+              <a:ext uri="{FF2B5EF4-FFF2-40B4-BE49-F238E27FC236}">
+                <a16:creationId xmlns:a16="http://schemas.microsoft.com/office/drawing/2014/main" id="{0CFCA4BA-5731-4BC1-9FF7-23403BFA938A}"/>
               </a:ext>
             </a:extLst>
           </p:cNvPr>
@@ -22058,7 +21795,7 @@
     </p:spTree>
     <p:extLst>
       <p:ext uri="{BB962C8B-B14F-4D97-AF65-F5344CB8AC3E}">
-        <p14:creationId xmlns:p14="http://schemas.microsoft.com/office/powerpoint/2010/main" val="162092071"/>
+        <p14:creationId xmlns:p14="http://schemas.microsoft.com/office/powerpoint/2010/main" val="3154595954"/>
       </p:ext>
     </p:extLst>
   </p:cSld>
@@ -22468,6 +22205,521 @@
       </p:grpSpPr>
       <p:sp>
         <p:nvSpPr>
+          <p:cNvPr id="59" name="标题 58">
+            <a:extLst>
+              <a:ext uri="{FF2B5EF4-FFF2-40B4-BE49-F238E27FC236}">
+                <a16:creationId xmlns:a16="http://schemas.microsoft.com/office/drawing/2014/main" id="{FD483A78-48D6-4682-BE37-B2D0C566DB9D}"/>
+              </a:ext>
+            </a:extLst>
+          </p:cNvPr>
+          <p:cNvSpPr>
+            <a:spLocks noGrp="1"/>
+          </p:cNvSpPr>
+          <p:nvPr>
+            <p:ph type="title"/>
+          </p:nvPr>
+        </p:nvSpPr>
+        <p:spPr>
+          <a:xfrm>
+            <a:off x="2743200" y="1"/>
+            <a:ext cx="9432315" cy="2198972"/>
+          </a:xfrm>
+        </p:spPr>
+        <p:txBody>
+          <a:bodyPr rtlCol="0"/>
+          <a:lstStyle/>
+          <a:p>
+            <a:pPr rtl="0"/>
+            <a:r>
+              <a:rPr lang="en-US" altLang="zh-CN" dirty="0"/>
+              <a:t>Summary and</a:t>
+            </a:r>
+            <a:r>
+              <a:rPr lang="zh-CN" altLang="en-US" dirty="0"/>
+              <a:t> </a:t>
+            </a:r>
+            <a:r>
+              <a:rPr lang="en-US" altLang="zh-CN" dirty="0"/>
+              <a:t>Reference</a:t>
+            </a:r>
+            <a:endParaRPr lang="zh-CN" dirty="0"/>
+          </a:p>
+        </p:txBody>
+      </p:sp>
+      <p:pic>
+        <p:nvPicPr>
+          <p:cNvPr id="8" name="图片占位符 7">
+            <a:extLst>
+              <a:ext uri="{FF2B5EF4-FFF2-40B4-BE49-F238E27FC236}">
+                <a16:creationId xmlns:a16="http://schemas.microsoft.com/office/drawing/2014/main" id="{1424FF41-F655-4118-95E4-CC03D489668A}"/>
+              </a:ext>
+            </a:extLst>
+          </p:cNvPr>
+          <p:cNvPicPr>
+            <a:picLocks noGrp="1" noChangeAspect="1"/>
+          </p:cNvPicPr>
+          <p:nvPr>
+            <p:ph type="pic" sz="quarter" idx="13"/>
+          </p:nvPr>
+        </p:nvPicPr>
+        <p:blipFill>
+          <a:blip r:embed="rId2"/>
+          <a:srcRect l="25079" r="25079"/>
+          <a:stretch/>
+        </p:blipFill>
+        <p:spPr>
+          <a:xfrm>
+            <a:off x="-16483" y="0"/>
+            <a:ext cx="2773332" cy="2202508"/>
+          </a:xfrm>
+        </p:spPr>
+      </p:pic>
+      <p:pic>
+        <p:nvPicPr>
+          <p:cNvPr id="10" name="图片占位符 9">
+            <a:extLst>
+              <a:ext uri="{FF2B5EF4-FFF2-40B4-BE49-F238E27FC236}">
+                <a16:creationId xmlns:a16="http://schemas.microsoft.com/office/drawing/2014/main" id="{9CB36CBF-780F-44BF-90F7-7C2E32629CB9}"/>
+              </a:ext>
+            </a:extLst>
+          </p:cNvPr>
+          <p:cNvPicPr>
+            <a:picLocks noGrp="1" noChangeAspect="1"/>
+          </p:cNvPicPr>
+          <p:nvPr>
+            <p:ph type="pic" sz="quarter" idx="14"/>
+          </p:nvPr>
+        </p:nvPicPr>
+        <p:blipFill>
+          <a:blip r:embed="rId3"/>
+          <a:srcRect t="15404" b="15404"/>
+          <a:stretch/>
+        </p:blipFill>
+        <p:spPr>
+          <a:xfrm>
+            <a:off x="-16484" y="2202508"/>
+            <a:ext cx="2773332" cy="2327746"/>
+          </a:xfrm>
+        </p:spPr>
+      </p:pic>
+      <p:pic>
+        <p:nvPicPr>
+          <p:cNvPr id="12" name="图片占位符 11">
+            <a:extLst>
+              <a:ext uri="{FF2B5EF4-FFF2-40B4-BE49-F238E27FC236}">
+                <a16:creationId xmlns:a16="http://schemas.microsoft.com/office/drawing/2014/main" id="{09C1E283-54F6-4BE3-BD4B-B4C5888D08CC}"/>
+              </a:ext>
+            </a:extLst>
+          </p:cNvPr>
+          <p:cNvPicPr>
+            <a:picLocks noGrp="1" noChangeAspect="1"/>
+          </p:cNvPicPr>
+          <p:nvPr>
+            <p:ph type="pic" sz="quarter" idx="15"/>
+          </p:nvPr>
+        </p:nvPicPr>
+        <p:blipFill>
+          <a:blip r:embed="rId4"/>
+          <a:srcRect t="15404" b="15404"/>
+          <a:stretch/>
+        </p:blipFill>
+        <p:spPr>
+          <a:xfrm>
+            <a:off x="-16484" y="4530254"/>
+            <a:ext cx="2773332" cy="2327746"/>
+          </a:xfrm>
+        </p:spPr>
+      </p:pic>
+      <p:sp>
+        <p:nvSpPr>
+          <p:cNvPr id="3" name="内容占位符 2">
+            <a:extLst>
+              <a:ext uri="{FF2B5EF4-FFF2-40B4-BE49-F238E27FC236}">
+                <a16:creationId xmlns:a16="http://schemas.microsoft.com/office/drawing/2014/main" id="{42AFE50A-6F33-40AD-9446-D7F6D1B310CF}"/>
+              </a:ext>
+            </a:extLst>
+          </p:cNvPr>
+          <p:cNvSpPr>
+            <a:spLocks noGrp="1"/>
+          </p:cNvSpPr>
+          <p:nvPr>
+            <p:ph idx="1"/>
+          </p:nvPr>
+        </p:nvSpPr>
+        <p:spPr>
+          <a:xfrm>
+            <a:off x="3352800" y="2794177"/>
+            <a:ext cx="7476460" cy="3382786"/>
+          </a:xfrm>
+        </p:spPr>
+        <p:txBody>
+          <a:bodyPr rtlCol="0"/>
+          <a:lstStyle/>
+          <a:p>
+            <a:pPr>
+              <a:lnSpc>
+                <a:spcPct val="115000"/>
+              </a:lnSpc>
+            </a:pPr>
+            <a:r>
+              <a:rPr lang="en-US" altLang="zh-CN" sz="1800" dirty="0">
+                <a:solidFill>
+                  <a:srgbClr val="000000"/>
+                </a:solidFill>
+                <a:effectLst/>
+                <a:latin typeface="Calibri" panose="020F0502020204030204" pitchFamily="34" charset="0"/>
+                <a:ea typeface="等线" panose="02010600030101010101" pitchFamily="2" charset="-122"/>
+                <a:cs typeface="Cambria" panose="02040503050406030204" pitchFamily="18" charset="0"/>
+              </a:rPr>
+              <a:t>1. </a:t>
+            </a:r>
+            <a:r>
+              <a:rPr lang="en-US" altLang="zh-CN" sz="1600" b="0" i="0" u="none" strike="noStrike" dirty="0">
+                <a:solidFill>
+                  <a:srgbClr val="626675"/>
+                </a:solidFill>
+                <a:effectLst/>
+                <a:latin typeface="Arial" panose="020B0604020202020204" pitchFamily="34" charset="0"/>
+                <a:hlinkClick r:id="rId5"/>
+              </a:rPr>
+              <a:t>jnwl.jinan.gov.cn</a:t>
+            </a:r>
+            <a:endParaRPr lang="en-US" altLang="zh-CN" sz="1600" b="0" i="0" u="none" strike="noStrike" dirty="0">
+              <a:solidFill>
+                <a:srgbClr val="626675"/>
+              </a:solidFill>
+              <a:effectLst/>
+              <a:latin typeface="Arial" panose="020B0604020202020204" pitchFamily="34" charset="0"/>
+            </a:endParaRPr>
+          </a:p>
+          <a:p>
+            <a:pPr>
+              <a:lnSpc>
+                <a:spcPct val="115000"/>
+              </a:lnSpc>
+            </a:pPr>
+            <a:r>
+              <a:rPr lang="en-US" altLang="zh-CN" sz="1800" dirty="0">
+                <a:solidFill>
+                  <a:srgbClr val="000000"/>
+                </a:solidFill>
+                <a:effectLst/>
+                <a:latin typeface="Calibri" panose="020F0502020204030204" pitchFamily="34" charset="0"/>
+                <a:ea typeface="等线" panose="02010600030101010101" pitchFamily="2" charset="-122"/>
+                <a:cs typeface="Cambria" panose="02040503050406030204" pitchFamily="18" charset="0"/>
+              </a:rPr>
+              <a:t>2. </a:t>
+            </a:r>
+            <a:r>
+              <a:rPr lang="en-US" altLang="zh-CN" sz="1800" u="sng" dirty="0">
+                <a:solidFill>
+                  <a:srgbClr val="000000"/>
+                </a:solidFill>
+                <a:effectLst/>
+                <a:latin typeface="Calibri" panose="020F0502020204030204" pitchFamily="34" charset="0"/>
+                <a:ea typeface="等线" panose="02010600030101010101" pitchFamily="2" charset="-122"/>
+                <a:cs typeface="Cambria" panose="02040503050406030204" pitchFamily="18" charset="0"/>
+                <a:hlinkClick r:id="rId6"/>
+              </a:rPr>
+              <a:t>www.xiameng.com</a:t>
+            </a:r>
+            <a:endParaRPr lang="zh-CN" altLang="zh-CN" sz="1800" dirty="0">
+              <a:solidFill>
+                <a:srgbClr val="000000"/>
+              </a:solidFill>
+              <a:effectLst/>
+              <a:latin typeface="Cambria" panose="02040503050406030204" pitchFamily="18" charset="0"/>
+              <a:ea typeface="等线" panose="02010600030101010101" pitchFamily="2" charset="-122"/>
+              <a:cs typeface="Cambria" panose="02040503050406030204" pitchFamily="18" charset="0"/>
+            </a:endParaRPr>
+          </a:p>
+          <a:p>
+            <a:pPr>
+              <a:lnSpc>
+                <a:spcPct val="115000"/>
+              </a:lnSpc>
+            </a:pPr>
+            <a:r>
+              <a:rPr lang="en-US" altLang="zh-CN" sz="1800" dirty="0">
+                <a:solidFill>
+                  <a:srgbClr val="000000"/>
+                </a:solidFill>
+                <a:effectLst/>
+                <a:latin typeface="Calibri" panose="020F0502020204030204" pitchFamily="34" charset="0"/>
+                <a:ea typeface="等线" panose="02010600030101010101" pitchFamily="2" charset="-122"/>
+                <a:cs typeface="Cambria" panose="02040503050406030204" pitchFamily="18" charset="0"/>
+              </a:rPr>
+              <a:t>3. </a:t>
+            </a:r>
+            <a:r>
+              <a:rPr lang="en-US" altLang="zh-CN" sz="1800" dirty="0">
+                <a:solidFill>
+                  <a:srgbClr val="000000"/>
+                </a:solidFill>
+                <a:effectLst/>
+                <a:latin typeface="Calibri" panose="020F0502020204030204" pitchFamily="34" charset="0"/>
+                <a:ea typeface="等线" panose="02010600030101010101" pitchFamily="2" charset="-122"/>
+                <a:cs typeface="Cambria" panose="02040503050406030204" pitchFamily="18" charset="0"/>
+                <a:hlinkClick r:id="rId7"/>
+              </a:rPr>
+              <a:t>http://www.visitxm.com</a:t>
+            </a:r>
+            <a:endParaRPr lang="en-US" altLang="zh-CN" sz="1800" dirty="0">
+              <a:solidFill>
+                <a:srgbClr val="000000"/>
+              </a:solidFill>
+              <a:effectLst/>
+              <a:latin typeface="Calibri" panose="020F0502020204030204" pitchFamily="34" charset="0"/>
+              <a:ea typeface="等线" panose="02010600030101010101" pitchFamily="2" charset="-122"/>
+              <a:cs typeface="Cambria" panose="02040503050406030204" pitchFamily="18" charset="0"/>
+            </a:endParaRPr>
+          </a:p>
+          <a:p>
+            <a:pPr>
+              <a:lnSpc>
+                <a:spcPct val="115000"/>
+              </a:lnSpc>
+            </a:pPr>
+            <a:r>
+              <a:rPr lang="en-US" altLang="zh-CN" sz="1800" dirty="0">
+                <a:solidFill>
+                  <a:srgbClr val="000000"/>
+                </a:solidFill>
+                <a:effectLst/>
+                <a:latin typeface="Calibri" panose="020F0502020204030204" pitchFamily="34" charset="0"/>
+                <a:ea typeface="等线" panose="02010600030101010101" pitchFamily="2" charset="-122"/>
+                <a:cs typeface="Cambria" panose="02040503050406030204" pitchFamily="18" charset="0"/>
+              </a:rPr>
+              <a:t>4. </a:t>
+            </a:r>
+            <a:r>
+              <a:rPr lang="en-US" altLang="zh-CN" sz="1800" dirty="0">
+                <a:solidFill>
+                  <a:srgbClr val="000000"/>
+                </a:solidFill>
+                <a:effectLst/>
+                <a:latin typeface="Calibri" panose="020F0502020204030204" pitchFamily="34" charset="0"/>
+                <a:ea typeface="等线" panose="02010600030101010101" pitchFamily="2" charset="-122"/>
+                <a:cs typeface="Cambria" panose="02040503050406030204" pitchFamily="18" charset="0"/>
+                <a:hlinkClick r:id="rId8"/>
+              </a:rPr>
+              <a:t>www.dunhuangtour.com</a:t>
+            </a:r>
+            <a:endParaRPr lang="en-US" altLang="zh-CN" sz="1800" dirty="0">
+              <a:solidFill>
+                <a:srgbClr val="000000"/>
+              </a:solidFill>
+              <a:effectLst/>
+              <a:latin typeface="Calibri" panose="020F0502020204030204" pitchFamily="34" charset="0"/>
+              <a:ea typeface="等线" panose="02010600030101010101" pitchFamily="2" charset="-122"/>
+              <a:cs typeface="Cambria" panose="02040503050406030204" pitchFamily="18" charset="0"/>
+            </a:endParaRPr>
+          </a:p>
+          <a:p>
+            <a:pPr algn="l"/>
+            <a:r>
+              <a:rPr lang="en-US" altLang="zh-CN" sz="1800" dirty="0">
+                <a:solidFill>
+                  <a:srgbClr val="000000"/>
+                </a:solidFill>
+                <a:latin typeface="Calibri" panose="020F0502020204030204" pitchFamily="34" charset="0"/>
+                <a:ea typeface="等线" panose="02010600030101010101" pitchFamily="2" charset="-122"/>
+                <a:cs typeface="Cambria" panose="02040503050406030204" pitchFamily="18" charset="0"/>
+              </a:rPr>
+              <a:t>5. </a:t>
+            </a:r>
+            <a:r>
+              <a:rPr lang="it-IT" altLang="zh-CN" sz="1600" b="0" i="0" u="none" strike="noStrike" dirty="0">
+                <a:solidFill>
+                  <a:srgbClr val="202124"/>
+                </a:solidFill>
+                <a:effectLst/>
+                <a:latin typeface="arial" panose="020B0604020202020204" pitchFamily="34" charset="0"/>
+                <a:hlinkClick r:id="rId9"/>
+              </a:rPr>
+              <a:t>www.w3schools.com</a:t>
+            </a:r>
+            <a:endParaRPr lang="it-IT" altLang="zh-CN" sz="1600" b="0" i="0" u="none" strike="noStrike" dirty="0">
+              <a:solidFill>
+                <a:srgbClr val="1A0DAB"/>
+              </a:solidFill>
+              <a:effectLst/>
+              <a:latin typeface="arial" panose="020B0604020202020204" pitchFamily="34" charset="0"/>
+              <a:hlinkClick r:id="rId9"/>
+            </a:endParaRPr>
+          </a:p>
+          <a:p>
+            <a:pPr rtl="0"/>
+            <a:endParaRPr lang="zh-CN" dirty="0"/>
+          </a:p>
+        </p:txBody>
+      </p:sp>
+      <p:sp>
+        <p:nvSpPr>
+          <p:cNvPr id="14" name="页脚占位符 13">
+            <a:extLst>
+              <a:ext uri="{FF2B5EF4-FFF2-40B4-BE49-F238E27FC236}">
+                <a16:creationId xmlns:a16="http://schemas.microsoft.com/office/drawing/2014/main" id="{F2598B45-0899-4C64-A088-FE0583534F45}"/>
+              </a:ext>
+            </a:extLst>
+          </p:cNvPr>
+          <p:cNvSpPr>
+            <a:spLocks noGrp="1"/>
+          </p:cNvSpPr>
+          <p:nvPr>
+            <p:ph type="ftr" sz="quarter" idx="11"/>
+          </p:nvPr>
+        </p:nvSpPr>
+        <p:spPr>
+          <a:xfrm>
+            <a:off x="2756848" y="6349239"/>
+            <a:ext cx="3428012" cy="365125"/>
+          </a:xfrm>
+        </p:spPr>
+        <p:txBody>
+          <a:bodyPr rtlCol="0"/>
+          <a:lstStyle/>
+          <a:p>
+            <a:pPr rtl="0"/>
+            <a:r>
+              <a:rPr lang="en-US" altLang="zh-CN" dirty="0">
+                <a:solidFill>
+                  <a:schemeClr val="tx1"/>
+                </a:solidFill>
+              </a:rPr>
+              <a:t>Website Design of John-Abbott College</a:t>
+            </a:r>
+            <a:endParaRPr lang="zh-CN" altLang="zh-CN" dirty="0">
+              <a:solidFill>
+                <a:schemeClr val="tx1"/>
+              </a:solidFill>
+            </a:endParaRPr>
+          </a:p>
+        </p:txBody>
+      </p:sp>
+      <p:sp>
+        <p:nvSpPr>
+          <p:cNvPr id="13" name="日期占位符 12">
+            <a:extLst>
+              <a:ext uri="{FF2B5EF4-FFF2-40B4-BE49-F238E27FC236}">
+                <a16:creationId xmlns:a16="http://schemas.microsoft.com/office/drawing/2014/main" id="{A3967E21-B2F3-45A0-8DC7-5AA3CCC51699}"/>
+              </a:ext>
+            </a:extLst>
+          </p:cNvPr>
+          <p:cNvSpPr>
+            <a:spLocks noGrp="1"/>
+          </p:cNvSpPr>
+          <p:nvPr>
+            <p:ph type="dt" sz="half" idx="10"/>
+          </p:nvPr>
+        </p:nvSpPr>
+        <p:spPr>
+          <a:xfrm>
+            <a:off x="9017000" y="6433202"/>
+            <a:ext cx="2374150" cy="367841"/>
+          </a:xfrm>
+        </p:spPr>
+        <p:txBody>
+          <a:bodyPr rtlCol="0"/>
+          <a:lstStyle/>
+          <a:p>
+            <a:pPr rtl="0"/>
+            <a:r>
+              <a:rPr lang="zh-CN" altLang="zh-CN" dirty="0"/>
+              <a:t>20</a:t>
+            </a:r>
+            <a:r>
+              <a:rPr lang="en-US" altLang="zh-CN" dirty="0"/>
+              <a:t>21</a:t>
+            </a:r>
+            <a:r>
+              <a:rPr lang="zh-CN" altLang="zh-CN" dirty="0"/>
+              <a:t>/</a:t>
+            </a:r>
+            <a:r>
+              <a:rPr lang="en-US" altLang="zh-CN" dirty="0"/>
+              <a:t>09</a:t>
+            </a:r>
+            <a:r>
+              <a:rPr lang="zh-CN" altLang="zh-CN" dirty="0"/>
+              <a:t>/</a:t>
+            </a:r>
+            <a:r>
+              <a:rPr lang="en-US" altLang="zh-CN" dirty="0"/>
+              <a:t>01</a:t>
+            </a:r>
+            <a:endParaRPr lang="zh-CN" altLang="zh-CN" dirty="0"/>
+          </a:p>
+        </p:txBody>
+      </p:sp>
+      <p:sp>
+        <p:nvSpPr>
+          <p:cNvPr id="15" name="灯片编号占位符 14">
+            <a:extLst>
+              <a:ext uri="{FF2B5EF4-FFF2-40B4-BE49-F238E27FC236}">
+                <a16:creationId xmlns:a16="http://schemas.microsoft.com/office/drawing/2014/main" id="{E87B0019-071E-4C19-9139-35D5377D2C85}"/>
+              </a:ext>
+            </a:extLst>
+          </p:cNvPr>
+          <p:cNvSpPr>
+            <a:spLocks noGrp="1"/>
+          </p:cNvSpPr>
+          <p:nvPr>
+            <p:ph type="sldNum" sz="quarter" idx="12"/>
+          </p:nvPr>
+        </p:nvSpPr>
+        <p:spPr>
+          <a:xfrm>
+            <a:off x="11391150" y="6433203"/>
+            <a:ext cx="693263" cy="367842"/>
+          </a:xfrm>
+        </p:spPr>
+        <p:txBody>
+          <a:bodyPr rtlCol="0"/>
+          <a:lstStyle/>
+          <a:p>
+            <a:pPr rtl="0"/>
+            <a:fld id="{08AB70BE-1769-45B8-85A6-0C837432C7E6}" type="slidenum">
+              <a:rPr lang="en-US" altLang="zh-CN" smtClean="0"/>
+              <a:pPr rtl="0"/>
+              <a:t>20</a:t>
+            </a:fld>
+            <a:endParaRPr lang="zh-CN" dirty="0"/>
+          </a:p>
+        </p:txBody>
+      </p:sp>
+    </p:spTree>
+    <p:extLst>
+      <p:ext uri="{BB962C8B-B14F-4D97-AF65-F5344CB8AC3E}">
+        <p14:creationId xmlns:p14="http://schemas.microsoft.com/office/powerpoint/2010/main" val="162092071"/>
+      </p:ext>
+    </p:extLst>
+  </p:cSld>
+  <p:clrMapOvr>
+    <a:masterClrMapping/>
+  </p:clrMapOvr>
+</p:sld>
+</file>
+
+<file path=ppt/slides/slide21.xml><?xml version="1.0" encoding="utf-8"?>
+<p:sld xmlns:a="http://schemas.openxmlformats.org/drawingml/2006/main" xmlns:r="http://schemas.openxmlformats.org/officeDocument/2006/relationships" xmlns:p="http://schemas.openxmlformats.org/presentationml/2006/main">
+  <p:cSld>
+    <p:spTree>
+      <p:nvGrpSpPr>
+        <p:cNvPr id="1" name=""/>
+        <p:cNvGrpSpPr/>
+        <p:nvPr/>
+      </p:nvGrpSpPr>
+      <p:grpSpPr>
+        <a:xfrm>
+          <a:off x="0" y="0"/>
+          <a:ext cx="0" cy="0"/>
+          <a:chOff x="0" y="0"/>
+          <a:chExt cx="0" cy="0"/>
+        </a:xfrm>
+      </p:grpSpPr>
+      <p:sp>
+        <p:nvSpPr>
           <p:cNvPr id="2" name="标题 1">
             <a:extLst>
               <a:ext uri="{FF2B5EF4-FFF2-40B4-BE49-F238E27FC236}">
@@ -22726,7 +22978,7 @@
                   <a:spcPts val="600"/>
                 </a:spcAft>
               </a:pPr>
-              <a:t>20</a:t>
+              <a:t>21</a:t>
             </a:fld>
             <a:endParaRPr lang="zh-CN"/>
           </a:p>
